--- a/resource.pptx
+++ b/resource.pptx
@@ -2,19 +2,21 @@
 <file path=ppt/presentation.xml><?xml version="1.0" encoding="utf-8"?>
 <p:presentation xmlns:a="http://schemas.openxmlformats.org/drawingml/2006/main" xmlns:r="http://schemas.openxmlformats.org/officeDocument/2006/relationships" xmlns:p="http://schemas.openxmlformats.org/presentationml/2006/main" saveSubsetFonts="1">
   <p:sldMasterIdLst>
-    <p:sldMasterId id="2147483648" r:id="rId1"/>
+    <p:sldMasterId id="2147483660" r:id="rId1"/>
   </p:sldMasterIdLst>
   <p:sldIdLst>
     <p:sldId id="256" r:id="rId2"/>
+    <p:sldId id="257" r:id="rId3"/>
+    <p:sldId id="258" r:id="rId4"/>
   </p:sldIdLst>
   <p:sldSz cx="12192000" cy="6858000"/>
   <p:notesSz cx="6858000" cy="9144000"/>
   <p:defaultTextStyle>
     <a:defPPr>
-      <a:defRPr lang="ja-JP"/>
+      <a:defRPr lang="en-US"/>
     </a:defPPr>
-    <a:lvl1pPr marL="0" algn="l" defTabSz="914400" rtl="0" eaLnBrk="1" latinLnBrk="0" hangingPunct="1">
-      <a:defRPr kumimoji="1" sz="1800" kern="1200">
+    <a:lvl1pPr marL="0" algn="l" defTabSz="457200" rtl="0" eaLnBrk="1" latinLnBrk="0" hangingPunct="1">
+      <a:defRPr sz="1800" kern="1200">
         <a:solidFill>
           <a:schemeClr val="tx1"/>
         </a:solidFill>
@@ -23,8 +25,8 @@
         <a:cs typeface="+mn-cs"/>
       </a:defRPr>
     </a:lvl1pPr>
-    <a:lvl2pPr marL="457200" algn="l" defTabSz="914400" rtl="0" eaLnBrk="1" latinLnBrk="0" hangingPunct="1">
-      <a:defRPr kumimoji="1" sz="1800" kern="1200">
+    <a:lvl2pPr marL="457200" algn="l" defTabSz="457200" rtl="0" eaLnBrk="1" latinLnBrk="0" hangingPunct="1">
+      <a:defRPr sz="1800" kern="1200">
         <a:solidFill>
           <a:schemeClr val="tx1"/>
         </a:solidFill>
@@ -33,8 +35,8 @@
         <a:cs typeface="+mn-cs"/>
       </a:defRPr>
     </a:lvl2pPr>
-    <a:lvl3pPr marL="914400" algn="l" defTabSz="914400" rtl="0" eaLnBrk="1" latinLnBrk="0" hangingPunct="1">
-      <a:defRPr kumimoji="1" sz="1800" kern="1200">
+    <a:lvl3pPr marL="914400" algn="l" defTabSz="457200" rtl="0" eaLnBrk="1" latinLnBrk="0" hangingPunct="1">
+      <a:defRPr sz="1800" kern="1200">
         <a:solidFill>
           <a:schemeClr val="tx1"/>
         </a:solidFill>
@@ -43,8 +45,8 @@
         <a:cs typeface="+mn-cs"/>
       </a:defRPr>
     </a:lvl3pPr>
-    <a:lvl4pPr marL="1371600" algn="l" defTabSz="914400" rtl="0" eaLnBrk="1" latinLnBrk="0" hangingPunct="1">
-      <a:defRPr kumimoji="1" sz="1800" kern="1200">
+    <a:lvl4pPr marL="1371600" algn="l" defTabSz="457200" rtl="0" eaLnBrk="1" latinLnBrk="0" hangingPunct="1">
+      <a:defRPr sz="1800" kern="1200">
         <a:solidFill>
           <a:schemeClr val="tx1"/>
         </a:solidFill>
@@ -53,8 +55,8 @@
         <a:cs typeface="+mn-cs"/>
       </a:defRPr>
     </a:lvl4pPr>
-    <a:lvl5pPr marL="1828800" algn="l" defTabSz="914400" rtl="0" eaLnBrk="1" latinLnBrk="0" hangingPunct="1">
-      <a:defRPr kumimoji="1" sz="1800" kern="1200">
+    <a:lvl5pPr marL="1828800" algn="l" defTabSz="457200" rtl="0" eaLnBrk="1" latinLnBrk="0" hangingPunct="1">
+      <a:defRPr sz="1800" kern="1200">
         <a:solidFill>
           <a:schemeClr val="tx1"/>
         </a:solidFill>
@@ -63,8 +65,8 @@
         <a:cs typeface="+mn-cs"/>
       </a:defRPr>
     </a:lvl5pPr>
-    <a:lvl6pPr marL="2286000" algn="l" defTabSz="914400" rtl="0" eaLnBrk="1" latinLnBrk="0" hangingPunct="1">
-      <a:defRPr kumimoji="1" sz="1800" kern="1200">
+    <a:lvl6pPr marL="2286000" algn="l" defTabSz="457200" rtl="0" eaLnBrk="1" latinLnBrk="0" hangingPunct="1">
+      <a:defRPr sz="1800" kern="1200">
         <a:solidFill>
           <a:schemeClr val="tx1"/>
         </a:solidFill>
@@ -73,8 +75,8 @@
         <a:cs typeface="+mn-cs"/>
       </a:defRPr>
     </a:lvl6pPr>
-    <a:lvl7pPr marL="2743200" algn="l" defTabSz="914400" rtl="0" eaLnBrk="1" latinLnBrk="0" hangingPunct="1">
-      <a:defRPr kumimoji="1" sz="1800" kern="1200">
+    <a:lvl7pPr marL="2743200" algn="l" defTabSz="457200" rtl="0" eaLnBrk="1" latinLnBrk="0" hangingPunct="1">
+      <a:defRPr sz="1800" kern="1200">
         <a:solidFill>
           <a:schemeClr val="tx1"/>
         </a:solidFill>
@@ -83,8 +85,8 @@
         <a:cs typeface="+mn-cs"/>
       </a:defRPr>
     </a:lvl7pPr>
-    <a:lvl8pPr marL="3200400" algn="l" defTabSz="914400" rtl="0" eaLnBrk="1" latinLnBrk="0" hangingPunct="1">
-      <a:defRPr kumimoji="1" sz="1800" kern="1200">
+    <a:lvl8pPr marL="3200400" algn="l" defTabSz="457200" rtl="0" eaLnBrk="1" latinLnBrk="0" hangingPunct="1">
+      <a:defRPr sz="1800" kern="1200">
         <a:solidFill>
           <a:schemeClr val="tx1"/>
         </a:solidFill>
@@ -93,8 +95,8 @@
         <a:cs typeface="+mn-cs"/>
       </a:defRPr>
     </a:lvl8pPr>
-    <a:lvl9pPr marL="3657600" algn="l" defTabSz="914400" rtl="0" eaLnBrk="1" latinLnBrk="0" hangingPunct="1">
-      <a:defRPr kumimoji="1" sz="1800" kern="1200">
+    <a:lvl9pPr marL="3657600" algn="l" defTabSz="457200" rtl="0" eaLnBrk="1" latinLnBrk="0" hangingPunct="1">
+      <a:defRPr sz="1800" kern="1200">
         <a:solidFill>
           <a:schemeClr val="tx1"/>
         </a:solidFill>
@@ -104,6 +106,11 @@
       </a:defRPr>
     </a:lvl9pPr>
   </p:defaultTextStyle>
+  <p:extLst>
+    <p:ext uri="{EFAFB233-063F-42B5-8137-9DF3F51BA10A}">
+      <p15:sldGuideLst xmlns:p15="http://schemas.microsoft.com/office/powerpoint/2012/main"/>
+    </p:ext>
+  </p:extLst>
 </p:presentation>
 </file>
 
@@ -126,13 +133,7 @@
       </p:grpSpPr>
       <p:sp>
         <p:nvSpPr>
-          <p:cNvPr id="2" name="タイトル 1">
-            <a:extLst>
-              <a:ext uri="{FF2B5EF4-FFF2-40B4-BE49-F238E27FC236}">
-                <a16:creationId xmlns:a16="http://schemas.microsoft.com/office/drawing/2014/main" id="{2A21ACE0-B3EF-4B79-B657-15B1237E9F74}"/>
-              </a:ext>
-            </a:extLst>
-          </p:cNvPr>
+          <p:cNvPr id="2" name="Title 1"/>
           <p:cNvSpPr>
             <a:spLocks noGrp="1"/>
           </p:cNvSpPr>
@@ -155,21 +156,16 @@
           </a:lstStyle>
           <a:p>
             <a:r>
-              <a:rPr kumimoji="1" lang="ja-JP" altLang="en-US"/>
+              <a:rPr lang="ja-JP" altLang="en-US"/>
               <a:t>マスター タイトルの書式設定</a:t>
             </a:r>
-          </a:p>
-        </p:txBody>
-      </p:sp>
-      <p:sp>
-        <p:nvSpPr>
-          <p:cNvPr id="3" name="字幕 2">
-            <a:extLst>
-              <a:ext uri="{FF2B5EF4-FFF2-40B4-BE49-F238E27FC236}">
-                <a16:creationId xmlns:a16="http://schemas.microsoft.com/office/drawing/2014/main" id="{2BB5AB58-F26C-46BF-9C43-9B52F4C04D80}"/>
-              </a:ext>
-            </a:extLst>
-          </p:cNvPr>
+            <a:endParaRPr lang="en-US" dirty="0"/>
+          </a:p>
+        </p:txBody>
+      </p:sp>
+      <p:sp>
+        <p:nvSpPr>
+          <p:cNvPr id="3" name="Subtitle 2"/>
           <p:cNvSpPr>
             <a:spLocks noGrp="1"/>
           </p:cNvSpPr>
@@ -225,21 +221,16 @@
           </a:lstStyle>
           <a:p>
             <a:r>
-              <a:rPr kumimoji="1" lang="ja-JP" altLang="en-US"/>
+              <a:rPr lang="ja-JP" altLang="en-US"/>
               <a:t>マスター サブタイトルの書式設定</a:t>
             </a:r>
-          </a:p>
-        </p:txBody>
-      </p:sp>
-      <p:sp>
-        <p:nvSpPr>
-          <p:cNvPr id="4" name="日付プレースホルダー 3">
-            <a:extLst>
-              <a:ext uri="{FF2B5EF4-FFF2-40B4-BE49-F238E27FC236}">
-                <a16:creationId xmlns:a16="http://schemas.microsoft.com/office/drawing/2014/main" id="{DE88BFA5-8438-440A-99DD-5FE88B459051}"/>
-              </a:ext>
-            </a:extLst>
-          </p:cNvPr>
+            <a:endParaRPr lang="en-US" dirty="0"/>
+          </a:p>
+        </p:txBody>
+      </p:sp>
+      <p:sp>
+        <p:nvSpPr>
+          <p:cNvPr id="4" name="Date Placeholder 3"/>
           <p:cNvSpPr>
             <a:spLocks noGrp="1"/>
           </p:cNvSpPr>
@@ -254,7 +245,7 @@
           <a:p>
             <a:fld id="{F393CF75-DA3A-4376-8130-7D6E005E77C9}" type="datetimeFigureOut">
               <a:rPr kumimoji="1" lang="ja-JP" altLang="en-US" smtClean="0"/>
-              <a:t>2019/10/27</a:t>
+              <a:t>2019/11/13</a:t>
             </a:fld>
             <a:endParaRPr kumimoji="1" lang="ja-JP" altLang="en-US"/>
           </a:p>
@@ -262,13 +253,7 @@
       </p:sp>
       <p:sp>
         <p:nvSpPr>
-          <p:cNvPr id="5" name="フッター プレースホルダー 4">
-            <a:extLst>
-              <a:ext uri="{FF2B5EF4-FFF2-40B4-BE49-F238E27FC236}">
-                <a16:creationId xmlns:a16="http://schemas.microsoft.com/office/drawing/2014/main" id="{A2B49003-52D9-448D-A268-09CE821DED73}"/>
-              </a:ext>
-            </a:extLst>
-          </p:cNvPr>
+          <p:cNvPr id="5" name="Footer Placeholder 4"/>
           <p:cNvSpPr>
             <a:spLocks noGrp="1"/>
           </p:cNvSpPr>
@@ -287,13 +272,7 @@
       </p:sp>
       <p:sp>
         <p:nvSpPr>
-          <p:cNvPr id="6" name="スライド番号プレースホルダー 5">
-            <a:extLst>
-              <a:ext uri="{FF2B5EF4-FFF2-40B4-BE49-F238E27FC236}">
-                <a16:creationId xmlns:a16="http://schemas.microsoft.com/office/drawing/2014/main" id="{58DB1FBF-1042-413F-8E57-211A693146CD}"/>
-              </a:ext>
-            </a:extLst>
-          </p:cNvPr>
+          <p:cNvPr id="6" name="Slide Number Placeholder 5"/>
           <p:cNvSpPr>
             <a:spLocks noGrp="1"/>
           </p:cNvSpPr>
@@ -317,7 +296,7 @@
     </p:spTree>
     <p:extLst>
       <p:ext uri="{BB962C8B-B14F-4D97-AF65-F5344CB8AC3E}">
-        <p14:creationId xmlns:p14="http://schemas.microsoft.com/office/powerpoint/2010/main" val="1794794562"/>
+        <p14:creationId xmlns:p14="http://schemas.microsoft.com/office/powerpoint/2010/main" val="1247363365"/>
       </p:ext>
     </p:extLst>
   </p:cSld>
@@ -346,13 +325,7 @@
       </p:grpSpPr>
       <p:sp>
         <p:nvSpPr>
-          <p:cNvPr id="2" name="タイトル 1">
-            <a:extLst>
-              <a:ext uri="{FF2B5EF4-FFF2-40B4-BE49-F238E27FC236}">
-                <a16:creationId xmlns:a16="http://schemas.microsoft.com/office/drawing/2014/main" id="{2350A81A-F883-4CB7-92B2-DB0EFA179194}"/>
-              </a:ext>
-            </a:extLst>
-          </p:cNvPr>
+          <p:cNvPr id="2" name="Title 1"/>
           <p:cNvSpPr>
             <a:spLocks noGrp="1"/>
           </p:cNvSpPr>
@@ -366,21 +339,16 @@
           <a:lstStyle/>
           <a:p>
             <a:r>
-              <a:rPr kumimoji="1" lang="ja-JP" altLang="en-US"/>
+              <a:rPr lang="ja-JP" altLang="en-US"/>
               <a:t>マスター タイトルの書式設定</a:t>
             </a:r>
-          </a:p>
-        </p:txBody>
-      </p:sp>
-      <p:sp>
-        <p:nvSpPr>
-          <p:cNvPr id="3" name="縦書きテキスト プレースホルダー 2">
-            <a:extLst>
-              <a:ext uri="{FF2B5EF4-FFF2-40B4-BE49-F238E27FC236}">
-                <a16:creationId xmlns:a16="http://schemas.microsoft.com/office/drawing/2014/main" id="{2ECC462A-6ADE-4418-A061-C16DB0C2642D}"/>
-              </a:ext>
-            </a:extLst>
-          </p:cNvPr>
+            <a:endParaRPr lang="en-US" dirty="0"/>
+          </a:p>
+        </p:txBody>
+      </p:sp>
+      <p:sp>
+        <p:nvSpPr>
+          <p:cNvPr id="3" name="Vertical Text Placeholder 2"/>
           <p:cNvSpPr>
             <a:spLocks noGrp="1"/>
           </p:cNvSpPr>
@@ -395,81 +363,76 @@
           <a:p>
             <a:pPr lvl="0"/>
             <a:r>
-              <a:rPr kumimoji="1" lang="ja-JP" altLang="en-US"/>
+              <a:rPr lang="ja-JP" altLang="en-US"/>
               <a:t>マスター テキストの書式設定</a:t>
             </a:r>
           </a:p>
           <a:p>
             <a:pPr lvl="1"/>
             <a:r>
-              <a:rPr kumimoji="1" lang="ja-JP" altLang="en-US"/>
+              <a:rPr lang="ja-JP" altLang="en-US"/>
               <a:t>第 </a:t>
             </a:r>
             <a:r>
-              <a:rPr kumimoji="1" lang="en-US" altLang="ja-JP"/>
+              <a:rPr lang="en-US" altLang="ja-JP"/>
               <a:t>2 </a:t>
             </a:r>
             <a:r>
-              <a:rPr kumimoji="1" lang="ja-JP" altLang="en-US"/>
+              <a:rPr lang="ja-JP" altLang="en-US"/>
               <a:t>レベル</a:t>
             </a:r>
           </a:p>
           <a:p>
             <a:pPr lvl="2"/>
             <a:r>
-              <a:rPr kumimoji="1" lang="ja-JP" altLang="en-US"/>
+              <a:rPr lang="ja-JP" altLang="en-US"/>
               <a:t>第 </a:t>
             </a:r>
             <a:r>
-              <a:rPr kumimoji="1" lang="en-US" altLang="ja-JP"/>
+              <a:rPr lang="en-US" altLang="ja-JP"/>
               <a:t>3 </a:t>
             </a:r>
             <a:r>
-              <a:rPr kumimoji="1" lang="ja-JP" altLang="en-US"/>
+              <a:rPr lang="ja-JP" altLang="en-US"/>
               <a:t>レベル</a:t>
             </a:r>
           </a:p>
           <a:p>
             <a:pPr lvl="3"/>
             <a:r>
-              <a:rPr kumimoji="1" lang="ja-JP" altLang="en-US"/>
+              <a:rPr lang="ja-JP" altLang="en-US"/>
               <a:t>第 </a:t>
             </a:r>
             <a:r>
-              <a:rPr kumimoji="1" lang="en-US" altLang="ja-JP"/>
+              <a:rPr lang="en-US" altLang="ja-JP"/>
               <a:t>4 </a:t>
             </a:r>
             <a:r>
-              <a:rPr kumimoji="1" lang="ja-JP" altLang="en-US"/>
+              <a:rPr lang="ja-JP" altLang="en-US"/>
               <a:t>レベル</a:t>
             </a:r>
           </a:p>
           <a:p>
             <a:pPr lvl="4"/>
             <a:r>
-              <a:rPr kumimoji="1" lang="ja-JP" altLang="en-US"/>
+              <a:rPr lang="ja-JP" altLang="en-US"/>
               <a:t>第 </a:t>
             </a:r>
             <a:r>
-              <a:rPr kumimoji="1" lang="en-US" altLang="ja-JP"/>
+              <a:rPr lang="en-US" altLang="ja-JP"/>
               <a:t>5 </a:t>
             </a:r>
             <a:r>
-              <a:rPr kumimoji="1" lang="ja-JP" altLang="en-US"/>
+              <a:rPr lang="ja-JP" altLang="en-US"/>
               <a:t>レベル</a:t>
             </a:r>
-          </a:p>
-        </p:txBody>
-      </p:sp>
-      <p:sp>
-        <p:nvSpPr>
-          <p:cNvPr id="4" name="日付プレースホルダー 3">
-            <a:extLst>
-              <a:ext uri="{FF2B5EF4-FFF2-40B4-BE49-F238E27FC236}">
-                <a16:creationId xmlns:a16="http://schemas.microsoft.com/office/drawing/2014/main" id="{D5DF13E7-49FF-4588-A929-D643DC62996C}"/>
-              </a:ext>
-            </a:extLst>
-          </p:cNvPr>
+            <a:endParaRPr lang="en-US" dirty="0"/>
+          </a:p>
+        </p:txBody>
+      </p:sp>
+      <p:sp>
+        <p:nvSpPr>
+          <p:cNvPr id="4" name="Date Placeholder 3"/>
           <p:cNvSpPr>
             <a:spLocks noGrp="1"/>
           </p:cNvSpPr>
@@ -484,7 +447,7 @@
           <a:p>
             <a:fld id="{F393CF75-DA3A-4376-8130-7D6E005E77C9}" type="datetimeFigureOut">
               <a:rPr kumimoji="1" lang="ja-JP" altLang="en-US" smtClean="0"/>
-              <a:t>2019/10/27</a:t>
+              <a:t>2019/11/13</a:t>
             </a:fld>
             <a:endParaRPr kumimoji="1" lang="ja-JP" altLang="en-US"/>
           </a:p>
@@ -492,13 +455,7 @@
       </p:sp>
       <p:sp>
         <p:nvSpPr>
-          <p:cNvPr id="5" name="フッター プレースホルダー 4">
-            <a:extLst>
-              <a:ext uri="{FF2B5EF4-FFF2-40B4-BE49-F238E27FC236}">
-                <a16:creationId xmlns:a16="http://schemas.microsoft.com/office/drawing/2014/main" id="{EF382F4D-4DA1-49D5-A8C4-4E08A6AA2D65}"/>
-              </a:ext>
-            </a:extLst>
-          </p:cNvPr>
+          <p:cNvPr id="5" name="Footer Placeholder 4"/>
           <p:cNvSpPr>
             <a:spLocks noGrp="1"/>
           </p:cNvSpPr>
@@ -517,13 +474,7 @@
       </p:sp>
       <p:sp>
         <p:nvSpPr>
-          <p:cNvPr id="6" name="スライド番号プレースホルダー 5">
-            <a:extLst>
-              <a:ext uri="{FF2B5EF4-FFF2-40B4-BE49-F238E27FC236}">
-                <a16:creationId xmlns:a16="http://schemas.microsoft.com/office/drawing/2014/main" id="{785FFC78-7346-482D-A27A-CBD571A29377}"/>
-              </a:ext>
-            </a:extLst>
-          </p:cNvPr>
+          <p:cNvPr id="6" name="Slide Number Placeholder 5"/>
           <p:cNvSpPr>
             <a:spLocks noGrp="1"/>
           </p:cNvSpPr>
@@ -547,7 +498,7 @@
     </p:spTree>
     <p:extLst>
       <p:ext uri="{BB962C8B-B14F-4D97-AF65-F5344CB8AC3E}">
-        <p14:creationId xmlns:p14="http://schemas.microsoft.com/office/powerpoint/2010/main" val="204158078"/>
+        <p14:creationId xmlns:p14="http://schemas.microsoft.com/office/powerpoint/2010/main" val="1460645527"/>
       </p:ext>
     </p:extLst>
   </p:cSld>
@@ -576,13 +527,7 @@
       </p:grpSpPr>
       <p:sp>
         <p:nvSpPr>
-          <p:cNvPr id="2" name="縦書きタイトル 1">
-            <a:extLst>
-              <a:ext uri="{FF2B5EF4-FFF2-40B4-BE49-F238E27FC236}">
-                <a16:creationId xmlns:a16="http://schemas.microsoft.com/office/drawing/2014/main" id="{A4ADFC3A-AC98-4EA9-8D6F-E73B3D65E42B}"/>
-              </a:ext>
-            </a:extLst>
-          </p:cNvPr>
+          <p:cNvPr id="2" name="Vertical Title 1"/>
           <p:cNvSpPr>
             <a:spLocks noGrp="1"/>
           </p:cNvSpPr>
@@ -601,21 +546,16 @@
           <a:lstStyle/>
           <a:p>
             <a:r>
-              <a:rPr kumimoji="1" lang="ja-JP" altLang="en-US"/>
+              <a:rPr lang="ja-JP" altLang="en-US"/>
               <a:t>マスター タイトルの書式設定</a:t>
             </a:r>
-          </a:p>
-        </p:txBody>
-      </p:sp>
-      <p:sp>
-        <p:nvSpPr>
-          <p:cNvPr id="3" name="縦書きテキスト プレースホルダー 2">
-            <a:extLst>
-              <a:ext uri="{FF2B5EF4-FFF2-40B4-BE49-F238E27FC236}">
-                <a16:creationId xmlns:a16="http://schemas.microsoft.com/office/drawing/2014/main" id="{4C92D862-DE7E-4749-874A-7F49772607B9}"/>
-              </a:ext>
-            </a:extLst>
-          </p:cNvPr>
+            <a:endParaRPr lang="en-US" dirty="0"/>
+          </a:p>
+        </p:txBody>
+      </p:sp>
+      <p:sp>
+        <p:nvSpPr>
+          <p:cNvPr id="3" name="Vertical Text Placeholder 2"/>
           <p:cNvSpPr>
             <a:spLocks noGrp="1"/>
           </p:cNvSpPr>
@@ -635,81 +575,76 @@
           <a:p>
             <a:pPr lvl="0"/>
             <a:r>
-              <a:rPr kumimoji="1" lang="ja-JP" altLang="en-US"/>
+              <a:rPr lang="ja-JP" altLang="en-US"/>
               <a:t>マスター テキストの書式設定</a:t>
             </a:r>
           </a:p>
           <a:p>
             <a:pPr lvl="1"/>
             <a:r>
-              <a:rPr kumimoji="1" lang="ja-JP" altLang="en-US"/>
+              <a:rPr lang="ja-JP" altLang="en-US"/>
               <a:t>第 </a:t>
             </a:r>
             <a:r>
-              <a:rPr kumimoji="1" lang="en-US" altLang="ja-JP"/>
+              <a:rPr lang="en-US" altLang="ja-JP"/>
               <a:t>2 </a:t>
             </a:r>
             <a:r>
-              <a:rPr kumimoji="1" lang="ja-JP" altLang="en-US"/>
+              <a:rPr lang="ja-JP" altLang="en-US"/>
               <a:t>レベル</a:t>
             </a:r>
           </a:p>
           <a:p>
             <a:pPr lvl="2"/>
             <a:r>
-              <a:rPr kumimoji="1" lang="ja-JP" altLang="en-US"/>
+              <a:rPr lang="ja-JP" altLang="en-US"/>
               <a:t>第 </a:t>
             </a:r>
             <a:r>
-              <a:rPr kumimoji="1" lang="en-US" altLang="ja-JP"/>
+              <a:rPr lang="en-US" altLang="ja-JP"/>
               <a:t>3 </a:t>
             </a:r>
             <a:r>
-              <a:rPr kumimoji="1" lang="ja-JP" altLang="en-US"/>
+              <a:rPr lang="ja-JP" altLang="en-US"/>
               <a:t>レベル</a:t>
             </a:r>
           </a:p>
           <a:p>
             <a:pPr lvl="3"/>
             <a:r>
-              <a:rPr kumimoji="1" lang="ja-JP" altLang="en-US"/>
+              <a:rPr lang="ja-JP" altLang="en-US"/>
               <a:t>第 </a:t>
             </a:r>
             <a:r>
-              <a:rPr kumimoji="1" lang="en-US" altLang="ja-JP"/>
+              <a:rPr lang="en-US" altLang="ja-JP"/>
               <a:t>4 </a:t>
             </a:r>
             <a:r>
-              <a:rPr kumimoji="1" lang="ja-JP" altLang="en-US"/>
+              <a:rPr lang="ja-JP" altLang="en-US"/>
               <a:t>レベル</a:t>
             </a:r>
           </a:p>
           <a:p>
             <a:pPr lvl="4"/>
             <a:r>
-              <a:rPr kumimoji="1" lang="ja-JP" altLang="en-US"/>
+              <a:rPr lang="ja-JP" altLang="en-US"/>
               <a:t>第 </a:t>
             </a:r>
             <a:r>
-              <a:rPr kumimoji="1" lang="en-US" altLang="ja-JP"/>
+              <a:rPr lang="en-US" altLang="ja-JP"/>
               <a:t>5 </a:t>
             </a:r>
             <a:r>
-              <a:rPr kumimoji="1" lang="ja-JP" altLang="en-US"/>
+              <a:rPr lang="ja-JP" altLang="en-US"/>
               <a:t>レベル</a:t>
             </a:r>
-          </a:p>
-        </p:txBody>
-      </p:sp>
-      <p:sp>
-        <p:nvSpPr>
-          <p:cNvPr id="4" name="日付プレースホルダー 3">
-            <a:extLst>
-              <a:ext uri="{FF2B5EF4-FFF2-40B4-BE49-F238E27FC236}">
-                <a16:creationId xmlns:a16="http://schemas.microsoft.com/office/drawing/2014/main" id="{D83408A9-F5E7-4400-B779-CABFC09B4E54}"/>
-              </a:ext>
-            </a:extLst>
-          </p:cNvPr>
+            <a:endParaRPr lang="en-US" dirty="0"/>
+          </a:p>
+        </p:txBody>
+      </p:sp>
+      <p:sp>
+        <p:nvSpPr>
+          <p:cNvPr id="4" name="Date Placeholder 3"/>
           <p:cNvSpPr>
             <a:spLocks noGrp="1"/>
           </p:cNvSpPr>
@@ -724,7 +659,7 @@
           <a:p>
             <a:fld id="{F393CF75-DA3A-4376-8130-7D6E005E77C9}" type="datetimeFigureOut">
               <a:rPr kumimoji="1" lang="ja-JP" altLang="en-US" smtClean="0"/>
-              <a:t>2019/10/27</a:t>
+              <a:t>2019/11/13</a:t>
             </a:fld>
             <a:endParaRPr kumimoji="1" lang="ja-JP" altLang="en-US"/>
           </a:p>
@@ -732,13 +667,7 @@
       </p:sp>
       <p:sp>
         <p:nvSpPr>
-          <p:cNvPr id="5" name="フッター プレースホルダー 4">
-            <a:extLst>
-              <a:ext uri="{FF2B5EF4-FFF2-40B4-BE49-F238E27FC236}">
-                <a16:creationId xmlns:a16="http://schemas.microsoft.com/office/drawing/2014/main" id="{72E11AAD-8691-4118-A6B1-9AEC4DFD832B}"/>
-              </a:ext>
-            </a:extLst>
-          </p:cNvPr>
+          <p:cNvPr id="5" name="Footer Placeholder 4"/>
           <p:cNvSpPr>
             <a:spLocks noGrp="1"/>
           </p:cNvSpPr>
@@ -757,13 +686,7 @@
       </p:sp>
       <p:sp>
         <p:nvSpPr>
-          <p:cNvPr id="6" name="スライド番号プレースホルダー 5">
-            <a:extLst>
-              <a:ext uri="{FF2B5EF4-FFF2-40B4-BE49-F238E27FC236}">
-                <a16:creationId xmlns:a16="http://schemas.microsoft.com/office/drawing/2014/main" id="{38EA960C-FFE2-44B8-8881-C7226493E85E}"/>
-              </a:ext>
-            </a:extLst>
-          </p:cNvPr>
+          <p:cNvPr id="6" name="Slide Number Placeholder 5"/>
           <p:cNvSpPr>
             <a:spLocks noGrp="1"/>
           </p:cNvSpPr>
@@ -787,7 +710,7 @@
     </p:spTree>
     <p:extLst>
       <p:ext uri="{BB962C8B-B14F-4D97-AF65-F5344CB8AC3E}">
-        <p14:creationId xmlns:p14="http://schemas.microsoft.com/office/powerpoint/2010/main" val="2794788663"/>
+        <p14:creationId xmlns:p14="http://schemas.microsoft.com/office/powerpoint/2010/main" val="1740514739"/>
       </p:ext>
     </p:extLst>
   </p:cSld>
@@ -816,13 +739,7 @@
       </p:grpSpPr>
       <p:sp>
         <p:nvSpPr>
-          <p:cNvPr id="2" name="タイトル 1">
-            <a:extLst>
-              <a:ext uri="{FF2B5EF4-FFF2-40B4-BE49-F238E27FC236}">
-                <a16:creationId xmlns:a16="http://schemas.microsoft.com/office/drawing/2014/main" id="{859E169E-269E-4C23-AC0D-2B3C42149883}"/>
-              </a:ext>
-            </a:extLst>
-          </p:cNvPr>
+          <p:cNvPr id="2" name="Title 1"/>
           <p:cNvSpPr>
             <a:spLocks noGrp="1"/>
           </p:cNvSpPr>
@@ -836,21 +753,16 @@
           <a:lstStyle/>
           <a:p>
             <a:r>
-              <a:rPr kumimoji="1" lang="ja-JP" altLang="en-US"/>
+              <a:rPr lang="ja-JP" altLang="en-US"/>
               <a:t>マスター タイトルの書式設定</a:t>
             </a:r>
-          </a:p>
-        </p:txBody>
-      </p:sp>
-      <p:sp>
-        <p:nvSpPr>
-          <p:cNvPr id="3" name="コンテンツ プレースホルダー 2">
-            <a:extLst>
-              <a:ext uri="{FF2B5EF4-FFF2-40B4-BE49-F238E27FC236}">
-                <a16:creationId xmlns:a16="http://schemas.microsoft.com/office/drawing/2014/main" id="{37B9FD94-07F2-4CBF-858D-A4166117EC24}"/>
-              </a:ext>
-            </a:extLst>
-          </p:cNvPr>
+            <a:endParaRPr lang="en-US" dirty="0"/>
+          </a:p>
+        </p:txBody>
+      </p:sp>
+      <p:sp>
+        <p:nvSpPr>
+          <p:cNvPr id="3" name="Content Placeholder 2"/>
           <p:cNvSpPr>
             <a:spLocks noGrp="1"/>
           </p:cNvSpPr>
@@ -865,81 +777,76 @@
           <a:p>
             <a:pPr lvl="0"/>
             <a:r>
-              <a:rPr kumimoji="1" lang="ja-JP" altLang="en-US"/>
+              <a:rPr lang="ja-JP" altLang="en-US"/>
               <a:t>マスター テキストの書式設定</a:t>
             </a:r>
           </a:p>
           <a:p>
             <a:pPr lvl="1"/>
             <a:r>
-              <a:rPr kumimoji="1" lang="ja-JP" altLang="en-US"/>
+              <a:rPr lang="ja-JP" altLang="en-US"/>
               <a:t>第 </a:t>
             </a:r>
             <a:r>
-              <a:rPr kumimoji="1" lang="en-US" altLang="ja-JP"/>
+              <a:rPr lang="en-US" altLang="ja-JP"/>
               <a:t>2 </a:t>
             </a:r>
             <a:r>
-              <a:rPr kumimoji="1" lang="ja-JP" altLang="en-US"/>
+              <a:rPr lang="ja-JP" altLang="en-US"/>
               <a:t>レベル</a:t>
             </a:r>
           </a:p>
           <a:p>
             <a:pPr lvl="2"/>
             <a:r>
-              <a:rPr kumimoji="1" lang="ja-JP" altLang="en-US"/>
+              <a:rPr lang="ja-JP" altLang="en-US"/>
               <a:t>第 </a:t>
             </a:r>
             <a:r>
-              <a:rPr kumimoji="1" lang="en-US" altLang="ja-JP"/>
+              <a:rPr lang="en-US" altLang="ja-JP"/>
               <a:t>3 </a:t>
             </a:r>
             <a:r>
-              <a:rPr kumimoji="1" lang="ja-JP" altLang="en-US"/>
+              <a:rPr lang="ja-JP" altLang="en-US"/>
               <a:t>レベル</a:t>
             </a:r>
           </a:p>
           <a:p>
             <a:pPr lvl="3"/>
             <a:r>
-              <a:rPr kumimoji="1" lang="ja-JP" altLang="en-US"/>
+              <a:rPr lang="ja-JP" altLang="en-US"/>
               <a:t>第 </a:t>
             </a:r>
             <a:r>
-              <a:rPr kumimoji="1" lang="en-US" altLang="ja-JP"/>
+              <a:rPr lang="en-US" altLang="ja-JP"/>
               <a:t>4 </a:t>
             </a:r>
             <a:r>
-              <a:rPr kumimoji="1" lang="ja-JP" altLang="en-US"/>
+              <a:rPr lang="ja-JP" altLang="en-US"/>
               <a:t>レベル</a:t>
             </a:r>
           </a:p>
           <a:p>
             <a:pPr lvl="4"/>
             <a:r>
-              <a:rPr kumimoji="1" lang="ja-JP" altLang="en-US"/>
+              <a:rPr lang="ja-JP" altLang="en-US"/>
               <a:t>第 </a:t>
             </a:r>
             <a:r>
-              <a:rPr kumimoji="1" lang="en-US" altLang="ja-JP"/>
+              <a:rPr lang="en-US" altLang="ja-JP"/>
               <a:t>5 </a:t>
             </a:r>
             <a:r>
-              <a:rPr kumimoji="1" lang="ja-JP" altLang="en-US"/>
+              <a:rPr lang="ja-JP" altLang="en-US"/>
               <a:t>レベル</a:t>
             </a:r>
-          </a:p>
-        </p:txBody>
-      </p:sp>
-      <p:sp>
-        <p:nvSpPr>
-          <p:cNvPr id="4" name="日付プレースホルダー 3">
-            <a:extLst>
-              <a:ext uri="{FF2B5EF4-FFF2-40B4-BE49-F238E27FC236}">
-                <a16:creationId xmlns:a16="http://schemas.microsoft.com/office/drawing/2014/main" id="{6A767629-4E2C-4ADB-82D4-BE217A71DA1A}"/>
-              </a:ext>
-            </a:extLst>
-          </p:cNvPr>
+            <a:endParaRPr lang="en-US" dirty="0"/>
+          </a:p>
+        </p:txBody>
+      </p:sp>
+      <p:sp>
+        <p:nvSpPr>
+          <p:cNvPr id="4" name="Date Placeholder 3"/>
           <p:cNvSpPr>
             <a:spLocks noGrp="1"/>
           </p:cNvSpPr>
@@ -954,7 +861,7 @@
           <a:p>
             <a:fld id="{F393CF75-DA3A-4376-8130-7D6E005E77C9}" type="datetimeFigureOut">
               <a:rPr kumimoji="1" lang="ja-JP" altLang="en-US" smtClean="0"/>
-              <a:t>2019/10/27</a:t>
+              <a:t>2019/11/13</a:t>
             </a:fld>
             <a:endParaRPr kumimoji="1" lang="ja-JP" altLang="en-US"/>
           </a:p>
@@ -962,13 +869,7 @@
       </p:sp>
       <p:sp>
         <p:nvSpPr>
-          <p:cNvPr id="5" name="フッター プレースホルダー 4">
-            <a:extLst>
-              <a:ext uri="{FF2B5EF4-FFF2-40B4-BE49-F238E27FC236}">
-                <a16:creationId xmlns:a16="http://schemas.microsoft.com/office/drawing/2014/main" id="{4E8E12B0-2522-4E31-952D-687605C43683}"/>
-              </a:ext>
-            </a:extLst>
-          </p:cNvPr>
+          <p:cNvPr id="5" name="Footer Placeholder 4"/>
           <p:cNvSpPr>
             <a:spLocks noGrp="1"/>
           </p:cNvSpPr>
@@ -987,13 +888,7 @@
       </p:sp>
       <p:sp>
         <p:nvSpPr>
-          <p:cNvPr id="6" name="スライド番号プレースホルダー 5">
-            <a:extLst>
-              <a:ext uri="{FF2B5EF4-FFF2-40B4-BE49-F238E27FC236}">
-                <a16:creationId xmlns:a16="http://schemas.microsoft.com/office/drawing/2014/main" id="{AB1A6E83-8633-447E-A995-D47280566BBC}"/>
-              </a:ext>
-            </a:extLst>
-          </p:cNvPr>
+          <p:cNvPr id="6" name="Slide Number Placeholder 5"/>
           <p:cNvSpPr>
             <a:spLocks noGrp="1"/>
           </p:cNvSpPr>
@@ -1017,7 +912,7 @@
     </p:spTree>
     <p:extLst>
       <p:ext uri="{BB962C8B-B14F-4D97-AF65-F5344CB8AC3E}">
-        <p14:creationId xmlns:p14="http://schemas.microsoft.com/office/powerpoint/2010/main" val="610421410"/>
+        <p14:creationId xmlns:p14="http://schemas.microsoft.com/office/powerpoint/2010/main" val="3164114287"/>
       </p:ext>
     </p:extLst>
   </p:cSld>
@@ -1046,13 +941,7 @@
       </p:grpSpPr>
       <p:sp>
         <p:nvSpPr>
-          <p:cNvPr id="2" name="タイトル 1">
-            <a:extLst>
-              <a:ext uri="{FF2B5EF4-FFF2-40B4-BE49-F238E27FC236}">
-                <a16:creationId xmlns:a16="http://schemas.microsoft.com/office/drawing/2014/main" id="{72758A96-3272-44AA-B36D-D0D764FAE37C}"/>
-              </a:ext>
-            </a:extLst>
-          </p:cNvPr>
+          <p:cNvPr id="2" name="Title 1"/>
           <p:cNvSpPr>
             <a:spLocks noGrp="1"/>
           </p:cNvSpPr>
@@ -1075,21 +964,16 @@
           </a:lstStyle>
           <a:p>
             <a:r>
-              <a:rPr kumimoji="1" lang="ja-JP" altLang="en-US"/>
+              <a:rPr lang="ja-JP" altLang="en-US"/>
               <a:t>マスター タイトルの書式設定</a:t>
             </a:r>
-          </a:p>
-        </p:txBody>
-      </p:sp>
-      <p:sp>
-        <p:nvSpPr>
-          <p:cNvPr id="3" name="テキスト プレースホルダー 2">
-            <a:extLst>
-              <a:ext uri="{FF2B5EF4-FFF2-40B4-BE49-F238E27FC236}">
-                <a16:creationId xmlns:a16="http://schemas.microsoft.com/office/drawing/2014/main" id="{0E8CB699-62AD-477F-BBC6-C6B91BAFF52C}"/>
-              </a:ext>
-            </a:extLst>
-          </p:cNvPr>
+            <a:endParaRPr lang="en-US" dirty="0"/>
+          </a:p>
+        </p:txBody>
+      </p:sp>
+      <p:sp>
+        <p:nvSpPr>
+          <p:cNvPr id="3" name="Text Placeholder 2"/>
           <p:cNvSpPr>
             <a:spLocks noGrp="1"/>
           </p:cNvSpPr>
@@ -1200,7 +1084,7 @@
           <a:p>
             <a:pPr lvl="0"/>
             <a:r>
-              <a:rPr kumimoji="1" lang="ja-JP" altLang="en-US"/>
+              <a:rPr lang="ja-JP" altLang="en-US"/>
               <a:t>マスター テキストの書式設定</a:t>
             </a:r>
           </a:p>
@@ -1208,13 +1092,7 @@
       </p:sp>
       <p:sp>
         <p:nvSpPr>
-          <p:cNvPr id="4" name="日付プレースホルダー 3">
-            <a:extLst>
-              <a:ext uri="{FF2B5EF4-FFF2-40B4-BE49-F238E27FC236}">
-                <a16:creationId xmlns:a16="http://schemas.microsoft.com/office/drawing/2014/main" id="{5241CCF6-C9C6-4E4A-89A7-E94822A8D194}"/>
-              </a:ext>
-            </a:extLst>
-          </p:cNvPr>
+          <p:cNvPr id="4" name="Date Placeholder 3"/>
           <p:cNvSpPr>
             <a:spLocks noGrp="1"/>
           </p:cNvSpPr>
@@ -1229,7 +1107,7 @@
           <a:p>
             <a:fld id="{F393CF75-DA3A-4376-8130-7D6E005E77C9}" type="datetimeFigureOut">
               <a:rPr kumimoji="1" lang="ja-JP" altLang="en-US" smtClean="0"/>
-              <a:t>2019/10/27</a:t>
+              <a:t>2019/11/13</a:t>
             </a:fld>
             <a:endParaRPr kumimoji="1" lang="ja-JP" altLang="en-US"/>
           </a:p>
@@ -1237,13 +1115,7 @@
       </p:sp>
       <p:sp>
         <p:nvSpPr>
-          <p:cNvPr id="5" name="フッター プレースホルダー 4">
-            <a:extLst>
-              <a:ext uri="{FF2B5EF4-FFF2-40B4-BE49-F238E27FC236}">
-                <a16:creationId xmlns:a16="http://schemas.microsoft.com/office/drawing/2014/main" id="{9B338329-2512-4BD6-A6A1-CB2BA75EBBFE}"/>
-              </a:ext>
-            </a:extLst>
-          </p:cNvPr>
+          <p:cNvPr id="5" name="Footer Placeholder 4"/>
           <p:cNvSpPr>
             <a:spLocks noGrp="1"/>
           </p:cNvSpPr>
@@ -1262,13 +1134,7 @@
       </p:sp>
       <p:sp>
         <p:nvSpPr>
-          <p:cNvPr id="6" name="スライド番号プレースホルダー 5">
-            <a:extLst>
-              <a:ext uri="{FF2B5EF4-FFF2-40B4-BE49-F238E27FC236}">
-                <a16:creationId xmlns:a16="http://schemas.microsoft.com/office/drawing/2014/main" id="{77B54301-10E1-45AD-9BF8-24198ED0A703}"/>
-              </a:ext>
-            </a:extLst>
-          </p:cNvPr>
+          <p:cNvPr id="6" name="Slide Number Placeholder 5"/>
           <p:cNvSpPr>
             <a:spLocks noGrp="1"/>
           </p:cNvSpPr>
@@ -1292,7 +1158,7 @@
     </p:spTree>
     <p:extLst>
       <p:ext uri="{BB962C8B-B14F-4D97-AF65-F5344CB8AC3E}">
-        <p14:creationId xmlns:p14="http://schemas.microsoft.com/office/powerpoint/2010/main" val="4276707921"/>
+        <p14:creationId xmlns:p14="http://schemas.microsoft.com/office/powerpoint/2010/main" val="3094294142"/>
       </p:ext>
     </p:extLst>
   </p:cSld>
@@ -1321,13 +1187,7 @@
       </p:grpSpPr>
       <p:sp>
         <p:nvSpPr>
-          <p:cNvPr id="2" name="タイトル 1">
-            <a:extLst>
-              <a:ext uri="{FF2B5EF4-FFF2-40B4-BE49-F238E27FC236}">
-                <a16:creationId xmlns:a16="http://schemas.microsoft.com/office/drawing/2014/main" id="{C6ABD131-ABD2-4756-8A74-C38CD47AC84B}"/>
-              </a:ext>
-            </a:extLst>
-          </p:cNvPr>
+          <p:cNvPr id="2" name="Title 1"/>
           <p:cNvSpPr>
             <a:spLocks noGrp="1"/>
           </p:cNvSpPr>
@@ -1341,21 +1201,16 @@
           <a:lstStyle/>
           <a:p>
             <a:r>
-              <a:rPr kumimoji="1" lang="ja-JP" altLang="en-US"/>
+              <a:rPr lang="ja-JP" altLang="en-US"/>
               <a:t>マスター タイトルの書式設定</a:t>
             </a:r>
-          </a:p>
-        </p:txBody>
-      </p:sp>
-      <p:sp>
-        <p:nvSpPr>
-          <p:cNvPr id="3" name="コンテンツ プレースホルダー 2">
-            <a:extLst>
-              <a:ext uri="{FF2B5EF4-FFF2-40B4-BE49-F238E27FC236}">
-                <a16:creationId xmlns:a16="http://schemas.microsoft.com/office/drawing/2014/main" id="{F0BE5559-7278-4032-B15A-0B407D278259}"/>
-              </a:ext>
-            </a:extLst>
-          </p:cNvPr>
+            <a:endParaRPr lang="en-US" dirty="0"/>
+          </a:p>
+        </p:txBody>
+      </p:sp>
+      <p:sp>
+        <p:nvSpPr>
+          <p:cNvPr id="3" name="Content Placeholder 2"/>
           <p:cNvSpPr>
             <a:spLocks noGrp="1"/>
           </p:cNvSpPr>
@@ -1375,81 +1230,76 @@
           <a:p>
             <a:pPr lvl="0"/>
             <a:r>
-              <a:rPr kumimoji="1" lang="ja-JP" altLang="en-US"/>
+              <a:rPr lang="ja-JP" altLang="en-US"/>
               <a:t>マスター テキストの書式設定</a:t>
             </a:r>
           </a:p>
           <a:p>
             <a:pPr lvl="1"/>
             <a:r>
-              <a:rPr kumimoji="1" lang="ja-JP" altLang="en-US"/>
+              <a:rPr lang="ja-JP" altLang="en-US"/>
               <a:t>第 </a:t>
             </a:r>
             <a:r>
-              <a:rPr kumimoji="1" lang="en-US" altLang="ja-JP"/>
+              <a:rPr lang="en-US" altLang="ja-JP"/>
               <a:t>2 </a:t>
             </a:r>
             <a:r>
-              <a:rPr kumimoji="1" lang="ja-JP" altLang="en-US"/>
+              <a:rPr lang="ja-JP" altLang="en-US"/>
               <a:t>レベル</a:t>
             </a:r>
           </a:p>
           <a:p>
             <a:pPr lvl="2"/>
             <a:r>
-              <a:rPr kumimoji="1" lang="ja-JP" altLang="en-US"/>
+              <a:rPr lang="ja-JP" altLang="en-US"/>
               <a:t>第 </a:t>
             </a:r>
             <a:r>
-              <a:rPr kumimoji="1" lang="en-US" altLang="ja-JP"/>
+              <a:rPr lang="en-US" altLang="ja-JP"/>
               <a:t>3 </a:t>
             </a:r>
             <a:r>
-              <a:rPr kumimoji="1" lang="ja-JP" altLang="en-US"/>
+              <a:rPr lang="ja-JP" altLang="en-US"/>
               <a:t>レベル</a:t>
             </a:r>
           </a:p>
           <a:p>
             <a:pPr lvl="3"/>
             <a:r>
-              <a:rPr kumimoji="1" lang="ja-JP" altLang="en-US"/>
+              <a:rPr lang="ja-JP" altLang="en-US"/>
               <a:t>第 </a:t>
             </a:r>
             <a:r>
-              <a:rPr kumimoji="1" lang="en-US" altLang="ja-JP"/>
+              <a:rPr lang="en-US" altLang="ja-JP"/>
               <a:t>4 </a:t>
             </a:r>
             <a:r>
-              <a:rPr kumimoji="1" lang="ja-JP" altLang="en-US"/>
+              <a:rPr lang="ja-JP" altLang="en-US"/>
               <a:t>レベル</a:t>
             </a:r>
           </a:p>
           <a:p>
             <a:pPr lvl="4"/>
             <a:r>
-              <a:rPr kumimoji="1" lang="ja-JP" altLang="en-US"/>
+              <a:rPr lang="ja-JP" altLang="en-US"/>
               <a:t>第 </a:t>
             </a:r>
             <a:r>
-              <a:rPr kumimoji="1" lang="en-US" altLang="ja-JP"/>
+              <a:rPr lang="en-US" altLang="ja-JP"/>
               <a:t>5 </a:t>
             </a:r>
             <a:r>
-              <a:rPr kumimoji="1" lang="ja-JP" altLang="en-US"/>
+              <a:rPr lang="ja-JP" altLang="en-US"/>
               <a:t>レベル</a:t>
             </a:r>
-          </a:p>
-        </p:txBody>
-      </p:sp>
-      <p:sp>
-        <p:nvSpPr>
-          <p:cNvPr id="4" name="コンテンツ プレースホルダー 3">
-            <a:extLst>
-              <a:ext uri="{FF2B5EF4-FFF2-40B4-BE49-F238E27FC236}">
-                <a16:creationId xmlns:a16="http://schemas.microsoft.com/office/drawing/2014/main" id="{F3DE41DA-48D0-4B87-B045-5709B28AE71B}"/>
-              </a:ext>
-            </a:extLst>
-          </p:cNvPr>
+            <a:endParaRPr lang="en-US" dirty="0"/>
+          </a:p>
+        </p:txBody>
+      </p:sp>
+      <p:sp>
+        <p:nvSpPr>
+          <p:cNvPr id="4" name="Content Placeholder 3"/>
           <p:cNvSpPr>
             <a:spLocks noGrp="1"/>
           </p:cNvSpPr>
@@ -1469,81 +1319,76 @@
           <a:p>
             <a:pPr lvl="0"/>
             <a:r>
-              <a:rPr kumimoji="1" lang="ja-JP" altLang="en-US"/>
+              <a:rPr lang="ja-JP" altLang="en-US"/>
               <a:t>マスター テキストの書式設定</a:t>
             </a:r>
           </a:p>
           <a:p>
             <a:pPr lvl="1"/>
             <a:r>
-              <a:rPr kumimoji="1" lang="ja-JP" altLang="en-US"/>
+              <a:rPr lang="ja-JP" altLang="en-US"/>
               <a:t>第 </a:t>
             </a:r>
             <a:r>
-              <a:rPr kumimoji="1" lang="en-US" altLang="ja-JP"/>
+              <a:rPr lang="en-US" altLang="ja-JP"/>
               <a:t>2 </a:t>
             </a:r>
             <a:r>
-              <a:rPr kumimoji="1" lang="ja-JP" altLang="en-US"/>
+              <a:rPr lang="ja-JP" altLang="en-US"/>
               <a:t>レベル</a:t>
             </a:r>
           </a:p>
           <a:p>
             <a:pPr lvl="2"/>
             <a:r>
-              <a:rPr kumimoji="1" lang="ja-JP" altLang="en-US"/>
+              <a:rPr lang="ja-JP" altLang="en-US"/>
               <a:t>第 </a:t>
             </a:r>
             <a:r>
-              <a:rPr kumimoji="1" lang="en-US" altLang="ja-JP"/>
+              <a:rPr lang="en-US" altLang="ja-JP"/>
               <a:t>3 </a:t>
             </a:r>
             <a:r>
-              <a:rPr kumimoji="1" lang="ja-JP" altLang="en-US"/>
+              <a:rPr lang="ja-JP" altLang="en-US"/>
               <a:t>レベル</a:t>
             </a:r>
           </a:p>
           <a:p>
             <a:pPr lvl="3"/>
             <a:r>
-              <a:rPr kumimoji="1" lang="ja-JP" altLang="en-US"/>
+              <a:rPr lang="ja-JP" altLang="en-US"/>
               <a:t>第 </a:t>
             </a:r>
             <a:r>
-              <a:rPr kumimoji="1" lang="en-US" altLang="ja-JP"/>
+              <a:rPr lang="en-US" altLang="ja-JP"/>
               <a:t>4 </a:t>
             </a:r>
             <a:r>
-              <a:rPr kumimoji="1" lang="ja-JP" altLang="en-US"/>
+              <a:rPr lang="ja-JP" altLang="en-US"/>
               <a:t>レベル</a:t>
             </a:r>
           </a:p>
           <a:p>
             <a:pPr lvl="4"/>
             <a:r>
-              <a:rPr kumimoji="1" lang="ja-JP" altLang="en-US"/>
+              <a:rPr lang="ja-JP" altLang="en-US"/>
               <a:t>第 </a:t>
             </a:r>
             <a:r>
-              <a:rPr kumimoji="1" lang="en-US" altLang="ja-JP"/>
+              <a:rPr lang="en-US" altLang="ja-JP"/>
               <a:t>5 </a:t>
             </a:r>
             <a:r>
-              <a:rPr kumimoji="1" lang="ja-JP" altLang="en-US"/>
+              <a:rPr lang="ja-JP" altLang="en-US"/>
               <a:t>レベル</a:t>
             </a:r>
-          </a:p>
-        </p:txBody>
-      </p:sp>
-      <p:sp>
-        <p:nvSpPr>
-          <p:cNvPr id="5" name="日付プレースホルダー 4">
-            <a:extLst>
-              <a:ext uri="{FF2B5EF4-FFF2-40B4-BE49-F238E27FC236}">
-                <a16:creationId xmlns:a16="http://schemas.microsoft.com/office/drawing/2014/main" id="{21A73766-DD08-4046-8F98-2CF59EC4BA43}"/>
-              </a:ext>
-            </a:extLst>
-          </p:cNvPr>
+            <a:endParaRPr lang="en-US" dirty="0"/>
+          </a:p>
+        </p:txBody>
+      </p:sp>
+      <p:sp>
+        <p:nvSpPr>
+          <p:cNvPr id="5" name="Date Placeholder 4"/>
           <p:cNvSpPr>
             <a:spLocks noGrp="1"/>
           </p:cNvSpPr>
@@ -1558,7 +1403,7 @@
           <a:p>
             <a:fld id="{F393CF75-DA3A-4376-8130-7D6E005E77C9}" type="datetimeFigureOut">
               <a:rPr kumimoji="1" lang="ja-JP" altLang="en-US" smtClean="0"/>
-              <a:t>2019/10/27</a:t>
+              <a:t>2019/11/13</a:t>
             </a:fld>
             <a:endParaRPr kumimoji="1" lang="ja-JP" altLang="en-US"/>
           </a:p>
@@ -1566,13 +1411,7 @@
       </p:sp>
       <p:sp>
         <p:nvSpPr>
-          <p:cNvPr id="6" name="フッター プレースホルダー 5">
-            <a:extLst>
-              <a:ext uri="{FF2B5EF4-FFF2-40B4-BE49-F238E27FC236}">
-                <a16:creationId xmlns:a16="http://schemas.microsoft.com/office/drawing/2014/main" id="{A4071292-A779-4498-BAC9-46FBE59A3944}"/>
-              </a:ext>
-            </a:extLst>
-          </p:cNvPr>
+          <p:cNvPr id="6" name="Footer Placeholder 5"/>
           <p:cNvSpPr>
             <a:spLocks noGrp="1"/>
           </p:cNvSpPr>
@@ -1591,13 +1430,7 @@
       </p:sp>
       <p:sp>
         <p:nvSpPr>
-          <p:cNvPr id="7" name="スライド番号プレースホルダー 6">
-            <a:extLst>
-              <a:ext uri="{FF2B5EF4-FFF2-40B4-BE49-F238E27FC236}">
-                <a16:creationId xmlns:a16="http://schemas.microsoft.com/office/drawing/2014/main" id="{96D27ABD-38E8-44C6-9B66-968F4B6A3CF0}"/>
-              </a:ext>
-            </a:extLst>
-          </p:cNvPr>
+          <p:cNvPr id="7" name="Slide Number Placeholder 6"/>
           <p:cNvSpPr>
             <a:spLocks noGrp="1"/>
           </p:cNvSpPr>
@@ -1621,7 +1454,7 @@
     </p:spTree>
     <p:extLst>
       <p:ext uri="{BB962C8B-B14F-4D97-AF65-F5344CB8AC3E}">
-        <p14:creationId xmlns:p14="http://schemas.microsoft.com/office/powerpoint/2010/main" val="2694991077"/>
+        <p14:creationId xmlns:p14="http://schemas.microsoft.com/office/powerpoint/2010/main" val="1206511046"/>
       </p:ext>
     </p:extLst>
   </p:cSld>
@@ -1650,13 +1483,7 @@
       </p:grpSpPr>
       <p:sp>
         <p:nvSpPr>
-          <p:cNvPr id="2" name="タイトル 1">
-            <a:extLst>
-              <a:ext uri="{FF2B5EF4-FFF2-40B4-BE49-F238E27FC236}">
-                <a16:creationId xmlns:a16="http://schemas.microsoft.com/office/drawing/2014/main" id="{D00EC75E-52DC-4B92-A9CE-ECC64EF7FCCC}"/>
-              </a:ext>
-            </a:extLst>
-          </p:cNvPr>
+          <p:cNvPr id="2" name="Title 1"/>
           <p:cNvSpPr>
             <a:spLocks noGrp="1"/>
           </p:cNvSpPr>
@@ -1675,21 +1502,16 @@
           <a:lstStyle/>
           <a:p>
             <a:r>
-              <a:rPr kumimoji="1" lang="ja-JP" altLang="en-US"/>
+              <a:rPr lang="ja-JP" altLang="en-US"/>
               <a:t>マスター タイトルの書式設定</a:t>
             </a:r>
-          </a:p>
-        </p:txBody>
-      </p:sp>
-      <p:sp>
-        <p:nvSpPr>
-          <p:cNvPr id="3" name="テキスト プレースホルダー 2">
-            <a:extLst>
-              <a:ext uri="{FF2B5EF4-FFF2-40B4-BE49-F238E27FC236}">
-                <a16:creationId xmlns:a16="http://schemas.microsoft.com/office/drawing/2014/main" id="{4561DD5F-0185-4B08-B23C-B8F8BD2C2F87}"/>
-              </a:ext>
-            </a:extLst>
-          </p:cNvPr>
+            <a:endParaRPr lang="en-US" dirty="0"/>
+          </a:p>
+        </p:txBody>
+      </p:sp>
+      <p:sp>
+        <p:nvSpPr>
+          <p:cNvPr id="3" name="Text Placeholder 2"/>
           <p:cNvSpPr>
             <a:spLocks noGrp="1"/>
           </p:cNvSpPr>
@@ -1746,7 +1568,7 @@
           <a:p>
             <a:pPr lvl="0"/>
             <a:r>
-              <a:rPr kumimoji="1" lang="ja-JP" altLang="en-US"/>
+              <a:rPr lang="ja-JP" altLang="en-US"/>
               <a:t>マスター テキストの書式設定</a:t>
             </a:r>
           </a:p>
@@ -1754,13 +1576,7 @@
       </p:sp>
       <p:sp>
         <p:nvSpPr>
-          <p:cNvPr id="4" name="コンテンツ プレースホルダー 3">
-            <a:extLst>
-              <a:ext uri="{FF2B5EF4-FFF2-40B4-BE49-F238E27FC236}">
-                <a16:creationId xmlns:a16="http://schemas.microsoft.com/office/drawing/2014/main" id="{D244495D-A2A3-4FFD-948F-04B83F3AF9FC}"/>
-              </a:ext>
-            </a:extLst>
-          </p:cNvPr>
+          <p:cNvPr id="4" name="Content Placeholder 3"/>
           <p:cNvSpPr>
             <a:spLocks noGrp="1"/>
           </p:cNvSpPr>
@@ -1780,81 +1596,76 @@
           <a:p>
             <a:pPr lvl="0"/>
             <a:r>
-              <a:rPr kumimoji="1" lang="ja-JP" altLang="en-US"/>
+              <a:rPr lang="ja-JP" altLang="en-US"/>
               <a:t>マスター テキストの書式設定</a:t>
             </a:r>
           </a:p>
           <a:p>
             <a:pPr lvl="1"/>
             <a:r>
-              <a:rPr kumimoji="1" lang="ja-JP" altLang="en-US"/>
+              <a:rPr lang="ja-JP" altLang="en-US"/>
               <a:t>第 </a:t>
             </a:r>
             <a:r>
-              <a:rPr kumimoji="1" lang="en-US" altLang="ja-JP"/>
+              <a:rPr lang="en-US" altLang="ja-JP"/>
               <a:t>2 </a:t>
             </a:r>
             <a:r>
-              <a:rPr kumimoji="1" lang="ja-JP" altLang="en-US"/>
+              <a:rPr lang="ja-JP" altLang="en-US"/>
               <a:t>レベル</a:t>
             </a:r>
           </a:p>
           <a:p>
             <a:pPr lvl="2"/>
             <a:r>
-              <a:rPr kumimoji="1" lang="ja-JP" altLang="en-US"/>
+              <a:rPr lang="ja-JP" altLang="en-US"/>
               <a:t>第 </a:t>
             </a:r>
             <a:r>
-              <a:rPr kumimoji="1" lang="en-US" altLang="ja-JP"/>
+              <a:rPr lang="en-US" altLang="ja-JP"/>
               <a:t>3 </a:t>
             </a:r>
             <a:r>
-              <a:rPr kumimoji="1" lang="ja-JP" altLang="en-US"/>
+              <a:rPr lang="ja-JP" altLang="en-US"/>
               <a:t>レベル</a:t>
             </a:r>
           </a:p>
           <a:p>
             <a:pPr lvl="3"/>
             <a:r>
-              <a:rPr kumimoji="1" lang="ja-JP" altLang="en-US"/>
+              <a:rPr lang="ja-JP" altLang="en-US"/>
               <a:t>第 </a:t>
             </a:r>
             <a:r>
-              <a:rPr kumimoji="1" lang="en-US" altLang="ja-JP"/>
+              <a:rPr lang="en-US" altLang="ja-JP"/>
               <a:t>4 </a:t>
             </a:r>
             <a:r>
-              <a:rPr kumimoji="1" lang="ja-JP" altLang="en-US"/>
+              <a:rPr lang="ja-JP" altLang="en-US"/>
               <a:t>レベル</a:t>
             </a:r>
           </a:p>
           <a:p>
             <a:pPr lvl="4"/>
             <a:r>
-              <a:rPr kumimoji="1" lang="ja-JP" altLang="en-US"/>
+              <a:rPr lang="ja-JP" altLang="en-US"/>
               <a:t>第 </a:t>
             </a:r>
             <a:r>
-              <a:rPr kumimoji="1" lang="en-US" altLang="ja-JP"/>
+              <a:rPr lang="en-US" altLang="ja-JP"/>
               <a:t>5 </a:t>
             </a:r>
             <a:r>
-              <a:rPr kumimoji="1" lang="ja-JP" altLang="en-US"/>
+              <a:rPr lang="ja-JP" altLang="en-US"/>
               <a:t>レベル</a:t>
             </a:r>
-          </a:p>
-        </p:txBody>
-      </p:sp>
-      <p:sp>
-        <p:nvSpPr>
-          <p:cNvPr id="5" name="テキスト プレースホルダー 4">
-            <a:extLst>
-              <a:ext uri="{FF2B5EF4-FFF2-40B4-BE49-F238E27FC236}">
-                <a16:creationId xmlns:a16="http://schemas.microsoft.com/office/drawing/2014/main" id="{C80B54CE-642D-451F-80A8-AE93B27F335A}"/>
-              </a:ext>
-            </a:extLst>
-          </p:cNvPr>
+            <a:endParaRPr lang="en-US" dirty="0"/>
+          </a:p>
+        </p:txBody>
+      </p:sp>
+      <p:sp>
+        <p:nvSpPr>
+          <p:cNvPr id="5" name="Text Placeholder 4"/>
           <p:cNvSpPr>
             <a:spLocks noGrp="1"/>
           </p:cNvSpPr>
@@ -1911,7 +1722,7 @@
           <a:p>
             <a:pPr lvl="0"/>
             <a:r>
-              <a:rPr kumimoji="1" lang="ja-JP" altLang="en-US"/>
+              <a:rPr lang="ja-JP" altLang="en-US"/>
               <a:t>マスター テキストの書式設定</a:t>
             </a:r>
           </a:p>
@@ -1919,13 +1730,7 @@
       </p:sp>
       <p:sp>
         <p:nvSpPr>
-          <p:cNvPr id="6" name="コンテンツ プレースホルダー 5">
-            <a:extLst>
-              <a:ext uri="{FF2B5EF4-FFF2-40B4-BE49-F238E27FC236}">
-                <a16:creationId xmlns:a16="http://schemas.microsoft.com/office/drawing/2014/main" id="{5DC6D6B7-A02A-483F-B6C9-9C06F4E09C5C}"/>
-              </a:ext>
-            </a:extLst>
-          </p:cNvPr>
+          <p:cNvPr id="6" name="Content Placeholder 5"/>
           <p:cNvSpPr>
             <a:spLocks noGrp="1"/>
           </p:cNvSpPr>
@@ -1945,81 +1750,76 @@
           <a:p>
             <a:pPr lvl="0"/>
             <a:r>
-              <a:rPr kumimoji="1" lang="ja-JP" altLang="en-US"/>
+              <a:rPr lang="ja-JP" altLang="en-US"/>
               <a:t>マスター テキストの書式設定</a:t>
             </a:r>
           </a:p>
           <a:p>
             <a:pPr lvl="1"/>
             <a:r>
-              <a:rPr kumimoji="1" lang="ja-JP" altLang="en-US"/>
+              <a:rPr lang="ja-JP" altLang="en-US"/>
               <a:t>第 </a:t>
             </a:r>
             <a:r>
-              <a:rPr kumimoji="1" lang="en-US" altLang="ja-JP"/>
+              <a:rPr lang="en-US" altLang="ja-JP"/>
               <a:t>2 </a:t>
             </a:r>
             <a:r>
-              <a:rPr kumimoji="1" lang="ja-JP" altLang="en-US"/>
+              <a:rPr lang="ja-JP" altLang="en-US"/>
               <a:t>レベル</a:t>
             </a:r>
           </a:p>
           <a:p>
             <a:pPr lvl="2"/>
             <a:r>
-              <a:rPr kumimoji="1" lang="ja-JP" altLang="en-US"/>
+              <a:rPr lang="ja-JP" altLang="en-US"/>
               <a:t>第 </a:t>
             </a:r>
             <a:r>
-              <a:rPr kumimoji="1" lang="en-US" altLang="ja-JP"/>
+              <a:rPr lang="en-US" altLang="ja-JP"/>
               <a:t>3 </a:t>
             </a:r>
             <a:r>
-              <a:rPr kumimoji="1" lang="ja-JP" altLang="en-US"/>
+              <a:rPr lang="ja-JP" altLang="en-US"/>
               <a:t>レベル</a:t>
             </a:r>
           </a:p>
           <a:p>
             <a:pPr lvl="3"/>
             <a:r>
-              <a:rPr kumimoji="1" lang="ja-JP" altLang="en-US"/>
+              <a:rPr lang="ja-JP" altLang="en-US"/>
               <a:t>第 </a:t>
             </a:r>
             <a:r>
-              <a:rPr kumimoji="1" lang="en-US" altLang="ja-JP"/>
+              <a:rPr lang="en-US" altLang="ja-JP"/>
               <a:t>4 </a:t>
             </a:r>
             <a:r>
-              <a:rPr kumimoji="1" lang="ja-JP" altLang="en-US"/>
+              <a:rPr lang="ja-JP" altLang="en-US"/>
               <a:t>レベル</a:t>
             </a:r>
           </a:p>
           <a:p>
             <a:pPr lvl="4"/>
             <a:r>
-              <a:rPr kumimoji="1" lang="ja-JP" altLang="en-US"/>
+              <a:rPr lang="ja-JP" altLang="en-US"/>
               <a:t>第 </a:t>
             </a:r>
             <a:r>
-              <a:rPr kumimoji="1" lang="en-US" altLang="ja-JP"/>
+              <a:rPr lang="en-US" altLang="ja-JP"/>
               <a:t>5 </a:t>
             </a:r>
             <a:r>
-              <a:rPr kumimoji="1" lang="ja-JP" altLang="en-US"/>
+              <a:rPr lang="ja-JP" altLang="en-US"/>
               <a:t>レベル</a:t>
             </a:r>
-          </a:p>
-        </p:txBody>
-      </p:sp>
-      <p:sp>
-        <p:nvSpPr>
-          <p:cNvPr id="7" name="日付プレースホルダー 6">
-            <a:extLst>
-              <a:ext uri="{FF2B5EF4-FFF2-40B4-BE49-F238E27FC236}">
-                <a16:creationId xmlns:a16="http://schemas.microsoft.com/office/drawing/2014/main" id="{97CFA39D-4987-456E-86CF-548AF4EF1F93}"/>
-              </a:ext>
-            </a:extLst>
-          </p:cNvPr>
+            <a:endParaRPr lang="en-US" dirty="0"/>
+          </a:p>
+        </p:txBody>
+      </p:sp>
+      <p:sp>
+        <p:nvSpPr>
+          <p:cNvPr id="7" name="Date Placeholder 6"/>
           <p:cNvSpPr>
             <a:spLocks noGrp="1"/>
           </p:cNvSpPr>
@@ -2034,7 +1834,7 @@
           <a:p>
             <a:fld id="{F393CF75-DA3A-4376-8130-7D6E005E77C9}" type="datetimeFigureOut">
               <a:rPr kumimoji="1" lang="ja-JP" altLang="en-US" smtClean="0"/>
-              <a:t>2019/10/27</a:t>
+              <a:t>2019/11/13</a:t>
             </a:fld>
             <a:endParaRPr kumimoji="1" lang="ja-JP" altLang="en-US"/>
           </a:p>
@@ -2042,13 +1842,7 @@
       </p:sp>
       <p:sp>
         <p:nvSpPr>
-          <p:cNvPr id="8" name="フッター プレースホルダー 7">
-            <a:extLst>
-              <a:ext uri="{FF2B5EF4-FFF2-40B4-BE49-F238E27FC236}">
-                <a16:creationId xmlns:a16="http://schemas.microsoft.com/office/drawing/2014/main" id="{E06A1ABE-3892-4428-AE66-88AC2BB763C9}"/>
-              </a:ext>
-            </a:extLst>
-          </p:cNvPr>
+          <p:cNvPr id="8" name="Footer Placeholder 7"/>
           <p:cNvSpPr>
             <a:spLocks noGrp="1"/>
           </p:cNvSpPr>
@@ -2067,13 +1861,7 @@
       </p:sp>
       <p:sp>
         <p:nvSpPr>
-          <p:cNvPr id="9" name="スライド番号プレースホルダー 8">
-            <a:extLst>
-              <a:ext uri="{FF2B5EF4-FFF2-40B4-BE49-F238E27FC236}">
-                <a16:creationId xmlns:a16="http://schemas.microsoft.com/office/drawing/2014/main" id="{D7C75544-CBDE-48F4-92F8-63AE4F3808B3}"/>
-              </a:ext>
-            </a:extLst>
-          </p:cNvPr>
+          <p:cNvPr id="9" name="Slide Number Placeholder 8"/>
           <p:cNvSpPr>
             <a:spLocks noGrp="1"/>
           </p:cNvSpPr>
@@ -2097,7 +1885,7 @@
     </p:spTree>
     <p:extLst>
       <p:ext uri="{BB962C8B-B14F-4D97-AF65-F5344CB8AC3E}">
-        <p14:creationId xmlns:p14="http://schemas.microsoft.com/office/powerpoint/2010/main" val="429677944"/>
+        <p14:creationId xmlns:p14="http://schemas.microsoft.com/office/powerpoint/2010/main" val="774359335"/>
       </p:ext>
     </p:extLst>
   </p:cSld>
@@ -2126,13 +1914,7 @@
       </p:grpSpPr>
       <p:sp>
         <p:nvSpPr>
-          <p:cNvPr id="2" name="タイトル 1">
-            <a:extLst>
-              <a:ext uri="{FF2B5EF4-FFF2-40B4-BE49-F238E27FC236}">
-                <a16:creationId xmlns:a16="http://schemas.microsoft.com/office/drawing/2014/main" id="{739FBE37-028E-442B-81FB-BE8F24D85C3D}"/>
-              </a:ext>
-            </a:extLst>
-          </p:cNvPr>
+          <p:cNvPr id="2" name="Title 1"/>
           <p:cNvSpPr>
             <a:spLocks noGrp="1"/>
           </p:cNvSpPr>
@@ -2146,21 +1928,16 @@
           <a:lstStyle/>
           <a:p>
             <a:r>
-              <a:rPr kumimoji="1" lang="ja-JP" altLang="en-US"/>
+              <a:rPr lang="ja-JP" altLang="en-US"/>
               <a:t>マスター タイトルの書式設定</a:t>
             </a:r>
-          </a:p>
-        </p:txBody>
-      </p:sp>
-      <p:sp>
-        <p:nvSpPr>
-          <p:cNvPr id="3" name="日付プレースホルダー 2">
-            <a:extLst>
-              <a:ext uri="{FF2B5EF4-FFF2-40B4-BE49-F238E27FC236}">
-                <a16:creationId xmlns:a16="http://schemas.microsoft.com/office/drawing/2014/main" id="{59F4A448-E604-4C4E-8751-8BA107A3B387}"/>
-              </a:ext>
-            </a:extLst>
-          </p:cNvPr>
+            <a:endParaRPr lang="en-US" dirty="0"/>
+          </a:p>
+        </p:txBody>
+      </p:sp>
+      <p:sp>
+        <p:nvSpPr>
+          <p:cNvPr id="3" name="Date Placeholder 2"/>
           <p:cNvSpPr>
             <a:spLocks noGrp="1"/>
           </p:cNvSpPr>
@@ -2175,7 +1952,7 @@
           <a:p>
             <a:fld id="{F393CF75-DA3A-4376-8130-7D6E005E77C9}" type="datetimeFigureOut">
               <a:rPr kumimoji="1" lang="ja-JP" altLang="en-US" smtClean="0"/>
-              <a:t>2019/10/27</a:t>
+              <a:t>2019/11/13</a:t>
             </a:fld>
             <a:endParaRPr kumimoji="1" lang="ja-JP" altLang="en-US"/>
           </a:p>
@@ -2183,13 +1960,7 @@
       </p:sp>
       <p:sp>
         <p:nvSpPr>
-          <p:cNvPr id="4" name="フッター プレースホルダー 3">
-            <a:extLst>
-              <a:ext uri="{FF2B5EF4-FFF2-40B4-BE49-F238E27FC236}">
-                <a16:creationId xmlns:a16="http://schemas.microsoft.com/office/drawing/2014/main" id="{469B2418-F36F-48A3-A013-11D1115783E9}"/>
-              </a:ext>
-            </a:extLst>
-          </p:cNvPr>
+          <p:cNvPr id="4" name="Footer Placeholder 3"/>
           <p:cNvSpPr>
             <a:spLocks noGrp="1"/>
           </p:cNvSpPr>
@@ -2208,13 +1979,7 @@
       </p:sp>
       <p:sp>
         <p:nvSpPr>
-          <p:cNvPr id="5" name="スライド番号プレースホルダー 4">
-            <a:extLst>
-              <a:ext uri="{FF2B5EF4-FFF2-40B4-BE49-F238E27FC236}">
-                <a16:creationId xmlns:a16="http://schemas.microsoft.com/office/drawing/2014/main" id="{AF7ACA56-187F-4FDA-B37C-9426CCC3B089}"/>
-              </a:ext>
-            </a:extLst>
-          </p:cNvPr>
+          <p:cNvPr id="5" name="Slide Number Placeholder 4"/>
           <p:cNvSpPr>
             <a:spLocks noGrp="1"/>
           </p:cNvSpPr>
@@ -2238,7 +2003,7 @@
     </p:spTree>
     <p:extLst>
       <p:ext uri="{BB962C8B-B14F-4D97-AF65-F5344CB8AC3E}">
-        <p14:creationId xmlns:p14="http://schemas.microsoft.com/office/powerpoint/2010/main" val="1763774947"/>
+        <p14:creationId xmlns:p14="http://schemas.microsoft.com/office/powerpoint/2010/main" val="1167757195"/>
       </p:ext>
     </p:extLst>
   </p:cSld>
@@ -2267,13 +2032,7 @@
       </p:grpSpPr>
       <p:sp>
         <p:nvSpPr>
-          <p:cNvPr id="2" name="日付プレースホルダー 1">
-            <a:extLst>
-              <a:ext uri="{FF2B5EF4-FFF2-40B4-BE49-F238E27FC236}">
-                <a16:creationId xmlns:a16="http://schemas.microsoft.com/office/drawing/2014/main" id="{5A710EFD-3A8F-4B43-9C7B-179377D8CD24}"/>
-              </a:ext>
-            </a:extLst>
-          </p:cNvPr>
+          <p:cNvPr id="2" name="Date Placeholder 1"/>
           <p:cNvSpPr>
             <a:spLocks noGrp="1"/>
           </p:cNvSpPr>
@@ -2288,7 +2047,7 @@
           <a:p>
             <a:fld id="{F393CF75-DA3A-4376-8130-7D6E005E77C9}" type="datetimeFigureOut">
               <a:rPr kumimoji="1" lang="ja-JP" altLang="en-US" smtClean="0"/>
-              <a:t>2019/10/27</a:t>
+              <a:t>2019/11/13</a:t>
             </a:fld>
             <a:endParaRPr kumimoji="1" lang="ja-JP" altLang="en-US"/>
           </a:p>
@@ -2296,13 +2055,7 @@
       </p:sp>
       <p:sp>
         <p:nvSpPr>
-          <p:cNvPr id="3" name="フッター プレースホルダー 2">
-            <a:extLst>
-              <a:ext uri="{FF2B5EF4-FFF2-40B4-BE49-F238E27FC236}">
-                <a16:creationId xmlns:a16="http://schemas.microsoft.com/office/drawing/2014/main" id="{ED6FDCA7-3838-424B-94D5-C476C71968A4}"/>
-              </a:ext>
-            </a:extLst>
-          </p:cNvPr>
+          <p:cNvPr id="3" name="Footer Placeholder 2"/>
           <p:cNvSpPr>
             <a:spLocks noGrp="1"/>
           </p:cNvSpPr>
@@ -2321,13 +2074,7 @@
       </p:sp>
       <p:sp>
         <p:nvSpPr>
-          <p:cNvPr id="4" name="スライド番号プレースホルダー 3">
-            <a:extLst>
-              <a:ext uri="{FF2B5EF4-FFF2-40B4-BE49-F238E27FC236}">
-                <a16:creationId xmlns:a16="http://schemas.microsoft.com/office/drawing/2014/main" id="{55CE0F2F-05BC-4E1A-85A6-00764F86A94A}"/>
-              </a:ext>
-            </a:extLst>
-          </p:cNvPr>
+          <p:cNvPr id="4" name="Slide Number Placeholder 3"/>
           <p:cNvSpPr>
             <a:spLocks noGrp="1"/>
           </p:cNvSpPr>
@@ -2351,7 +2098,7 @@
     </p:spTree>
     <p:extLst>
       <p:ext uri="{BB962C8B-B14F-4D97-AF65-F5344CB8AC3E}">
-        <p14:creationId xmlns:p14="http://schemas.microsoft.com/office/powerpoint/2010/main" val="227173799"/>
+        <p14:creationId xmlns:p14="http://schemas.microsoft.com/office/powerpoint/2010/main" val="1345140919"/>
       </p:ext>
     </p:extLst>
   </p:cSld>
@@ -2380,13 +2127,7 @@
       </p:grpSpPr>
       <p:sp>
         <p:nvSpPr>
-          <p:cNvPr id="2" name="タイトル 1">
-            <a:extLst>
-              <a:ext uri="{FF2B5EF4-FFF2-40B4-BE49-F238E27FC236}">
-                <a16:creationId xmlns:a16="http://schemas.microsoft.com/office/drawing/2014/main" id="{78947B4E-847C-4A36-9397-ACA52D20D205}"/>
-              </a:ext>
-            </a:extLst>
-          </p:cNvPr>
+          <p:cNvPr id="2" name="Title 1"/>
           <p:cNvSpPr>
             <a:spLocks noGrp="1"/>
           </p:cNvSpPr>
@@ -2409,21 +2150,16 @@
           </a:lstStyle>
           <a:p>
             <a:r>
-              <a:rPr kumimoji="1" lang="ja-JP" altLang="en-US"/>
+              <a:rPr lang="ja-JP" altLang="en-US"/>
               <a:t>マスター タイトルの書式設定</a:t>
             </a:r>
-          </a:p>
-        </p:txBody>
-      </p:sp>
-      <p:sp>
-        <p:nvSpPr>
-          <p:cNvPr id="3" name="コンテンツ プレースホルダー 2">
-            <a:extLst>
-              <a:ext uri="{FF2B5EF4-FFF2-40B4-BE49-F238E27FC236}">
-                <a16:creationId xmlns:a16="http://schemas.microsoft.com/office/drawing/2014/main" id="{0E97678E-BA34-41BE-B55A-9DEBF02F35CA}"/>
-              </a:ext>
-            </a:extLst>
-          </p:cNvPr>
+            <a:endParaRPr lang="en-US" dirty="0"/>
+          </a:p>
+        </p:txBody>
+      </p:sp>
+      <p:sp>
+        <p:nvSpPr>
+          <p:cNvPr id="3" name="Content Placeholder 2"/>
           <p:cNvSpPr>
             <a:spLocks noGrp="1"/>
           </p:cNvSpPr>
@@ -2471,81 +2207,76 @@
           <a:p>
             <a:pPr lvl="0"/>
             <a:r>
-              <a:rPr kumimoji="1" lang="ja-JP" altLang="en-US"/>
+              <a:rPr lang="ja-JP" altLang="en-US"/>
               <a:t>マスター テキストの書式設定</a:t>
             </a:r>
           </a:p>
           <a:p>
             <a:pPr lvl="1"/>
             <a:r>
-              <a:rPr kumimoji="1" lang="ja-JP" altLang="en-US"/>
+              <a:rPr lang="ja-JP" altLang="en-US"/>
               <a:t>第 </a:t>
             </a:r>
             <a:r>
-              <a:rPr kumimoji="1" lang="en-US" altLang="ja-JP"/>
+              <a:rPr lang="en-US" altLang="ja-JP"/>
               <a:t>2 </a:t>
             </a:r>
             <a:r>
-              <a:rPr kumimoji="1" lang="ja-JP" altLang="en-US"/>
+              <a:rPr lang="ja-JP" altLang="en-US"/>
               <a:t>レベル</a:t>
             </a:r>
           </a:p>
           <a:p>
             <a:pPr lvl="2"/>
             <a:r>
-              <a:rPr kumimoji="1" lang="ja-JP" altLang="en-US"/>
+              <a:rPr lang="ja-JP" altLang="en-US"/>
               <a:t>第 </a:t>
             </a:r>
             <a:r>
-              <a:rPr kumimoji="1" lang="en-US" altLang="ja-JP"/>
+              <a:rPr lang="en-US" altLang="ja-JP"/>
               <a:t>3 </a:t>
             </a:r>
             <a:r>
-              <a:rPr kumimoji="1" lang="ja-JP" altLang="en-US"/>
+              <a:rPr lang="ja-JP" altLang="en-US"/>
               <a:t>レベル</a:t>
             </a:r>
           </a:p>
           <a:p>
             <a:pPr lvl="3"/>
             <a:r>
-              <a:rPr kumimoji="1" lang="ja-JP" altLang="en-US"/>
+              <a:rPr lang="ja-JP" altLang="en-US"/>
               <a:t>第 </a:t>
             </a:r>
             <a:r>
-              <a:rPr kumimoji="1" lang="en-US" altLang="ja-JP"/>
+              <a:rPr lang="en-US" altLang="ja-JP"/>
               <a:t>4 </a:t>
             </a:r>
             <a:r>
-              <a:rPr kumimoji="1" lang="ja-JP" altLang="en-US"/>
+              <a:rPr lang="ja-JP" altLang="en-US"/>
               <a:t>レベル</a:t>
             </a:r>
           </a:p>
           <a:p>
             <a:pPr lvl="4"/>
             <a:r>
-              <a:rPr kumimoji="1" lang="ja-JP" altLang="en-US"/>
+              <a:rPr lang="ja-JP" altLang="en-US"/>
               <a:t>第 </a:t>
             </a:r>
             <a:r>
-              <a:rPr kumimoji="1" lang="en-US" altLang="ja-JP"/>
+              <a:rPr lang="en-US" altLang="ja-JP"/>
               <a:t>5 </a:t>
             </a:r>
             <a:r>
-              <a:rPr kumimoji="1" lang="ja-JP" altLang="en-US"/>
+              <a:rPr lang="ja-JP" altLang="en-US"/>
               <a:t>レベル</a:t>
             </a:r>
-          </a:p>
-        </p:txBody>
-      </p:sp>
-      <p:sp>
-        <p:nvSpPr>
-          <p:cNvPr id="4" name="テキスト プレースホルダー 3">
-            <a:extLst>
-              <a:ext uri="{FF2B5EF4-FFF2-40B4-BE49-F238E27FC236}">
-                <a16:creationId xmlns:a16="http://schemas.microsoft.com/office/drawing/2014/main" id="{5EBC7180-225F-4484-9D88-6008735E6E0C}"/>
-              </a:ext>
-            </a:extLst>
-          </p:cNvPr>
+            <a:endParaRPr lang="en-US" dirty="0"/>
+          </a:p>
+        </p:txBody>
+      </p:sp>
+      <p:sp>
+        <p:nvSpPr>
+          <p:cNvPr id="4" name="Text Placeholder 3"/>
           <p:cNvSpPr>
             <a:spLocks noGrp="1"/>
           </p:cNvSpPr>
@@ -2602,7 +2333,7 @@
           <a:p>
             <a:pPr lvl="0"/>
             <a:r>
-              <a:rPr kumimoji="1" lang="ja-JP" altLang="en-US"/>
+              <a:rPr lang="ja-JP" altLang="en-US"/>
               <a:t>マスター テキストの書式設定</a:t>
             </a:r>
           </a:p>
@@ -2610,13 +2341,7 @@
       </p:sp>
       <p:sp>
         <p:nvSpPr>
-          <p:cNvPr id="5" name="日付プレースホルダー 4">
-            <a:extLst>
-              <a:ext uri="{FF2B5EF4-FFF2-40B4-BE49-F238E27FC236}">
-                <a16:creationId xmlns:a16="http://schemas.microsoft.com/office/drawing/2014/main" id="{BB6162BB-B152-451C-97CF-C839179A6798}"/>
-              </a:ext>
-            </a:extLst>
-          </p:cNvPr>
+          <p:cNvPr id="5" name="Date Placeholder 4"/>
           <p:cNvSpPr>
             <a:spLocks noGrp="1"/>
           </p:cNvSpPr>
@@ -2631,7 +2356,7 @@
           <a:p>
             <a:fld id="{F393CF75-DA3A-4376-8130-7D6E005E77C9}" type="datetimeFigureOut">
               <a:rPr kumimoji="1" lang="ja-JP" altLang="en-US" smtClean="0"/>
-              <a:t>2019/10/27</a:t>
+              <a:t>2019/11/13</a:t>
             </a:fld>
             <a:endParaRPr kumimoji="1" lang="ja-JP" altLang="en-US"/>
           </a:p>
@@ -2639,13 +2364,7 @@
       </p:sp>
       <p:sp>
         <p:nvSpPr>
-          <p:cNvPr id="6" name="フッター プレースホルダー 5">
-            <a:extLst>
-              <a:ext uri="{FF2B5EF4-FFF2-40B4-BE49-F238E27FC236}">
-                <a16:creationId xmlns:a16="http://schemas.microsoft.com/office/drawing/2014/main" id="{A093A69A-E45F-49FE-A059-CA2318A6DAD7}"/>
-              </a:ext>
-            </a:extLst>
-          </p:cNvPr>
+          <p:cNvPr id="6" name="Footer Placeholder 5"/>
           <p:cNvSpPr>
             <a:spLocks noGrp="1"/>
           </p:cNvSpPr>
@@ -2664,13 +2383,7 @@
       </p:sp>
       <p:sp>
         <p:nvSpPr>
-          <p:cNvPr id="7" name="スライド番号プレースホルダー 6">
-            <a:extLst>
-              <a:ext uri="{FF2B5EF4-FFF2-40B4-BE49-F238E27FC236}">
-                <a16:creationId xmlns:a16="http://schemas.microsoft.com/office/drawing/2014/main" id="{CE7882A1-6AFE-4772-BDD4-9ABD75A49B14}"/>
-              </a:ext>
-            </a:extLst>
-          </p:cNvPr>
+          <p:cNvPr id="7" name="Slide Number Placeholder 6"/>
           <p:cNvSpPr>
             <a:spLocks noGrp="1"/>
           </p:cNvSpPr>
@@ -2694,7 +2407,7 @@
     </p:spTree>
     <p:extLst>
       <p:ext uri="{BB962C8B-B14F-4D97-AF65-F5344CB8AC3E}">
-        <p14:creationId xmlns:p14="http://schemas.microsoft.com/office/powerpoint/2010/main" val="2559269010"/>
+        <p14:creationId xmlns:p14="http://schemas.microsoft.com/office/powerpoint/2010/main" val="1420903664"/>
       </p:ext>
     </p:extLst>
   </p:cSld>
@@ -2723,13 +2436,7 @@
       </p:grpSpPr>
       <p:sp>
         <p:nvSpPr>
-          <p:cNvPr id="2" name="タイトル 1">
-            <a:extLst>
-              <a:ext uri="{FF2B5EF4-FFF2-40B4-BE49-F238E27FC236}">
-                <a16:creationId xmlns:a16="http://schemas.microsoft.com/office/drawing/2014/main" id="{FF025E88-EA63-4045-A109-7295C194ADF7}"/>
-              </a:ext>
-            </a:extLst>
-          </p:cNvPr>
+          <p:cNvPr id="2" name="Title 1"/>
           <p:cNvSpPr>
             <a:spLocks noGrp="1"/>
           </p:cNvSpPr>
@@ -2752,23 +2459,18 @@
           </a:lstStyle>
           <a:p>
             <a:r>
-              <a:rPr kumimoji="1" lang="ja-JP" altLang="en-US"/>
+              <a:rPr lang="ja-JP" altLang="en-US"/>
               <a:t>マスター タイトルの書式設定</a:t>
             </a:r>
-          </a:p>
-        </p:txBody>
-      </p:sp>
-      <p:sp>
-        <p:nvSpPr>
-          <p:cNvPr id="3" name="図プレースホルダー 2">
-            <a:extLst>
-              <a:ext uri="{FF2B5EF4-FFF2-40B4-BE49-F238E27FC236}">
-                <a16:creationId xmlns:a16="http://schemas.microsoft.com/office/drawing/2014/main" id="{C971FBD3-DBFF-4E19-9C6D-970ABA1A2462}"/>
-              </a:ext>
-            </a:extLst>
-          </p:cNvPr>
-          <p:cNvSpPr>
-            <a:spLocks noGrp="1"/>
+            <a:endParaRPr lang="en-US" dirty="0"/>
+          </a:p>
+        </p:txBody>
+      </p:sp>
+      <p:sp>
+        <p:nvSpPr>
+          <p:cNvPr id="3" name="Picture Placeholder 2"/>
+          <p:cNvSpPr>
+            <a:spLocks noGrp="1" noChangeAspect="1"/>
           </p:cNvSpPr>
           <p:nvPr>
             <p:ph type="pic" idx="1"/>
@@ -2781,7 +2483,7 @@
           </a:xfrm>
         </p:spPr>
         <p:txBody>
-          <a:bodyPr/>
+          <a:bodyPr anchor="t"/>
           <a:lstStyle>
             <a:lvl1pPr marL="0" indent="0">
               <a:buNone/>
@@ -2821,19 +2523,17 @@
             </a:lvl9pPr>
           </a:lstStyle>
           <a:p>
-            <a:endParaRPr kumimoji="1" lang="ja-JP" altLang="en-US"/>
-          </a:p>
-        </p:txBody>
-      </p:sp>
-      <p:sp>
-        <p:nvSpPr>
-          <p:cNvPr id="4" name="テキスト プレースホルダー 3">
-            <a:extLst>
-              <a:ext uri="{FF2B5EF4-FFF2-40B4-BE49-F238E27FC236}">
-                <a16:creationId xmlns:a16="http://schemas.microsoft.com/office/drawing/2014/main" id="{1BA59448-8170-4476-8117-E3C80044C81E}"/>
-              </a:ext>
-            </a:extLst>
-          </p:cNvPr>
+            <a:r>
+              <a:rPr lang="ja-JP" altLang="en-US"/>
+              <a:t>アイコンをクリックして図を追加</a:t>
+            </a:r>
+            <a:endParaRPr lang="en-US" dirty="0"/>
+          </a:p>
+        </p:txBody>
+      </p:sp>
+      <p:sp>
+        <p:nvSpPr>
+          <p:cNvPr id="4" name="Text Placeholder 3"/>
           <p:cNvSpPr>
             <a:spLocks noGrp="1"/>
           </p:cNvSpPr>
@@ -2890,7 +2590,7 @@
           <a:p>
             <a:pPr lvl="0"/>
             <a:r>
-              <a:rPr kumimoji="1" lang="ja-JP" altLang="en-US"/>
+              <a:rPr lang="ja-JP" altLang="en-US"/>
               <a:t>マスター テキストの書式設定</a:t>
             </a:r>
           </a:p>
@@ -2898,13 +2598,7 @@
       </p:sp>
       <p:sp>
         <p:nvSpPr>
-          <p:cNvPr id="5" name="日付プレースホルダー 4">
-            <a:extLst>
-              <a:ext uri="{FF2B5EF4-FFF2-40B4-BE49-F238E27FC236}">
-                <a16:creationId xmlns:a16="http://schemas.microsoft.com/office/drawing/2014/main" id="{A607F1B1-992A-43E5-B6B5-3CCB1E5AEB27}"/>
-              </a:ext>
-            </a:extLst>
-          </p:cNvPr>
+          <p:cNvPr id="5" name="Date Placeholder 4"/>
           <p:cNvSpPr>
             <a:spLocks noGrp="1"/>
           </p:cNvSpPr>
@@ -2919,7 +2613,7 @@
           <a:p>
             <a:fld id="{F393CF75-DA3A-4376-8130-7D6E005E77C9}" type="datetimeFigureOut">
               <a:rPr kumimoji="1" lang="ja-JP" altLang="en-US" smtClean="0"/>
-              <a:t>2019/10/27</a:t>
+              <a:t>2019/11/13</a:t>
             </a:fld>
             <a:endParaRPr kumimoji="1" lang="ja-JP" altLang="en-US"/>
           </a:p>
@@ -2927,13 +2621,7 @@
       </p:sp>
       <p:sp>
         <p:nvSpPr>
-          <p:cNvPr id="6" name="フッター プレースホルダー 5">
-            <a:extLst>
-              <a:ext uri="{FF2B5EF4-FFF2-40B4-BE49-F238E27FC236}">
-                <a16:creationId xmlns:a16="http://schemas.microsoft.com/office/drawing/2014/main" id="{1AC6F0D2-AD78-4193-BD90-F83BE5BC6E7E}"/>
-              </a:ext>
-            </a:extLst>
-          </p:cNvPr>
+          <p:cNvPr id="6" name="Footer Placeholder 5"/>
           <p:cNvSpPr>
             <a:spLocks noGrp="1"/>
           </p:cNvSpPr>
@@ -2952,13 +2640,7 @@
       </p:sp>
       <p:sp>
         <p:nvSpPr>
-          <p:cNvPr id="7" name="スライド番号プレースホルダー 6">
-            <a:extLst>
-              <a:ext uri="{FF2B5EF4-FFF2-40B4-BE49-F238E27FC236}">
-                <a16:creationId xmlns:a16="http://schemas.microsoft.com/office/drawing/2014/main" id="{E8615BA7-6B09-48E7-815C-7A0768D16B48}"/>
-              </a:ext>
-            </a:extLst>
-          </p:cNvPr>
+          <p:cNvPr id="7" name="Slide Number Placeholder 6"/>
           <p:cNvSpPr>
             <a:spLocks noGrp="1"/>
           </p:cNvSpPr>
@@ -2982,7 +2664,7 @@
     </p:spTree>
     <p:extLst>
       <p:ext uri="{BB962C8B-B14F-4D97-AF65-F5344CB8AC3E}">
-        <p14:creationId xmlns:p14="http://schemas.microsoft.com/office/powerpoint/2010/main" val="2973999872"/>
+        <p14:creationId xmlns:p14="http://schemas.microsoft.com/office/powerpoint/2010/main" val="933465568"/>
       </p:ext>
     </p:extLst>
   </p:cSld>
@@ -3016,13 +2698,7 @@
       </p:grpSpPr>
       <p:sp>
         <p:nvSpPr>
-          <p:cNvPr id="2" name="タイトル プレースホルダー 1">
-            <a:extLst>
-              <a:ext uri="{FF2B5EF4-FFF2-40B4-BE49-F238E27FC236}">
-                <a16:creationId xmlns:a16="http://schemas.microsoft.com/office/drawing/2014/main" id="{E32BB667-AE28-4117-B360-2C64CE624A37}"/>
-              </a:ext>
-            </a:extLst>
-          </p:cNvPr>
+          <p:cNvPr id="2" name="Title Placeholder 1"/>
           <p:cNvSpPr>
             <a:spLocks noGrp="1"/>
           </p:cNvSpPr>
@@ -3046,21 +2722,16 @@
           <a:lstStyle/>
           <a:p>
             <a:r>
-              <a:rPr kumimoji="1" lang="ja-JP" altLang="en-US"/>
+              <a:rPr lang="ja-JP" altLang="en-US"/>
               <a:t>マスター タイトルの書式設定</a:t>
             </a:r>
-          </a:p>
-        </p:txBody>
-      </p:sp>
-      <p:sp>
-        <p:nvSpPr>
-          <p:cNvPr id="3" name="テキスト プレースホルダー 2">
-            <a:extLst>
-              <a:ext uri="{FF2B5EF4-FFF2-40B4-BE49-F238E27FC236}">
-                <a16:creationId xmlns:a16="http://schemas.microsoft.com/office/drawing/2014/main" id="{65442B17-4949-4184-AB1B-F42C4208C343}"/>
-              </a:ext>
-            </a:extLst>
-          </p:cNvPr>
+            <a:endParaRPr lang="en-US" dirty="0"/>
+          </a:p>
+        </p:txBody>
+      </p:sp>
+      <p:sp>
+        <p:nvSpPr>
+          <p:cNvPr id="3" name="Text Placeholder 2"/>
           <p:cNvSpPr>
             <a:spLocks noGrp="1"/>
           </p:cNvSpPr>
@@ -3085,81 +2756,76 @@
           <a:p>
             <a:pPr lvl="0"/>
             <a:r>
-              <a:rPr kumimoji="1" lang="ja-JP" altLang="en-US"/>
+              <a:rPr lang="ja-JP" altLang="en-US"/>
               <a:t>マスター テキストの書式設定</a:t>
             </a:r>
           </a:p>
           <a:p>
             <a:pPr lvl="1"/>
             <a:r>
-              <a:rPr kumimoji="1" lang="ja-JP" altLang="en-US"/>
+              <a:rPr lang="ja-JP" altLang="en-US"/>
               <a:t>第 </a:t>
             </a:r>
             <a:r>
-              <a:rPr kumimoji="1" lang="en-US" altLang="ja-JP"/>
+              <a:rPr lang="en-US" altLang="ja-JP"/>
               <a:t>2 </a:t>
             </a:r>
             <a:r>
-              <a:rPr kumimoji="1" lang="ja-JP" altLang="en-US"/>
+              <a:rPr lang="ja-JP" altLang="en-US"/>
               <a:t>レベル</a:t>
             </a:r>
           </a:p>
           <a:p>
             <a:pPr lvl="2"/>
             <a:r>
-              <a:rPr kumimoji="1" lang="ja-JP" altLang="en-US"/>
+              <a:rPr lang="ja-JP" altLang="en-US"/>
               <a:t>第 </a:t>
             </a:r>
             <a:r>
-              <a:rPr kumimoji="1" lang="en-US" altLang="ja-JP"/>
+              <a:rPr lang="en-US" altLang="ja-JP"/>
               <a:t>3 </a:t>
             </a:r>
             <a:r>
-              <a:rPr kumimoji="1" lang="ja-JP" altLang="en-US"/>
+              <a:rPr lang="ja-JP" altLang="en-US"/>
               <a:t>レベル</a:t>
             </a:r>
           </a:p>
           <a:p>
             <a:pPr lvl="3"/>
             <a:r>
-              <a:rPr kumimoji="1" lang="ja-JP" altLang="en-US"/>
+              <a:rPr lang="ja-JP" altLang="en-US"/>
               <a:t>第 </a:t>
             </a:r>
             <a:r>
-              <a:rPr kumimoji="1" lang="en-US" altLang="ja-JP"/>
+              <a:rPr lang="en-US" altLang="ja-JP"/>
               <a:t>4 </a:t>
             </a:r>
             <a:r>
-              <a:rPr kumimoji="1" lang="ja-JP" altLang="en-US"/>
+              <a:rPr lang="ja-JP" altLang="en-US"/>
               <a:t>レベル</a:t>
             </a:r>
           </a:p>
           <a:p>
             <a:pPr lvl="4"/>
             <a:r>
-              <a:rPr kumimoji="1" lang="ja-JP" altLang="en-US"/>
+              <a:rPr lang="ja-JP" altLang="en-US"/>
               <a:t>第 </a:t>
             </a:r>
             <a:r>
-              <a:rPr kumimoji="1" lang="en-US" altLang="ja-JP"/>
+              <a:rPr lang="en-US" altLang="ja-JP"/>
               <a:t>5 </a:t>
             </a:r>
             <a:r>
-              <a:rPr kumimoji="1" lang="ja-JP" altLang="en-US"/>
+              <a:rPr lang="ja-JP" altLang="en-US"/>
               <a:t>レベル</a:t>
             </a:r>
-          </a:p>
-        </p:txBody>
-      </p:sp>
-      <p:sp>
-        <p:nvSpPr>
-          <p:cNvPr id="4" name="日付プレースホルダー 3">
-            <a:extLst>
-              <a:ext uri="{FF2B5EF4-FFF2-40B4-BE49-F238E27FC236}">
-                <a16:creationId xmlns:a16="http://schemas.microsoft.com/office/drawing/2014/main" id="{E90B5864-C19A-45D6-9099-CD1033B5D9F4}"/>
-              </a:ext>
-            </a:extLst>
-          </p:cNvPr>
+            <a:endParaRPr lang="en-US" dirty="0"/>
+          </a:p>
+        </p:txBody>
+      </p:sp>
+      <p:sp>
+        <p:nvSpPr>
+          <p:cNvPr id="4" name="Date Placeholder 3"/>
           <p:cNvSpPr>
             <a:spLocks noGrp="1"/>
           </p:cNvSpPr>
@@ -3192,7 +2858,7 @@
           <a:p>
             <a:fld id="{F393CF75-DA3A-4376-8130-7D6E005E77C9}" type="datetimeFigureOut">
               <a:rPr kumimoji="1" lang="ja-JP" altLang="en-US" smtClean="0"/>
-              <a:t>2019/10/27</a:t>
+              <a:t>2019/11/13</a:t>
             </a:fld>
             <a:endParaRPr kumimoji="1" lang="ja-JP" altLang="en-US"/>
           </a:p>
@@ -3200,13 +2866,7 @@
       </p:sp>
       <p:sp>
         <p:nvSpPr>
-          <p:cNvPr id="5" name="フッター プレースホルダー 4">
-            <a:extLst>
-              <a:ext uri="{FF2B5EF4-FFF2-40B4-BE49-F238E27FC236}">
-                <a16:creationId xmlns:a16="http://schemas.microsoft.com/office/drawing/2014/main" id="{892EA28E-4D7C-47CC-91D9-FE9F7372391C}"/>
-              </a:ext>
-            </a:extLst>
-          </p:cNvPr>
+          <p:cNvPr id="5" name="Footer Placeholder 4"/>
           <p:cNvSpPr>
             <a:spLocks noGrp="1"/>
           </p:cNvSpPr>
@@ -3243,13 +2903,7 @@
       </p:sp>
       <p:sp>
         <p:nvSpPr>
-          <p:cNvPr id="6" name="スライド番号プレースホルダー 5">
-            <a:extLst>
-              <a:ext uri="{FF2B5EF4-FFF2-40B4-BE49-F238E27FC236}">
-                <a16:creationId xmlns:a16="http://schemas.microsoft.com/office/drawing/2014/main" id="{3DF0EE01-1953-466E-971A-7D69B2798981}"/>
-              </a:ext>
-            </a:extLst>
-          </p:cNvPr>
+          <p:cNvPr id="6" name="Slide Number Placeholder 5"/>
           <p:cNvSpPr>
             <a:spLocks noGrp="1"/>
           </p:cNvSpPr>
@@ -3291,23 +2945,23 @@
     </p:spTree>
     <p:extLst>
       <p:ext uri="{BB962C8B-B14F-4D97-AF65-F5344CB8AC3E}">
-        <p14:creationId xmlns:p14="http://schemas.microsoft.com/office/powerpoint/2010/main" val="1539477551"/>
+        <p14:creationId xmlns:p14="http://schemas.microsoft.com/office/powerpoint/2010/main" val="3515652389"/>
       </p:ext>
     </p:extLst>
   </p:cSld>
-  <p:clrMap bg1="lt1" tx1="dk1" bg2="lt2" tx2="dk2" accent1="accent1" accent2="accent2" accent3="accent3" accent4="accent4" accent5="accent5" accent6="accent6" hlink="hlink" folHlink="folHlink"/>
+  <p:clrMap bg1="dk1" tx1="lt1" bg2="dk2" tx2="lt2" accent1="accent1" accent2="accent2" accent3="accent3" accent4="accent4" accent5="accent5" accent6="accent6" hlink="hlink" folHlink="folHlink"/>
   <p:sldLayoutIdLst>
-    <p:sldLayoutId id="2147483649" r:id="rId1"/>
-    <p:sldLayoutId id="2147483650" r:id="rId2"/>
-    <p:sldLayoutId id="2147483651" r:id="rId3"/>
-    <p:sldLayoutId id="2147483652" r:id="rId4"/>
-    <p:sldLayoutId id="2147483653" r:id="rId5"/>
-    <p:sldLayoutId id="2147483654" r:id="rId6"/>
-    <p:sldLayoutId id="2147483655" r:id="rId7"/>
-    <p:sldLayoutId id="2147483656" r:id="rId8"/>
-    <p:sldLayoutId id="2147483657" r:id="rId9"/>
-    <p:sldLayoutId id="2147483658" r:id="rId10"/>
-    <p:sldLayoutId id="2147483659" r:id="rId11"/>
+    <p:sldLayoutId id="2147483661" r:id="rId1"/>
+    <p:sldLayoutId id="2147483662" r:id="rId2"/>
+    <p:sldLayoutId id="2147483663" r:id="rId3"/>
+    <p:sldLayoutId id="2147483664" r:id="rId4"/>
+    <p:sldLayoutId id="2147483665" r:id="rId5"/>
+    <p:sldLayoutId id="2147483666" r:id="rId6"/>
+    <p:sldLayoutId id="2147483667" r:id="rId7"/>
+    <p:sldLayoutId id="2147483668" r:id="rId8"/>
+    <p:sldLayoutId id="2147483669" r:id="rId9"/>
+    <p:sldLayoutId id="2147483670" r:id="rId10"/>
+    <p:sldLayoutId id="2147483671" r:id="rId11"/>
   </p:sldLayoutIdLst>
   <p:txStyles>
     <p:titleStyle>
@@ -3495,7 +3149,7 @@
     </p:bodyStyle>
     <p:otherStyle>
       <a:defPPr>
-        <a:defRPr lang="ja-JP"/>
+        <a:defRPr lang="en-US"/>
       </a:defPPr>
       <a:lvl1pPr marL="0" algn="l" defTabSz="914400" rtl="0" eaLnBrk="1" latinLnBrk="0" hangingPunct="1">
         <a:defRPr kumimoji="1" sz="1800" kern="1200">
@@ -3697,10 +3351,500 @@
 </p:sld>
 </file>
 
+<file path=ppt/slides/slide2.xml><?xml version="1.0" encoding="utf-8"?>
+<p:sld xmlns:a="http://schemas.openxmlformats.org/drawingml/2006/main" xmlns:r="http://schemas.openxmlformats.org/officeDocument/2006/relationships" xmlns:p="http://schemas.openxmlformats.org/presentationml/2006/main">
+  <p:cSld>
+    <p:spTree>
+      <p:nvGrpSpPr>
+        <p:cNvPr id="1" name=""/>
+        <p:cNvGrpSpPr/>
+        <p:nvPr/>
+      </p:nvGrpSpPr>
+      <p:grpSpPr>
+        <a:xfrm>
+          <a:off x="0" y="0"/>
+          <a:ext cx="0" cy="0"/>
+          <a:chOff x="0" y="0"/>
+          <a:chExt cx="0" cy="0"/>
+        </a:xfrm>
+      </p:grpSpPr>
+      <p:sp>
+        <p:nvSpPr>
+          <p:cNvPr id="21" name="平行四辺形 20">
+            <a:extLst>
+              <a:ext uri="{FF2B5EF4-FFF2-40B4-BE49-F238E27FC236}">
+                <a16:creationId xmlns:a16="http://schemas.microsoft.com/office/drawing/2014/main" id="{7D142A42-F754-491F-B718-FC9E5302D008}"/>
+              </a:ext>
+            </a:extLst>
+          </p:cNvPr>
+          <p:cNvSpPr>
+            <a:spLocks noChangeAspect="1"/>
+          </p:cNvSpPr>
+          <p:nvPr/>
+        </p:nvSpPr>
+        <p:spPr>
+          <a:xfrm>
+            <a:off x="8037987" y="2518769"/>
+            <a:ext cx="1198535" cy="1341722"/>
+          </a:xfrm>
+          <a:prstGeom prst="parallelogram">
+            <a:avLst>
+              <a:gd name="adj" fmla="val 25000"/>
+            </a:avLst>
+          </a:prstGeom>
+          <a:solidFill>
+            <a:schemeClr val="tx1"/>
+          </a:solidFill>
+          <a:ln>
+            <a:noFill/>
+          </a:ln>
+        </p:spPr>
+        <p:style>
+          <a:lnRef idx="2">
+            <a:schemeClr val="accent1">
+              <a:shade val="50000"/>
+            </a:schemeClr>
+          </a:lnRef>
+          <a:fillRef idx="1">
+            <a:schemeClr val="accent1"/>
+          </a:fillRef>
+          <a:effectRef idx="0">
+            <a:schemeClr val="accent1"/>
+          </a:effectRef>
+          <a:fontRef idx="minor">
+            <a:schemeClr val="lt1"/>
+          </a:fontRef>
+        </p:style>
+        <p:txBody>
+          <a:bodyPr rtlCol="0" anchor="ctr"/>
+          <a:lstStyle/>
+          <a:p>
+            <a:pPr algn="ctr"/>
+            <a:endParaRPr kumimoji="1" lang="ja-JP" altLang="en-US"/>
+          </a:p>
+        </p:txBody>
+      </p:sp>
+      <p:grpSp>
+        <p:nvGrpSpPr>
+          <p:cNvPr id="2" name="グループ化 1">
+            <a:extLst>
+              <a:ext uri="{FF2B5EF4-FFF2-40B4-BE49-F238E27FC236}">
+                <a16:creationId xmlns:a16="http://schemas.microsoft.com/office/drawing/2014/main" id="{9F817474-FD9C-44AA-901E-83FB4983DA2E}"/>
+              </a:ext>
+            </a:extLst>
+          </p:cNvPr>
+          <p:cNvGrpSpPr/>
+          <p:nvPr/>
+        </p:nvGrpSpPr>
+        <p:grpSpPr>
+          <a:xfrm>
+            <a:off x="1795536" y="620174"/>
+            <a:ext cx="9355530" cy="1363664"/>
+            <a:chOff x="1795536" y="620174"/>
+            <a:chExt cx="9355530" cy="1363664"/>
+          </a:xfrm>
+        </p:grpSpPr>
+        <p:sp>
+          <p:nvSpPr>
+            <p:cNvPr id="4" name="平行四辺形 3">
+              <a:extLst>
+                <a:ext uri="{FF2B5EF4-FFF2-40B4-BE49-F238E27FC236}">
+                  <a16:creationId xmlns:a16="http://schemas.microsoft.com/office/drawing/2014/main" id="{EC8C0B87-CA0C-4CEE-8EF1-F29728A7D918}"/>
+                </a:ext>
+              </a:extLst>
+            </p:cNvPr>
+            <p:cNvSpPr>
+              <a:spLocks noChangeAspect="1"/>
+            </p:cNvSpPr>
+            <p:nvPr/>
+          </p:nvSpPr>
+          <p:spPr>
+            <a:xfrm>
+              <a:off x="1795536" y="620174"/>
+              <a:ext cx="1293036" cy="1363664"/>
+            </a:xfrm>
+            <a:prstGeom prst="parallelogram">
+              <a:avLst>
+                <a:gd name="adj" fmla="val 25000"/>
+              </a:avLst>
+            </a:prstGeom>
+            <a:solidFill>
+              <a:schemeClr val="tx1"/>
+            </a:solidFill>
+            <a:ln>
+              <a:noFill/>
+            </a:ln>
+          </p:spPr>
+          <p:style>
+            <a:lnRef idx="2">
+              <a:schemeClr val="accent1">
+                <a:shade val="50000"/>
+              </a:schemeClr>
+            </a:lnRef>
+            <a:fillRef idx="1">
+              <a:schemeClr val="accent1"/>
+            </a:fillRef>
+            <a:effectRef idx="0">
+              <a:schemeClr val="accent1"/>
+            </a:effectRef>
+            <a:fontRef idx="minor">
+              <a:schemeClr val="lt1"/>
+            </a:fontRef>
+          </p:style>
+          <p:txBody>
+            <a:bodyPr rtlCol="0" anchor="ctr"/>
+            <a:lstStyle/>
+            <a:p>
+              <a:pPr algn="ctr"/>
+              <a:endParaRPr kumimoji="1" lang="ja-JP" altLang="en-US"/>
+            </a:p>
+          </p:txBody>
+        </p:sp>
+        <p:sp>
+          <p:nvSpPr>
+            <p:cNvPr id="8" name="四角形: 角を丸くする 7">
+              <a:extLst>
+                <a:ext uri="{FF2B5EF4-FFF2-40B4-BE49-F238E27FC236}">
+                  <a16:creationId xmlns:a16="http://schemas.microsoft.com/office/drawing/2014/main" id="{1A93CC1F-83EF-4779-81AD-C47A241B3791}"/>
+                </a:ext>
+              </a:extLst>
+            </p:cNvPr>
+            <p:cNvSpPr/>
+            <p:nvPr/>
+          </p:nvSpPr>
+          <p:spPr>
+            <a:xfrm>
+              <a:off x="3161212" y="623224"/>
+              <a:ext cx="7989854" cy="1360614"/>
+            </a:xfrm>
+            <a:prstGeom prst="roundRect">
+              <a:avLst>
+                <a:gd name="adj" fmla="val 34423"/>
+              </a:avLst>
+            </a:prstGeom>
+            <a:solidFill>
+              <a:schemeClr val="tx1"/>
+            </a:solidFill>
+            <a:ln>
+              <a:noFill/>
+            </a:ln>
+          </p:spPr>
+          <p:style>
+            <a:lnRef idx="2">
+              <a:schemeClr val="accent1">
+                <a:shade val="50000"/>
+              </a:schemeClr>
+            </a:lnRef>
+            <a:fillRef idx="1">
+              <a:schemeClr val="accent1"/>
+            </a:fillRef>
+            <a:effectRef idx="0">
+              <a:schemeClr val="accent1"/>
+            </a:effectRef>
+            <a:fontRef idx="minor">
+              <a:schemeClr val="lt1"/>
+            </a:fontRef>
+          </p:style>
+          <p:txBody>
+            <a:bodyPr rtlCol="0" anchor="ctr"/>
+            <a:lstStyle/>
+            <a:p>
+              <a:pPr algn="ctr"/>
+              <a:endParaRPr kumimoji="1" lang="ja-JP" altLang="en-US"/>
+            </a:p>
+          </p:txBody>
+        </p:sp>
+        <p:sp>
+          <p:nvSpPr>
+            <p:cNvPr id="6" name="平行四辺形 5">
+              <a:extLst>
+                <a:ext uri="{FF2B5EF4-FFF2-40B4-BE49-F238E27FC236}">
+                  <a16:creationId xmlns:a16="http://schemas.microsoft.com/office/drawing/2014/main" id="{78A41161-A827-4103-AF92-744E89CA2306}"/>
+                </a:ext>
+              </a:extLst>
+            </p:cNvPr>
+            <p:cNvSpPr>
+              <a:spLocks noChangeAspect="1"/>
+            </p:cNvSpPr>
+            <p:nvPr/>
+          </p:nvSpPr>
+          <p:spPr>
+            <a:xfrm>
+              <a:off x="2865379" y="620174"/>
+              <a:ext cx="1293036" cy="1363664"/>
+            </a:xfrm>
+            <a:prstGeom prst="parallelogram">
+              <a:avLst>
+                <a:gd name="adj" fmla="val 25000"/>
+              </a:avLst>
+            </a:prstGeom>
+            <a:solidFill>
+              <a:schemeClr val="tx1"/>
+            </a:solidFill>
+            <a:ln>
+              <a:noFill/>
+            </a:ln>
+          </p:spPr>
+          <p:style>
+            <a:lnRef idx="2">
+              <a:schemeClr val="accent1">
+                <a:shade val="50000"/>
+              </a:schemeClr>
+            </a:lnRef>
+            <a:fillRef idx="1">
+              <a:schemeClr val="accent1"/>
+            </a:fillRef>
+            <a:effectRef idx="0">
+              <a:schemeClr val="accent1"/>
+            </a:effectRef>
+            <a:fontRef idx="minor">
+              <a:schemeClr val="lt1"/>
+            </a:fontRef>
+          </p:style>
+          <p:txBody>
+            <a:bodyPr rtlCol="0" anchor="ctr"/>
+            <a:lstStyle/>
+            <a:p>
+              <a:pPr algn="ctr"/>
+              <a:endParaRPr kumimoji="1" lang="ja-JP" altLang="en-US"/>
+            </a:p>
+          </p:txBody>
+        </p:sp>
+      </p:grpSp>
+    </p:spTree>
+    <p:extLst>
+      <p:ext uri="{BB962C8B-B14F-4D97-AF65-F5344CB8AC3E}">
+        <p14:creationId xmlns:p14="http://schemas.microsoft.com/office/powerpoint/2010/main" val="375036973"/>
+      </p:ext>
+    </p:extLst>
+  </p:cSld>
+  <p:clrMapOvr>
+    <a:masterClrMapping/>
+  </p:clrMapOvr>
+</p:sld>
+</file>
+
+<file path=ppt/slides/slide3.xml><?xml version="1.0" encoding="utf-8"?>
+<p:sld xmlns:a="http://schemas.openxmlformats.org/drawingml/2006/main" xmlns:r="http://schemas.openxmlformats.org/officeDocument/2006/relationships" xmlns:p="http://schemas.openxmlformats.org/presentationml/2006/main">
+  <p:cSld>
+    <p:spTree>
+      <p:nvGrpSpPr>
+        <p:cNvPr id="1" name=""/>
+        <p:cNvGrpSpPr/>
+        <p:nvPr/>
+      </p:nvGrpSpPr>
+      <p:grpSpPr>
+        <a:xfrm>
+          <a:off x="0" y="0"/>
+          <a:ext cx="0" cy="0"/>
+          <a:chOff x="0" y="0"/>
+          <a:chExt cx="0" cy="0"/>
+        </a:xfrm>
+      </p:grpSpPr>
+      <p:grpSp>
+        <p:nvGrpSpPr>
+          <p:cNvPr id="6" name="グループ化 5">
+            <a:extLst>
+              <a:ext uri="{FF2B5EF4-FFF2-40B4-BE49-F238E27FC236}">
+                <a16:creationId xmlns:a16="http://schemas.microsoft.com/office/drawing/2014/main" id="{510EC422-48DE-48D2-AA42-1B3BD54A4435}"/>
+              </a:ext>
+            </a:extLst>
+          </p:cNvPr>
+          <p:cNvGrpSpPr/>
+          <p:nvPr/>
+        </p:nvGrpSpPr>
+        <p:grpSpPr>
+          <a:xfrm>
+            <a:off x="446130" y="1818659"/>
+            <a:ext cx="9355530" cy="1363664"/>
+            <a:chOff x="1795536" y="620174"/>
+            <a:chExt cx="9355530" cy="1363664"/>
+          </a:xfrm>
+        </p:grpSpPr>
+        <p:sp>
+          <p:nvSpPr>
+            <p:cNvPr id="11" name="平行四辺形 10">
+              <a:extLst>
+                <a:ext uri="{FF2B5EF4-FFF2-40B4-BE49-F238E27FC236}">
+                  <a16:creationId xmlns:a16="http://schemas.microsoft.com/office/drawing/2014/main" id="{210EBABA-7DC7-4F7C-85D6-C429B5A6B45D}"/>
+                </a:ext>
+              </a:extLst>
+            </p:cNvPr>
+            <p:cNvSpPr>
+              <a:spLocks noChangeAspect="1"/>
+            </p:cNvSpPr>
+            <p:nvPr/>
+          </p:nvSpPr>
+          <p:spPr>
+            <a:xfrm>
+              <a:off x="1795536" y="620174"/>
+              <a:ext cx="1293036" cy="1363664"/>
+            </a:xfrm>
+            <a:prstGeom prst="parallelogram">
+              <a:avLst>
+                <a:gd name="adj" fmla="val 25000"/>
+              </a:avLst>
+            </a:prstGeom>
+            <a:solidFill>
+              <a:schemeClr val="tx1"/>
+            </a:solidFill>
+            <a:ln>
+              <a:noFill/>
+            </a:ln>
+          </p:spPr>
+          <p:style>
+            <a:lnRef idx="2">
+              <a:schemeClr val="accent1">
+                <a:shade val="50000"/>
+              </a:schemeClr>
+            </a:lnRef>
+            <a:fillRef idx="1">
+              <a:schemeClr val="accent1"/>
+            </a:fillRef>
+            <a:effectRef idx="0">
+              <a:schemeClr val="accent1"/>
+            </a:effectRef>
+            <a:fontRef idx="minor">
+              <a:schemeClr val="lt1"/>
+            </a:fontRef>
+          </p:style>
+          <p:txBody>
+            <a:bodyPr rtlCol="0" anchor="ctr"/>
+            <a:lstStyle/>
+            <a:p>
+              <a:pPr algn="ctr"/>
+              <a:endParaRPr kumimoji="1" lang="ja-JP" altLang="en-US"/>
+            </a:p>
+          </p:txBody>
+        </p:sp>
+        <p:sp>
+          <p:nvSpPr>
+            <p:cNvPr id="12" name="四角形: 角を丸くする 11">
+              <a:extLst>
+                <a:ext uri="{FF2B5EF4-FFF2-40B4-BE49-F238E27FC236}">
+                  <a16:creationId xmlns:a16="http://schemas.microsoft.com/office/drawing/2014/main" id="{B092B69E-008A-46C1-A4FC-ADBB06F46B64}"/>
+                </a:ext>
+              </a:extLst>
+            </p:cNvPr>
+            <p:cNvSpPr/>
+            <p:nvPr/>
+          </p:nvSpPr>
+          <p:spPr>
+            <a:xfrm>
+              <a:off x="3161212" y="623223"/>
+              <a:ext cx="7989854" cy="1360615"/>
+            </a:xfrm>
+            <a:prstGeom prst="roundRect">
+              <a:avLst>
+                <a:gd name="adj" fmla="val 34423"/>
+              </a:avLst>
+            </a:prstGeom>
+            <a:solidFill>
+              <a:schemeClr val="tx1"/>
+            </a:solidFill>
+            <a:ln>
+              <a:noFill/>
+            </a:ln>
+          </p:spPr>
+          <p:style>
+            <a:lnRef idx="2">
+              <a:schemeClr val="accent1">
+                <a:shade val="50000"/>
+              </a:schemeClr>
+            </a:lnRef>
+            <a:fillRef idx="1">
+              <a:schemeClr val="accent1"/>
+            </a:fillRef>
+            <a:effectRef idx="0">
+              <a:schemeClr val="accent1"/>
+            </a:effectRef>
+            <a:fontRef idx="minor">
+              <a:schemeClr val="lt1"/>
+            </a:fontRef>
+          </p:style>
+          <p:txBody>
+            <a:bodyPr rtlCol="0" anchor="ctr"/>
+            <a:lstStyle/>
+            <a:p>
+              <a:pPr algn="ctr"/>
+              <a:endParaRPr kumimoji="1" lang="ja-JP" altLang="en-US"/>
+            </a:p>
+          </p:txBody>
+        </p:sp>
+        <p:sp>
+          <p:nvSpPr>
+            <p:cNvPr id="13" name="平行四辺形 12">
+              <a:extLst>
+                <a:ext uri="{FF2B5EF4-FFF2-40B4-BE49-F238E27FC236}">
+                  <a16:creationId xmlns:a16="http://schemas.microsoft.com/office/drawing/2014/main" id="{44A73E84-E442-4881-BD7D-B2A07D3D8C5B}"/>
+                </a:ext>
+              </a:extLst>
+            </p:cNvPr>
+            <p:cNvSpPr>
+              <a:spLocks noChangeAspect="1"/>
+            </p:cNvSpPr>
+            <p:nvPr/>
+          </p:nvSpPr>
+          <p:spPr>
+            <a:xfrm>
+              <a:off x="2865379" y="620174"/>
+              <a:ext cx="1293036" cy="1363664"/>
+            </a:xfrm>
+            <a:prstGeom prst="parallelogram">
+              <a:avLst>
+                <a:gd name="adj" fmla="val 25000"/>
+              </a:avLst>
+            </a:prstGeom>
+            <a:solidFill>
+              <a:schemeClr val="tx1"/>
+            </a:solidFill>
+            <a:ln>
+              <a:noFill/>
+            </a:ln>
+          </p:spPr>
+          <p:style>
+            <a:lnRef idx="2">
+              <a:schemeClr val="accent1">
+                <a:shade val="50000"/>
+              </a:schemeClr>
+            </a:lnRef>
+            <a:fillRef idx="1">
+              <a:schemeClr val="accent1"/>
+            </a:fillRef>
+            <a:effectRef idx="0">
+              <a:schemeClr val="accent1"/>
+            </a:effectRef>
+            <a:fontRef idx="minor">
+              <a:schemeClr val="lt1"/>
+            </a:fontRef>
+          </p:style>
+          <p:txBody>
+            <a:bodyPr rtlCol="0" anchor="ctr"/>
+            <a:lstStyle/>
+            <a:p>
+              <a:pPr algn="ctr"/>
+              <a:endParaRPr kumimoji="1" lang="ja-JP" altLang="en-US"/>
+            </a:p>
+          </p:txBody>
+        </p:sp>
+      </p:grpSp>
+    </p:spTree>
+    <p:extLst>
+      <p:ext uri="{BB962C8B-B14F-4D97-AF65-F5344CB8AC3E}">
+        <p14:creationId xmlns:p14="http://schemas.microsoft.com/office/powerpoint/2010/main" val="3761869933"/>
+      </p:ext>
+    </p:extLst>
+  </p:cSld>
+  <p:clrMapOvr>
+    <a:masterClrMapping/>
+  </p:clrMapOvr>
+</p:sld>
+</file>
+
 <file path=ppt/theme/theme1.xml><?xml version="1.0" encoding="utf-8"?>
-<a:theme xmlns:a="http://schemas.openxmlformats.org/drawingml/2006/main" name="Office テーマ">
+<a:theme xmlns:a="http://schemas.openxmlformats.org/drawingml/2006/main" name="Office Theme">
   <a:themeElements>
-    <a:clrScheme name="Office">
+    <a:clrScheme name="Office テーマ">
       <a:dk1>
         <a:sysClr val="windowText" lastClr="000000"/>
       </a:dk1>
@@ -3738,9 +3882,9 @@
         <a:srgbClr val="954F72"/>
       </a:folHlink>
     </a:clrScheme>
-    <a:fontScheme name="Office">
+    <a:fontScheme name="Office テーマ">
       <a:majorFont>
-        <a:latin typeface="游ゴシック Light" panose="020F0302020204030204"/>
+        <a:latin typeface="Calibri Light" panose="020F0302020204030204"/>
         <a:ea typeface=""/>
         <a:cs typeface=""/>
         <a:font script="Jpan" typeface="游ゴシック Light"/>
@@ -3773,26 +3917,9 @@
         <a:font script="Viet" typeface="Times New Roman"/>
         <a:font script="Uigh" typeface="Microsoft Uighur"/>
         <a:font script="Geor" typeface="Sylfaen"/>
-        <a:font script="Armn" typeface="Arial"/>
-        <a:font script="Bugi" typeface="Leelawadee UI"/>
-        <a:font script="Bopo" typeface="Microsoft JhengHei"/>
-        <a:font script="Java" typeface="Javanese Text"/>
-        <a:font script="Lisu" typeface="Segoe UI"/>
-        <a:font script="Mymr" typeface="Myanmar Text"/>
-        <a:font script="Nkoo" typeface="Ebrima"/>
-        <a:font script="Olck" typeface="Nirmala UI"/>
-        <a:font script="Osma" typeface="Ebrima"/>
-        <a:font script="Phag" typeface="Phagspa"/>
-        <a:font script="Syrn" typeface="Estrangelo Edessa"/>
-        <a:font script="Syrj" typeface="Estrangelo Edessa"/>
-        <a:font script="Syre" typeface="Estrangelo Edessa"/>
-        <a:font script="Sora" typeface="Nirmala UI"/>
-        <a:font script="Tale" typeface="Microsoft Tai Le"/>
-        <a:font script="Talu" typeface="Microsoft New Tai Lue"/>
-        <a:font script="Tfng" typeface="Ebrima"/>
       </a:majorFont>
       <a:minorFont>
-        <a:latin typeface="游ゴシック" panose="020F0502020204030204"/>
+        <a:latin typeface="Calibri" panose="020F0502020204030204"/>
         <a:ea typeface=""/>
         <a:cs typeface=""/>
         <a:font script="Jpan" typeface="游ゴシック"/>
@@ -3825,26 +3952,9 @@
         <a:font script="Viet" typeface="Arial"/>
         <a:font script="Uigh" typeface="Microsoft Uighur"/>
         <a:font script="Geor" typeface="Sylfaen"/>
-        <a:font script="Armn" typeface="Arial"/>
-        <a:font script="Bugi" typeface="Leelawadee UI"/>
-        <a:font script="Bopo" typeface="Microsoft JhengHei"/>
-        <a:font script="Java" typeface="Javanese Text"/>
-        <a:font script="Lisu" typeface="Segoe UI"/>
-        <a:font script="Mymr" typeface="Myanmar Text"/>
-        <a:font script="Nkoo" typeface="Ebrima"/>
-        <a:font script="Olck" typeface="Nirmala UI"/>
-        <a:font script="Osma" typeface="Ebrima"/>
-        <a:font script="Phag" typeface="Phagspa"/>
-        <a:font script="Syrn" typeface="Estrangelo Edessa"/>
-        <a:font script="Syrj" typeface="Estrangelo Edessa"/>
-        <a:font script="Syre" typeface="Estrangelo Edessa"/>
-        <a:font script="Sora" typeface="Nirmala UI"/>
-        <a:font script="Tale" typeface="Microsoft Tai Le"/>
-        <a:font script="Talu" typeface="Microsoft New Tai Lue"/>
-        <a:font script="Tfng" typeface="Ebrima"/>
       </a:minorFont>
     </a:fontScheme>
-    <a:fmtScheme name="Office">
+    <a:fmtScheme name="Office テーマ">
       <a:fillStyleLst>
         <a:solidFill>
           <a:schemeClr val="phClr"/>
@@ -3986,7 +4096,7 @@
   <a:extraClrSchemeLst/>
   <a:extLst>
     <a:ext uri="{05A4C25C-085E-4340-85A3-A5531E510DB2}">
-      <thm15:themeFamily xmlns:thm15="http://schemas.microsoft.com/office/thememl/2012/main" name="Office Theme" id="{62F939B6-93AF-4DB8-9C6B-D6C7DFDC589F}" vid="{4A3C46E8-61CC-4603-A589-7422A47A8E4A}"/>
+      <thm15:themeFamily xmlns:thm15="http://schemas.microsoft.com/office/thememl/2012/main" name="Office Theme" id="{62F939B6-93AF-4DB8-9C6B-D6C7DFDC589F}" vid="{4F46216B-77A9-411A-B9D3-5023FCB70208}"/>
     </a:ext>
   </a:extLst>
 </a:theme>

--- a/resource.pptx
+++ b/resource.pptx
@@ -8,6 +8,19 @@
     <p:sldId id="256" r:id="rId2"/>
     <p:sldId id="257" r:id="rId3"/>
     <p:sldId id="258" r:id="rId4"/>
+    <p:sldId id="266" r:id="rId5"/>
+    <p:sldId id="260" r:id="rId6"/>
+    <p:sldId id="271" r:id="rId7"/>
+    <p:sldId id="270" r:id="rId8"/>
+    <p:sldId id="265" r:id="rId9"/>
+    <p:sldId id="267" r:id="rId10"/>
+    <p:sldId id="269" r:id="rId11"/>
+    <p:sldId id="268" r:id="rId12"/>
+    <p:sldId id="263" r:id="rId13"/>
+    <p:sldId id="264" r:id="rId14"/>
+    <p:sldId id="262" r:id="rId15"/>
+    <p:sldId id="261" r:id="rId16"/>
+    <p:sldId id="259" r:id="rId17"/>
   </p:sldIdLst>
   <p:sldSz cx="12192000" cy="6858000"/>
   <p:notesSz cx="6858000" cy="9144000"/>
@@ -114,6 +127,18 @@
 </p:presentation>
 </file>
 
+<file path=ppt/commentAuthors.xml><?xml version="1.0" encoding="utf-8"?>
+<p:cmAuthorLst xmlns:a="http://schemas.openxmlformats.org/drawingml/2006/main" xmlns:r="http://schemas.openxmlformats.org/officeDocument/2006/relationships" xmlns:p="http://schemas.openxmlformats.org/presentationml/2006/main">
+  <p:cmAuthor id="1" name="番場 宥輝" initials="番場" lastIdx="1" clrIdx="0">
+    <p:extLst>
+      <p:ext uri="{19B8F6BF-5375-455C-9EA6-DF929625EA0E}">
+        <p15:presenceInfo xmlns:p15="http://schemas.microsoft.com/office/powerpoint/2012/main" userId="af6db711e1ec249c" providerId="Windows Live"/>
+      </p:ext>
+    </p:extLst>
+  </p:cmAuthor>
+</p:cmAuthorLst>
+</file>
+
 <file path=ppt/slideLayouts/slideLayout1.xml><?xml version="1.0" encoding="utf-8"?>
 <p:sldLayout xmlns:a="http://schemas.openxmlformats.org/drawingml/2006/main" xmlns:r="http://schemas.openxmlformats.org/officeDocument/2006/relationships" xmlns:p="http://schemas.openxmlformats.org/presentationml/2006/main" type="title" preserve="1">
   <p:cSld name="タイトル スライド">
@@ -245,7 +270,7 @@
           <a:p>
             <a:fld id="{F393CF75-DA3A-4376-8130-7D6E005E77C9}" type="datetimeFigureOut">
               <a:rPr kumimoji="1" lang="ja-JP" altLang="en-US" smtClean="0"/>
-              <a:t>2019/11/13</a:t>
+              <a:t>2019/11/18</a:t>
             </a:fld>
             <a:endParaRPr kumimoji="1" lang="ja-JP" altLang="en-US"/>
           </a:p>
@@ -447,7 +472,7 @@
           <a:p>
             <a:fld id="{F393CF75-DA3A-4376-8130-7D6E005E77C9}" type="datetimeFigureOut">
               <a:rPr kumimoji="1" lang="ja-JP" altLang="en-US" smtClean="0"/>
-              <a:t>2019/11/13</a:t>
+              <a:t>2019/11/18</a:t>
             </a:fld>
             <a:endParaRPr kumimoji="1" lang="ja-JP" altLang="en-US"/>
           </a:p>
@@ -659,7 +684,7 @@
           <a:p>
             <a:fld id="{F393CF75-DA3A-4376-8130-7D6E005E77C9}" type="datetimeFigureOut">
               <a:rPr kumimoji="1" lang="ja-JP" altLang="en-US" smtClean="0"/>
-              <a:t>2019/11/13</a:t>
+              <a:t>2019/11/18</a:t>
             </a:fld>
             <a:endParaRPr kumimoji="1" lang="ja-JP" altLang="en-US"/>
           </a:p>
@@ -861,7 +886,7 @@
           <a:p>
             <a:fld id="{F393CF75-DA3A-4376-8130-7D6E005E77C9}" type="datetimeFigureOut">
               <a:rPr kumimoji="1" lang="ja-JP" altLang="en-US" smtClean="0"/>
-              <a:t>2019/11/13</a:t>
+              <a:t>2019/11/18</a:t>
             </a:fld>
             <a:endParaRPr kumimoji="1" lang="ja-JP" altLang="en-US"/>
           </a:p>
@@ -1107,7 +1132,7 @@
           <a:p>
             <a:fld id="{F393CF75-DA3A-4376-8130-7D6E005E77C9}" type="datetimeFigureOut">
               <a:rPr kumimoji="1" lang="ja-JP" altLang="en-US" smtClean="0"/>
-              <a:t>2019/11/13</a:t>
+              <a:t>2019/11/18</a:t>
             </a:fld>
             <a:endParaRPr kumimoji="1" lang="ja-JP" altLang="en-US"/>
           </a:p>
@@ -1403,7 +1428,7 @@
           <a:p>
             <a:fld id="{F393CF75-DA3A-4376-8130-7D6E005E77C9}" type="datetimeFigureOut">
               <a:rPr kumimoji="1" lang="ja-JP" altLang="en-US" smtClean="0"/>
-              <a:t>2019/11/13</a:t>
+              <a:t>2019/11/18</a:t>
             </a:fld>
             <a:endParaRPr kumimoji="1" lang="ja-JP" altLang="en-US"/>
           </a:p>
@@ -1834,7 +1859,7 @@
           <a:p>
             <a:fld id="{F393CF75-DA3A-4376-8130-7D6E005E77C9}" type="datetimeFigureOut">
               <a:rPr kumimoji="1" lang="ja-JP" altLang="en-US" smtClean="0"/>
-              <a:t>2019/11/13</a:t>
+              <a:t>2019/11/18</a:t>
             </a:fld>
             <a:endParaRPr kumimoji="1" lang="ja-JP" altLang="en-US"/>
           </a:p>
@@ -1952,7 +1977,7 @@
           <a:p>
             <a:fld id="{F393CF75-DA3A-4376-8130-7D6E005E77C9}" type="datetimeFigureOut">
               <a:rPr kumimoji="1" lang="ja-JP" altLang="en-US" smtClean="0"/>
-              <a:t>2019/11/13</a:t>
+              <a:t>2019/11/18</a:t>
             </a:fld>
             <a:endParaRPr kumimoji="1" lang="ja-JP" altLang="en-US"/>
           </a:p>
@@ -2047,7 +2072,7 @@
           <a:p>
             <a:fld id="{F393CF75-DA3A-4376-8130-7D6E005E77C9}" type="datetimeFigureOut">
               <a:rPr kumimoji="1" lang="ja-JP" altLang="en-US" smtClean="0"/>
-              <a:t>2019/11/13</a:t>
+              <a:t>2019/11/18</a:t>
             </a:fld>
             <a:endParaRPr kumimoji="1" lang="ja-JP" altLang="en-US"/>
           </a:p>
@@ -2356,7 +2381,7 @@
           <a:p>
             <a:fld id="{F393CF75-DA3A-4376-8130-7D6E005E77C9}" type="datetimeFigureOut">
               <a:rPr kumimoji="1" lang="ja-JP" altLang="en-US" smtClean="0"/>
-              <a:t>2019/11/13</a:t>
+              <a:t>2019/11/18</a:t>
             </a:fld>
             <a:endParaRPr kumimoji="1" lang="ja-JP" altLang="en-US"/>
           </a:p>
@@ -2613,7 +2638,7 @@
           <a:p>
             <a:fld id="{F393CF75-DA3A-4376-8130-7D6E005E77C9}" type="datetimeFigureOut">
               <a:rPr kumimoji="1" lang="ja-JP" altLang="en-US" smtClean="0"/>
-              <a:t>2019/11/13</a:t>
+              <a:t>2019/11/18</a:t>
             </a:fld>
             <a:endParaRPr kumimoji="1" lang="ja-JP" altLang="en-US"/>
           </a:p>
@@ -2858,7 +2883,7 @@
           <a:p>
             <a:fld id="{F393CF75-DA3A-4376-8130-7D6E005E77C9}" type="datetimeFigureOut">
               <a:rPr kumimoji="1" lang="ja-JP" altLang="en-US" smtClean="0"/>
-              <a:t>2019/11/13</a:t>
+              <a:t>2019/11/18</a:t>
             </a:fld>
             <a:endParaRPr kumimoji="1" lang="ja-JP" altLang="en-US"/>
           </a:p>
@@ -3351,6 +3376,4463 @@
 </p:sld>
 </file>
 
+<file path=ppt/slides/slide10.xml><?xml version="1.0" encoding="utf-8"?>
+<p:sld xmlns:a="http://schemas.openxmlformats.org/drawingml/2006/main" xmlns:r="http://schemas.openxmlformats.org/officeDocument/2006/relationships" xmlns:p="http://schemas.openxmlformats.org/presentationml/2006/main">
+  <p:cSld>
+    <p:bg>
+      <p:bgPr>
+        <a:solidFill>
+          <a:schemeClr val="tx1"/>
+        </a:solidFill>
+        <a:effectLst/>
+      </p:bgPr>
+    </p:bg>
+    <p:spTree>
+      <p:nvGrpSpPr>
+        <p:cNvPr id="1" name=""/>
+        <p:cNvGrpSpPr/>
+        <p:nvPr/>
+      </p:nvGrpSpPr>
+      <p:grpSpPr>
+        <a:xfrm>
+          <a:off x="0" y="0"/>
+          <a:ext cx="0" cy="0"/>
+          <a:chOff x="0" y="0"/>
+          <a:chExt cx="0" cy="0"/>
+        </a:xfrm>
+      </p:grpSpPr>
+      <p:sp>
+        <p:nvSpPr>
+          <p:cNvPr id="9" name="四角形: 角を丸くする 8">
+            <a:extLst>
+              <a:ext uri="{FF2B5EF4-FFF2-40B4-BE49-F238E27FC236}">
+                <a16:creationId xmlns:a16="http://schemas.microsoft.com/office/drawing/2014/main" id="{D0041205-7DB4-43B0-9E51-DA34D82DA784}"/>
+              </a:ext>
+            </a:extLst>
+          </p:cNvPr>
+          <p:cNvSpPr/>
+          <p:nvPr/>
+        </p:nvSpPr>
+        <p:spPr>
+          <a:xfrm>
+            <a:off x="3063240" y="907951"/>
+            <a:ext cx="6431280" cy="4541520"/>
+          </a:xfrm>
+          <a:prstGeom prst="roundRect">
+            <a:avLst/>
+          </a:prstGeom>
+          <a:noFill/>
+          <a:ln w="76200">
+            <a:solidFill>
+              <a:schemeClr val="bg1"/>
+            </a:solidFill>
+          </a:ln>
+        </p:spPr>
+        <p:style>
+          <a:lnRef idx="2">
+            <a:schemeClr val="accent1">
+              <a:shade val="50000"/>
+            </a:schemeClr>
+          </a:lnRef>
+          <a:fillRef idx="1">
+            <a:schemeClr val="accent1"/>
+          </a:fillRef>
+          <a:effectRef idx="0">
+            <a:schemeClr val="accent1"/>
+          </a:effectRef>
+          <a:fontRef idx="minor">
+            <a:schemeClr val="lt1"/>
+          </a:fontRef>
+        </p:style>
+        <p:txBody>
+          <a:bodyPr rtlCol="0" anchor="ctr"/>
+          <a:lstStyle/>
+          <a:p>
+            <a:pPr algn="ctr"/>
+            <a:endParaRPr kumimoji="1" lang="ja-JP" altLang="en-US" dirty="0"/>
+          </a:p>
+        </p:txBody>
+      </p:sp>
+      <p:sp>
+        <p:nvSpPr>
+          <p:cNvPr id="4" name="四角形: 角を丸くする 3">
+            <a:extLst>
+              <a:ext uri="{FF2B5EF4-FFF2-40B4-BE49-F238E27FC236}">
+                <a16:creationId xmlns:a16="http://schemas.microsoft.com/office/drawing/2014/main" id="{04F17138-FE7B-482C-8B0F-4382108AD001}"/>
+              </a:ext>
+            </a:extLst>
+          </p:cNvPr>
+          <p:cNvSpPr/>
+          <p:nvPr/>
+        </p:nvSpPr>
+        <p:spPr>
+          <a:xfrm>
+            <a:off x="3063240" y="907951"/>
+            <a:ext cx="6431280" cy="4541520"/>
+          </a:xfrm>
+          <a:prstGeom prst="roundRect">
+            <a:avLst/>
+          </a:prstGeom>
+          <a:gradFill>
+            <a:gsLst>
+              <a:gs pos="0">
+                <a:schemeClr val="accent1">
+                  <a:lumMod val="0"/>
+                  <a:lumOff val="100000"/>
+                </a:schemeClr>
+              </a:gs>
+              <a:gs pos="40000">
+                <a:schemeClr val="tx1">
+                  <a:lumMod val="95000"/>
+                </a:schemeClr>
+              </a:gs>
+              <a:gs pos="62000">
+                <a:schemeClr val="tx1">
+                  <a:lumMod val="95000"/>
+                </a:schemeClr>
+              </a:gs>
+              <a:gs pos="95000">
+                <a:schemeClr val="tx1">
+                  <a:lumMod val="85000"/>
+                </a:schemeClr>
+              </a:gs>
+            </a:gsLst>
+            <a:lin ang="5400000" scaled="1"/>
+          </a:gradFill>
+          <a:ln>
+            <a:noFill/>
+          </a:ln>
+        </p:spPr>
+        <p:style>
+          <a:lnRef idx="2">
+            <a:schemeClr val="accent1">
+              <a:shade val="50000"/>
+            </a:schemeClr>
+          </a:lnRef>
+          <a:fillRef idx="1">
+            <a:schemeClr val="accent1"/>
+          </a:fillRef>
+          <a:effectRef idx="0">
+            <a:schemeClr val="accent1"/>
+          </a:effectRef>
+          <a:fontRef idx="minor">
+            <a:schemeClr val="lt1"/>
+          </a:fontRef>
+        </p:style>
+        <p:txBody>
+          <a:bodyPr rtlCol="0" anchor="ctr"/>
+          <a:lstStyle/>
+          <a:p>
+            <a:pPr algn="ctr"/>
+            <a:endParaRPr kumimoji="1" lang="ja-JP" altLang="en-US" dirty="0"/>
+          </a:p>
+        </p:txBody>
+      </p:sp>
+      <p:sp>
+        <p:nvSpPr>
+          <p:cNvPr id="5" name="四角形: 角を丸くする 4">
+            <a:extLst>
+              <a:ext uri="{FF2B5EF4-FFF2-40B4-BE49-F238E27FC236}">
+                <a16:creationId xmlns:a16="http://schemas.microsoft.com/office/drawing/2014/main" id="{E93AB1DF-B830-41DA-96C9-143ABAE488C7}"/>
+              </a:ext>
+            </a:extLst>
+          </p:cNvPr>
+          <p:cNvSpPr/>
+          <p:nvPr/>
+        </p:nvSpPr>
+        <p:spPr>
+          <a:xfrm>
+            <a:off x="3063240" y="907951"/>
+            <a:ext cx="6431280" cy="4541520"/>
+          </a:xfrm>
+          <a:prstGeom prst="roundRect">
+            <a:avLst/>
+          </a:prstGeom>
+          <a:noFill/>
+          <a:ln w="63500">
+            <a:gradFill>
+              <a:gsLst>
+                <a:gs pos="0">
+                  <a:schemeClr val="accent1">
+                    <a:lumMod val="5000"/>
+                    <a:lumOff val="95000"/>
+                  </a:schemeClr>
+                </a:gs>
+                <a:gs pos="48000">
+                  <a:schemeClr val="tx1">
+                    <a:lumMod val="85000"/>
+                  </a:schemeClr>
+                </a:gs>
+                <a:gs pos="74000">
+                  <a:schemeClr val="tx1">
+                    <a:lumMod val="85000"/>
+                  </a:schemeClr>
+                </a:gs>
+                <a:gs pos="100000">
+                  <a:schemeClr val="tx1">
+                    <a:lumMod val="75000"/>
+                  </a:schemeClr>
+                </a:gs>
+              </a:gsLst>
+              <a:lin ang="5400000" scaled="1"/>
+            </a:gradFill>
+          </a:ln>
+        </p:spPr>
+        <p:style>
+          <a:lnRef idx="2">
+            <a:schemeClr val="accent1">
+              <a:shade val="50000"/>
+            </a:schemeClr>
+          </a:lnRef>
+          <a:fillRef idx="1">
+            <a:schemeClr val="accent1"/>
+          </a:fillRef>
+          <a:effectRef idx="0">
+            <a:schemeClr val="accent1"/>
+          </a:effectRef>
+          <a:fontRef idx="minor">
+            <a:schemeClr val="lt1"/>
+          </a:fontRef>
+        </p:style>
+        <p:txBody>
+          <a:bodyPr rtlCol="0" anchor="ctr"/>
+          <a:lstStyle/>
+          <a:p>
+            <a:pPr algn="ctr"/>
+            <a:endParaRPr kumimoji="1" lang="ja-JP" altLang="en-US" dirty="0"/>
+          </a:p>
+        </p:txBody>
+      </p:sp>
+      <p:sp>
+        <p:nvSpPr>
+          <p:cNvPr id="2" name="テキスト ボックス 1">
+            <a:extLst>
+              <a:ext uri="{FF2B5EF4-FFF2-40B4-BE49-F238E27FC236}">
+                <a16:creationId xmlns:a16="http://schemas.microsoft.com/office/drawing/2014/main" id="{961F047F-292F-4028-B4E5-F97633BC9DE6}"/>
+              </a:ext>
+            </a:extLst>
+          </p:cNvPr>
+          <p:cNvSpPr txBox="1"/>
+          <p:nvPr/>
+        </p:nvSpPr>
+        <p:spPr>
+          <a:xfrm>
+            <a:off x="-780939" y="1952952"/>
+            <a:ext cx="3149600" cy="830997"/>
+          </a:xfrm>
+          <a:prstGeom prst="rect">
+            <a:avLst/>
+          </a:prstGeom>
+          <a:noFill/>
+        </p:spPr>
+        <p:txBody>
+          <a:bodyPr wrap="square" rtlCol="0">
+            <a:spAutoFit/>
+          </a:bodyPr>
+          <a:lstStyle/>
+          <a:p>
+            <a:pPr algn="ctr"/>
+            <a:r>
+              <a:rPr kumimoji="1" lang="ja-JP" altLang="en-US" sz="4800" dirty="0">
+                <a:solidFill>
+                  <a:schemeClr val="bg1"/>
+                </a:solidFill>
+                <a:effectLst/>
+                <a:latin typeface="游明朝" panose="02020400000000000000" pitchFamily="18" charset="-128"/>
+                <a:ea typeface="游明朝" panose="02020400000000000000" pitchFamily="18" charset="-128"/>
+              </a:rPr>
+              <a:t>絞り込み</a:t>
+            </a:r>
+            <a:endParaRPr kumimoji="1" lang="en-US" altLang="ja-JP" sz="4800" dirty="0">
+              <a:solidFill>
+                <a:schemeClr val="bg1"/>
+              </a:solidFill>
+              <a:effectLst/>
+              <a:latin typeface="游明朝" panose="02020400000000000000" pitchFamily="18" charset="-128"/>
+              <a:ea typeface="游明朝" panose="02020400000000000000" pitchFamily="18" charset="-128"/>
+            </a:endParaRPr>
+          </a:p>
+        </p:txBody>
+      </p:sp>
+      <p:sp>
+        <p:nvSpPr>
+          <p:cNvPr id="12" name="テキスト ボックス 11">
+            <a:extLst>
+              <a:ext uri="{FF2B5EF4-FFF2-40B4-BE49-F238E27FC236}">
+                <a16:creationId xmlns:a16="http://schemas.microsoft.com/office/drawing/2014/main" id="{ECCF1432-290F-4C9C-91E7-BC1044693DAC}"/>
+              </a:ext>
+            </a:extLst>
+          </p:cNvPr>
+          <p:cNvSpPr txBox="1"/>
+          <p:nvPr/>
+        </p:nvSpPr>
+        <p:spPr>
+          <a:xfrm>
+            <a:off x="-2868819" y="3258027"/>
+            <a:ext cx="3149600" cy="707886"/>
+          </a:xfrm>
+          <a:prstGeom prst="rect">
+            <a:avLst/>
+          </a:prstGeom>
+          <a:noFill/>
+        </p:spPr>
+        <p:txBody>
+          <a:bodyPr wrap="square" rtlCol="0">
+            <a:spAutoFit/>
+          </a:bodyPr>
+          <a:lstStyle/>
+          <a:p>
+            <a:pPr algn="r"/>
+            <a:r>
+              <a:rPr kumimoji="1" lang="ja-JP" altLang="en-US" sz="4000" dirty="0">
+                <a:solidFill>
+                  <a:schemeClr val="bg1"/>
+                </a:solidFill>
+                <a:effectLst/>
+                <a:latin typeface="游明朝" panose="02020400000000000000" pitchFamily="18" charset="-128"/>
+                <a:ea typeface="游明朝" panose="02020400000000000000" pitchFamily="18" charset="-128"/>
+              </a:rPr>
+              <a:t>楽曲</a:t>
+            </a:r>
+            <a:endParaRPr kumimoji="1" lang="en-US" altLang="ja-JP" sz="4000" dirty="0">
+              <a:solidFill>
+                <a:schemeClr val="bg1"/>
+              </a:solidFill>
+              <a:effectLst/>
+              <a:latin typeface="游明朝" panose="02020400000000000000" pitchFamily="18" charset="-128"/>
+              <a:ea typeface="游明朝" panose="02020400000000000000" pitchFamily="18" charset="-128"/>
+            </a:endParaRPr>
+          </a:p>
+        </p:txBody>
+      </p:sp>
+      <p:sp>
+        <p:nvSpPr>
+          <p:cNvPr id="13" name="テキスト ボックス 12">
+            <a:extLst>
+              <a:ext uri="{FF2B5EF4-FFF2-40B4-BE49-F238E27FC236}">
+                <a16:creationId xmlns:a16="http://schemas.microsoft.com/office/drawing/2014/main" id="{6F2BB1BF-5E0F-4062-85CE-176486BCBF54}"/>
+              </a:ext>
+            </a:extLst>
+          </p:cNvPr>
+          <p:cNvSpPr txBox="1"/>
+          <p:nvPr/>
+        </p:nvSpPr>
+        <p:spPr>
+          <a:xfrm>
+            <a:off x="3398631" y="2448990"/>
+            <a:ext cx="3149600" cy="707886"/>
+          </a:xfrm>
+          <a:prstGeom prst="rect">
+            <a:avLst/>
+          </a:prstGeom>
+          <a:noFill/>
+        </p:spPr>
+        <p:txBody>
+          <a:bodyPr wrap="square" rtlCol="0">
+            <a:spAutoFit/>
+          </a:bodyPr>
+          <a:lstStyle/>
+          <a:p>
+            <a:pPr algn="r"/>
+            <a:r>
+              <a:rPr kumimoji="1" lang="ja-JP" altLang="en-US" sz="4000" dirty="0">
+                <a:solidFill>
+                  <a:schemeClr val="bg1"/>
+                </a:solidFill>
+                <a:effectLst/>
+                <a:latin typeface="游明朝" panose="02020400000000000000" pitchFamily="18" charset="-128"/>
+                <a:ea typeface="游明朝" panose="02020400000000000000" pitchFamily="18" charset="-128"/>
+              </a:rPr>
+              <a:t>並び替え</a:t>
+            </a:r>
+            <a:endParaRPr kumimoji="1" lang="en-US" altLang="ja-JP" sz="4000" dirty="0">
+              <a:solidFill>
+                <a:schemeClr val="bg1"/>
+              </a:solidFill>
+              <a:effectLst/>
+              <a:latin typeface="游明朝" panose="02020400000000000000" pitchFamily="18" charset="-128"/>
+              <a:ea typeface="游明朝" panose="02020400000000000000" pitchFamily="18" charset="-128"/>
+            </a:endParaRPr>
+          </a:p>
+        </p:txBody>
+      </p:sp>
+      <p:sp>
+        <p:nvSpPr>
+          <p:cNvPr id="14" name="テキスト ボックス 13">
+            <a:extLst>
+              <a:ext uri="{FF2B5EF4-FFF2-40B4-BE49-F238E27FC236}">
+                <a16:creationId xmlns:a16="http://schemas.microsoft.com/office/drawing/2014/main" id="{15B88A0C-634E-4AB8-9E95-99E7AF787005}"/>
+              </a:ext>
+            </a:extLst>
+          </p:cNvPr>
+          <p:cNvSpPr txBox="1"/>
+          <p:nvPr/>
+        </p:nvSpPr>
+        <p:spPr>
+          <a:xfrm>
+            <a:off x="-687594" y="5170210"/>
+            <a:ext cx="3149600" cy="707886"/>
+          </a:xfrm>
+          <a:prstGeom prst="rect">
+            <a:avLst/>
+          </a:prstGeom>
+          <a:noFill/>
+        </p:spPr>
+        <p:txBody>
+          <a:bodyPr wrap="square" rtlCol="0">
+            <a:spAutoFit/>
+          </a:bodyPr>
+          <a:lstStyle/>
+          <a:p>
+            <a:pPr algn="r"/>
+            <a:r>
+              <a:rPr kumimoji="1" lang="ja-JP" altLang="en-US" sz="4000" dirty="0">
+                <a:solidFill>
+                  <a:schemeClr val="bg1"/>
+                </a:solidFill>
+                <a:effectLst/>
+                <a:latin typeface="游明朝" panose="02020400000000000000" pitchFamily="18" charset="-128"/>
+                <a:ea typeface="游明朝" panose="02020400000000000000" pitchFamily="18" charset="-128"/>
+              </a:rPr>
+              <a:t>昇順</a:t>
+            </a:r>
+            <a:r>
+              <a:rPr kumimoji="1" lang="en-US" altLang="ja-JP" sz="4000" dirty="0">
+                <a:solidFill>
+                  <a:schemeClr val="bg1"/>
+                </a:solidFill>
+                <a:effectLst/>
+                <a:latin typeface="游明朝" panose="02020400000000000000" pitchFamily="18" charset="-128"/>
+                <a:ea typeface="游明朝" panose="02020400000000000000" pitchFamily="18" charset="-128"/>
+              </a:rPr>
+              <a:t>/</a:t>
+            </a:r>
+            <a:r>
+              <a:rPr kumimoji="1" lang="ja-JP" altLang="en-US" sz="4000" dirty="0">
+                <a:solidFill>
+                  <a:schemeClr val="bg1"/>
+                </a:solidFill>
+                <a:effectLst/>
+                <a:latin typeface="游明朝" panose="02020400000000000000" pitchFamily="18" charset="-128"/>
+                <a:ea typeface="游明朝" panose="02020400000000000000" pitchFamily="18" charset="-128"/>
+              </a:rPr>
+              <a:t>降順</a:t>
+            </a:r>
+            <a:endParaRPr kumimoji="1" lang="en-US" altLang="ja-JP" sz="4000" dirty="0">
+              <a:solidFill>
+                <a:schemeClr val="bg1"/>
+              </a:solidFill>
+              <a:effectLst/>
+              <a:latin typeface="游明朝" panose="02020400000000000000" pitchFamily="18" charset="-128"/>
+              <a:ea typeface="游明朝" panose="02020400000000000000" pitchFamily="18" charset="-128"/>
+            </a:endParaRPr>
+          </a:p>
+        </p:txBody>
+      </p:sp>
+      <p:grpSp>
+        <p:nvGrpSpPr>
+          <p:cNvPr id="10" name="グループ化 9">
+            <a:extLst>
+              <a:ext uri="{FF2B5EF4-FFF2-40B4-BE49-F238E27FC236}">
+                <a16:creationId xmlns:a16="http://schemas.microsoft.com/office/drawing/2014/main" id="{3AF82353-0AA6-4086-8232-8F8FE6485B03}"/>
+              </a:ext>
+            </a:extLst>
+          </p:cNvPr>
+          <p:cNvGrpSpPr/>
+          <p:nvPr/>
+        </p:nvGrpSpPr>
+        <p:grpSpPr>
+          <a:xfrm>
+            <a:off x="3484803" y="2396576"/>
+            <a:ext cx="3377006" cy="807798"/>
+            <a:chOff x="3484803" y="2396576"/>
+            <a:chExt cx="3377006" cy="807798"/>
+          </a:xfrm>
+        </p:grpSpPr>
+        <p:cxnSp>
+          <p:nvCxnSpPr>
+            <p:cNvPr id="11" name="直線コネクタ 2">
+              <a:extLst>
+                <a:ext uri="{FF2B5EF4-FFF2-40B4-BE49-F238E27FC236}">
+                  <a16:creationId xmlns:a16="http://schemas.microsoft.com/office/drawing/2014/main" id="{581E4168-C0E3-4DF0-AE12-2FE23AB4F6D1}"/>
+                </a:ext>
+              </a:extLst>
+            </p:cNvPr>
+            <p:cNvCxnSpPr>
+              <a:cxnSpLocks/>
+              <a:stCxn id="17" idx="7"/>
+              <a:endCxn id="16" idx="7"/>
+            </p:cNvCxnSpPr>
+            <p:nvPr/>
+          </p:nvCxnSpPr>
+          <p:spPr>
+            <a:xfrm flipH="1">
+              <a:off x="3491498" y="2435600"/>
+              <a:ext cx="807380" cy="745915"/>
+            </a:xfrm>
+            <a:prstGeom prst="straightConnector1">
+              <a:avLst/>
+            </a:prstGeom>
+            <a:ln w="38100">
+              <a:solidFill>
+                <a:schemeClr val="tx1"/>
+              </a:solidFill>
+            </a:ln>
+          </p:spPr>
+          <p:style>
+            <a:lnRef idx="1">
+              <a:schemeClr val="accent1"/>
+            </a:lnRef>
+            <a:fillRef idx="0">
+              <a:schemeClr val="accent1"/>
+            </a:fillRef>
+            <a:effectRef idx="0">
+              <a:schemeClr val="accent1"/>
+            </a:effectRef>
+            <a:fontRef idx="minor">
+              <a:schemeClr val="tx1"/>
+            </a:fontRef>
+          </p:style>
+        </p:cxnSp>
+        <p:cxnSp>
+          <p:nvCxnSpPr>
+            <p:cNvPr id="15" name="直線コネクタ 14">
+              <a:extLst>
+                <a:ext uri="{FF2B5EF4-FFF2-40B4-BE49-F238E27FC236}">
+                  <a16:creationId xmlns:a16="http://schemas.microsoft.com/office/drawing/2014/main" id="{9FB10EE9-2856-4BFD-A45E-E00FB7312839}"/>
+                </a:ext>
+              </a:extLst>
+            </p:cNvPr>
+            <p:cNvCxnSpPr>
+              <a:cxnSpLocks/>
+              <a:stCxn id="16" idx="2"/>
+              <a:endCxn id="18" idx="6"/>
+            </p:cNvCxnSpPr>
+            <p:nvPr/>
+          </p:nvCxnSpPr>
+          <p:spPr>
+            <a:xfrm>
+              <a:off x="3530522" y="3165350"/>
+              <a:ext cx="3285568" cy="16164"/>
+            </a:xfrm>
+            <a:prstGeom prst="line">
+              <a:avLst/>
+            </a:prstGeom>
+            <a:ln w="38100">
+              <a:solidFill>
+                <a:schemeClr val="tx1"/>
+              </a:solidFill>
+            </a:ln>
+          </p:spPr>
+          <p:style>
+            <a:lnRef idx="1">
+              <a:schemeClr val="accent1"/>
+            </a:lnRef>
+            <a:fillRef idx="0">
+              <a:schemeClr val="accent1"/>
+            </a:fillRef>
+            <a:effectRef idx="0">
+              <a:schemeClr val="accent1"/>
+            </a:effectRef>
+            <a:fontRef idx="minor">
+              <a:schemeClr val="tx1"/>
+            </a:fontRef>
+          </p:style>
+        </p:cxnSp>
+        <p:sp>
+          <p:nvSpPr>
+            <p:cNvPr id="16" name="楕円 15">
+              <a:extLst>
+                <a:ext uri="{FF2B5EF4-FFF2-40B4-BE49-F238E27FC236}">
+                  <a16:creationId xmlns:a16="http://schemas.microsoft.com/office/drawing/2014/main" id="{975CBF35-AB0E-4CD9-B386-F0455E1CE515}"/>
+                </a:ext>
+              </a:extLst>
+            </p:cNvPr>
+            <p:cNvSpPr/>
+            <p:nvPr/>
+          </p:nvSpPr>
+          <p:spPr>
+            <a:xfrm flipH="1" flipV="1">
+              <a:off x="3484803" y="3142491"/>
+              <a:ext cx="45719" cy="45719"/>
+            </a:xfrm>
+            <a:prstGeom prst="ellipse">
+              <a:avLst/>
+            </a:prstGeom>
+            <a:solidFill>
+              <a:schemeClr val="tx1"/>
+            </a:solidFill>
+            <a:ln>
+              <a:solidFill>
+                <a:schemeClr val="tx1"/>
+              </a:solidFill>
+            </a:ln>
+          </p:spPr>
+          <p:style>
+            <a:lnRef idx="2">
+              <a:schemeClr val="accent1">
+                <a:shade val="50000"/>
+              </a:schemeClr>
+            </a:lnRef>
+            <a:fillRef idx="1">
+              <a:schemeClr val="accent1"/>
+            </a:fillRef>
+            <a:effectRef idx="0">
+              <a:schemeClr val="accent1"/>
+            </a:effectRef>
+            <a:fontRef idx="minor">
+              <a:schemeClr val="lt1"/>
+            </a:fontRef>
+          </p:style>
+          <p:txBody>
+            <a:bodyPr rtlCol="0" anchor="ctr"/>
+            <a:lstStyle/>
+            <a:p>
+              <a:pPr algn="ctr"/>
+              <a:endParaRPr kumimoji="1" lang="ja-JP" altLang="en-US"/>
+            </a:p>
+          </p:txBody>
+        </p:sp>
+        <p:sp>
+          <p:nvSpPr>
+            <p:cNvPr id="17" name="楕円 16">
+              <a:extLst>
+                <a:ext uri="{FF2B5EF4-FFF2-40B4-BE49-F238E27FC236}">
+                  <a16:creationId xmlns:a16="http://schemas.microsoft.com/office/drawing/2014/main" id="{40097616-E59B-40AD-BC8F-4EA87A0626D6}"/>
+                </a:ext>
+              </a:extLst>
+            </p:cNvPr>
+            <p:cNvSpPr/>
+            <p:nvPr/>
+          </p:nvSpPr>
+          <p:spPr>
+            <a:xfrm flipH="1" flipV="1">
+              <a:off x="4292183" y="2396576"/>
+              <a:ext cx="45719" cy="45719"/>
+            </a:xfrm>
+            <a:prstGeom prst="ellipse">
+              <a:avLst/>
+            </a:prstGeom>
+            <a:solidFill>
+              <a:schemeClr val="tx1"/>
+            </a:solidFill>
+            <a:ln>
+              <a:solidFill>
+                <a:schemeClr val="tx1"/>
+              </a:solidFill>
+            </a:ln>
+          </p:spPr>
+          <p:style>
+            <a:lnRef idx="2">
+              <a:schemeClr val="accent1">
+                <a:shade val="50000"/>
+              </a:schemeClr>
+            </a:lnRef>
+            <a:fillRef idx="1">
+              <a:schemeClr val="accent1"/>
+            </a:fillRef>
+            <a:effectRef idx="0">
+              <a:schemeClr val="accent1"/>
+            </a:effectRef>
+            <a:fontRef idx="minor">
+              <a:schemeClr val="lt1"/>
+            </a:fontRef>
+          </p:style>
+          <p:txBody>
+            <a:bodyPr rtlCol="0" anchor="ctr"/>
+            <a:lstStyle/>
+            <a:p>
+              <a:pPr algn="ctr"/>
+              <a:endParaRPr kumimoji="1" lang="ja-JP" altLang="en-US"/>
+            </a:p>
+          </p:txBody>
+        </p:sp>
+        <p:sp>
+          <p:nvSpPr>
+            <p:cNvPr id="18" name="楕円 17">
+              <a:extLst>
+                <a:ext uri="{FF2B5EF4-FFF2-40B4-BE49-F238E27FC236}">
+                  <a16:creationId xmlns:a16="http://schemas.microsoft.com/office/drawing/2014/main" id="{D476822C-0DB5-4986-9A16-AEB373A3F1EB}"/>
+                </a:ext>
+              </a:extLst>
+            </p:cNvPr>
+            <p:cNvSpPr/>
+            <p:nvPr/>
+          </p:nvSpPr>
+          <p:spPr>
+            <a:xfrm flipH="1" flipV="1">
+              <a:off x="6816090" y="3158655"/>
+              <a:ext cx="45719" cy="45719"/>
+            </a:xfrm>
+            <a:prstGeom prst="ellipse">
+              <a:avLst/>
+            </a:prstGeom>
+            <a:solidFill>
+              <a:schemeClr val="tx1"/>
+            </a:solidFill>
+            <a:ln>
+              <a:solidFill>
+                <a:schemeClr val="tx1"/>
+              </a:solidFill>
+            </a:ln>
+          </p:spPr>
+          <p:style>
+            <a:lnRef idx="2">
+              <a:schemeClr val="accent1">
+                <a:shade val="50000"/>
+              </a:schemeClr>
+            </a:lnRef>
+            <a:fillRef idx="1">
+              <a:schemeClr val="accent1"/>
+            </a:fillRef>
+            <a:effectRef idx="0">
+              <a:schemeClr val="accent1"/>
+            </a:effectRef>
+            <a:fontRef idx="minor">
+              <a:schemeClr val="lt1"/>
+            </a:fontRef>
+          </p:style>
+          <p:txBody>
+            <a:bodyPr rtlCol="0" anchor="ctr"/>
+            <a:lstStyle/>
+            <a:p>
+              <a:pPr algn="ctr"/>
+              <a:endParaRPr kumimoji="1" lang="ja-JP" altLang="en-US"/>
+            </a:p>
+          </p:txBody>
+        </p:sp>
+      </p:grpSp>
+    </p:spTree>
+    <p:extLst>
+      <p:ext uri="{BB962C8B-B14F-4D97-AF65-F5344CB8AC3E}">
+        <p14:creationId xmlns:p14="http://schemas.microsoft.com/office/powerpoint/2010/main" val="1736273817"/>
+      </p:ext>
+    </p:extLst>
+  </p:cSld>
+  <p:clrMapOvr>
+    <a:masterClrMapping/>
+  </p:clrMapOvr>
+</p:sld>
+</file>
+
+<file path=ppt/slides/slide11.xml><?xml version="1.0" encoding="utf-8"?>
+<p:sld xmlns:a="http://schemas.openxmlformats.org/drawingml/2006/main" xmlns:r="http://schemas.openxmlformats.org/officeDocument/2006/relationships" xmlns:p="http://schemas.openxmlformats.org/presentationml/2006/main">
+  <p:cSld>
+    <p:bg>
+      <p:bgPr>
+        <a:solidFill>
+          <a:schemeClr val="tx1"/>
+        </a:solidFill>
+        <a:effectLst/>
+      </p:bgPr>
+    </p:bg>
+    <p:spTree>
+      <p:nvGrpSpPr>
+        <p:cNvPr id="1" name=""/>
+        <p:cNvGrpSpPr/>
+        <p:nvPr/>
+      </p:nvGrpSpPr>
+      <p:grpSpPr>
+        <a:xfrm>
+          <a:off x="0" y="0"/>
+          <a:ext cx="0" cy="0"/>
+          <a:chOff x="0" y="0"/>
+          <a:chExt cx="0" cy="0"/>
+        </a:xfrm>
+      </p:grpSpPr>
+      <p:sp>
+        <p:nvSpPr>
+          <p:cNvPr id="10" name="テキスト ボックス 9">
+            <a:extLst>
+              <a:ext uri="{FF2B5EF4-FFF2-40B4-BE49-F238E27FC236}">
+                <a16:creationId xmlns:a16="http://schemas.microsoft.com/office/drawing/2014/main" id="{41705AB7-7839-47CD-B47E-029E3583930D}"/>
+              </a:ext>
+            </a:extLst>
+          </p:cNvPr>
+          <p:cNvSpPr txBox="1"/>
+          <p:nvPr/>
+        </p:nvSpPr>
+        <p:spPr>
+          <a:xfrm>
+            <a:off x="-121285" y="1386642"/>
+            <a:ext cx="3406140" cy="646331"/>
+          </a:xfrm>
+          <a:prstGeom prst="rect">
+            <a:avLst/>
+          </a:prstGeom>
+          <a:noFill/>
+        </p:spPr>
+        <p:txBody>
+          <a:bodyPr wrap="square" rtlCol="0">
+            <a:spAutoFit/>
+          </a:bodyPr>
+          <a:lstStyle/>
+          <a:p>
+            <a:pPr algn="ctr"/>
+            <a:r>
+              <a:rPr kumimoji="1" lang="ja-JP" altLang="en-US" sz="3600" dirty="0">
+                <a:solidFill>
+                  <a:schemeClr val="bg1"/>
+                </a:solidFill>
+                <a:latin typeface="游明朝" panose="02020400000000000000" pitchFamily="18" charset="-128"/>
+                <a:ea typeface="游明朝" panose="02020400000000000000" pitchFamily="18" charset="-128"/>
+              </a:rPr>
+              <a:t>絞り込み</a:t>
+            </a:r>
+          </a:p>
+        </p:txBody>
+      </p:sp>
+      <p:sp>
+        <p:nvSpPr>
+          <p:cNvPr id="6" name="テキスト ボックス 5">
+            <a:extLst>
+              <a:ext uri="{FF2B5EF4-FFF2-40B4-BE49-F238E27FC236}">
+                <a16:creationId xmlns:a16="http://schemas.microsoft.com/office/drawing/2014/main" id="{41165F80-704D-41CE-A80B-CDD3D10D713A}"/>
+              </a:ext>
+            </a:extLst>
+          </p:cNvPr>
+          <p:cNvSpPr txBox="1"/>
+          <p:nvPr/>
+        </p:nvSpPr>
+        <p:spPr>
+          <a:xfrm>
+            <a:off x="790705" y="2167889"/>
+            <a:ext cx="3406140" cy="646331"/>
+          </a:xfrm>
+          <a:prstGeom prst="rect">
+            <a:avLst/>
+          </a:prstGeom>
+          <a:noFill/>
+        </p:spPr>
+        <p:txBody>
+          <a:bodyPr wrap="square" rtlCol="0">
+            <a:spAutoFit/>
+          </a:bodyPr>
+          <a:lstStyle/>
+          <a:p>
+            <a:r>
+              <a:rPr kumimoji="1" lang="ja-JP" altLang="en-US" sz="3600" dirty="0">
+                <a:solidFill>
+                  <a:schemeClr val="bg1"/>
+                </a:solidFill>
+                <a:latin typeface="游明朝" panose="02020400000000000000" pitchFamily="18" charset="-128"/>
+                <a:ea typeface="游明朝" panose="02020400000000000000" pitchFamily="18" charset="-128"/>
+              </a:rPr>
+              <a:t>楽曲</a:t>
+            </a:r>
+          </a:p>
+        </p:txBody>
+      </p:sp>
+      <p:sp>
+        <p:nvSpPr>
+          <p:cNvPr id="8" name="テキスト ボックス 7">
+            <a:extLst>
+              <a:ext uri="{FF2B5EF4-FFF2-40B4-BE49-F238E27FC236}">
+                <a16:creationId xmlns:a16="http://schemas.microsoft.com/office/drawing/2014/main" id="{B68F76F6-D61C-454A-AB91-51EAEFCB8FFA}"/>
+              </a:ext>
+            </a:extLst>
+          </p:cNvPr>
+          <p:cNvSpPr txBox="1"/>
+          <p:nvPr/>
+        </p:nvSpPr>
+        <p:spPr>
+          <a:xfrm>
+            <a:off x="689610" y="3595469"/>
+            <a:ext cx="3406140" cy="646331"/>
+          </a:xfrm>
+          <a:prstGeom prst="rect">
+            <a:avLst/>
+          </a:prstGeom>
+          <a:noFill/>
+        </p:spPr>
+        <p:txBody>
+          <a:bodyPr wrap="square" rtlCol="0">
+            <a:spAutoFit/>
+          </a:bodyPr>
+          <a:lstStyle/>
+          <a:p>
+            <a:r>
+              <a:rPr kumimoji="1" lang="ja-JP" altLang="en-US" sz="3600" dirty="0">
+                <a:solidFill>
+                  <a:schemeClr val="bg1"/>
+                </a:solidFill>
+                <a:latin typeface="游明朝" panose="02020400000000000000" pitchFamily="18" charset="-128"/>
+                <a:ea typeface="游明朝" panose="02020400000000000000" pitchFamily="18" charset="-128"/>
+              </a:rPr>
+              <a:t>並び替え</a:t>
+            </a:r>
+          </a:p>
+        </p:txBody>
+      </p:sp>
+      <p:pic>
+        <p:nvPicPr>
+          <p:cNvPr id="9" name="図 8">
+            <a:extLst>
+              <a:ext uri="{FF2B5EF4-FFF2-40B4-BE49-F238E27FC236}">
+                <a16:creationId xmlns:a16="http://schemas.microsoft.com/office/drawing/2014/main" id="{6593D48A-A526-49BC-9645-2D374E1D9F5B}"/>
+              </a:ext>
+            </a:extLst>
+          </p:cNvPr>
+          <p:cNvPicPr>
+            <a:picLocks noChangeAspect="1"/>
+          </p:cNvPicPr>
+          <p:nvPr/>
+        </p:nvPicPr>
+        <p:blipFill>
+          <a:blip r:embed="rId2">
+            <a:extLst>
+              <a:ext uri="{28A0092B-C50C-407E-A947-70E740481C1C}">
+                <a14:useLocalDpi xmlns:a14="http://schemas.microsoft.com/office/drawing/2010/main" val="0"/>
+              </a:ext>
+            </a:extLst>
+          </a:blip>
+          <a:stretch>
+            <a:fillRect/>
+          </a:stretch>
+        </p:blipFill>
+        <p:spPr>
+          <a:xfrm>
+            <a:off x="4851542" y="-5026357"/>
+            <a:ext cx="4210168" cy="4210168"/>
+          </a:xfrm>
+          <a:prstGeom prst="rect">
+            <a:avLst/>
+          </a:prstGeom>
+        </p:spPr>
+      </p:pic>
+      <p:sp>
+        <p:nvSpPr>
+          <p:cNvPr id="13" name="四角形: 角を丸くする 12">
+            <a:extLst>
+              <a:ext uri="{FF2B5EF4-FFF2-40B4-BE49-F238E27FC236}">
+                <a16:creationId xmlns:a16="http://schemas.microsoft.com/office/drawing/2014/main" id="{280B35C7-3157-42B2-90A1-384526D52E70}"/>
+              </a:ext>
+            </a:extLst>
+          </p:cNvPr>
+          <p:cNvSpPr/>
+          <p:nvPr/>
+        </p:nvSpPr>
+        <p:spPr>
+          <a:xfrm>
+            <a:off x="7476228" y="3618165"/>
+            <a:ext cx="1110847" cy="1110846"/>
+          </a:xfrm>
+          <a:prstGeom prst="roundRect">
+            <a:avLst/>
+          </a:prstGeom>
+          <a:noFill/>
+          <a:ln w="76200">
+            <a:solidFill>
+              <a:schemeClr val="bg1"/>
+            </a:solidFill>
+          </a:ln>
+        </p:spPr>
+        <p:style>
+          <a:lnRef idx="2">
+            <a:schemeClr val="accent1">
+              <a:shade val="50000"/>
+            </a:schemeClr>
+          </a:lnRef>
+          <a:fillRef idx="1">
+            <a:schemeClr val="accent1"/>
+          </a:fillRef>
+          <a:effectRef idx="0">
+            <a:schemeClr val="accent1"/>
+          </a:effectRef>
+          <a:fontRef idx="minor">
+            <a:schemeClr val="lt1"/>
+          </a:fontRef>
+        </p:style>
+        <p:txBody>
+          <a:bodyPr rtlCol="0" anchor="ctr"/>
+          <a:lstStyle/>
+          <a:p>
+            <a:pPr algn="ctr"/>
+            <a:endParaRPr kumimoji="1" lang="ja-JP" altLang="en-US"/>
+          </a:p>
+        </p:txBody>
+      </p:sp>
+      <p:sp>
+        <p:nvSpPr>
+          <p:cNvPr id="3" name="四角形: 角を丸くする 2">
+            <a:extLst>
+              <a:ext uri="{FF2B5EF4-FFF2-40B4-BE49-F238E27FC236}">
+                <a16:creationId xmlns:a16="http://schemas.microsoft.com/office/drawing/2014/main" id="{D8BB90D9-2051-46BD-B904-0B10F7A988EA}"/>
+              </a:ext>
+            </a:extLst>
+          </p:cNvPr>
+          <p:cNvSpPr/>
+          <p:nvPr/>
+        </p:nvSpPr>
+        <p:spPr>
+          <a:xfrm>
+            <a:off x="7446753" y="3595469"/>
+            <a:ext cx="1110847" cy="1110846"/>
+          </a:xfrm>
+          <a:prstGeom prst="roundRect">
+            <a:avLst/>
+          </a:prstGeom>
+          <a:gradFill>
+            <a:gsLst>
+              <a:gs pos="0">
+                <a:schemeClr val="accent1">
+                  <a:lumMod val="5000"/>
+                  <a:lumOff val="95000"/>
+                </a:schemeClr>
+              </a:gs>
+              <a:gs pos="40000">
+                <a:schemeClr val="tx1">
+                  <a:lumMod val="95000"/>
+                </a:schemeClr>
+              </a:gs>
+              <a:gs pos="62000">
+                <a:schemeClr val="tx1">
+                  <a:lumMod val="95000"/>
+                </a:schemeClr>
+              </a:gs>
+              <a:gs pos="95000">
+                <a:schemeClr val="tx1">
+                  <a:lumMod val="85000"/>
+                </a:schemeClr>
+              </a:gs>
+            </a:gsLst>
+            <a:lin ang="5400000" scaled="1"/>
+          </a:gradFill>
+          <a:ln>
+            <a:noFill/>
+          </a:ln>
+        </p:spPr>
+        <p:style>
+          <a:lnRef idx="2">
+            <a:schemeClr val="accent1">
+              <a:shade val="50000"/>
+            </a:schemeClr>
+          </a:lnRef>
+          <a:fillRef idx="1">
+            <a:schemeClr val="accent1"/>
+          </a:fillRef>
+          <a:effectRef idx="0">
+            <a:schemeClr val="accent1"/>
+          </a:effectRef>
+          <a:fontRef idx="minor">
+            <a:schemeClr val="lt1"/>
+          </a:fontRef>
+        </p:style>
+        <p:txBody>
+          <a:bodyPr rtlCol="0" anchor="ctr"/>
+          <a:lstStyle/>
+          <a:p>
+            <a:pPr algn="ctr"/>
+            <a:endParaRPr kumimoji="1" lang="ja-JP" altLang="en-US"/>
+          </a:p>
+        </p:txBody>
+      </p:sp>
+      <p:sp>
+        <p:nvSpPr>
+          <p:cNvPr id="12" name="四角形: 角を丸くする 11">
+            <a:extLst>
+              <a:ext uri="{FF2B5EF4-FFF2-40B4-BE49-F238E27FC236}">
+                <a16:creationId xmlns:a16="http://schemas.microsoft.com/office/drawing/2014/main" id="{7D457ECF-6EA5-4C05-A860-739D42F4DFAA}"/>
+              </a:ext>
+            </a:extLst>
+          </p:cNvPr>
+          <p:cNvSpPr/>
+          <p:nvPr/>
+        </p:nvSpPr>
+        <p:spPr>
+          <a:xfrm>
+            <a:off x="7459399" y="3598968"/>
+            <a:ext cx="1107348" cy="1107348"/>
+          </a:xfrm>
+          <a:prstGeom prst="roundRect">
+            <a:avLst/>
+          </a:prstGeom>
+          <a:noFill/>
+          <a:ln w="76200">
+            <a:gradFill>
+              <a:gsLst>
+                <a:gs pos="0">
+                  <a:schemeClr val="accent1">
+                    <a:lumMod val="5000"/>
+                    <a:lumOff val="95000"/>
+                  </a:schemeClr>
+                </a:gs>
+                <a:gs pos="74000">
+                  <a:schemeClr val="accent1">
+                    <a:lumMod val="45000"/>
+                    <a:lumOff val="55000"/>
+                  </a:schemeClr>
+                </a:gs>
+                <a:gs pos="83000">
+                  <a:schemeClr val="accent1">
+                    <a:lumMod val="45000"/>
+                    <a:lumOff val="55000"/>
+                  </a:schemeClr>
+                </a:gs>
+                <a:gs pos="100000">
+                  <a:schemeClr val="accent1">
+                    <a:lumMod val="30000"/>
+                    <a:lumOff val="70000"/>
+                  </a:schemeClr>
+                </a:gs>
+              </a:gsLst>
+              <a:lin ang="5400000" scaled="1"/>
+            </a:gradFill>
+          </a:ln>
+        </p:spPr>
+        <p:style>
+          <a:lnRef idx="2">
+            <a:schemeClr val="accent1">
+              <a:shade val="50000"/>
+            </a:schemeClr>
+          </a:lnRef>
+          <a:fillRef idx="1">
+            <a:schemeClr val="accent1"/>
+          </a:fillRef>
+          <a:effectRef idx="0">
+            <a:schemeClr val="accent1"/>
+          </a:effectRef>
+          <a:fontRef idx="minor">
+            <a:schemeClr val="lt1"/>
+          </a:fontRef>
+        </p:style>
+        <p:txBody>
+          <a:bodyPr rtlCol="0" anchor="ctr"/>
+          <a:lstStyle/>
+          <a:p>
+            <a:pPr algn="ctr"/>
+            <a:endParaRPr kumimoji="1" lang="ja-JP" altLang="en-US"/>
+          </a:p>
+        </p:txBody>
+      </p:sp>
+      <p:pic>
+        <p:nvPicPr>
+          <p:cNvPr id="7" name="図 6">
+            <a:extLst>
+              <a:ext uri="{FF2B5EF4-FFF2-40B4-BE49-F238E27FC236}">
+                <a16:creationId xmlns:a16="http://schemas.microsoft.com/office/drawing/2014/main" id="{08A81507-A072-437C-B010-CFBA68A9AD56}"/>
+              </a:ext>
+            </a:extLst>
+          </p:cNvPr>
+          <p:cNvPicPr>
+            <a:picLocks noChangeAspect="1"/>
+          </p:cNvPicPr>
+          <p:nvPr/>
+        </p:nvPicPr>
+        <p:blipFill>
+          <a:blip r:embed="rId3">
+            <a:extLst>
+              <a:ext uri="{28A0092B-C50C-407E-A947-70E740481C1C}">
+                <a14:useLocalDpi xmlns:a14="http://schemas.microsoft.com/office/drawing/2010/main" val="0"/>
+              </a:ext>
+            </a:extLst>
+          </a:blip>
+          <a:stretch>
+            <a:fillRect/>
+          </a:stretch>
+        </p:blipFill>
+        <p:spPr>
+          <a:xfrm>
+            <a:off x="10911840" y="4398984"/>
+            <a:ext cx="347050" cy="347050"/>
+          </a:xfrm>
+          <a:prstGeom prst="rect">
+            <a:avLst/>
+          </a:prstGeom>
+          <a:noFill/>
+        </p:spPr>
+      </p:pic>
+      <p:sp>
+        <p:nvSpPr>
+          <p:cNvPr id="14" name="四角形: 角を丸くする 13">
+            <a:extLst>
+              <a:ext uri="{FF2B5EF4-FFF2-40B4-BE49-F238E27FC236}">
+                <a16:creationId xmlns:a16="http://schemas.microsoft.com/office/drawing/2014/main" id="{19792267-FB6D-4A19-88B4-D5470983910B}"/>
+              </a:ext>
+            </a:extLst>
+          </p:cNvPr>
+          <p:cNvSpPr/>
+          <p:nvPr/>
+        </p:nvSpPr>
+        <p:spPr>
+          <a:xfrm>
+            <a:off x="4733028" y="2188577"/>
+            <a:ext cx="1110847" cy="1110846"/>
+          </a:xfrm>
+          <a:prstGeom prst="roundRect">
+            <a:avLst/>
+          </a:prstGeom>
+          <a:noFill/>
+          <a:ln w="76200">
+            <a:solidFill>
+              <a:schemeClr val="bg1"/>
+            </a:solidFill>
+          </a:ln>
+        </p:spPr>
+        <p:style>
+          <a:lnRef idx="2">
+            <a:schemeClr val="accent1">
+              <a:shade val="50000"/>
+            </a:schemeClr>
+          </a:lnRef>
+          <a:fillRef idx="1">
+            <a:schemeClr val="accent1"/>
+          </a:fillRef>
+          <a:effectRef idx="0">
+            <a:schemeClr val="accent1"/>
+          </a:effectRef>
+          <a:fontRef idx="minor">
+            <a:schemeClr val="lt1"/>
+          </a:fontRef>
+        </p:style>
+        <p:txBody>
+          <a:bodyPr rtlCol="0" anchor="ctr"/>
+          <a:lstStyle/>
+          <a:p>
+            <a:pPr algn="ctr"/>
+            <a:endParaRPr kumimoji="1" lang="ja-JP" altLang="en-US"/>
+          </a:p>
+        </p:txBody>
+      </p:sp>
+      <p:sp>
+        <p:nvSpPr>
+          <p:cNvPr id="15" name="四角形: 角を丸くする 14">
+            <a:extLst>
+              <a:ext uri="{FF2B5EF4-FFF2-40B4-BE49-F238E27FC236}">
+                <a16:creationId xmlns:a16="http://schemas.microsoft.com/office/drawing/2014/main" id="{046BE351-76D2-44A0-8F78-732D76E6D2AF}"/>
+              </a:ext>
+            </a:extLst>
+          </p:cNvPr>
+          <p:cNvSpPr/>
+          <p:nvPr/>
+        </p:nvSpPr>
+        <p:spPr>
+          <a:xfrm>
+            <a:off x="4703553" y="2165881"/>
+            <a:ext cx="1110847" cy="1110846"/>
+          </a:xfrm>
+          <a:prstGeom prst="roundRect">
+            <a:avLst/>
+          </a:prstGeom>
+          <a:gradFill>
+            <a:gsLst>
+              <a:gs pos="0">
+                <a:schemeClr val="accent1">
+                  <a:lumMod val="5000"/>
+                  <a:lumOff val="95000"/>
+                </a:schemeClr>
+              </a:gs>
+              <a:gs pos="40000">
+                <a:schemeClr val="tx1">
+                  <a:lumMod val="95000"/>
+                </a:schemeClr>
+              </a:gs>
+              <a:gs pos="62000">
+                <a:schemeClr val="tx1">
+                  <a:lumMod val="95000"/>
+                </a:schemeClr>
+              </a:gs>
+              <a:gs pos="95000">
+                <a:schemeClr val="tx1">
+                  <a:lumMod val="85000"/>
+                </a:schemeClr>
+              </a:gs>
+            </a:gsLst>
+            <a:lin ang="5400000" scaled="1"/>
+          </a:gradFill>
+          <a:ln>
+            <a:noFill/>
+          </a:ln>
+        </p:spPr>
+        <p:style>
+          <a:lnRef idx="2">
+            <a:schemeClr val="accent1">
+              <a:shade val="50000"/>
+            </a:schemeClr>
+          </a:lnRef>
+          <a:fillRef idx="1">
+            <a:schemeClr val="accent1"/>
+          </a:fillRef>
+          <a:effectRef idx="0">
+            <a:schemeClr val="accent1"/>
+          </a:effectRef>
+          <a:fontRef idx="minor">
+            <a:schemeClr val="lt1"/>
+          </a:fontRef>
+        </p:style>
+        <p:txBody>
+          <a:bodyPr rtlCol="0" anchor="ctr"/>
+          <a:lstStyle/>
+          <a:p>
+            <a:pPr algn="ctr"/>
+            <a:endParaRPr kumimoji="1" lang="ja-JP" altLang="en-US"/>
+          </a:p>
+        </p:txBody>
+      </p:sp>
+      <p:sp>
+        <p:nvSpPr>
+          <p:cNvPr id="16" name="四角形: 角を丸くする 15">
+            <a:extLst>
+              <a:ext uri="{FF2B5EF4-FFF2-40B4-BE49-F238E27FC236}">
+                <a16:creationId xmlns:a16="http://schemas.microsoft.com/office/drawing/2014/main" id="{CD0ADF4D-DB83-45D8-9A18-B1AA72853A4A}"/>
+              </a:ext>
+            </a:extLst>
+          </p:cNvPr>
+          <p:cNvSpPr/>
+          <p:nvPr/>
+        </p:nvSpPr>
+        <p:spPr>
+          <a:xfrm>
+            <a:off x="4716199" y="2169380"/>
+            <a:ext cx="1107348" cy="1107348"/>
+          </a:xfrm>
+          <a:prstGeom prst="roundRect">
+            <a:avLst/>
+          </a:prstGeom>
+          <a:noFill/>
+          <a:ln w="76200">
+            <a:gradFill>
+              <a:gsLst>
+                <a:gs pos="0">
+                  <a:schemeClr val="accent1">
+                    <a:lumMod val="5000"/>
+                    <a:lumOff val="95000"/>
+                  </a:schemeClr>
+                </a:gs>
+                <a:gs pos="74000">
+                  <a:schemeClr val="accent1">
+                    <a:lumMod val="45000"/>
+                    <a:lumOff val="55000"/>
+                  </a:schemeClr>
+                </a:gs>
+                <a:gs pos="83000">
+                  <a:schemeClr val="accent1">
+                    <a:lumMod val="45000"/>
+                    <a:lumOff val="55000"/>
+                  </a:schemeClr>
+                </a:gs>
+                <a:gs pos="100000">
+                  <a:schemeClr val="accent1">
+                    <a:lumMod val="30000"/>
+                    <a:lumOff val="70000"/>
+                  </a:schemeClr>
+                </a:gs>
+              </a:gsLst>
+              <a:lin ang="5400000" scaled="1"/>
+            </a:gradFill>
+          </a:ln>
+        </p:spPr>
+        <p:style>
+          <a:lnRef idx="2">
+            <a:schemeClr val="accent1">
+              <a:shade val="50000"/>
+            </a:schemeClr>
+          </a:lnRef>
+          <a:fillRef idx="1">
+            <a:schemeClr val="accent1"/>
+          </a:fillRef>
+          <a:effectRef idx="0">
+            <a:schemeClr val="accent1"/>
+          </a:effectRef>
+          <a:fontRef idx="minor">
+            <a:schemeClr val="lt1"/>
+          </a:fontRef>
+        </p:style>
+        <p:txBody>
+          <a:bodyPr rtlCol="0" anchor="ctr"/>
+          <a:lstStyle/>
+          <a:p>
+            <a:pPr algn="ctr"/>
+            <a:endParaRPr kumimoji="1" lang="ja-JP" altLang="en-US"/>
+          </a:p>
+        </p:txBody>
+      </p:sp>
+    </p:spTree>
+    <p:extLst>
+      <p:ext uri="{BB962C8B-B14F-4D97-AF65-F5344CB8AC3E}">
+        <p14:creationId xmlns:p14="http://schemas.microsoft.com/office/powerpoint/2010/main" val="3176302747"/>
+      </p:ext>
+    </p:extLst>
+  </p:cSld>
+  <p:clrMapOvr>
+    <a:masterClrMapping/>
+  </p:clrMapOvr>
+</p:sld>
+</file>
+
+<file path=ppt/slides/slide12.xml><?xml version="1.0" encoding="utf-8"?>
+<p:sld xmlns:a="http://schemas.openxmlformats.org/drawingml/2006/main" xmlns:r="http://schemas.openxmlformats.org/officeDocument/2006/relationships" xmlns:p="http://schemas.openxmlformats.org/presentationml/2006/main">
+  <p:cSld>
+    <p:spTree>
+      <p:nvGrpSpPr>
+        <p:cNvPr id="1" name=""/>
+        <p:cNvGrpSpPr/>
+        <p:nvPr/>
+      </p:nvGrpSpPr>
+      <p:grpSpPr>
+        <a:xfrm>
+          <a:off x="0" y="0"/>
+          <a:ext cx="0" cy="0"/>
+          <a:chOff x="0" y="0"/>
+          <a:chExt cx="0" cy="0"/>
+        </a:xfrm>
+      </p:grpSpPr>
+      <p:grpSp>
+        <p:nvGrpSpPr>
+          <p:cNvPr id="13" name="グループ化 12">
+            <a:extLst>
+              <a:ext uri="{FF2B5EF4-FFF2-40B4-BE49-F238E27FC236}">
+                <a16:creationId xmlns:a16="http://schemas.microsoft.com/office/drawing/2014/main" id="{142BE3D4-28BB-4283-8EA2-2CF93F502941}"/>
+              </a:ext>
+            </a:extLst>
+          </p:cNvPr>
+          <p:cNvGrpSpPr/>
+          <p:nvPr/>
+        </p:nvGrpSpPr>
+        <p:grpSpPr>
+          <a:xfrm>
+            <a:off x="511968" y="1209675"/>
+            <a:ext cx="629602" cy="1333499"/>
+            <a:chOff x="4036218" y="2783682"/>
+            <a:chExt cx="629602" cy="1333499"/>
+          </a:xfrm>
+        </p:grpSpPr>
+        <p:cxnSp>
+          <p:nvCxnSpPr>
+            <p:cNvPr id="4" name="直線矢印コネクタ 3">
+              <a:extLst>
+                <a:ext uri="{FF2B5EF4-FFF2-40B4-BE49-F238E27FC236}">
+                  <a16:creationId xmlns:a16="http://schemas.microsoft.com/office/drawing/2014/main" id="{3251487B-E3ED-4D29-B6B5-5EB1B6A0EEFA}"/>
+                </a:ext>
+              </a:extLst>
+            </p:cNvPr>
+            <p:cNvCxnSpPr/>
+            <p:nvPr/>
+          </p:nvCxnSpPr>
+          <p:spPr>
+            <a:xfrm>
+              <a:off x="4095750" y="3267075"/>
+              <a:ext cx="0" cy="828675"/>
+            </a:xfrm>
+            <a:prstGeom prst="straightConnector1">
+              <a:avLst/>
+            </a:prstGeom>
+            <a:ln w="127000">
+              <a:tailEnd type="triangle"/>
+            </a:ln>
+          </p:spPr>
+          <p:style>
+            <a:lnRef idx="1">
+              <a:schemeClr val="accent1"/>
+            </a:lnRef>
+            <a:fillRef idx="0">
+              <a:schemeClr val="accent1"/>
+            </a:fillRef>
+            <a:effectRef idx="0">
+              <a:schemeClr val="accent1"/>
+            </a:effectRef>
+            <a:fontRef idx="minor">
+              <a:schemeClr val="tx1"/>
+            </a:fontRef>
+          </p:style>
+        </p:cxnSp>
+        <p:sp>
+          <p:nvSpPr>
+            <p:cNvPr id="5" name="楕円 4">
+              <a:extLst>
+                <a:ext uri="{FF2B5EF4-FFF2-40B4-BE49-F238E27FC236}">
+                  <a16:creationId xmlns:a16="http://schemas.microsoft.com/office/drawing/2014/main" id="{0D2DD16B-C9AC-4D26-A5AE-6DBDC163AF05}"/>
+                </a:ext>
+              </a:extLst>
+            </p:cNvPr>
+            <p:cNvSpPr/>
+            <p:nvPr/>
+          </p:nvSpPr>
+          <p:spPr>
+            <a:xfrm>
+              <a:off x="4036219" y="3106103"/>
+              <a:ext cx="119061" cy="119061"/>
+            </a:xfrm>
+            <a:prstGeom prst="ellipse">
+              <a:avLst/>
+            </a:prstGeom>
+            <a:solidFill>
+              <a:schemeClr val="accent1"/>
+            </a:solidFill>
+            <a:ln>
+              <a:noFill/>
+            </a:ln>
+          </p:spPr>
+          <p:style>
+            <a:lnRef idx="2">
+              <a:schemeClr val="accent1">
+                <a:shade val="50000"/>
+              </a:schemeClr>
+            </a:lnRef>
+            <a:fillRef idx="1">
+              <a:schemeClr val="accent1"/>
+            </a:fillRef>
+            <a:effectRef idx="0">
+              <a:schemeClr val="accent1"/>
+            </a:effectRef>
+            <a:fontRef idx="minor">
+              <a:schemeClr val="lt1"/>
+            </a:fontRef>
+          </p:style>
+          <p:txBody>
+            <a:bodyPr rtlCol="0" anchor="ctr"/>
+            <a:lstStyle/>
+            <a:p>
+              <a:pPr algn="ctr"/>
+              <a:endParaRPr kumimoji="1" lang="ja-JP" altLang="en-US"/>
+            </a:p>
+          </p:txBody>
+        </p:sp>
+        <p:sp>
+          <p:nvSpPr>
+            <p:cNvPr id="6" name="楕円 5">
+              <a:extLst>
+                <a:ext uri="{FF2B5EF4-FFF2-40B4-BE49-F238E27FC236}">
+                  <a16:creationId xmlns:a16="http://schemas.microsoft.com/office/drawing/2014/main" id="{E50465E6-F6C8-402C-8FE1-E46A2E2CA712}"/>
+                </a:ext>
+              </a:extLst>
+            </p:cNvPr>
+            <p:cNvSpPr/>
+            <p:nvPr/>
+          </p:nvSpPr>
+          <p:spPr>
+            <a:xfrm>
+              <a:off x="4036219" y="2945131"/>
+              <a:ext cx="119061" cy="119061"/>
+            </a:xfrm>
+            <a:prstGeom prst="ellipse">
+              <a:avLst/>
+            </a:prstGeom>
+            <a:solidFill>
+              <a:schemeClr val="accent1"/>
+            </a:solidFill>
+            <a:ln>
+              <a:noFill/>
+            </a:ln>
+          </p:spPr>
+          <p:style>
+            <a:lnRef idx="2">
+              <a:schemeClr val="accent1">
+                <a:shade val="50000"/>
+              </a:schemeClr>
+            </a:lnRef>
+            <a:fillRef idx="1">
+              <a:schemeClr val="accent1"/>
+            </a:fillRef>
+            <a:effectRef idx="0">
+              <a:schemeClr val="accent1"/>
+            </a:effectRef>
+            <a:fontRef idx="minor">
+              <a:schemeClr val="lt1"/>
+            </a:fontRef>
+          </p:style>
+          <p:txBody>
+            <a:bodyPr rtlCol="0" anchor="ctr"/>
+            <a:lstStyle/>
+            <a:p>
+              <a:pPr algn="ctr"/>
+              <a:endParaRPr kumimoji="1" lang="ja-JP" altLang="en-US"/>
+            </a:p>
+          </p:txBody>
+        </p:sp>
+        <p:sp>
+          <p:nvSpPr>
+            <p:cNvPr id="7" name="楕円 6">
+              <a:extLst>
+                <a:ext uri="{FF2B5EF4-FFF2-40B4-BE49-F238E27FC236}">
+                  <a16:creationId xmlns:a16="http://schemas.microsoft.com/office/drawing/2014/main" id="{A0F5422B-9D51-4751-8F12-ECF998364390}"/>
+                </a:ext>
+              </a:extLst>
+            </p:cNvPr>
+            <p:cNvSpPr/>
+            <p:nvPr/>
+          </p:nvSpPr>
+          <p:spPr>
+            <a:xfrm>
+              <a:off x="4036218" y="2783682"/>
+              <a:ext cx="119061" cy="119061"/>
+            </a:xfrm>
+            <a:prstGeom prst="ellipse">
+              <a:avLst/>
+            </a:prstGeom>
+            <a:solidFill>
+              <a:schemeClr val="accent1"/>
+            </a:solidFill>
+            <a:ln>
+              <a:noFill/>
+            </a:ln>
+          </p:spPr>
+          <p:style>
+            <a:lnRef idx="2">
+              <a:schemeClr val="accent1">
+                <a:shade val="50000"/>
+              </a:schemeClr>
+            </a:lnRef>
+            <a:fillRef idx="1">
+              <a:schemeClr val="accent1"/>
+            </a:fillRef>
+            <a:effectRef idx="0">
+              <a:schemeClr val="accent1"/>
+            </a:effectRef>
+            <a:fontRef idx="minor">
+              <a:schemeClr val="lt1"/>
+            </a:fontRef>
+          </p:style>
+          <p:txBody>
+            <a:bodyPr rtlCol="0" anchor="ctr"/>
+            <a:lstStyle/>
+            <a:p>
+              <a:pPr algn="ctr"/>
+              <a:endParaRPr kumimoji="1" lang="ja-JP" altLang="en-US"/>
+            </a:p>
+          </p:txBody>
+        </p:sp>
+        <p:cxnSp>
+          <p:nvCxnSpPr>
+            <p:cNvPr id="9" name="直線矢印コネクタ 8">
+              <a:extLst>
+                <a:ext uri="{FF2B5EF4-FFF2-40B4-BE49-F238E27FC236}">
+                  <a16:creationId xmlns:a16="http://schemas.microsoft.com/office/drawing/2014/main" id="{EC263CE3-4FAC-4D02-B49C-DBC801D9AA56}"/>
+                </a:ext>
+              </a:extLst>
+            </p:cNvPr>
+            <p:cNvCxnSpPr/>
+            <p:nvPr/>
+          </p:nvCxnSpPr>
+          <p:spPr>
+            <a:xfrm flipV="1">
+              <a:off x="4606290" y="2786062"/>
+              <a:ext cx="0" cy="828000"/>
+            </a:xfrm>
+            <a:prstGeom prst="straightConnector1">
+              <a:avLst/>
+            </a:prstGeom>
+            <a:ln w="127000">
+              <a:tailEnd type="triangle"/>
+            </a:ln>
+          </p:spPr>
+          <p:style>
+            <a:lnRef idx="1">
+              <a:schemeClr val="accent1"/>
+            </a:lnRef>
+            <a:fillRef idx="0">
+              <a:schemeClr val="accent1"/>
+            </a:fillRef>
+            <a:effectRef idx="0">
+              <a:schemeClr val="accent1"/>
+            </a:effectRef>
+            <a:fontRef idx="minor">
+              <a:schemeClr val="tx1"/>
+            </a:fontRef>
+          </p:style>
+        </p:cxnSp>
+        <p:sp>
+          <p:nvSpPr>
+            <p:cNvPr id="10" name="楕円 9">
+              <a:extLst>
+                <a:ext uri="{FF2B5EF4-FFF2-40B4-BE49-F238E27FC236}">
+                  <a16:creationId xmlns:a16="http://schemas.microsoft.com/office/drawing/2014/main" id="{02A457DE-E5A9-430D-9975-BA8660FD4F2F}"/>
+                </a:ext>
+              </a:extLst>
+            </p:cNvPr>
+            <p:cNvSpPr/>
+            <p:nvPr/>
+          </p:nvSpPr>
+          <p:spPr>
+            <a:xfrm>
+              <a:off x="4546759" y="3681412"/>
+              <a:ext cx="119061" cy="119061"/>
+            </a:xfrm>
+            <a:prstGeom prst="ellipse">
+              <a:avLst/>
+            </a:prstGeom>
+            <a:solidFill>
+              <a:schemeClr val="accent1"/>
+            </a:solidFill>
+            <a:ln>
+              <a:noFill/>
+            </a:ln>
+          </p:spPr>
+          <p:style>
+            <a:lnRef idx="2">
+              <a:schemeClr val="accent1">
+                <a:shade val="50000"/>
+              </a:schemeClr>
+            </a:lnRef>
+            <a:fillRef idx="1">
+              <a:schemeClr val="accent1"/>
+            </a:fillRef>
+            <a:effectRef idx="0">
+              <a:schemeClr val="accent1"/>
+            </a:effectRef>
+            <a:fontRef idx="minor">
+              <a:schemeClr val="lt1"/>
+            </a:fontRef>
+          </p:style>
+          <p:txBody>
+            <a:bodyPr rtlCol="0" anchor="ctr"/>
+            <a:lstStyle/>
+            <a:p>
+              <a:pPr algn="ctr"/>
+              <a:endParaRPr kumimoji="1" lang="ja-JP" altLang="en-US"/>
+            </a:p>
+          </p:txBody>
+        </p:sp>
+        <p:sp>
+          <p:nvSpPr>
+            <p:cNvPr id="11" name="楕円 10">
+              <a:extLst>
+                <a:ext uri="{FF2B5EF4-FFF2-40B4-BE49-F238E27FC236}">
+                  <a16:creationId xmlns:a16="http://schemas.microsoft.com/office/drawing/2014/main" id="{C29007C5-E1F2-480C-99C5-60E96F98057D}"/>
+                </a:ext>
+              </a:extLst>
+            </p:cNvPr>
+            <p:cNvSpPr/>
+            <p:nvPr/>
+          </p:nvSpPr>
+          <p:spPr>
+            <a:xfrm>
+              <a:off x="4546759" y="3839766"/>
+              <a:ext cx="119061" cy="119061"/>
+            </a:xfrm>
+            <a:prstGeom prst="ellipse">
+              <a:avLst/>
+            </a:prstGeom>
+            <a:solidFill>
+              <a:schemeClr val="accent1"/>
+            </a:solidFill>
+            <a:ln>
+              <a:noFill/>
+            </a:ln>
+          </p:spPr>
+          <p:style>
+            <a:lnRef idx="2">
+              <a:schemeClr val="accent1">
+                <a:shade val="50000"/>
+              </a:schemeClr>
+            </a:lnRef>
+            <a:fillRef idx="1">
+              <a:schemeClr val="accent1"/>
+            </a:fillRef>
+            <a:effectRef idx="0">
+              <a:schemeClr val="accent1"/>
+            </a:effectRef>
+            <a:fontRef idx="minor">
+              <a:schemeClr val="lt1"/>
+            </a:fontRef>
+          </p:style>
+          <p:txBody>
+            <a:bodyPr rtlCol="0" anchor="ctr"/>
+            <a:lstStyle/>
+            <a:p>
+              <a:pPr algn="ctr"/>
+              <a:endParaRPr kumimoji="1" lang="ja-JP" altLang="en-US"/>
+            </a:p>
+          </p:txBody>
+        </p:sp>
+        <p:sp>
+          <p:nvSpPr>
+            <p:cNvPr id="12" name="楕円 11">
+              <a:extLst>
+                <a:ext uri="{FF2B5EF4-FFF2-40B4-BE49-F238E27FC236}">
+                  <a16:creationId xmlns:a16="http://schemas.microsoft.com/office/drawing/2014/main" id="{4EE99453-0983-4196-80B1-834CDA8FBF72}"/>
+                </a:ext>
+              </a:extLst>
+            </p:cNvPr>
+            <p:cNvSpPr/>
+            <p:nvPr/>
+          </p:nvSpPr>
+          <p:spPr>
+            <a:xfrm>
+              <a:off x="4546759" y="3998120"/>
+              <a:ext cx="119061" cy="119061"/>
+            </a:xfrm>
+            <a:prstGeom prst="ellipse">
+              <a:avLst/>
+            </a:prstGeom>
+            <a:solidFill>
+              <a:schemeClr val="accent1"/>
+            </a:solidFill>
+            <a:ln>
+              <a:noFill/>
+            </a:ln>
+          </p:spPr>
+          <p:style>
+            <a:lnRef idx="2">
+              <a:schemeClr val="accent1">
+                <a:shade val="50000"/>
+              </a:schemeClr>
+            </a:lnRef>
+            <a:fillRef idx="1">
+              <a:schemeClr val="accent1"/>
+            </a:fillRef>
+            <a:effectRef idx="0">
+              <a:schemeClr val="accent1"/>
+            </a:effectRef>
+            <a:fontRef idx="minor">
+              <a:schemeClr val="lt1"/>
+            </a:fontRef>
+          </p:style>
+          <p:txBody>
+            <a:bodyPr rtlCol="0" anchor="ctr"/>
+            <a:lstStyle/>
+            <a:p>
+              <a:pPr algn="ctr"/>
+              <a:endParaRPr kumimoji="1" lang="ja-JP" altLang="en-US"/>
+            </a:p>
+          </p:txBody>
+        </p:sp>
+      </p:grpSp>
+    </p:spTree>
+    <p:extLst>
+      <p:ext uri="{BB962C8B-B14F-4D97-AF65-F5344CB8AC3E}">
+        <p14:creationId xmlns:p14="http://schemas.microsoft.com/office/powerpoint/2010/main" val="2753983912"/>
+      </p:ext>
+    </p:extLst>
+  </p:cSld>
+  <p:clrMapOvr>
+    <a:masterClrMapping/>
+  </p:clrMapOvr>
+</p:sld>
+</file>
+
+<file path=ppt/slides/slide13.xml><?xml version="1.0" encoding="utf-8"?>
+<p:sld xmlns:a="http://schemas.openxmlformats.org/drawingml/2006/main" xmlns:r="http://schemas.openxmlformats.org/officeDocument/2006/relationships" xmlns:p="http://schemas.openxmlformats.org/presentationml/2006/main">
+  <p:cSld>
+    <p:spTree>
+      <p:nvGrpSpPr>
+        <p:cNvPr id="1" name=""/>
+        <p:cNvGrpSpPr/>
+        <p:nvPr/>
+      </p:nvGrpSpPr>
+      <p:grpSpPr>
+        <a:xfrm>
+          <a:off x="0" y="0"/>
+          <a:ext cx="0" cy="0"/>
+          <a:chOff x="0" y="0"/>
+          <a:chExt cx="0" cy="0"/>
+        </a:xfrm>
+      </p:grpSpPr>
+      <p:grpSp>
+        <p:nvGrpSpPr>
+          <p:cNvPr id="2" name="グループ化 1">
+            <a:extLst>
+              <a:ext uri="{FF2B5EF4-FFF2-40B4-BE49-F238E27FC236}">
+                <a16:creationId xmlns:a16="http://schemas.microsoft.com/office/drawing/2014/main" id="{32482003-736E-4E6A-8763-8F41E7EDB2F0}"/>
+              </a:ext>
+            </a:extLst>
+          </p:cNvPr>
+          <p:cNvGrpSpPr/>
+          <p:nvPr/>
+        </p:nvGrpSpPr>
+        <p:grpSpPr>
+          <a:xfrm>
+            <a:off x="1083468" y="1160620"/>
+            <a:ext cx="496252" cy="1370648"/>
+            <a:chOff x="1083468" y="1160620"/>
+            <a:chExt cx="496252" cy="1370648"/>
+          </a:xfrm>
+        </p:grpSpPr>
+        <p:cxnSp>
+          <p:nvCxnSpPr>
+            <p:cNvPr id="4" name="直線矢印コネクタ 3">
+              <a:extLst>
+                <a:ext uri="{FF2B5EF4-FFF2-40B4-BE49-F238E27FC236}">
+                  <a16:creationId xmlns:a16="http://schemas.microsoft.com/office/drawing/2014/main" id="{3251487B-E3ED-4D29-B6B5-5EB1B6A0EEFA}"/>
+                </a:ext>
+              </a:extLst>
+            </p:cNvPr>
+            <p:cNvCxnSpPr/>
+            <p:nvPr/>
+          </p:nvCxnSpPr>
+          <p:spPr>
+            <a:xfrm>
+              <a:off x="1143000" y="1702593"/>
+              <a:ext cx="0" cy="828675"/>
+            </a:xfrm>
+            <a:prstGeom prst="straightConnector1">
+              <a:avLst/>
+            </a:prstGeom>
+            <a:ln w="127000">
+              <a:solidFill>
+                <a:srgbClr val="0000FF"/>
+              </a:solidFill>
+              <a:tailEnd type="triangle"/>
+            </a:ln>
+          </p:spPr>
+          <p:style>
+            <a:lnRef idx="1">
+              <a:schemeClr val="accent1"/>
+            </a:lnRef>
+            <a:fillRef idx="0">
+              <a:schemeClr val="accent1"/>
+            </a:fillRef>
+            <a:effectRef idx="0">
+              <a:schemeClr val="accent1"/>
+            </a:effectRef>
+            <a:fontRef idx="minor">
+              <a:schemeClr val="tx1"/>
+            </a:fontRef>
+          </p:style>
+        </p:cxnSp>
+        <p:sp>
+          <p:nvSpPr>
+            <p:cNvPr id="5" name="楕円 4">
+              <a:extLst>
+                <a:ext uri="{FF2B5EF4-FFF2-40B4-BE49-F238E27FC236}">
+                  <a16:creationId xmlns:a16="http://schemas.microsoft.com/office/drawing/2014/main" id="{0D2DD16B-C9AC-4D26-A5AE-6DBDC163AF05}"/>
+                </a:ext>
+              </a:extLst>
+            </p:cNvPr>
+            <p:cNvSpPr/>
+            <p:nvPr/>
+          </p:nvSpPr>
+          <p:spPr>
+            <a:xfrm>
+              <a:off x="1083469" y="1541621"/>
+              <a:ext cx="119061" cy="119061"/>
+            </a:xfrm>
+            <a:prstGeom prst="ellipse">
+              <a:avLst/>
+            </a:prstGeom>
+            <a:solidFill>
+              <a:srgbClr val="0000FF"/>
+            </a:solidFill>
+            <a:ln>
+              <a:noFill/>
+            </a:ln>
+          </p:spPr>
+          <p:style>
+            <a:lnRef idx="2">
+              <a:schemeClr val="accent1">
+                <a:shade val="50000"/>
+              </a:schemeClr>
+            </a:lnRef>
+            <a:fillRef idx="1">
+              <a:schemeClr val="accent1"/>
+            </a:fillRef>
+            <a:effectRef idx="0">
+              <a:schemeClr val="accent1"/>
+            </a:effectRef>
+            <a:fontRef idx="minor">
+              <a:schemeClr val="lt1"/>
+            </a:fontRef>
+          </p:style>
+          <p:txBody>
+            <a:bodyPr rtlCol="0" anchor="ctr"/>
+            <a:lstStyle/>
+            <a:p>
+              <a:pPr algn="ctr"/>
+              <a:endParaRPr kumimoji="1" lang="ja-JP" altLang="en-US"/>
+            </a:p>
+          </p:txBody>
+        </p:sp>
+        <p:sp>
+          <p:nvSpPr>
+            <p:cNvPr id="6" name="楕円 5">
+              <a:extLst>
+                <a:ext uri="{FF2B5EF4-FFF2-40B4-BE49-F238E27FC236}">
+                  <a16:creationId xmlns:a16="http://schemas.microsoft.com/office/drawing/2014/main" id="{E50465E6-F6C8-402C-8FE1-E46A2E2CA712}"/>
+                </a:ext>
+              </a:extLst>
+            </p:cNvPr>
+            <p:cNvSpPr/>
+            <p:nvPr/>
+          </p:nvSpPr>
+          <p:spPr>
+            <a:xfrm>
+              <a:off x="1083469" y="1380649"/>
+              <a:ext cx="119061" cy="119061"/>
+            </a:xfrm>
+            <a:prstGeom prst="ellipse">
+              <a:avLst/>
+            </a:prstGeom>
+            <a:solidFill>
+              <a:srgbClr val="0000FF"/>
+            </a:solidFill>
+            <a:ln>
+              <a:noFill/>
+            </a:ln>
+          </p:spPr>
+          <p:style>
+            <a:lnRef idx="2">
+              <a:schemeClr val="accent1">
+                <a:shade val="50000"/>
+              </a:schemeClr>
+            </a:lnRef>
+            <a:fillRef idx="1">
+              <a:schemeClr val="accent1"/>
+            </a:fillRef>
+            <a:effectRef idx="0">
+              <a:schemeClr val="accent1"/>
+            </a:effectRef>
+            <a:fontRef idx="minor">
+              <a:schemeClr val="lt1"/>
+            </a:fontRef>
+          </p:style>
+          <p:txBody>
+            <a:bodyPr rtlCol="0" anchor="ctr"/>
+            <a:lstStyle/>
+            <a:p>
+              <a:pPr algn="ctr"/>
+              <a:endParaRPr kumimoji="1" lang="ja-JP" altLang="en-US"/>
+            </a:p>
+          </p:txBody>
+        </p:sp>
+        <p:sp>
+          <p:nvSpPr>
+            <p:cNvPr id="7" name="楕円 6">
+              <a:extLst>
+                <a:ext uri="{FF2B5EF4-FFF2-40B4-BE49-F238E27FC236}">
+                  <a16:creationId xmlns:a16="http://schemas.microsoft.com/office/drawing/2014/main" id="{A0F5422B-9D51-4751-8F12-ECF998364390}"/>
+                </a:ext>
+              </a:extLst>
+            </p:cNvPr>
+            <p:cNvSpPr/>
+            <p:nvPr/>
+          </p:nvSpPr>
+          <p:spPr>
+            <a:xfrm>
+              <a:off x="1083468" y="1219200"/>
+              <a:ext cx="119061" cy="119061"/>
+            </a:xfrm>
+            <a:prstGeom prst="ellipse">
+              <a:avLst/>
+            </a:prstGeom>
+            <a:solidFill>
+              <a:srgbClr val="0000FF"/>
+            </a:solidFill>
+            <a:ln>
+              <a:noFill/>
+            </a:ln>
+          </p:spPr>
+          <p:style>
+            <a:lnRef idx="2">
+              <a:schemeClr val="accent1">
+                <a:shade val="50000"/>
+              </a:schemeClr>
+            </a:lnRef>
+            <a:fillRef idx="1">
+              <a:schemeClr val="accent1"/>
+            </a:fillRef>
+            <a:effectRef idx="0">
+              <a:schemeClr val="accent1"/>
+            </a:effectRef>
+            <a:fontRef idx="minor">
+              <a:schemeClr val="lt1"/>
+            </a:fontRef>
+          </p:style>
+          <p:txBody>
+            <a:bodyPr rtlCol="0" anchor="ctr"/>
+            <a:lstStyle/>
+            <a:p>
+              <a:pPr algn="ctr"/>
+              <a:endParaRPr kumimoji="1" lang="ja-JP" altLang="en-US"/>
+            </a:p>
+          </p:txBody>
+        </p:sp>
+        <p:cxnSp>
+          <p:nvCxnSpPr>
+            <p:cNvPr id="9" name="直線矢印コネクタ 8">
+              <a:extLst>
+                <a:ext uri="{FF2B5EF4-FFF2-40B4-BE49-F238E27FC236}">
+                  <a16:creationId xmlns:a16="http://schemas.microsoft.com/office/drawing/2014/main" id="{EC263CE3-4FAC-4D02-B49C-DBC801D9AA56}"/>
+                </a:ext>
+              </a:extLst>
+            </p:cNvPr>
+            <p:cNvCxnSpPr/>
+            <p:nvPr/>
+          </p:nvCxnSpPr>
+          <p:spPr>
+            <a:xfrm flipV="1">
+              <a:off x="1520190" y="1160620"/>
+              <a:ext cx="0" cy="828000"/>
+            </a:xfrm>
+            <a:prstGeom prst="straightConnector1">
+              <a:avLst/>
+            </a:prstGeom>
+            <a:ln w="127000">
+              <a:solidFill>
+                <a:srgbClr val="FF0000"/>
+              </a:solidFill>
+              <a:tailEnd type="triangle"/>
+            </a:ln>
+          </p:spPr>
+          <p:style>
+            <a:lnRef idx="1">
+              <a:schemeClr val="accent1"/>
+            </a:lnRef>
+            <a:fillRef idx="0">
+              <a:schemeClr val="accent1"/>
+            </a:fillRef>
+            <a:effectRef idx="0">
+              <a:schemeClr val="accent1"/>
+            </a:effectRef>
+            <a:fontRef idx="minor">
+              <a:schemeClr val="tx1"/>
+            </a:fontRef>
+          </p:style>
+        </p:cxnSp>
+        <p:sp>
+          <p:nvSpPr>
+            <p:cNvPr id="10" name="楕円 9">
+              <a:extLst>
+                <a:ext uri="{FF2B5EF4-FFF2-40B4-BE49-F238E27FC236}">
+                  <a16:creationId xmlns:a16="http://schemas.microsoft.com/office/drawing/2014/main" id="{02A457DE-E5A9-430D-9975-BA8660FD4F2F}"/>
+                </a:ext>
+              </a:extLst>
+            </p:cNvPr>
+            <p:cNvSpPr/>
+            <p:nvPr/>
+          </p:nvSpPr>
+          <p:spPr>
+            <a:xfrm>
+              <a:off x="1460659" y="2055970"/>
+              <a:ext cx="119061" cy="119061"/>
+            </a:xfrm>
+            <a:prstGeom prst="ellipse">
+              <a:avLst/>
+            </a:prstGeom>
+            <a:solidFill>
+              <a:srgbClr val="FF0000"/>
+            </a:solidFill>
+            <a:ln>
+              <a:noFill/>
+            </a:ln>
+          </p:spPr>
+          <p:style>
+            <a:lnRef idx="2">
+              <a:schemeClr val="accent1">
+                <a:shade val="50000"/>
+              </a:schemeClr>
+            </a:lnRef>
+            <a:fillRef idx="1">
+              <a:schemeClr val="accent1"/>
+            </a:fillRef>
+            <a:effectRef idx="0">
+              <a:schemeClr val="accent1"/>
+            </a:effectRef>
+            <a:fontRef idx="minor">
+              <a:schemeClr val="lt1"/>
+            </a:fontRef>
+          </p:style>
+          <p:txBody>
+            <a:bodyPr rtlCol="0" anchor="ctr"/>
+            <a:lstStyle/>
+            <a:p>
+              <a:pPr algn="ctr"/>
+              <a:endParaRPr kumimoji="1" lang="ja-JP" altLang="en-US"/>
+            </a:p>
+          </p:txBody>
+        </p:sp>
+        <p:sp>
+          <p:nvSpPr>
+            <p:cNvPr id="11" name="楕円 10">
+              <a:extLst>
+                <a:ext uri="{FF2B5EF4-FFF2-40B4-BE49-F238E27FC236}">
+                  <a16:creationId xmlns:a16="http://schemas.microsoft.com/office/drawing/2014/main" id="{C29007C5-E1F2-480C-99C5-60E96F98057D}"/>
+                </a:ext>
+              </a:extLst>
+            </p:cNvPr>
+            <p:cNvSpPr/>
+            <p:nvPr/>
+          </p:nvSpPr>
+          <p:spPr>
+            <a:xfrm>
+              <a:off x="1460659" y="2214324"/>
+              <a:ext cx="119061" cy="119061"/>
+            </a:xfrm>
+            <a:prstGeom prst="ellipse">
+              <a:avLst/>
+            </a:prstGeom>
+            <a:solidFill>
+              <a:srgbClr val="FF0000"/>
+            </a:solidFill>
+            <a:ln>
+              <a:noFill/>
+            </a:ln>
+          </p:spPr>
+          <p:style>
+            <a:lnRef idx="2">
+              <a:schemeClr val="accent1">
+                <a:shade val="50000"/>
+              </a:schemeClr>
+            </a:lnRef>
+            <a:fillRef idx="1">
+              <a:schemeClr val="accent1"/>
+            </a:fillRef>
+            <a:effectRef idx="0">
+              <a:schemeClr val="accent1"/>
+            </a:effectRef>
+            <a:fontRef idx="minor">
+              <a:schemeClr val="lt1"/>
+            </a:fontRef>
+          </p:style>
+          <p:txBody>
+            <a:bodyPr rtlCol="0" anchor="ctr"/>
+            <a:lstStyle/>
+            <a:p>
+              <a:pPr algn="ctr"/>
+              <a:endParaRPr kumimoji="1" lang="ja-JP" altLang="en-US"/>
+            </a:p>
+          </p:txBody>
+        </p:sp>
+        <p:sp>
+          <p:nvSpPr>
+            <p:cNvPr id="12" name="楕円 11">
+              <a:extLst>
+                <a:ext uri="{FF2B5EF4-FFF2-40B4-BE49-F238E27FC236}">
+                  <a16:creationId xmlns:a16="http://schemas.microsoft.com/office/drawing/2014/main" id="{4EE99453-0983-4196-80B1-834CDA8FBF72}"/>
+                </a:ext>
+              </a:extLst>
+            </p:cNvPr>
+            <p:cNvSpPr/>
+            <p:nvPr/>
+          </p:nvSpPr>
+          <p:spPr>
+            <a:xfrm>
+              <a:off x="1460659" y="2372678"/>
+              <a:ext cx="119061" cy="119061"/>
+            </a:xfrm>
+            <a:prstGeom prst="ellipse">
+              <a:avLst/>
+            </a:prstGeom>
+            <a:solidFill>
+              <a:srgbClr val="FF0000"/>
+            </a:solidFill>
+            <a:ln>
+              <a:noFill/>
+            </a:ln>
+          </p:spPr>
+          <p:style>
+            <a:lnRef idx="2">
+              <a:schemeClr val="accent1">
+                <a:shade val="50000"/>
+              </a:schemeClr>
+            </a:lnRef>
+            <a:fillRef idx="1">
+              <a:schemeClr val="accent1"/>
+            </a:fillRef>
+            <a:effectRef idx="0">
+              <a:schemeClr val="accent1"/>
+            </a:effectRef>
+            <a:fontRef idx="minor">
+              <a:schemeClr val="lt1"/>
+            </a:fontRef>
+          </p:style>
+          <p:txBody>
+            <a:bodyPr rtlCol="0" anchor="ctr"/>
+            <a:lstStyle/>
+            <a:p>
+              <a:pPr algn="ctr"/>
+              <a:endParaRPr kumimoji="1" lang="ja-JP" altLang="en-US"/>
+            </a:p>
+          </p:txBody>
+        </p:sp>
+      </p:grpSp>
+      <p:grpSp>
+        <p:nvGrpSpPr>
+          <p:cNvPr id="14" name="グループ化 13">
+            <a:extLst>
+              <a:ext uri="{FF2B5EF4-FFF2-40B4-BE49-F238E27FC236}">
+                <a16:creationId xmlns:a16="http://schemas.microsoft.com/office/drawing/2014/main" id="{19DF9486-701D-42C6-AEC4-0E606730CA80}"/>
+              </a:ext>
+            </a:extLst>
+          </p:cNvPr>
+          <p:cNvGrpSpPr/>
+          <p:nvPr/>
+        </p:nvGrpSpPr>
+        <p:grpSpPr>
+          <a:xfrm rot="10800000">
+            <a:off x="2371249" y="1160620"/>
+            <a:ext cx="496252" cy="1370648"/>
+            <a:chOff x="1083468" y="1160620"/>
+            <a:chExt cx="496252" cy="1370648"/>
+          </a:xfrm>
+        </p:grpSpPr>
+        <p:cxnSp>
+          <p:nvCxnSpPr>
+            <p:cNvPr id="15" name="直線矢印コネクタ 14">
+              <a:extLst>
+                <a:ext uri="{FF2B5EF4-FFF2-40B4-BE49-F238E27FC236}">
+                  <a16:creationId xmlns:a16="http://schemas.microsoft.com/office/drawing/2014/main" id="{C23FD597-9A90-4FE5-8953-3A27CF24DB6D}"/>
+                </a:ext>
+              </a:extLst>
+            </p:cNvPr>
+            <p:cNvCxnSpPr/>
+            <p:nvPr/>
+          </p:nvCxnSpPr>
+          <p:spPr>
+            <a:xfrm>
+              <a:off x="1143000" y="1702593"/>
+              <a:ext cx="0" cy="828675"/>
+            </a:xfrm>
+            <a:prstGeom prst="straightConnector1">
+              <a:avLst/>
+            </a:prstGeom>
+            <a:ln w="127000">
+              <a:solidFill>
+                <a:srgbClr val="0000FF"/>
+              </a:solidFill>
+              <a:tailEnd type="triangle"/>
+            </a:ln>
+          </p:spPr>
+          <p:style>
+            <a:lnRef idx="1">
+              <a:schemeClr val="accent1"/>
+            </a:lnRef>
+            <a:fillRef idx="0">
+              <a:schemeClr val="accent1"/>
+            </a:fillRef>
+            <a:effectRef idx="0">
+              <a:schemeClr val="accent1"/>
+            </a:effectRef>
+            <a:fontRef idx="minor">
+              <a:schemeClr val="tx1"/>
+            </a:fontRef>
+          </p:style>
+        </p:cxnSp>
+        <p:sp>
+          <p:nvSpPr>
+            <p:cNvPr id="16" name="楕円 15">
+              <a:extLst>
+                <a:ext uri="{FF2B5EF4-FFF2-40B4-BE49-F238E27FC236}">
+                  <a16:creationId xmlns:a16="http://schemas.microsoft.com/office/drawing/2014/main" id="{32B599C1-E68B-4BE4-9148-F924B001AF4F}"/>
+                </a:ext>
+              </a:extLst>
+            </p:cNvPr>
+            <p:cNvSpPr/>
+            <p:nvPr/>
+          </p:nvSpPr>
+          <p:spPr>
+            <a:xfrm>
+              <a:off x="1083469" y="1541621"/>
+              <a:ext cx="119061" cy="119061"/>
+            </a:xfrm>
+            <a:prstGeom prst="ellipse">
+              <a:avLst/>
+            </a:prstGeom>
+            <a:solidFill>
+              <a:srgbClr val="0000FF"/>
+            </a:solidFill>
+            <a:ln>
+              <a:noFill/>
+            </a:ln>
+          </p:spPr>
+          <p:style>
+            <a:lnRef idx="2">
+              <a:schemeClr val="accent1">
+                <a:shade val="50000"/>
+              </a:schemeClr>
+            </a:lnRef>
+            <a:fillRef idx="1">
+              <a:schemeClr val="accent1"/>
+            </a:fillRef>
+            <a:effectRef idx="0">
+              <a:schemeClr val="accent1"/>
+            </a:effectRef>
+            <a:fontRef idx="minor">
+              <a:schemeClr val="lt1"/>
+            </a:fontRef>
+          </p:style>
+          <p:txBody>
+            <a:bodyPr rtlCol="0" anchor="ctr"/>
+            <a:lstStyle/>
+            <a:p>
+              <a:pPr algn="ctr"/>
+              <a:endParaRPr kumimoji="1" lang="ja-JP" altLang="en-US"/>
+            </a:p>
+          </p:txBody>
+        </p:sp>
+        <p:sp>
+          <p:nvSpPr>
+            <p:cNvPr id="17" name="楕円 16">
+              <a:extLst>
+                <a:ext uri="{FF2B5EF4-FFF2-40B4-BE49-F238E27FC236}">
+                  <a16:creationId xmlns:a16="http://schemas.microsoft.com/office/drawing/2014/main" id="{30BA07FA-0CE4-45DA-8947-12DD836C327F}"/>
+                </a:ext>
+              </a:extLst>
+            </p:cNvPr>
+            <p:cNvSpPr/>
+            <p:nvPr/>
+          </p:nvSpPr>
+          <p:spPr>
+            <a:xfrm>
+              <a:off x="1083469" y="1380649"/>
+              <a:ext cx="119061" cy="119061"/>
+            </a:xfrm>
+            <a:prstGeom prst="ellipse">
+              <a:avLst/>
+            </a:prstGeom>
+            <a:solidFill>
+              <a:srgbClr val="0000FF"/>
+            </a:solidFill>
+            <a:ln>
+              <a:noFill/>
+            </a:ln>
+          </p:spPr>
+          <p:style>
+            <a:lnRef idx="2">
+              <a:schemeClr val="accent1">
+                <a:shade val="50000"/>
+              </a:schemeClr>
+            </a:lnRef>
+            <a:fillRef idx="1">
+              <a:schemeClr val="accent1"/>
+            </a:fillRef>
+            <a:effectRef idx="0">
+              <a:schemeClr val="accent1"/>
+            </a:effectRef>
+            <a:fontRef idx="minor">
+              <a:schemeClr val="lt1"/>
+            </a:fontRef>
+          </p:style>
+          <p:txBody>
+            <a:bodyPr rtlCol="0" anchor="ctr"/>
+            <a:lstStyle/>
+            <a:p>
+              <a:pPr algn="ctr"/>
+              <a:endParaRPr kumimoji="1" lang="ja-JP" altLang="en-US"/>
+            </a:p>
+          </p:txBody>
+        </p:sp>
+        <p:sp>
+          <p:nvSpPr>
+            <p:cNvPr id="18" name="楕円 17">
+              <a:extLst>
+                <a:ext uri="{FF2B5EF4-FFF2-40B4-BE49-F238E27FC236}">
+                  <a16:creationId xmlns:a16="http://schemas.microsoft.com/office/drawing/2014/main" id="{ADA487C6-AEF6-4468-AC9B-9C94C65DA913}"/>
+                </a:ext>
+              </a:extLst>
+            </p:cNvPr>
+            <p:cNvSpPr/>
+            <p:nvPr/>
+          </p:nvSpPr>
+          <p:spPr>
+            <a:xfrm>
+              <a:off x="1083468" y="1219200"/>
+              <a:ext cx="119061" cy="119061"/>
+            </a:xfrm>
+            <a:prstGeom prst="ellipse">
+              <a:avLst/>
+            </a:prstGeom>
+            <a:solidFill>
+              <a:srgbClr val="0000FF"/>
+            </a:solidFill>
+            <a:ln>
+              <a:noFill/>
+            </a:ln>
+          </p:spPr>
+          <p:style>
+            <a:lnRef idx="2">
+              <a:schemeClr val="accent1">
+                <a:shade val="50000"/>
+              </a:schemeClr>
+            </a:lnRef>
+            <a:fillRef idx="1">
+              <a:schemeClr val="accent1"/>
+            </a:fillRef>
+            <a:effectRef idx="0">
+              <a:schemeClr val="accent1"/>
+            </a:effectRef>
+            <a:fontRef idx="minor">
+              <a:schemeClr val="lt1"/>
+            </a:fontRef>
+          </p:style>
+          <p:txBody>
+            <a:bodyPr rtlCol="0" anchor="ctr"/>
+            <a:lstStyle/>
+            <a:p>
+              <a:pPr algn="ctr"/>
+              <a:endParaRPr kumimoji="1" lang="ja-JP" altLang="en-US"/>
+            </a:p>
+          </p:txBody>
+        </p:sp>
+        <p:cxnSp>
+          <p:nvCxnSpPr>
+            <p:cNvPr id="19" name="直線矢印コネクタ 18">
+              <a:extLst>
+                <a:ext uri="{FF2B5EF4-FFF2-40B4-BE49-F238E27FC236}">
+                  <a16:creationId xmlns:a16="http://schemas.microsoft.com/office/drawing/2014/main" id="{C6B50351-B468-4284-8C3D-DD189D3ECCC7}"/>
+                </a:ext>
+              </a:extLst>
+            </p:cNvPr>
+            <p:cNvCxnSpPr/>
+            <p:nvPr/>
+          </p:nvCxnSpPr>
+          <p:spPr>
+            <a:xfrm flipV="1">
+              <a:off x="1520190" y="1160620"/>
+              <a:ext cx="0" cy="828000"/>
+            </a:xfrm>
+            <a:prstGeom prst="straightConnector1">
+              <a:avLst/>
+            </a:prstGeom>
+            <a:ln w="127000">
+              <a:solidFill>
+                <a:srgbClr val="FF0000"/>
+              </a:solidFill>
+              <a:tailEnd type="triangle"/>
+            </a:ln>
+          </p:spPr>
+          <p:style>
+            <a:lnRef idx="1">
+              <a:schemeClr val="accent1"/>
+            </a:lnRef>
+            <a:fillRef idx="0">
+              <a:schemeClr val="accent1"/>
+            </a:fillRef>
+            <a:effectRef idx="0">
+              <a:schemeClr val="accent1"/>
+            </a:effectRef>
+            <a:fontRef idx="minor">
+              <a:schemeClr val="tx1"/>
+            </a:fontRef>
+          </p:style>
+        </p:cxnSp>
+        <p:sp>
+          <p:nvSpPr>
+            <p:cNvPr id="20" name="楕円 19">
+              <a:extLst>
+                <a:ext uri="{FF2B5EF4-FFF2-40B4-BE49-F238E27FC236}">
+                  <a16:creationId xmlns:a16="http://schemas.microsoft.com/office/drawing/2014/main" id="{0DEC1EB8-D0D4-4D2D-8498-7852479C843B}"/>
+                </a:ext>
+              </a:extLst>
+            </p:cNvPr>
+            <p:cNvSpPr/>
+            <p:nvPr/>
+          </p:nvSpPr>
+          <p:spPr>
+            <a:xfrm>
+              <a:off x="1460659" y="2055970"/>
+              <a:ext cx="119061" cy="119061"/>
+            </a:xfrm>
+            <a:prstGeom prst="ellipse">
+              <a:avLst/>
+            </a:prstGeom>
+            <a:solidFill>
+              <a:srgbClr val="FF0000"/>
+            </a:solidFill>
+            <a:ln>
+              <a:noFill/>
+            </a:ln>
+          </p:spPr>
+          <p:style>
+            <a:lnRef idx="2">
+              <a:schemeClr val="accent1">
+                <a:shade val="50000"/>
+              </a:schemeClr>
+            </a:lnRef>
+            <a:fillRef idx="1">
+              <a:schemeClr val="accent1"/>
+            </a:fillRef>
+            <a:effectRef idx="0">
+              <a:schemeClr val="accent1"/>
+            </a:effectRef>
+            <a:fontRef idx="minor">
+              <a:schemeClr val="lt1"/>
+            </a:fontRef>
+          </p:style>
+          <p:txBody>
+            <a:bodyPr rtlCol="0" anchor="ctr"/>
+            <a:lstStyle/>
+            <a:p>
+              <a:pPr algn="ctr"/>
+              <a:endParaRPr kumimoji="1" lang="ja-JP" altLang="en-US"/>
+            </a:p>
+          </p:txBody>
+        </p:sp>
+        <p:sp>
+          <p:nvSpPr>
+            <p:cNvPr id="21" name="楕円 20">
+              <a:extLst>
+                <a:ext uri="{FF2B5EF4-FFF2-40B4-BE49-F238E27FC236}">
+                  <a16:creationId xmlns:a16="http://schemas.microsoft.com/office/drawing/2014/main" id="{CD2AC175-695B-4662-99F6-E76677540CBE}"/>
+                </a:ext>
+              </a:extLst>
+            </p:cNvPr>
+            <p:cNvSpPr/>
+            <p:nvPr/>
+          </p:nvSpPr>
+          <p:spPr>
+            <a:xfrm>
+              <a:off x="1460659" y="2214324"/>
+              <a:ext cx="119061" cy="119061"/>
+            </a:xfrm>
+            <a:prstGeom prst="ellipse">
+              <a:avLst/>
+            </a:prstGeom>
+            <a:solidFill>
+              <a:srgbClr val="FF0000"/>
+            </a:solidFill>
+            <a:ln>
+              <a:noFill/>
+            </a:ln>
+          </p:spPr>
+          <p:style>
+            <a:lnRef idx="2">
+              <a:schemeClr val="accent1">
+                <a:shade val="50000"/>
+              </a:schemeClr>
+            </a:lnRef>
+            <a:fillRef idx="1">
+              <a:schemeClr val="accent1"/>
+            </a:fillRef>
+            <a:effectRef idx="0">
+              <a:schemeClr val="accent1"/>
+            </a:effectRef>
+            <a:fontRef idx="minor">
+              <a:schemeClr val="lt1"/>
+            </a:fontRef>
+          </p:style>
+          <p:txBody>
+            <a:bodyPr rtlCol="0" anchor="ctr"/>
+            <a:lstStyle/>
+            <a:p>
+              <a:pPr algn="ctr"/>
+              <a:endParaRPr kumimoji="1" lang="ja-JP" altLang="en-US"/>
+            </a:p>
+          </p:txBody>
+        </p:sp>
+        <p:sp>
+          <p:nvSpPr>
+            <p:cNvPr id="22" name="楕円 21">
+              <a:extLst>
+                <a:ext uri="{FF2B5EF4-FFF2-40B4-BE49-F238E27FC236}">
+                  <a16:creationId xmlns:a16="http://schemas.microsoft.com/office/drawing/2014/main" id="{DE911609-DE97-42EA-8DBF-0B2C1E0BD71C}"/>
+                </a:ext>
+              </a:extLst>
+            </p:cNvPr>
+            <p:cNvSpPr/>
+            <p:nvPr/>
+          </p:nvSpPr>
+          <p:spPr>
+            <a:xfrm>
+              <a:off x="1460659" y="2372678"/>
+              <a:ext cx="119061" cy="119061"/>
+            </a:xfrm>
+            <a:prstGeom prst="ellipse">
+              <a:avLst/>
+            </a:prstGeom>
+            <a:solidFill>
+              <a:srgbClr val="FF0000"/>
+            </a:solidFill>
+            <a:ln>
+              <a:noFill/>
+            </a:ln>
+          </p:spPr>
+          <p:style>
+            <a:lnRef idx="2">
+              <a:schemeClr val="accent1">
+                <a:shade val="50000"/>
+              </a:schemeClr>
+            </a:lnRef>
+            <a:fillRef idx="1">
+              <a:schemeClr val="accent1"/>
+            </a:fillRef>
+            <a:effectRef idx="0">
+              <a:schemeClr val="accent1"/>
+            </a:effectRef>
+            <a:fontRef idx="minor">
+              <a:schemeClr val="lt1"/>
+            </a:fontRef>
+          </p:style>
+          <p:txBody>
+            <a:bodyPr rtlCol="0" anchor="ctr"/>
+            <a:lstStyle/>
+            <a:p>
+              <a:pPr algn="ctr"/>
+              <a:endParaRPr kumimoji="1" lang="ja-JP" altLang="en-US"/>
+            </a:p>
+          </p:txBody>
+        </p:sp>
+      </p:grpSp>
+      <p:grpSp>
+        <p:nvGrpSpPr>
+          <p:cNvPr id="3" name="グループ化 2">
+            <a:extLst>
+              <a:ext uri="{FF2B5EF4-FFF2-40B4-BE49-F238E27FC236}">
+                <a16:creationId xmlns:a16="http://schemas.microsoft.com/office/drawing/2014/main" id="{5F1BAFA2-7D6C-4C88-8194-C0E435D42AC8}"/>
+              </a:ext>
+            </a:extLst>
+          </p:cNvPr>
+          <p:cNvGrpSpPr/>
+          <p:nvPr/>
+        </p:nvGrpSpPr>
+        <p:grpSpPr>
+          <a:xfrm>
+            <a:off x="3599494" y="1193956"/>
+            <a:ext cx="496252" cy="1370648"/>
+            <a:chOff x="5485924" y="1259680"/>
+            <a:chExt cx="496252" cy="1370648"/>
+          </a:xfrm>
+        </p:grpSpPr>
+        <p:cxnSp>
+          <p:nvCxnSpPr>
+            <p:cNvPr id="24" name="直線矢印コネクタ 23">
+              <a:extLst>
+                <a:ext uri="{FF2B5EF4-FFF2-40B4-BE49-F238E27FC236}">
+                  <a16:creationId xmlns:a16="http://schemas.microsoft.com/office/drawing/2014/main" id="{9615279B-94CB-4DFC-97B1-04B6CD43C05F}"/>
+                </a:ext>
+              </a:extLst>
+            </p:cNvPr>
+            <p:cNvCxnSpPr/>
+            <p:nvPr/>
+          </p:nvCxnSpPr>
+          <p:spPr>
+            <a:xfrm rot="10800000">
+              <a:off x="5922644" y="1259680"/>
+              <a:ext cx="0" cy="828675"/>
+            </a:xfrm>
+            <a:prstGeom prst="straightConnector1">
+              <a:avLst/>
+            </a:prstGeom>
+            <a:ln w="127000">
+              <a:solidFill>
+                <a:schemeClr val="tx1"/>
+              </a:solidFill>
+              <a:tailEnd type="triangle"/>
+            </a:ln>
+          </p:spPr>
+          <p:style>
+            <a:lnRef idx="1">
+              <a:schemeClr val="accent1"/>
+            </a:lnRef>
+            <a:fillRef idx="0">
+              <a:schemeClr val="accent1"/>
+            </a:fillRef>
+            <a:effectRef idx="0">
+              <a:schemeClr val="accent1"/>
+            </a:effectRef>
+            <a:fontRef idx="minor">
+              <a:schemeClr val="tx1"/>
+            </a:fontRef>
+          </p:style>
+        </p:cxnSp>
+        <p:sp>
+          <p:nvSpPr>
+            <p:cNvPr id="25" name="楕円 24">
+              <a:extLst>
+                <a:ext uri="{FF2B5EF4-FFF2-40B4-BE49-F238E27FC236}">
+                  <a16:creationId xmlns:a16="http://schemas.microsoft.com/office/drawing/2014/main" id="{556F09E3-2126-433D-937F-F71B37418CBF}"/>
+                </a:ext>
+              </a:extLst>
+            </p:cNvPr>
+            <p:cNvSpPr/>
+            <p:nvPr/>
+          </p:nvSpPr>
+          <p:spPr>
+            <a:xfrm rot="10800000">
+              <a:off x="5863114" y="2130266"/>
+              <a:ext cx="119061" cy="119061"/>
+            </a:xfrm>
+            <a:prstGeom prst="ellipse">
+              <a:avLst/>
+            </a:prstGeom>
+            <a:solidFill>
+              <a:schemeClr val="tx1"/>
+            </a:solidFill>
+            <a:ln>
+              <a:noFill/>
+            </a:ln>
+          </p:spPr>
+          <p:style>
+            <a:lnRef idx="2">
+              <a:schemeClr val="accent1">
+                <a:shade val="50000"/>
+              </a:schemeClr>
+            </a:lnRef>
+            <a:fillRef idx="1">
+              <a:schemeClr val="accent1"/>
+            </a:fillRef>
+            <a:effectRef idx="0">
+              <a:schemeClr val="accent1"/>
+            </a:effectRef>
+            <a:fontRef idx="minor">
+              <a:schemeClr val="lt1"/>
+            </a:fontRef>
+          </p:style>
+          <p:txBody>
+            <a:bodyPr rtlCol="0" anchor="ctr"/>
+            <a:lstStyle/>
+            <a:p>
+              <a:pPr algn="ctr"/>
+              <a:endParaRPr kumimoji="1" lang="ja-JP" altLang="en-US"/>
+            </a:p>
+          </p:txBody>
+        </p:sp>
+        <p:sp>
+          <p:nvSpPr>
+            <p:cNvPr id="26" name="楕円 25">
+              <a:extLst>
+                <a:ext uri="{FF2B5EF4-FFF2-40B4-BE49-F238E27FC236}">
+                  <a16:creationId xmlns:a16="http://schemas.microsoft.com/office/drawing/2014/main" id="{57258326-F234-4281-88A4-E1E0A094FA8A}"/>
+                </a:ext>
+              </a:extLst>
+            </p:cNvPr>
+            <p:cNvSpPr/>
+            <p:nvPr/>
+          </p:nvSpPr>
+          <p:spPr>
+            <a:xfrm rot="10800000">
+              <a:off x="5863114" y="2291238"/>
+              <a:ext cx="119061" cy="119061"/>
+            </a:xfrm>
+            <a:prstGeom prst="ellipse">
+              <a:avLst/>
+            </a:prstGeom>
+            <a:solidFill>
+              <a:schemeClr val="tx1"/>
+            </a:solidFill>
+            <a:ln>
+              <a:noFill/>
+            </a:ln>
+          </p:spPr>
+          <p:style>
+            <a:lnRef idx="2">
+              <a:schemeClr val="accent1">
+                <a:shade val="50000"/>
+              </a:schemeClr>
+            </a:lnRef>
+            <a:fillRef idx="1">
+              <a:schemeClr val="accent1"/>
+            </a:fillRef>
+            <a:effectRef idx="0">
+              <a:schemeClr val="accent1"/>
+            </a:effectRef>
+            <a:fontRef idx="minor">
+              <a:schemeClr val="lt1"/>
+            </a:fontRef>
+          </p:style>
+          <p:txBody>
+            <a:bodyPr rtlCol="0" anchor="ctr"/>
+            <a:lstStyle/>
+            <a:p>
+              <a:pPr algn="ctr"/>
+              <a:endParaRPr kumimoji="1" lang="ja-JP" altLang="en-US"/>
+            </a:p>
+          </p:txBody>
+        </p:sp>
+        <p:sp>
+          <p:nvSpPr>
+            <p:cNvPr id="27" name="楕円 26">
+              <a:extLst>
+                <a:ext uri="{FF2B5EF4-FFF2-40B4-BE49-F238E27FC236}">
+                  <a16:creationId xmlns:a16="http://schemas.microsoft.com/office/drawing/2014/main" id="{A48A2B92-E95A-4287-8441-3FB60AF05CB3}"/>
+                </a:ext>
+              </a:extLst>
+            </p:cNvPr>
+            <p:cNvSpPr/>
+            <p:nvPr/>
+          </p:nvSpPr>
+          <p:spPr>
+            <a:xfrm rot="10800000">
+              <a:off x="5863115" y="2452687"/>
+              <a:ext cx="119061" cy="119061"/>
+            </a:xfrm>
+            <a:prstGeom prst="ellipse">
+              <a:avLst/>
+            </a:prstGeom>
+            <a:solidFill>
+              <a:schemeClr val="tx1"/>
+            </a:solidFill>
+            <a:ln>
+              <a:noFill/>
+            </a:ln>
+          </p:spPr>
+          <p:style>
+            <a:lnRef idx="2">
+              <a:schemeClr val="accent1">
+                <a:shade val="50000"/>
+              </a:schemeClr>
+            </a:lnRef>
+            <a:fillRef idx="1">
+              <a:schemeClr val="accent1"/>
+            </a:fillRef>
+            <a:effectRef idx="0">
+              <a:schemeClr val="accent1"/>
+            </a:effectRef>
+            <a:fontRef idx="minor">
+              <a:schemeClr val="lt1"/>
+            </a:fontRef>
+          </p:style>
+          <p:txBody>
+            <a:bodyPr rtlCol="0" anchor="ctr"/>
+            <a:lstStyle/>
+            <a:p>
+              <a:pPr algn="ctr"/>
+              <a:endParaRPr kumimoji="1" lang="ja-JP" altLang="en-US"/>
+            </a:p>
+          </p:txBody>
+        </p:sp>
+        <p:cxnSp>
+          <p:nvCxnSpPr>
+            <p:cNvPr id="28" name="直線矢印コネクタ 27">
+              <a:extLst>
+                <a:ext uri="{FF2B5EF4-FFF2-40B4-BE49-F238E27FC236}">
+                  <a16:creationId xmlns:a16="http://schemas.microsoft.com/office/drawing/2014/main" id="{839CAC12-4D0F-4F02-AA83-8F668347F66B}"/>
+                </a:ext>
+              </a:extLst>
+            </p:cNvPr>
+            <p:cNvCxnSpPr/>
+            <p:nvPr/>
+          </p:nvCxnSpPr>
+          <p:spPr>
+            <a:xfrm rot="10800000" flipV="1">
+              <a:off x="5545454" y="1802328"/>
+              <a:ext cx="0" cy="828000"/>
+            </a:xfrm>
+            <a:prstGeom prst="straightConnector1">
+              <a:avLst/>
+            </a:prstGeom>
+            <a:ln w="127000">
+              <a:solidFill>
+                <a:schemeClr val="tx1"/>
+              </a:solidFill>
+              <a:tailEnd type="triangle"/>
+            </a:ln>
+          </p:spPr>
+          <p:style>
+            <a:lnRef idx="1">
+              <a:schemeClr val="accent1"/>
+            </a:lnRef>
+            <a:fillRef idx="0">
+              <a:schemeClr val="accent1"/>
+            </a:fillRef>
+            <a:effectRef idx="0">
+              <a:schemeClr val="accent1"/>
+            </a:effectRef>
+            <a:fontRef idx="minor">
+              <a:schemeClr val="tx1"/>
+            </a:fontRef>
+          </p:style>
+        </p:cxnSp>
+        <p:sp>
+          <p:nvSpPr>
+            <p:cNvPr id="29" name="楕円 28">
+              <a:extLst>
+                <a:ext uri="{FF2B5EF4-FFF2-40B4-BE49-F238E27FC236}">
+                  <a16:creationId xmlns:a16="http://schemas.microsoft.com/office/drawing/2014/main" id="{9400217A-CF2D-4854-A669-B29279E13875}"/>
+                </a:ext>
+              </a:extLst>
+            </p:cNvPr>
+            <p:cNvSpPr/>
+            <p:nvPr/>
+          </p:nvSpPr>
+          <p:spPr>
+            <a:xfrm rot="10800000">
+              <a:off x="5485924" y="1615917"/>
+              <a:ext cx="119061" cy="119061"/>
+            </a:xfrm>
+            <a:prstGeom prst="ellipse">
+              <a:avLst/>
+            </a:prstGeom>
+            <a:solidFill>
+              <a:schemeClr val="tx1"/>
+            </a:solidFill>
+            <a:ln>
+              <a:noFill/>
+            </a:ln>
+          </p:spPr>
+          <p:style>
+            <a:lnRef idx="2">
+              <a:schemeClr val="accent1">
+                <a:shade val="50000"/>
+              </a:schemeClr>
+            </a:lnRef>
+            <a:fillRef idx="1">
+              <a:schemeClr val="accent1"/>
+            </a:fillRef>
+            <a:effectRef idx="0">
+              <a:schemeClr val="accent1"/>
+            </a:effectRef>
+            <a:fontRef idx="minor">
+              <a:schemeClr val="lt1"/>
+            </a:fontRef>
+          </p:style>
+          <p:txBody>
+            <a:bodyPr rtlCol="0" anchor="ctr"/>
+            <a:lstStyle/>
+            <a:p>
+              <a:pPr algn="ctr"/>
+              <a:endParaRPr kumimoji="1" lang="ja-JP" altLang="en-US"/>
+            </a:p>
+          </p:txBody>
+        </p:sp>
+        <p:sp>
+          <p:nvSpPr>
+            <p:cNvPr id="30" name="楕円 29">
+              <a:extLst>
+                <a:ext uri="{FF2B5EF4-FFF2-40B4-BE49-F238E27FC236}">
+                  <a16:creationId xmlns:a16="http://schemas.microsoft.com/office/drawing/2014/main" id="{8230508F-4799-4C06-8C8D-A8C0FFC865EC}"/>
+                </a:ext>
+              </a:extLst>
+            </p:cNvPr>
+            <p:cNvSpPr/>
+            <p:nvPr/>
+          </p:nvSpPr>
+          <p:spPr>
+            <a:xfrm rot="10800000">
+              <a:off x="5485924" y="1457563"/>
+              <a:ext cx="119061" cy="119061"/>
+            </a:xfrm>
+            <a:prstGeom prst="ellipse">
+              <a:avLst/>
+            </a:prstGeom>
+            <a:solidFill>
+              <a:schemeClr val="tx1"/>
+            </a:solidFill>
+            <a:ln>
+              <a:noFill/>
+            </a:ln>
+          </p:spPr>
+          <p:style>
+            <a:lnRef idx="2">
+              <a:schemeClr val="accent1">
+                <a:shade val="50000"/>
+              </a:schemeClr>
+            </a:lnRef>
+            <a:fillRef idx="1">
+              <a:schemeClr val="accent1"/>
+            </a:fillRef>
+            <a:effectRef idx="0">
+              <a:schemeClr val="accent1"/>
+            </a:effectRef>
+            <a:fontRef idx="minor">
+              <a:schemeClr val="lt1"/>
+            </a:fontRef>
+          </p:style>
+          <p:txBody>
+            <a:bodyPr rtlCol="0" anchor="ctr"/>
+            <a:lstStyle/>
+            <a:p>
+              <a:pPr algn="ctr"/>
+              <a:endParaRPr kumimoji="1" lang="ja-JP" altLang="en-US"/>
+            </a:p>
+          </p:txBody>
+        </p:sp>
+        <p:sp>
+          <p:nvSpPr>
+            <p:cNvPr id="31" name="楕円 30">
+              <a:extLst>
+                <a:ext uri="{FF2B5EF4-FFF2-40B4-BE49-F238E27FC236}">
+                  <a16:creationId xmlns:a16="http://schemas.microsoft.com/office/drawing/2014/main" id="{5663743E-33B6-4D02-8CC5-A8C5B5BD485B}"/>
+                </a:ext>
+              </a:extLst>
+            </p:cNvPr>
+            <p:cNvSpPr/>
+            <p:nvPr/>
+          </p:nvSpPr>
+          <p:spPr>
+            <a:xfrm rot="10800000">
+              <a:off x="5485924" y="1299209"/>
+              <a:ext cx="119061" cy="119061"/>
+            </a:xfrm>
+            <a:prstGeom prst="ellipse">
+              <a:avLst/>
+            </a:prstGeom>
+            <a:solidFill>
+              <a:schemeClr val="tx1"/>
+            </a:solidFill>
+            <a:ln>
+              <a:noFill/>
+            </a:ln>
+          </p:spPr>
+          <p:style>
+            <a:lnRef idx="2">
+              <a:schemeClr val="accent1">
+                <a:shade val="50000"/>
+              </a:schemeClr>
+            </a:lnRef>
+            <a:fillRef idx="1">
+              <a:schemeClr val="accent1"/>
+            </a:fillRef>
+            <a:effectRef idx="0">
+              <a:schemeClr val="accent1"/>
+            </a:effectRef>
+            <a:fontRef idx="minor">
+              <a:schemeClr val="lt1"/>
+            </a:fontRef>
+          </p:style>
+          <p:txBody>
+            <a:bodyPr rtlCol="0" anchor="ctr"/>
+            <a:lstStyle/>
+            <a:p>
+              <a:pPr algn="ctr"/>
+              <a:endParaRPr kumimoji="1" lang="ja-JP" altLang="en-US"/>
+            </a:p>
+          </p:txBody>
+        </p:sp>
+      </p:grpSp>
+      <p:sp>
+        <p:nvSpPr>
+          <p:cNvPr id="8" name="四角形: 角を丸くする 7">
+            <a:extLst>
+              <a:ext uri="{FF2B5EF4-FFF2-40B4-BE49-F238E27FC236}">
+                <a16:creationId xmlns:a16="http://schemas.microsoft.com/office/drawing/2014/main" id="{21561E87-A16E-473A-89A0-053512DFB771}"/>
+              </a:ext>
+            </a:extLst>
+          </p:cNvPr>
+          <p:cNvSpPr/>
+          <p:nvPr/>
+        </p:nvSpPr>
+        <p:spPr>
+          <a:xfrm>
+            <a:off x="7105165" y="1889003"/>
+            <a:ext cx="1628775" cy="1628775"/>
+          </a:xfrm>
+          <a:prstGeom prst="roundRect">
+            <a:avLst/>
+          </a:prstGeom>
+          <a:gradFill>
+            <a:gsLst>
+              <a:gs pos="0">
+                <a:schemeClr val="accent1">
+                  <a:lumMod val="5000"/>
+                  <a:lumOff val="95000"/>
+                </a:schemeClr>
+              </a:gs>
+              <a:gs pos="40000">
+                <a:schemeClr val="tx1">
+                  <a:lumMod val="85000"/>
+                </a:schemeClr>
+              </a:gs>
+              <a:gs pos="83000">
+                <a:schemeClr val="tx1">
+                  <a:lumMod val="75000"/>
+                </a:schemeClr>
+              </a:gs>
+              <a:gs pos="98000">
+                <a:schemeClr val="accent1">
+                  <a:lumMod val="30000"/>
+                  <a:lumOff val="70000"/>
+                </a:schemeClr>
+              </a:gs>
+            </a:gsLst>
+            <a:lin ang="5400000" scaled="1"/>
+          </a:gradFill>
+          <a:ln>
+            <a:noFill/>
+          </a:ln>
+        </p:spPr>
+        <p:style>
+          <a:lnRef idx="2">
+            <a:schemeClr val="accent1">
+              <a:shade val="50000"/>
+            </a:schemeClr>
+          </a:lnRef>
+          <a:fillRef idx="1">
+            <a:schemeClr val="accent1"/>
+          </a:fillRef>
+          <a:effectRef idx="0">
+            <a:schemeClr val="accent1"/>
+          </a:effectRef>
+          <a:fontRef idx="minor">
+            <a:schemeClr val="lt1"/>
+          </a:fontRef>
+        </p:style>
+        <p:txBody>
+          <a:bodyPr rtlCol="0" anchor="ctr"/>
+          <a:lstStyle/>
+          <a:p>
+            <a:pPr algn="ctr"/>
+            <a:endParaRPr kumimoji="1" lang="ja-JP" altLang="en-US"/>
+          </a:p>
+        </p:txBody>
+      </p:sp>
+      <p:pic>
+        <p:nvPicPr>
+          <p:cNvPr id="42" name="図 41">
+            <a:extLst>
+              <a:ext uri="{FF2B5EF4-FFF2-40B4-BE49-F238E27FC236}">
+                <a16:creationId xmlns:a16="http://schemas.microsoft.com/office/drawing/2014/main" id="{59F94177-E3CF-4B07-B3CD-D91B9ED04393}"/>
+              </a:ext>
+            </a:extLst>
+          </p:cNvPr>
+          <p:cNvPicPr>
+            <a:picLocks noChangeAspect="1"/>
+          </p:cNvPicPr>
+          <p:nvPr/>
+        </p:nvPicPr>
+        <p:blipFill>
+          <a:blip r:embed="rId2">
+            <a:extLst>
+              <a:ext uri="{28A0092B-C50C-407E-A947-70E740481C1C}">
+                <a14:useLocalDpi xmlns:a14="http://schemas.microsoft.com/office/drawing/2010/main" val="0"/>
+              </a:ext>
+            </a:extLst>
+          </a:blip>
+          <a:stretch>
+            <a:fillRect/>
+          </a:stretch>
+        </p:blipFill>
+        <p:spPr>
+          <a:xfrm>
+            <a:off x="5814895" y="3675695"/>
+            <a:ext cx="1152439" cy="2146342"/>
+          </a:xfrm>
+          <a:prstGeom prst="rect">
+            <a:avLst/>
+          </a:prstGeom>
+        </p:spPr>
+      </p:pic>
+      <p:sp>
+        <p:nvSpPr>
+          <p:cNvPr id="44" name="四角形: 角を丸くする 43">
+            <a:extLst>
+              <a:ext uri="{FF2B5EF4-FFF2-40B4-BE49-F238E27FC236}">
+                <a16:creationId xmlns:a16="http://schemas.microsoft.com/office/drawing/2014/main" id="{016228FC-040D-4EC4-ABD1-EE0B45B1578D}"/>
+              </a:ext>
+            </a:extLst>
+          </p:cNvPr>
+          <p:cNvSpPr/>
+          <p:nvPr/>
+        </p:nvSpPr>
+        <p:spPr>
+          <a:xfrm>
+            <a:off x="8552965" y="4032128"/>
+            <a:ext cx="1628775" cy="1628775"/>
+          </a:xfrm>
+          <a:prstGeom prst="roundRect">
+            <a:avLst/>
+          </a:prstGeom>
+          <a:solidFill>
+            <a:schemeClr val="bg2"/>
+          </a:solidFill>
+          <a:ln>
+            <a:noFill/>
+          </a:ln>
+        </p:spPr>
+        <p:style>
+          <a:lnRef idx="2">
+            <a:schemeClr val="accent1">
+              <a:shade val="50000"/>
+            </a:schemeClr>
+          </a:lnRef>
+          <a:fillRef idx="1">
+            <a:schemeClr val="accent1"/>
+          </a:fillRef>
+          <a:effectRef idx="0">
+            <a:schemeClr val="accent1"/>
+          </a:effectRef>
+          <a:fontRef idx="minor">
+            <a:schemeClr val="lt1"/>
+          </a:fontRef>
+        </p:style>
+        <p:txBody>
+          <a:bodyPr rtlCol="0" anchor="ctr"/>
+          <a:lstStyle/>
+          <a:p>
+            <a:pPr algn="ctr"/>
+            <a:endParaRPr kumimoji="1" lang="ja-JP" altLang="en-US"/>
+          </a:p>
+        </p:txBody>
+      </p:sp>
+      <p:sp>
+        <p:nvSpPr>
+          <p:cNvPr id="43" name="四角形: 角を丸くする 42">
+            <a:extLst>
+              <a:ext uri="{FF2B5EF4-FFF2-40B4-BE49-F238E27FC236}">
+                <a16:creationId xmlns:a16="http://schemas.microsoft.com/office/drawing/2014/main" id="{C7B22AD2-41FA-4D79-8E9E-1C82D6A0508A}"/>
+              </a:ext>
+            </a:extLst>
+          </p:cNvPr>
+          <p:cNvSpPr/>
+          <p:nvPr/>
+        </p:nvSpPr>
+        <p:spPr>
+          <a:xfrm>
+            <a:off x="9420225" y="1889003"/>
+            <a:ext cx="1628775" cy="1628775"/>
+          </a:xfrm>
+          <a:prstGeom prst="roundRect">
+            <a:avLst/>
+          </a:prstGeom>
+          <a:noFill/>
+          <a:ln w="38100">
+            <a:gradFill>
+              <a:gsLst>
+                <a:gs pos="0">
+                  <a:schemeClr val="accent1">
+                    <a:lumMod val="5000"/>
+                    <a:lumOff val="95000"/>
+                  </a:schemeClr>
+                </a:gs>
+                <a:gs pos="74000">
+                  <a:schemeClr val="accent1">
+                    <a:lumMod val="45000"/>
+                    <a:lumOff val="55000"/>
+                  </a:schemeClr>
+                </a:gs>
+                <a:gs pos="83000">
+                  <a:schemeClr val="accent1">
+                    <a:lumMod val="45000"/>
+                    <a:lumOff val="55000"/>
+                  </a:schemeClr>
+                </a:gs>
+                <a:gs pos="100000">
+                  <a:schemeClr val="accent1">
+                    <a:lumMod val="30000"/>
+                    <a:lumOff val="70000"/>
+                  </a:schemeClr>
+                </a:gs>
+              </a:gsLst>
+              <a:lin ang="5400000" scaled="1"/>
+            </a:gradFill>
+          </a:ln>
+        </p:spPr>
+        <p:style>
+          <a:lnRef idx="2">
+            <a:schemeClr val="accent1">
+              <a:shade val="50000"/>
+            </a:schemeClr>
+          </a:lnRef>
+          <a:fillRef idx="1">
+            <a:schemeClr val="accent1"/>
+          </a:fillRef>
+          <a:effectRef idx="0">
+            <a:schemeClr val="accent1"/>
+          </a:effectRef>
+          <a:fontRef idx="minor">
+            <a:schemeClr val="lt1"/>
+          </a:fontRef>
+        </p:style>
+        <p:txBody>
+          <a:bodyPr rtlCol="0" anchor="ctr"/>
+          <a:lstStyle/>
+          <a:p>
+            <a:pPr algn="ctr"/>
+            <a:endParaRPr kumimoji="1" lang="ja-JP" altLang="en-US"/>
+          </a:p>
+        </p:txBody>
+      </p:sp>
+      <p:grpSp>
+        <p:nvGrpSpPr>
+          <p:cNvPr id="45" name="グループ化 44">
+            <a:extLst>
+              <a:ext uri="{FF2B5EF4-FFF2-40B4-BE49-F238E27FC236}">
+                <a16:creationId xmlns:a16="http://schemas.microsoft.com/office/drawing/2014/main" id="{85EB04C4-67B4-4783-AE9A-4773B629E2F4}"/>
+              </a:ext>
+            </a:extLst>
+          </p:cNvPr>
+          <p:cNvGrpSpPr/>
+          <p:nvPr/>
+        </p:nvGrpSpPr>
+        <p:grpSpPr>
+          <a:xfrm>
+            <a:off x="5504491" y="1160620"/>
+            <a:ext cx="629602" cy="1333499"/>
+            <a:chOff x="4036218" y="2783682"/>
+            <a:chExt cx="629602" cy="1333499"/>
+          </a:xfrm>
+        </p:grpSpPr>
+        <p:cxnSp>
+          <p:nvCxnSpPr>
+            <p:cNvPr id="46" name="直線矢印コネクタ 45">
+              <a:extLst>
+                <a:ext uri="{FF2B5EF4-FFF2-40B4-BE49-F238E27FC236}">
+                  <a16:creationId xmlns:a16="http://schemas.microsoft.com/office/drawing/2014/main" id="{E6AB23D1-32A1-43E5-9E76-78D03A7AC9D2}"/>
+                </a:ext>
+              </a:extLst>
+            </p:cNvPr>
+            <p:cNvCxnSpPr/>
+            <p:nvPr/>
+          </p:nvCxnSpPr>
+          <p:spPr>
+            <a:xfrm>
+              <a:off x="4095750" y="3267075"/>
+              <a:ext cx="0" cy="828675"/>
+            </a:xfrm>
+            <a:prstGeom prst="straightConnector1">
+              <a:avLst/>
+            </a:prstGeom>
+            <a:ln w="127000">
+              <a:tailEnd type="triangle"/>
+            </a:ln>
+          </p:spPr>
+          <p:style>
+            <a:lnRef idx="1">
+              <a:schemeClr val="accent1"/>
+            </a:lnRef>
+            <a:fillRef idx="0">
+              <a:schemeClr val="accent1"/>
+            </a:fillRef>
+            <a:effectRef idx="0">
+              <a:schemeClr val="accent1"/>
+            </a:effectRef>
+            <a:fontRef idx="minor">
+              <a:schemeClr val="tx1"/>
+            </a:fontRef>
+          </p:style>
+        </p:cxnSp>
+        <p:sp>
+          <p:nvSpPr>
+            <p:cNvPr id="47" name="楕円 46">
+              <a:extLst>
+                <a:ext uri="{FF2B5EF4-FFF2-40B4-BE49-F238E27FC236}">
+                  <a16:creationId xmlns:a16="http://schemas.microsoft.com/office/drawing/2014/main" id="{E3836D5E-EC79-42E1-8116-B24347492911}"/>
+                </a:ext>
+              </a:extLst>
+            </p:cNvPr>
+            <p:cNvSpPr/>
+            <p:nvPr/>
+          </p:nvSpPr>
+          <p:spPr>
+            <a:xfrm>
+              <a:off x="4036219" y="3106103"/>
+              <a:ext cx="119061" cy="119061"/>
+            </a:xfrm>
+            <a:prstGeom prst="ellipse">
+              <a:avLst/>
+            </a:prstGeom>
+            <a:solidFill>
+              <a:schemeClr val="accent1"/>
+            </a:solidFill>
+            <a:ln>
+              <a:noFill/>
+            </a:ln>
+          </p:spPr>
+          <p:style>
+            <a:lnRef idx="2">
+              <a:schemeClr val="accent1">
+                <a:shade val="50000"/>
+              </a:schemeClr>
+            </a:lnRef>
+            <a:fillRef idx="1">
+              <a:schemeClr val="accent1"/>
+            </a:fillRef>
+            <a:effectRef idx="0">
+              <a:schemeClr val="accent1"/>
+            </a:effectRef>
+            <a:fontRef idx="minor">
+              <a:schemeClr val="lt1"/>
+            </a:fontRef>
+          </p:style>
+          <p:txBody>
+            <a:bodyPr rtlCol="0" anchor="ctr"/>
+            <a:lstStyle/>
+            <a:p>
+              <a:pPr algn="ctr"/>
+              <a:endParaRPr kumimoji="1" lang="ja-JP" altLang="en-US"/>
+            </a:p>
+          </p:txBody>
+        </p:sp>
+        <p:sp>
+          <p:nvSpPr>
+            <p:cNvPr id="48" name="楕円 47">
+              <a:extLst>
+                <a:ext uri="{FF2B5EF4-FFF2-40B4-BE49-F238E27FC236}">
+                  <a16:creationId xmlns:a16="http://schemas.microsoft.com/office/drawing/2014/main" id="{F617029D-E519-4215-AE6C-7A6709C66563}"/>
+                </a:ext>
+              </a:extLst>
+            </p:cNvPr>
+            <p:cNvSpPr/>
+            <p:nvPr/>
+          </p:nvSpPr>
+          <p:spPr>
+            <a:xfrm>
+              <a:off x="4036219" y="2945131"/>
+              <a:ext cx="119061" cy="119061"/>
+            </a:xfrm>
+            <a:prstGeom prst="ellipse">
+              <a:avLst/>
+            </a:prstGeom>
+            <a:solidFill>
+              <a:schemeClr val="accent1"/>
+            </a:solidFill>
+            <a:ln>
+              <a:noFill/>
+            </a:ln>
+          </p:spPr>
+          <p:style>
+            <a:lnRef idx="2">
+              <a:schemeClr val="accent1">
+                <a:shade val="50000"/>
+              </a:schemeClr>
+            </a:lnRef>
+            <a:fillRef idx="1">
+              <a:schemeClr val="accent1"/>
+            </a:fillRef>
+            <a:effectRef idx="0">
+              <a:schemeClr val="accent1"/>
+            </a:effectRef>
+            <a:fontRef idx="minor">
+              <a:schemeClr val="lt1"/>
+            </a:fontRef>
+          </p:style>
+          <p:txBody>
+            <a:bodyPr rtlCol="0" anchor="ctr"/>
+            <a:lstStyle/>
+            <a:p>
+              <a:pPr algn="ctr"/>
+              <a:endParaRPr kumimoji="1" lang="ja-JP" altLang="en-US"/>
+            </a:p>
+          </p:txBody>
+        </p:sp>
+        <p:sp>
+          <p:nvSpPr>
+            <p:cNvPr id="49" name="楕円 48">
+              <a:extLst>
+                <a:ext uri="{FF2B5EF4-FFF2-40B4-BE49-F238E27FC236}">
+                  <a16:creationId xmlns:a16="http://schemas.microsoft.com/office/drawing/2014/main" id="{2625BF6B-93E3-4539-BC04-FF07577FB94E}"/>
+                </a:ext>
+              </a:extLst>
+            </p:cNvPr>
+            <p:cNvSpPr/>
+            <p:nvPr/>
+          </p:nvSpPr>
+          <p:spPr>
+            <a:xfrm>
+              <a:off x="4036218" y="2783682"/>
+              <a:ext cx="119061" cy="119061"/>
+            </a:xfrm>
+            <a:prstGeom prst="ellipse">
+              <a:avLst/>
+            </a:prstGeom>
+            <a:solidFill>
+              <a:schemeClr val="accent1"/>
+            </a:solidFill>
+            <a:ln>
+              <a:noFill/>
+            </a:ln>
+          </p:spPr>
+          <p:style>
+            <a:lnRef idx="2">
+              <a:schemeClr val="accent1">
+                <a:shade val="50000"/>
+              </a:schemeClr>
+            </a:lnRef>
+            <a:fillRef idx="1">
+              <a:schemeClr val="accent1"/>
+            </a:fillRef>
+            <a:effectRef idx="0">
+              <a:schemeClr val="accent1"/>
+            </a:effectRef>
+            <a:fontRef idx="minor">
+              <a:schemeClr val="lt1"/>
+            </a:fontRef>
+          </p:style>
+          <p:txBody>
+            <a:bodyPr rtlCol="0" anchor="ctr"/>
+            <a:lstStyle/>
+            <a:p>
+              <a:pPr algn="ctr"/>
+              <a:endParaRPr kumimoji="1" lang="ja-JP" altLang="en-US"/>
+            </a:p>
+          </p:txBody>
+        </p:sp>
+        <p:cxnSp>
+          <p:nvCxnSpPr>
+            <p:cNvPr id="50" name="直線矢印コネクタ 49">
+              <a:extLst>
+                <a:ext uri="{FF2B5EF4-FFF2-40B4-BE49-F238E27FC236}">
+                  <a16:creationId xmlns:a16="http://schemas.microsoft.com/office/drawing/2014/main" id="{B5B6401A-72BF-4891-AA54-51424A09E550}"/>
+                </a:ext>
+              </a:extLst>
+            </p:cNvPr>
+            <p:cNvCxnSpPr/>
+            <p:nvPr/>
+          </p:nvCxnSpPr>
+          <p:spPr>
+            <a:xfrm flipV="1">
+              <a:off x="4606290" y="2786062"/>
+              <a:ext cx="0" cy="828000"/>
+            </a:xfrm>
+            <a:prstGeom prst="straightConnector1">
+              <a:avLst/>
+            </a:prstGeom>
+            <a:ln w="127000">
+              <a:tailEnd type="triangle"/>
+            </a:ln>
+          </p:spPr>
+          <p:style>
+            <a:lnRef idx="1">
+              <a:schemeClr val="accent1"/>
+            </a:lnRef>
+            <a:fillRef idx="0">
+              <a:schemeClr val="accent1"/>
+            </a:fillRef>
+            <a:effectRef idx="0">
+              <a:schemeClr val="accent1"/>
+            </a:effectRef>
+            <a:fontRef idx="minor">
+              <a:schemeClr val="tx1"/>
+            </a:fontRef>
+          </p:style>
+        </p:cxnSp>
+        <p:sp>
+          <p:nvSpPr>
+            <p:cNvPr id="51" name="楕円 50">
+              <a:extLst>
+                <a:ext uri="{FF2B5EF4-FFF2-40B4-BE49-F238E27FC236}">
+                  <a16:creationId xmlns:a16="http://schemas.microsoft.com/office/drawing/2014/main" id="{5B5909A6-9CAE-48A2-89E5-0424E9C38B37}"/>
+                </a:ext>
+              </a:extLst>
+            </p:cNvPr>
+            <p:cNvSpPr/>
+            <p:nvPr/>
+          </p:nvSpPr>
+          <p:spPr>
+            <a:xfrm>
+              <a:off x="4546759" y="3681412"/>
+              <a:ext cx="119061" cy="119061"/>
+            </a:xfrm>
+            <a:prstGeom prst="ellipse">
+              <a:avLst/>
+            </a:prstGeom>
+            <a:solidFill>
+              <a:schemeClr val="accent1"/>
+            </a:solidFill>
+            <a:ln>
+              <a:noFill/>
+            </a:ln>
+          </p:spPr>
+          <p:style>
+            <a:lnRef idx="2">
+              <a:schemeClr val="accent1">
+                <a:shade val="50000"/>
+              </a:schemeClr>
+            </a:lnRef>
+            <a:fillRef idx="1">
+              <a:schemeClr val="accent1"/>
+            </a:fillRef>
+            <a:effectRef idx="0">
+              <a:schemeClr val="accent1"/>
+            </a:effectRef>
+            <a:fontRef idx="minor">
+              <a:schemeClr val="lt1"/>
+            </a:fontRef>
+          </p:style>
+          <p:txBody>
+            <a:bodyPr rtlCol="0" anchor="ctr"/>
+            <a:lstStyle/>
+            <a:p>
+              <a:pPr algn="ctr"/>
+              <a:endParaRPr kumimoji="1" lang="ja-JP" altLang="en-US"/>
+            </a:p>
+          </p:txBody>
+        </p:sp>
+        <p:sp>
+          <p:nvSpPr>
+            <p:cNvPr id="52" name="楕円 51">
+              <a:extLst>
+                <a:ext uri="{FF2B5EF4-FFF2-40B4-BE49-F238E27FC236}">
+                  <a16:creationId xmlns:a16="http://schemas.microsoft.com/office/drawing/2014/main" id="{082FBDCE-0BB7-4BF7-B8C5-A2130F628EBB}"/>
+                </a:ext>
+              </a:extLst>
+            </p:cNvPr>
+            <p:cNvSpPr/>
+            <p:nvPr/>
+          </p:nvSpPr>
+          <p:spPr>
+            <a:xfrm>
+              <a:off x="4546759" y="3839766"/>
+              <a:ext cx="119061" cy="119061"/>
+            </a:xfrm>
+            <a:prstGeom prst="ellipse">
+              <a:avLst/>
+            </a:prstGeom>
+            <a:solidFill>
+              <a:schemeClr val="accent1"/>
+            </a:solidFill>
+            <a:ln>
+              <a:noFill/>
+            </a:ln>
+          </p:spPr>
+          <p:style>
+            <a:lnRef idx="2">
+              <a:schemeClr val="accent1">
+                <a:shade val="50000"/>
+              </a:schemeClr>
+            </a:lnRef>
+            <a:fillRef idx="1">
+              <a:schemeClr val="accent1"/>
+            </a:fillRef>
+            <a:effectRef idx="0">
+              <a:schemeClr val="accent1"/>
+            </a:effectRef>
+            <a:fontRef idx="minor">
+              <a:schemeClr val="lt1"/>
+            </a:fontRef>
+          </p:style>
+          <p:txBody>
+            <a:bodyPr rtlCol="0" anchor="ctr"/>
+            <a:lstStyle/>
+            <a:p>
+              <a:pPr algn="ctr"/>
+              <a:endParaRPr kumimoji="1" lang="ja-JP" altLang="en-US"/>
+            </a:p>
+          </p:txBody>
+        </p:sp>
+        <p:sp>
+          <p:nvSpPr>
+            <p:cNvPr id="53" name="楕円 52">
+              <a:extLst>
+                <a:ext uri="{FF2B5EF4-FFF2-40B4-BE49-F238E27FC236}">
+                  <a16:creationId xmlns:a16="http://schemas.microsoft.com/office/drawing/2014/main" id="{FBCE65A3-7AA9-40C5-9828-9B6000BA4853}"/>
+                </a:ext>
+              </a:extLst>
+            </p:cNvPr>
+            <p:cNvSpPr/>
+            <p:nvPr/>
+          </p:nvSpPr>
+          <p:spPr>
+            <a:xfrm>
+              <a:off x="4546759" y="3998120"/>
+              <a:ext cx="119061" cy="119061"/>
+            </a:xfrm>
+            <a:prstGeom prst="ellipse">
+              <a:avLst/>
+            </a:prstGeom>
+            <a:solidFill>
+              <a:schemeClr val="accent1"/>
+            </a:solidFill>
+            <a:ln>
+              <a:noFill/>
+            </a:ln>
+          </p:spPr>
+          <p:style>
+            <a:lnRef idx="2">
+              <a:schemeClr val="accent1">
+                <a:shade val="50000"/>
+              </a:schemeClr>
+            </a:lnRef>
+            <a:fillRef idx="1">
+              <a:schemeClr val="accent1"/>
+            </a:fillRef>
+            <a:effectRef idx="0">
+              <a:schemeClr val="accent1"/>
+            </a:effectRef>
+            <a:fontRef idx="minor">
+              <a:schemeClr val="lt1"/>
+            </a:fontRef>
+          </p:style>
+          <p:txBody>
+            <a:bodyPr rtlCol="0" anchor="ctr"/>
+            <a:lstStyle/>
+            <a:p>
+              <a:pPr algn="ctr"/>
+              <a:endParaRPr kumimoji="1" lang="ja-JP" altLang="en-US"/>
+            </a:p>
+          </p:txBody>
+        </p:sp>
+      </p:grpSp>
+    </p:spTree>
+    <p:extLst>
+      <p:ext uri="{BB962C8B-B14F-4D97-AF65-F5344CB8AC3E}">
+        <p14:creationId xmlns:p14="http://schemas.microsoft.com/office/powerpoint/2010/main" val="3328225408"/>
+      </p:ext>
+    </p:extLst>
+  </p:cSld>
+  <p:clrMapOvr>
+    <a:masterClrMapping/>
+  </p:clrMapOvr>
+</p:sld>
+</file>
+
+<file path=ppt/slides/slide14.xml><?xml version="1.0" encoding="utf-8"?>
+<p:sld xmlns:a="http://schemas.openxmlformats.org/drawingml/2006/main" xmlns:r="http://schemas.openxmlformats.org/officeDocument/2006/relationships" xmlns:p="http://schemas.openxmlformats.org/presentationml/2006/main">
+  <p:cSld>
+    <p:spTree>
+      <p:nvGrpSpPr>
+        <p:cNvPr id="1" name=""/>
+        <p:cNvGrpSpPr/>
+        <p:nvPr/>
+      </p:nvGrpSpPr>
+      <p:grpSpPr>
+        <a:xfrm>
+          <a:off x="0" y="0"/>
+          <a:ext cx="0" cy="0"/>
+          <a:chOff x="0" y="0"/>
+          <a:chExt cx="0" cy="0"/>
+        </a:xfrm>
+      </p:grpSpPr>
+      <p:cxnSp>
+        <p:nvCxnSpPr>
+          <p:cNvPr id="5" name="直線コネクタ 4">
+            <a:extLst>
+              <a:ext uri="{FF2B5EF4-FFF2-40B4-BE49-F238E27FC236}">
+                <a16:creationId xmlns:a16="http://schemas.microsoft.com/office/drawing/2014/main" id="{6AA37CFB-4A9C-4121-A345-1D9E2A79AD16}"/>
+              </a:ext>
+            </a:extLst>
+          </p:cNvPr>
+          <p:cNvCxnSpPr>
+            <a:cxnSpLocks/>
+          </p:cNvCxnSpPr>
+          <p:nvPr/>
+        </p:nvCxnSpPr>
+        <p:spPr>
+          <a:xfrm>
+            <a:off x="1940560" y="5200650"/>
+            <a:ext cx="1080000" cy="0"/>
+          </a:xfrm>
+          <a:prstGeom prst="line">
+            <a:avLst/>
+          </a:prstGeom>
+          <a:ln w="38100">
+            <a:solidFill>
+              <a:schemeClr val="tx1"/>
+            </a:solidFill>
+          </a:ln>
+        </p:spPr>
+        <p:style>
+          <a:lnRef idx="1">
+            <a:schemeClr val="accent1"/>
+          </a:lnRef>
+          <a:fillRef idx="0">
+            <a:schemeClr val="accent1"/>
+          </a:fillRef>
+          <a:effectRef idx="0">
+            <a:schemeClr val="accent1"/>
+          </a:effectRef>
+          <a:fontRef idx="minor">
+            <a:schemeClr val="tx1"/>
+          </a:fontRef>
+        </p:style>
+      </p:cxnSp>
+      <p:cxnSp>
+        <p:nvCxnSpPr>
+          <p:cNvPr id="9" name="直線コネクタ 8">
+            <a:extLst>
+              <a:ext uri="{FF2B5EF4-FFF2-40B4-BE49-F238E27FC236}">
+                <a16:creationId xmlns:a16="http://schemas.microsoft.com/office/drawing/2014/main" id="{36817586-1F1F-4E30-8D1F-C2FB255F4E7C}"/>
+              </a:ext>
+            </a:extLst>
+          </p:cNvPr>
+          <p:cNvCxnSpPr>
+            <a:cxnSpLocks/>
+          </p:cNvCxnSpPr>
+          <p:nvPr/>
+        </p:nvCxnSpPr>
+        <p:spPr>
+          <a:xfrm flipV="1">
+            <a:off x="2999986" y="4120650"/>
+            <a:ext cx="0" cy="1080000"/>
+          </a:xfrm>
+          <a:prstGeom prst="line">
+            <a:avLst/>
+          </a:prstGeom>
+          <a:ln w="38100">
+            <a:solidFill>
+              <a:schemeClr val="tx1"/>
+            </a:solidFill>
+          </a:ln>
+        </p:spPr>
+        <p:style>
+          <a:lnRef idx="1">
+            <a:schemeClr val="accent1"/>
+          </a:lnRef>
+          <a:fillRef idx="0">
+            <a:schemeClr val="accent1"/>
+          </a:fillRef>
+          <a:effectRef idx="0">
+            <a:schemeClr val="accent1"/>
+          </a:effectRef>
+          <a:fontRef idx="minor">
+            <a:schemeClr val="tx1"/>
+          </a:fontRef>
+        </p:style>
+      </p:cxnSp>
+      <p:cxnSp>
+        <p:nvCxnSpPr>
+          <p:cNvPr id="15" name="直線コネクタ 14">
+            <a:extLst>
+              <a:ext uri="{FF2B5EF4-FFF2-40B4-BE49-F238E27FC236}">
+                <a16:creationId xmlns:a16="http://schemas.microsoft.com/office/drawing/2014/main" id="{FB8FD131-F81A-4F40-8353-9B44D7FE2570}"/>
+              </a:ext>
+            </a:extLst>
+          </p:cNvPr>
+          <p:cNvCxnSpPr>
+            <a:cxnSpLocks/>
+          </p:cNvCxnSpPr>
+          <p:nvPr/>
+        </p:nvCxnSpPr>
+        <p:spPr>
+          <a:xfrm>
+            <a:off x="2984746" y="4139700"/>
+            <a:ext cx="1080000" cy="0"/>
+          </a:xfrm>
+          <a:prstGeom prst="line">
+            <a:avLst/>
+          </a:prstGeom>
+          <a:ln w="38100">
+            <a:solidFill>
+              <a:schemeClr val="tx1"/>
+            </a:solidFill>
+          </a:ln>
+        </p:spPr>
+        <p:style>
+          <a:lnRef idx="1">
+            <a:schemeClr val="accent1"/>
+          </a:lnRef>
+          <a:fillRef idx="0">
+            <a:schemeClr val="accent1"/>
+          </a:fillRef>
+          <a:effectRef idx="0">
+            <a:schemeClr val="accent1"/>
+          </a:effectRef>
+          <a:fontRef idx="minor">
+            <a:schemeClr val="tx1"/>
+          </a:fontRef>
+        </p:style>
+      </p:cxnSp>
+      <p:cxnSp>
+        <p:nvCxnSpPr>
+          <p:cNvPr id="16" name="直線コネクタ 15">
+            <a:extLst>
+              <a:ext uri="{FF2B5EF4-FFF2-40B4-BE49-F238E27FC236}">
+                <a16:creationId xmlns:a16="http://schemas.microsoft.com/office/drawing/2014/main" id="{4D8B381B-B100-425C-A397-0339F136146E}"/>
+              </a:ext>
+            </a:extLst>
+          </p:cNvPr>
+          <p:cNvCxnSpPr>
+            <a:cxnSpLocks/>
+          </p:cNvCxnSpPr>
+          <p:nvPr/>
+        </p:nvCxnSpPr>
+        <p:spPr>
+          <a:xfrm flipV="1">
+            <a:off x="4047601" y="3078615"/>
+            <a:ext cx="0" cy="1080000"/>
+          </a:xfrm>
+          <a:prstGeom prst="line">
+            <a:avLst/>
+          </a:prstGeom>
+          <a:ln w="38100">
+            <a:solidFill>
+              <a:schemeClr val="tx1"/>
+            </a:solidFill>
+          </a:ln>
+        </p:spPr>
+        <p:style>
+          <a:lnRef idx="1">
+            <a:schemeClr val="accent1"/>
+          </a:lnRef>
+          <a:fillRef idx="0">
+            <a:schemeClr val="accent1"/>
+          </a:fillRef>
+          <a:effectRef idx="0">
+            <a:schemeClr val="accent1"/>
+          </a:effectRef>
+          <a:fontRef idx="minor">
+            <a:schemeClr val="tx1"/>
+          </a:fontRef>
+        </p:style>
+      </p:cxnSp>
+      <p:cxnSp>
+        <p:nvCxnSpPr>
+          <p:cNvPr id="17" name="直線コネクタ 16">
+            <a:extLst>
+              <a:ext uri="{FF2B5EF4-FFF2-40B4-BE49-F238E27FC236}">
+                <a16:creationId xmlns:a16="http://schemas.microsoft.com/office/drawing/2014/main" id="{3DD86522-9E01-4F60-B1A0-06D58BEC2D2C}"/>
+              </a:ext>
+            </a:extLst>
+          </p:cNvPr>
+          <p:cNvCxnSpPr>
+            <a:cxnSpLocks/>
+          </p:cNvCxnSpPr>
+          <p:nvPr/>
+        </p:nvCxnSpPr>
+        <p:spPr>
+          <a:xfrm>
+            <a:off x="4028551" y="3095760"/>
+            <a:ext cx="1080000" cy="0"/>
+          </a:xfrm>
+          <a:prstGeom prst="line">
+            <a:avLst/>
+          </a:prstGeom>
+          <a:ln w="38100">
+            <a:solidFill>
+              <a:schemeClr val="tx1"/>
+            </a:solidFill>
+          </a:ln>
+        </p:spPr>
+        <p:style>
+          <a:lnRef idx="1">
+            <a:schemeClr val="accent1"/>
+          </a:lnRef>
+          <a:fillRef idx="0">
+            <a:schemeClr val="accent1"/>
+          </a:fillRef>
+          <a:effectRef idx="0">
+            <a:schemeClr val="accent1"/>
+          </a:effectRef>
+          <a:fontRef idx="minor">
+            <a:schemeClr val="tx1"/>
+          </a:fontRef>
+        </p:style>
+      </p:cxnSp>
+      <p:sp>
+        <p:nvSpPr>
+          <p:cNvPr id="18" name="矢印: 右 17">
+            <a:extLst>
+              <a:ext uri="{FF2B5EF4-FFF2-40B4-BE49-F238E27FC236}">
+                <a16:creationId xmlns:a16="http://schemas.microsoft.com/office/drawing/2014/main" id="{F2622D0C-7F7C-4AF8-806C-421867FC6B73}"/>
+              </a:ext>
+            </a:extLst>
+          </p:cNvPr>
+          <p:cNvSpPr/>
+          <p:nvPr/>
+        </p:nvSpPr>
+        <p:spPr>
+          <a:xfrm rot="16200000">
+            <a:off x="2031119" y="3055622"/>
+            <a:ext cx="898882" cy="746756"/>
+          </a:xfrm>
+          <a:prstGeom prst="rightArrow">
+            <a:avLst/>
+          </a:prstGeom>
+          <a:noFill/>
+          <a:ln>
+            <a:solidFill>
+              <a:srgbClr val="FF0000"/>
+            </a:solidFill>
+          </a:ln>
+        </p:spPr>
+        <p:style>
+          <a:lnRef idx="2">
+            <a:schemeClr val="accent1">
+              <a:shade val="50000"/>
+            </a:schemeClr>
+          </a:lnRef>
+          <a:fillRef idx="1">
+            <a:schemeClr val="accent1"/>
+          </a:fillRef>
+          <a:effectRef idx="0">
+            <a:schemeClr val="accent1"/>
+          </a:effectRef>
+          <a:fontRef idx="minor">
+            <a:schemeClr val="lt1"/>
+          </a:fontRef>
+        </p:style>
+        <p:txBody>
+          <a:bodyPr rtlCol="0" anchor="ctr"/>
+          <a:lstStyle/>
+          <a:p>
+            <a:pPr algn="ctr"/>
+            <a:endParaRPr kumimoji="1" lang="ja-JP" altLang="en-US"/>
+          </a:p>
+        </p:txBody>
+      </p:sp>
+      <p:sp>
+        <p:nvSpPr>
+          <p:cNvPr id="19" name="矢印: 右 18">
+            <a:extLst>
+              <a:ext uri="{FF2B5EF4-FFF2-40B4-BE49-F238E27FC236}">
+                <a16:creationId xmlns:a16="http://schemas.microsoft.com/office/drawing/2014/main" id="{28F3CF80-2015-4EF9-817C-C139E5DC3874}"/>
+              </a:ext>
+            </a:extLst>
+          </p:cNvPr>
+          <p:cNvSpPr/>
+          <p:nvPr/>
+        </p:nvSpPr>
+        <p:spPr>
+          <a:xfrm rot="5400000">
+            <a:off x="4119110" y="4377831"/>
+            <a:ext cx="898882" cy="746756"/>
+          </a:xfrm>
+          <a:prstGeom prst="rightArrow">
+            <a:avLst/>
+          </a:prstGeom>
+          <a:noFill/>
+          <a:ln>
+            <a:solidFill>
+              <a:srgbClr val="0000FF"/>
+            </a:solidFill>
+          </a:ln>
+        </p:spPr>
+        <p:style>
+          <a:lnRef idx="2">
+            <a:schemeClr val="accent1">
+              <a:shade val="50000"/>
+            </a:schemeClr>
+          </a:lnRef>
+          <a:fillRef idx="1">
+            <a:schemeClr val="accent1"/>
+          </a:fillRef>
+          <a:effectRef idx="0">
+            <a:schemeClr val="accent1"/>
+          </a:effectRef>
+          <a:fontRef idx="minor">
+            <a:schemeClr val="lt1"/>
+          </a:fontRef>
+        </p:style>
+        <p:txBody>
+          <a:bodyPr rtlCol="0" anchor="ctr"/>
+          <a:lstStyle/>
+          <a:p>
+            <a:pPr algn="ctr"/>
+            <a:endParaRPr kumimoji="1" lang="ja-JP" altLang="en-US"/>
+          </a:p>
+        </p:txBody>
+      </p:sp>
+      <p:sp>
+        <p:nvSpPr>
+          <p:cNvPr id="2" name="二等辺三角形 1">
+            <a:extLst>
+              <a:ext uri="{FF2B5EF4-FFF2-40B4-BE49-F238E27FC236}">
+                <a16:creationId xmlns:a16="http://schemas.microsoft.com/office/drawing/2014/main" id="{0341448F-42C3-47BA-9F04-761A8A8CFC49}"/>
+              </a:ext>
+            </a:extLst>
+          </p:cNvPr>
+          <p:cNvSpPr/>
+          <p:nvPr/>
+        </p:nvSpPr>
+        <p:spPr>
+          <a:xfrm rot="10800000">
+            <a:off x="8960775" y="2406680"/>
+            <a:ext cx="1079975" cy="931013"/>
+          </a:xfrm>
+          <a:prstGeom prst="triangle">
+            <a:avLst/>
+          </a:prstGeom>
+          <a:gradFill>
+            <a:gsLst>
+              <a:gs pos="0">
+                <a:schemeClr val="accent1">
+                  <a:lumMod val="5000"/>
+                  <a:lumOff val="95000"/>
+                </a:schemeClr>
+              </a:gs>
+              <a:gs pos="74000">
+                <a:schemeClr val="accent1">
+                  <a:lumMod val="45000"/>
+                  <a:lumOff val="55000"/>
+                </a:schemeClr>
+              </a:gs>
+              <a:gs pos="83000">
+                <a:schemeClr val="accent1">
+                  <a:lumMod val="45000"/>
+                  <a:lumOff val="55000"/>
+                </a:schemeClr>
+              </a:gs>
+              <a:gs pos="100000">
+                <a:schemeClr val="accent1">
+                  <a:lumMod val="30000"/>
+                  <a:lumOff val="70000"/>
+                </a:schemeClr>
+              </a:gs>
+            </a:gsLst>
+            <a:lin ang="5400000" scaled="1"/>
+          </a:gradFill>
+          <a:ln>
+            <a:noFill/>
+          </a:ln>
+        </p:spPr>
+        <p:style>
+          <a:lnRef idx="2">
+            <a:schemeClr val="accent1">
+              <a:shade val="50000"/>
+            </a:schemeClr>
+          </a:lnRef>
+          <a:fillRef idx="1">
+            <a:schemeClr val="accent1"/>
+          </a:fillRef>
+          <a:effectRef idx="0">
+            <a:schemeClr val="accent1"/>
+          </a:effectRef>
+          <a:fontRef idx="minor">
+            <a:schemeClr val="lt1"/>
+          </a:fontRef>
+        </p:style>
+        <p:txBody>
+          <a:bodyPr rtlCol="0" anchor="ctr"/>
+          <a:lstStyle/>
+          <a:p>
+            <a:pPr algn="ctr"/>
+            <a:endParaRPr kumimoji="1" lang="ja-JP" altLang="en-US"/>
+          </a:p>
+        </p:txBody>
+      </p:sp>
+      <p:sp>
+        <p:nvSpPr>
+          <p:cNvPr id="3" name="テキスト ボックス 2">
+            <a:extLst>
+              <a:ext uri="{FF2B5EF4-FFF2-40B4-BE49-F238E27FC236}">
+                <a16:creationId xmlns:a16="http://schemas.microsoft.com/office/drawing/2014/main" id="{2FED15AB-CB3A-4119-A91F-7655083F0FFE}"/>
+              </a:ext>
+            </a:extLst>
+          </p:cNvPr>
+          <p:cNvSpPr txBox="1"/>
+          <p:nvPr/>
+        </p:nvSpPr>
+        <p:spPr>
+          <a:xfrm>
+            <a:off x="7411874" y="2456688"/>
+            <a:ext cx="2609850" cy="830997"/>
+          </a:xfrm>
+          <a:prstGeom prst="rect">
+            <a:avLst/>
+          </a:prstGeom>
+          <a:noFill/>
+        </p:spPr>
+        <p:txBody>
+          <a:bodyPr wrap="square" rtlCol="0">
+            <a:spAutoFit/>
+          </a:bodyPr>
+          <a:lstStyle/>
+          <a:p>
+            <a:r>
+              <a:rPr kumimoji="1" lang="ja-JP" altLang="en-US" sz="4800" dirty="0"/>
+              <a:t>昇順</a:t>
+            </a:r>
+          </a:p>
+        </p:txBody>
+      </p:sp>
+    </p:spTree>
+    <p:extLst>
+      <p:ext uri="{BB962C8B-B14F-4D97-AF65-F5344CB8AC3E}">
+        <p14:creationId xmlns:p14="http://schemas.microsoft.com/office/powerpoint/2010/main" val="886536142"/>
+      </p:ext>
+    </p:extLst>
+  </p:cSld>
+  <p:clrMapOvr>
+    <a:masterClrMapping/>
+  </p:clrMapOvr>
+</p:sld>
+</file>
+
+<file path=ppt/slides/slide15.xml><?xml version="1.0" encoding="utf-8"?>
+<p:sld xmlns:a="http://schemas.openxmlformats.org/drawingml/2006/main" xmlns:r="http://schemas.openxmlformats.org/officeDocument/2006/relationships" xmlns:p="http://schemas.openxmlformats.org/presentationml/2006/main">
+  <p:cSld>
+    <p:spTree>
+      <p:nvGrpSpPr>
+        <p:cNvPr id="1" name=""/>
+        <p:cNvGrpSpPr/>
+        <p:nvPr/>
+      </p:nvGrpSpPr>
+      <p:grpSpPr>
+        <a:xfrm>
+          <a:off x="0" y="0"/>
+          <a:ext cx="0" cy="0"/>
+          <a:chOff x="0" y="0"/>
+          <a:chExt cx="0" cy="0"/>
+        </a:xfrm>
+      </p:grpSpPr>
+      <p:sp>
+        <p:nvSpPr>
+          <p:cNvPr id="3" name="四角形: 角を丸くする 2">
+            <a:extLst>
+              <a:ext uri="{FF2B5EF4-FFF2-40B4-BE49-F238E27FC236}">
+                <a16:creationId xmlns:a16="http://schemas.microsoft.com/office/drawing/2014/main" id="{7C6DE083-5686-4EAE-9672-047006312D58}"/>
+              </a:ext>
+            </a:extLst>
+          </p:cNvPr>
+          <p:cNvSpPr/>
+          <p:nvPr/>
+        </p:nvSpPr>
+        <p:spPr>
+          <a:xfrm>
+            <a:off x="3571874" y="914059"/>
+            <a:ext cx="457200" cy="4878000"/>
+          </a:xfrm>
+          <a:prstGeom prst="roundRect">
+            <a:avLst>
+              <a:gd name="adj" fmla="val 50000"/>
+            </a:avLst>
+          </a:prstGeom>
+          <a:noFill/>
+          <a:ln w="50800">
+            <a:gradFill>
+              <a:gsLst>
+                <a:gs pos="0">
+                  <a:schemeClr val="accent1">
+                    <a:lumMod val="5000"/>
+                    <a:lumOff val="95000"/>
+                  </a:schemeClr>
+                </a:gs>
+                <a:gs pos="74000">
+                  <a:schemeClr val="accent1">
+                    <a:lumMod val="45000"/>
+                    <a:lumOff val="55000"/>
+                  </a:schemeClr>
+                </a:gs>
+                <a:gs pos="83000">
+                  <a:schemeClr val="accent1">
+                    <a:lumMod val="45000"/>
+                    <a:lumOff val="55000"/>
+                  </a:schemeClr>
+                </a:gs>
+                <a:gs pos="100000">
+                  <a:schemeClr val="accent1">
+                    <a:lumMod val="30000"/>
+                    <a:lumOff val="70000"/>
+                  </a:schemeClr>
+                </a:gs>
+              </a:gsLst>
+              <a:lin ang="5400000" scaled="1"/>
+            </a:gradFill>
+          </a:ln>
+        </p:spPr>
+        <p:style>
+          <a:lnRef idx="2">
+            <a:schemeClr val="accent1">
+              <a:shade val="50000"/>
+            </a:schemeClr>
+          </a:lnRef>
+          <a:fillRef idx="1">
+            <a:schemeClr val="accent1"/>
+          </a:fillRef>
+          <a:effectRef idx="0">
+            <a:schemeClr val="accent1"/>
+          </a:effectRef>
+          <a:fontRef idx="minor">
+            <a:schemeClr val="lt1"/>
+          </a:fontRef>
+        </p:style>
+        <p:txBody>
+          <a:bodyPr rtlCol="0" anchor="ctr"/>
+          <a:lstStyle/>
+          <a:p>
+            <a:pPr algn="ctr"/>
+            <a:endParaRPr kumimoji="1" lang="ja-JP" altLang="en-US"/>
+          </a:p>
+        </p:txBody>
+      </p:sp>
+      <p:pic>
+        <p:nvPicPr>
+          <p:cNvPr id="5" name="図 4">
+            <a:extLst>
+              <a:ext uri="{FF2B5EF4-FFF2-40B4-BE49-F238E27FC236}">
+                <a16:creationId xmlns:a16="http://schemas.microsoft.com/office/drawing/2014/main" id="{7F7ED5C9-FE0B-4704-9EB7-5F004276B57F}"/>
+              </a:ext>
+            </a:extLst>
+          </p:cNvPr>
+          <p:cNvPicPr>
+            <a:picLocks noChangeAspect="1"/>
+          </p:cNvPicPr>
+          <p:nvPr/>
+        </p:nvPicPr>
+        <p:blipFill>
+          <a:blip r:embed="rId2">
+            <a:extLst>
+              <a:ext uri="{28A0092B-C50C-407E-A947-70E740481C1C}">
+                <a14:useLocalDpi xmlns:a14="http://schemas.microsoft.com/office/drawing/2010/main" val="0"/>
+              </a:ext>
+            </a:extLst>
+          </a:blip>
+          <a:stretch>
+            <a:fillRect/>
+          </a:stretch>
+        </p:blipFill>
+        <p:spPr>
+          <a:xfrm>
+            <a:off x="781050" y="914059"/>
+            <a:ext cx="457264" cy="4877481"/>
+          </a:xfrm>
+          <a:prstGeom prst="rect">
+            <a:avLst/>
+          </a:prstGeom>
+        </p:spPr>
+      </p:pic>
+    </p:spTree>
+    <p:extLst>
+      <p:ext uri="{BB962C8B-B14F-4D97-AF65-F5344CB8AC3E}">
+        <p14:creationId xmlns:p14="http://schemas.microsoft.com/office/powerpoint/2010/main" val="718937972"/>
+      </p:ext>
+    </p:extLst>
+  </p:cSld>
+  <p:clrMapOvr>
+    <a:masterClrMapping/>
+  </p:clrMapOvr>
+</p:sld>
+</file>
+
+<file path=ppt/slides/slide16.xml><?xml version="1.0" encoding="utf-8"?>
+<p:sld xmlns:a="http://schemas.openxmlformats.org/drawingml/2006/main" xmlns:r="http://schemas.openxmlformats.org/officeDocument/2006/relationships" xmlns:p="http://schemas.openxmlformats.org/presentationml/2006/main">
+  <p:cSld>
+    <p:spTree>
+      <p:nvGrpSpPr>
+        <p:cNvPr id="1" name=""/>
+        <p:cNvGrpSpPr/>
+        <p:nvPr/>
+      </p:nvGrpSpPr>
+      <p:grpSpPr>
+        <a:xfrm>
+          <a:off x="0" y="0"/>
+          <a:ext cx="0" cy="0"/>
+          <a:chOff x="0" y="0"/>
+          <a:chExt cx="0" cy="0"/>
+        </a:xfrm>
+      </p:grpSpPr>
+      <p:sp>
+        <p:nvSpPr>
+          <p:cNvPr id="2" name="タイトル 1">
+            <a:extLst>
+              <a:ext uri="{FF2B5EF4-FFF2-40B4-BE49-F238E27FC236}">
+                <a16:creationId xmlns:a16="http://schemas.microsoft.com/office/drawing/2014/main" id="{26D2604B-6FB4-4D9E-BF01-283710E06A1B}"/>
+              </a:ext>
+            </a:extLst>
+          </p:cNvPr>
+          <p:cNvSpPr>
+            <a:spLocks noGrp="1"/>
+          </p:cNvSpPr>
+          <p:nvPr>
+            <p:ph type="title"/>
+          </p:nvPr>
+        </p:nvSpPr>
+        <p:spPr/>
+        <p:txBody>
+          <a:bodyPr/>
+          <a:lstStyle/>
+          <a:p>
+            <a:r>
+              <a:rPr lang="ja-JP" altLang="en-US" dirty="0">
+                <a:latin typeface="游明朝 Demibold" panose="02020600000000000000" pitchFamily="18" charset="-128"/>
+                <a:ea typeface="游明朝 Demibold" panose="02020600000000000000" pitchFamily="18" charset="-128"/>
+              </a:rPr>
+              <a:t>シャイニングスター</a:t>
+            </a:r>
+            <a:endParaRPr kumimoji="1" lang="ja-JP" altLang="en-US" dirty="0">
+              <a:latin typeface="游明朝 Demibold" panose="02020600000000000000" pitchFamily="18" charset="-128"/>
+              <a:ea typeface="游明朝 Demibold" panose="02020600000000000000" pitchFamily="18" charset="-128"/>
+            </a:endParaRPr>
+          </a:p>
+        </p:txBody>
+      </p:sp>
+      <p:sp>
+        <p:nvSpPr>
+          <p:cNvPr id="3" name="コンテンツ プレースホルダー 2">
+            <a:extLst>
+              <a:ext uri="{FF2B5EF4-FFF2-40B4-BE49-F238E27FC236}">
+                <a16:creationId xmlns:a16="http://schemas.microsoft.com/office/drawing/2014/main" id="{B9281618-C05D-4AC8-883E-AA0E89C34C99}"/>
+              </a:ext>
+            </a:extLst>
+          </p:cNvPr>
+          <p:cNvSpPr>
+            <a:spLocks noGrp="1"/>
+          </p:cNvSpPr>
+          <p:nvPr>
+            <p:ph idx="1"/>
+          </p:nvPr>
+        </p:nvSpPr>
+        <p:spPr/>
+        <p:txBody>
+          <a:bodyPr/>
+          <a:lstStyle/>
+          <a:p>
+            <a:endParaRPr kumimoji="1" lang="ja-JP" altLang="en-US"/>
+          </a:p>
+        </p:txBody>
+      </p:sp>
+    </p:spTree>
+    <p:extLst>
+      <p:ext uri="{BB962C8B-B14F-4D97-AF65-F5344CB8AC3E}">
+        <p14:creationId xmlns:p14="http://schemas.microsoft.com/office/powerpoint/2010/main" val="651213926"/>
+      </p:ext>
+    </p:extLst>
+  </p:cSld>
+  <p:clrMapOvr>
+    <a:masterClrMapping/>
+  </p:clrMapOvr>
+</p:sld>
+</file>
+
 <file path=ppt/slides/slide2.xml><?xml version="1.0" encoding="utf-8"?>
 <p:sld xmlns:a="http://schemas.openxmlformats.org/drawingml/2006/main" xmlns:r="http://schemas.openxmlformats.org/officeDocument/2006/relationships" xmlns:p="http://schemas.openxmlformats.org/presentationml/2006/main">
   <p:cSld>
@@ -3655,7 +8137,7 @@
         </p:nvGrpSpPr>
         <p:grpSpPr>
           <a:xfrm>
-            <a:off x="446130" y="1818659"/>
+            <a:off x="721246" y="3186605"/>
             <a:ext cx="9355530" cy="1363664"/>
             <a:chOff x="1795536" y="620174"/>
             <a:chExt cx="9355530" cy="1363664"/>
@@ -3828,10 +8310,2797 @@
           </p:txBody>
         </p:sp>
       </p:grpSp>
+      <p:sp>
+        <p:nvSpPr>
+          <p:cNvPr id="8" name="平行四辺形 7">
+            <a:extLst>
+              <a:ext uri="{FF2B5EF4-FFF2-40B4-BE49-F238E27FC236}">
+                <a16:creationId xmlns:a16="http://schemas.microsoft.com/office/drawing/2014/main" id="{2C76C16F-CA87-458E-AA42-E78F45B08CFE}"/>
+              </a:ext>
+            </a:extLst>
+          </p:cNvPr>
+          <p:cNvSpPr>
+            <a:spLocks noChangeAspect="1"/>
+          </p:cNvSpPr>
+          <p:nvPr/>
+        </p:nvSpPr>
+        <p:spPr>
+          <a:xfrm>
+            <a:off x="1245121" y="301168"/>
+            <a:ext cx="1293036" cy="1363664"/>
+          </a:xfrm>
+          <a:prstGeom prst="parallelogram">
+            <a:avLst>
+              <a:gd name="adj" fmla="val 25000"/>
+            </a:avLst>
+          </a:prstGeom>
+          <a:noFill/>
+          <a:ln w="38100">
+            <a:gradFill flip="none" rotWithShape="1">
+              <a:gsLst>
+                <a:gs pos="0">
+                  <a:schemeClr val="accent1">
+                    <a:lumMod val="6000"/>
+                    <a:lumOff val="94000"/>
+                  </a:schemeClr>
+                </a:gs>
+                <a:gs pos="58000">
+                  <a:schemeClr val="accent1">
+                    <a:lumMod val="45000"/>
+                    <a:lumOff val="55000"/>
+                  </a:schemeClr>
+                </a:gs>
+                <a:gs pos="75000">
+                  <a:schemeClr val="accent1">
+                    <a:lumMod val="45000"/>
+                    <a:lumOff val="55000"/>
+                  </a:schemeClr>
+                </a:gs>
+                <a:gs pos="90000">
+                  <a:schemeClr val="accent1">
+                    <a:lumMod val="30000"/>
+                    <a:lumOff val="70000"/>
+                  </a:schemeClr>
+                </a:gs>
+              </a:gsLst>
+              <a:lin ang="8100000" scaled="1"/>
+              <a:tileRect/>
+            </a:gradFill>
+          </a:ln>
+        </p:spPr>
+        <p:style>
+          <a:lnRef idx="2">
+            <a:schemeClr val="accent1">
+              <a:shade val="50000"/>
+            </a:schemeClr>
+          </a:lnRef>
+          <a:fillRef idx="1">
+            <a:schemeClr val="accent1"/>
+          </a:fillRef>
+          <a:effectRef idx="0">
+            <a:schemeClr val="accent1"/>
+          </a:effectRef>
+          <a:fontRef idx="minor">
+            <a:schemeClr val="lt1"/>
+          </a:fontRef>
+        </p:style>
+        <p:txBody>
+          <a:bodyPr rtlCol="0" anchor="ctr"/>
+          <a:lstStyle/>
+          <a:p>
+            <a:pPr algn="ctr"/>
+            <a:endParaRPr kumimoji="1" lang="ja-JP" altLang="en-US"/>
+          </a:p>
+        </p:txBody>
+      </p:sp>
+      <p:sp>
+        <p:nvSpPr>
+          <p:cNvPr id="10" name="平行四辺形 9">
+            <a:extLst>
+              <a:ext uri="{FF2B5EF4-FFF2-40B4-BE49-F238E27FC236}">
+                <a16:creationId xmlns:a16="http://schemas.microsoft.com/office/drawing/2014/main" id="{791D1889-2D9E-4D1F-9549-F56230F1A2E0}"/>
+              </a:ext>
+            </a:extLst>
+          </p:cNvPr>
+          <p:cNvSpPr>
+            <a:spLocks noChangeAspect="1"/>
+          </p:cNvSpPr>
+          <p:nvPr/>
+        </p:nvSpPr>
+        <p:spPr>
+          <a:xfrm>
+            <a:off x="2314964" y="301168"/>
+            <a:ext cx="1293036" cy="1363664"/>
+          </a:xfrm>
+          <a:prstGeom prst="parallelogram">
+            <a:avLst>
+              <a:gd name="adj" fmla="val 25000"/>
+            </a:avLst>
+          </a:prstGeom>
+          <a:noFill/>
+          <a:ln w="38100">
+            <a:gradFill>
+              <a:gsLst>
+                <a:gs pos="0">
+                  <a:schemeClr val="accent1">
+                    <a:lumMod val="5000"/>
+                    <a:lumOff val="95000"/>
+                  </a:schemeClr>
+                </a:gs>
+                <a:gs pos="58000">
+                  <a:srgbClr val="ABC0E4"/>
+                </a:gs>
+                <a:gs pos="75000">
+                  <a:schemeClr val="accent1">
+                    <a:lumMod val="45000"/>
+                    <a:lumOff val="55000"/>
+                  </a:schemeClr>
+                </a:gs>
+                <a:gs pos="90000">
+                  <a:schemeClr val="accent1">
+                    <a:lumMod val="30000"/>
+                    <a:lumOff val="70000"/>
+                  </a:schemeClr>
+                </a:gs>
+              </a:gsLst>
+              <a:lin ang="5400000" scaled="1"/>
+            </a:gradFill>
+          </a:ln>
+        </p:spPr>
+        <p:style>
+          <a:lnRef idx="2">
+            <a:schemeClr val="accent1">
+              <a:shade val="50000"/>
+            </a:schemeClr>
+          </a:lnRef>
+          <a:fillRef idx="1">
+            <a:schemeClr val="accent1"/>
+          </a:fillRef>
+          <a:effectRef idx="0">
+            <a:schemeClr val="accent1"/>
+          </a:effectRef>
+          <a:fontRef idx="minor">
+            <a:schemeClr val="lt1"/>
+          </a:fontRef>
+        </p:style>
+        <p:txBody>
+          <a:bodyPr rtlCol="0" anchor="ctr"/>
+          <a:lstStyle/>
+          <a:p>
+            <a:pPr algn="ctr"/>
+            <a:endParaRPr kumimoji="1" lang="ja-JP" altLang="en-US"/>
+          </a:p>
+        </p:txBody>
+      </p:sp>
+      <p:sp>
+        <p:nvSpPr>
+          <p:cNvPr id="9" name="四角形: 角を丸くする 8">
+            <a:extLst>
+              <a:ext uri="{FF2B5EF4-FFF2-40B4-BE49-F238E27FC236}">
+                <a16:creationId xmlns:a16="http://schemas.microsoft.com/office/drawing/2014/main" id="{1F4118CF-3398-44D7-9F50-9BE9E147BA70}"/>
+              </a:ext>
+            </a:extLst>
+          </p:cNvPr>
+          <p:cNvSpPr/>
+          <p:nvPr/>
+        </p:nvSpPr>
+        <p:spPr>
+          <a:xfrm>
+            <a:off x="2610797" y="301169"/>
+            <a:ext cx="7989854" cy="1363664"/>
+          </a:xfrm>
+          <a:prstGeom prst="roundRect">
+            <a:avLst>
+              <a:gd name="adj" fmla="val 34423"/>
+            </a:avLst>
+          </a:prstGeom>
+          <a:noFill/>
+          <a:ln w="38100">
+            <a:gradFill>
+              <a:gsLst>
+                <a:gs pos="0">
+                  <a:schemeClr val="accent1">
+                    <a:lumMod val="5000"/>
+                    <a:lumOff val="95000"/>
+                  </a:schemeClr>
+                </a:gs>
+                <a:gs pos="58000">
+                  <a:schemeClr val="accent1">
+                    <a:lumMod val="45000"/>
+                    <a:lumOff val="55000"/>
+                  </a:schemeClr>
+                </a:gs>
+                <a:gs pos="75000">
+                  <a:schemeClr val="accent1">
+                    <a:lumMod val="45000"/>
+                    <a:lumOff val="55000"/>
+                  </a:schemeClr>
+                </a:gs>
+                <a:gs pos="90000">
+                  <a:schemeClr val="accent1">
+                    <a:lumMod val="30000"/>
+                    <a:lumOff val="70000"/>
+                  </a:schemeClr>
+                </a:gs>
+              </a:gsLst>
+              <a:lin ang="5400000" scaled="1"/>
+            </a:gradFill>
+          </a:ln>
+        </p:spPr>
+        <p:style>
+          <a:lnRef idx="2">
+            <a:schemeClr val="accent1">
+              <a:shade val="50000"/>
+            </a:schemeClr>
+          </a:lnRef>
+          <a:fillRef idx="1">
+            <a:schemeClr val="accent1"/>
+          </a:fillRef>
+          <a:effectRef idx="0">
+            <a:schemeClr val="accent1"/>
+          </a:effectRef>
+          <a:fontRef idx="minor">
+            <a:schemeClr val="lt1"/>
+          </a:fontRef>
+        </p:style>
+        <p:txBody>
+          <a:bodyPr rtlCol="0" anchor="ctr"/>
+          <a:lstStyle/>
+          <a:p>
+            <a:pPr algn="ctr"/>
+            <a:endParaRPr kumimoji="1" lang="ja-JP" altLang="en-US"/>
+          </a:p>
+        </p:txBody>
+      </p:sp>
+      <p:grpSp>
+        <p:nvGrpSpPr>
+          <p:cNvPr id="3" name="グループ化 2">
+            <a:extLst>
+              <a:ext uri="{FF2B5EF4-FFF2-40B4-BE49-F238E27FC236}">
+                <a16:creationId xmlns:a16="http://schemas.microsoft.com/office/drawing/2014/main" id="{FF343418-73B5-46F7-8CFA-B183C1DE0060}"/>
+              </a:ext>
+            </a:extLst>
+          </p:cNvPr>
+          <p:cNvGrpSpPr/>
+          <p:nvPr/>
+        </p:nvGrpSpPr>
+        <p:grpSpPr>
+          <a:xfrm>
+            <a:off x="2549114" y="325932"/>
+            <a:ext cx="1199676" cy="1317447"/>
+            <a:chOff x="2549114" y="325932"/>
+            <a:chExt cx="1199676" cy="1317447"/>
+          </a:xfrm>
+        </p:grpSpPr>
+        <p:sp>
+          <p:nvSpPr>
+            <p:cNvPr id="2" name="正方形/長方形 1">
+              <a:extLst>
+                <a:ext uri="{FF2B5EF4-FFF2-40B4-BE49-F238E27FC236}">
+                  <a16:creationId xmlns:a16="http://schemas.microsoft.com/office/drawing/2014/main" id="{5F143AAC-5E4A-41FC-9A7C-964354748C31}"/>
+                </a:ext>
+              </a:extLst>
+            </p:cNvPr>
+            <p:cNvSpPr/>
+            <p:nvPr/>
+          </p:nvSpPr>
+          <p:spPr>
+            <a:xfrm>
+              <a:off x="2653415" y="325932"/>
+              <a:ext cx="1095375" cy="1317447"/>
+            </a:xfrm>
+            <a:prstGeom prst="rect">
+              <a:avLst/>
+            </a:prstGeom>
+            <a:solidFill>
+              <a:schemeClr val="tx1"/>
+            </a:solidFill>
+            <a:ln>
+              <a:noFill/>
+            </a:ln>
+          </p:spPr>
+          <p:style>
+            <a:lnRef idx="2">
+              <a:schemeClr val="accent1">
+                <a:shade val="50000"/>
+              </a:schemeClr>
+            </a:lnRef>
+            <a:fillRef idx="1">
+              <a:schemeClr val="accent1"/>
+            </a:fillRef>
+            <a:effectRef idx="0">
+              <a:schemeClr val="accent1"/>
+            </a:effectRef>
+            <a:fontRef idx="minor">
+              <a:schemeClr val="lt1"/>
+            </a:fontRef>
+          </p:style>
+          <p:txBody>
+            <a:bodyPr rtlCol="0" anchor="ctr"/>
+            <a:lstStyle/>
+            <a:p>
+              <a:pPr algn="ctr"/>
+              <a:endParaRPr kumimoji="1" lang="ja-JP" altLang="en-US"/>
+            </a:p>
+          </p:txBody>
+        </p:sp>
+        <p:sp>
+          <p:nvSpPr>
+            <p:cNvPr id="14" name="正方形/長方形 13">
+              <a:extLst>
+                <a:ext uri="{FF2B5EF4-FFF2-40B4-BE49-F238E27FC236}">
+                  <a16:creationId xmlns:a16="http://schemas.microsoft.com/office/drawing/2014/main" id="{0D8C232B-E236-48B0-BFC2-82E03281906C}"/>
+                </a:ext>
+              </a:extLst>
+            </p:cNvPr>
+            <p:cNvSpPr/>
+            <p:nvPr/>
+          </p:nvSpPr>
+          <p:spPr>
+            <a:xfrm>
+              <a:off x="2549114" y="784860"/>
+              <a:ext cx="165985" cy="858519"/>
+            </a:xfrm>
+            <a:prstGeom prst="rect">
+              <a:avLst/>
+            </a:prstGeom>
+            <a:solidFill>
+              <a:schemeClr val="tx1"/>
+            </a:solidFill>
+            <a:ln>
+              <a:noFill/>
+            </a:ln>
+          </p:spPr>
+          <p:style>
+            <a:lnRef idx="2">
+              <a:schemeClr val="accent1">
+                <a:shade val="50000"/>
+              </a:schemeClr>
+            </a:lnRef>
+            <a:fillRef idx="1">
+              <a:schemeClr val="accent1"/>
+            </a:fillRef>
+            <a:effectRef idx="0">
+              <a:schemeClr val="accent1"/>
+            </a:effectRef>
+            <a:fontRef idx="minor">
+              <a:schemeClr val="lt1"/>
+            </a:fontRef>
+          </p:style>
+          <p:txBody>
+            <a:bodyPr rtlCol="0" anchor="ctr"/>
+            <a:lstStyle/>
+            <a:p>
+              <a:pPr algn="ctr"/>
+              <a:endParaRPr kumimoji="1" lang="ja-JP" altLang="en-US"/>
+            </a:p>
+          </p:txBody>
+        </p:sp>
+        <p:sp>
+          <p:nvSpPr>
+            <p:cNvPr id="15" name="正方形/長方形 14">
+              <a:extLst>
+                <a:ext uri="{FF2B5EF4-FFF2-40B4-BE49-F238E27FC236}">
+                  <a16:creationId xmlns:a16="http://schemas.microsoft.com/office/drawing/2014/main" id="{90255159-2813-43F8-8D27-34330C7E5731}"/>
+                </a:ext>
+              </a:extLst>
+            </p:cNvPr>
+            <p:cNvSpPr/>
+            <p:nvPr/>
+          </p:nvSpPr>
+          <p:spPr>
+            <a:xfrm>
+              <a:off x="2570422" y="675661"/>
+              <a:ext cx="165985" cy="307339"/>
+            </a:xfrm>
+            <a:prstGeom prst="rect">
+              <a:avLst/>
+            </a:prstGeom>
+            <a:solidFill>
+              <a:schemeClr val="tx1"/>
+            </a:solidFill>
+            <a:ln>
+              <a:noFill/>
+            </a:ln>
+          </p:spPr>
+          <p:style>
+            <a:lnRef idx="2">
+              <a:schemeClr val="accent1">
+                <a:shade val="50000"/>
+              </a:schemeClr>
+            </a:lnRef>
+            <a:fillRef idx="1">
+              <a:schemeClr val="accent1"/>
+            </a:fillRef>
+            <a:effectRef idx="0">
+              <a:schemeClr val="accent1"/>
+            </a:effectRef>
+            <a:fontRef idx="minor">
+              <a:schemeClr val="lt1"/>
+            </a:fontRef>
+          </p:style>
+          <p:txBody>
+            <a:bodyPr rtlCol="0" anchor="ctr"/>
+            <a:lstStyle/>
+            <a:p>
+              <a:pPr algn="ctr"/>
+              <a:endParaRPr kumimoji="1" lang="ja-JP" altLang="en-US"/>
+            </a:p>
+          </p:txBody>
+        </p:sp>
+        <p:sp>
+          <p:nvSpPr>
+            <p:cNvPr id="16" name="正方形/長方形 15">
+              <a:extLst>
+                <a:ext uri="{FF2B5EF4-FFF2-40B4-BE49-F238E27FC236}">
+                  <a16:creationId xmlns:a16="http://schemas.microsoft.com/office/drawing/2014/main" id="{50F9CBF5-7334-4500-8AFB-1B6C93E890A1}"/>
+                </a:ext>
+              </a:extLst>
+            </p:cNvPr>
+            <p:cNvSpPr/>
+            <p:nvPr/>
+          </p:nvSpPr>
+          <p:spPr>
+            <a:xfrm>
+              <a:off x="2583419" y="629667"/>
+              <a:ext cx="165985" cy="307339"/>
+            </a:xfrm>
+            <a:prstGeom prst="rect">
+              <a:avLst/>
+            </a:prstGeom>
+            <a:solidFill>
+              <a:schemeClr val="tx1"/>
+            </a:solidFill>
+            <a:ln>
+              <a:noFill/>
+            </a:ln>
+          </p:spPr>
+          <p:style>
+            <a:lnRef idx="2">
+              <a:schemeClr val="accent1">
+                <a:shade val="50000"/>
+              </a:schemeClr>
+            </a:lnRef>
+            <a:fillRef idx="1">
+              <a:schemeClr val="accent1"/>
+            </a:fillRef>
+            <a:effectRef idx="0">
+              <a:schemeClr val="accent1"/>
+            </a:effectRef>
+            <a:fontRef idx="minor">
+              <a:schemeClr val="lt1"/>
+            </a:fontRef>
+          </p:style>
+          <p:txBody>
+            <a:bodyPr rtlCol="0" anchor="ctr"/>
+            <a:lstStyle/>
+            <a:p>
+              <a:pPr algn="ctr"/>
+              <a:endParaRPr kumimoji="1" lang="ja-JP" altLang="en-US"/>
+            </a:p>
+          </p:txBody>
+        </p:sp>
+        <p:sp>
+          <p:nvSpPr>
+            <p:cNvPr id="17" name="正方形/長方形 16">
+              <a:extLst>
+                <a:ext uri="{FF2B5EF4-FFF2-40B4-BE49-F238E27FC236}">
+                  <a16:creationId xmlns:a16="http://schemas.microsoft.com/office/drawing/2014/main" id="{694E59E5-E4B4-42FB-B107-328F9CDCF524}"/>
+                </a:ext>
+              </a:extLst>
+            </p:cNvPr>
+            <p:cNvSpPr/>
+            <p:nvPr/>
+          </p:nvSpPr>
+          <p:spPr>
+            <a:xfrm>
+              <a:off x="2610797" y="532718"/>
+              <a:ext cx="165985" cy="307339"/>
+            </a:xfrm>
+            <a:prstGeom prst="rect">
+              <a:avLst/>
+            </a:prstGeom>
+            <a:solidFill>
+              <a:schemeClr val="tx1"/>
+            </a:solidFill>
+            <a:ln>
+              <a:noFill/>
+            </a:ln>
+          </p:spPr>
+          <p:style>
+            <a:lnRef idx="2">
+              <a:schemeClr val="accent1">
+                <a:shade val="50000"/>
+              </a:schemeClr>
+            </a:lnRef>
+            <a:fillRef idx="1">
+              <a:schemeClr val="accent1"/>
+            </a:fillRef>
+            <a:effectRef idx="0">
+              <a:schemeClr val="accent1"/>
+            </a:effectRef>
+            <a:fontRef idx="minor">
+              <a:schemeClr val="lt1"/>
+            </a:fontRef>
+          </p:style>
+          <p:txBody>
+            <a:bodyPr rtlCol="0" anchor="ctr"/>
+            <a:lstStyle/>
+            <a:p>
+              <a:pPr algn="ctr"/>
+              <a:endParaRPr kumimoji="1" lang="ja-JP" altLang="en-US"/>
+            </a:p>
+          </p:txBody>
+        </p:sp>
+      </p:grpSp>
+      <p:grpSp>
+        <p:nvGrpSpPr>
+          <p:cNvPr id="18" name="グループ化 17">
+            <a:extLst>
+              <a:ext uri="{FF2B5EF4-FFF2-40B4-BE49-F238E27FC236}">
+                <a16:creationId xmlns:a16="http://schemas.microsoft.com/office/drawing/2014/main" id="{1B5A2FEE-D619-43BD-816C-D3A5B62007D5}"/>
+              </a:ext>
+            </a:extLst>
+          </p:cNvPr>
+          <p:cNvGrpSpPr/>
+          <p:nvPr/>
+        </p:nvGrpSpPr>
+        <p:grpSpPr>
+          <a:xfrm>
+            <a:off x="1245121" y="5190119"/>
+            <a:ext cx="9355530" cy="1363664"/>
+            <a:chOff x="1795536" y="620174"/>
+            <a:chExt cx="9355530" cy="1363664"/>
+          </a:xfrm>
+        </p:grpSpPr>
+        <p:sp>
+          <p:nvSpPr>
+            <p:cNvPr id="19" name="平行四辺形 18">
+              <a:extLst>
+                <a:ext uri="{FF2B5EF4-FFF2-40B4-BE49-F238E27FC236}">
+                  <a16:creationId xmlns:a16="http://schemas.microsoft.com/office/drawing/2014/main" id="{6B8AF5AE-9F9D-4254-83D2-1C75F547A047}"/>
+                </a:ext>
+              </a:extLst>
+            </p:cNvPr>
+            <p:cNvSpPr>
+              <a:spLocks noChangeAspect="1"/>
+            </p:cNvSpPr>
+            <p:nvPr/>
+          </p:nvSpPr>
+          <p:spPr>
+            <a:xfrm>
+              <a:off x="1795536" y="620174"/>
+              <a:ext cx="1293036" cy="1363664"/>
+            </a:xfrm>
+            <a:prstGeom prst="parallelogram">
+              <a:avLst>
+                <a:gd name="adj" fmla="val 25000"/>
+              </a:avLst>
+            </a:prstGeom>
+            <a:solidFill>
+              <a:schemeClr val="tx1"/>
+            </a:solidFill>
+            <a:ln>
+              <a:noFill/>
+            </a:ln>
+          </p:spPr>
+          <p:style>
+            <a:lnRef idx="2">
+              <a:schemeClr val="accent1">
+                <a:shade val="50000"/>
+              </a:schemeClr>
+            </a:lnRef>
+            <a:fillRef idx="1">
+              <a:schemeClr val="accent1"/>
+            </a:fillRef>
+            <a:effectRef idx="0">
+              <a:schemeClr val="accent1"/>
+            </a:effectRef>
+            <a:fontRef idx="minor">
+              <a:schemeClr val="lt1"/>
+            </a:fontRef>
+          </p:style>
+          <p:txBody>
+            <a:bodyPr rtlCol="0" anchor="ctr"/>
+            <a:lstStyle/>
+            <a:p>
+              <a:pPr algn="ctr"/>
+              <a:endParaRPr kumimoji="1" lang="ja-JP" altLang="en-US" dirty="0"/>
+            </a:p>
+          </p:txBody>
+        </p:sp>
+        <p:sp>
+          <p:nvSpPr>
+            <p:cNvPr id="20" name="四角形: 角を丸くする 19">
+              <a:extLst>
+                <a:ext uri="{FF2B5EF4-FFF2-40B4-BE49-F238E27FC236}">
+                  <a16:creationId xmlns:a16="http://schemas.microsoft.com/office/drawing/2014/main" id="{0999D802-73A7-4EF6-82D4-9EB578C09E20}"/>
+                </a:ext>
+              </a:extLst>
+            </p:cNvPr>
+            <p:cNvSpPr/>
+            <p:nvPr/>
+          </p:nvSpPr>
+          <p:spPr>
+            <a:xfrm>
+              <a:off x="3161212" y="623223"/>
+              <a:ext cx="7989854" cy="1360615"/>
+            </a:xfrm>
+            <a:prstGeom prst="roundRect">
+              <a:avLst>
+                <a:gd name="adj" fmla="val 34423"/>
+              </a:avLst>
+            </a:prstGeom>
+            <a:solidFill>
+              <a:schemeClr val="tx1"/>
+            </a:solidFill>
+            <a:ln>
+              <a:noFill/>
+            </a:ln>
+          </p:spPr>
+          <p:style>
+            <a:lnRef idx="2">
+              <a:schemeClr val="accent1">
+                <a:shade val="50000"/>
+              </a:schemeClr>
+            </a:lnRef>
+            <a:fillRef idx="1">
+              <a:schemeClr val="accent1"/>
+            </a:fillRef>
+            <a:effectRef idx="0">
+              <a:schemeClr val="accent1"/>
+            </a:effectRef>
+            <a:fontRef idx="minor">
+              <a:schemeClr val="lt1"/>
+            </a:fontRef>
+          </p:style>
+          <p:txBody>
+            <a:bodyPr rtlCol="0" anchor="ctr"/>
+            <a:lstStyle/>
+            <a:p>
+              <a:pPr algn="ctr"/>
+              <a:endParaRPr kumimoji="1" lang="ja-JP" altLang="en-US" dirty="0"/>
+            </a:p>
+          </p:txBody>
+        </p:sp>
+        <p:sp>
+          <p:nvSpPr>
+            <p:cNvPr id="21" name="平行四辺形 20">
+              <a:extLst>
+                <a:ext uri="{FF2B5EF4-FFF2-40B4-BE49-F238E27FC236}">
+                  <a16:creationId xmlns:a16="http://schemas.microsoft.com/office/drawing/2014/main" id="{B5F3A7B2-4957-43C2-8240-18862F1236A8}"/>
+                </a:ext>
+              </a:extLst>
+            </p:cNvPr>
+            <p:cNvSpPr>
+              <a:spLocks noChangeAspect="1"/>
+            </p:cNvSpPr>
+            <p:nvPr/>
+          </p:nvSpPr>
+          <p:spPr>
+            <a:xfrm>
+              <a:off x="2865379" y="620174"/>
+              <a:ext cx="1293036" cy="1363664"/>
+            </a:xfrm>
+            <a:prstGeom prst="parallelogram">
+              <a:avLst>
+                <a:gd name="adj" fmla="val 25000"/>
+              </a:avLst>
+            </a:prstGeom>
+            <a:solidFill>
+              <a:schemeClr val="tx1"/>
+            </a:solidFill>
+            <a:ln>
+              <a:noFill/>
+            </a:ln>
+          </p:spPr>
+          <p:style>
+            <a:lnRef idx="2">
+              <a:schemeClr val="accent1">
+                <a:shade val="50000"/>
+              </a:schemeClr>
+            </a:lnRef>
+            <a:fillRef idx="1">
+              <a:schemeClr val="accent1"/>
+            </a:fillRef>
+            <a:effectRef idx="0">
+              <a:schemeClr val="accent1"/>
+            </a:effectRef>
+            <a:fontRef idx="minor">
+              <a:schemeClr val="lt1"/>
+            </a:fontRef>
+          </p:style>
+          <p:txBody>
+            <a:bodyPr rtlCol="0" anchor="ctr"/>
+            <a:lstStyle/>
+            <a:p>
+              <a:pPr algn="ctr"/>
+              <a:endParaRPr kumimoji="1" lang="ja-JP" altLang="en-US"/>
+            </a:p>
+          </p:txBody>
+        </p:sp>
+      </p:grpSp>
     </p:spTree>
     <p:extLst>
       <p:ext uri="{BB962C8B-B14F-4D97-AF65-F5344CB8AC3E}">
         <p14:creationId xmlns:p14="http://schemas.microsoft.com/office/powerpoint/2010/main" val="3761869933"/>
+      </p:ext>
+    </p:extLst>
+  </p:cSld>
+  <p:clrMapOvr>
+    <a:masterClrMapping/>
+  </p:clrMapOvr>
+</p:sld>
+</file>
+
+<file path=ppt/slides/slide4.xml><?xml version="1.0" encoding="utf-8"?>
+<p:sld xmlns:a="http://schemas.openxmlformats.org/drawingml/2006/main" xmlns:r="http://schemas.openxmlformats.org/officeDocument/2006/relationships" xmlns:p="http://schemas.openxmlformats.org/presentationml/2006/main">
+  <p:cSld>
+    <p:bg>
+      <p:bgPr>
+        <a:solidFill>
+          <a:schemeClr val="tx1"/>
+        </a:solidFill>
+        <a:effectLst/>
+      </p:bgPr>
+    </p:bg>
+    <p:spTree>
+      <p:nvGrpSpPr>
+        <p:cNvPr id="1" name=""/>
+        <p:cNvGrpSpPr/>
+        <p:nvPr/>
+      </p:nvGrpSpPr>
+      <p:grpSpPr>
+        <a:xfrm>
+          <a:off x="0" y="0"/>
+          <a:ext cx="0" cy="0"/>
+          <a:chOff x="0" y="0"/>
+          <a:chExt cx="0" cy="0"/>
+        </a:xfrm>
+      </p:grpSpPr>
+      <p:grpSp>
+        <p:nvGrpSpPr>
+          <p:cNvPr id="6" name="グループ化 5">
+            <a:extLst>
+              <a:ext uri="{FF2B5EF4-FFF2-40B4-BE49-F238E27FC236}">
+                <a16:creationId xmlns:a16="http://schemas.microsoft.com/office/drawing/2014/main" id="{510EC422-48DE-48D2-AA42-1B3BD54A4435}"/>
+              </a:ext>
+            </a:extLst>
+          </p:cNvPr>
+          <p:cNvGrpSpPr/>
+          <p:nvPr/>
+        </p:nvGrpSpPr>
+        <p:grpSpPr>
+          <a:xfrm>
+            <a:off x="721246" y="3186605"/>
+            <a:ext cx="9355530" cy="1363664"/>
+            <a:chOff x="1795536" y="620174"/>
+            <a:chExt cx="9355530" cy="1363664"/>
+          </a:xfrm>
+        </p:grpSpPr>
+        <p:sp>
+          <p:nvSpPr>
+            <p:cNvPr id="11" name="平行四辺形 10">
+              <a:extLst>
+                <a:ext uri="{FF2B5EF4-FFF2-40B4-BE49-F238E27FC236}">
+                  <a16:creationId xmlns:a16="http://schemas.microsoft.com/office/drawing/2014/main" id="{210EBABA-7DC7-4F7C-85D6-C429B5A6B45D}"/>
+                </a:ext>
+              </a:extLst>
+            </p:cNvPr>
+            <p:cNvSpPr>
+              <a:spLocks noChangeAspect="1"/>
+            </p:cNvSpPr>
+            <p:nvPr/>
+          </p:nvSpPr>
+          <p:spPr>
+            <a:xfrm>
+              <a:off x="1795536" y="620174"/>
+              <a:ext cx="1293036" cy="1363664"/>
+            </a:xfrm>
+            <a:prstGeom prst="parallelogram">
+              <a:avLst>
+                <a:gd name="adj" fmla="val 25000"/>
+              </a:avLst>
+            </a:prstGeom>
+            <a:solidFill>
+              <a:schemeClr val="tx1"/>
+            </a:solidFill>
+            <a:ln>
+              <a:noFill/>
+            </a:ln>
+          </p:spPr>
+          <p:style>
+            <a:lnRef idx="2">
+              <a:schemeClr val="accent1">
+                <a:shade val="50000"/>
+              </a:schemeClr>
+            </a:lnRef>
+            <a:fillRef idx="1">
+              <a:schemeClr val="accent1"/>
+            </a:fillRef>
+            <a:effectRef idx="0">
+              <a:schemeClr val="accent1"/>
+            </a:effectRef>
+            <a:fontRef idx="minor">
+              <a:schemeClr val="lt1"/>
+            </a:fontRef>
+          </p:style>
+          <p:txBody>
+            <a:bodyPr rtlCol="0" anchor="ctr"/>
+            <a:lstStyle/>
+            <a:p>
+              <a:pPr algn="ctr"/>
+              <a:endParaRPr kumimoji="1" lang="ja-JP" altLang="en-US"/>
+            </a:p>
+          </p:txBody>
+        </p:sp>
+        <p:sp>
+          <p:nvSpPr>
+            <p:cNvPr id="12" name="四角形: 角を丸くする 11">
+              <a:extLst>
+                <a:ext uri="{FF2B5EF4-FFF2-40B4-BE49-F238E27FC236}">
+                  <a16:creationId xmlns:a16="http://schemas.microsoft.com/office/drawing/2014/main" id="{B092B69E-008A-46C1-A4FC-ADBB06F46B64}"/>
+                </a:ext>
+              </a:extLst>
+            </p:cNvPr>
+            <p:cNvSpPr/>
+            <p:nvPr/>
+          </p:nvSpPr>
+          <p:spPr>
+            <a:xfrm>
+              <a:off x="3161212" y="623223"/>
+              <a:ext cx="7989854" cy="1360615"/>
+            </a:xfrm>
+            <a:prstGeom prst="roundRect">
+              <a:avLst>
+                <a:gd name="adj" fmla="val 34423"/>
+              </a:avLst>
+            </a:prstGeom>
+            <a:solidFill>
+              <a:schemeClr val="tx1"/>
+            </a:solidFill>
+            <a:ln>
+              <a:noFill/>
+            </a:ln>
+          </p:spPr>
+          <p:style>
+            <a:lnRef idx="2">
+              <a:schemeClr val="accent1">
+                <a:shade val="50000"/>
+              </a:schemeClr>
+            </a:lnRef>
+            <a:fillRef idx="1">
+              <a:schemeClr val="accent1"/>
+            </a:fillRef>
+            <a:effectRef idx="0">
+              <a:schemeClr val="accent1"/>
+            </a:effectRef>
+            <a:fontRef idx="minor">
+              <a:schemeClr val="lt1"/>
+            </a:fontRef>
+          </p:style>
+          <p:txBody>
+            <a:bodyPr rtlCol="0" anchor="ctr"/>
+            <a:lstStyle/>
+            <a:p>
+              <a:pPr algn="ctr"/>
+              <a:endParaRPr kumimoji="1" lang="ja-JP" altLang="en-US"/>
+            </a:p>
+          </p:txBody>
+        </p:sp>
+        <p:sp>
+          <p:nvSpPr>
+            <p:cNvPr id="13" name="平行四辺形 12">
+              <a:extLst>
+                <a:ext uri="{FF2B5EF4-FFF2-40B4-BE49-F238E27FC236}">
+                  <a16:creationId xmlns:a16="http://schemas.microsoft.com/office/drawing/2014/main" id="{44A73E84-E442-4881-BD7D-B2A07D3D8C5B}"/>
+                </a:ext>
+              </a:extLst>
+            </p:cNvPr>
+            <p:cNvSpPr>
+              <a:spLocks noChangeAspect="1"/>
+            </p:cNvSpPr>
+            <p:nvPr/>
+          </p:nvSpPr>
+          <p:spPr>
+            <a:xfrm>
+              <a:off x="2865379" y="620174"/>
+              <a:ext cx="1293036" cy="1363664"/>
+            </a:xfrm>
+            <a:prstGeom prst="parallelogram">
+              <a:avLst>
+                <a:gd name="adj" fmla="val 25000"/>
+              </a:avLst>
+            </a:prstGeom>
+            <a:solidFill>
+              <a:schemeClr val="tx1"/>
+            </a:solidFill>
+            <a:ln>
+              <a:noFill/>
+            </a:ln>
+          </p:spPr>
+          <p:style>
+            <a:lnRef idx="2">
+              <a:schemeClr val="accent1">
+                <a:shade val="50000"/>
+              </a:schemeClr>
+            </a:lnRef>
+            <a:fillRef idx="1">
+              <a:schemeClr val="accent1"/>
+            </a:fillRef>
+            <a:effectRef idx="0">
+              <a:schemeClr val="accent1"/>
+            </a:effectRef>
+            <a:fontRef idx="minor">
+              <a:schemeClr val="lt1"/>
+            </a:fontRef>
+          </p:style>
+          <p:txBody>
+            <a:bodyPr rtlCol="0" anchor="ctr"/>
+            <a:lstStyle/>
+            <a:p>
+              <a:pPr algn="ctr"/>
+              <a:endParaRPr kumimoji="1" lang="ja-JP" altLang="en-US"/>
+            </a:p>
+          </p:txBody>
+        </p:sp>
+      </p:grpSp>
+      <p:sp>
+        <p:nvSpPr>
+          <p:cNvPr id="8" name="平行四辺形 7">
+            <a:extLst>
+              <a:ext uri="{FF2B5EF4-FFF2-40B4-BE49-F238E27FC236}">
+                <a16:creationId xmlns:a16="http://schemas.microsoft.com/office/drawing/2014/main" id="{2C76C16F-CA87-458E-AA42-E78F45B08CFE}"/>
+              </a:ext>
+            </a:extLst>
+          </p:cNvPr>
+          <p:cNvSpPr>
+            <a:spLocks noChangeAspect="1"/>
+          </p:cNvSpPr>
+          <p:nvPr/>
+        </p:nvSpPr>
+        <p:spPr>
+          <a:xfrm>
+            <a:off x="1245121" y="301168"/>
+            <a:ext cx="1293036" cy="1363664"/>
+          </a:xfrm>
+          <a:prstGeom prst="parallelogram">
+            <a:avLst>
+              <a:gd name="adj" fmla="val 25000"/>
+            </a:avLst>
+          </a:prstGeom>
+          <a:noFill/>
+          <a:ln w="38100">
+            <a:gradFill flip="none" rotWithShape="1">
+              <a:gsLst>
+                <a:gs pos="0">
+                  <a:schemeClr val="accent1">
+                    <a:lumMod val="6000"/>
+                    <a:lumOff val="94000"/>
+                  </a:schemeClr>
+                </a:gs>
+                <a:gs pos="58000">
+                  <a:schemeClr val="accent1">
+                    <a:lumMod val="45000"/>
+                    <a:lumOff val="55000"/>
+                  </a:schemeClr>
+                </a:gs>
+                <a:gs pos="75000">
+                  <a:schemeClr val="accent1">
+                    <a:lumMod val="45000"/>
+                    <a:lumOff val="55000"/>
+                  </a:schemeClr>
+                </a:gs>
+                <a:gs pos="90000">
+                  <a:schemeClr val="accent1">
+                    <a:lumMod val="30000"/>
+                    <a:lumOff val="70000"/>
+                  </a:schemeClr>
+                </a:gs>
+              </a:gsLst>
+              <a:lin ang="8100000" scaled="1"/>
+              <a:tileRect/>
+            </a:gradFill>
+          </a:ln>
+          <a:effectLst>
+            <a:outerShdw blurRad="50800" dist="38100" dir="2700000" algn="tl" rotWithShape="0">
+              <a:schemeClr val="bg1">
+                <a:alpha val="40000"/>
+              </a:schemeClr>
+            </a:outerShdw>
+          </a:effectLst>
+        </p:spPr>
+        <p:style>
+          <a:lnRef idx="2">
+            <a:schemeClr val="accent1">
+              <a:shade val="50000"/>
+            </a:schemeClr>
+          </a:lnRef>
+          <a:fillRef idx="1">
+            <a:schemeClr val="accent1"/>
+          </a:fillRef>
+          <a:effectRef idx="0">
+            <a:schemeClr val="accent1"/>
+          </a:effectRef>
+          <a:fontRef idx="minor">
+            <a:schemeClr val="lt1"/>
+          </a:fontRef>
+        </p:style>
+        <p:txBody>
+          <a:bodyPr rtlCol="0" anchor="ctr"/>
+          <a:lstStyle/>
+          <a:p>
+            <a:pPr algn="ctr"/>
+            <a:endParaRPr kumimoji="1" lang="ja-JP" altLang="en-US"/>
+          </a:p>
+        </p:txBody>
+      </p:sp>
+      <p:sp>
+        <p:nvSpPr>
+          <p:cNvPr id="10" name="平行四辺形 9">
+            <a:extLst>
+              <a:ext uri="{FF2B5EF4-FFF2-40B4-BE49-F238E27FC236}">
+                <a16:creationId xmlns:a16="http://schemas.microsoft.com/office/drawing/2014/main" id="{791D1889-2D9E-4D1F-9549-F56230F1A2E0}"/>
+              </a:ext>
+            </a:extLst>
+          </p:cNvPr>
+          <p:cNvSpPr>
+            <a:spLocks noChangeAspect="1"/>
+          </p:cNvSpPr>
+          <p:nvPr/>
+        </p:nvSpPr>
+        <p:spPr>
+          <a:xfrm>
+            <a:off x="2314964" y="301168"/>
+            <a:ext cx="1293036" cy="1363664"/>
+          </a:xfrm>
+          <a:prstGeom prst="parallelogram">
+            <a:avLst>
+              <a:gd name="adj" fmla="val 25000"/>
+            </a:avLst>
+          </a:prstGeom>
+          <a:noFill/>
+          <a:ln w="38100">
+            <a:gradFill>
+              <a:gsLst>
+                <a:gs pos="0">
+                  <a:schemeClr val="accent1">
+                    <a:lumMod val="5000"/>
+                    <a:lumOff val="95000"/>
+                  </a:schemeClr>
+                </a:gs>
+                <a:gs pos="58000">
+                  <a:srgbClr val="ABC0E4"/>
+                </a:gs>
+                <a:gs pos="75000">
+                  <a:schemeClr val="accent1">
+                    <a:lumMod val="45000"/>
+                    <a:lumOff val="55000"/>
+                  </a:schemeClr>
+                </a:gs>
+                <a:gs pos="90000">
+                  <a:schemeClr val="accent1">
+                    <a:lumMod val="30000"/>
+                    <a:lumOff val="70000"/>
+                  </a:schemeClr>
+                </a:gs>
+              </a:gsLst>
+              <a:lin ang="5400000" scaled="1"/>
+            </a:gradFill>
+          </a:ln>
+        </p:spPr>
+        <p:style>
+          <a:lnRef idx="2">
+            <a:schemeClr val="accent1">
+              <a:shade val="50000"/>
+            </a:schemeClr>
+          </a:lnRef>
+          <a:fillRef idx="1">
+            <a:schemeClr val="accent1"/>
+          </a:fillRef>
+          <a:effectRef idx="0">
+            <a:schemeClr val="accent1"/>
+          </a:effectRef>
+          <a:fontRef idx="minor">
+            <a:schemeClr val="lt1"/>
+          </a:fontRef>
+        </p:style>
+        <p:txBody>
+          <a:bodyPr rtlCol="0" anchor="ctr"/>
+          <a:lstStyle/>
+          <a:p>
+            <a:pPr algn="ctr"/>
+            <a:endParaRPr kumimoji="1" lang="ja-JP" altLang="en-US"/>
+          </a:p>
+        </p:txBody>
+      </p:sp>
+      <p:sp>
+        <p:nvSpPr>
+          <p:cNvPr id="9" name="四角形: 角を丸くする 8">
+            <a:extLst>
+              <a:ext uri="{FF2B5EF4-FFF2-40B4-BE49-F238E27FC236}">
+                <a16:creationId xmlns:a16="http://schemas.microsoft.com/office/drawing/2014/main" id="{1F4118CF-3398-44D7-9F50-9BE9E147BA70}"/>
+              </a:ext>
+            </a:extLst>
+          </p:cNvPr>
+          <p:cNvSpPr/>
+          <p:nvPr/>
+        </p:nvSpPr>
+        <p:spPr>
+          <a:xfrm>
+            <a:off x="2610797" y="301169"/>
+            <a:ext cx="7989854" cy="1363664"/>
+          </a:xfrm>
+          <a:prstGeom prst="roundRect">
+            <a:avLst>
+              <a:gd name="adj" fmla="val 34423"/>
+            </a:avLst>
+          </a:prstGeom>
+          <a:noFill/>
+          <a:ln w="38100">
+            <a:gradFill>
+              <a:gsLst>
+                <a:gs pos="0">
+                  <a:schemeClr val="accent1">
+                    <a:lumMod val="5000"/>
+                    <a:lumOff val="95000"/>
+                  </a:schemeClr>
+                </a:gs>
+                <a:gs pos="58000">
+                  <a:schemeClr val="accent1">
+                    <a:lumMod val="45000"/>
+                    <a:lumOff val="55000"/>
+                  </a:schemeClr>
+                </a:gs>
+                <a:gs pos="75000">
+                  <a:schemeClr val="accent1">
+                    <a:lumMod val="45000"/>
+                    <a:lumOff val="55000"/>
+                  </a:schemeClr>
+                </a:gs>
+                <a:gs pos="90000">
+                  <a:schemeClr val="accent1">
+                    <a:lumMod val="30000"/>
+                    <a:lumOff val="70000"/>
+                  </a:schemeClr>
+                </a:gs>
+              </a:gsLst>
+              <a:lin ang="5400000" scaled="1"/>
+            </a:gradFill>
+          </a:ln>
+        </p:spPr>
+        <p:style>
+          <a:lnRef idx="2">
+            <a:schemeClr val="accent1">
+              <a:shade val="50000"/>
+            </a:schemeClr>
+          </a:lnRef>
+          <a:fillRef idx="1">
+            <a:schemeClr val="accent1"/>
+          </a:fillRef>
+          <a:effectRef idx="0">
+            <a:schemeClr val="accent1"/>
+          </a:effectRef>
+          <a:fontRef idx="minor">
+            <a:schemeClr val="lt1"/>
+          </a:fontRef>
+        </p:style>
+        <p:txBody>
+          <a:bodyPr rtlCol="0" anchor="ctr"/>
+          <a:lstStyle/>
+          <a:p>
+            <a:pPr algn="ctr"/>
+            <a:endParaRPr kumimoji="1" lang="ja-JP" altLang="en-US"/>
+          </a:p>
+        </p:txBody>
+      </p:sp>
+      <p:grpSp>
+        <p:nvGrpSpPr>
+          <p:cNvPr id="3" name="グループ化 2">
+            <a:extLst>
+              <a:ext uri="{FF2B5EF4-FFF2-40B4-BE49-F238E27FC236}">
+                <a16:creationId xmlns:a16="http://schemas.microsoft.com/office/drawing/2014/main" id="{FF343418-73B5-46F7-8CFA-B183C1DE0060}"/>
+              </a:ext>
+            </a:extLst>
+          </p:cNvPr>
+          <p:cNvGrpSpPr/>
+          <p:nvPr/>
+        </p:nvGrpSpPr>
+        <p:grpSpPr>
+          <a:xfrm>
+            <a:off x="2549114" y="325932"/>
+            <a:ext cx="1199676" cy="1317447"/>
+            <a:chOff x="2549114" y="325932"/>
+            <a:chExt cx="1199676" cy="1317447"/>
+          </a:xfrm>
+        </p:grpSpPr>
+        <p:sp>
+          <p:nvSpPr>
+            <p:cNvPr id="2" name="正方形/長方形 1">
+              <a:extLst>
+                <a:ext uri="{FF2B5EF4-FFF2-40B4-BE49-F238E27FC236}">
+                  <a16:creationId xmlns:a16="http://schemas.microsoft.com/office/drawing/2014/main" id="{5F143AAC-5E4A-41FC-9A7C-964354748C31}"/>
+                </a:ext>
+              </a:extLst>
+            </p:cNvPr>
+            <p:cNvSpPr/>
+            <p:nvPr/>
+          </p:nvSpPr>
+          <p:spPr>
+            <a:xfrm>
+              <a:off x="2653415" y="325932"/>
+              <a:ext cx="1095375" cy="1317447"/>
+            </a:xfrm>
+            <a:prstGeom prst="rect">
+              <a:avLst/>
+            </a:prstGeom>
+            <a:solidFill>
+              <a:schemeClr val="tx1"/>
+            </a:solidFill>
+            <a:ln>
+              <a:noFill/>
+            </a:ln>
+          </p:spPr>
+          <p:style>
+            <a:lnRef idx="2">
+              <a:schemeClr val="accent1">
+                <a:shade val="50000"/>
+              </a:schemeClr>
+            </a:lnRef>
+            <a:fillRef idx="1">
+              <a:schemeClr val="accent1"/>
+            </a:fillRef>
+            <a:effectRef idx="0">
+              <a:schemeClr val="accent1"/>
+            </a:effectRef>
+            <a:fontRef idx="minor">
+              <a:schemeClr val="lt1"/>
+            </a:fontRef>
+          </p:style>
+          <p:txBody>
+            <a:bodyPr rtlCol="0" anchor="ctr"/>
+            <a:lstStyle/>
+            <a:p>
+              <a:pPr algn="ctr"/>
+              <a:endParaRPr kumimoji="1" lang="ja-JP" altLang="en-US"/>
+            </a:p>
+          </p:txBody>
+        </p:sp>
+        <p:sp>
+          <p:nvSpPr>
+            <p:cNvPr id="14" name="正方形/長方形 13">
+              <a:extLst>
+                <a:ext uri="{FF2B5EF4-FFF2-40B4-BE49-F238E27FC236}">
+                  <a16:creationId xmlns:a16="http://schemas.microsoft.com/office/drawing/2014/main" id="{0D8C232B-E236-48B0-BFC2-82E03281906C}"/>
+                </a:ext>
+              </a:extLst>
+            </p:cNvPr>
+            <p:cNvSpPr/>
+            <p:nvPr/>
+          </p:nvSpPr>
+          <p:spPr>
+            <a:xfrm>
+              <a:off x="2549114" y="784860"/>
+              <a:ext cx="165985" cy="858519"/>
+            </a:xfrm>
+            <a:prstGeom prst="rect">
+              <a:avLst/>
+            </a:prstGeom>
+            <a:solidFill>
+              <a:schemeClr val="tx1"/>
+            </a:solidFill>
+            <a:ln>
+              <a:noFill/>
+            </a:ln>
+          </p:spPr>
+          <p:style>
+            <a:lnRef idx="2">
+              <a:schemeClr val="accent1">
+                <a:shade val="50000"/>
+              </a:schemeClr>
+            </a:lnRef>
+            <a:fillRef idx="1">
+              <a:schemeClr val="accent1"/>
+            </a:fillRef>
+            <a:effectRef idx="0">
+              <a:schemeClr val="accent1"/>
+            </a:effectRef>
+            <a:fontRef idx="minor">
+              <a:schemeClr val="lt1"/>
+            </a:fontRef>
+          </p:style>
+          <p:txBody>
+            <a:bodyPr rtlCol="0" anchor="ctr"/>
+            <a:lstStyle/>
+            <a:p>
+              <a:pPr algn="ctr"/>
+              <a:endParaRPr kumimoji="1" lang="ja-JP" altLang="en-US"/>
+            </a:p>
+          </p:txBody>
+        </p:sp>
+        <p:sp>
+          <p:nvSpPr>
+            <p:cNvPr id="15" name="正方形/長方形 14">
+              <a:extLst>
+                <a:ext uri="{FF2B5EF4-FFF2-40B4-BE49-F238E27FC236}">
+                  <a16:creationId xmlns:a16="http://schemas.microsoft.com/office/drawing/2014/main" id="{90255159-2813-43F8-8D27-34330C7E5731}"/>
+                </a:ext>
+              </a:extLst>
+            </p:cNvPr>
+            <p:cNvSpPr/>
+            <p:nvPr/>
+          </p:nvSpPr>
+          <p:spPr>
+            <a:xfrm>
+              <a:off x="2570422" y="675661"/>
+              <a:ext cx="165985" cy="307339"/>
+            </a:xfrm>
+            <a:prstGeom prst="rect">
+              <a:avLst/>
+            </a:prstGeom>
+            <a:solidFill>
+              <a:schemeClr val="tx1"/>
+            </a:solidFill>
+            <a:ln>
+              <a:noFill/>
+            </a:ln>
+          </p:spPr>
+          <p:style>
+            <a:lnRef idx="2">
+              <a:schemeClr val="accent1">
+                <a:shade val="50000"/>
+              </a:schemeClr>
+            </a:lnRef>
+            <a:fillRef idx="1">
+              <a:schemeClr val="accent1"/>
+            </a:fillRef>
+            <a:effectRef idx="0">
+              <a:schemeClr val="accent1"/>
+            </a:effectRef>
+            <a:fontRef idx="minor">
+              <a:schemeClr val="lt1"/>
+            </a:fontRef>
+          </p:style>
+          <p:txBody>
+            <a:bodyPr rtlCol="0" anchor="ctr"/>
+            <a:lstStyle/>
+            <a:p>
+              <a:pPr algn="ctr"/>
+              <a:endParaRPr kumimoji="1" lang="ja-JP" altLang="en-US"/>
+            </a:p>
+          </p:txBody>
+        </p:sp>
+        <p:sp>
+          <p:nvSpPr>
+            <p:cNvPr id="16" name="正方形/長方形 15">
+              <a:extLst>
+                <a:ext uri="{FF2B5EF4-FFF2-40B4-BE49-F238E27FC236}">
+                  <a16:creationId xmlns:a16="http://schemas.microsoft.com/office/drawing/2014/main" id="{50F9CBF5-7334-4500-8AFB-1B6C93E890A1}"/>
+                </a:ext>
+              </a:extLst>
+            </p:cNvPr>
+            <p:cNvSpPr/>
+            <p:nvPr/>
+          </p:nvSpPr>
+          <p:spPr>
+            <a:xfrm>
+              <a:off x="2583419" y="629667"/>
+              <a:ext cx="165985" cy="307339"/>
+            </a:xfrm>
+            <a:prstGeom prst="rect">
+              <a:avLst/>
+            </a:prstGeom>
+            <a:solidFill>
+              <a:schemeClr val="tx1"/>
+            </a:solidFill>
+            <a:ln>
+              <a:noFill/>
+            </a:ln>
+          </p:spPr>
+          <p:style>
+            <a:lnRef idx="2">
+              <a:schemeClr val="accent1">
+                <a:shade val="50000"/>
+              </a:schemeClr>
+            </a:lnRef>
+            <a:fillRef idx="1">
+              <a:schemeClr val="accent1"/>
+            </a:fillRef>
+            <a:effectRef idx="0">
+              <a:schemeClr val="accent1"/>
+            </a:effectRef>
+            <a:fontRef idx="minor">
+              <a:schemeClr val="lt1"/>
+            </a:fontRef>
+          </p:style>
+          <p:txBody>
+            <a:bodyPr rtlCol="0" anchor="ctr"/>
+            <a:lstStyle/>
+            <a:p>
+              <a:pPr algn="ctr"/>
+              <a:endParaRPr kumimoji="1" lang="ja-JP" altLang="en-US"/>
+            </a:p>
+          </p:txBody>
+        </p:sp>
+        <p:sp>
+          <p:nvSpPr>
+            <p:cNvPr id="17" name="正方形/長方形 16">
+              <a:extLst>
+                <a:ext uri="{FF2B5EF4-FFF2-40B4-BE49-F238E27FC236}">
+                  <a16:creationId xmlns:a16="http://schemas.microsoft.com/office/drawing/2014/main" id="{694E59E5-E4B4-42FB-B107-328F9CDCF524}"/>
+                </a:ext>
+              </a:extLst>
+            </p:cNvPr>
+            <p:cNvSpPr/>
+            <p:nvPr/>
+          </p:nvSpPr>
+          <p:spPr>
+            <a:xfrm>
+              <a:off x="2610797" y="532718"/>
+              <a:ext cx="165985" cy="307339"/>
+            </a:xfrm>
+            <a:prstGeom prst="rect">
+              <a:avLst/>
+            </a:prstGeom>
+            <a:solidFill>
+              <a:schemeClr val="tx1"/>
+            </a:solidFill>
+            <a:ln>
+              <a:noFill/>
+            </a:ln>
+          </p:spPr>
+          <p:style>
+            <a:lnRef idx="2">
+              <a:schemeClr val="accent1">
+                <a:shade val="50000"/>
+              </a:schemeClr>
+            </a:lnRef>
+            <a:fillRef idx="1">
+              <a:schemeClr val="accent1"/>
+            </a:fillRef>
+            <a:effectRef idx="0">
+              <a:schemeClr val="accent1"/>
+            </a:effectRef>
+            <a:fontRef idx="minor">
+              <a:schemeClr val="lt1"/>
+            </a:fontRef>
+          </p:style>
+          <p:txBody>
+            <a:bodyPr rtlCol="0" anchor="ctr"/>
+            <a:lstStyle/>
+            <a:p>
+              <a:pPr algn="ctr"/>
+              <a:endParaRPr kumimoji="1" lang="ja-JP" altLang="en-US"/>
+            </a:p>
+          </p:txBody>
+        </p:sp>
+      </p:grpSp>
+      <p:grpSp>
+        <p:nvGrpSpPr>
+          <p:cNvPr id="18" name="グループ化 17">
+            <a:extLst>
+              <a:ext uri="{FF2B5EF4-FFF2-40B4-BE49-F238E27FC236}">
+                <a16:creationId xmlns:a16="http://schemas.microsoft.com/office/drawing/2014/main" id="{1B5A2FEE-D619-43BD-816C-D3A5B62007D5}"/>
+              </a:ext>
+            </a:extLst>
+          </p:cNvPr>
+          <p:cNvGrpSpPr/>
+          <p:nvPr/>
+        </p:nvGrpSpPr>
+        <p:grpSpPr>
+          <a:xfrm>
+            <a:off x="1245121" y="5190119"/>
+            <a:ext cx="9355530" cy="1363664"/>
+            <a:chOff x="1795536" y="620174"/>
+            <a:chExt cx="9355530" cy="1363664"/>
+          </a:xfrm>
+        </p:grpSpPr>
+        <p:sp>
+          <p:nvSpPr>
+            <p:cNvPr id="19" name="平行四辺形 18">
+              <a:extLst>
+                <a:ext uri="{FF2B5EF4-FFF2-40B4-BE49-F238E27FC236}">
+                  <a16:creationId xmlns:a16="http://schemas.microsoft.com/office/drawing/2014/main" id="{6B8AF5AE-9F9D-4254-83D2-1C75F547A047}"/>
+                </a:ext>
+              </a:extLst>
+            </p:cNvPr>
+            <p:cNvSpPr>
+              <a:spLocks noChangeAspect="1"/>
+            </p:cNvSpPr>
+            <p:nvPr/>
+          </p:nvSpPr>
+          <p:spPr>
+            <a:xfrm>
+              <a:off x="1795536" y="620174"/>
+              <a:ext cx="1293036" cy="1363664"/>
+            </a:xfrm>
+            <a:prstGeom prst="parallelogram">
+              <a:avLst>
+                <a:gd name="adj" fmla="val 25000"/>
+              </a:avLst>
+            </a:prstGeom>
+            <a:solidFill>
+              <a:schemeClr val="tx1"/>
+            </a:solidFill>
+            <a:ln>
+              <a:noFill/>
+            </a:ln>
+          </p:spPr>
+          <p:style>
+            <a:lnRef idx="2">
+              <a:schemeClr val="accent1">
+                <a:shade val="50000"/>
+              </a:schemeClr>
+            </a:lnRef>
+            <a:fillRef idx="1">
+              <a:schemeClr val="accent1"/>
+            </a:fillRef>
+            <a:effectRef idx="0">
+              <a:schemeClr val="accent1"/>
+            </a:effectRef>
+            <a:fontRef idx="minor">
+              <a:schemeClr val="lt1"/>
+            </a:fontRef>
+          </p:style>
+          <p:txBody>
+            <a:bodyPr rtlCol="0" anchor="ctr"/>
+            <a:lstStyle/>
+            <a:p>
+              <a:pPr algn="ctr"/>
+              <a:endParaRPr kumimoji="1" lang="ja-JP" altLang="en-US" dirty="0"/>
+            </a:p>
+          </p:txBody>
+        </p:sp>
+        <p:sp>
+          <p:nvSpPr>
+            <p:cNvPr id="20" name="四角形: 角を丸くする 19">
+              <a:extLst>
+                <a:ext uri="{FF2B5EF4-FFF2-40B4-BE49-F238E27FC236}">
+                  <a16:creationId xmlns:a16="http://schemas.microsoft.com/office/drawing/2014/main" id="{0999D802-73A7-4EF6-82D4-9EB578C09E20}"/>
+                </a:ext>
+              </a:extLst>
+            </p:cNvPr>
+            <p:cNvSpPr/>
+            <p:nvPr/>
+          </p:nvSpPr>
+          <p:spPr>
+            <a:xfrm>
+              <a:off x="3161212" y="623223"/>
+              <a:ext cx="7989854" cy="1360615"/>
+            </a:xfrm>
+            <a:prstGeom prst="roundRect">
+              <a:avLst>
+                <a:gd name="adj" fmla="val 34423"/>
+              </a:avLst>
+            </a:prstGeom>
+            <a:solidFill>
+              <a:schemeClr val="tx1"/>
+            </a:solidFill>
+            <a:ln>
+              <a:noFill/>
+            </a:ln>
+          </p:spPr>
+          <p:style>
+            <a:lnRef idx="2">
+              <a:schemeClr val="accent1">
+                <a:shade val="50000"/>
+              </a:schemeClr>
+            </a:lnRef>
+            <a:fillRef idx="1">
+              <a:schemeClr val="accent1"/>
+            </a:fillRef>
+            <a:effectRef idx="0">
+              <a:schemeClr val="accent1"/>
+            </a:effectRef>
+            <a:fontRef idx="minor">
+              <a:schemeClr val="lt1"/>
+            </a:fontRef>
+          </p:style>
+          <p:txBody>
+            <a:bodyPr rtlCol="0" anchor="ctr"/>
+            <a:lstStyle/>
+            <a:p>
+              <a:pPr algn="ctr"/>
+              <a:endParaRPr kumimoji="1" lang="ja-JP" altLang="en-US" dirty="0"/>
+            </a:p>
+          </p:txBody>
+        </p:sp>
+        <p:sp>
+          <p:nvSpPr>
+            <p:cNvPr id="21" name="平行四辺形 20">
+              <a:extLst>
+                <a:ext uri="{FF2B5EF4-FFF2-40B4-BE49-F238E27FC236}">
+                  <a16:creationId xmlns:a16="http://schemas.microsoft.com/office/drawing/2014/main" id="{B5F3A7B2-4957-43C2-8240-18862F1236A8}"/>
+                </a:ext>
+              </a:extLst>
+            </p:cNvPr>
+            <p:cNvSpPr>
+              <a:spLocks noChangeAspect="1"/>
+            </p:cNvSpPr>
+            <p:nvPr/>
+          </p:nvSpPr>
+          <p:spPr>
+            <a:xfrm>
+              <a:off x="2865379" y="620174"/>
+              <a:ext cx="1293036" cy="1363664"/>
+            </a:xfrm>
+            <a:prstGeom prst="parallelogram">
+              <a:avLst>
+                <a:gd name="adj" fmla="val 25000"/>
+              </a:avLst>
+            </a:prstGeom>
+            <a:solidFill>
+              <a:schemeClr val="tx1"/>
+            </a:solidFill>
+            <a:ln>
+              <a:noFill/>
+            </a:ln>
+          </p:spPr>
+          <p:style>
+            <a:lnRef idx="2">
+              <a:schemeClr val="accent1">
+                <a:shade val="50000"/>
+              </a:schemeClr>
+            </a:lnRef>
+            <a:fillRef idx="1">
+              <a:schemeClr val="accent1"/>
+            </a:fillRef>
+            <a:effectRef idx="0">
+              <a:schemeClr val="accent1"/>
+            </a:effectRef>
+            <a:fontRef idx="minor">
+              <a:schemeClr val="lt1"/>
+            </a:fontRef>
+          </p:style>
+          <p:txBody>
+            <a:bodyPr rtlCol="0" anchor="ctr"/>
+            <a:lstStyle/>
+            <a:p>
+              <a:pPr algn="ctr"/>
+              <a:endParaRPr kumimoji="1" lang="ja-JP" altLang="en-US"/>
+            </a:p>
+          </p:txBody>
+        </p:sp>
+      </p:grpSp>
+    </p:spTree>
+    <p:extLst>
+      <p:ext uri="{BB962C8B-B14F-4D97-AF65-F5344CB8AC3E}">
+        <p14:creationId xmlns:p14="http://schemas.microsoft.com/office/powerpoint/2010/main" val="3284372501"/>
+      </p:ext>
+    </p:extLst>
+  </p:cSld>
+  <p:clrMapOvr>
+    <a:masterClrMapping/>
+  </p:clrMapOvr>
+</p:sld>
+</file>
+
+<file path=ppt/slides/slide5.xml><?xml version="1.0" encoding="utf-8"?>
+<p:sld xmlns:a="http://schemas.openxmlformats.org/drawingml/2006/main" xmlns:r="http://schemas.openxmlformats.org/officeDocument/2006/relationships" xmlns:p="http://schemas.openxmlformats.org/presentationml/2006/main">
+  <p:cSld>
+    <p:spTree>
+      <p:nvGrpSpPr>
+        <p:cNvPr id="1" name=""/>
+        <p:cNvGrpSpPr/>
+        <p:nvPr/>
+      </p:nvGrpSpPr>
+      <p:grpSpPr>
+        <a:xfrm>
+          <a:off x="0" y="0"/>
+          <a:ext cx="0" cy="0"/>
+          <a:chOff x="0" y="0"/>
+          <a:chExt cx="0" cy="0"/>
+        </a:xfrm>
+      </p:grpSpPr>
+    </p:spTree>
+    <p:extLst>
+      <p:ext uri="{BB962C8B-B14F-4D97-AF65-F5344CB8AC3E}">
+        <p14:creationId xmlns:p14="http://schemas.microsoft.com/office/powerpoint/2010/main" val="1915476024"/>
+      </p:ext>
+    </p:extLst>
+  </p:cSld>
+  <p:clrMapOvr>
+    <a:masterClrMapping/>
+  </p:clrMapOvr>
+</p:sld>
+</file>
+
+<file path=ppt/slides/slide6.xml><?xml version="1.0" encoding="utf-8"?>
+<p:sld xmlns:a="http://schemas.openxmlformats.org/drawingml/2006/main" xmlns:r="http://schemas.openxmlformats.org/officeDocument/2006/relationships" xmlns:p="http://schemas.openxmlformats.org/presentationml/2006/main">
+  <p:cSld>
+    <p:spTree>
+      <p:nvGrpSpPr>
+        <p:cNvPr id="1" name=""/>
+        <p:cNvGrpSpPr/>
+        <p:nvPr/>
+      </p:nvGrpSpPr>
+      <p:grpSpPr>
+        <a:xfrm>
+          <a:off x="0" y="0"/>
+          <a:ext cx="0" cy="0"/>
+          <a:chOff x="0" y="0"/>
+          <a:chExt cx="0" cy="0"/>
+        </a:xfrm>
+      </p:grpSpPr>
+      <p:grpSp>
+        <p:nvGrpSpPr>
+          <p:cNvPr id="30" name="グループ化 29">
+            <a:extLst>
+              <a:ext uri="{FF2B5EF4-FFF2-40B4-BE49-F238E27FC236}">
+                <a16:creationId xmlns:a16="http://schemas.microsoft.com/office/drawing/2014/main" id="{70DB17D2-D88F-43B9-AFE7-FE9B0129D78A}"/>
+              </a:ext>
+            </a:extLst>
+          </p:cNvPr>
+          <p:cNvGrpSpPr/>
+          <p:nvPr/>
+        </p:nvGrpSpPr>
+        <p:grpSpPr>
+          <a:xfrm>
+            <a:off x="293928" y="415376"/>
+            <a:ext cx="3377006" cy="807798"/>
+            <a:chOff x="3484803" y="2396576"/>
+            <a:chExt cx="3377006" cy="807798"/>
+          </a:xfrm>
+        </p:grpSpPr>
+        <p:cxnSp>
+          <p:nvCxnSpPr>
+            <p:cNvPr id="3" name="直線コネクタ 2">
+              <a:extLst>
+                <a:ext uri="{FF2B5EF4-FFF2-40B4-BE49-F238E27FC236}">
+                  <a16:creationId xmlns:a16="http://schemas.microsoft.com/office/drawing/2014/main" id="{CDE7D49A-4002-4687-B670-D753756C118D}"/>
+                </a:ext>
+              </a:extLst>
+            </p:cNvPr>
+            <p:cNvCxnSpPr>
+              <a:cxnSpLocks/>
+              <a:stCxn id="25" idx="7"/>
+              <a:endCxn id="12" idx="7"/>
+            </p:cNvCxnSpPr>
+            <p:nvPr/>
+          </p:nvCxnSpPr>
+          <p:spPr>
+            <a:xfrm flipH="1">
+              <a:off x="3491498" y="2435600"/>
+              <a:ext cx="807380" cy="745915"/>
+            </a:xfrm>
+            <a:prstGeom prst="straightConnector1">
+              <a:avLst/>
+            </a:prstGeom>
+            <a:ln w="38100">
+              <a:solidFill>
+                <a:schemeClr val="tx1"/>
+              </a:solidFill>
+            </a:ln>
+          </p:spPr>
+          <p:style>
+            <a:lnRef idx="1">
+              <a:schemeClr val="accent1"/>
+            </a:lnRef>
+            <a:fillRef idx="0">
+              <a:schemeClr val="accent1"/>
+            </a:fillRef>
+            <a:effectRef idx="0">
+              <a:schemeClr val="accent1"/>
+            </a:effectRef>
+            <a:fontRef idx="minor">
+              <a:schemeClr val="tx1"/>
+            </a:fontRef>
+          </p:style>
+        </p:cxnSp>
+        <p:cxnSp>
+          <p:nvCxnSpPr>
+            <p:cNvPr id="5" name="直線コネクタ 4">
+              <a:extLst>
+                <a:ext uri="{FF2B5EF4-FFF2-40B4-BE49-F238E27FC236}">
+                  <a16:creationId xmlns:a16="http://schemas.microsoft.com/office/drawing/2014/main" id="{64567C00-DE83-485F-9BC7-1F31CC44C54A}"/>
+                </a:ext>
+              </a:extLst>
+            </p:cNvPr>
+            <p:cNvCxnSpPr>
+              <a:cxnSpLocks/>
+              <a:stCxn id="12" idx="2"/>
+              <a:endCxn id="27" idx="6"/>
+            </p:cNvCxnSpPr>
+            <p:nvPr/>
+          </p:nvCxnSpPr>
+          <p:spPr>
+            <a:xfrm>
+              <a:off x="3530522" y="3165350"/>
+              <a:ext cx="3285568" cy="16164"/>
+            </a:xfrm>
+            <a:prstGeom prst="line">
+              <a:avLst/>
+            </a:prstGeom>
+            <a:ln w="38100">
+              <a:solidFill>
+                <a:schemeClr val="tx1"/>
+              </a:solidFill>
+            </a:ln>
+          </p:spPr>
+          <p:style>
+            <a:lnRef idx="1">
+              <a:schemeClr val="accent1"/>
+            </a:lnRef>
+            <a:fillRef idx="0">
+              <a:schemeClr val="accent1"/>
+            </a:fillRef>
+            <a:effectRef idx="0">
+              <a:schemeClr val="accent1"/>
+            </a:effectRef>
+            <a:fontRef idx="minor">
+              <a:schemeClr val="tx1"/>
+            </a:fontRef>
+          </p:style>
+        </p:cxnSp>
+        <p:sp>
+          <p:nvSpPr>
+            <p:cNvPr id="12" name="楕円 11">
+              <a:extLst>
+                <a:ext uri="{FF2B5EF4-FFF2-40B4-BE49-F238E27FC236}">
+                  <a16:creationId xmlns:a16="http://schemas.microsoft.com/office/drawing/2014/main" id="{C4BA560E-06EC-4857-8304-7EE1F27218DE}"/>
+                </a:ext>
+              </a:extLst>
+            </p:cNvPr>
+            <p:cNvSpPr/>
+            <p:nvPr/>
+          </p:nvSpPr>
+          <p:spPr>
+            <a:xfrm flipH="1" flipV="1">
+              <a:off x="3484803" y="3142491"/>
+              <a:ext cx="45719" cy="45719"/>
+            </a:xfrm>
+            <a:prstGeom prst="ellipse">
+              <a:avLst/>
+            </a:prstGeom>
+            <a:solidFill>
+              <a:schemeClr val="tx1"/>
+            </a:solidFill>
+            <a:ln>
+              <a:solidFill>
+                <a:schemeClr val="tx1"/>
+              </a:solidFill>
+            </a:ln>
+          </p:spPr>
+          <p:style>
+            <a:lnRef idx="2">
+              <a:schemeClr val="accent1">
+                <a:shade val="50000"/>
+              </a:schemeClr>
+            </a:lnRef>
+            <a:fillRef idx="1">
+              <a:schemeClr val="accent1"/>
+            </a:fillRef>
+            <a:effectRef idx="0">
+              <a:schemeClr val="accent1"/>
+            </a:effectRef>
+            <a:fontRef idx="minor">
+              <a:schemeClr val="lt1"/>
+            </a:fontRef>
+          </p:style>
+          <p:txBody>
+            <a:bodyPr rtlCol="0" anchor="ctr"/>
+            <a:lstStyle/>
+            <a:p>
+              <a:pPr algn="ctr"/>
+              <a:endParaRPr kumimoji="1" lang="ja-JP" altLang="en-US"/>
+            </a:p>
+          </p:txBody>
+        </p:sp>
+        <p:sp>
+          <p:nvSpPr>
+            <p:cNvPr id="25" name="楕円 24">
+              <a:extLst>
+                <a:ext uri="{FF2B5EF4-FFF2-40B4-BE49-F238E27FC236}">
+                  <a16:creationId xmlns:a16="http://schemas.microsoft.com/office/drawing/2014/main" id="{8BF08A87-DF2F-4B17-AA27-7AAEBCA9DB2F}"/>
+                </a:ext>
+              </a:extLst>
+            </p:cNvPr>
+            <p:cNvSpPr/>
+            <p:nvPr/>
+          </p:nvSpPr>
+          <p:spPr>
+            <a:xfrm flipH="1" flipV="1">
+              <a:off x="4292183" y="2396576"/>
+              <a:ext cx="45719" cy="45719"/>
+            </a:xfrm>
+            <a:prstGeom prst="ellipse">
+              <a:avLst/>
+            </a:prstGeom>
+            <a:solidFill>
+              <a:schemeClr val="tx1"/>
+            </a:solidFill>
+            <a:ln>
+              <a:solidFill>
+                <a:schemeClr val="tx1"/>
+              </a:solidFill>
+            </a:ln>
+          </p:spPr>
+          <p:style>
+            <a:lnRef idx="2">
+              <a:schemeClr val="accent1">
+                <a:shade val="50000"/>
+              </a:schemeClr>
+            </a:lnRef>
+            <a:fillRef idx="1">
+              <a:schemeClr val="accent1"/>
+            </a:fillRef>
+            <a:effectRef idx="0">
+              <a:schemeClr val="accent1"/>
+            </a:effectRef>
+            <a:fontRef idx="minor">
+              <a:schemeClr val="lt1"/>
+            </a:fontRef>
+          </p:style>
+          <p:txBody>
+            <a:bodyPr rtlCol="0" anchor="ctr"/>
+            <a:lstStyle/>
+            <a:p>
+              <a:pPr algn="ctr"/>
+              <a:endParaRPr kumimoji="1" lang="ja-JP" altLang="en-US"/>
+            </a:p>
+          </p:txBody>
+        </p:sp>
+        <p:sp>
+          <p:nvSpPr>
+            <p:cNvPr id="27" name="楕円 26">
+              <a:extLst>
+                <a:ext uri="{FF2B5EF4-FFF2-40B4-BE49-F238E27FC236}">
+                  <a16:creationId xmlns:a16="http://schemas.microsoft.com/office/drawing/2014/main" id="{8635FF2C-27FB-478E-B295-7728CCB5E0B1}"/>
+                </a:ext>
+              </a:extLst>
+            </p:cNvPr>
+            <p:cNvSpPr/>
+            <p:nvPr/>
+          </p:nvSpPr>
+          <p:spPr>
+            <a:xfrm flipH="1" flipV="1">
+              <a:off x="6816090" y="3158655"/>
+              <a:ext cx="45719" cy="45719"/>
+            </a:xfrm>
+            <a:prstGeom prst="ellipse">
+              <a:avLst/>
+            </a:prstGeom>
+            <a:solidFill>
+              <a:schemeClr val="tx1"/>
+            </a:solidFill>
+            <a:ln>
+              <a:solidFill>
+                <a:schemeClr val="tx1"/>
+              </a:solidFill>
+            </a:ln>
+          </p:spPr>
+          <p:style>
+            <a:lnRef idx="2">
+              <a:schemeClr val="accent1">
+                <a:shade val="50000"/>
+              </a:schemeClr>
+            </a:lnRef>
+            <a:fillRef idx="1">
+              <a:schemeClr val="accent1"/>
+            </a:fillRef>
+            <a:effectRef idx="0">
+              <a:schemeClr val="accent1"/>
+            </a:effectRef>
+            <a:fontRef idx="minor">
+              <a:schemeClr val="lt1"/>
+            </a:fontRef>
+          </p:style>
+          <p:txBody>
+            <a:bodyPr rtlCol="0" anchor="ctr"/>
+            <a:lstStyle/>
+            <a:p>
+              <a:pPr algn="ctr"/>
+              <a:endParaRPr kumimoji="1" lang="ja-JP" altLang="en-US"/>
+            </a:p>
+          </p:txBody>
+        </p:sp>
+      </p:grpSp>
+      <p:sp>
+        <p:nvSpPr>
+          <p:cNvPr id="32" name="テキスト ボックス 31">
+            <a:extLst>
+              <a:ext uri="{FF2B5EF4-FFF2-40B4-BE49-F238E27FC236}">
+                <a16:creationId xmlns:a16="http://schemas.microsoft.com/office/drawing/2014/main" id="{6F6AC6C1-11EA-4776-99B3-AC311DF53860}"/>
+              </a:ext>
+            </a:extLst>
+          </p:cNvPr>
+          <p:cNvSpPr txBox="1"/>
+          <p:nvPr/>
+        </p:nvSpPr>
+        <p:spPr>
+          <a:xfrm>
+            <a:off x="4638675" y="1223174"/>
+            <a:ext cx="1647825" cy="369332"/>
+          </a:xfrm>
+          <a:prstGeom prst="rect">
+            <a:avLst/>
+          </a:prstGeom>
+          <a:noFill/>
+        </p:spPr>
+        <p:txBody>
+          <a:bodyPr wrap="square" rtlCol="0">
+            <a:spAutoFit/>
+          </a:bodyPr>
+          <a:lstStyle/>
+          <a:p>
+            <a:r>
+              <a:rPr kumimoji="1" lang="en-US" altLang="ja-JP" dirty="0"/>
+              <a:t>C</a:t>
+            </a:r>
+          </a:p>
+        </p:txBody>
+      </p:sp>
+      <p:pic>
+        <p:nvPicPr>
+          <p:cNvPr id="34" name="図 33">
+            <a:extLst>
+              <a:ext uri="{FF2B5EF4-FFF2-40B4-BE49-F238E27FC236}">
+                <a16:creationId xmlns:a16="http://schemas.microsoft.com/office/drawing/2014/main" id="{4CA2B828-7754-4DEE-9EC0-4F66DC5F767A}"/>
+              </a:ext>
+            </a:extLst>
+          </p:cNvPr>
+          <p:cNvPicPr>
+            <a:picLocks noChangeAspect="1"/>
+          </p:cNvPicPr>
+          <p:nvPr/>
+        </p:nvPicPr>
+        <p:blipFill>
+          <a:blip r:embed="rId2">
+            <a:extLst>
+              <a:ext uri="{28A0092B-C50C-407E-A947-70E740481C1C}">
+                <a14:useLocalDpi xmlns:a14="http://schemas.microsoft.com/office/drawing/2010/main" val="0"/>
+              </a:ext>
+            </a:extLst>
+          </a:blip>
+          <a:stretch>
+            <a:fillRect/>
+          </a:stretch>
+        </p:blipFill>
+        <p:spPr>
+          <a:xfrm>
+            <a:off x="3848100" y="2579132"/>
+            <a:ext cx="2438400" cy="2438400"/>
+          </a:xfrm>
+          <a:prstGeom prst="rect">
+            <a:avLst/>
+          </a:prstGeom>
+        </p:spPr>
+      </p:pic>
+      <p:sp>
+        <p:nvSpPr>
+          <p:cNvPr id="35" name="楕円 34">
+            <a:extLst>
+              <a:ext uri="{FF2B5EF4-FFF2-40B4-BE49-F238E27FC236}">
+                <a16:creationId xmlns:a16="http://schemas.microsoft.com/office/drawing/2014/main" id="{33B2AEB6-078E-4B51-A793-F2270361E7C0}"/>
+              </a:ext>
+            </a:extLst>
+          </p:cNvPr>
+          <p:cNvSpPr/>
+          <p:nvPr/>
+        </p:nvSpPr>
+        <p:spPr>
+          <a:xfrm>
+            <a:off x="7528560" y="1943100"/>
+            <a:ext cx="1432560" cy="1432560"/>
+          </a:xfrm>
+          <a:prstGeom prst="ellipse">
+            <a:avLst/>
+          </a:prstGeom>
+          <a:gradFill flip="none" rotWithShape="1">
+            <a:gsLst>
+              <a:gs pos="0">
+                <a:schemeClr val="tx1"/>
+              </a:gs>
+              <a:gs pos="50000">
+                <a:srgbClr val="FFFFFF"/>
+              </a:gs>
+              <a:gs pos="100000">
+                <a:schemeClr val="tx1">
+                  <a:lumMod val="85000"/>
+                </a:schemeClr>
+              </a:gs>
+            </a:gsLst>
+            <a:path path="circle">
+              <a:fillToRect l="50000" t="50000" r="50000" b="50000"/>
+            </a:path>
+            <a:tileRect/>
+          </a:gradFill>
+          <a:ln>
+            <a:noFill/>
+          </a:ln>
+        </p:spPr>
+        <p:style>
+          <a:lnRef idx="2">
+            <a:schemeClr val="accent1">
+              <a:shade val="50000"/>
+            </a:schemeClr>
+          </a:lnRef>
+          <a:fillRef idx="1">
+            <a:schemeClr val="accent1"/>
+          </a:fillRef>
+          <a:effectRef idx="0">
+            <a:schemeClr val="accent1"/>
+          </a:effectRef>
+          <a:fontRef idx="minor">
+            <a:schemeClr val="lt1"/>
+          </a:fontRef>
+        </p:style>
+        <p:txBody>
+          <a:bodyPr rtlCol="0" anchor="ctr"/>
+          <a:lstStyle/>
+          <a:p>
+            <a:pPr algn="ctr"/>
+            <a:endParaRPr kumimoji="1" lang="ja-JP" altLang="en-US"/>
+          </a:p>
+        </p:txBody>
+      </p:sp>
+    </p:spTree>
+    <p:extLst>
+      <p:ext uri="{BB962C8B-B14F-4D97-AF65-F5344CB8AC3E}">
+        <p14:creationId xmlns:p14="http://schemas.microsoft.com/office/powerpoint/2010/main" val="2359237257"/>
+      </p:ext>
+    </p:extLst>
+  </p:cSld>
+  <p:clrMapOvr>
+    <a:masterClrMapping/>
+  </p:clrMapOvr>
+</p:sld>
+</file>
+
+<file path=ppt/slides/slide7.xml><?xml version="1.0" encoding="utf-8"?>
+<p:sld xmlns:a="http://schemas.openxmlformats.org/drawingml/2006/main" xmlns:r="http://schemas.openxmlformats.org/officeDocument/2006/relationships" xmlns:p="http://schemas.openxmlformats.org/presentationml/2006/main">
+  <p:cSld>
+    <p:spTree>
+      <p:nvGrpSpPr>
+        <p:cNvPr id="1" name=""/>
+        <p:cNvGrpSpPr/>
+        <p:nvPr/>
+      </p:nvGrpSpPr>
+      <p:grpSpPr>
+        <a:xfrm>
+          <a:off x="0" y="0"/>
+          <a:ext cx="0" cy="0"/>
+          <a:chOff x="0" y="0"/>
+          <a:chExt cx="0" cy="0"/>
+        </a:xfrm>
+      </p:grpSpPr>
+      <p:sp>
+        <p:nvSpPr>
+          <p:cNvPr id="2" name="正方形/長方形 1">
+            <a:extLst>
+              <a:ext uri="{FF2B5EF4-FFF2-40B4-BE49-F238E27FC236}">
+                <a16:creationId xmlns:a16="http://schemas.microsoft.com/office/drawing/2014/main" id="{45910AE6-139D-459C-8491-76971221E219}"/>
+              </a:ext>
+            </a:extLst>
+          </p:cNvPr>
+          <p:cNvSpPr/>
+          <p:nvPr/>
+        </p:nvSpPr>
+        <p:spPr>
+          <a:xfrm>
+            <a:off x="2667000" y="0"/>
+            <a:ext cx="6858000" cy="6858000"/>
+          </a:xfrm>
+          <a:prstGeom prst="rect">
+            <a:avLst/>
+          </a:prstGeom>
+          <a:gradFill flip="none" rotWithShape="1">
+            <a:gsLst>
+              <a:gs pos="0">
+                <a:schemeClr val="accent1">
+                  <a:lumMod val="5000"/>
+                  <a:lumOff val="95000"/>
+                </a:schemeClr>
+              </a:gs>
+              <a:gs pos="100000">
+                <a:schemeClr val="tx1">
+                  <a:alpha val="0"/>
+                </a:schemeClr>
+              </a:gs>
+            </a:gsLst>
+            <a:path path="circle">
+              <a:fillToRect l="50000" t="50000" r="50000" b="50000"/>
+            </a:path>
+            <a:tileRect/>
+          </a:gradFill>
+          <a:ln>
+            <a:noFill/>
+          </a:ln>
+        </p:spPr>
+        <p:style>
+          <a:lnRef idx="2">
+            <a:schemeClr val="accent1">
+              <a:shade val="50000"/>
+            </a:schemeClr>
+          </a:lnRef>
+          <a:fillRef idx="1">
+            <a:schemeClr val="accent1"/>
+          </a:fillRef>
+          <a:effectRef idx="0">
+            <a:schemeClr val="accent1"/>
+          </a:effectRef>
+          <a:fontRef idx="minor">
+            <a:schemeClr val="lt1"/>
+          </a:fontRef>
+        </p:style>
+        <p:txBody>
+          <a:bodyPr rtlCol="0" anchor="ctr"/>
+          <a:lstStyle/>
+          <a:p>
+            <a:pPr algn="ctr"/>
+            <a:endParaRPr kumimoji="1" lang="ja-JP" altLang="en-US"/>
+          </a:p>
+        </p:txBody>
+      </p:sp>
+    </p:spTree>
+    <p:extLst>
+      <p:ext uri="{BB962C8B-B14F-4D97-AF65-F5344CB8AC3E}">
+        <p14:creationId xmlns:p14="http://schemas.microsoft.com/office/powerpoint/2010/main" val="2571100054"/>
+      </p:ext>
+    </p:extLst>
+  </p:cSld>
+  <p:clrMapOvr>
+    <a:masterClrMapping/>
+  </p:clrMapOvr>
+</p:sld>
+</file>
+
+<file path=ppt/slides/slide8.xml><?xml version="1.0" encoding="utf-8"?>
+<p:sld xmlns:a="http://schemas.openxmlformats.org/drawingml/2006/main" xmlns:r="http://schemas.openxmlformats.org/officeDocument/2006/relationships" xmlns:p="http://schemas.openxmlformats.org/presentationml/2006/main">
+  <p:cSld>
+    <p:spTree>
+      <p:nvGrpSpPr>
+        <p:cNvPr id="1" name=""/>
+        <p:cNvGrpSpPr/>
+        <p:nvPr/>
+      </p:nvGrpSpPr>
+      <p:grpSpPr>
+        <a:xfrm>
+          <a:off x="0" y="0"/>
+          <a:ext cx="0" cy="0"/>
+          <a:chOff x="0" y="0"/>
+          <a:chExt cx="0" cy="0"/>
+        </a:xfrm>
+      </p:grpSpPr>
+      <p:sp>
+        <p:nvSpPr>
+          <p:cNvPr id="2" name="正方形/長方形 1">
+            <a:extLst>
+              <a:ext uri="{FF2B5EF4-FFF2-40B4-BE49-F238E27FC236}">
+                <a16:creationId xmlns:a16="http://schemas.microsoft.com/office/drawing/2014/main" id="{71273963-2922-4E51-B3AE-19FAC4FBDCF0}"/>
+              </a:ext>
+            </a:extLst>
+          </p:cNvPr>
+          <p:cNvSpPr/>
+          <p:nvPr/>
+        </p:nvSpPr>
+        <p:spPr>
+          <a:xfrm>
+            <a:off x="4156709" y="1055368"/>
+            <a:ext cx="1781175" cy="1781175"/>
+          </a:xfrm>
+          <a:prstGeom prst="rect">
+            <a:avLst/>
+          </a:prstGeom>
+          <a:gradFill>
+            <a:gsLst>
+              <a:gs pos="0">
+                <a:schemeClr val="accent1">
+                  <a:lumMod val="5000"/>
+                  <a:lumOff val="95000"/>
+                </a:schemeClr>
+              </a:gs>
+              <a:gs pos="40000">
+                <a:schemeClr val="tx1">
+                  <a:lumMod val="95000"/>
+                </a:schemeClr>
+              </a:gs>
+              <a:gs pos="62000">
+                <a:schemeClr val="tx1">
+                  <a:lumMod val="95000"/>
+                </a:schemeClr>
+              </a:gs>
+              <a:gs pos="95000">
+                <a:schemeClr val="tx1">
+                  <a:lumMod val="85000"/>
+                </a:schemeClr>
+              </a:gs>
+            </a:gsLst>
+            <a:lin ang="5400000" scaled="1"/>
+          </a:gradFill>
+          <a:ln>
+            <a:noFill/>
+          </a:ln>
+        </p:spPr>
+        <p:style>
+          <a:lnRef idx="2">
+            <a:schemeClr val="accent1">
+              <a:shade val="50000"/>
+            </a:schemeClr>
+          </a:lnRef>
+          <a:fillRef idx="1">
+            <a:schemeClr val="accent1"/>
+          </a:fillRef>
+          <a:effectRef idx="0">
+            <a:schemeClr val="accent1"/>
+          </a:effectRef>
+          <a:fontRef idx="minor">
+            <a:schemeClr val="lt1"/>
+          </a:fontRef>
+        </p:style>
+        <p:txBody>
+          <a:bodyPr rtlCol="0" anchor="ctr"/>
+          <a:lstStyle/>
+          <a:p>
+            <a:pPr algn="ctr"/>
+            <a:endParaRPr kumimoji="1" lang="ja-JP" altLang="en-US"/>
+          </a:p>
+        </p:txBody>
+      </p:sp>
+      <p:sp>
+        <p:nvSpPr>
+          <p:cNvPr id="3" name="二等辺三角形 2">
+            <a:extLst>
+              <a:ext uri="{FF2B5EF4-FFF2-40B4-BE49-F238E27FC236}">
+                <a16:creationId xmlns:a16="http://schemas.microsoft.com/office/drawing/2014/main" id="{A93A173C-FA45-4DB3-8B4E-23D782193987}"/>
+              </a:ext>
+            </a:extLst>
+          </p:cNvPr>
+          <p:cNvSpPr/>
+          <p:nvPr/>
+        </p:nvSpPr>
+        <p:spPr>
+          <a:xfrm rot="10800000">
+            <a:off x="5937884" y="786140"/>
+            <a:ext cx="1524000" cy="1313793"/>
+          </a:xfrm>
+          <a:prstGeom prst="triangle">
+            <a:avLst/>
+          </a:prstGeom>
+          <a:gradFill>
+            <a:gsLst>
+              <a:gs pos="0">
+                <a:schemeClr val="accent1">
+                  <a:lumMod val="5000"/>
+                  <a:lumOff val="95000"/>
+                </a:schemeClr>
+              </a:gs>
+              <a:gs pos="40000">
+                <a:schemeClr val="tx1">
+                  <a:lumMod val="95000"/>
+                </a:schemeClr>
+              </a:gs>
+              <a:gs pos="62000">
+                <a:schemeClr val="tx1">
+                  <a:lumMod val="95000"/>
+                </a:schemeClr>
+              </a:gs>
+              <a:gs pos="95000">
+                <a:schemeClr val="tx1">
+                  <a:lumMod val="85000"/>
+                </a:schemeClr>
+              </a:gs>
+            </a:gsLst>
+            <a:lin ang="5400000" scaled="1"/>
+          </a:gradFill>
+          <a:ln>
+            <a:noFill/>
+          </a:ln>
+        </p:spPr>
+        <p:style>
+          <a:lnRef idx="2">
+            <a:schemeClr val="accent1">
+              <a:shade val="50000"/>
+            </a:schemeClr>
+          </a:lnRef>
+          <a:fillRef idx="1">
+            <a:schemeClr val="accent1"/>
+          </a:fillRef>
+          <a:effectRef idx="0">
+            <a:schemeClr val="accent1"/>
+          </a:effectRef>
+          <a:fontRef idx="minor">
+            <a:schemeClr val="lt1"/>
+          </a:fontRef>
+        </p:style>
+        <p:txBody>
+          <a:bodyPr rtlCol="0" anchor="ctr"/>
+          <a:lstStyle/>
+          <a:p>
+            <a:pPr algn="ctr"/>
+            <a:endParaRPr kumimoji="1" lang="ja-JP" altLang="en-US"/>
+          </a:p>
+        </p:txBody>
+      </p:sp>
+    </p:spTree>
+    <p:extLst>
+      <p:ext uri="{BB962C8B-B14F-4D97-AF65-F5344CB8AC3E}">
+        <p14:creationId xmlns:p14="http://schemas.microsoft.com/office/powerpoint/2010/main" val="135397356"/>
+      </p:ext>
+    </p:extLst>
+  </p:cSld>
+  <p:clrMapOvr>
+    <a:masterClrMapping/>
+  </p:clrMapOvr>
+</p:sld>
+</file>
+
+<file path=ppt/slides/slide9.xml><?xml version="1.0" encoding="utf-8"?>
+<p:sld xmlns:a="http://schemas.openxmlformats.org/drawingml/2006/main" xmlns:r="http://schemas.openxmlformats.org/officeDocument/2006/relationships" xmlns:p="http://schemas.openxmlformats.org/presentationml/2006/main">
+  <p:cSld>
+    <p:bg>
+      <p:bgPr>
+        <a:solidFill>
+          <a:schemeClr val="tx1"/>
+        </a:solidFill>
+        <a:effectLst/>
+      </p:bgPr>
+    </p:bg>
+    <p:spTree>
+      <p:nvGrpSpPr>
+        <p:cNvPr id="1" name=""/>
+        <p:cNvGrpSpPr/>
+        <p:nvPr/>
+      </p:nvGrpSpPr>
+      <p:grpSpPr>
+        <a:xfrm>
+          <a:off x="0" y="0"/>
+          <a:ext cx="0" cy="0"/>
+          <a:chOff x="0" y="0"/>
+          <a:chExt cx="0" cy="0"/>
+        </a:xfrm>
+      </p:grpSpPr>
+      <p:grpSp>
+        <p:nvGrpSpPr>
+          <p:cNvPr id="11" name="グループ化 10">
+            <a:extLst>
+              <a:ext uri="{FF2B5EF4-FFF2-40B4-BE49-F238E27FC236}">
+                <a16:creationId xmlns:a16="http://schemas.microsoft.com/office/drawing/2014/main" id="{D9DE0305-7170-44F2-B809-32A6D123A9DF}"/>
+              </a:ext>
+            </a:extLst>
+          </p:cNvPr>
+          <p:cNvGrpSpPr/>
+          <p:nvPr/>
+        </p:nvGrpSpPr>
+        <p:grpSpPr>
+          <a:xfrm>
+            <a:off x="4095750" y="816511"/>
+            <a:ext cx="6459220" cy="4541520"/>
+            <a:chOff x="3601720" y="735231"/>
+            <a:chExt cx="6459220" cy="4541520"/>
+          </a:xfrm>
+        </p:grpSpPr>
+        <p:sp>
+          <p:nvSpPr>
+            <p:cNvPr id="4" name="四角形: 角を丸くする 3">
+              <a:extLst>
+                <a:ext uri="{FF2B5EF4-FFF2-40B4-BE49-F238E27FC236}">
+                  <a16:creationId xmlns:a16="http://schemas.microsoft.com/office/drawing/2014/main" id="{04F17138-FE7B-482C-8B0F-4382108AD001}"/>
+                </a:ext>
+              </a:extLst>
+            </p:cNvPr>
+            <p:cNvSpPr/>
+            <p:nvPr/>
+          </p:nvSpPr>
+          <p:spPr>
+            <a:xfrm>
+              <a:off x="3601720" y="735231"/>
+              <a:ext cx="6431280" cy="4541520"/>
+            </a:xfrm>
+            <a:prstGeom prst="roundRect">
+              <a:avLst/>
+            </a:prstGeom>
+            <a:gradFill>
+              <a:gsLst>
+                <a:gs pos="0">
+                  <a:schemeClr val="accent1">
+                    <a:lumMod val="0"/>
+                    <a:lumOff val="100000"/>
+                  </a:schemeClr>
+                </a:gs>
+                <a:gs pos="40000">
+                  <a:schemeClr val="tx1">
+                    <a:lumMod val="95000"/>
+                  </a:schemeClr>
+                </a:gs>
+                <a:gs pos="62000">
+                  <a:schemeClr val="tx1">
+                    <a:lumMod val="95000"/>
+                  </a:schemeClr>
+                </a:gs>
+                <a:gs pos="95000">
+                  <a:schemeClr val="tx1">
+                    <a:lumMod val="85000"/>
+                  </a:schemeClr>
+                </a:gs>
+              </a:gsLst>
+              <a:lin ang="5400000" scaled="1"/>
+            </a:gradFill>
+            <a:ln>
+              <a:noFill/>
+            </a:ln>
+          </p:spPr>
+          <p:style>
+            <a:lnRef idx="2">
+              <a:schemeClr val="accent1">
+                <a:shade val="50000"/>
+              </a:schemeClr>
+            </a:lnRef>
+            <a:fillRef idx="1">
+              <a:schemeClr val="accent1"/>
+            </a:fillRef>
+            <a:effectRef idx="0">
+              <a:schemeClr val="accent1"/>
+            </a:effectRef>
+            <a:fontRef idx="minor">
+              <a:schemeClr val="lt1"/>
+            </a:fontRef>
+          </p:style>
+          <p:txBody>
+            <a:bodyPr rtlCol="0" anchor="ctr"/>
+            <a:lstStyle/>
+            <a:p>
+              <a:pPr algn="ctr"/>
+              <a:endParaRPr kumimoji="1" lang="ja-JP" altLang="en-US" dirty="0"/>
+            </a:p>
+          </p:txBody>
+        </p:sp>
+        <p:sp>
+          <p:nvSpPr>
+            <p:cNvPr id="9" name="四角形: 角を丸くする 8">
+              <a:extLst>
+                <a:ext uri="{FF2B5EF4-FFF2-40B4-BE49-F238E27FC236}">
+                  <a16:creationId xmlns:a16="http://schemas.microsoft.com/office/drawing/2014/main" id="{D0041205-7DB4-43B0-9E51-DA34D82DA784}"/>
+                </a:ext>
+              </a:extLst>
+            </p:cNvPr>
+            <p:cNvSpPr/>
+            <p:nvPr/>
+          </p:nvSpPr>
+          <p:spPr>
+            <a:xfrm>
+              <a:off x="3615690" y="735231"/>
+              <a:ext cx="6431280" cy="4541520"/>
+            </a:xfrm>
+            <a:prstGeom prst="roundRect">
+              <a:avLst/>
+            </a:prstGeom>
+            <a:noFill/>
+            <a:ln w="101600">
+              <a:solidFill>
+                <a:schemeClr val="bg1"/>
+              </a:solidFill>
+            </a:ln>
+          </p:spPr>
+          <p:style>
+            <a:lnRef idx="2">
+              <a:schemeClr val="accent1">
+                <a:shade val="50000"/>
+              </a:schemeClr>
+            </a:lnRef>
+            <a:fillRef idx="1">
+              <a:schemeClr val="accent1"/>
+            </a:fillRef>
+            <a:effectRef idx="0">
+              <a:schemeClr val="accent1"/>
+            </a:effectRef>
+            <a:fontRef idx="minor">
+              <a:schemeClr val="lt1"/>
+            </a:fontRef>
+          </p:style>
+          <p:txBody>
+            <a:bodyPr rtlCol="0" anchor="ctr"/>
+            <a:lstStyle/>
+            <a:p>
+              <a:pPr algn="ctr"/>
+              <a:endParaRPr kumimoji="1" lang="ja-JP" altLang="en-US" dirty="0"/>
+            </a:p>
+          </p:txBody>
+        </p:sp>
+        <p:sp>
+          <p:nvSpPr>
+            <p:cNvPr id="5" name="四角形: 角を丸くする 4">
+              <a:extLst>
+                <a:ext uri="{FF2B5EF4-FFF2-40B4-BE49-F238E27FC236}">
+                  <a16:creationId xmlns:a16="http://schemas.microsoft.com/office/drawing/2014/main" id="{E93AB1DF-B830-41DA-96C9-143ABAE488C7}"/>
+                </a:ext>
+              </a:extLst>
+            </p:cNvPr>
+            <p:cNvSpPr/>
+            <p:nvPr/>
+          </p:nvSpPr>
+          <p:spPr>
+            <a:xfrm>
+              <a:off x="3629660" y="735231"/>
+              <a:ext cx="6431280" cy="4541520"/>
+            </a:xfrm>
+            <a:prstGeom prst="roundRect">
+              <a:avLst/>
+            </a:prstGeom>
+            <a:noFill/>
+            <a:ln w="63500">
+              <a:gradFill>
+                <a:gsLst>
+                  <a:gs pos="0">
+                    <a:schemeClr val="accent1">
+                      <a:lumMod val="5000"/>
+                      <a:lumOff val="95000"/>
+                    </a:schemeClr>
+                  </a:gs>
+                  <a:gs pos="48000">
+                    <a:schemeClr val="tx1">
+                      <a:lumMod val="85000"/>
+                    </a:schemeClr>
+                  </a:gs>
+                  <a:gs pos="74000">
+                    <a:schemeClr val="tx1">
+                      <a:lumMod val="85000"/>
+                    </a:schemeClr>
+                  </a:gs>
+                  <a:gs pos="100000">
+                    <a:schemeClr val="tx1">
+                      <a:lumMod val="75000"/>
+                    </a:schemeClr>
+                  </a:gs>
+                </a:gsLst>
+                <a:lin ang="5400000" scaled="1"/>
+              </a:gradFill>
+            </a:ln>
+          </p:spPr>
+          <p:style>
+            <a:lnRef idx="2">
+              <a:schemeClr val="accent1">
+                <a:shade val="50000"/>
+              </a:schemeClr>
+            </a:lnRef>
+            <a:fillRef idx="1">
+              <a:schemeClr val="accent1"/>
+            </a:fillRef>
+            <a:effectRef idx="0">
+              <a:schemeClr val="accent1"/>
+            </a:effectRef>
+            <a:fontRef idx="minor">
+              <a:schemeClr val="lt1"/>
+            </a:fontRef>
+          </p:style>
+          <p:txBody>
+            <a:bodyPr rtlCol="0" anchor="ctr"/>
+            <a:lstStyle/>
+            <a:p>
+              <a:pPr algn="ctr"/>
+              <a:endParaRPr kumimoji="1" lang="ja-JP" altLang="en-US" dirty="0"/>
+            </a:p>
+          </p:txBody>
+        </p:sp>
+      </p:grpSp>
+      <p:sp>
+        <p:nvSpPr>
+          <p:cNvPr id="10" name="テキスト ボックス 9">
+            <a:extLst>
+              <a:ext uri="{FF2B5EF4-FFF2-40B4-BE49-F238E27FC236}">
+                <a16:creationId xmlns:a16="http://schemas.microsoft.com/office/drawing/2014/main" id="{41705AB7-7839-47CD-B47E-029E3583930D}"/>
+              </a:ext>
+            </a:extLst>
+          </p:cNvPr>
+          <p:cNvSpPr txBox="1"/>
+          <p:nvPr/>
+        </p:nvSpPr>
+        <p:spPr>
+          <a:xfrm>
+            <a:off x="214630" y="1063476"/>
+            <a:ext cx="3406140" cy="646331"/>
+          </a:xfrm>
+          <a:prstGeom prst="rect">
+            <a:avLst/>
+          </a:prstGeom>
+          <a:noFill/>
+        </p:spPr>
+        <p:txBody>
+          <a:bodyPr wrap="square" rtlCol="0">
+            <a:spAutoFit/>
+          </a:bodyPr>
+          <a:lstStyle/>
+          <a:p>
+            <a:pPr algn="ctr"/>
+            <a:r>
+              <a:rPr kumimoji="1" lang="ja-JP" altLang="en-US" sz="3600" dirty="0">
+                <a:solidFill>
+                  <a:schemeClr val="bg1"/>
+                </a:solidFill>
+                <a:latin typeface="游明朝" panose="02020400000000000000" pitchFamily="18" charset="-128"/>
+                <a:ea typeface="游明朝" panose="02020400000000000000" pitchFamily="18" charset="-128"/>
+              </a:rPr>
+              <a:t>絞り込み</a:t>
+            </a:r>
+          </a:p>
+        </p:txBody>
+      </p:sp>
+      <p:sp>
+        <p:nvSpPr>
+          <p:cNvPr id="6" name="テキスト ボックス 5">
+            <a:extLst>
+              <a:ext uri="{FF2B5EF4-FFF2-40B4-BE49-F238E27FC236}">
+                <a16:creationId xmlns:a16="http://schemas.microsoft.com/office/drawing/2014/main" id="{41165F80-704D-41CE-A80B-CDD3D10D713A}"/>
+              </a:ext>
+            </a:extLst>
+          </p:cNvPr>
+          <p:cNvSpPr txBox="1"/>
+          <p:nvPr/>
+        </p:nvSpPr>
+        <p:spPr>
+          <a:xfrm>
+            <a:off x="1482090" y="2167890"/>
+            <a:ext cx="3406140" cy="646331"/>
+          </a:xfrm>
+          <a:prstGeom prst="rect">
+            <a:avLst/>
+          </a:prstGeom>
+          <a:noFill/>
+        </p:spPr>
+        <p:txBody>
+          <a:bodyPr wrap="square" rtlCol="0">
+            <a:spAutoFit/>
+          </a:bodyPr>
+          <a:lstStyle/>
+          <a:p>
+            <a:r>
+              <a:rPr kumimoji="1" lang="ja-JP" altLang="en-US" sz="3600" dirty="0">
+                <a:solidFill>
+                  <a:schemeClr val="bg1"/>
+                </a:solidFill>
+                <a:latin typeface="游明朝" panose="02020400000000000000" pitchFamily="18" charset="-128"/>
+                <a:ea typeface="游明朝" panose="02020400000000000000" pitchFamily="18" charset="-128"/>
+              </a:rPr>
+              <a:t>楽曲</a:t>
+            </a:r>
+          </a:p>
+        </p:txBody>
+      </p:sp>
+      <p:sp>
+        <p:nvSpPr>
+          <p:cNvPr id="8" name="テキスト ボックス 7">
+            <a:extLst>
+              <a:ext uri="{FF2B5EF4-FFF2-40B4-BE49-F238E27FC236}">
+                <a16:creationId xmlns:a16="http://schemas.microsoft.com/office/drawing/2014/main" id="{B68F76F6-D61C-454A-AB91-51EAEFCB8FFA}"/>
+              </a:ext>
+            </a:extLst>
+          </p:cNvPr>
+          <p:cNvSpPr txBox="1"/>
+          <p:nvPr/>
+        </p:nvSpPr>
+        <p:spPr>
+          <a:xfrm>
+            <a:off x="689610" y="3595469"/>
+            <a:ext cx="3406140" cy="646331"/>
+          </a:xfrm>
+          <a:prstGeom prst="rect">
+            <a:avLst/>
+          </a:prstGeom>
+          <a:noFill/>
+        </p:spPr>
+        <p:txBody>
+          <a:bodyPr wrap="square" rtlCol="0">
+            <a:spAutoFit/>
+          </a:bodyPr>
+          <a:lstStyle/>
+          <a:p>
+            <a:r>
+              <a:rPr kumimoji="1" lang="ja-JP" altLang="en-US" sz="3600" dirty="0">
+                <a:solidFill>
+                  <a:schemeClr val="bg1"/>
+                </a:solidFill>
+                <a:latin typeface="游明朝" panose="02020400000000000000" pitchFamily="18" charset="-128"/>
+                <a:ea typeface="游明朝" panose="02020400000000000000" pitchFamily="18" charset="-128"/>
+              </a:rPr>
+              <a:t>並び替え</a:t>
+            </a:r>
+          </a:p>
+        </p:txBody>
+      </p:sp>
+    </p:spTree>
+    <p:extLst>
+      <p:ext uri="{BB962C8B-B14F-4D97-AF65-F5344CB8AC3E}">
+        <p14:creationId xmlns:p14="http://schemas.microsoft.com/office/powerpoint/2010/main" val="1335151211"/>
       </p:ext>
     </p:extLst>
   </p:cSld>
@@ -4092,7 +11361,63 @@
       </a:bgFillStyleLst>
     </a:fmtScheme>
   </a:themeElements>
-  <a:objectDefaults/>
+  <a:objectDefaults>
+    <a:spDef>
+      <a:spPr>
+        <a:gradFill>
+          <a:gsLst>
+            <a:gs pos="0">
+              <a:schemeClr val="accent1">
+                <a:lumMod val="5000"/>
+                <a:lumOff val="95000"/>
+              </a:schemeClr>
+            </a:gs>
+            <a:gs pos="40000">
+              <a:schemeClr val="tx1">
+                <a:lumMod val="95000"/>
+              </a:schemeClr>
+            </a:gs>
+            <a:gs pos="62000">
+              <a:schemeClr val="tx1">
+                <a:lumMod val="95000"/>
+              </a:schemeClr>
+            </a:gs>
+            <a:gs pos="95000">
+              <a:schemeClr val="tx1">
+                <a:lumMod val="85000"/>
+              </a:schemeClr>
+            </a:gs>
+          </a:gsLst>
+          <a:lin ang="5400000" scaled="1"/>
+        </a:gradFill>
+        <a:ln>
+          <a:noFill/>
+        </a:ln>
+      </a:spPr>
+      <a:bodyPr rtlCol="0" anchor="ctr"/>
+      <a:lstStyle>
+        <a:defPPr algn="ctr">
+          <a:defRPr kumimoji="1"/>
+        </a:defPPr>
+      </a:lstStyle>
+      <a:style>
+        <a:lnRef idx="2">
+          <a:schemeClr val="accent1">
+            <a:shade val="50000"/>
+          </a:schemeClr>
+        </a:lnRef>
+        <a:fillRef idx="1">
+          <a:schemeClr val="accent1"/>
+        </a:fillRef>
+        <a:effectRef idx="0">
+          <a:schemeClr val="accent1"/>
+        </a:effectRef>
+        <a:fontRef idx="minor">
+          <a:schemeClr val="lt1"/>
+        </a:fontRef>
+      </a:style>
+    </a:spDef>
+  </a:objectDefaults>
   <a:extraClrSchemeLst/>
   <a:extLst>
     <a:ext uri="{05A4C25C-085E-4340-85A3-A5531E510DB2}">

--- a/resource.pptx
+++ b/resource.pptx
@@ -10295,41 +10295,6 @@
           </p:txBody>
         </p:sp>
       </p:grpSp>
-      <p:sp>
-        <p:nvSpPr>
-          <p:cNvPr id="32" name="テキスト ボックス 31">
-            <a:extLst>
-              <a:ext uri="{FF2B5EF4-FFF2-40B4-BE49-F238E27FC236}">
-                <a16:creationId xmlns:a16="http://schemas.microsoft.com/office/drawing/2014/main" id="{6F6AC6C1-11EA-4776-99B3-AC311DF53860}"/>
-              </a:ext>
-            </a:extLst>
-          </p:cNvPr>
-          <p:cNvSpPr txBox="1"/>
-          <p:nvPr/>
-        </p:nvSpPr>
-        <p:spPr>
-          <a:xfrm>
-            <a:off x="4638675" y="1223174"/>
-            <a:ext cx="1647825" cy="369332"/>
-          </a:xfrm>
-          <a:prstGeom prst="rect">
-            <a:avLst/>
-          </a:prstGeom>
-          <a:noFill/>
-        </p:spPr>
-        <p:txBody>
-          <a:bodyPr wrap="square" rtlCol="0">
-            <a:spAutoFit/>
-          </a:bodyPr>
-          <a:lstStyle/>
-          <a:p>
-            <a:r>
-              <a:rPr kumimoji="1" lang="en-US" altLang="ja-JP" dirty="0"/>
-              <a:t>C</a:t>
-            </a:r>
-          </a:p>
-        </p:txBody>
-      </p:sp>
       <p:pic>
         <p:nvPicPr>
           <p:cNvPr id="34" name="図 33">
@@ -10358,7 +10323,7 @@
         </p:blipFill>
         <p:spPr>
           <a:xfrm>
-            <a:off x="3848100" y="2579132"/>
+            <a:off x="1457325" y="2398157"/>
             <a:ext cx="2438400" cy="2438400"/>
           </a:xfrm>
           <a:prstGeom prst="rect">
@@ -10380,7 +10345,7 @@
         </p:nvSpPr>
         <p:spPr>
           <a:xfrm>
-            <a:off x="7528560" y="1943100"/>
+            <a:off x="6240222" y="402228"/>
             <a:ext cx="1432560" cy="1432560"/>
           </a:xfrm>
           <a:prstGeom prst="ellipse">
@@ -10434,6 +10399,234 @@
           </a:p>
         </p:txBody>
       </p:sp>
+      <p:sp>
+        <p:nvSpPr>
+          <p:cNvPr id="2" name="楕円 1">
+            <a:extLst>
+              <a:ext uri="{FF2B5EF4-FFF2-40B4-BE49-F238E27FC236}">
+                <a16:creationId xmlns:a16="http://schemas.microsoft.com/office/drawing/2014/main" id="{AEE721C7-6276-4357-BB9A-30B1F5070712}"/>
+              </a:ext>
+            </a:extLst>
+          </p:cNvPr>
+          <p:cNvSpPr/>
+          <p:nvPr/>
+        </p:nvSpPr>
+        <p:spPr>
+          <a:xfrm>
+            <a:off x="8251923" y="3603131"/>
+            <a:ext cx="161449" cy="161449"/>
+          </a:xfrm>
+          <a:prstGeom prst="ellipse">
+            <a:avLst/>
+          </a:prstGeom>
+          <a:noFill/>
+          <a:ln w="12700">
+            <a:solidFill>
+              <a:schemeClr val="tx1"/>
+            </a:solidFill>
+          </a:ln>
+        </p:spPr>
+        <p:style>
+          <a:lnRef idx="2">
+            <a:schemeClr val="accent1">
+              <a:shade val="50000"/>
+            </a:schemeClr>
+          </a:lnRef>
+          <a:fillRef idx="1">
+            <a:schemeClr val="accent1"/>
+          </a:fillRef>
+          <a:effectRef idx="0">
+            <a:schemeClr val="accent1"/>
+          </a:effectRef>
+          <a:fontRef idx="minor">
+            <a:schemeClr val="lt1"/>
+          </a:fontRef>
+        </p:style>
+        <p:txBody>
+          <a:bodyPr rtlCol="0" anchor="ctr"/>
+          <a:lstStyle/>
+          <a:p>
+            <a:pPr algn="ctr"/>
+            <a:endParaRPr kumimoji="1" lang="ja-JP" altLang="en-US"/>
+          </a:p>
+        </p:txBody>
+      </p:sp>
+      <p:sp>
+        <p:nvSpPr>
+          <p:cNvPr id="4" name="楕円 3">
+            <a:extLst>
+              <a:ext uri="{FF2B5EF4-FFF2-40B4-BE49-F238E27FC236}">
+                <a16:creationId xmlns:a16="http://schemas.microsoft.com/office/drawing/2014/main" id="{4B4C83FA-8766-49CC-BDEB-CFE41AEAF06F}"/>
+              </a:ext>
+            </a:extLst>
+          </p:cNvPr>
+          <p:cNvSpPr/>
+          <p:nvPr/>
+        </p:nvSpPr>
+        <p:spPr>
+          <a:xfrm>
+            <a:off x="8662154" y="3658973"/>
+            <a:ext cx="101480" cy="101480"/>
+          </a:xfrm>
+          <a:prstGeom prst="ellipse">
+            <a:avLst/>
+          </a:prstGeom>
+          <a:solidFill>
+            <a:schemeClr val="tx1"/>
+          </a:solidFill>
+          <a:ln>
+            <a:noFill/>
+          </a:ln>
+        </p:spPr>
+        <p:style>
+          <a:lnRef idx="2">
+            <a:schemeClr val="accent1">
+              <a:shade val="50000"/>
+            </a:schemeClr>
+          </a:lnRef>
+          <a:fillRef idx="1">
+            <a:schemeClr val="accent1"/>
+          </a:fillRef>
+          <a:effectRef idx="0">
+            <a:schemeClr val="accent1"/>
+          </a:effectRef>
+          <a:fontRef idx="minor">
+            <a:schemeClr val="lt1"/>
+          </a:fontRef>
+        </p:style>
+        <p:txBody>
+          <a:bodyPr rtlCol="0" anchor="ctr"/>
+          <a:lstStyle/>
+          <a:p>
+            <a:pPr algn="ctr"/>
+            <a:endParaRPr kumimoji="1" lang="ja-JP" altLang="en-US"/>
+          </a:p>
+        </p:txBody>
+      </p:sp>
+      <p:sp>
+        <p:nvSpPr>
+          <p:cNvPr id="14" name="楕円 13">
+            <a:extLst>
+              <a:ext uri="{FF2B5EF4-FFF2-40B4-BE49-F238E27FC236}">
+                <a16:creationId xmlns:a16="http://schemas.microsoft.com/office/drawing/2014/main" id="{57F876FF-CE34-4C82-AD2F-70FB832514AD}"/>
+              </a:ext>
+            </a:extLst>
+          </p:cNvPr>
+          <p:cNvSpPr/>
+          <p:nvPr/>
+        </p:nvSpPr>
+        <p:spPr>
+          <a:xfrm>
+            <a:off x="8251923" y="4648198"/>
+            <a:ext cx="130413" cy="130413"/>
+          </a:xfrm>
+          <a:prstGeom prst="ellipse">
+            <a:avLst/>
+          </a:prstGeom>
+          <a:noFill/>
+          <a:ln>
+            <a:solidFill>
+              <a:schemeClr val="tx1"/>
+            </a:solidFill>
+          </a:ln>
+        </p:spPr>
+        <p:style>
+          <a:lnRef idx="2">
+            <a:schemeClr val="accent1">
+              <a:shade val="50000"/>
+            </a:schemeClr>
+          </a:lnRef>
+          <a:fillRef idx="1">
+            <a:schemeClr val="accent1"/>
+          </a:fillRef>
+          <a:effectRef idx="0">
+            <a:schemeClr val="accent1"/>
+          </a:effectRef>
+          <a:fontRef idx="minor">
+            <a:schemeClr val="lt1"/>
+          </a:fontRef>
+        </p:style>
+        <p:txBody>
+          <a:bodyPr rtlCol="0" anchor="ctr"/>
+          <a:lstStyle/>
+          <a:p>
+            <a:pPr algn="ctr"/>
+            <a:endParaRPr kumimoji="1" lang="ja-JP" altLang="en-US"/>
+          </a:p>
+        </p:txBody>
+      </p:sp>
+      <p:pic>
+        <p:nvPicPr>
+          <p:cNvPr id="7" name="図 6">
+            <a:extLst>
+              <a:ext uri="{FF2B5EF4-FFF2-40B4-BE49-F238E27FC236}">
+                <a16:creationId xmlns:a16="http://schemas.microsoft.com/office/drawing/2014/main" id="{827F1888-13EB-4510-B898-4F9C7719A33B}"/>
+              </a:ext>
+            </a:extLst>
+          </p:cNvPr>
+          <p:cNvPicPr>
+            <a:picLocks noChangeAspect="1"/>
+          </p:cNvPicPr>
+          <p:nvPr/>
+        </p:nvPicPr>
+        <p:blipFill>
+          <a:blip r:embed="rId3">
+            <a:extLst>
+              <a:ext uri="{28A0092B-C50C-407E-A947-70E740481C1C}">
+                <a14:useLocalDpi xmlns:a14="http://schemas.microsoft.com/office/drawing/2010/main" val="0"/>
+              </a:ext>
+            </a:extLst>
+          </a:blip>
+          <a:stretch>
+            <a:fillRect/>
+          </a:stretch>
+        </p:blipFill>
+        <p:spPr>
+          <a:xfrm>
+            <a:off x="6044179" y="3377179"/>
+            <a:ext cx="103641" cy="103641"/>
+          </a:xfrm>
+          <a:prstGeom prst="rect">
+            <a:avLst/>
+          </a:prstGeom>
+        </p:spPr>
+      </p:pic>
+      <p:pic>
+        <p:nvPicPr>
+          <p:cNvPr id="9" name="図 8">
+            <a:extLst>
+              <a:ext uri="{FF2B5EF4-FFF2-40B4-BE49-F238E27FC236}">
+                <a16:creationId xmlns:a16="http://schemas.microsoft.com/office/drawing/2014/main" id="{7DDD264D-E336-4559-8CFA-E02758B12166}"/>
+              </a:ext>
+            </a:extLst>
+          </p:cNvPr>
+          <p:cNvPicPr>
+            <a:picLocks noChangeAspect="1"/>
+          </p:cNvPicPr>
+          <p:nvPr/>
+        </p:nvPicPr>
+        <p:blipFill>
+          <a:blip r:embed="rId4">
+            <a:extLst>
+              <a:ext uri="{28A0092B-C50C-407E-A947-70E740481C1C}">
+                <a14:useLocalDpi xmlns:a14="http://schemas.microsoft.com/office/drawing/2010/main" val="0"/>
+              </a:ext>
+            </a:extLst>
+          </a:blip>
+          <a:stretch>
+            <a:fillRect/>
+          </a:stretch>
+        </p:blipFill>
+        <p:spPr>
+          <a:xfrm>
+            <a:off x="6010648" y="3340600"/>
+            <a:ext cx="170703" cy="176799"/>
+          </a:xfrm>
+          <a:prstGeom prst="rect">
+            <a:avLst/>
+          </a:prstGeom>
+        </p:spPr>
+      </p:pic>
     </p:spTree>
     <p:extLst>
       <p:ext uri="{BB962C8B-B14F-4D97-AF65-F5344CB8AC3E}">

--- a/resource.pptx
+++ b/resource.pptx
@@ -10,17 +10,24 @@
     <p:sldId id="258" r:id="rId4"/>
     <p:sldId id="266" r:id="rId5"/>
     <p:sldId id="260" r:id="rId6"/>
-    <p:sldId id="271" r:id="rId7"/>
-    <p:sldId id="270" r:id="rId8"/>
-    <p:sldId id="265" r:id="rId9"/>
-    <p:sldId id="267" r:id="rId10"/>
-    <p:sldId id="269" r:id="rId11"/>
-    <p:sldId id="268" r:id="rId12"/>
-    <p:sldId id="263" r:id="rId13"/>
-    <p:sldId id="264" r:id="rId14"/>
-    <p:sldId id="262" r:id="rId15"/>
-    <p:sldId id="261" r:id="rId16"/>
-    <p:sldId id="259" r:id="rId17"/>
+    <p:sldId id="278" r:id="rId7"/>
+    <p:sldId id="277" r:id="rId8"/>
+    <p:sldId id="275" r:id="rId9"/>
+    <p:sldId id="276" r:id="rId10"/>
+    <p:sldId id="274" r:id="rId11"/>
+    <p:sldId id="273" r:id="rId12"/>
+    <p:sldId id="272" r:id="rId13"/>
+    <p:sldId id="271" r:id="rId14"/>
+    <p:sldId id="270" r:id="rId15"/>
+    <p:sldId id="265" r:id="rId16"/>
+    <p:sldId id="267" r:id="rId17"/>
+    <p:sldId id="269" r:id="rId18"/>
+    <p:sldId id="268" r:id="rId19"/>
+    <p:sldId id="263" r:id="rId20"/>
+    <p:sldId id="264" r:id="rId21"/>
+    <p:sldId id="262" r:id="rId22"/>
+    <p:sldId id="261" r:id="rId23"/>
+    <p:sldId id="259" r:id="rId24"/>
   </p:sldIdLst>
   <p:sldSz cx="12192000" cy="6858000"/>
   <p:notesSz cx="6858000" cy="9144000"/>
@@ -270,7 +277,7 @@
           <a:p>
             <a:fld id="{F393CF75-DA3A-4376-8130-7D6E005E77C9}" type="datetimeFigureOut">
               <a:rPr kumimoji="1" lang="ja-JP" altLang="en-US" smtClean="0"/>
-              <a:t>2019/11/18</a:t>
+              <a:t>2019/11/26</a:t>
             </a:fld>
             <a:endParaRPr kumimoji="1" lang="ja-JP" altLang="en-US"/>
           </a:p>
@@ -472,7 +479,7 @@
           <a:p>
             <a:fld id="{F393CF75-DA3A-4376-8130-7D6E005E77C9}" type="datetimeFigureOut">
               <a:rPr kumimoji="1" lang="ja-JP" altLang="en-US" smtClean="0"/>
-              <a:t>2019/11/18</a:t>
+              <a:t>2019/11/26</a:t>
             </a:fld>
             <a:endParaRPr kumimoji="1" lang="ja-JP" altLang="en-US"/>
           </a:p>
@@ -684,7 +691,7 @@
           <a:p>
             <a:fld id="{F393CF75-DA3A-4376-8130-7D6E005E77C9}" type="datetimeFigureOut">
               <a:rPr kumimoji="1" lang="ja-JP" altLang="en-US" smtClean="0"/>
-              <a:t>2019/11/18</a:t>
+              <a:t>2019/11/26</a:t>
             </a:fld>
             <a:endParaRPr kumimoji="1" lang="ja-JP" altLang="en-US"/>
           </a:p>
@@ -886,7 +893,7 @@
           <a:p>
             <a:fld id="{F393CF75-DA3A-4376-8130-7D6E005E77C9}" type="datetimeFigureOut">
               <a:rPr kumimoji="1" lang="ja-JP" altLang="en-US" smtClean="0"/>
-              <a:t>2019/11/18</a:t>
+              <a:t>2019/11/26</a:t>
             </a:fld>
             <a:endParaRPr kumimoji="1" lang="ja-JP" altLang="en-US"/>
           </a:p>
@@ -1132,7 +1139,7 @@
           <a:p>
             <a:fld id="{F393CF75-DA3A-4376-8130-7D6E005E77C9}" type="datetimeFigureOut">
               <a:rPr kumimoji="1" lang="ja-JP" altLang="en-US" smtClean="0"/>
-              <a:t>2019/11/18</a:t>
+              <a:t>2019/11/26</a:t>
             </a:fld>
             <a:endParaRPr kumimoji="1" lang="ja-JP" altLang="en-US"/>
           </a:p>
@@ -1428,7 +1435,7 @@
           <a:p>
             <a:fld id="{F393CF75-DA3A-4376-8130-7D6E005E77C9}" type="datetimeFigureOut">
               <a:rPr kumimoji="1" lang="ja-JP" altLang="en-US" smtClean="0"/>
-              <a:t>2019/11/18</a:t>
+              <a:t>2019/11/26</a:t>
             </a:fld>
             <a:endParaRPr kumimoji="1" lang="ja-JP" altLang="en-US"/>
           </a:p>
@@ -1859,7 +1866,7 @@
           <a:p>
             <a:fld id="{F393CF75-DA3A-4376-8130-7D6E005E77C9}" type="datetimeFigureOut">
               <a:rPr kumimoji="1" lang="ja-JP" altLang="en-US" smtClean="0"/>
-              <a:t>2019/11/18</a:t>
+              <a:t>2019/11/26</a:t>
             </a:fld>
             <a:endParaRPr kumimoji="1" lang="ja-JP" altLang="en-US"/>
           </a:p>
@@ -1977,7 +1984,7 @@
           <a:p>
             <a:fld id="{F393CF75-DA3A-4376-8130-7D6E005E77C9}" type="datetimeFigureOut">
               <a:rPr kumimoji="1" lang="ja-JP" altLang="en-US" smtClean="0"/>
-              <a:t>2019/11/18</a:t>
+              <a:t>2019/11/26</a:t>
             </a:fld>
             <a:endParaRPr kumimoji="1" lang="ja-JP" altLang="en-US"/>
           </a:p>
@@ -2072,7 +2079,7 @@
           <a:p>
             <a:fld id="{F393CF75-DA3A-4376-8130-7D6E005E77C9}" type="datetimeFigureOut">
               <a:rPr kumimoji="1" lang="ja-JP" altLang="en-US" smtClean="0"/>
-              <a:t>2019/11/18</a:t>
+              <a:t>2019/11/26</a:t>
             </a:fld>
             <a:endParaRPr kumimoji="1" lang="ja-JP" altLang="en-US"/>
           </a:p>
@@ -2381,7 +2388,7 @@
           <a:p>
             <a:fld id="{F393CF75-DA3A-4376-8130-7D6E005E77C9}" type="datetimeFigureOut">
               <a:rPr kumimoji="1" lang="ja-JP" altLang="en-US" smtClean="0"/>
-              <a:t>2019/11/18</a:t>
+              <a:t>2019/11/26</a:t>
             </a:fld>
             <a:endParaRPr kumimoji="1" lang="ja-JP" altLang="en-US"/>
           </a:p>
@@ -2638,7 +2645,7 @@
           <a:p>
             <a:fld id="{F393CF75-DA3A-4376-8130-7D6E005E77C9}" type="datetimeFigureOut">
               <a:rPr kumimoji="1" lang="ja-JP" altLang="en-US" smtClean="0"/>
-              <a:t>2019/11/18</a:t>
+              <a:t>2019/11/26</a:t>
             </a:fld>
             <a:endParaRPr kumimoji="1" lang="ja-JP" altLang="en-US"/>
           </a:p>
@@ -2883,7 +2890,7 @@
           <a:p>
             <a:fld id="{F393CF75-DA3A-4376-8130-7D6E005E77C9}" type="datetimeFigureOut">
               <a:rPr kumimoji="1" lang="ja-JP" altLang="en-US" smtClean="0"/>
-              <a:t>2019/11/18</a:t>
+              <a:t>2019/11/26</a:t>
             </a:fld>
             <a:endParaRPr kumimoji="1" lang="ja-JP" altLang="en-US"/>
           </a:p>
@@ -3379,6 +3386,2256 @@
 <file path=ppt/slides/slide10.xml><?xml version="1.0" encoding="utf-8"?>
 <p:sld xmlns:a="http://schemas.openxmlformats.org/drawingml/2006/main" xmlns:r="http://schemas.openxmlformats.org/officeDocument/2006/relationships" xmlns:p="http://schemas.openxmlformats.org/presentationml/2006/main">
   <p:cSld>
+    <p:spTree>
+      <p:nvGrpSpPr>
+        <p:cNvPr id="1" name=""/>
+        <p:cNvGrpSpPr/>
+        <p:nvPr/>
+      </p:nvGrpSpPr>
+      <p:grpSpPr>
+        <a:xfrm>
+          <a:off x="0" y="0"/>
+          <a:ext cx="0" cy="0"/>
+          <a:chOff x="0" y="0"/>
+          <a:chExt cx="0" cy="0"/>
+        </a:xfrm>
+      </p:grpSpPr>
+      <p:sp>
+        <p:nvSpPr>
+          <p:cNvPr id="3" name="四角形: 1 つの角を切り取る 2">
+            <a:extLst>
+              <a:ext uri="{FF2B5EF4-FFF2-40B4-BE49-F238E27FC236}">
+                <a16:creationId xmlns:a16="http://schemas.microsoft.com/office/drawing/2014/main" id="{8685C2FE-B8E2-495C-BD69-68FA67AC7C52}"/>
+              </a:ext>
+            </a:extLst>
+          </p:cNvPr>
+          <p:cNvSpPr/>
+          <p:nvPr/>
+        </p:nvSpPr>
+        <p:spPr>
+          <a:xfrm flipH="1">
+            <a:off x="3228975" y="1304925"/>
+            <a:ext cx="4619625" cy="1266825"/>
+          </a:xfrm>
+          <a:custGeom>
+            <a:avLst/>
+            <a:gdLst>
+              <a:gd name="connsiteX0" fmla="*/ 0 w 4619625"/>
+              <a:gd name="connsiteY0" fmla="*/ 0 h 1266825"/>
+              <a:gd name="connsiteX1" fmla="*/ 3986213 w 4619625"/>
+              <a:gd name="connsiteY1" fmla="*/ 0 h 1266825"/>
+              <a:gd name="connsiteX2" fmla="*/ 4619625 w 4619625"/>
+              <a:gd name="connsiteY2" fmla="*/ 633413 h 1266825"/>
+              <a:gd name="connsiteX3" fmla="*/ 4619625 w 4619625"/>
+              <a:gd name="connsiteY3" fmla="*/ 1266825 h 1266825"/>
+              <a:gd name="connsiteX4" fmla="*/ 0 w 4619625"/>
+              <a:gd name="connsiteY4" fmla="*/ 1266825 h 1266825"/>
+              <a:gd name="connsiteX5" fmla="*/ 0 w 4619625"/>
+              <a:gd name="connsiteY5" fmla="*/ 0 h 1266825"/>
+              <a:gd name="connsiteX0" fmla="*/ 0 w 4619625"/>
+              <a:gd name="connsiteY0" fmla="*/ 0 h 1266825"/>
+              <a:gd name="connsiteX1" fmla="*/ 3986213 w 4619625"/>
+              <a:gd name="connsiteY1" fmla="*/ 0 h 1266825"/>
+              <a:gd name="connsiteX2" fmla="*/ 4619625 w 4619625"/>
+              <a:gd name="connsiteY2" fmla="*/ 633413 h 1266825"/>
+              <a:gd name="connsiteX3" fmla="*/ 4248150 w 4619625"/>
+              <a:gd name="connsiteY3" fmla="*/ 1257300 h 1266825"/>
+              <a:gd name="connsiteX4" fmla="*/ 0 w 4619625"/>
+              <a:gd name="connsiteY4" fmla="*/ 1266825 h 1266825"/>
+              <a:gd name="connsiteX5" fmla="*/ 0 w 4619625"/>
+              <a:gd name="connsiteY5" fmla="*/ 0 h 1266825"/>
+              <a:gd name="connsiteX0" fmla="*/ 0 w 4619625"/>
+              <a:gd name="connsiteY0" fmla="*/ 0 h 1266825"/>
+              <a:gd name="connsiteX1" fmla="*/ 3395663 w 4619625"/>
+              <a:gd name="connsiteY1" fmla="*/ 9525 h 1266825"/>
+              <a:gd name="connsiteX2" fmla="*/ 4619625 w 4619625"/>
+              <a:gd name="connsiteY2" fmla="*/ 633413 h 1266825"/>
+              <a:gd name="connsiteX3" fmla="*/ 4248150 w 4619625"/>
+              <a:gd name="connsiteY3" fmla="*/ 1257300 h 1266825"/>
+              <a:gd name="connsiteX4" fmla="*/ 0 w 4619625"/>
+              <a:gd name="connsiteY4" fmla="*/ 1266825 h 1266825"/>
+              <a:gd name="connsiteX5" fmla="*/ 0 w 4619625"/>
+              <a:gd name="connsiteY5" fmla="*/ 0 h 1266825"/>
+              <a:gd name="connsiteX0" fmla="*/ 0 w 4619625"/>
+              <a:gd name="connsiteY0" fmla="*/ 0 h 1266825"/>
+              <a:gd name="connsiteX1" fmla="*/ 3395663 w 4619625"/>
+              <a:gd name="connsiteY1" fmla="*/ 9525 h 1266825"/>
+              <a:gd name="connsiteX2" fmla="*/ 4619625 w 4619625"/>
+              <a:gd name="connsiteY2" fmla="*/ 633413 h 1266825"/>
+              <a:gd name="connsiteX3" fmla="*/ 3857625 w 4619625"/>
+              <a:gd name="connsiteY3" fmla="*/ 1257300 h 1266825"/>
+              <a:gd name="connsiteX4" fmla="*/ 0 w 4619625"/>
+              <a:gd name="connsiteY4" fmla="*/ 1266825 h 1266825"/>
+              <a:gd name="connsiteX5" fmla="*/ 0 w 4619625"/>
+              <a:gd name="connsiteY5" fmla="*/ 0 h 1266825"/>
+              <a:gd name="connsiteX0" fmla="*/ 0 w 4619625"/>
+              <a:gd name="connsiteY0" fmla="*/ 0 h 1266825"/>
+              <a:gd name="connsiteX1" fmla="*/ 3395663 w 4619625"/>
+              <a:gd name="connsiteY1" fmla="*/ 9525 h 1266825"/>
+              <a:gd name="connsiteX2" fmla="*/ 4619625 w 4619625"/>
+              <a:gd name="connsiteY2" fmla="*/ 890588 h 1266825"/>
+              <a:gd name="connsiteX3" fmla="*/ 3857625 w 4619625"/>
+              <a:gd name="connsiteY3" fmla="*/ 1257300 h 1266825"/>
+              <a:gd name="connsiteX4" fmla="*/ 0 w 4619625"/>
+              <a:gd name="connsiteY4" fmla="*/ 1266825 h 1266825"/>
+              <a:gd name="connsiteX5" fmla="*/ 0 w 4619625"/>
+              <a:gd name="connsiteY5" fmla="*/ 0 h 1266825"/>
+              <a:gd name="connsiteX0" fmla="*/ 0 w 4619625"/>
+              <a:gd name="connsiteY0" fmla="*/ 0 h 1266825"/>
+              <a:gd name="connsiteX1" fmla="*/ 3395663 w 4619625"/>
+              <a:gd name="connsiteY1" fmla="*/ 9525 h 1266825"/>
+              <a:gd name="connsiteX2" fmla="*/ 4619625 w 4619625"/>
+              <a:gd name="connsiteY2" fmla="*/ 890588 h 1266825"/>
+              <a:gd name="connsiteX3" fmla="*/ 4143375 w 4619625"/>
+              <a:gd name="connsiteY3" fmla="*/ 1257300 h 1266825"/>
+              <a:gd name="connsiteX4" fmla="*/ 0 w 4619625"/>
+              <a:gd name="connsiteY4" fmla="*/ 1266825 h 1266825"/>
+              <a:gd name="connsiteX5" fmla="*/ 0 w 4619625"/>
+              <a:gd name="connsiteY5" fmla="*/ 0 h 1266825"/>
+              <a:gd name="connsiteX0" fmla="*/ 0 w 4619625"/>
+              <a:gd name="connsiteY0" fmla="*/ 0 h 1266825"/>
+              <a:gd name="connsiteX1" fmla="*/ 3986213 w 4619625"/>
+              <a:gd name="connsiteY1" fmla="*/ 9525 h 1266825"/>
+              <a:gd name="connsiteX2" fmla="*/ 4619625 w 4619625"/>
+              <a:gd name="connsiteY2" fmla="*/ 890588 h 1266825"/>
+              <a:gd name="connsiteX3" fmla="*/ 4143375 w 4619625"/>
+              <a:gd name="connsiteY3" fmla="*/ 1257300 h 1266825"/>
+              <a:gd name="connsiteX4" fmla="*/ 0 w 4619625"/>
+              <a:gd name="connsiteY4" fmla="*/ 1266825 h 1266825"/>
+              <a:gd name="connsiteX5" fmla="*/ 0 w 4619625"/>
+              <a:gd name="connsiteY5" fmla="*/ 0 h 1266825"/>
+              <a:gd name="connsiteX0" fmla="*/ 0 w 4619625"/>
+              <a:gd name="connsiteY0" fmla="*/ 0 h 1266825"/>
+              <a:gd name="connsiteX1" fmla="*/ 3986213 w 4619625"/>
+              <a:gd name="connsiteY1" fmla="*/ 9525 h 1266825"/>
+              <a:gd name="connsiteX2" fmla="*/ 4619625 w 4619625"/>
+              <a:gd name="connsiteY2" fmla="*/ 766763 h 1266825"/>
+              <a:gd name="connsiteX3" fmla="*/ 4143375 w 4619625"/>
+              <a:gd name="connsiteY3" fmla="*/ 1257300 h 1266825"/>
+              <a:gd name="connsiteX4" fmla="*/ 0 w 4619625"/>
+              <a:gd name="connsiteY4" fmla="*/ 1266825 h 1266825"/>
+              <a:gd name="connsiteX5" fmla="*/ 0 w 4619625"/>
+              <a:gd name="connsiteY5" fmla="*/ 0 h 1266825"/>
+            </a:gdLst>
+            <a:ahLst/>
+            <a:cxnLst>
+              <a:cxn ang="0">
+                <a:pos x="connsiteX0" y="connsiteY0"/>
+              </a:cxn>
+              <a:cxn ang="0">
+                <a:pos x="connsiteX1" y="connsiteY1"/>
+              </a:cxn>
+              <a:cxn ang="0">
+                <a:pos x="connsiteX2" y="connsiteY2"/>
+              </a:cxn>
+              <a:cxn ang="0">
+                <a:pos x="connsiteX3" y="connsiteY3"/>
+              </a:cxn>
+              <a:cxn ang="0">
+                <a:pos x="connsiteX4" y="connsiteY4"/>
+              </a:cxn>
+              <a:cxn ang="0">
+                <a:pos x="connsiteX5" y="connsiteY5"/>
+              </a:cxn>
+            </a:cxnLst>
+            <a:rect l="l" t="t" r="r" b="b"/>
+            <a:pathLst>
+              <a:path w="4619625" h="1266825">
+                <a:moveTo>
+                  <a:pt x="0" y="0"/>
+                </a:moveTo>
+                <a:lnTo>
+                  <a:pt x="3986213" y="9525"/>
+                </a:lnTo>
+                <a:lnTo>
+                  <a:pt x="4619625" y="766763"/>
+                </a:lnTo>
+                <a:lnTo>
+                  <a:pt x="4143375" y="1257300"/>
+                </a:lnTo>
+                <a:lnTo>
+                  <a:pt x="0" y="1266825"/>
+                </a:lnTo>
+                <a:lnTo>
+                  <a:pt x="0" y="0"/>
+                </a:lnTo>
+                <a:close/>
+              </a:path>
+            </a:pathLst>
+          </a:custGeom>
+          <a:solidFill>
+            <a:schemeClr val="tx1"/>
+          </a:solidFill>
+          <a:ln>
+            <a:noFill/>
+          </a:ln>
+          <a:effectLst>
+            <a:outerShdw blurRad="50800" dist="38100" dir="2700000" algn="tl" rotWithShape="0">
+              <a:prstClr val="black">
+                <a:alpha val="40000"/>
+              </a:prstClr>
+            </a:outerShdw>
+          </a:effectLst>
+        </p:spPr>
+        <p:style>
+          <a:lnRef idx="2">
+            <a:schemeClr val="accent1">
+              <a:shade val="50000"/>
+            </a:schemeClr>
+          </a:lnRef>
+          <a:fillRef idx="1">
+            <a:schemeClr val="accent1"/>
+          </a:fillRef>
+          <a:effectRef idx="0">
+            <a:schemeClr val="accent1"/>
+          </a:effectRef>
+          <a:fontRef idx="minor">
+            <a:schemeClr val="lt1"/>
+          </a:fontRef>
+        </p:style>
+        <p:txBody>
+          <a:bodyPr rtlCol="0" anchor="ctr"/>
+          <a:lstStyle/>
+          <a:p>
+            <a:pPr algn="ctr"/>
+            <a:r>
+              <a:rPr kumimoji="1" lang="en-US" altLang="ja-JP" sz="8000" i="1" dirty="0">
+                <a:solidFill>
+                  <a:schemeClr val="bg1"/>
+                </a:solidFill>
+              </a:rPr>
+              <a:t>SCORE</a:t>
+            </a:r>
+            <a:endParaRPr kumimoji="1" lang="ja-JP" altLang="en-US" sz="8000" i="1" dirty="0">
+              <a:solidFill>
+                <a:schemeClr val="bg1"/>
+              </a:solidFill>
+            </a:endParaRPr>
+          </a:p>
+        </p:txBody>
+      </p:sp>
+    </p:spTree>
+    <p:extLst>
+      <p:ext uri="{BB962C8B-B14F-4D97-AF65-F5344CB8AC3E}">
+        <p14:creationId xmlns:p14="http://schemas.microsoft.com/office/powerpoint/2010/main" val="3713645331"/>
+      </p:ext>
+    </p:extLst>
+  </p:cSld>
+  <p:clrMapOvr>
+    <a:masterClrMapping/>
+  </p:clrMapOvr>
+</p:sld>
+</file>
+
+<file path=ppt/slides/slide11.xml><?xml version="1.0" encoding="utf-8"?>
+<p:sld xmlns:a="http://schemas.openxmlformats.org/drawingml/2006/main" xmlns:r="http://schemas.openxmlformats.org/officeDocument/2006/relationships" xmlns:p="http://schemas.openxmlformats.org/presentationml/2006/main">
+  <p:cSld>
+    <p:bg>
+      <p:bgPr>
+        <a:solidFill>
+          <a:schemeClr val="tx1"/>
+        </a:solidFill>
+        <a:effectLst/>
+      </p:bgPr>
+    </p:bg>
+    <p:spTree>
+      <p:nvGrpSpPr>
+        <p:cNvPr id="1" name=""/>
+        <p:cNvGrpSpPr/>
+        <p:nvPr/>
+      </p:nvGrpSpPr>
+      <p:grpSpPr>
+        <a:xfrm>
+          <a:off x="0" y="0"/>
+          <a:ext cx="0" cy="0"/>
+          <a:chOff x="0" y="0"/>
+          <a:chExt cx="0" cy="0"/>
+        </a:xfrm>
+      </p:grpSpPr>
+      <p:sp>
+        <p:nvSpPr>
+          <p:cNvPr id="2" name="四角形: 角を丸くする 1">
+            <a:extLst>
+              <a:ext uri="{FF2B5EF4-FFF2-40B4-BE49-F238E27FC236}">
+                <a16:creationId xmlns:a16="http://schemas.microsoft.com/office/drawing/2014/main" id="{C6D21391-D0FA-4658-B522-E8B285B9650E}"/>
+              </a:ext>
+            </a:extLst>
+          </p:cNvPr>
+          <p:cNvSpPr/>
+          <p:nvPr/>
+        </p:nvSpPr>
+        <p:spPr>
+          <a:xfrm>
+            <a:off x="4023064" y="792701"/>
+            <a:ext cx="4145872" cy="1376039"/>
+          </a:xfrm>
+          <a:prstGeom prst="roundRect">
+            <a:avLst>
+              <a:gd name="adj" fmla="val 50000"/>
+            </a:avLst>
+          </a:prstGeom>
+          <a:noFill/>
+          <a:ln w="127000" cap="flat" cmpd="sng">
+            <a:gradFill flip="none" rotWithShape="1">
+              <a:gsLst>
+                <a:gs pos="0">
+                  <a:schemeClr val="accent1">
+                    <a:lumMod val="5000"/>
+                    <a:lumOff val="95000"/>
+                  </a:schemeClr>
+                </a:gs>
+                <a:gs pos="50000">
+                  <a:schemeClr val="tx1">
+                    <a:lumMod val="95000"/>
+                  </a:schemeClr>
+                </a:gs>
+                <a:gs pos="100000">
+                  <a:schemeClr val="tx1">
+                    <a:lumMod val="95000"/>
+                  </a:schemeClr>
+                </a:gs>
+              </a:gsLst>
+              <a:path path="circle">
+                <a:fillToRect l="50000" t="50000" r="50000" b="50000"/>
+              </a:path>
+              <a:tileRect/>
+            </a:gradFill>
+            <a:prstDash val="sysDash"/>
+            <a:round/>
+          </a:ln>
+        </p:spPr>
+        <p:style>
+          <a:lnRef idx="2">
+            <a:schemeClr val="accent1">
+              <a:shade val="50000"/>
+            </a:schemeClr>
+          </a:lnRef>
+          <a:fillRef idx="1">
+            <a:schemeClr val="accent1"/>
+          </a:fillRef>
+          <a:effectRef idx="0">
+            <a:schemeClr val="accent1"/>
+          </a:effectRef>
+          <a:fontRef idx="minor">
+            <a:schemeClr val="lt1"/>
+          </a:fontRef>
+        </p:style>
+        <p:txBody>
+          <a:bodyPr rtlCol="0" anchor="ctr"/>
+          <a:lstStyle/>
+          <a:p>
+            <a:pPr algn="ctr"/>
+            <a:endParaRPr kumimoji="1" lang="ja-JP" altLang="en-US"/>
+          </a:p>
+        </p:txBody>
+      </p:sp>
+      <p:sp>
+        <p:nvSpPr>
+          <p:cNvPr id="3" name="四角形: 角を丸くする 2">
+            <a:extLst>
+              <a:ext uri="{FF2B5EF4-FFF2-40B4-BE49-F238E27FC236}">
+                <a16:creationId xmlns:a16="http://schemas.microsoft.com/office/drawing/2014/main" id="{EDF72035-B522-4AA3-A29B-C4C7CE6B4706}"/>
+              </a:ext>
+            </a:extLst>
+          </p:cNvPr>
+          <p:cNvSpPr/>
+          <p:nvPr/>
+        </p:nvSpPr>
+        <p:spPr>
+          <a:xfrm>
+            <a:off x="6775789" y="646222"/>
+            <a:ext cx="4145872" cy="1376039"/>
+          </a:xfrm>
+          <a:prstGeom prst="roundRect">
+            <a:avLst>
+              <a:gd name="adj" fmla="val 50000"/>
+            </a:avLst>
+          </a:prstGeom>
+          <a:gradFill>
+            <a:gsLst>
+              <a:gs pos="0">
+                <a:schemeClr val="accent1">
+                  <a:lumMod val="5000"/>
+                  <a:lumOff val="95000"/>
+                </a:schemeClr>
+              </a:gs>
+              <a:gs pos="50000">
+                <a:schemeClr val="tx1">
+                  <a:lumMod val="95000"/>
+                </a:schemeClr>
+              </a:gs>
+              <a:gs pos="100000">
+                <a:schemeClr val="tx1">
+                  <a:lumMod val="95000"/>
+                </a:schemeClr>
+              </a:gs>
+            </a:gsLst>
+            <a:path path="circle">
+              <a:fillToRect l="50000" t="50000" r="50000" b="50000"/>
+            </a:path>
+          </a:gradFill>
+          <a:ln w="127000" cap="flat" cmpd="sng">
+            <a:noFill/>
+            <a:prstDash val="sysDash"/>
+            <a:round/>
+          </a:ln>
+          <a:effectLst>
+            <a:outerShdw blurRad="50800" dist="38100" dir="2700000" algn="tl" rotWithShape="0">
+              <a:prstClr val="black">
+                <a:alpha val="40000"/>
+              </a:prstClr>
+            </a:outerShdw>
+          </a:effectLst>
+        </p:spPr>
+        <p:style>
+          <a:lnRef idx="2">
+            <a:schemeClr val="accent1">
+              <a:shade val="50000"/>
+            </a:schemeClr>
+          </a:lnRef>
+          <a:fillRef idx="1">
+            <a:schemeClr val="accent1"/>
+          </a:fillRef>
+          <a:effectRef idx="0">
+            <a:schemeClr val="accent1"/>
+          </a:effectRef>
+          <a:fontRef idx="minor">
+            <a:schemeClr val="lt1"/>
+          </a:fontRef>
+        </p:style>
+        <p:txBody>
+          <a:bodyPr rtlCol="0" anchor="ctr"/>
+          <a:lstStyle/>
+          <a:p>
+            <a:pPr algn="ctr"/>
+            <a:r>
+              <a:rPr kumimoji="1" lang="en-US" altLang="ja-JP" sz="5400" b="1" dirty="0">
+                <a:solidFill>
+                  <a:schemeClr val="bg1"/>
+                </a:solidFill>
+                <a:latin typeface="游明朝" panose="02020400000000000000" pitchFamily="18" charset="-128"/>
+                <a:ea typeface="游明朝" panose="02020400000000000000" pitchFamily="18" charset="-128"/>
+              </a:rPr>
+              <a:t>Play</a:t>
+            </a:r>
+            <a:endParaRPr kumimoji="1" lang="ja-JP" altLang="en-US" sz="5400" b="1" dirty="0">
+              <a:solidFill>
+                <a:schemeClr val="bg1"/>
+              </a:solidFill>
+              <a:latin typeface="游明朝" panose="02020400000000000000" pitchFamily="18" charset="-128"/>
+              <a:ea typeface="游明朝" panose="02020400000000000000" pitchFamily="18" charset="-128"/>
+            </a:endParaRPr>
+          </a:p>
+        </p:txBody>
+      </p:sp>
+      <p:sp>
+        <p:nvSpPr>
+          <p:cNvPr id="6" name="四角形: 1 つの角を切り取る 5">
+            <a:extLst>
+              <a:ext uri="{FF2B5EF4-FFF2-40B4-BE49-F238E27FC236}">
+                <a16:creationId xmlns:a16="http://schemas.microsoft.com/office/drawing/2014/main" id="{7B39300C-12D4-4162-91B6-3691A8746492}"/>
+              </a:ext>
+            </a:extLst>
+          </p:cNvPr>
+          <p:cNvSpPr/>
+          <p:nvPr/>
+        </p:nvSpPr>
+        <p:spPr>
+          <a:xfrm flipH="1">
+            <a:off x="1143000" y="513932"/>
+            <a:ext cx="2200275" cy="1933575"/>
+          </a:xfrm>
+          <a:prstGeom prst="snip1Rect">
+            <a:avLst>
+              <a:gd name="adj" fmla="val 31281"/>
+            </a:avLst>
+          </a:prstGeom>
+          <a:solidFill>
+            <a:schemeClr val="bg1"/>
+          </a:solidFill>
+          <a:ln>
+            <a:noFill/>
+          </a:ln>
+        </p:spPr>
+        <p:style>
+          <a:lnRef idx="2">
+            <a:schemeClr val="accent1">
+              <a:shade val="50000"/>
+            </a:schemeClr>
+          </a:lnRef>
+          <a:fillRef idx="1">
+            <a:schemeClr val="accent1"/>
+          </a:fillRef>
+          <a:effectRef idx="0">
+            <a:schemeClr val="accent1"/>
+          </a:effectRef>
+          <a:fontRef idx="minor">
+            <a:schemeClr val="lt1"/>
+          </a:fontRef>
+        </p:style>
+        <p:txBody>
+          <a:bodyPr rtlCol="0" anchor="ctr"/>
+          <a:lstStyle/>
+          <a:p>
+            <a:pPr algn="ctr"/>
+            <a:endParaRPr kumimoji="1" lang="ja-JP" altLang="en-US"/>
+          </a:p>
+        </p:txBody>
+      </p:sp>
+      <p:sp>
+        <p:nvSpPr>
+          <p:cNvPr id="8" name="四角形: 1 つの角を切り取る 7">
+            <a:extLst>
+              <a:ext uri="{FF2B5EF4-FFF2-40B4-BE49-F238E27FC236}">
+                <a16:creationId xmlns:a16="http://schemas.microsoft.com/office/drawing/2014/main" id="{2A3EE482-9538-490F-86BB-F42C297C1DA3}"/>
+              </a:ext>
+            </a:extLst>
+          </p:cNvPr>
+          <p:cNvSpPr/>
+          <p:nvPr/>
+        </p:nvSpPr>
+        <p:spPr>
+          <a:xfrm flipH="1">
+            <a:off x="4565989" y="3429000"/>
+            <a:ext cx="2209800" cy="1952625"/>
+          </a:xfrm>
+          <a:custGeom>
+            <a:avLst/>
+            <a:gdLst>
+              <a:gd name="connsiteX0" fmla="*/ 0 w 2200275"/>
+              <a:gd name="connsiteY0" fmla="*/ 0 h 1933575"/>
+              <a:gd name="connsiteX1" fmla="*/ 1595433 w 2200275"/>
+              <a:gd name="connsiteY1" fmla="*/ 0 h 1933575"/>
+              <a:gd name="connsiteX2" fmla="*/ 2200275 w 2200275"/>
+              <a:gd name="connsiteY2" fmla="*/ 604842 h 1933575"/>
+              <a:gd name="connsiteX3" fmla="*/ 2200275 w 2200275"/>
+              <a:gd name="connsiteY3" fmla="*/ 1933575 h 1933575"/>
+              <a:gd name="connsiteX4" fmla="*/ 0 w 2200275"/>
+              <a:gd name="connsiteY4" fmla="*/ 1933575 h 1933575"/>
+              <a:gd name="connsiteX5" fmla="*/ 0 w 2200275"/>
+              <a:gd name="connsiteY5" fmla="*/ 0 h 1933575"/>
+              <a:gd name="connsiteX0" fmla="*/ 0 w 2200275"/>
+              <a:gd name="connsiteY0" fmla="*/ 0 h 1933575"/>
+              <a:gd name="connsiteX1" fmla="*/ 1595433 w 2200275"/>
+              <a:gd name="connsiteY1" fmla="*/ 0 h 1933575"/>
+              <a:gd name="connsiteX2" fmla="*/ 2200275 w 2200275"/>
+              <a:gd name="connsiteY2" fmla="*/ 1404942 h 1933575"/>
+              <a:gd name="connsiteX3" fmla="*/ 2200275 w 2200275"/>
+              <a:gd name="connsiteY3" fmla="*/ 1933575 h 1933575"/>
+              <a:gd name="connsiteX4" fmla="*/ 0 w 2200275"/>
+              <a:gd name="connsiteY4" fmla="*/ 1933575 h 1933575"/>
+              <a:gd name="connsiteX5" fmla="*/ 0 w 2200275"/>
+              <a:gd name="connsiteY5" fmla="*/ 0 h 1933575"/>
+              <a:gd name="connsiteX0" fmla="*/ 0 w 2209800"/>
+              <a:gd name="connsiteY0" fmla="*/ 0 h 1933575"/>
+              <a:gd name="connsiteX1" fmla="*/ 1595433 w 2209800"/>
+              <a:gd name="connsiteY1" fmla="*/ 0 h 1933575"/>
+              <a:gd name="connsiteX2" fmla="*/ 2209800 w 2209800"/>
+              <a:gd name="connsiteY2" fmla="*/ 814392 h 1933575"/>
+              <a:gd name="connsiteX3" fmla="*/ 2200275 w 2209800"/>
+              <a:gd name="connsiteY3" fmla="*/ 1933575 h 1933575"/>
+              <a:gd name="connsiteX4" fmla="*/ 0 w 2209800"/>
+              <a:gd name="connsiteY4" fmla="*/ 1933575 h 1933575"/>
+              <a:gd name="connsiteX5" fmla="*/ 0 w 2209800"/>
+              <a:gd name="connsiteY5" fmla="*/ 0 h 1933575"/>
+              <a:gd name="connsiteX0" fmla="*/ 0 w 2209800"/>
+              <a:gd name="connsiteY0" fmla="*/ 0 h 1952625"/>
+              <a:gd name="connsiteX1" fmla="*/ 1595433 w 2209800"/>
+              <a:gd name="connsiteY1" fmla="*/ 0 h 1952625"/>
+              <a:gd name="connsiteX2" fmla="*/ 2209800 w 2209800"/>
+              <a:gd name="connsiteY2" fmla="*/ 814392 h 1952625"/>
+              <a:gd name="connsiteX3" fmla="*/ 1828800 w 2209800"/>
+              <a:gd name="connsiteY3" fmla="*/ 1952625 h 1952625"/>
+              <a:gd name="connsiteX4" fmla="*/ 0 w 2209800"/>
+              <a:gd name="connsiteY4" fmla="*/ 1933575 h 1952625"/>
+              <a:gd name="connsiteX5" fmla="*/ 0 w 2209800"/>
+              <a:gd name="connsiteY5" fmla="*/ 0 h 1952625"/>
+              <a:gd name="connsiteX0" fmla="*/ 0 w 2209800"/>
+              <a:gd name="connsiteY0" fmla="*/ 0 h 1952625"/>
+              <a:gd name="connsiteX1" fmla="*/ 1595433 w 2209800"/>
+              <a:gd name="connsiteY1" fmla="*/ 0 h 1952625"/>
+              <a:gd name="connsiteX2" fmla="*/ 2209800 w 2209800"/>
+              <a:gd name="connsiteY2" fmla="*/ 1395417 h 1952625"/>
+              <a:gd name="connsiteX3" fmla="*/ 1828800 w 2209800"/>
+              <a:gd name="connsiteY3" fmla="*/ 1952625 h 1952625"/>
+              <a:gd name="connsiteX4" fmla="*/ 0 w 2209800"/>
+              <a:gd name="connsiteY4" fmla="*/ 1933575 h 1952625"/>
+              <a:gd name="connsiteX5" fmla="*/ 0 w 2209800"/>
+              <a:gd name="connsiteY5" fmla="*/ 0 h 1952625"/>
+              <a:gd name="connsiteX0" fmla="*/ 0 w 2209800"/>
+              <a:gd name="connsiteY0" fmla="*/ 0 h 1952625"/>
+              <a:gd name="connsiteX1" fmla="*/ 1595433 w 2209800"/>
+              <a:gd name="connsiteY1" fmla="*/ 0 h 1952625"/>
+              <a:gd name="connsiteX2" fmla="*/ 2209800 w 2209800"/>
+              <a:gd name="connsiteY2" fmla="*/ 1062042 h 1952625"/>
+              <a:gd name="connsiteX3" fmla="*/ 1828800 w 2209800"/>
+              <a:gd name="connsiteY3" fmla="*/ 1952625 h 1952625"/>
+              <a:gd name="connsiteX4" fmla="*/ 0 w 2209800"/>
+              <a:gd name="connsiteY4" fmla="*/ 1933575 h 1952625"/>
+              <a:gd name="connsiteX5" fmla="*/ 0 w 2209800"/>
+              <a:gd name="connsiteY5" fmla="*/ 0 h 1952625"/>
+              <a:gd name="connsiteX0" fmla="*/ 0 w 2209800"/>
+              <a:gd name="connsiteY0" fmla="*/ 0 h 1952625"/>
+              <a:gd name="connsiteX1" fmla="*/ 1243008 w 2209800"/>
+              <a:gd name="connsiteY1" fmla="*/ 0 h 1952625"/>
+              <a:gd name="connsiteX2" fmla="*/ 2209800 w 2209800"/>
+              <a:gd name="connsiteY2" fmla="*/ 1062042 h 1952625"/>
+              <a:gd name="connsiteX3" fmla="*/ 1828800 w 2209800"/>
+              <a:gd name="connsiteY3" fmla="*/ 1952625 h 1952625"/>
+              <a:gd name="connsiteX4" fmla="*/ 0 w 2209800"/>
+              <a:gd name="connsiteY4" fmla="*/ 1933575 h 1952625"/>
+              <a:gd name="connsiteX5" fmla="*/ 0 w 2209800"/>
+              <a:gd name="connsiteY5" fmla="*/ 0 h 1952625"/>
+              <a:gd name="connsiteX0" fmla="*/ 0 w 2209800"/>
+              <a:gd name="connsiteY0" fmla="*/ 0 h 1952625"/>
+              <a:gd name="connsiteX1" fmla="*/ 1243008 w 2209800"/>
+              <a:gd name="connsiteY1" fmla="*/ 0 h 1952625"/>
+              <a:gd name="connsiteX2" fmla="*/ 2209800 w 2209800"/>
+              <a:gd name="connsiteY2" fmla="*/ 1062042 h 1952625"/>
+              <a:gd name="connsiteX3" fmla="*/ 1647825 w 2209800"/>
+              <a:gd name="connsiteY3" fmla="*/ 1952625 h 1952625"/>
+              <a:gd name="connsiteX4" fmla="*/ 0 w 2209800"/>
+              <a:gd name="connsiteY4" fmla="*/ 1933575 h 1952625"/>
+              <a:gd name="connsiteX5" fmla="*/ 0 w 2209800"/>
+              <a:gd name="connsiteY5" fmla="*/ 0 h 1952625"/>
+            </a:gdLst>
+            <a:ahLst/>
+            <a:cxnLst>
+              <a:cxn ang="0">
+                <a:pos x="connsiteX0" y="connsiteY0"/>
+              </a:cxn>
+              <a:cxn ang="0">
+                <a:pos x="connsiteX1" y="connsiteY1"/>
+              </a:cxn>
+              <a:cxn ang="0">
+                <a:pos x="connsiteX2" y="connsiteY2"/>
+              </a:cxn>
+              <a:cxn ang="0">
+                <a:pos x="connsiteX3" y="connsiteY3"/>
+              </a:cxn>
+              <a:cxn ang="0">
+                <a:pos x="connsiteX4" y="connsiteY4"/>
+              </a:cxn>
+              <a:cxn ang="0">
+                <a:pos x="connsiteX5" y="connsiteY5"/>
+              </a:cxn>
+            </a:cxnLst>
+            <a:rect l="l" t="t" r="r" b="b"/>
+            <a:pathLst>
+              <a:path w="2209800" h="1952625">
+                <a:moveTo>
+                  <a:pt x="0" y="0"/>
+                </a:moveTo>
+                <a:lnTo>
+                  <a:pt x="1243008" y="0"/>
+                </a:lnTo>
+                <a:lnTo>
+                  <a:pt x="2209800" y="1062042"/>
+                </a:lnTo>
+                <a:lnTo>
+                  <a:pt x="1647825" y="1952625"/>
+                </a:lnTo>
+                <a:lnTo>
+                  <a:pt x="0" y="1933575"/>
+                </a:lnTo>
+                <a:lnTo>
+                  <a:pt x="0" y="0"/>
+                </a:lnTo>
+                <a:close/>
+              </a:path>
+            </a:pathLst>
+          </a:custGeom>
+          <a:solidFill>
+            <a:schemeClr val="bg1"/>
+          </a:solidFill>
+          <a:ln>
+            <a:noFill/>
+          </a:ln>
+        </p:spPr>
+        <p:style>
+          <a:lnRef idx="2">
+            <a:schemeClr val="accent1">
+              <a:shade val="50000"/>
+            </a:schemeClr>
+          </a:lnRef>
+          <a:fillRef idx="1">
+            <a:schemeClr val="accent1"/>
+          </a:fillRef>
+          <a:effectRef idx="0">
+            <a:schemeClr val="accent1"/>
+          </a:effectRef>
+          <a:fontRef idx="minor">
+            <a:schemeClr val="lt1"/>
+          </a:fontRef>
+        </p:style>
+        <p:txBody>
+          <a:bodyPr rtlCol="0" anchor="ctr"/>
+          <a:lstStyle/>
+          <a:p>
+            <a:pPr algn="ctr"/>
+            <a:endParaRPr kumimoji="1" lang="ja-JP" altLang="en-US"/>
+          </a:p>
+        </p:txBody>
+      </p:sp>
+    </p:spTree>
+    <p:extLst>
+      <p:ext uri="{BB962C8B-B14F-4D97-AF65-F5344CB8AC3E}">
+        <p14:creationId xmlns:p14="http://schemas.microsoft.com/office/powerpoint/2010/main" val="3910468360"/>
+      </p:ext>
+    </p:extLst>
+  </p:cSld>
+  <p:clrMapOvr>
+    <a:masterClrMapping/>
+  </p:clrMapOvr>
+</p:sld>
+</file>
+
+<file path=ppt/slides/slide12.xml><?xml version="1.0" encoding="utf-8"?>
+<p:sld xmlns:a="http://schemas.openxmlformats.org/drawingml/2006/main" xmlns:r="http://schemas.openxmlformats.org/officeDocument/2006/relationships" xmlns:p="http://schemas.openxmlformats.org/presentationml/2006/main">
+  <p:cSld>
+    <p:spTree>
+      <p:nvGrpSpPr>
+        <p:cNvPr id="1" name=""/>
+        <p:cNvGrpSpPr/>
+        <p:nvPr/>
+      </p:nvGrpSpPr>
+      <p:grpSpPr>
+        <a:xfrm>
+          <a:off x="0" y="0"/>
+          <a:ext cx="0" cy="0"/>
+          <a:chOff x="0" y="0"/>
+          <a:chExt cx="0" cy="0"/>
+        </a:xfrm>
+      </p:grpSpPr>
+      <p:sp>
+        <p:nvSpPr>
+          <p:cNvPr id="3" name="四角形: 角を丸くする 2">
+            <a:extLst>
+              <a:ext uri="{FF2B5EF4-FFF2-40B4-BE49-F238E27FC236}">
+                <a16:creationId xmlns:a16="http://schemas.microsoft.com/office/drawing/2014/main" id="{A0089929-F881-4D1B-81E1-9046F9507FDF}"/>
+              </a:ext>
+            </a:extLst>
+          </p:cNvPr>
+          <p:cNvSpPr/>
+          <p:nvPr/>
+        </p:nvSpPr>
+        <p:spPr>
+          <a:xfrm>
+            <a:off x="4116556" y="1154651"/>
+            <a:ext cx="4145872" cy="1376039"/>
+          </a:xfrm>
+          <a:prstGeom prst="roundRect">
+            <a:avLst>
+              <a:gd name="adj" fmla="val 50000"/>
+            </a:avLst>
+          </a:prstGeom>
+          <a:noFill/>
+          <a:ln w="127000" cap="flat" cmpd="sng">
+            <a:gradFill flip="none" rotWithShape="1">
+              <a:gsLst>
+                <a:gs pos="0">
+                  <a:schemeClr val="accent1">
+                    <a:lumMod val="5000"/>
+                    <a:lumOff val="95000"/>
+                  </a:schemeClr>
+                </a:gs>
+                <a:gs pos="50000">
+                  <a:schemeClr val="tx1">
+                    <a:lumMod val="95000"/>
+                  </a:schemeClr>
+                </a:gs>
+                <a:gs pos="100000">
+                  <a:schemeClr val="tx1">
+                    <a:lumMod val="95000"/>
+                  </a:schemeClr>
+                </a:gs>
+              </a:gsLst>
+              <a:path path="circle">
+                <a:fillToRect l="50000" t="50000" r="50000" b="50000"/>
+              </a:path>
+              <a:tileRect/>
+            </a:gradFill>
+            <a:prstDash val="sysDash"/>
+            <a:round/>
+          </a:ln>
+        </p:spPr>
+        <p:style>
+          <a:lnRef idx="2">
+            <a:schemeClr val="accent1">
+              <a:shade val="50000"/>
+            </a:schemeClr>
+          </a:lnRef>
+          <a:fillRef idx="1">
+            <a:schemeClr val="accent1"/>
+          </a:fillRef>
+          <a:effectRef idx="0">
+            <a:schemeClr val="accent1"/>
+          </a:effectRef>
+          <a:fontRef idx="minor">
+            <a:schemeClr val="lt1"/>
+          </a:fontRef>
+        </p:style>
+        <p:txBody>
+          <a:bodyPr rtlCol="0" anchor="ctr"/>
+          <a:lstStyle/>
+          <a:p>
+            <a:pPr algn="ctr"/>
+            <a:endParaRPr kumimoji="1" lang="ja-JP" altLang="en-US"/>
+          </a:p>
+        </p:txBody>
+      </p:sp>
+      <p:grpSp>
+        <p:nvGrpSpPr>
+          <p:cNvPr id="5" name="グループ化 4">
+            <a:extLst>
+              <a:ext uri="{FF2B5EF4-FFF2-40B4-BE49-F238E27FC236}">
+                <a16:creationId xmlns:a16="http://schemas.microsoft.com/office/drawing/2014/main" id="{F46660EC-FF64-4BC1-8206-8CC3A2915D35}"/>
+              </a:ext>
+            </a:extLst>
+          </p:cNvPr>
+          <p:cNvGrpSpPr/>
+          <p:nvPr/>
+        </p:nvGrpSpPr>
+        <p:grpSpPr>
+          <a:xfrm>
+            <a:off x="3749560" y="1437932"/>
+            <a:ext cx="5526000" cy="3108375"/>
+            <a:chOff x="3749560" y="1437932"/>
+            <a:chExt cx="5526000" cy="3108375"/>
+          </a:xfrm>
+        </p:grpSpPr>
+        <p:sp>
+          <p:nvSpPr>
+            <p:cNvPr id="6" name="正方形/長方形 5">
+              <a:extLst>
+                <a:ext uri="{FF2B5EF4-FFF2-40B4-BE49-F238E27FC236}">
+                  <a16:creationId xmlns:a16="http://schemas.microsoft.com/office/drawing/2014/main" id="{5E6C4F0D-8D04-44BF-B373-91A703E17387}"/>
+                </a:ext>
+              </a:extLst>
+            </p:cNvPr>
+            <p:cNvSpPr>
+              <a:spLocks noChangeAspect="1"/>
+            </p:cNvSpPr>
+            <p:nvPr/>
+          </p:nvSpPr>
+          <p:spPr>
+            <a:xfrm>
+              <a:off x="3749560" y="1437932"/>
+              <a:ext cx="5526000" cy="3108375"/>
+            </a:xfrm>
+            <a:prstGeom prst="rect">
+              <a:avLst/>
+            </a:prstGeom>
+            <a:solidFill>
+              <a:schemeClr val="tx1">
+                <a:lumMod val="95000"/>
+              </a:schemeClr>
+            </a:solidFill>
+            <a:ln w="63500">
+              <a:solidFill>
+                <a:schemeClr val="tx1">
+                  <a:lumMod val="75000"/>
+                </a:schemeClr>
+              </a:solidFill>
+              <a:prstDash val="sysDash"/>
+            </a:ln>
+            <a:effectLst>
+              <a:outerShdw blurRad="50800" dist="38100" dir="2700000" algn="tl" rotWithShape="0">
+                <a:prstClr val="black">
+                  <a:alpha val="40000"/>
+                </a:prstClr>
+              </a:outerShdw>
+            </a:effectLst>
+          </p:spPr>
+          <p:style>
+            <a:lnRef idx="2">
+              <a:schemeClr val="accent1">
+                <a:shade val="50000"/>
+              </a:schemeClr>
+            </a:lnRef>
+            <a:fillRef idx="1">
+              <a:schemeClr val="accent1"/>
+            </a:fillRef>
+            <a:effectRef idx="0">
+              <a:schemeClr val="accent1"/>
+            </a:effectRef>
+            <a:fontRef idx="minor">
+              <a:schemeClr val="lt1"/>
+            </a:fontRef>
+          </p:style>
+          <p:txBody>
+            <a:bodyPr rtlCol="0" anchor="ctr"/>
+            <a:lstStyle/>
+            <a:p>
+              <a:pPr algn="r"/>
+              <a:endParaRPr kumimoji="1" lang="ja-JP" altLang="en-US" dirty="0"/>
+            </a:p>
+          </p:txBody>
+        </p:sp>
+        <p:sp>
+          <p:nvSpPr>
+            <p:cNvPr id="7" name="テキスト ボックス 6">
+              <a:extLst>
+                <a:ext uri="{FF2B5EF4-FFF2-40B4-BE49-F238E27FC236}">
+                  <a16:creationId xmlns:a16="http://schemas.microsoft.com/office/drawing/2014/main" id="{468B5D8C-9876-4AC4-BDEF-8356FA784D8C}"/>
+                </a:ext>
+              </a:extLst>
+            </p:cNvPr>
+            <p:cNvSpPr txBox="1"/>
+            <p:nvPr/>
+          </p:nvSpPr>
+          <p:spPr>
+            <a:xfrm>
+              <a:off x="3911600" y="2699731"/>
+              <a:ext cx="5201920" cy="584775"/>
+            </a:xfrm>
+            <a:prstGeom prst="rect">
+              <a:avLst/>
+            </a:prstGeom>
+            <a:noFill/>
+          </p:spPr>
+          <p:txBody>
+            <a:bodyPr wrap="square" rtlCol="0">
+              <a:spAutoFit/>
+            </a:bodyPr>
+            <a:lstStyle/>
+            <a:p>
+              <a:pPr algn="ctr"/>
+              <a:r>
+                <a:rPr kumimoji="1" lang="ja-JP" altLang="en-US" sz="3200" dirty="0">
+                  <a:solidFill>
+                    <a:schemeClr val="bg1"/>
+                  </a:solidFill>
+                  <a:effectLst>
+                    <a:outerShdw blurRad="50800" dist="38100" dir="2700000" algn="tl" rotWithShape="0">
+                      <a:prstClr val="black">
+                        <a:alpha val="40000"/>
+                      </a:prstClr>
+                    </a:outerShdw>
+                  </a:effectLst>
+                  <a:latin typeface="游明朝" panose="02020400000000000000" pitchFamily="18" charset="-128"/>
+                  <a:ea typeface="游明朝" panose="02020400000000000000" pitchFamily="18" charset="-128"/>
+                </a:rPr>
+                <a:t>楽曲を選択してください</a:t>
+              </a:r>
+            </a:p>
+          </p:txBody>
+        </p:sp>
+      </p:grpSp>
+    </p:spTree>
+    <p:extLst>
+      <p:ext uri="{BB962C8B-B14F-4D97-AF65-F5344CB8AC3E}">
+        <p14:creationId xmlns:p14="http://schemas.microsoft.com/office/powerpoint/2010/main" val="2759762662"/>
+      </p:ext>
+    </p:extLst>
+  </p:cSld>
+  <p:clrMapOvr>
+    <a:masterClrMapping/>
+  </p:clrMapOvr>
+</p:sld>
+</file>
+
+<file path=ppt/slides/slide13.xml><?xml version="1.0" encoding="utf-8"?>
+<p:sld xmlns:a="http://schemas.openxmlformats.org/drawingml/2006/main" xmlns:r="http://schemas.openxmlformats.org/officeDocument/2006/relationships" xmlns:p="http://schemas.openxmlformats.org/presentationml/2006/main">
+  <p:cSld>
+    <p:spTree>
+      <p:nvGrpSpPr>
+        <p:cNvPr id="1" name=""/>
+        <p:cNvGrpSpPr/>
+        <p:nvPr/>
+      </p:nvGrpSpPr>
+      <p:grpSpPr>
+        <a:xfrm>
+          <a:off x="0" y="0"/>
+          <a:ext cx="0" cy="0"/>
+          <a:chOff x="0" y="0"/>
+          <a:chExt cx="0" cy="0"/>
+        </a:xfrm>
+      </p:grpSpPr>
+      <p:grpSp>
+        <p:nvGrpSpPr>
+          <p:cNvPr id="30" name="グループ化 29">
+            <a:extLst>
+              <a:ext uri="{FF2B5EF4-FFF2-40B4-BE49-F238E27FC236}">
+                <a16:creationId xmlns:a16="http://schemas.microsoft.com/office/drawing/2014/main" id="{70DB17D2-D88F-43B9-AFE7-FE9B0129D78A}"/>
+              </a:ext>
+            </a:extLst>
+          </p:cNvPr>
+          <p:cNvGrpSpPr/>
+          <p:nvPr/>
+        </p:nvGrpSpPr>
+        <p:grpSpPr>
+          <a:xfrm>
+            <a:off x="293928" y="415376"/>
+            <a:ext cx="3377006" cy="807798"/>
+            <a:chOff x="3484803" y="2396576"/>
+            <a:chExt cx="3377006" cy="807798"/>
+          </a:xfrm>
+        </p:grpSpPr>
+        <p:cxnSp>
+          <p:nvCxnSpPr>
+            <p:cNvPr id="3" name="直線コネクタ 2">
+              <a:extLst>
+                <a:ext uri="{FF2B5EF4-FFF2-40B4-BE49-F238E27FC236}">
+                  <a16:creationId xmlns:a16="http://schemas.microsoft.com/office/drawing/2014/main" id="{CDE7D49A-4002-4687-B670-D753756C118D}"/>
+                </a:ext>
+              </a:extLst>
+            </p:cNvPr>
+            <p:cNvCxnSpPr>
+              <a:cxnSpLocks/>
+              <a:stCxn id="25" idx="7"/>
+              <a:endCxn id="12" idx="7"/>
+            </p:cNvCxnSpPr>
+            <p:nvPr/>
+          </p:nvCxnSpPr>
+          <p:spPr>
+            <a:xfrm flipH="1">
+              <a:off x="3491498" y="2435600"/>
+              <a:ext cx="807380" cy="745915"/>
+            </a:xfrm>
+            <a:prstGeom prst="straightConnector1">
+              <a:avLst/>
+            </a:prstGeom>
+            <a:ln w="38100">
+              <a:solidFill>
+                <a:schemeClr val="tx1"/>
+              </a:solidFill>
+            </a:ln>
+          </p:spPr>
+          <p:style>
+            <a:lnRef idx="1">
+              <a:schemeClr val="accent1"/>
+            </a:lnRef>
+            <a:fillRef idx="0">
+              <a:schemeClr val="accent1"/>
+            </a:fillRef>
+            <a:effectRef idx="0">
+              <a:schemeClr val="accent1"/>
+            </a:effectRef>
+            <a:fontRef idx="minor">
+              <a:schemeClr val="tx1"/>
+            </a:fontRef>
+          </p:style>
+        </p:cxnSp>
+        <p:cxnSp>
+          <p:nvCxnSpPr>
+            <p:cNvPr id="5" name="直線コネクタ 4">
+              <a:extLst>
+                <a:ext uri="{FF2B5EF4-FFF2-40B4-BE49-F238E27FC236}">
+                  <a16:creationId xmlns:a16="http://schemas.microsoft.com/office/drawing/2014/main" id="{64567C00-DE83-485F-9BC7-1F31CC44C54A}"/>
+                </a:ext>
+              </a:extLst>
+            </p:cNvPr>
+            <p:cNvCxnSpPr>
+              <a:cxnSpLocks/>
+              <a:stCxn id="12" idx="2"/>
+              <a:endCxn id="27" idx="6"/>
+            </p:cNvCxnSpPr>
+            <p:nvPr/>
+          </p:nvCxnSpPr>
+          <p:spPr>
+            <a:xfrm>
+              <a:off x="3530522" y="3165350"/>
+              <a:ext cx="3285568" cy="16164"/>
+            </a:xfrm>
+            <a:prstGeom prst="line">
+              <a:avLst/>
+            </a:prstGeom>
+            <a:ln w="38100">
+              <a:solidFill>
+                <a:schemeClr val="tx1"/>
+              </a:solidFill>
+            </a:ln>
+          </p:spPr>
+          <p:style>
+            <a:lnRef idx="1">
+              <a:schemeClr val="accent1"/>
+            </a:lnRef>
+            <a:fillRef idx="0">
+              <a:schemeClr val="accent1"/>
+            </a:fillRef>
+            <a:effectRef idx="0">
+              <a:schemeClr val="accent1"/>
+            </a:effectRef>
+            <a:fontRef idx="minor">
+              <a:schemeClr val="tx1"/>
+            </a:fontRef>
+          </p:style>
+        </p:cxnSp>
+        <p:sp>
+          <p:nvSpPr>
+            <p:cNvPr id="12" name="楕円 11">
+              <a:extLst>
+                <a:ext uri="{FF2B5EF4-FFF2-40B4-BE49-F238E27FC236}">
+                  <a16:creationId xmlns:a16="http://schemas.microsoft.com/office/drawing/2014/main" id="{C4BA560E-06EC-4857-8304-7EE1F27218DE}"/>
+                </a:ext>
+              </a:extLst>
+            </p:cNvPr>
+            <p:cNvSpPr/>
+            <p:nvPr/>
+          </p:nvSpPr>
+          <p:spPr>
+            <a:xfrm flipH="1" flipV="1">
+              <a:off x="3484803" y="3142491"/>
+              <a:ext cx="45719" cy="45719"/>
+            </a:xfrm>
+            <a:prstGeom prst="ellipse">
+              <a:avLst/>
+            </a:prstGeom>
+            <a:solidFill>
+              <a:schemeClr val="tx1"/>
+            </a:solidFill>
+            <a:ln>
+              <a:solidFill>
+                <a:schemeClr val="tx1"/>
+              </a:solidFill>
+            </a:ln>
+          </p:spPr>
+          <p:style>
+            <a:lnRef idx="2">
+              <a:schemeClr val="accent1">
+                <a:shade val="50000"/>
+              </a:schemeClr>
+            </a:lnRef>
+            <a:fillRef idx="1">
+              <a:schemeClr val="accent1"/>
+            </a:fillRef>
+            <a:effectRef idx="0">
+              <a:schemeClr val="accent1"/>
+            </a:effectRef>
+            <a:fontRef idx="minor">
+              <a:schemeClr val="lt1"/>
+            </a:fontRef>
+          </p:style>
+          <p:txBody>
+            <a:bodyPr rtlCol="0" anchor="ctr"/>
+            <a:lstStyle/>
+            <a:p>
+              <a:pPr algn="ctr"/>
+              <a:endParaRPr kumimoji="1" lang="ja-JP" altLang="en-US"/>
+            </a:p>
+          </p:txBody>
+        </p:sp>
+        <p:sp>
+          <p:nvSpPr>
+            <p:cNvPr id="25" name="楕円 24">
+              <a:extLst>
+                <a:ext uri="{FF2B5EF4-FFF2-40B4-BE49-F238E27FC236}">
+                  <a16:creationId xmlns:a16="http://schemas.microsoft.com/office/drawing/2014/main" id="{8BF08A87-DF2F-4B17-AA27-7AAEBCA9DB2F}"/>
+                </a:ext>
+              </a:extLst>
+            </p:cNvPr>
+            <p:cNvSpPr/>
+            <p:nvPr/>
+          </p:nvSpPr>
+          <p:spPr>
+            <a:xfrm flipH="1" flipV="1">
+              <a:off x="4292183" y="2396576"/>
+              <a:ext cx="45719" cy="45719"/>
+            </a:xfrm>
+            <a:prstGeom prst="ellipse">
+              <a:avLst/>
+            </a:prstGeom>
+            <a:solidFill>
+              <a:schemeClr val="tx1"/>
+            </a:solidFill>
+            <a:ln>
+              <a:solidFill>
+                <a:schemeClr val="tx1"/>
+              </a:solidFill>
+            </a:ln>
+          </p:spPr>
+          <p:style>
+            <a:lnRef idx="2">
+              <a:schemeClr val="accent1">
+                <a:shade val="50000"/>
+              </a:schemeClr>
+            </a:lnRef>
+            <a:fillRef idx="1">
+              <a:schemeClr val="accent1"/>
+            </a:fillRef>
+            <a:effectRef idx="0">
+              <a:schemeClr val="accent1"/>
+            </a:effectRef>
+            <a:fontRef idx="minor">
+              <a:schemeClr val="lt1"/>
+            </a:fontRef>
+          </p:style>
+          <p:txBody>
+            <a:bodyPr rtlCol="0" anchor="ctr"/>
+            <a:lstStyle/>
+            <a:p>
+              <a:pPr algn="ctr"/>
+              <a:endParaRPr kumimoji="1" lang="ja-JP" altLang="en-US"/>
+            </a:p>
+          </p:txBody>
+        </p:sp>
+        <p:sp>
+          <p:nvSpPr>
+            <p:cNvPr id="27" name="楕円 26">
+              <a:extLst>
+                <a:ext uri="{FF2B5EF4-FFF2-40B4-BE49-F238E27FC236}">
+                  <a16:creationId xmlns:a16="http://schemas.microsoft.com/office/drawing/2014/main" id="{8635FF2C-27FB-478E-B295-7728CCB5E0B1}"/>
+                </a:ext>
+              </a:extLst>
+            </p:cNvPr>
+            <p:cNvSpPr/>
+            <p:nvPr/>
+          </p:nvSpPr>
+          <p:spPr>
+            <a:xfrm flipH="1" flipV="1">
+              <a:off x="6816090" y="3158655"/>
+              <a:ext cx="45719" cy="45719"/>
+            </a:xfrm>
+            <a:prstGeom prst="ellipse">
+              <a:avLst/>
+            </a:prstGeom>
+            <a:solidFill>
+              <a:schemeClr val="tx1"/>
+            </a:solidFill>
+            <a:ln>
+              <a:solidFill>
+                <a:schemeClr val="tx1"/>
+              </a:solidFill>
+            </a:ln>
+          </p:spPr>
+          <p:style>
+            <a:lnRef idx="2">
+              <a:schemeClr val="accent1">
+                <a:shade val="50000"/>
+              </a:schemeClr>
+            </a:lnRef>
+            <a:fillRef idx="1">
+              <a:schemeClr val="accent1"/>
+            </a:fillRef>
+            <a:effectRef idx="0">
+              <a:schemeClr val="accent1"/>
+            </a:effectRef>
+            <a:fontRef idx="minor">
+              <a:schemeClr val="lt1"/>
+            </a:fontRef>
+          </p:style>
+          <p:txBody>
+            <a:bodyPr rtlCol="0" anchor="ctr"/>
+            <a:lstStyle/>
+            <a:p>
+              <a:pPr algn="ctr"/>
+              <a:endParaRPr kumimoji="1" lang="ja-JP" altLang="en-US"/>
+            </a:p>
+          </p:txBody>
+        </p:sp>
+      </p:grpSp>
+      <p:pic>
+        <p:nvPicPr>
+          <p:cNvPr id="34" name="図 33">
+            <a:extLst>
+              <a:ext uri="{FF2B5EF4-FFF2-40B4-BE49-F238E27FC236}">
+                <a16:creationId xmlns:a16="http://schemas.microsoft.com/office/drawing/2014/main" id="{4CA2B828-7754-4DEE-9EC0-4F66DC5F767A}"/>
+              </a:ext>
+            </a:extLst>
+          </p:cNvPr>
+          <p:cNvPicPr>
+            <a:picLocks noChangeAspect="1"/>
+          </p:cNvPicPr>
+          <p:nvPr/>
+        </p:nvPicPr>
+        <p:blipFill>
+          <a:blip r:embed="rId2">
+            <a:extLst>
+              <a:ext uri="{28A0092B-C50C-407E-A947-70E740481C1C}">
+                <a14:useLocalDpi xmlns:a14="http://schemas.microsoft.com/office/drawing/2010/main" val="0"/>
+              </a:ext>
+            </a:extLst>
+          </a:blip>
+          <a:stretch>
+            <a:fillRect/>
+          </a:stretch>
+        </p:blipFill>
+        <p:spPr>
+          <a:xfrm>
+            <a:off x="1457325" y="2398157"/>
+            <a:ext cx="2438400" cy="2438400"/>
+          </a:xfrm>
+          <a:prstGeom prst="rect">
+            <a:avLst/>
+          </a:prstGeom>
+        </p:spPr>
+      </p:pic>
+      <p:sp>
+        <p:nvSpPr>
+          <p:cNvPr id="35" name="楕円 34">
+            <a:extLst>
+              <a:ext uri="{FF2B5EF4-FFF2-40B4-BE49-F238E27FC236}">
+                <a16:creationId xmlns:a16="http://schemas.microsoft.com/office/drawing/2014/main" id="{33B2AEB6-078E-4B51-A793-F2270361E7C0}"/>
+              </a:ext>
+            </a:extLst>
+          </p:cNvPr>
+          <p:cNvSpPr/>
+          <p:nvPr/>
+        </p:nvSpPr>
+        <p:spPr>
+          <a:xfrm>
+            <a:off x="6240222" y="402228"/>
+            <a:ext cx="1432560" cy="1432560"/>
+          </a:xfrm>
+          <a:prstGeom prst="ellipse">
+            <a:avLst/>
+          </a:prstGeom>
+          <a:gradFill flip="none" rotWithShape="1">
+            <a:gsLst>
+              <a:gs pos="0">
+                <a:schemeClr val="tx1"/>
+              </a:gs>
+              <a:gs pos="50000">
+                <a:srgbClr val="FFFFFF"/>
+              </a:gs>
+              <a:gs pos="100000">
+                <a:schemeClr val="tx1">
+                  <a:lumMod val="85000"/>
+                </a:schemeClr>
+              </a:gs>
+            </a:gsLst>
+            <a:path path="circle">
+              <a:fillToRect l="50000" t="50000" r="50000" b="50000"/>
+            </a:path>
+            <a:tileRect/>
+          </a:gradFill>
+          <a:ln>
+            <a:noFill/>
+          </a:ln>
+        </p:spPr>
+        <p:style>
+          <a:lnRef idx="2">
+            <a:schemeClr val="accent1">
+              <a:shade val="50000"/>
+            </a:schemeClr>
+          </a:lnRef>
+          <a:fillRef idx="1">
+            <a:schemeClr val="accent1"/>
+          </a:fillRef>
+          <a:effectRef idx="0">
+            <a:schemeClr val="accent1"/>
+          </a:effectRef>
+          <a:fontRef idx="minor">
+            <a:schemeClr val="lt1"/>
+          </a:fontRef>
+        </p:style>
+        <p:txBody>
+          <a:bodyPr rtlCol="0" anchor="ctr"/>
+          <a:lstStyle/>
+          <a:p>
+            <a:pPr algn="ctr"/>
+            <a:endParaRPr kumimoji="1" lang="ja-JP" altLang="en-US"/>
+          </a:p>
+        </p:txBody>
+      </p:sp>
+      <p:sp>
+        <p:nvSpPr>
+          <p:cNvPr id="2" name="楕円 1">
+            <a:extLst>
+              <a:ext uri="{FF2B5EF4-FFF2-40B4-BE49-F238E27FC236}">
+                <a16:creationId xmlns:a16="http://schemas.microsoft.com/office/drawing/2014/main" id="{AEE721C7-6276-4357-BB9A-30B1F5070712}"/>
+              </a:ext>
+            </a:extLst>
+          </p:cNvPr>
+          <p:cNvSpPr/>
+          <p:nvPr/>
+        </p:nvSpPr>
+        <p:spPr>
+          <a:xfrm>
+            <a:off x="8251923" y="3603131"/>
+            <a:ext cx="161449" cy="161449"/>
+          </a:xfrm>
+          <a:prstGeom prst="ellipse">
+            <a:avLst/>
+          </a:prstGeom>
+          <a:noFill/>
+          <a:ln w="12700">
+            <a:solidFill>
+              <a:schemeClr val="tx1"/>
+            </a:solidFill>
+          </a:ln>
+        </p:spPr>
+        <p:style>
+          <a:lnRef idx="2">
+            <a:schemeClr val="accent1">
+              <a:shade val="50000"/>
+            </a:schemeClr>
+          </a:lnRef>
+          <a:fillRef idx="1">
+            <a:schemeClr val="accent1"/>
+          </a:fillRef>
+          <a:effectRef idx="0">
+            <a:schemeClr val="accent1"/>
+          </a:effectRef>
+          <a:fontRef idx="minor">
+            <a:schemeClr val="lt1"/>
+          </a:fontRef>
+        </p:style>
+        <p:txBody>
+          <a:bodyPr rtlCol="0" anchor="ctr"/>
+          <a:lstStyle/>
+          <a:p>
+            <a:pPr algn="ctr"/>
+            <a:endParaRPr kumimoji="1" lang="ja-JP" altLang="en-US"/>
+          </a:p>
+        </p:txBody>
+      </p:sp>
+      <p:sp>
+        <p:nvSpPr>
+          <p:cNvPr id="4" name="楕円 3">
+            <a:extLst>
+              <a:ext uri="{FF2B5EF4-FFF2-40B4-BE49-F238E27FC236}">
+                <a16:creationId xmlns:a16="http://schemas.microsoft.com/office/drawing/2014/main" id="{4B4C83FA-8766-49CC-BDEB-CFE41AEAF06F}"/>
+              </a:ext>
+            </a:extLst>
+          </p:cNvPr>
+          <p:cNvSpPr/>
+          <p:nvPr/>
+        </p:nvSpPr>
+        <p:spPr>
+          <a:xfrm>
+            <a:off x="8662154" y="3658973"/>
+            <a:ext cx="101480" cy="101480"/>
+          </a:xfrm>
+          <a:prstGeom prst="ellipse">
+            <a:avLst/>
+          </a:prstGeom>
+          <a:solidFill>
+            <a:schemeClr val="tx1"/>
+          </a:solidFill>
+          <a:ln>
+            <a:noFill/>
+          </a:ln>
+        </p:spPr>
+        <p:style>
+          <a:lnRef idx="2">
+            <a:schemeClr val="accent1">
+              <a:shade val="50000"/>
+            </a:schemeClr>
+          </a:lnRef>
+          <a:fillRef idx="1">
+            <a:schemeClr val="accent1"/>
+          </a:fillRef>
+          <a:effectRef idx="0">
+            <a:schemeClr val="accent1"/>
+          </a:effectRef>
+          <a:fontRef idx="minor">
+            <a:schemeClr val="lt1"/>
+          </a:fontRef>
+        </p:style>
+        <p:txBody>
+          <a:bodyPr rtlCol="0" anchor="ctr"/>
+          <a:lstStyle/>
+          <a:p>
+            <a:pPr algn="ctr"/>
+            <a:endParaRPr kumimoji="1" lang="ja-JP" altLang="en-US"/>
+          </a:p>
+        </p:txBody>
+      </p:sp>
+      <p:sp>
+        <p:nvSpPr>
+          <p:cNvPr id="14" name="楕円 13">
+            <a:extLst>
+              <a:ext uri="{FF2B5EF4-FFF2-40B4-BE49-F238E27FC236}">
+                <a16:creationId xmlns:a16="http://schemas.microsoft.com/office/drawing/2014/main" id="{57F876FF-CE34-4C82-AD2F-70FB832514AD}"/>
+              </a:ext>
+            </a:extLst>
+          </p:cNvPr>
+          <p:cNvSpPr/>
+          <p:nvPr/>
+        </p:nvSpPr>
+        <p:spPr>
+          <a:xfrm>
+            <a:off x="8251923" y="4648198"/>
+            <a:ext cx="130413" cy="130413"/>
+          </a:xfrm>
+          <a:prstGeom prst="ellipse">
+            <a:avLst/>
+          </a:prstGeom>
+          <a:noFill/>
+          <a:ln>
+            <a:solidFill>
+              <a:schemeClr val="tx1"/>
+            </a:solidFill>
+          </a:ln>
+        </p:spPr>
+        <p:style>
+          <a:lnRef idx="2">
+            <a:schemeClr val="accent1">
+              <a:shade val="50000"/>
+            </a:schemeClr>
+          </a:lnRef>
+          <a:fillRef idx="1">
+            <a:schemeClr val="accent1"/>
+          </a:fillRef>
+          <a:effectRef idx="0">
+            <a:schemeClr val="accent1"/>
+          </a:effectRef>
+          <a:fontRef idx="minor">
+            <a:schemeClr val="lt1"/>
+          </a:fontRef>
+        </p:style>
+        <p:txBody>
+          <a:bodyPr rtlCol="0" anchor="ctr"/>
+          <a:lstStyle/>
+          <a:p>
+            <a:pPr algn="ctr"/>
+            <a:endParaRPr kumimoji="1" lang="ja-JP" altLang="en-US"/>
+          </a:p>
+        </p:txBody>
+      </p:sp>
+      <p:pic>
+        <p:nvPicPr>
+          <p:cNvPr id="7" name="図 6">
+            <a:extLst>
+              <a:ext uri="{FF2B5EF4-FFF2-40B4-BE49-F238E27FC236}">
+                <a16:creationId xmlns:a16="http://schemas.microsoft.com/office/drawing/2014/main" id="{827F1888-13EB-4510-B898-4F9C7719A33B}"/>
+              </a:ext>
+            </a:extLst>
+          </p:cNvPr>
+          <p:cNvPicPr>
+            <a:picLocks noChangeAspect="1"/>
+          </p:cNvPicPr>
+          <p:nvPr/>
+        </p:nvPicPr>
+        <p:blipFill>
+          <a:blip r:embed="rId3">
+            <a:extLst>
+              <a:ext uri="{28A0092B-C50C-407E-A947-70E740481C1C}">
+                <a14:useLocalDpi xmlns:a14="http://schemas.microsoft.com/office/drawing/2010/main" val="0"/>
+              </a:ext>
+            </a:extLst>
+          </a:blip>
+          <a:stretch>
+            <a:fillRect/>
+          </a:stretch>
+        </p:blipFill>
+        <p:spPr>
+          <a:xfrm>
+            <a:off x="6044179" y="3377179"/>
+            <a:ext cx="103641" cy="103641"/>
+          </a:xfrm>
+          <a:prstGeom prst="rect">
+            <a:avLst/>
+          </a:prstGeom>
+        </p:spPr>
+      </p:pic>
+      <p:pic>
+        <p:nvPicPr>
+          <p:cNvPr id="9" name="図 8">
+            <a:extLst>
+              <a:ext uri="{FF2B5EF4-FFF2-40B4-BE49-F238E27FC236}">
+                <a16:creationId xmlns:a16="http://schemas.microsoft.com/office/drawing/2014/main" id="{7DDD264D-E336-4559-8CFA-E02758B12166}"/>
+              </a:ext>
+            </a:extLst>
+          </p:cNvPr>
+          <p:cNvPicPr>
+            <a:picLocks noChangeAspect="1"/>
+          </p:cNvPicPr>
+          <p:nvPr/>
+        </p:nvPicPr>
+        <p:blipFill>
+          <a:blip r:embed="rId4">
+            <a:extLst>
+              <a:ext uri="{28A0092B-C50C-407E-A947-70E740481C1C}">
+                <a14:useLocalDpi xmlns:a14="http://schemas.microsoft.com/office/drawing/2010/main" val="0"/>
+              </a:ext>
+            </a:extLst>
+          </a:blip>
+          <a:stretch>
+            <a:fillRect/>
+          </a:stretch>
+        </p:blipFill>
+        <p:spPr>
+          <a:xfrm>
+            <a:off x="6010648" y="3340600"/>
+            <a:ext cx="170703" cy="176799"/>
+          </a:xfrm>
+          <a:prstGeom prst="rect">
+            <a:avLst/>
+          </a:prstGeom>
+        </p:spPr>
+      </p:pic>
+    </p:spTree>
+    <p:extLst>
+      <p:ext uri="{BB962C8B-B14F-4D97-AF65-F5344CB8AC3E}">
+        <p14:creationId xmlns:p14="http://schemas.microsoft.com/office/powerpoint/2010/main" val="2359237257"/>
+      </p:ext>
+    </p:extLst>
+  </p:cSld>
+  <p:clrMapOvr>
+    <a:masterClrMapping/>
+  </p:clrMapOvr>
+</p:sld>
+</file>
+
+<file path=ppt/slides/slide14.xml><?xml version="1.0" encoding="utf-8"?>
+<p:sld xmlns:a="http://schemas.openxmlformats.org/drawingml/2006/main" xmlns:r="http://schemas.openxmlformats.org/officeDocument/2006/relationships" xmlns:p="http://schemas.openxmlformats.org/presentationml/2006/main">
+  <p:cSld>
+    <p:spTree>
+      <p:nvGrpSpPr>
+        <p:cNvPr id="1" name=""/>
+        <p:cNvGrpSpPr/>
+        <p:nvPr/>
+      </p:nvGrpSpPr>
+      <p:grpSpPr>
+        <a:xfrm>
+          <a:off x="0" y="0"/>
+          <a:ext cx="0" cy="0"/>
+          <a:chOff x="0" y="0"/>
+          <a:chExt cx="0" cy="0"/>
+        </a:xfrm>
+      </p:grpSpPr>
+      <p:sp>
+        <p:nvSpPr>
+          <p:cNvPr id="2" name="正方形/長方形 1">
+            <a:extLst>
+              <a:ext uri="{FF2B5EF4-FFF2-40B4-BE49-F238E27FC236}">
+                <a16:creationId xmlns:a16="http://schemas.microsoft.com/office/drawing/2014/main" id="{45910AE6-139D-459C-8491-76971221E219}"/>
+              </a:ext>
+            </a:extLst>
+          </p:cNvPr>
+          <p:cNvSpPr/>
+          <p:nvPr/>
+        </p:nvSpPr>
+        <p:spPr>
+          <a:xfrm>
+            <a:off x="2667000" y="0"/>
+            <a:ext cx="6858000" cy="6858000"/>
+          </a:xfrm>
+          <a:prstGeom prst="rect">
+            <a:avLst/>
+          </a:prstGeom>
+          <a:gradFill flip="none" rotWithShape="1">
+            <a:gsLst>
+              <a:gs pos="0">
+                <a:schemeClr val="accent1">
+                  <a:lumMod val="5000"/>
+                  <a:lumOff val="95000"/>
+                </a:schemeClr>
+              </a:gs>
+              <a:gs pos="100000">
+                <a:schemeClr val="tx1">
+                  <a:alpha val="0"/>
+                </a:schemeClr>
+              </a:gs>
+            </a:gsLst>
+            <a:path path="circle">
+              <a:fillToRect l="50000" t="50000" r="50000" b="50000"/>
+            </a:path>
+            <a:tileRect/>
+          </a:gradFill>
+          <a:ln>
+            <a:noFill/>
+          </a:ln>
+        </p:spPr>
+        <p:style>
+          <a:lnRef idx="2">
+            <a:schemeClr val="accent1">
+              <a:shade val="50000"/>
+            </a:schemeClr>
+          </a:lnRef>
+          <a:fillRef idx="1">
+            <a:schemeClr val="accent1"/>
+          </a:fillRef>
+          <a:effectRef idx="0">
+            <a:schemeClr val="accent1"/>
+          </a:effectRef>
+          <a:fontRef idx="minor">
+            <a:schemeClr val="lt1"/>
+          </a:fontRef>
+        </p:style>
+        <p:txBody>
+          <a:bodyPr rtlCol="0" anchor="ctr"/>
+          <a:lstStyle/>
+          <a:p>
+            <a:pPr algn="ctr"/>
+            <a:endParaRPr kumimoji="1" lang="ja-JP" altLang="en-US"/>
+          </a:p>
+        </p:txBody>
+      </p:sp>
+    </p:spTree>
+    <p:extLst>
+      <p:ext uri="{BB962C8B-B14F-4D97-AF65-F5344CB8AC3E}">
+        <p14:creationId xmlns:p14="http://schemas.microsoft.com/office/powerpoint/2010/main" val="2571100054"/>
+      </p:ext>
+    </p:extLst>
+  </p:cSld>
+  <p:clrMapOvr>
+    <a:masterClrMapping/>
+  </p:clrMapOvr>
+</p:sld>
+</file>
+
+<file path=ppt/slides/slide15.xml><?xml version="1.0" encoding="utf-8"?>
+<p:sld xmlns:a="http://schemas.openxmlformats.org/drawingml/2006/main" xmlns:r="http://schemas.openxmlformats.org/officeDocument/2006/relationships" xmlns:p="http://schemas.openxmlformats.org/presentationml/2006/main">
+  <p:cSld>
+    <p:spTree>
+      <p:nvGrpSpPr>
+        <p:cNvPr id="1" name=""/>
+        <p:cNvGrpSpPr/>
+        <p:nvPr/>
+      </p:nvGrpSpPr>
+      <p:grpSpPr>
+        <a:xfrm>
+          <a:off x="0" y="0"/>
+          <a:ext cx="0" cy="0"/>
+          <a:chOff x="0" y="0"/>
+          <a:chExt cx="0" cy="0"/>
+        </a:xfrm>
+      </p:grpSpPr>
+      <p:sp>
+        <p:nvSpPr>
+          <p:cNvPr id="2" name="正方形/長方形 1">
+            <a:extLst>
+              <a:ext uri="{FF2B5EF4-FFF2-40B4-BE49-F238E27FC236}">
+                <a16:creationId xmlns:a16="http://schemas.microsoft.com/office/drawing/2014/main" id="{71273963-2922-4E51-B3AE-19FAC4FBDCF0}"/>
+              </a:ext>
+            </a:extLst>
+          </p:cNvPr>
+          <p:cNvSpPr/>
+          <p:nvPr/>
+        </p:nvSpPr>
+        <p:spPr>
+          <a:xfrm>
+            <a:off x="4156709" y="1055368"/>
+            <a:ext cx="1781175" cy="1781175"/>
+          </a:xfrm>
+          <a:prstGeom prst="rect">
+            <a:avLst/>
+          </a:prstGeom>
+          <a:gradFill>
+            <a:gsLst>
+              <a:gs pos="0">
+                <a:schemeClr val="accent1">
+                  <a:lumMod val="5000"/>
+                  <a:lumOff val="95000"/>
+                </a:schemeClr>
+              </a:gs>
+              <a:gs pos="40000">
+                <a:schemeClr val="tx1">
+                  <a:lumMod val="95000"/>
+                </a:schemeClr>
+              </a:gs>
+              <a:gs pos="62000">
+                <a:schemeClr val="tx1">
+                  <a:lumMod val="95000"/>
+                </a:schemeClr>
+              </a:gs>
+              <a:gs pos="95000">
+                <a:schemeClr val="tx1">
+                  <a:lumMod val="85000"/>
+                </a:schemeClr>
+              </a:gs>
+            </a:gsLst>
+            <a:lin ang="5400000" scaled="1"/>
+          </a:gradFill>
+          <a:ln>
+            <a:noFill/>
+          </a:ln>
+        </p:spPr>
+        <p:style>
+          <a:lnRef idx="2">
+            <a:schemeClr val="accent1">
+              <a:shade val="50000"/>
+            </a:schemeClr>
+          </a:lnRef>
+          <a:fillRef idx="1">
+            <a:schemeClr val="accent1"/>
+          </a:fillRef>
+          <a:effectRef idx="0">
+            <a:schemeClr val="accent1"/>
+          </a:effectRef>
+          <a:fontRef idx="minor">
+            <a:schemeClr val="lt1"/>
+          </a:fontRef>
+        </p:style>
+        <p:txBody>
+          <a:bodyPr rtlCol="0" anchor="ctr"/>
+          <a:lstStyle/>
+          <a:p>
+            <a:pPr algn="ctr"/>
+            <a:endParaRPr kumimoji="1" lang="ja-JP" altLang="en-US"/>
+          </a:p>
+        </p:txBody>
+      </p:sp>
+      <p:sp>
+        <p:nvSpPr>
+          <p:cNvPr id="3" name="二等辺三角形 2">
+            <a:extLst>
+              <a:ext uri="{FF2B5EF4-FFF2-40B4-BE49-F238E27FC236}">
+                <a16:creationId xmlns:a16="http://schemas.microsoft.com/office/drawing/2014/main" id="{A93A173C-FA45-4DB3-8B4E-23D782193987}"/>
+              </a:ext>
+            </a:extLst>
+          </p:cNvPr>
+          <p:cNvSpPr/>
+          <p:nvPr/>
+        </p:nvSpPr>
+        <p:spPr>
+          <a:xfrm rot="10800000">
+            <a:off x="5937884" y="786140"/>
+            <a:ext cx="1524000" cy="1313793"/>
+          </a:xfrm>
+          <a:prstGeom prst="triangle">
+            <a:avLst/>
+          </a:prstGeom>
+          <a:gradFill>
+            <a:gsLst>
+              <a:gs pos="0">
+                <a:schemeClr val="accent1">
+                  <a:lumMod val="5000"/>
+                  <a:lumOff val="95000"/>
+                </a:schemeClr>
+              </a:gs>
+              <a:gs pos="40000">
+                <a:schemeClr val="tx1">
+                  <a:lumMod val="95000"/>
+                </a:schemeClr>
+              </a:gs>
+              <a:gs pos="62000">
+                <a:schemeClr val="tx1">
+                  <a:lumMod val="95000"/>
+                </a:schemeClr>
+              </a:gs>
+              <a:gs pos="95000">
+                <a:schemeClr val="tx1">
+                  <a:lumMod val="85000"/>
+                </a:schemeClr>
+              </a:gs>
+            </a:gsLst>
+            <a:lin ang="5400000" scaled="1"/>
+          </a:gradFill>
+          <a:ln>
+            <a:noFill/>
+          </a:ln>
+        </p:spPr>
+        <p:style>
+          <a:lnRef idx="2">
+            <a:schemeClr val="accent1">
+              <a:shade val="50000"/>
+            </a:schemeClr>
+          </a:lnRef>
+          <a:fillRef idx="1">
+            <a:schemeClr val="accent1"/>
+          </a:fillRef>
+          <a:effectRef idx="0">
+            <a:schemeClr val="accent1"/>
+          </a:effectRef>
+          <a:fontRef idx="minor">
+            <a:schemeClr val="lt1"/>
+          </a:fontRef>
+        </p:style>
+        <p:txBody>
+          <a:bodyPr rtlCol="0" anchor="ctr"/>
+          <a:lstStyle/>
+          <a:p>
+            <a:pPr algn="ctr"/>
+            <a:endParaRPr kumimoji="1" lang="ja-JP" altLang="en-US"/>
+          </a:p>
+        </p:txBody>
+      </p:sp>
+    </p:spTree>
+    <p:extLst>
+      <p:ext uri="{BB962C8B-B14F-4D97-AF65-F5344CB8AC3E}">
+        <p14:creationId xmlns:p14="http://schemas.microsoft.com/office/powerpoint/2010/main" val="135397356"/>
+      </p:ext>
+    </p:extLst>
+  </p:cSld>
+  <p:clrMapOvr>
+    <a:masterClrMapping/>
+  </p:clrMapOvr>
+</p:sld>
+</file>
+
+<file path=ppt/slides/slide16.xml><?xml version="1.0" encoding="utf-8"?>
+<p:sld xmlns:a="http://schemas.openxmlformats.org/drawingml/2006/main" xmlns:r="http://schemas.openxmlformats.org/officeDocument/2006/relationships" xmlns:p="http://schemas.openxmlformats.org/presentationml/2006/main">
+  <p:cSld>
+    <p:bg>
+      <p:bgPr>
+        <a:solidFill>
+          <a:schemeClr val="tx1"/>
+        </a:solidFill>
+        <a:effectLst/>
+      </p:bgPr>
+    </p:bg>
+    <p:spTree>
+      <p:nvGrpSpPr>
+        <p:cNvPr id="1" name=""/>
+        <p:cNvGrpSpPr/>
+        <p:nvPr/>
+      </p:nvGrpSpPr>
+      <p:grpSpPr>
+        <a:xfrm>
+          <a:off x="0" y="0"/>
+          <a:ext cx="0" cy="0"/>
+          <a:chOff x="0" y="0"/>
+          <a:chExt cx="0" cy="0"/>
+        </a:xfrm>
+      </p:grpSpPr>
+      <p:grpSp>
+        <p:nvGrpSpPr>
+          <p:cNvPr id="11" name="グループ化 10">
+            <a:extLst>
+              <a:ext uri="{FF2B5EF4-FFF2-40B4-BE49-F238E27FC236}">
+                <a16:creationId xmlns:a16="http://schemas.microsoft.com/office/drawing/2014/main" id="{D9DE0305-7170-44F2-B809-32A6D123A9DF}"/>
+              </a:ext>
+            </a:extLst>
+          </p:cNvPr>
+          <p:cNvGrpSpPr/>
+          <p:nvPr/>
+        </p:nvGrpSpPr>
+        <p:grpSpPr>
+          <a:xfrm>
+            <a:off x="4095750" y="816511"/>
+            <a:ext cx="6459220" cy="4541520"/>
+            <a:chOff x="3601720" y="735231"/>
+            <a:chExt cx="6459220" cy="4541520"/>
+          </a:xfrm>
+        </p:grpSpPr>
+        <p:sp>
+          <p:nvSpPr>
+            <p:cNvPr id="4" name="四角形: 角を丸くする 3">
+              <a:extLst>
+                <a:ext uri="{FF2B5EF4-FFF2-40B4-BE49-F238E27FC236}">
+                  <a16:creationId xmlns:a16="http://schemas.microsoft.com/office/drawing/2014/main" id="{04F17138-FE7B-482C-8B0F-4382108AD001}"/>
+                </a:ext>
+              </a:extLst>
+            </p:cNvPr>
+            <p:cNvSpPr/>
+            <p:nvPr/>
+          </p:nvSpPr>
+          <p:spPr>
+            <a:xfrm>
+              <a:off x="3601720" y="735231"/>
+              <a:ext cx="6431280" cy="4541520"/>
+            </a:xfrm>
+            <a:prstGeom prst="roundRect">
+              <a:avLst/>
+            </a:prstGeom>
+            <a:gradFill>
+              <a:gsLst>
+                <a:gs pos="0">
+                  <a:schemeClr val="accent1">
+                    <a:lumMod val="0"/>
+                    <a:lumOff val="100000"/>
+                  </a:schemeClr>
+                </a:gs>
+                <a:gs pos="40000">
+                  <a:schemeClr val="tx1">
+                    <a:lumMod val="95000"/>
+                  </a:schemeClr>
+                </a:gs>
+                <a:gs pos="62000">
+                  <a:schemeClr val="tx1">
+                    <a:lumMod val="95000"/>
+                  </a:schemeClr>
+                </a:gs>
+                <a:gs pos="95000">
+                  <a:schemeClr val="tx1">
+                    <a:lumMod val="85000"/>
+                  </a:schemeClr>
+                </a:gs>
+              </a:gsLst>
+              <a:lin ang="5400000" scaled="1"/>
+            </a:gradFill>
+            <a:ln>
+              <a:noFill/>
+            </a:ln>
+          </p:spPr>
+          <p:style>
+            <a:lnRef idx="2">
+              <a:schemeClr val="accent1">
+                <a:shade val="50000"/>
+              </a:schemeClr>
+            </a:lnRef>
+            <a:fillRef idx="1">
+              <a:schemeClr val="accent1"/>
+            </a:fillRef>
+            <a:effectRef idx="0">
+              <a:schemeClr val="accent1"/>
+            </a:effectRef>
+            <a:fontRef idx="minor">
+              <a:schemeClr val="lt1"/>
+            </a:fontRef>
+          </p:style>
+          <p:txBody>
+            <a:bodyPr rtlCol="0" anchor="ctr"/>
+            <a:lstStyle/>
+            <a:p>
+              <a:pPr algn="ctr"/>
+              <a:endParaRPr kumimoji="1" lang="ja-JP" altLang="en-US" dirty="0"/>
+            </a:p>
+          </p:txBody>
+        </p:sp>
+        <p:sp>
+          <p:nvSpPr>
+            <p:cNvPr id="9" name="四角形: 角を丸くする 8">
+              <a:extLst>
+                <a:ext uri="{FF2B5EF4-FFF2-40B4-BE49-F238E27FC236}">
+                  <a16:creationId xmlns:a16="http://schemas.microsoft.com/office/drawing/2014/main" id="{D0041205-7DB4-43B0-9E51-DA34D82DA784}"/>
+                </a:ext>
+              </a:extLst>
+            </p:cNvPr>
+            <p:cNvSpPr/>
+            <p:nvPr/>
+          </p:nvSpPr>
+          <p:spPr>
+            <a:xfrm>
+              <a:off x="3615690" y="735231"/>
+              <a:ext cx="6431280" cy="4541520"/>
+            </a:xfrm>
+            <a:prstGeom prst="roundRect">
+              <a:avLst/>
+            </a:prstGeom>
+            <a:noFill/>
+            <a:ln w="101600">
+              <a:solidFill>
+                <a:schemeClr val="bg1"/>
+              </a:solidFill>
+            </a:ln>
+          </p:spPr>
+          <p:style>
+            <a:lnRef idx="2">
+              <a:schemeClr val="accent1">
+                <a:shade val="50000"/>
+              </a:schemeClr>
+            </a:lnRef>
+            <a:fillRef idx="1">
+              <a:schemeClr val="accent1"/>
+            </a:fillRef>
+            <a:effectRef idx="0">
+              <a:schemeClr val="accent1"/>
+            </a:effectRef>
+            <a:fontRef idx="minor">
+              <a:schemeClr val="lt1"/>
+            </a:fontRef>
+          </p:style>
+          <p:txBody>
+            <a:bodyPr rtlCol="0" anchor="ctr"/>
+            <a:lstStyle/>
+            <a:p>
+              <a:pPr algn="ctr"/>
+              <a:endParaRPr kumimoji="1" lang="ja-JP" altLang="en-US" dirty="0"/>
+            </a:p>
+          </p:txBody>
+        </p:sp>
+        <p:sp>
+          <p:nvSpPr>
+            <p:cNvPr id="5" name="四角形: 角を丸くする 4">
+              <a:extLst>
+                <a:ext uri="{FF2B5EF4-FFF2-40B4-BE49-F238E27FC236}">
+                  <a16:creationId xmlns:a16="http://schemas.microsoft.com/office/drawing/2014/main" id="{E93AB1DF-B830-41DA-96C9-143ABAE488C7}"/>
+                </a:ext>
+              </a:extLst>
+            </p:cNvPr>
+            <p:cNvSpPr/>
+            <p:nvPr/>
+          </p:nvSpPr>
+          <p:spPr>
+            <a:xfrm>
+              <a:off x="3629660" y="735231"/>
+              <a:ext cx="6431280" cy="4541520"/>
+            </a:xfrm>
+            <a:prstGeom prst="roundRect">
+              <a:avLst/>
+            </a:prstGeom>
+            <a:noFill/>
+            <a:ln w="63500">
+              <a:gradFill>
+                <a:gsLst>
+                  <a:gs pos="0">
+                    <a:schemeClr val="accent1">
+                      <a:lumMod val="5000"/>
+                      <a:lumOff val="95000"/>
+                    </a:schemeClr>
+                  </a:gs>
+                  <a:gs pos="48000">
+                    <a:schemeClr val="tx1">
+                      <a:lumMod val="85000"/>
+                    </a:schemeClr>
+                  </a:gs>
+                  <a:gs pos="74000">
+                    <a:schemeClr val="tx1">
+                      <a:lumMod val="85000"/>
+                    </a:schemeClr>
+                  </a:gs>
+                  <a:gs pos="100000">
+                    <a:schemeClr val="tx1">
+                      <a:lumMod val="75000"/>
+                    </a:schemeClr>
+                  </a:gs>
+                </a:gsLst>
+                <a:lin ang="5400000" scaled="1"/>
+              </a:gradFill>
+            </a:ln>
+          </p:spPr>
+          <p:style>
+            <a:lnRef idx="2">
+              <a:schemeClr val="accent1">
+                <a:shade val="50000"/>
+              </a:schemeClr>
+            </a:lnRef>
+            <a:fillRef idx="1">
+              <a:schemeClr val="accent1"/>
+            </a:fillRef>
+            <a:effectRef idx="0">
+              <a:schemeClr val="accent1"/>
+            </a:effectRef>
+            <a:fontRef idx="minor">
+              <a:schemeClr val="lt1"/>
+            </a:fontRef>
+          </p:style>
+          <p:txBody>
+            <a:bodyPr rtlCol="0" anchor="ctr"/>
+            <a:lstStyle/>
+            <a:p>
+              <a:pPr algn="ctr"/>
+              <a:endParaRPr kumimoji="1" lang="ja-JP" altLang="en-US" dirty="0"/>
+            </a:p>
+          </p:txBody>
+        </p:sp>
+      </p:grpSp>
+      <p:sp>
+        <p:nvSpPr>
+          <p:cNvPr id="10" name="テキスト ボックス 9">
+            <a:extLst>
+              <a:ext uri="{FF2B5EF4-FFF2-40B4-BE49-F238E27FC236}">
+                <a16:creationId xmlns:a16="http://schemas.microsoft.com/office/drawing/2014/main" id="{41705AB7-7839-47CD-B47E-029E3583930D}"/>
+              </a:ext>
+            </a:extLst>
+          </p:cNvPr>
+          <p:cNvSpPr txBox="1"/>
+          <p:nvPr/>
+        </p:nvSpPr>
+        <p:spPr>
+          <a:xfrm>
+            <a:off x="214630" y="1063476"/>
+            <a:ext cx="3406140" cy="646331"/>
+          </a:xfrm>
+          <a:prstGeom prst="rect">
+            <a:avLst/>
+          </a:prstGeom>
+          <a:noFill/>
+        </p:spPr>
+        <p:txBody>
+          <a:bodyPr wrap="square" rtlCol="0">
+            <a:spAutoFit/>
+          </a:bodyPr>
+          <a:lstStyle/>
+          <a:p>
+            <a:pPr algn="ctr"/>
+            <a:r>
+              <a:rPr kumimoji="1" lang="ja-JP" altLang="en-US" sz="3600" dirty="0">
+                <a:solidFill>
+                  <a:schemeClr val="bg1"/>
+                </a:solidFill>
+                <a:latin typeface="游明朝" panose="02020400000000000000" pitchFamily="18" charset="-128"/>
+                <a:ea typeface="游明朝" panose="02020400000000000000" pitchFamily="18" charset="-128"/>
+              </a:rPr>
+              <a:t>絞り込み</a:t>
+            </a:r>
+          </a:p>
+        </p:txBody>
+      </p:sp>
+      <p:sp>
+        <p:nvSpPr>
+          <p:cNvPr id="6" name="テキスト ボックス 5">
+            <a:extLst>
+              <a:ext uri="{FF2B5EF4-FFF2-40B4-BE49-F238E27FC236}">
+                <a16:creationId xmlns:a16="http://schemas.microsoft.com/office/drawing/2014/main" id="{41165F80-704D-41CE-A80B-CDD3D10D713A}"/>
+              </a:ext>
+            </a:extLst>
+          </p:cNvPr>
+          <p:cNvSpPr txBox="1"/>
+          <p:nvPr/>
+        </p:nvSpPr>
+        <p:spPr>
+          <a:xfrm>
+            <a:off x="1482090" y="2167890"/>
+            <a:ext cx="3406140" cy="646331"/>
+          </a:xfrm>
+          <a:prstGeom prst="rect">
+            <a:avLst/>
+          </a:prstGeom>
+          <a:noFill/>
+        </p:spPr>
+        <p:txBody>
+          <a:bodyPr wrap="square" rtlCol="0">
+            <a:spAutoFit/>
+          </a:bodyPr>
+          <a:lstStyle/>
+          <a:p>
+            <a:r>
+              <a:rPr kumimoji="1" lang="ja-JP" altLang="en-US" sz="3600" dirty="0">
+                <a:solidFill>
+                  <a:schemeClr val="bg1"/>
+                </a:solidFill>
+                <a:latin typeface="游明朝" panose="02020400000000000000" pitchFamily="18" charset="-128"/>
+                <a:ea typeface="游明朝" panose="02020400000000000000" pitchFamily="18" charset="-128"/>
+              </a:rPr>
+              <a:t>楽曲</a:t>
+            </a:r>
+          </a:p>
+        </p:txBody>
+      </p:sp>
+      <p:sp>
+        <p:nvSpPr>
+          <p:cNvPr id="8" name="テキスト ボックス 7">
+            <a:extLst>
+              <a:ext uri="{FF2B5EF4-FFF2-40B4-BE49-F238E27FC236}">
+                <a16:creationId xmlns:a16="http://schemas.microsoft.com/office/drawing/2014/main" id="{B68F76F6-D61C-454A-AB91-51EAEFCB8FFA}"/>
+              </a:ext>
+            </a:extLst>
+          </p:cNvPr>
+          <p:cNvSpPr txBox="1"/>
+          <p:nvPr/>
+        </p:nvSpPr>
+        <p:spPr>
+          <a:xfrm>
+            <a:off x="689610" y="3595469"/>
+            <a:ext cx="3406140" cy="646331"/>
+          </a:xfrm>
+          <a:prstGeom prst="rect">
+            <a:avLst/>
+          </a:prstGeom>
+          <a:noFill/>
+        </p:spPr>
+        <p:txBody>
+          <a:bodyPr wrap="square" rtlCol="0">
+            <a:spAutoFit/>
+          </a:bodyPr>
+          <a:lstStyle/>
+          <a:p>
+            <a:r>
+              <a:rPr kumimoji="1" lang="ja-JP" altLang="en-US" sz="3600" dirty="0">
+                <a:solidFill>
+                  <a:schemeClr val="bg1"/>
+                </a:solidFill>
+                <a:latin typeface="游明朝" panose="02020400000000000000" pitchFamily="18" charset="-128"/>
+                <a:ea typeface="游明朝" panose="02020400000000000000" pitchFamily="18" charset="-128"/>
+              </a:rPr>
+              <a:t>並び替え</a:t>
+            </a:r>
+          </a:p>
+        </p:txBody>
+      </p:sp>
+    </p:spTree>
+    <p:extLst>
+      <p:ext uri="{BB962C8B-B14F-4D97-AF65-F5344CB8AC3E}">
+        <p14:creationId xmlns:p14="http://schemas.microsoft.com/office/powerpoint/2010/main" val="1335151211"/>
+      </p:ext>
+    </p:extLst>
+  </p:cSld>
+  <p:clrMapOvr>
+    <a:masterClrMapping/>
+  </p:clrMapOvr>
+</p:sld>
+</file>
+
+<file path=ppt/slides/slide17.xml><?xml version="1.0" encoding="utf-8"?>
+<p:sld xmlns:a="http://schemas.openxmlformats.org/drawingml/2006/main" xmlns:r="http://schemas.openxmlformats.org/officeDocument/2006/relationships" xmlns:p="http://schemas.openxmlformats.org/presentationml/2006/main">
+  <p:cSld>
     <p:bg>
       <p:bgPr>
         <a:solidFill>
@@ -4115,7 +6372,7 @@
 </p:sld>
 </file>
 
-<file path=ppt/slides/slide11.xml><?xml version="1.0" encoding="utf-8"?>
+<file path=ppt/slides/slide18.xml><?xml version="1.0" encoding="utf-8"?>
 <p:sld xmlns:a="http://schemas.openxmlformats.org/drawingml/2006/main" xmlns:r="http://schemas.openxmlformats.org/officeDocument/2006/relationships" xmlns:p="http://schemas.openxmlformats.org/presentationml/2006/main">
   <p:cSld>
     <p:bg>
@@ -4760,7 +7017,7 @@
 </p:sld>
 </file>
 
-<file path=ppt/slides/slide12.xml><?xml version="1.0" encoding="utf-8"?>
+<file path=ppt/slides/slide19.xml><?xml version="1.0" encoding="utf-8"?>
 <p:sld xmlns:a="http://schemas.openxmlformats.org/drawingml/2006/main" xmlns:r="http://schemas.openxmlformats.org/officeDocument/2006/relationships" xmlns:p="http://schemas.openxmlformats.org/presentationml/2006/main">
   <p:cSld>
     <p:spTree>
@@ -5201,7 +7458,280 @@
 </p:sld>
 </file>
 
-<file path=ppt/slides/slide13.xml><?xml version="1.0" encoding="utf-8"?>
+<file path=ppt/slides/slide2.xml><?xml version="1.0" encoding="utf-8"?>
+<p:sld xmlns:a="http://schemas.openxmlformats.org/drawingml/2006/main" xmlns:r="http://schemas.openxmlformats.org/officeDocument/2006/relationships" xmlns:p="http://schemas.openxmlformats.org/presentationml/2006/main">
+  <p:cSld>
+    <p:spTree>
+      <p:nvGrpSpPr>
+        <p:cNvPr id="1" name=""/>
+        <p:cNvGrpSpPr/>
+        <p:nvPr/>
+      </p:nvGrpSpPr>
+      <p:grpSpPr>
+        <a:xfrm>
+          <a:off x="0" y="0"/>
+          <a:ext cx="0" cy="0"/>
+          <a:chOff x="0" y="0"/>
+          <a:chExt cx="0" cy="0"/>
+        </a:xfrm>
+      </p:grpSpPr>
+      <p:sp>
+        <p:nvSpPr>
+          <p:cNvPr id="21" name="平行四辺形 20">
+            <a:extLst>
+              <a:ext uri="{FF2B5EF4-FFF2-40B4-BE49-F238E27FC236}">
+                <a16:creationId xmlns:a16="http://schemas.microsoft.com/office/drawing/2014/main" id="{7D142A42-F754-491F-B718-FC9E5302D008}"/>
+              </a:ext>
+            </a:extLst>
+          </p:cNvPr>
+          <p:cNvSpPr>
+            <a:spLocks noChangeAspect="1"/>
+          </p:cNvSpPr>
+          <p:nvPr/>
+        </p:nvSpPr>
+        <p:spPr>
+          <a:xfrm>
+            <a:off x="8037987" y="2518769"/>
+            <a:ext cx="1198535" cy="1341722"/>
+          </a:xfrm>
+          <a:prstGeom prst="parallelogram">
+            <a:avLst>
+              <a:gd name="adj" fmla="val 25000"/>
+            </a:avLst>
+          </a:prstGeom>
+          <a:solidFill>
+            <a:schemeClr val="tx1"/>
+          </a:solidFill>
+          <a:ln>
+            <a:noFill/>
+          </a:ln>
+        </p:spPr>
+        <p:style>
+          <a:lnRef idx="2">
+            <a:schemeClr val="accent1">
+              <a:shade val="50000"/>
+            </a:schemeClr>
+          </a:lnRef>
+          <a:fillRef idx="1">
+            <a:schemeClr val="accent1"/>
+          </a:fillRef>
+          <a:effectRef idx="0">
+            <a:schemeClr val="accent1"/>
+          </a:effectRef>
+          <a:fontRef idx="minor">
+            <a:schemeClr val="lt1"/>
+          </a:fontRef>
+        </p:style>
+        <p:txBody>
+          <a:bodyPr rtlCol="0" anchor="ctr"/>
+          <a:lstStyle/>
+          <a:p>
+            <a:pPr algn="ctr"/>
+            <a:endParaRPr kumimoji="1" lang="ja-JP" altLang="en-US"/>
+          </a:p>
+        </p:txBody>
+      </p:sp>
+      <p:grpSp>
+        <p:nvGrpSpPr>
+          <p:cNvPr id="2" name="グループ化 1">
+            <a:extLst>
+              <a:ext uri="{FF2B5EF4-FFF2-40B4-BE49-F238E27FC236}">
+                <a16:creationId xmlns:a16="http://schemas.microsoft.com/office/drawing/2014/main" id="{9F817474-FD9C-44AA-901E-83FB4983DA2E}"/>
+              </a:ext>
+            </a:extLst>
+          </p:cNvPr>
+          <p:cNvGrpSpPr/>
+          <p:nvPr/>
+        </p:nvGrpSpPr>
+        <p:grpSpPr>
+          <a:xfrm>
+            <a:off x="1795536" y="620174"/>
+            <a:ext cx="9355530" cy="1363664"/>
+            <a:chOff x="1795536" y="620174"/>
+            <a:chExt cx="9355530" cy="1363664"/>
+          </a:xfrm>
+        </p:grpSpPr>
+        <p:sp>
+          <p:nvSpPr>
+            <p:cNvPr id="4" name="平行四辺形 3">
+              <a:extLst>
+                <a:ext uri="{FF2B5EF4-FFF2-40B4-BE49-F238E27FC236}">
+                  <a16:creationId xmlns:a16="http://schemas.microsoft.com/office/drawing/2014/main" id="{EC8C0B87-CA0C-4CEE-8EF1-F29728A7D918}"/>
+                </a:ext>
+              </a:extLst>
+            </p:cNvPr>
+            <p:cNvSpPr>
+              <a:spLocks noChangeAspect="1"/>
+            </p:cNvSpPr>
+            <p:nvPr/>
+          </p:nvSpPr>
+          <p:spPr>
+            <a:xfrm>
+              <a:off x="1795536" y="620174"/>
+              <a:ext cx="1293036" cy="1363664"/>
+            </a:xfrm>
+            <a:prstGeom prst="parallelogram">
+              <a:avLst>
+                <a:gd name="adj" fmla="val 25000"/>
+              </a:avLst>
+            </a:prstGeom>
+            <a:solidFill>
+              <a:schemeClr val="tx1"/>
+            </a:solidFill>
+            <a:ln>
+              <a:noFill/>
+            </a:ln>
+          </p:spPr>
+          <p:style>
+            <a:lnRef idx="2">
+              <a:schemeClr val="accent1">
+                <a:shade val="50000"/>
+              </a:schemeClr>
+            </a:lnRef>
+            <a:fillRef idx="1">
+              <a:schemeClr val="accent1"/>
+            </a:fillRef>
+            <a:effectRef idx="0">
+              <a:schemeClr val="accent1"/>
+            </a:effectRef>
+            <a:fontRef idx="minor">
+              <a:schemeClr val="lt1"/>
+            </a:fontRef>
+          </p:style>
+          <p:txBody>
+            <a:bodyPr rtlCol="0" anchor="ctr"/>
+            <a:lstStyle/>
+            <a:p>
+              <a:pPr algn="ctr"/>
+              <a:endParaRPr kumimoji="1" lang="ja-JP" altLang="en-US"/>
+            </a:p>
+          </p:txBody>
+        </p:sp>
+        <p:sp>
+          <p:nvSpPr>
+            <p:cNvPr id="8" name="四角形: 角を丸くする 7">
+              <a:extLst>
+                <a:ext uri="{FF2B5EF4-FFF2-40B4-BE49-F238E27FC236}">
+                  <a16:creationId xmlns:a16="http://schemas.microsoft.com/office/drawing/2014/main" id="{1A93CC1F-83EF-4779-81AD-C47A241B3791}"/>
+                </a:ext>
+              </a:extLst>
+            </p:cNvPr>
+            <p:cNvSpPr/>
+            <p:nvPr/>
+          </p:nvSpPr>
+          <p:spPr>
+            <a:xfrm>
+              <a:off x="3161212" y="623224"/>
+              <a:ext cx="7989854" cy="1360614"/>
+            </a:xfrm>
+            <a:prstGeom prst="roundRect">
+              <a:avLst>
+                <a:gd name="adj" fmla="val 34423"/>
+              </a:avLst>
+            </a:prstGeom>
+            <a:solidFill>
+              <a:schemeClr val="tx1"/>
+            </a:solidFill>
+            <a:ln>
+              <a:noFill/>
+            </a:ln>
+          </p:spPr>
+          <p:style>
+            <a:lnRef idx="2">
+              <a:schemeClr val="accent1">
+                <a:shade val="50000"/>
+              </a:schemeClr>
+            </a:lnRef>
+            <a:fillRef idx="1">
+              <a:schemeClr val="accent1"/>
+            </a:fillRef>
+            <a:effectRef idx="0">
+              <a:schemeClr val="accent1"/>
+            </a:effectRef>
+            <a:fontRef idx="minor">
+              <a:schemeClr val="lt1"/>
+            </a:fontRef>
+          </p:style>
+          <p:txBody>
+            <a:bodyPr rtlCol="0" anchor="ctr"/>
+            <a:lstStyle/>
+            <a:p>
+              <a:pPr algn="ctr"/>
+              <a:endParaRPr kumimoji="1" lang="ja-JP" altLang="en-US"/>
+            </a:p>
+          </p:txBody>
+        </p:sp>
+        <p:sp>
+          <p:nvSpPr>
+            <p:cNvPr id="6" name="平行四辺形 5">
+              <a:extLst>
+                <a:ext uri="{FF2B5EF4-FFF2-40B4-BE49-F238E27FC236}">
+                  <a16:creationId xmlns:a16="http://schemas.microsoft.com/office/drawing/2014/main" id="{78A41161-A827-4103-AF92-744E89CA2306}"/>
+                </a:ext>
+              </a:extLst>
+            </p:cNvPr>
+            <p:cNvSpPr>
+              <a:spLocks noChangeAspect="1"/>
+            </p:cNvSpPr>
+            <p:nvPr/>
+          </p:nvSpPr>
+          <p:spPr>
+            <a:xfrm>
+              <a:off x="2865379" y="620174"/>
+              <a:ext cx="1293036" cy="1363664"/>
+            </a:xfrm>
+            <a:prstGeom prst="parallelogram">
+              <a:avLst>
+                <a:gd name="adj" fmla="val 25000"/>
+              </a:avLst>
+            </a:prstGeom>
+            <a:solidFill>
+              <a:schemeClr val="tx1"/>
+            </a:solidFill>
+            <a:ln>
+              <a:noFill/>
+            </a:ln>
+          </p:spPr>
+          <p:style>
+            <a:lnRef idx="2">
+              <a:schemeClr val="accent1">
+                <a:shade val="50000"/>
+              </a:schemeClr>
+            </a:lnRef>
+            <a:fillRef idx="1">
+              <a:schemeClr val="accent1"/>
+            </a:fillRef>
+            <a:effectRef idx="0">
+              <a:schemeClr val="accent1"/>
+            </a:effectRef>
+            <a:fontRef idx="minor">
+              <a:schemeClr val="lt1"/>
+            </a:fontRef>
+          </p:style>
+          <p:txBody>
+            <a:bodyPr rtlCol="0" anchor="ctr"/>
+            <a:lstStyle/>
+            <a:p>
+              <a:pPr algn="ctr"/>
+              <a:endParaRPr kumimoji="1" lang="ja-JP" altLang="en-US"/>
+            </a:p>
+          </p:txBody>
+        </p:sp>
+      </p:grpSp>
+    </p:spTree>
+    <p:extLst>
+      <p:ext uri="{BB962C8B-B14F-4D97-AF65-F5344CB8AC3E}">
+        <p14:creationId xmlns:p14="http://schemas.microsoft.com/office/powerpoint/2010/main" val="375036973"/>
+      </p:ext>
+    </p:extLst>
+  </p:cSld>
+  <p:clrMapOvr>
+    <a:masterClrMapping/>
+  </p:clrMapOvr>
+</p:sld>
+</file>
+
+<file path=ppt/slides/slide20.xml><?xml version="1.0" encoding="utf-8"?>
 <p:sld xmlns:a="http://schemas.openxmlformats.org/drawingml/2006/main" xmlns:r="http://schemas.openxmlformats.org/officeDocument/2006/relationships" xmlns:p="http://schemas.openxmlformats.org/presentationml/2006/main">
   <p:cSld>
     <p:spTree>
@@ -7135,7 +9665,7 @@
 </p:sld>
 </file>
 
-<file path=ppt/slides/slide14.xml><?xml version="1.0" encoding="utf-8"?>
+<file path=ppt/slides/slide21.xml><?xml version="1.0" encoding="utf-8"?>
 <p:sld xmlns:a="http://schemas.openxmlformats.org/drawingml/2006/main" xmlns:r="http://schemas.openxmlformats.org/officeDocument/2006/relationships" xmlns:p="http://schemas.openxmlformats.org/presentationml/2006/main">
   <p:cSld>
     <p:spTree>
@@ -7597,7 +10127,7 @@
 </p:sld>
 </file>
 
-<file path=ppt/slides/slide15.xml><?xml version="1.0" encoding="utf-8"?>
+<file path=ppt/slides/slide22.xml><?xml version="1.0" encoding="utf-8"?>
 <p:sld xmlns:a="http://schemas.openxmlformats.org/drawingml/2006/main" xmlns:r="http://schemas.openxmlformats.org/officeDocument/2006/relationships" xmlns:p="http://schemas.openxmlformats.org/presentationml/2006/main">
   <p:cSld>
     <p:spTree>
@@ -7743,7 +10273,7 @@
 </p:sld>
 </file>
 
-<file path=ppt/slides/slide16.xml><?xml version="1.0" encoding="utf-8"?>
+<file path=ppt/slides/slide23.xml><?xml version="1.0" encoding="utf-8"?>
 <p:sld xmlns:a="http://schemas.openxmlformats.org/drawingml/2006/main" xmlns:r="http://schemas.openxmlformats.org/officeDocument/2006/relationships" xmlns:p="http://schemas.openxmlformats.org/presentationml/2006/main">
   <p:cSld>
     <p:spTree>
@@ -7824,279 +10354,6 @@
     <p:extLst>
       <p:ext uri="{BB962C8B-B14F-4D97-AF65-F5344CB8AC3E}">
         <p14:creationId xmlns:p14="http://schemas.microsoft.com/office/powerpoint/2010/main" val="651213926"/>
-      </p:ext>
-    </p:extLst>
-  </p:cSld>
-  <p:clrMapOvr>
-    <a:masterClrMapping/>
-  </p:clrMapOvr>
-</p:sld>
-</file>
-
-<file path=ppt/slides/slide2.xml><?xml version="1.0" encoding="utf-8"?>
-<p:sld xmlns:a="http://schemas.openxmlformats.org/drawingml/2006/main" xmlns:r="http://schemas.openxmlformats.org/officeDocument/2006/relationships" xmlns:p="http://schemas.openxmlformats.org/presentationml/2006/main">
-  <p:cSld>
-    <p:spTree>
-      <p:nvGrpSpPr>
-        <p:cNvPr id="1" name=""/>
-        <p:cNvGrpSpPr/>
-        <p:nvPr/>
-      </p:nvGrpSpPr>
-      <p:grpSpPr>
-        <a:xfrm>
-          <a:off x="0" y="0"/>
-          <a:ext cx="0" cy="0"/>
-          <a:chOff x="0" y="0"/>
-          <a:chExt cx="0" cy="0"/>
-        </a:xfrm>
-      </p:grpSpPr>
-      <p:sp>
-        <p:nvSpPr>
-          <p:cNvPr id="21" name="平行四辺形 20">
-            <a:extLst>
-              <a:ext uri="{FF2B5EF4-FFF2-40B4-BE49-F238E27FC236}">
-                <a16:creationId xmlns:a16="http://schemas.microsoft.com/office/drawing/2014/main" id="{7D142A42-F754-491F-B718-FC9E5302D008}"/>
-              </a:ext>
-            </a:extLst>
-          </p:cNvPr>
-          <p:cNvSpPr>
-            <a:spLocks noChangeAspect="1"/>
-          </p:cNvSpPr>
-          <p:nvPr/>
-        </p:nvSpPr>
-        <p:spPr>
-          <a:xfrm>
-            <a:off x="8037987" y="2518769"/>
-            <a:ext cx="1198535" cy="1341722"/>
-          </a:xfrm>
-          <a:prstGeom prst="parallelogram">
-            <a:avLst>
-              <a:gd name="adj" fmla="val 25000"/>
-            </a:avLst>
-          </a:prstGeom>
-          <a:solidFill>
-            <a:schemeClr val="tx1"/>
-          </a:solidFill>
-          <a:ln>
-            <a:noFill/>
-          </a:ln>
-        </p:spPr>
-        <p:style>
-          <a:lnRef idx="2">
-            <a:schemeClr val="accent1">
-              <a:shade val="50000"/>
-            </a:schemeClr>
-          </a:lnRef>
-          <a:fillRef idx="1">
-            <a:schemeClr val="accent1"/>
-          </a:fillRef>
-          <a:effectRef idx="0">
-            <a:schemeClr val="accent1"/>
-          </a:effectRef>
-          <a:fontRef idx="minor">
-            <a:schemeClr val="lt1"/>
-          </a:fontRef>
-        </p:style>
-        <p:txBody>
-          <a:bodyPr rtlCol="0" anchor="ctr"/>
-          <a:lstStyle/>
-          <a:p>
-            <a:pPr algn="ctr"/>
-            <a:endParaRPr kumimoji="1" lang="ja-JP" altLang="en-US"/>
-          </a:p>
-        </p:txBody>
-      </p:sp>
-      <p:grpSp>
-        <p:nvGrpSpPr>
-          <p:cNvPr id="2" name="グループ化 1">
-            <a:extLst>
-              <a:ext uri="{FF2B5EF4-FFF2-40B4-BE49-F238E27FC236}">
-                <a16:creationId xmlns:a16="http://schemas.microsoft.com/office/drawing/2014/main" id="{9F817474-FD9C-44AA-901E-83FB4983DA2E}"/>
-              </a:ext>
-            </a:extLst>
-          </p:cNvPr>
-          <p:cNvGrpSpPr/>
-          <p:nvPr/>
-        </p:nvGrpSpPr>
-        <p:grpSpPr>
-          <a:xfrm>
-            <a:off x="1795536" y="620174"/>
-            <a:ext cx="9355530" cy="1363664"/>
-            <a:chOff x="1795536" y="620174"/>
-            <a:chExt cx="9355530" cy="1363664"/>
-          </a:xfrm>
-        </p:grpSpPr>
-        <p:sp>
-          <p:nvSpPr>
-            <p:cNvPr id="4" name="平行四辺形 3">
-              <a:extLst>
-                <a:ext uri="{FF2B5EF4-FFF2-40B4-BE49-F238E27FC236}">
-                  <a16:creationId xmlns:a16="http://schemas.microsoft.com/office/drawing/2014/main" id="{EC8C0B87-CA0C-4CEE-8EF1-F29728A7D918}"/>
-                </a:ext>
-              </a:extLst>
-            </p:cNvPr>
-            <p:cNvSpPr>
-              <a:spLocks noChangeAspect="1"/>
-            </p:cNvSpPr>
-            <p:nvPr/>
-          </p:nvSpPr>
-          <p:spPr>
-            <a:xfrm>
-              <a:off x="1795536" y="620174"/>
-              <a:ext cx="1293036" cy="1363664"/>
-            </a:xfrm>
-            <a:prstGeom prst="parallelogram">
-              <a:avLst>
-                <a:gd name="adj" fmla="val 25000"/>
-              </a:avLst>
-            </a:prstGeom>
-            <a:solidFill>
-              <a:schemeClr val="tx1"/>
-            </a:solidFill>
-            <a:ln>
-              <a:noFill/>
-            </a:ln>
-          </p:spPr>
-          <p:style>
-            <a:lnRef idx="2">
-              <a:schemeClr val="accent1">
-                <a:shade val="50000"/>
-              </a:schemeClr>
-            </a:lnRef>
-            <a:fillRef idx="1">
-              <a:schemeClr val="accent1"/>
-            </a:fillRef>
-            <a:effectRef idx="0">
-              <a:schemeClr val="accent1"/>
-            </a:effectRef>
-            <a:fontRef idx="minor">
-              <a:schemeClr val="lt1"/>
-            </a:fontRef>
-          </p:style>
-          <p:txBody>
-            <a:bodyPr rtlCol="0" anchor="ctr"/>
-            <a:lstStyle/>
-            <a:p>
-              <a:pPr algn="ctr"/>
-              <a:endParaRPr kumimoji="1" lang="ja-JP" altLang="en-US"/>
-            </a:p>
-          </p:txBody>
-        </p:sp>
-        <p:sp>
-          <p:nvSpPr>
-            <p:cNvPr id="8" name="四角形: 角を丸くする 7">
-              <a:extLst>
-                <a:ext uri="{FF2B5EF4-FFF2-40B4-BE49-F238E27FC236}">
-                  <a16:creationId xmlns:a16="http://schemas.microsoft.com/office/drawing/2014/main" id="{1A93CC1F-83EF-4779-81AD-C47A241B3791}"/>
-                </a:ext>
-              </a:extLst>
-            </p:cNvPr>
-            <p:cNvSpPr/>
-            <p:nvPr/>
-          </p:nvSpPr>
-          <p:spPr>
-            <a:xfrm>
-              <a:off x="3161212" y="623224"/>
-              <a:ext cx="7989854" cy="1360614"/>
-            </a:xfrm>
-            <a:prstGeom prst="roundRect">
-              <a:avLst>
-                <a:gd name="adj" fmla="val 34423"/>
-              </a:avLst>
-            </a:prstGeom>
-            <a:solidFill>
-              <a:schemeClr val="tx1"/>
-            </a:solidFill>
-            <a:ln>
-              <a:noFill/>
-            </a:ln>
-          </p:spPr>
-          <p:style>
-            <a:lnRef idx="2">
-              <a:schemeClr val="accent1">
-                <a:shade val="50000"/>
-              </a:schemeClr>
-            </a:lnRef>
-            <a:fillRef idx="1">
-              <a:schemeClr val="accent1"/>
-            </a:fillRef>
-            <a:effectRef idx="0">
-              <a:schemeClr val="accent1"/>
-            </a:effectRef>
-            <a:fontRef idx="minor">
-              <a:schemeClr val="lt1"/>
-            </a:fontRef>
-          </p:style>
-          <p:txBody>
-            <a:bodyPr rtlCol="0" anchor="ctr"/>
-            <a:lstStyle/>
-            <a:p>
-              <a:pPr algn="ctr"/>
-              <a:endParaRPr kumimoji="1" lang="ja-JP" altLang="en-US"/>
-            </a:p>
-          </p:txBody>
-        </p:sp>
-        <p:sp>
-          <p:nvSpPr>
-            <p:cNvPr id="6" name="平行四辺形 5">
-              <a:extLst>
-                <a:ext uri="{FF2B5EF4-FFF2-40B4-BE49-F238E27FC236}">
-                  <a16:creationId xmlns:a16="http://schemas.microsoft.com/office/drawing/2014/main" id="{78A41161-A827-4103-AF92-744E89CA2306}"/>
-                </a:ext>
-              </a:extLst>
-            </p:cNvPr>
-            <p:cNvSpPr>
-              <a:spLocks noChangeAspect="1"/>
-            </p:cNvSpPr>
-            <p:nvPr/>
-          </p:nvSpPr>
-          <p:spPr>
-            <a:xfrm>
-              <a:off x="2865379" y="620174"/>
-              <a:ext cx="1293036" cy="1363664"/>
-            </a:xfrm>
-            <a:prstGeom prst="parallelogram">
-              <a:avLst>
-                <a:gd name="adj" fmla="val 25000"/>
-              </a:avLst>
-            </a:prstGeom>
-            <a:solidFill>
-              <a:schemeClr val="tx1"/>
-            </a:solidFill>
-            <a:ln>
-              <a:noFill/>
-            </a:ln>
-          </p:spPr>
-          <p:style>
-            <a:lnRef idx="2">
-              <a:schemeClr val="accent1">
-                <a:shade val="50000"/>
-              </a:schemeClr>
-            </a:lnRef>
-            <a:fillRef idx="1">
-              <a:schemeClr val="accent1"/>
-            </a:fillRef>
-            <a:effectRef idx="0">
-              <a:schemeClr val="accent1"/>
-            </a:effectRef>
-            <a:fontRef idx="minor">
-              <a:schemeClr val="lt1"/>
-            </a:fontRef>
-          </p:style>
-          <p:txBody>
-            <a:bodyPr rtlCol="0" anchor="ctr"/>
-            <a:lstStyle/>
-            <a:p>
-              <a:pPr algn="ctr"/>
-              <a:endParaRPr kumimoji="1" lang="ja-JP" altLang="en-US"/>
-            </a:p>
-          </p:txBody>
-        </p:sp>
-      </p:grpSp>
-    </p:spTree>
-    <p:extLst>
-      <p:ext uri="{BB962C8B-B14F-4D97-AF65-F5344CB8AC3E}">
-        <p14:creationId xmlns:p14="http://schemas.microsoft.com/office/powerpoint/2010/main" val="375036973"/>
       </p:ext>
     </p:extLst>
   </p:cSld>
@@ -9962,6 +12219,472 @@
           </p:txBody>
         </p:sp>
       </p:grpSp>
+      <p:sp>
+        <p:nvSpPr>
+          <p:cNvPr id="22" name="四角形: 1 つの角を切り取る 2">
+            <a:extLst>
+              <a:ext uri="{FF2B5EF4-FFF2-40B4-BE49-F238E27FC236}">
+                <a16:creationId xmlns:a16="http://schemas.microsoft.com/office/drawing/2014/main" id="{5D23748B-2FF3-46D0-B8A2-74DC68C38CFC}"/>
+              </a:ext>
+            </a:extLst>
+          </p:cNvPr>
+          <p:cNvSpPr/>
+          <p:nvPr/>
+        </p:nvSpPr>
+        <p:spPr>
+          <a:xfrm flipH="1">
+            <a:off x="2913857" y="2968432"/>
+            <a:ext cx="4619625" cy="1266825"/>
+          </a:xfrm>
+          <a:custGeom>
+            <a:avLst/>
+            <a:gdLst>
+              <a:gd name="connsiteX0" fmla="*/ 0 w 4619625"/>
+              <a:gd name="connsiteY0" fmla="*/ 0 h 1266825"/>
+              <a:gd name="connsiteX1" fmla="*/ 3986213 w 4619625"/>
+              <a:gd name="connsiteY1" fmla="*/ 0 h 1266825"/>
+              <a:gd name="connsiteX2" fmla="*/ 4619625 w 4619625"/>
+              <a:gd name="connsiteY2" fmla="*/ 633413 h 1266825"/>
+              <a:gd name="connsiteX3" fmla="*/ 4619625 w 4619625"/>
+              <a:gd name="connsiteY3" fmla="*/ 1266825 h 1266825"/>
+              <a:gd name="connsiteX4" fmla="*/ 0 w 4619625"/>
+              <a:gd name="connsiteY4" fmla="*/ 1266825 h 1266825"/>
+              <a:gd name="connsiteX5" fmla="*/ 0 w 4619625"/>
+              <a:gd name="connsiteY5" fmla="*/ 0 h 1266825"/>
+              <a:gd name="connsiteX0" fmla="*/ 0 w 4619625"/>
+              <a:gd name="connsiteY0" fmla="*/ 0 h 1266825"/>
+              <a:gd name="connsiteX1" fmla="*/ 3986213 w 4619625"/>
+              <a:gd name="connsiteY1" fmla="*/ 0 h 1266825"/>
+              <a:gd name="connsiteX2" fmla="*/ 4619625 w 4619625"/>
+              <a:gd name="connsiteY2" fmla="*/ 633413 h 1266825"/>
+              <a:gd name="connsiteX3" fmla="*/ 4248150 w 4619625"/>
+              <a:gd name="connsiteY3" fmla="*/ 1257300 h 1266825"/>
+              <a:gd name="connsiteX4" fmla="*/ 0 w 4619625"/>
+              <a:gd name="connsiteY4" fmla="*/ 1266825 h 1266825"/>
+              <a:gd name="connsiteX5" fmla="*/ 0 w 4619625"/>
+              <a:gd name="connsiteY5" fmla="*/ 0 h 1266825"/>
+              <a:gd name="connsiteX0" fmla="*/ 0 w 4619625"/>
+              <a:gd name="connsiteY0" fmla="*/ 0 h 1266825"/>
+              <a:gd name="connsiteX1" fmla="*/ 3395663 w 4619625"/>
+              <a:gd name="connsiteY1" fmla="*/ 9525 h 1266825"/>
+              <a:gd name="connsiteX2" fmla="*/ 4619625 w 4619625"/>
+              <a:gd name="connsiteY2" fmla="*/ 633413 h 1266825"/>
+              <a:gd name="connsiteX3" fmla="*/ 4248150 w 4619625"/>
+              <a:gd name="connsiteY3" fmla="*/ 1257300 h 1266825"/>
+              <a:gd name="connsiteX4" fmla="*/ 0 w 4619625"/>
+              <a:gd name="connsiteY4" fmla="*/ 1266825 h 1266825"/>
+              <a:gd name="connsiteX5" fmla="*/ 0 w 4619625"/>
+              <a:gd name="connsiteY5" fmla="*/ 0 h 1266825"/>
+              <a:gd name="connsiteX0" fmla="*/ 0 w 4619625"/>
+              <a:gd name="connsiteY0" fmla="*/ 0 h 1266825"/>
+              <a:gd name="connsiteX1" fmla="*/ 3395663 w 4619625"/>
+              <a:gd name="connsiteY1" fmla="*/ 9525 h 1266825"/>
+              <a:gd name="connsiteX2" fmla="*/ 4619625 w 4619625"/>
+              <a:gd name="connsiteY2" fmla="*/ 633413 h 1266825"/>
+              <a:gd name="connsiteX3" fmla="*/ 3857625 w 4619625"/>
+              <a:gd name="connsiteY3" fmla="*/ 1257300 h 1266825"/>
+              <a:gd name="connsiteX4" fmla="*/ 0 w 4619625"/>
+              <a:gd name="connsiteY4" fmla="*/ 1266825 h 1266825"/>
+              <a:gd name="connsiteX5" fmla="*/ 0 w 4619625"/>
+              <a:gd name="connsiteY5" fmla="*/ 0 h 1266825"/>
+              <a:gd name="connsiteX0" fmla="*/ 0 w 4619625"/>
+              <a:gd name="connsiteY0" fmla="*/ 0 h 1266825"/>
+              <a:gd name="connsiteX1" fmla="*/ 3395663 w 4619625"/>
+              <a:gd name="connsiteY1" fmla="*/ 9525 h 1266825"/>
+              <a:gd name="connsiteX2" fmla="*/ 4619625 w 4619625"/>
+              <a:gd name="connsiteY2" fmla="*/ 890588 h 1266825"/>
+              <a:gd name="connsiteX3" fmla="*/ 3857625 w 4619625"/>
+              <a:gd name="connsiteY3" fmla="*/ 1257300 h 1266825"/>
+              <a:gd name="connsiteX4" fmla="*/ 0 w 4619625"/>
+              <a:gd name="connsiteY4" fmla="*/ 1266825 h 1266825"/>
+              <a:gd name="connsiteX5" fmla="*/ 0 w 4619625"/>
+              <a:gd name="connsiteY5" fmla="*/ 0 h 1266825"/>
+              <a:gd name="connsiteX0" fmla="*/ 0 w 4619625"/>
+              <a:gd name="connsiteY0" fmla="*/ 0 h 1266825"/>
+              <a:gd name="connsiteX1" fmla="*/ 3395663 w 4619625"/>
+              <a:gd name="connsiteY1" fmla="*/ 9525 h 1266825"/>
+              <a:gd name="connsiteX2" fmla="*/ 4619625 w 4619625"/>
+              <a:gd name="connsiteY2" fmla="*/ 890588 h 1266825"/>
+              <a:gd name="connsiteX3" fmla="*/ 4143375 w 4619625"/>
+              <a:gd name="connsiteY3" fmla="*/ 1257300 h 1266825"/>
+              <a:gd name="connsiteX4" fmla="*/ 0 w 4619625"/>
+              <a:gd name="connsiteY4" fmla="*/ 1266825 h 1266825"/>
+              <a:gd name="connsiteX5" fmla="*/ 0 w 4619625"/>
+              <a:gd name="connsiteY5" fmla="*/ 0 h 1266825"/>
+              <a:gd name="connsiteX0" fmla="*/ 0 w 4619625"/>
+              <a:gd name="connsiteY0" fmla="*/ 0 h 1266825"/>
+              <a:gd name="connsiteX1" fmla="*/ 3986213 w 4619625"/>
+              <a:gd name="connsiteY1" fmla="*/ 9525 h 1266825"/>
+              <a:gd name="connsiteX2" fmla="*/ 4619625 w 4619625"/>
+              <a:gd name="connsiteY2" fmla="*/ 890588 h 1266825"/>
+              <a:gd name="connsiteX3" fmla="*/ 4143375 w 4619625"/>
+              <a:gd name="connsiteY3" fmla="*/ 1257300 h 1266825"/>
+              <a:gd name="connsiteX4" fmla="*/ 0 w 4619625"/>
+              <a:gd name="connsiteY4" fmla="*/ 1266825 h 1266825"/>
+              <a:gd name="connsiteX5" fmla="*/ 0 w 4619625"/>
+              <a:gd name="connsiteY5" fmla="*/ 0 h 1266825"/>
+              <a:gd name="connsiteX0" fmla="*/ 0 w 4619625"/>
+              <a:gd name="connsiteY0" fmla="*/ 0 h 1266825"/>
+              <a:gd name="connsiteX1" fmla="*/ 3986213 w 4619625"/>
+              <a:gd name="connsiteY1" fmla="*/ 9525 h 1266825"/>
+              <a:gd name="connsiteX2" fmla="*/ 4619625 w 4619625"/>
+              <a:gd name="connsiteY2" fmla="*/ 766763 h 1266825"/>
+              <a:gd name="connsiteX3" fmla="*/ 4143375 w 4619625"/>
+              <a:gd name="connsiteY3" fmla="*/ 1257300 h 1266825"/>
+              <a:gd name="connsiteX4" fmla="*/ 0 w 4619625"/>
+              <a:gd name="connsiteY4" fmla="*/ 1266825 h 1266825"/>
+              <a:gd name="connsiteX5" fmla="*/ 0 w 4619625"/>
+              <a:gd name="connsiteY5" fmla="*/ 0 h 1266825"/>
+            </a:gdLst>
+            <a:ahLst/>
+            <a:cxnLst>
+              <a:cxn ang="0">
+                <a:pos x="connsiteX0" y="connsiteY0"/>
+              </a:cxn>
+              <a:cxn ang="0">
+                <a:pos x="connsiteX1" y="connsiteY1"/>
+              </a:cxn>
+              <a:cxn ang="0">
+                <a:pos x="connsiteX2" y="connsiteY2"/>
+              </a:cxn>
+              <a:cxn ang="0">
+                <a:pos x="connsiteX3" y="connsiteY3"/>
+              </a:cxn>
+              <a:cxn ang="0">
+                <a:pos x="connsiteX4" y="connsiteY4"/>
+              </a:cxn>
+              <a:cxn ang="0">
+                <a:pos x="connsiteX5" y="connsiteY5"/>
+              </a:cxn>
+            </a:cxnLst>
+            <a:rect l="l" t="t" r="r" b="b"/>
+            <a:pathLst>
+              <a:path w="4619625" h="1266825">
+                <a:moveTo>
+                  <a:pt x="0" y="0"/>
+                </a:moveTo>
+                <a:lnTo>
+                  <a:pt x="3986213" y="9525"/>
+                </a:lnTo>
+                <a:lnTo>
+                  <a:pt x="4619625" y="766763"/>
+                </a:lnTo>
+                <a:lnTo>
+                  <a:pt x="4143375" y="1257300"/>
+                </a:lnTo>
+                <a:lnTo>
+                  <a:pt x="0" y="1266825"/>
+                </a:lnTo>
+                <a:lnTo>
+                  <a:pt x="0" y="0"/>
+                </a:lnTo>
+                <a:close/>
+              </a:path>
+            </a:pathLst>
+          </a:custGeom>
+          <a:solidFill>
+            <a:schemeClr val="tx1"/>
+          </a:solidFill>
+          <a:ln>
+            <a:noFill/>
+          </a:ln>
+          <a:effectLst>
+            <a:outerShdw blurRad="50800" dist="38100" dir="2700000" algn="tl" rotWithShape="0">
+              <a:prstClr val="black">
+                <a:alpha val="40000"/>
+              </a:prstClr>
+            </a:outerShdw>
+          </a:effectLst>
+        </p:spPr>
+        <p:style>
+          <a:lnRef idx="2">
+            <a:schemeClr val="accent1">
+              <a:shade val="50000"/>
+            </a:schemeClr>
+          </a:lnRef>
+          <a:fillRef idx="1">
+            <a:schemeClr val="accent1"/>
+          </a:fillRef>
+          <a:effectRef idx="0">
+            <a:schemeClr val="accent1"/>
+          </a:effectRef>
+          <a:fontRef idx="minor">
+            <a:schemeClr val="lt1"/>
+          </a:fontRef>
+        </p:style>
+        <p:txBody>
+          <a:bodyPr rtlCol="0" anchor="ctr"/>
+          <a:lstStyle/>
+          <a:p>
+            <a:pPr algn="ctr"/>
+            <a:endParaRPr kumimoji="1" lang="ja-JP" altLang="en-US" sz="8000" i="1" dirty="0">
+              <a:solidFill>
+                <a:schemeClr val="bg1"/>
+              </a:solidFill>
+            </a:endParaRPr>
+          </a:p>
+        </p:txBody>
+      </p:sp>
+      <p:sp>
+        <p:nvSpPr>
+          <p:cNvPr id="24" name="正方形/長方形 23">
+            <a:extLst>
+              <a:ext uri="{FF2B5EF4-FFF2-40B4-BE49-F238E27FC236}">
+                <a16:creationId xmlns:a16="http://schemas.microsoft.com/office/drawing/2014/main" id="{4CDA3531-B8F0-4314-A173-9E5F70EFA9EB}"/>
+              </a:ext>
+            </a:extLst>
+          </p:cNvPr>
+          <p:cNvSpPr>
+            <a:spLocks noChangeAspect="1"/>
+          </p:cNvSpPr>
+          <p:nvPr/>
+        </p:nvSpPr>
+        <p:spPr>
+          <a:xfrm>
+            <a:off x="-2392437" y="886051"/>
+            <a:ext cx="5526000" cy="3108375"/>
+          </a:xfrm>
+          <a:prstGeom prst="rect">
+            <a:avLst/>
+          </a:prstGeom>
+          <a:solidFill>
+            <a:schemeClr val="tx1">
+              <a:lumMod val="85000"/>
+            </a:schemeClr>
+          </a:solidFill>
+          <a:ln w="63500">
+            <a:solidFill>
+              <a:schemeClr val="tx1">
+                <a:lumMod val="75000"/>
+              </a:schemeClr>
+            </a:solidFill>
+            <a:prstDash val="sysDash"/>
+          </a:ln>
+          <a:effectLst>
+            <a:outerShdw blurRad="50800" dist="38100" dir="2700000" algn="tl" rotWithShape="0">
+              <a:prstClr val="black">
+                <a:alpha val="40000"/>
+              </a:prstClr>
+            </a:outerShdw>
+          </a:effectLst>
+        </p:spPr>
+        <p:style>
+          <a:lnRef idx="2">
+            <a:schemeClr val="accent1">
+              <a:shade val="50000"/>
+            </a:schemeClr>
+          </a:lnRef>
+          <a:fillRef idx="1">
+            <a:schemeClr val="accent1"/>
+          </a:fillRef>
+          <a:effectRef idx="0">
+            <a:schemeClr val="accent1"/>
+          </a:effectRef>
+          <a:fontRef idx="minor">
+            <a:schemeClr val="lt1"/>
+          </a:fontRef>
+        </p:style>
+        <p:txBody>
+          <a:bodyPr rtlCol="0" anchor="ctr"/>
+          <a:lstStyle/>
+          <a:p>
+            <a:pPr algn="r"/>
+            <a:endParaRPr kumimoji="1" lang="ja-JP" altLang="en-US" dirty="0"/>
+          </a:p>
+        </p:txBody>
+      </p:sp>
+      <p:sp>
+        <p:nvSpPr>
+          <p:cNvPr id="25" name="テキスト ボックス 24">
+            <a:extLst>
+              <a:ext uri="{FF2B5EF4-FFF2-40B4-BE49-F238E27FC236}">
+                <a16:creationId xmlns:a16="http://schemas.microsoft.com/office/drawing/2014/main" id="{0844F3FA-EE42-46F3-8772-5ABF5D2A3435}"/>
+              </a:ext>
+            </a:extLst>
+          </p:cNvPr>
+          <p:cNvSpPr txBox="1"/>
+          <p:nvPr/>
+        </p:nvSpPr>
+        <p:spPr>
+          <a:xfrm>
+            <a:off x="-285996" y="4550269"/>
+            <a:ext cx="5201920" cy="584775"/>
+          </a:xfrm>
+          <a:prstGeom prst="rect">
+            <a:avLst/>
+          </a:prstGeom>
+          <a:noFill/>
+        </p:spPr>
+        <p:txBody>
+          <a:bodyPr wrap="square" rtlCol="0">
+            <a:spAutoFit/>
+          </a:bodyPr>
+          <a:lstStyle/>
+          <a:p>
+            <a:pPr algn="ctr"/>
+            <a:r>
+              <a:rPr kumimoji="1" lang="ja-JP" altLang="en-US" sz="3200" dirty="0">
+                <a:solidFill>
+                  <a:schemeClr val="bg1"/>
+                </a:solidFill>
+                <a:effectLst>
+                  <a:outerShdw blurRad="50800" dist="38100" dir="2700000" algn="tl" rotWithShape="0">
+                    <a:prstClr val="black">
+                      <a:alpha val="40000"/>
+                    </a:prstClr>
+                  </a:outerShdw>
+                </a:effectLst>
+                <a:latin typeface="游明朝" panose="02020400000000000000" pitchFamily="18" charset="-128"/>
+                <a:ea typeface="游明朝" panose="02020400000000000000" pitchFamily="18" charset="-128"/>
+              </a:rPr>
+              <a:t>楽曲を選択してください</a:t>
+            </a:r>
+          </a:p>
+        </p:txBody>
+      </p:sp>
+      <p:sp>
+        <p:nvSpPr>
+          <p:cNvPr id="26" name="正方形/長方形 25">
+            <a:extLst>
+              <a:ext uri="{FF2B5EF4-FFF2-40B4-BE49-F238E27FC236}">
+                <a16:creationId xmlns:a16="http://schemas.microsoft.com/office/drawing/2014/main" id="{482407DC-0989-47D6-A9B9-70FEC8EFC24D}"/>
+              </a:ext>
+            </a:extLst>
+          </p:cNvPr>
+          <p:cNvSpPr>
+            <a:spLocks noChangeAspect="1"/>
+          </p:cNvSpPr>
+          <p:nvPr/>
+        </p:nvSpPr>
+        <p:spPr>
+          <a:xfrm>
+            <a:off x="3680640" y="2142617"/>
+            <a:ext cx="6944002" cy="3906000"/>
+          </a:xfrm>
+          <a:prstGeom prst="rect">
+            <a:avLst/>
+          </a:prstGeom>
+          <a:solidFill>
+            <a:schemeClr val="tx1"/>
+          </a:solidFill>
+          <a:ln w="127000">
+            <a:solidFill>
+              <a:schemeClr val="tx1">
+                <a:lumMod val="75000"/>
+              </a:schemeClr>
+            </a:solidFill>
+            <a:prstDash val="solid"/>
+          </a:ln>
+          <a:effectLst>
+            <a:outerShdw blurRad="50800" dist="38100" dir="2700000" algn="tl" rotWithShape="0">
+              <a:prstClr val="black">
+                <a:alpha val="40000"/>
+              </a:prstClr>
+            </a:outerShdw>
+          </a:effectLst>
+        </p:spPr>
+        <p:style>
+          <a:lnRef idx="2">
+            <a:schemeClr val="accent1">
+              <a:shade val="50000"/>
+            </a:schemeClr>
+          </a:lnRef>
+          <a:fillRef idx="1">
+            <a:schemeClr val="accent1"/>
+          </a:fillRef>
+          <a:effectRef idx="0">
+            <a:schemeClr val="accent1"/>
+          </a:effectRef>
+          <a:fontRef idx="minor">
+            <a:schemeClr val="lt1"/>
+          </a:fontRef>
+        </p:style>
+        <p:txBody>
+          <a:bodyPr rtlCol="0" anchor="ctr"/>
+          <a:lstStyle/>
+          <a:p>
+            <a:pPr algn="r"/>
+            <a:endParaRPr kumimoji="1" lang="ja-JP" altLang="en-US" dirty="0"/>
+          </a:p>
+        </p:txBody>
+      </p:sp>
+      <p:pic>
+        <p:nvPicPr>
+          <p:cNvPr id="27" name="図 26">
+            <a:extLst>
+              <a:ext uri="{FF2B5EF4-FFF2-40B4-BE49-F238E27FC236}">
+                <a16:creationId xmlns:a16="http://schemas.microsoft.com/office/drawing/2014/main" id="{94898095-E358-475F-AC40-C9B0C867A221}"/>
+              </a:ext>
+            </a:extLst>
+          </p:cNvPr>
+          <p:cNvPicPr>
+            <a:picLocks noChangeAspect="1"/>
+          </p:cNvPicPr>
+          <p:nvPr/>
+        </p:nvPicPr>
+        <p:blipFill>
+          <a:blip r:embed="rId2">
+            <a:extLst>
+              <a:ext uri="{28A0092B-C50C-407E-A947-70E740481C1C}">
+                <a14:useLocalDpi xmlns:a14="http://schemas.microsoft.com/office/drawing/2010/main" val="0"/>
+              </a:ext>
+            </a:extLst>
+          </a:blip>
+          <a:stretch>
+            <a:fillRect/>
+          </a:stretch>
+        </p:blipFill>
+        <p:spPr>
+          <a:xfrm>
+            <a:off x="5342419" y="1858662"/>
+            <a:ext cx="7143750" cy="4019550"/>
+          </a:xfrm>
+          <a:prstGeom prst="rect">
+            <a:avLst/>
+          </a:prstGeom>
+        </p:spPr>
+      </p:pic>
+      <p:sp>
+        <p:nvSpPr>
+          <p:cNvPr id="28" name="テキスト ボックス 27">
+            <a:extLst>
+              <a:ext uri="{FF2B5EF4-FFF2-40B4-BE49-F238E27FC236}">
+                <a16:creationId xmlns:a16="http://schemas.microsoft.com/office/drawing/2014/main" id="{18A79B12-7159-4E8B-BD51-08485CC957F8}"/>
+              </a:ext>
+            </a:extLst>
+          </p:cNvPr>
+          <p:cNvSpPr txBox="1"/>
+          <p:nvPr/>
+        </p:nvSpPr>
+        <p:spPr>
+          <a:xfrm>
+            <a:off x="3091619" y="590061"/>
+            <a:ext cx="3679502" cy="1015663"/>
+          </a:xfrm>
+          <a:prstGeom prst="rect">
+            <a:avLst/>
+          </a:prstGeom>
+          <a:noFill/>
+        </p:spPr>
+        <p:txBody>
+          <a:bodyPr wrap="square" rtlCol="0">
+            <a:spAutoFit/>
+          </a:bodyPr>
+          <a:lstStyle/>
+          <a:p>
+            <a:pPr algn="ctr"/>
+            <a:r>
+              <a:rPr kumimoji="1" lang="ja-JP" altLang="en-US" sz="6000" b="1" dirty="0">
+                <a:solidFill>
+                  <a:schemeClr val="bg1"/>
+                </a:solidFill>
+                <a:latin typeface="Agency FB" panose="020B0503020202020204" pitchFamily="34" charset="0"/>
+              </a:rPr>
+              <a:t>ＮＯ</a:t>
+            </a:r>
+          </a:p>
+        </p:txBody>
+      </p:sp>
     </p:spTree>
     <p:extLst>
       <p:ext uri="{BB962C8B-B14F-4D97-AF65-F5344CB8AC3E}">
@@ -9978,6 +12701,14 @@
 <file path=ppt/slides/slide5.xml><?xml version="1.0" encoding="utf-8"?>
 <p:sld xmlns:a="http://schemas.openxmlformats.org/drawingml/2006/main" xmlns:r="http://schemas.openxmlformats.org/officeDocument/2006/relationships" xmlns:p="http://schemas.openxmlformats.org/presentationml/2006/main">
   <p:cSld>
+    <p:bg>
+      <p:bgPr>
+        <a:solidFill>
+          <a:schemeClr val="bg1"/>
+        </a:solidFill>
+        <a:effectLst/>
+      </p:bgPr>
+    </p:bg>
     <p:spTree>
       <p:nvGrpSpPr>
         <p:cNvPr id="1" name=""/>
@@ -10008,6 +12739,14 @@
 <file path=ppt/slides/slide6.xml><?xml version="1.0" encoding="utf-8"?>
 <p:sld xmlns:a="http://schemas.openxmlformats.org/drawingml/2006/main" xmlns:r="http://schemas.openxmlformats.org/officeDocument/2006/relationships" xmlns:p="http://schemas.openxmlformats.org/presentationml/2006/main">
   <p:cSld>
+    <p:bg>
+      <p:bgPr>
+        <a:solidFill>
+          <a:schemeClr val="tx1"/>
+        </a:solidFill>
+        <a:effectLst/>
+      </p:bgPr>
+    </p:bg>
     <p:spTree>
       <p:nvGrpSpPr>
         <p:cNvPr id="1" name=""/>
@@ -10022,321 +12761,12 @@
           <a:chExt cx="0" cy="0"/>
         </a:xfrm>
       </p:grpSpPr>
-      <p:grpSp>
-        <p:nvGrpSpPr>
-          <p:cNvPr id="30" name="グループ化 29">
+      <p:sp>
+        <p:nvSpPr>
+          <p:cNvPr id="2" name="四角形: 対角を切り取る 1">
             <a:extLst>
               <a:ext uri="{FF2B5EF4-FFF2-40B4-BE49-F238E27FC236}">
-                <a16:creationId xmlns:a16="http://schemas.microsoft.com/office/drawing/2014/main" id="{70DB17D2-D88F-43B9-AFE7-FE9B0129D78A}"/>
-              </a:ext>
-            </a:extLst>
-          </p:cNvPr>
-          <p:cNvGrpSpPr/>
-          <p:nvPr/>
-        </p:nvGrpSpPr>
-        <p:grpSpPr>
-          <a:xfrm>
-            <a:off x="293928" y="415376"/>
-            <a:ext cx="3377006" cy="807798"/>
-            <a:chOff x="3484803" y="2396576"/>
-            <a:chExt cx="3377006" cy="807798"/>
-          </a:xfrm>
-        </p:grpSpPr>
-        <p:cxnSp>
-          <p:nvCxnSpPr>
-            <p:cNvPr id="3" name="直線コネクタ 2">
-              <a:extLst>
-                <a:ext uri="{FF2B5EF4-FFF2-40B4-BE49-F238E27FC236}">
-                  <a16:creationId xmlns:a16="http://schemas.microsoft.com/office/drawing/2014/main" id="{CDE7D49A-4002-4687-B670-D753756C118D}"/>
-                </a:ext>
-              </a:extLst>
-            </p:cNvPr>
-            <p:cNvCxnSpPr>
-              <a:cxnSpLocks/>
-              <a:stCxn id="25" idx="7"/>
-              <a:endCxn id="12" idx="7"/>
-            </p:cNvCxnSpPr>
-            <p:nvPr/>
-          </p:nvCxnSpPr>
-          <p:spPr>
-            <a:xfrm flipH="1">
-              <a:off x="3491498" y="2435600"/>
-              <a:ext cx="807380" cy="745915"/>
-            </a:xfrm>
-            <a:prstGeom prst="straightConnector1">
-              <a:avLst/>
-            </a:prstGeom>
-            <a:ln w="38100">
-              <a:solidFill>
-                <a:schemeClr val="tx1"/>
-              </a:solidFill>
-            </a:ln>
-          </p:spPr>
-          <p:style>
-            <a:lnRef idx="1">
-              <a:schemeClr val="accent1"/>
-            </a:lnRef>
-            <a:fillRef idx="0">
-              <a:schemeClr val="accent1"/>
-            </a:fillRef>
-            <a:effectRef idx="0">
-              <a:schemeClr val="accent1"/>
-            </a:effectRef>
-            <a:fontRef idx="minor">
-              <a:schemeClr val="tx1"/>
-            </a:fontRef>
-          </p:style>
-        </p:cxnSp>
-        <p:cxnSp>
-          <p:nvCxnSpPr>
-            <p:cNvPr id="5" name="直線コネクタ 4">
-              <a:extLst>
-                <a:ext uri="{FF2B5EF4-FFF2-40B4-BE49-F238E27FC236}">
-                  <a16:creationId xmlns:a16="http://schemas.microsoft.com/office/drawing/2014/main" id="{64567C00-DE83-485F-9BC7-1F31CC44C54A}"/>
-                </a:ext>
-              </a:extLst>
-            </p:cNvPr>
-            <p:cNvCxnSpPr>
-              <a:cxnSpLocks/>
-              <a:stCxn id="12" idx="2"/>
-              <a:endCxn id="27" idx="6"/>
-            </p:cNvCxnSpPr>
-            <p:nvPr/>
-          </p:nvCxnSpPr>
-          <p:spPr>
-            <a:xfrm>
-              <a:off x="3530522" y="3165350"/>
-              <a:ext cx="3285568" cy="16164"/>
-            </a:xfrm>
-            <a:prstGeom prst="line">
-              <a:avLst/>
-            </a:prstGeom>
-            <a:ln w="38100">
-              <a:solidFill>
-                <a:schemeClr val="tx1"/>
-              </a:solidFill>
-            </a:ln>
-          </p:spPr>
-          <p:style>
-            <a:lnRef idx="1">
-              <a:schemeClr val="accent1"/>
-            </a:lnRef>
-            <a:fillRef idx="0">
-              <a:schemeClr val="accent1"/>
-            </a:fillRef>
-            <a:effectRef idx="0">
-              <a:schemeClr val="accent1"/>
-            </a:effectRef>
-            <a:fontRef idx="minor">
-              <a:schemeClr val="tx1"/>
-            </a:fontRef>
-          </p:style>
-        </p:cxnSp>
-        <p:sp>
-          <p:nvSpPr>
-            <p:cNvPr id="12" name="楕円 11">
-              <a:extLst>
-                <a:ext uri="{FF2B5EF4-FFF2-40B4-BE49-F238E27FC236}">
-                  <a16:creationId xmlns:a16="http://schemas.microsoft.com/office/drawing/2014/main" id="{C4BA560E-06EC-4857-8304-7EE1F27218DE}"/>
-                </a:ext>
-              </a:extLst>
-            </p:cNvPr>
-            <p:cNvSpPr/>
-            <p:nvPr/>
-          </p:nvSpPr>
-          <p:spPr>
-            <a:xfrm flipH="1" flipV="1">
-              <a:off x="3484803" y="3142491"/>
-              <a:ext cx="45719" cy="45719"/>
-            </a:xfrm>
-            <a:prstGeom prst="ellipse">
-              <a:avLst/>
-            </a:prstGeom>
-            <a:solidFill>
-              <a:schemeClr val="tx1"/>
-            </a:solidFill>
-            <a:ln>
-              <a:solidFill>
-                <a:schemeClr val="tx1"/>
-              </a:solidFill>
-            </a:ln>
-          </p:spPr>
-          <p:style>
-            <a:lnRef idx="2">
-              <a:schemeClr val="accent1">
-                <a:shade val="50000"/>
-              </a:schemeClr>
-            </a:lnRef>
-            <a:fillRef idx="1">
-              <a:schemeClr val="accent1"/>
-            </a:fillRef>
-            <a:effectRef idx="0">
-              <a:schemeClr val="accent1"/>
-            </a:effectRef>
-            <a:fontRef idx="minor">
-              <a:schemeClr val="lt1"/>
-            </a:fontRef>
-          </p:style>
-          <p:txBody>
-            <a:bodyPr rtlCol="0" anchor="ctr"/>
-            <a:lstStyle/>
-            <a:p>
-              <a:pPr algn="ctr"/>
-              <a:endParaRPr kumimoji="1" lang="ja-JP" altLang="en-US"/>
-            </a:p>
-          </p:txBody>
-        </p:sp>
-        <p:sp>
-          <p:nvSpPr>
-            <p:cNvPr id="25" name="楕円 24">
-              <a:extLst>
-                <a:ext uri="{FF2B5EF4-FFF2-40B4-BE49-F238E27FC236}">
-                  <a16:creationId xmlns:a16="http://schemas.microsoft.com/office/drawing/2014/main" id="{8BF08A87-DF2F-4B17-AA27-7AAEBCA9DB2F}"/>
-                </a:ext>
-              </a:extLst>
-            </p:cNvPr>
-            <p:cNvSpPr/>
-            <p:nvPr/>
-          </p:nvSpPr>
-          <p:spPr>
-            <a:xfrm flipH="1" flipV="1">
-              <a:off x="4292183" y="2396576"/>
-              <a:ext cx="45719" cy="45719"/>
-            </a:xfrm>
-            <a:prstGeom prst="ellipse">
-              <a:avLst/>
-            </a:prstGeom>
-            <a:solidFill>
-              <a:schemeClr val="tx1"/>
-            </a:solidFill>
-            <a:ln>
-              <a:solidFill>
-                <a:schemeClr val="tx1"/>
-              </a:solidFill>
-            </a:ln>
-          </p:spPr>
-          <p:style>
-            <a:lnRef idx="2">
-              <a:schemeClr val="accent1">
-                <a:shade val="50000"/>
-              </a:schemeClr>
-            </a:lnRef>
-            <a:fillRef idx="1">
-              <a:schemeClr val="accent1"/>
-            </a:fillRef>
-            <a:effectRef idx="0">
-              <a:schemeClr val="accent1"/>
-            </a:effectRef>
-            <a:fontRef idx="minor">
-              <a:schemeClr val="lt1"/>
-            </a:fontRef>
-          </p:style>
-          <p:txBody>
-            <a:bodyPr rtlCol="0" anchor="ctr"/>
-            <a:lstStyle/>
-            <a:p>
-              <a:pPr algn="ctr"/>
-              <a:endParaRPr kumimoji="1" lang="ja-JP" altLang="en-US"/>
-            </a:p>
-          </p:txBody>
-        </p:sp>
-        <p:sp>
-          <p:nvSpPr>
-            <p:cNvPr id="27" name="楕円 26">
-              <a:extLst>
-                <a:ext uri="{FF2B5EF4-FFF2-40B4-BE49-F238E27FC236}">
-                  <a16:creationId xmlns:a16="http://schemas.microsoft.com/office/drawing/2014/main" id="{8635FF2C-27FB-478E-B295-7728CCB5E0B1}"/>
-                </a:ext>
-              </a:extLst>
-            </p:cNvPr>
-            <p:cNvSpPr/>
-            <p:nvPr/>
-          </p:nvSpPr>
-          <p:spPr>
-            <a:xfrm flipH="1" flipV="1">
-              <a:off x="6816090" y="3158655"/>
-              <a:ext cx="45719" cy="45719"/>
-            </a:xfrm>
-            <a:prstGeom prst="ellipse">
-              <a:avLst/>
-            </a:prstGeom>
-            <a:solidFill>
-              <a:schemeClr val="tx1"/>
-            </a:solidFill>
-            <a:ln>
-              <a:solidFill>
-                <a:schemeClr val="tx1"/>
-              </a:solidFill>
-            </a:ln>
-          </p:spPr>
-          <p:style>
-            <a:lnRef idx="2">
-              <a:schemeClr val="accent1">
-                <a:shade val="50000"/>
-              </a:schemeClr>
-            </a:lnRef>
-            <a:fillRef idx="1">
-              <a:schemeClr val="accent1"/>
-            </a:fillRef>
-            <a:effectRef idx="0">
-              <a:schemeClr val="accent1"/>
-            </a:effectRef>
-            <a:fontRef idx="minor">
-              <a:schemeClr val="lt1"/>
-            </a:fontRef>
-          </p:style>
-          <p:txBody>
-            <a:bodyPr rtlCol="0" anchor="ctr"/>
-            <a:lstStyle/>
-            <a:p>
-              <a:pPr algn="ctr"/>
-              <a:endParaRPr kumimoji="1" lang="ja-JP" altLang="en-US"/>
-            </a:p>
-          </p:txBody>
-        </p:sp>
-      </p:grpSp>
-      <p:pic>
-        <p:nvPicPr>
-          <p:cNvPr id="34" name="図 33">
-            <a:extLst>
-              <a:ext uri="{FF2B5EF4-FFF2-40B4-BE49-F238E27FC236}">
-                <a16:creationId xmlns:a16="http://schemas.microsoft.com/office/drawing/2014/main" id="{4CA2B828-7754-4DEE-9EC0-4F66DC5F767A}"/>
-              </a:ext>
-            </a:extLst>
-          </p:cNvPr>
-          <p:cNvPicPr>
-            <a:picLocks noChangeAspect="1"/>
-          </p:cNvPicPr>
-          <p:nvPr/>
-        </p:nvPicPr>
-        <p:blipFill>
-          <a:blip r:embed="rId2">
-            <a:extLst>
-              <a:ext uri="{28A0092B-C50C-407E-A947-70E740481C1C}">
-                <a14:useLocalDpi xmlns:a14="http://schemas.microsoft.com/office/drawing/2010/main" val="0"/>
-              </a:ext>
-            </a:extLst>
-          </a:blip>
-          <a:stretch>
-            <a:fillRect/>
-          </a:stretch>
-        </p:blipFill>
-        <p:spPr>
-          <a:xfrm>
-            <a:off x="1457325" y="2398157"/>
-            <a:ext cx="2438400" cy="2438400"/>
-          </a:xfrm>
-          <a:prstGeom prst="rect">
-            <a:avLst/>
-          </a:prstGeom>
-        </p:spPr>
-      </p:pic>
-      <p:sp>
-        <p:nvSpPr>
-          <p:cNvPr id="35" name="楕円 34">
-            <a:extLst>
-              <a:ext uri="{FF2B5EF4-FFF2-40B4-BE49-F238E27FC236}">
-                <a16:creationId xmlns:a16="http://schemas.microsoft.com/office/drawing/2014/main" id="{33B2AEB6-078E-4B51-A793-F2270361E7C0}"/>
+                <a16:creationId xmlns:a16="http://schemas.microsoft.com/office/drawing/2014/main" id="{4EA3FDF2-EBF6-4BBD-969E-5F8834999326}"/>
               </a:ext>
             </a:extLst>
           </p:cNvPr>
@@ -10344,35 +12774,52 @@
           <p:nvPr/>
         </p:nvSpPr>
         <p:spPr>
-          <a:xfrm>
-            <a:off x="6240222" y="402228"/>
-            <a:ext cx="1432560" cy="1432560"/>
+          <a:xfrm rot="2700000">
+            <a:off x="2818620" y="364819"/>
+            <a:ext cx="2343704" cy="2343704"/>
           </a:xfrm>
-          <a:prstGeom prst="ellipse">
-            <a:avLst/>
+          <a:prstGeom prst="snip2DiagRect">
+            <a:avLst>
+              <a:gd name="adj1" fmla="val 50000"/>
+              <a:gd name="adj2" fmla="val 0"/>
+            </a:avLst>
           </a:prstGeom>
-          <a:gradFill flip="none" rotWithShape="1">
+          <a:gradFill>
             <a:gsLst>
               <a:gs pos="0">
-                <a:schemeClr val="tx1"/>
+                <a:schemeClr val="accent1">
+                  <a:lumMod val="5000"/>
+                  <a:lumOff val="95000"/>
+                </a:schemeClr>
               </a:gs>
-              <a:gs pos="50000">
-                <a:srgbClr val="FFFFFF"/>
+              <a:gs pos="40000">
+                <a:schemeClr val="tx1">
+                  <a:lumMod val="95000"/>
+                </a:schemeClr>
               </a:gs>
-              <a:gs pos="100000">
+              <a:gs pos="62000">
+                <a:schemeClr val="tx1">
+                  <a:lumMod val="95000"/>
+                </a:schemeClr>
+              </a:gs>
+              <a:gs pos="95000">
                 <a:schemeClr val="tx1">
                   <a:lumMod val="85000"/>
                 </a:schemeClr>
               </a:gs>
             </a:gsLst>
-            <a:path path="circle">
-              <a:fillToRect l="50000" t="50000" r="50000" b="50000"/>
-            </a:path>
-            <a:tileRect/>
+            <a:lin ang="5400000" scaled="1"/>
           </a:gradFill>
           <a:ln>
             <a:noFill/>
           </a:ln>
+          <a:effectLst>
+            <a:outerShdw blurRad="63500" dist="50800" dir="3000000" algn="tl" rotWithShape="0">
+              <a:prstClr val="black">
+                <a:alpha val="40000"/>
+              </a:prstClr>
+            </a:outerShdw>
+          </a:effectLst>
         </p:spPr>
         <p:style>
           <a:lnRef idx="2">
@@ -10401,10 +12848,54 @@
       </p:sp>
       <p:sp>
         <p:nvSpPr>
-          <p:cNvPr id="2" name="楕円 1">
+          <p:cNvPr id="4" name="テキスト ボックス 3">
             <a:extLst>
               <a:ext uri="{FF2B5EF4-FFF2-40B4-BE49-F238E27FC236}">
-                <a16:creationId xmlns:a16="http://schemas.microsoft.com/office/drawing/2014/main" id="{AEE721C7-6276-4357-BB9A-30B1F5070712}"/>
+                <a16:creationId xmlns:a16="http://schemas.microsoft.com/office/drawing/2014/main" id="{7D9A4BCC-9267-4C85-8459-65F125C8E83C}"/>
+              </a:ext>
+            </a:extLst>
+          </p:cNvPr>
+          <p:cNvSpPr txBox="1"/>
+          <p:nvPr/>
+        </p:nvSpPr>
+        <p:spPr>
+          <a:xfrm>
+            <a:off x="3193811" y="1151950"/>
+            <a:ext cx="1593321" cy="769441"/>
+          </a:xfrm>
+          <a:prstGeom prst="rect">
+            <a:avLst/>
+          </a:prstGeom>
+          <a:noFill/>
+        </p:spPr>
+        <p:txBody>
+          <a:bodyPr wrap="square" rtlCol="0">
+            <a:spAutoFit/>
+          </a:bodyPr>
+          <a:lstStyle/>
+          <a:p>
+            <a:r>
+              <a:rPr kumimoji="1" lang="en-US" altLang="ja-JP" sz="4400" dirty="0">
+                <a:solidFill>
+                  <a:schemeClr val="bg1"/>
+                </a:solidFill>
+              </a:rPr>
+              <a:t>Menu</a:t>
+            </a:r>
+            <a:endParaRPr kumimoji="1" lang="ja-JP" altLang="en-US" sz="4400" dirty="0">
+              <a:solidFill>
+                <a:schemeClr val="bg1"/>
+              </a:solidFill>
+            </a:endParaRPr>
+          </a:p>
+        </p:txBody>
+      </p:sp>
+      <p:sp>
+        <p:nvSpPr>
+          <p:cNvPr id="8" name="四角形: 対角を切り取る 7">
+            <a:extLst>
+              <a:ext uri="{FF2B5EF4-FFF2-40B4-BE49-F238E27FC236}">
+                <a16:creationId xmlns:a16="http://schemas.microsoft.com/office/drawing/2014/main" id="{05681044-6362-4097-87F7-DF9DA3BB27E5}"/>
               </a:ext>
             </a:extLst>
           </p:cNvPr>
@@ -10413,18 +12904,51 @@
         </p:nvSpPr>
         <p:spPr>
           <a:xfrm>
-            <a:off x="8251923" y="3603131"/>
-            <a:ext cx="161449" cy="161449"/>
+            <a:off x="3543300" y="3974157"/>
+            <a:ext cx="5784224" cy="1731893"/>
           </a:xfrm>
-          <a:prstGeom prst="ellipse">
-            <a:avLst/>
+          <a:prstGeom prst="snip2DiagRect">
+            <a:avLst>
+              <a:gd name="adj1" fmla="val 50000"/>
+              <a:gd name="adj2" fmla="val 50000"/>
+            </a:avLst>
           </a:prstGeom>
-          <a:noFill/>
-          <a:ln w="12700">
-            <a:solidFill>
-              <a:schemeClr val="tx1"/>
-            </a:solidFill>
+          <a:gradFill>
+            <a:gsLst>
+              <a:gs pos="0">
+                <a:schemeClr val="accent1">
+                  <a:lumMod val="5000"/>
+                  <a:lumOff val="95000"/>
+                </a:schemeClr>
+              </a:gs>
+              <a:gs pos="40000">
+                <a:schemeClr val="tx1">
+                  <a:lumMod val="95000"/>
+                </a:schemeClr>
+              </a:gs>
+              <a:gs pos="62000">
+                <a:schemeClr val="tx1">
+                  <a:lumMod val="95000"/>
+                </a:schemeClr>
+              </a:gs>
+              <a:gs pos="95000">
+                <a:schemeClr val="tx1">
+                  <a:lumMod val="85000"/>
+                </a:schemeClr>
+              </a:gs>
+            </a:gsLst>
+            <a:lin ang="5400000" scaled="1"/>
+          </a:gradFill>
+          <a:ln>
+            <a:noFill/>
           </a:ln>
+          <a:effectLst>
+            <a:outerShdw blurRad="63500" dist="50800" dir="3000000" algn="tl" rotWithShape="0">
+              <a:prstClr val="black">
+                <a:alpha val="40000"/>
+              </a:prstClr>
+            </a:outerShdw>
+          </a:effectLst>
         </p:spPr>
         <p:style>
           <a:lnRef idx="2">
@@ -10451,186 +12975,108 @@
           </a:p>
         </p:txBody>
       </p:sp>
-      <p:sp>
-        <p:nvSpPr>
-          <p:cNvPr id="4" name="楕円 3">
+      <p:grpSp>
+        <p:nvGrpSpPr>
+          <p:cNvPr id="12" name="グループ化 11">
             <a:extLst>
               <a:ext uri="{FF2B5EF4-FFF2-40B4-BE49-F238E27FC236}">
-                <a16:creationId xmlns:a16="http://schemas.microsoft.com/office/drawing/2014/main" id="{4B4C83FA-8766-49CC-BDEB-CFE41AEAF06F}"/>
+                <a16:creationId xmlns:a16="http://schemas.microsoft.com/office/drawing/2014/main" id="{B3E25FA6-BA16-48AB-AFD8-C8B5F867AB04}"/>
               </a:ext>
             </a:extLst>
           </p:cNvPr>
-          <p:cNvSpPr/>
+          <p:cNvGrpSpPr/>
           <p:nvPr/>
-        </p:nvSpPr>
-        <p:spPr>
+        </p:nvGrpSpPr>
+        <p:grpSpPr>
           <a:xfrm>
-            <a:off x="8662154" y="3658973"/>
-            <a:ext cx="101480" cy="101480"/>
+            <a:off x="6096000" y="2540039"/>
+            <a:ext cx="5282270" cy="1044000"/>
+            <a:chOff x="6764535" y="2671920"/>
+            <a:chExt cx="5282270" cy="1044000"/>
           </a:xfrm>
-          <a:prstGeom prst="ellipse">
-            <a:avLst/>
-          </a:prstGeom>
-          <a:solidFill>
-            <a:schemeClr val="tx1"/>
-          </a:solidFill>
-          <a:ln>
+        </p:grpSpPr>
+        <p:sp>
+          <p:nvSpPr>
+            <p:cNvPr id="7" name="テキスト ボックス 6">
+              <a:extLst>
+                <a:ext uri="{FF2B5EF4-FFF2-40B4-BE49-F238E27FC236}">
+                  <a16:creationId xmlns:a16="http://schemas.microsoft.com/office/drawing/2014/main" id="{57EE563D-5739-41C8-BB42-7FFF478F78BD}"/>
+                </a:ext>
+              </a:extLst>
+            </p:cNvPr>
+            <p:cNvSpPr txBox="1"/>
+            <p:nvPr/>
+          </p:nvSpPr>
+          <p:spPr>
+            <a:xfrm>
+              <a:off x="7670748" y="2770296"/>
+              <a:ext cx="4376057" cy="923330"/>
+            </a:xfrm>
+            <a:prstGeom prst="rect">
+              <a:avLst/>
+            </a:prstGeom>
             <a:noFill/>
-          </a:ln>
-        </p:spPr>
-        <p:style>
-          <a:lnRef idx="2">
-            <a:schemeClr val="accent1">
-              <a:shade val="50000"/>
-            </a:schemeClr>
-          </a:lnRef>
-          <a:fillRef idx="1">
-            <a:schemeClr val="accent1"/>
-          </a:fillRef>
-          <a:effectRef idx="0">
-            <a:schemeClr val="accent1"/>
-          </a:effectRef>
-          <a:fontRef idx="minor">
-            <a:schemeClr val="lt1"/>
-          </a:fontRef>
-        </p:style>
-        <p:txBody>
-          <a:bodyPr rtlCol="0" anchor="ctr"/>
-          <a:lstStyle/>
-          <a:p>
-            <a:pPr algn="ctr"/>
-            <a:endParaRPr kumimoji="1" lang="ja-JP" altLang="en-US"/>
-          </a:p>
-        </p:txBody>
-      </p:sp>
-      <p:sp>
-        <p:nvSpPr>
-          <p:cNvPr id="14" name="楕円 13">
-            <a:extLst>
-              <a:ext uri="{FF2B5EF4-FFF2-40B4-BE49-F238E27FC236}">
-                <a16:creationId xmlns:a16="http://schemas.microsoft.com/office/drawing/2014/main" id="{57F876FF-CE34-4C82-AD2F-70FB832514AD}"/>
-              </a:ext>
-            </a:extLst>
-          </p:cNvPr>
-          <p:cNvSpPr/>
-          <p:nvPr/>
-        </p:nvSpPr>
-        <p:spPr>
-          <a:xfrm>
-            <a:off x="8251923" y="4648198"/>
-            <a:ext cx="130413" cy="130413"/>
-          </a:xfrm>
-          <a:prstGeom prst="ellipse">
-            <a:avLst/>
-          </a:prstGeom>
-          <a:noFill/>
-          <a:ln>
-            <a:solidFill>
-              <a:schemeClr val="tx1"/>
-            </a:solidFill>
-          </a:ln>
-        </p:spPr>
-        <p:style>
-          <a:lnRef idx="2">
-            <a:schemeClr val="accent1">
-              <a:shade val="50000"/>
-            </a:schemeClr>
-          </a:lnRef>
-          <a:fillRef idx="1">
-            <a:schemeClr val="accent1"/>
-          </a:fillRef>
-          <a:effectRef idx="0">
-            <a:schemeClr val="accent1"/>
-          </a:effectRef>
-          <a:fontRef idx="minor">
-            <a:schemeClr val="lt1"/>
-          </a:fontRef>
-        </p:style>
-        <p:txBody>
-          <a:bodyPr rtlCol="0" anchor="ctr"/>
-          <a:lstStyle/>
-          <a:p>
-            <a:pPr algn="ctr"/>
-            <a:endParaRPr kumimoji="1" lang="ja-JP" altLang="en-US"/>
-          </a:p>
-        </p:txBody>
-      </p:sp>
-      <p:pic>
-        <p:nvPicPr>
-          <p:cNvPr id="7" name="図 6">
-            <a:extLst>
-              <a:ext uri="{FF2B5EF4-FFF2-40B4-BE49-F238E27FC236}">
-                <a16:creationId xmlns:a16="http://schemas.microsoft.com/office/drawing/2014/main" id="{827F1888-13EB-4510-B898-4F9C7719A33B}"/>
-              </a:ext>
-            </a:extLst>
-          </p:cNvPr>
-          <p:cNvPicPr>
-            <a:picLocks noChangeAspect="1"/>
-          </p:cNvPicPr>
-          <p:nvPr/>
-        </p:nvPicPr>
-        <p:blipFill>
-          <a:blip r:embed="rId3">
-            <a:extLst>
-              <a:ext uri="{28A0092B-C50C-407E-A947-70E740481C1C}">
-                <a14:useLocalDpi xmlns:a14="http://schemas.microsoft.com/office/drawing/2010/main" val="0"/>
-              </a:ext>
-            </a:extLst>
-          </a:blip>
-          <a:stretch>
-            <a:fillRect/>
-          </a:stretch>
-        </p:blipFill>
-        <p:spPr>
-          <a:xfrm>
-            <a:off x="6044179" y="3377179"/>
-            <a:ext cx="103641" cy="103641"/>
-          </a:xfrm>
-          <a:prstGeom prst="rect">
-            <a:avLst/>
-          </a:prstGeom>
-        </p:spPr>
-      </p:pic>
-      <p:pic>
-        <p:nvPicPr>
-          <p:cNvPr id="9" name="図 8">
-            <a:extLst>
-              <a:ext uri="{FF2B5EF4-FFF2-40B4-BE49-F238E27FC236}">
-                <a16:creationId xmlns:a16="http://schemas.microsoft.com/office/drawing/2014/main" id="{7DDD264D-E336-4559-8CFA-E02758B12166}"/>
-              </a:ext>
-            </a:extLst>
-          </p:cNvPr>
-          <p:cNvPicPr>
-            <a:picLocks noChangeAspect="1"/>
-          </p:cNvPicPr>
-          <p:nvPr/>
-        </p:nvPicPr>
-        <p:blipFill>
-          <a:blip r:embed="rId4">
-            <a:extLst>
-              <a:ext uri="{28A0092B-C50C-407E-A947-70E740481C1C}">
-                <a14:useLocalDpi xmlns:a14="http://schemas.microsoft.com/office/drawing/2010/main" val="0"/>
-              </a:ext>
-            </a:extLst>
-          </a:blip>
-          <a:stretch>
-            <a:fillRect/>
-          </a:stretch>
-        </p:blipFill>
-        <p:spPr>
-          <a:xfrm>
-            <a:off x="6010648" y="3340600"/>
-            <a:ext cx="170703" cy="176799"/>
-          </a:xfrm>
-          <a:prstGeom prst="rect">
-            <a:avLst/>
-          </a:prstGeom>
-        </p:spPr>
-      </p:pic>
+          </p:spPr>
+          <p:txBody>
+            <a:bodyPr wrap="square" rtlCol="0" anchor="ctr">
+              <a:spAutoFit/>
+            </a:bodyPr>
+            <a:lstStyle/>
+            <a:p>
+              <a:r>
+                <a:rPr kumimoji="1" lang="ja-JP" altLang="en-US" sz="5400" b="1" dirty="0">
+                  <a:solidFill>
+                    <a:schemeClr val="tx1">
+                      <a:lumMod val="75000"/>
+                    </a:schemeClr>
+                  </a:solidFill>
+                </a:rPr>
+                <a:t>絞り込み</a:t>
+              </a:r>
+            </a:p>
+          </p:txBody>
+        </p:sp>
+        <p:pic>
+          <p:nvPicPr>
+            <p:cNvPr id="11" name="図 10">
+              <a:extLst>
+                <a:ext uri="{FF2B5EF4-FFF2-40B4-BE49-F238E27FC236}">
+                  <a16:creationId xmlns:a16="http://schemas.microsoft.com/office/drawing/2014/main" id="{B1F5EDFE-6012-4CCA-9A54-39A9DFC453C4}"/>
+                </a:ext>
+              </a:extLst>
+            </p:cNvPr>
+            <p:cNvPicPr>
+              <a:picLocks noChangeAspect="1"/>
+            </p:cNvPicPr>
+            <p:nvPr/>
+          </p:nvPicPr>
+          <p:blipFill>
+            <a:blip r:embed="rId2">
+              <a:extLst>
+                <a:ext uri="{28A0092B-C50C-407E-A947-70E740481C1C}">
+                  <a14:useLocalDpi xmlns:a14="http://schemas.microsoft.com/office/drawing/2010/main" val="0"/>
+                </a:ext>
+              </a:extLst>
+            </a:blip>
+            <a:stretch>
+              <a:fillRect/>
+            </a:stretch>
+          </p:blipFill>
+          <p:spPr>
+            <a:xfrm>
+              <a:off x="6764535" y="2671920"/>
+              <a:ext cx="1044000" cy="1044000"/>
+            </a:xfrm>
+            <a:prstGeom prst="rect">
+              <a:avLst/>
+            </a:prstGeom>
+          </p:spPr>
+        </p:pic>
+      </p:grpSp>
     </p:spTree>
     <p:extLst>
       <p:ext uri="{BB962C8B-B14F-4D97-AF65-F5344CB8AC3E}">
-        <p14:creationId xmlns:p14="http://schemas.microsoft.com/office/powerpoint/2010/main" val="2359237257"/>
+        <p14:creationId xmlns:p14="http://schemas.microsoft.com/office/powerpoint/2010/main" val="4074579835"/>
       </p:ext>
     </p:extLst>
   </p:cSld>
@@ -10659,10 +13105,10 @@
       </p:grpSpPr>
       <p:sp>
         <p:nvSpPr>
-          <p:cNvPr id="2" name="正方形/長方形 1">
+          <p:cNvPr id="2" name="四角形: 対角を切り取る 1">
             <a:extLst>
               <a:ext uri="{FF2B5EF4-FFF2-40B4-BE49-F238E27FC236}">
-                <a16:creationId xmlns:a16="http://schemas.microsoft.com/office/drawing/2014/main" id="{45910AE6-139D-459C-8491-76971221E219}"/>
+                <a16:creationId xmlns:a16="http://schemas.microsoft.com/office/drawing/2014/main" id="{D0EC4782-6088-43D1-9027-55BBF7A57C9D}"/>
               </a:ext>
             </a:extLst>
           </p:cNvPr>
@@ -10670,110 +13116,15 @@
           <p:nvPr/>
         </p:nvSpPr>
         <p:spPr>
-          <a:xfrm>
-            <a:off x="2667000" y="0"/>
-            <a:ext cx="6858000" cy="6858000"/>
+          <a:xfrm rot="2700000">
+            <a:off x="887767" y="221942"/>
+            <a:ext cx="2343704" cy="2343704"/>
           </a:xfrm>
-          <a:prstGeom prst="rect">
-            <a:avLst/>
-          </a:prstGeom>
-          <a:gradFill flip="none" rotWithShape="1">
-            <a:gsLst>
-              <a:gs pos="0">
-                <a:schemeClr val="accent1">
-                  <a:lumMod val="5000"/>
-                  <a:lumOff val="95000"/>
-                </a:schemeClr>
-              </a:gs>
-              <a:gs pos="100000">
-                <a:schemeClr val="tx1">
-                  <a:alpha val="0"/>
-                </a:schemeClr>
-              </a:gs>
-            </a:gsLst>
-            <a:path path="circle">
-              <a:fillToRect l="50000" t="50000" r="50000" b="50000"/>
-            </a:path>
-            <a:tileRect/>
-          </a:gradFill>
-          <a:ln>
-            <a:noFill/>
-          </a:ln>
-        </p:spPr>
-        <p:style>
-          <a:lnRef idx="2">
-            <a:schemeClr val="accent1">
-              <a:shade val="50000"/>
-            </a:schemeClr>
-          </a:lnRef>
-          <a:fillRef idx="1">
-            <a:schemeClr val="accent1"/>
-          </a:fillRef>
-          <a:effectRef idx="0">
-            <a:schemeClr val="accent1"/>
-          </a:effectRef>
-          <a:fontRef idx="minor">
-            <a:schemeClr val="lt1"/>
-          </a:fontRef>
-        </p:style>
-        <p:txBody>
-          <a:bodyPr rtlCol="0" anchor="ctr"/>
-          <a:lstStyle/>
-          <a:p>
-            <a:pPr algn="ctr"/>
-            <a:endParaRPr kumimoji="1" lang="ja-JP" altLang="en-US"/>
-          </a:p>
-        </p:txBody>
-      </p:sp>
-    </p:spTree>
-    <p:extLst>
-      <p:ext uri="{BB962C8B-B14F-4D97-AF65-F5344CB8AC3E}">
-        <p14:creationId xmlns:p14="http://schemas.microsoft.com/office/powerpoint/2010/main" val="2571100054"/>
-      </p:ext>
-    </p:extLst>
-  </p:cSld>
-  <p:clrMapOvr>
-    <a:masterClrMapping/>
-  </p:clrMapOvr>
-</p:sld>
-</file>
-
-<file path=ppt/slides/slide8.xml><?xml version="1.0" encoding="utf-8"?>
-<p:sld xmlns:a="http://schemas.openxmlformats.org/drawingml/2006/main" xmlns:r="http://schemas.openxmlformats.org/officeDocument/2006/relationships" xmlns:p="http://schemas.openxmlformats.org/presentationml/2006/main">
-  <p:cSld>
-    <p:spTree>
-      <p:nvGrpSpPr>
-        <p:cNvPr id="1" name=""/>
-        <p:cNvGrpSpPr/>
-        <p:nvPr/>
-      </p:nvGrpSpPr>
-      <p:grpSpPr>
-        <a:xfrm>
-          <a:off x="0" y="0"/>
-          <a:ext cx="0" cy="0"/>
-          <a:chOff x="0" y="0"/>
-          <a:chExt cx="0" cy="0"/>
-        </a:xfrm>
-      </p:grpSpPr>
-      <p:sp>
-        <p:nvSpPr>
-          <p:cNvPr id="2" name="正方形/長方形 1">
-            <a:extLst>
-              <a:ext uri="{FF2B5EF4-FFF2-40B4-BE49-F238E27FC236}">
-                <a16:creationId xmlns:a16="http://schemas.microsoft.com/office/drawing/2014/main" id="{71273963-2922-4E51-B3AE-19FAC4FBDCF0}"/>
-              </a:ext>
-            </a:extLst>
-          </p:cNvPr>
-          <p:cNvSpPr/>
-          <p:nvPr/>
-        </p:nvSpPr>
-        <p:spPr>
-          <a:xfrm>
-            <a:off x="4156709" y="1055368"/>
-            <a:ext cx="1781175" cy="1781175"/>
-          </a:xfrm>
-          <a:prstGeom prst="rect">
-            <a:avLst/>
+          <a:prstGeom prst="snip2DiagRect">
+            <a:avLst>
+              <a:gd name="adj1" fmla="val 50000"/>
+              <a:gd name="adj2" fmla="val 0"/>
+            </a:avLst>
           </a:prstGeom>
           <a:gradFill>
             <a:gsLst>
@@ -10832,10 +13183,10 @@
       </p:sp>
       <p:sp>
         <p:nvSpPr>
-          <p:cNvPr id="3" name="二等辺三角形 2">
+          <p:cNvPr id="3" name="四角形: 対角を切り取る 2">
             <a:extLst>
               <a:ext uri="{FF2B5EF4-FFF2-40B4-BE49-F238E27FC236}">
-                <a16:creationId xmlns:a16="http://schemas.microsoft.com/office/drawing/2014/main" id="{A93A173C-FA45-4DB3-8B4E-23D782193987}"/>
+                <a16:creationId xmlns:a16="http://schemas.microsoft.com/office/drawing/2014/main" id="{CA40D7AB-4CDE-46C8-A582-14DF60BDCF80}"/>
               </a:ext>
             </a:extLst>
           </p:cNvPr>
@@ -10843,12 +13194,15 @@
           <p:nvPr/>
         </p:nvSpPr>
         <p:spPr>
-          <a:xfrm rot="10800000">
-            <a:off x="5937884" y="786140"/>
-            <a:ext cx="1524000" cy="1313793"/>
+          <a:xfrm>
+            <a:off x="4287915" y="221942"/>
+            <a:ext cx="2343704" cy="2343704"/>
           </a:xfrm>
-          <a:prstGeom prst="triangle">
-            <a:avLst/>
+          <a:prstGeom prst="snip2DiagRect">
+            <a:avLst>
+              <a:gd name="adj1" fmla="val 50000"/>
+              <a:gd name="adj2" fmla="val 50000"/>
+            </a:avLst>
           </a:prstGeom>
           <a:gradFill>
             <a:gsLst>
@@ -10905,10 +13259,322 @@
           </a:p>
         </p:txBody>
       </p:sp>
+      <p:sp>
+        <p:nvSpPr>
+          <p:cNvPr id="5" name="四角形: 対角を切り取る 4">
+            <a:extLst>
+              <a:ext uri="{FF2B5EF4-FFF2-40B4-BE49-F238E27FC236}">
+                <a16:creationId xmlns:a16="http://schemas.microsoft.com/office/drawing/2014/main" id="{6DBA6DFB-5D54-46D7-B3C8-C1C6B47E4765}"/>
+              </a:ext>
+            </a:extLst>
+          </p:cNvPr>
+          <p:cNvSpPr/>
+          <p:nvPr/>
+        </p:nvSpPr>
+        <p:spPr>
+          <a:xfrm rot="2700000">
+            <a:off x="8257712" y="356586"/>
+            <a:ext cx="2343704" cy="2343704"/>
+          </a:xfrm>
+          <a:prstGeom prst="snip2DiagRect">
+            <a:avLst>
+              <a:gd name="adj1" fmla="val 35227"/>
+              <a:gd name="adj2" fmla="val 20455"/>
+            </a:avLst>
+          </a:prstGeom>
+          <a:gradFill>
+            <a:gsLst>
+              <a:gs pos="0">
+                <a:schemeClr val="accent1">
+                  <a:lumMod val="5000"/>
+                  <a:lumOff val="95000"/>
+                </a:schemeClr>
+              </a:gs>
+              <a:gs pos="40000">
+                <a:schemeClr val="tx1">
+                  <a:lumMod val="95000"/>
+                </a:schemeClr>
+              </a:gs>
+              <a:gs pos="62000">
+                <a:schemeClr val="tx1">
+                  <a:lumMod val="95000"/>
+                </a:schemeClr>
+              </a:gs>
+              <a:gs pos="95000">
+                <a:schemeClr val="tx1">
+                  <a:lumMod val="85000"/>
+                </a:schemeClr>
+              </a:gs>
+            </a:gsLst>
+            <a:lin ang="5400000" scaled="1"/>
+          </a:gradFill>
+          <a:ln>
+            <a:noFill/>
+          </a:ln>
+        </p:spPr>
+        <p:style>
+          <a:lnRef idx="2">
+            <a:schemeClr val="accent1">
+              <a:shade val="50000"/>
+            </a:schemeClr>
+          </a:lnRef>
+          <a:fillRef idx="1">
+            <a:schemeClr val="accent1"/>
+          </a:fillRef>
+          <a:effectRef idx="0">
+            <a:schemeClr val="accent1"/>
+          </a:effectRef>
+          <a:fontRef idx="minor">
+            <a:schemeClr val="lt1"/>
+          </a:fontRef>
+        </p:style>
+        <p:txBody>
+          <a:bodyPr rtlCol="0" anchor="ctr"/>
+          <a:lstStyle/>
+          <a:p>
+            <a:pPr algn="ctr"/>
+            <a:endParaRPr kumimoji="1" lang="ja-JP" altLang="en-US"/>
+          </a:p>
+        </p:txBody>
+      </p:sp>
+      <p:sp>
+        <p:nvSpPr>
+          <p:cNvPr id="6" name="四角形: 対角を丸める 5">
+            <a:extLst>
+              <a:ext uri="{FF2B5EF4-FFF2-40B4-BE49-F238E27FC236}">
+                <a16:creationId xmlns:a16="http://schemas.microsoft.com/office/drawing/2014/main" id="{4D518B83-1656-4426-87BB-CA9B0BFCDDD9}"/>
+              </a:ext>
+            </a:extLst>
+          </p:cNvPr>
+          <p:cNvSpPr/>
+          <p:nvPr/>
+        </p:nvSpPr>
+        <p:spPr>
+          <a:xfrm>
+            <a:off x="772357" y="3429000"/>
+            <a:ext cx="2441359" cy="2441359"/>
+          </a:xfrm>
+          <a:prstGeom prst="round2DiagRect">
+            <a:avLst>
+              <a:gd name="adj1" fmla="val 40909"/>
+              <a:gd name="adj2" fmla="val 39272"/>
+            </a:avLst>
+          </a:prstGeom>
+          <a:gradFill>
+            <a:gsLst>
+              <a:gs pos="0">
+                <a:schemeClr val="accent1">
+                  <a:lumMod val="5000"/>
+                  <a:lumOff val="95000"/>
+                </a:schemeClr>
+              </a:gs>
+              <a:gs pos="40000">
+                <a:schemeClr val="tx1">
+                  <a:lumMod val="95000"/>
+                </a:schemeClr>
+              </a:gs>
+              <a:gs pos="62000">
+                <a:schemeClr val="tx1">
+                  <a:lumMod val="95000"/>
+                </a:schemeClr>
+              </a:gs>
+              <a:gs pos="95000">
+                <a:schemeClr val="tx1">
+                  <a:lumMod val="85000"/>
+                </a:schemeClr>
+              </a:gs>
+            </a:gsLst>
+            <a:lin ang="5400000" scaled="1"/>
+          </a:gradFill>
+          <a:ln>
+            <a:noFill/>
+          </a:ln>
+        </p:spPr>
+        <p:style>
+          <a:lnRef idx="2">
+            <a:schemeClr val="accent1">
+              <a:shade val="50000"/>
+            </a:schemeClr>
+          </a:lnRef>
+          <a:fillRef idx="1">
+            <a:schemeClr val="accent1"/>
+          </a:fillRef>
+          <a:effectRef idx="0">
+            <a:schemeClr val="accent1"/>
+          </a:effectRef>
+          <a:fontRef idx="minor">
+            <a:schemeClr val="lt1"/>
+          </a:fontRef>
+        </p:style>
+        <p:txBody>
+          <a:bodyPr rtlCol="0" anchor="ctr"/>
+          <a:lstStyle/>
+          <a:p>
+            <a:pPr algn="ctr"/>
+            <a:endParaRPr kumimoji="1" lang="ja-JP" altLang="en-US"/>
+          </a:p>
+        </p:txBody>
+      </p:sp>
+      <p:sp>
+        <p:nvSpPr>
+          <p:cNvPr id="7" name="四角形: 1 つの角を切り取り 1 つの角を丸める 6">
+            <a:extLst>
+              <a:ext uri="{FF2B5EF4-FFF2-40B4-BE49-F238E27FC236}">
+                <a16:creationId xmlns:a16="http://schemas.microsoft.com/office/drawing/2014/main" id="{5C155BC5-22C7-4276-B0C6-32F9D9B08534}"/>
+              </a:ext>
+            </a:extLst>
+          </p:cNvPr>
+          <p:cNvSpPr/>
+          <p:nvPr/>
+        </p:nvSpPr>
+        <p:spPr>
+          <a:xfrm>
+            <a:off x="4225771" y="3526654"/>
+            <a:ext cx="2246050" cy="2246050"/>
+          </a:xfrm>
+          <a:prstGeom prst="snipRoundRect">
+            <a:avLst>
+              <a:gd name="adj1" fmla="val 50000"/>
+              <a:gd name="adj2" fmla="val 50000"/>
+            </a:avLst>
+          </a:prstGeom>
+          <a:gradFill>
+            <a:gsLst>
+              <a:gs pos="0">
+                <a:schemeClr val="accent1">
+                  <a:lumMod val="5000"/>
+                  <a:lumOff val="95000"/>
+                </a:schemeClr>
+              </a:gs>
+              <a:gs pos="40000">
+                <a:schemeClr val="tx1">
+                  <a:lumMod val="95000"/>
+                </a:schemeClr>
+              </a:gs>
+              <a:gs pos="62000">
+                <a:schemeClr val="tx1">
+                  <a:lumMod val="95000"/>
+                </a:schemeClr>
+              </a:gs>
+              <a:gs pos="95000">
+                <a:schemeClr val="tx1">
+                  <a:lumMod val="85000"/>
+                </a:schemeClr>
+              </a:gs>
+            </a:gsLst>
+            <a:lin ang="5400000" scaled="1"/>
+          </a:gradFill>
+          <a:ln>
+            <a:noFill/>
+          </a:ln>
+        </p:spPr>
+        <p:style>
+          <a:lnRef idx="2">
+            <a:schemeClr val="accent1">
+              <a:shade val="50000"/>
+            </a:schemeClr>
+          </a:lnRef>
+          <a:fillRef idx="1">
+            <a:schemeClr val="accent1"/>
+          </a:fillRef>
+          <a:effectRef idx="0">
+            <a:schemeClr val="accent1"/>
+          </a:effectRef>
+          <a:fontRef idx="minor">
+            <a:schemeClr val="lt1"/>
+          </a:fontRef>
+        </p:style>
+        <p:txBody>
+          <a:bodyPr rtlCol="0" anchor="ctr"/>
+          <a:lstStyle/>
+          <a:p>
+            <a:pPr algn="ctr"/>
+            <a:endParaRPr kumimoji="1" lang="ja-JP" altLang="en-US"/>
+          </a:p>
+        </p:txBody>
+      </p:sp>
+      <p:sp>
+        <p:nvSpPr>
+          <p:cNvPr id="8" name="四角形: 対角を切り取る 7">
+            <a:extLst>
+              <a:ext uri="{FF2B5EF4-FFF2-40B4-BE49-F238E27FC236}">
+                <a16:creationId xmlns:a16="http://schemas.microsoft.com/office/drawing/2014/main" id="{4F431F78-F624-42F4-93E3-DE06A8215993}"/>
+              </a:ext>
+            </a:extLst>
+          </p:cNvPr>
+          <p:cNvSpPr/>
+          <p:nvPr/>
+        </p:nvSpPr>
+        <p:spPr>
+          <a:xfrm rot="2700000">
+            <a:off x="8160059" y="3671085"/>
+            <a:ext cx="2343704" cy="2343704"/>
+          </a:xfrm>
+          <a:prstGeom prst="snip2DiagRect">
+            <a:avLst>
+              <a:gd name="adj1" fmla="val 50000"/>
+              <a:gd name="adj2" fmla="val 15267"/>
+            </a:avLst>
+          </a:prstGeom>
+          <a:gradFill>
+            <a:gsLst>
+              <a:gs pos="0">
+                <a:schemeClr val="accent1">
+                  <a:lumMod val="5000"/>
+                  <a:lumOff val="95000"/>
+                </a:schemeClr>
+              </a:gs>
+              <a:gs pos="40000">
+                <a:schemeClr val="tx1">
+                  <a:lumMod val="95000"/>
+                </a:schemeClr>
+              </a:gs>
+              <a:gs pos="62000">
+                <a:schemeClr val="tx1">
+                  <a:lumMod val="95000"/>
+                </a:schemeClr>
+              </a:gs>
+              <a:gs pos="95000">
+                <a:schemeClr val="tx1">
+                  <a:lumMod val="85000"/>
+                </a:schemeClr>
+              </a:gs>
+            </a:gsLst>
+            <a:lin ang="5400000" scaled="1"/>
+          </a:gradFill>
+          <a:ln>
+            <a:noFill/>
+          </a:ln>
+        </p:spPr>
+        <p:style>
+          <a:lnRef idx="2">
+            <a:schemeClr val="accent1">
+              <a:shade val="50000"/>
+            </a:schemeClr>
+          </a:lnRef>
+          <a:fillRef idx="1">
+            <a:schemeClr val="accent1"/>
+          </a:fillRef>
+          <a:effectRef idx="0">
+            <a:schemeClr val="accent1"/>
+          </a:effectRef>
+          <a:fontRef idx="minor">
+            <a:schemeClr val="lt1"/>
+          </a:fontRef>
+        </p:style>
+        <p:txBody>
+          <a:bodyPr rtlCol="0" anchor="ctr"/>
+          <a:lstStyle/>
+          <a:p>
+            <a:pPr algn="ctr"/>
+            <a:endParaRPr kumimoji="1" lang="ja-JP" altLang="en-US"/>
+          </a:p>
+        </p:txBody>
+      </p:sp>
     </p:spTree>
     <p:extLst>
       <p:ext uri="{BB962C8B-B14F-4D97-AF65-F5344CB8AC3E}">
-        <p14:creationId xmlns:p14="http://schemas.microsoft.com/office/powerpoint/2010/main" val="135397356"/>
+        <p14:creationId xmlns:p14="http://schemas.microsoft.com/office/powerpoint/2010/main" val="2930997555"/>
       </p:ext>
     </p:extLst>
   </p:cSld>
@@ -10918,13 +13584,13 @@
 </p:sld>
 </file>
 
-<file path=ppt/slides/slide9.xml><?xml version="1.0" encoding="utf-8"?>
+<file path=ppt/slides/slide8.xml><?xml version="1.0" encoding="utf-8"?>
 <p:sld xmlns:a="http://schemas.openxmlformats.org/drawingml/2006/main" xmlns:r="http://schemas.openxmlformats.org/officeDocument/2006/relationships" xmlns:p="http://schemas.openxmlformats.org/presentationml/2006/main">
   <p:cSld>
     <p:bg>
       <p:bgPr>
         <a:solidFill>
-          <a:schemeClr val="tx1"/>
+          <a:schemeClr val="bg1"/>
         </a:solidFill>
         <a:effectLst/>
       </p:bgPr>
@@ -10943,235 +13609,64 @@
           <a:chExt cx="0" cy="0"/>
         </a:xfrm>
       </p:grpSpPr>
-      <p:grpSp>
-        <p:nvGrpSpPr>
-          <p:cNvPr id="11" name="グループ化 10">
+      <p:sp>
+        <p:nvSpPr>
+          <p:cNvPr id="11" name="正方形/長方形 10">
             <a:extLst>
               <a:ext uri="{FF2B5EF4-FFF2-40B4-BE49-F238E27FC236}">
-                <a16:creationId xmlns:a16="http://schemas.microsoft.com/office/drawing/2014/main" id="{D9DE0305-7170-44F2-B809-32A6D123A9DF}"/>
+                <a16:creationId xmlns:a16="http://schemas.microsoft.com/office/drawing/2014/main" id="{F44395B5-F675-4FF8-B0BA-915A78D07DB6}"/>
               </a:ext>
             </a:extLst>
           </p:cNvPr>
-          <p:cNvGrpSpPr/>
+          <p:cNvSpPr>
+            <a:spLocks noChangeAspect="1"/>
+          </p:cNvSpPr>
           <p:nvPr/>
-        </p:nvGrpSpPr>
-        <p:grpSpPr>
+        </p:nvSpPr>
+        <p:spPr>
           <a:xfrm>
-            <a:off x="4095750" y="816511"/>
-            <a:ext cx="6459220" cy="4541520"/>
-            <a:chOff x="3601720" y="735231"/>
-            <a:chExt cx="6459220" cy="4541520"/>
+            <a:off x="3333000" y="666000"/>
+            <a:ext cx="5526000" cy="5526000"/>
           </a:xfrm>
-        </p:grpSpPr>
-        <p:sp>
-          <p:nvSpPr>
-            <p:cNvPr id="4" name="四角形: 角を丸くする 3">
-              <a:extLst>
-                <a:ext uri="{FF2B5EF4-FFF2-40B4-BE49-F238E27FC236}">
-                  <a16:creationId xmlns:a16="http://schemas.microsoft.com/office/drawing/2014/main" id="{04F17138-FE7B-482C-8B0F-4382108AD001}"/>
-                </a:ext>
-              </a:extLst>
-            </p:cNvPr>
-            <p:cNvSpPr/>
-            <p:nvPr/>
-          </p:nvSpPr>
-          <p:spPr>
-            <a:xfrm>
-              <a:off x="3601720" y="735231"/>
-              <a:ext cx="6431280" cy="4541520"/>
-            </a:xfrm>
-            <a:prstGeom prst="roundRect">
-              <a:avLst/>
-            </a:prstGeom>
-            <a:gradFill>
-              <a:gsLst>
-                <a:gs pos="0">
-                  <a:schemeClr val="accent1">
-                    <a:lumMod val="0"/>
-                    <a:lumOff val="100000"/>
-                  </a:schemeClr>
-                </a:gs>
-                <a:gs pos="40000">
-                  <a:schemeClr val="tx1">
-                    <a:lumMod val="95000"/>
-                  </a:schemeClr>
-                </a:gs>
-                <a:gs pos="62000">
-                  <a:schemeClr val="tx1">
-                    <a:lumMod val="95000"/>
-                  </a:schemeClr>
-                </a:gs>
-                <a:gs pos="95000">
-                  <a:schemeClr val="tx1">
-                    <a:lumMod val="85000"/>
-                  </a:schemeClr>
-                </a:gs>
-              </a:gsLst>
-              <a:lin ang="5400000" scaled="1"/>
-            </a:gradFill>
-            <a:ln>
-              <a:noFill/>
-            </a:ln>
-          </p:spPr>
-          <p:style>
-            <a:lnRef idx="2">
-              <a:schemeClr val="accent1">
-                <a:shade val="50000"/>
-              </a:schemeClr>
-            </a:lnRef>
-            <a:fillRef idx="1">
-              <a:schemeClr val="accent1"/>
-            </a:fillRef>
-            <a:effectRef idx="0">
-              <a:schemeClr val="accent1"/>
-            </a:effectRef>
-            <a:fontRef idx="minor">
-              <a:schemeClr val="lt1"/>
-            </a:fontRef>
-          </p:style>
-          <p:txBody>
-            <a:bodyPr rtlCol="0" anchor="ctr"/>
-            <a:lstStyle/>
-            <a:p>
-              <a:pPr algn="ctr"/>
-              <a:endParaRPr kumimoji="1" lang="ja-JP" altLang="en-US" dirty="0"/>
-            </a:p>
-          </p:txBody>
-        </p:sp>
-        <p:sp>
-          <p:nvSpPr>
-            <p:cNvPr id="9" name="四角形: 角を丸くする 8">
-              <a:extLst>
-                <a:ext uri="{FF2B5EF4-FFF2-40B4-BE49-F238E27FC236}">
-                  <a16:creationId xmlns:a16="http://schemas.microsoft.com/office/drawing/2014/main" id="{D0041205-7DB4-43B0-9E51-DA34D82DA784}"/>
-                </a:ext>
-              </a:extLst>
-            </p:cNvPr>
-            <p:cNvSpPr/>
-            <p:nvPr/>
-          </p:nvSpPr>
-          <p:spPr>
-            <a:xfrm>
-              <a:off x="3615690" y="735231"/>
-              <a:ext cx="6431280" cy="4541520"/>
-            </a:xfrm>
-            <a:prstGeom prst="roundRect">
-              <a:avLst/>
-            </a:prstGeom>
+          <a:prstGeom prst="rect">
+            <a:avLst/>
+          </a:prstGeom>
+          <a:noFill/>
+          <a:ln>
             <a:noFill/>
-            <a:ln w="101600">
-              <a:solidFill>
-                <a:schemeClr val="bg1"/>
-              </a:solidFill>
-            </a:ln>
-          </p:spPr>
-          <p:style>
-            <a:lnRef idx="2">
-              <a:schemeClr val="accent1">
-                <a:shade val="50000"/>
-              </a:schemeClr>
-            </a:lnRef>
-            <a:fillRef idx="1">
-              <a:schemeClr val="accent1"/>
-            </a:fillRef>
-            <a:effectRef idx="0">
-              <a:schemeClr val="accent1"/>
-            </a:effectRef>
-            <a:fontRef idx="minor">
-              <a:schemeClr val="lt1"/>
-            </a:fontRef>
-          </p:style>
-          <p:txBody>
-            <a:bodyPr rtlCol="0" anchor="ctr"/>
-            <a:lstStyle/>
-            <a:p>
-              <a:pPr algn="ctr"/>
-              <a:endParaRPr kumimoji="1" lang="ja-JP" altLang="en-US" dirty="0"/>
-            </a:p>
-          </p:txBody>
-        </p:sp>
-        <p:sp>
-          <p:nvSpPr>
-            <p:cNvPr id="5" name="四角形: 角を丸くする 4">
-              <a:extLst>
-                <a:ext uri="{FF2B5EF4-FFF2-40B4-BE49-F238E27FC236}">
-                  <a16:creationId xmlns:a16="http://schemas.microsoft.com/office/drawing/2014/main" id="{E93AB1DF-B830-41DA-96C9-143ABAE488C7}"/>
-                </a:ext>
-              </a:extLst>
-            </p:cNvPr>
-            <p:cNvSpPr/>
-            <p:nvPr/>
-          </p:nvSpPr>
-          <p:spPr>
-            <a:xfrm>
-              <a:off x="3629660" y="735231"/>
-              <a:ext cx="6431280" cy="4541520"/>
-            </a:xfrm>
-            <a:prstGeom prst="roundRect">
-              <a:avLst/>
-            </a:prstGeom>
-            <a:noFill/>
-            <a:ln w="63500">
-              <a:gradFill>
-                <a:gsLst>
-                  <a:gs pos="0">
-                    <a:schemeClr val="accent1">
-                      <a:lumMod val="5000"/>
-                      <a:lumOff val="95000"/>
-                    </a:schemeClr>
-                  </a:gs>
-                  <a:gs pos="48000">
-                    <a:schemeClr val="tx1">
-                      <a:lumMod val="85000"/>
-                    </a:schemeClr>
-                  </a:gs>
-                  <a:gs pos="74000">
-                    <a:schemeClr val="tx1">
-                      <a:lumMod val="85000"/>
-                    </a:schemeClr>
-                  </a:gs>
-                  <a:gs pos="100000">
-                    <a:schemeClr val="tx1">
-                      <a:lumMod val="75000"/>
-                    </a:schemeClr>
-                  </a:gs>
-                </a:gsLst>
-                <a:lin ang="5400000" scaled="1"/>
-              </a:gradFill>
-            </a:ln>
-          </p:spPr>
-          <p:style>
-            <a:lnRef idx="2">
-              <a:schemeClr val="accent1">
-                <a:shade val="50000"/>
-              </a:schemeClr>
-            </a:lnRef>
-            <a:fillRef idx="1">
-              <a:schemeClr val="accent1"/>
-            </a:fillRef>
-            <a:effectRef idx="0">
-              <a:schemeClr val="accent1"/>
-            </a:effectRef>
-            <a:fontRef idx="minor">
-              <a:schemeClr val="lt1"/>
-            </a:fontRef>
-          </p:style>
-          <p:txBody>
-            <a:bodyPr rtlCol="0" anchor="ctr"/>
-            <a:lstStyle/>
-            <a:p>
-              <a:pPr algn="ctr"/>
-              <a:endParaRPr kumimoji="1" lang="ja-JP" altLang="en-US" dirty="0"/>
-            </a:p>
-          </p:txBody>
-        </p:sp>
-      </p:grpSp>
+          </a:ln>
+        </p:spPr>
+        <p:style>
+          <a:lnRef idx="2">
+            <a:schemeClr val="accent1">
+              <a:shade val="50000"/>
+            </a:schemeClr>
+          </a:lnRef>
+          <a:fillRef idx="1">
+            <a:schemeClr val="accent1"/>
+          </a:fillRef>
+          <a:effectRef idx="0">
+            <a:schemeClr val="accent1"/>
+          </a:effectRef>
+          <a:fontRef idx="minor">
+            <a:schemeClr val="lt1"/>
+          </a:fontRef>
+        </p:style>
+        <p:txBody>
+          <a:bodyPr rtlCol="0" anchor="ctr"/>
+          <a:lstStyle/>
+          <a:p>
+            <a:pPr algn="ctr"/>
+            <a:endParaRPr kumimoji="1" lang="ja-JP" altLang="en-US"/>
+          </a:p>
+        </p:txBody>
+      </p:sp>
       <p:sp>
         <p:nvSpPr>
-          <p:cNvPr id="10" name="テキスト ボックス 9">
+          <p:cNvPr id="9" name="テキスト ボックス 8">
             <a:extLst>
               <a:ext uri="{FF2B5EF4-FFF2-40B4-BE49-F238E27FC236}">
-                <a16:creationId xmlns:a16="http://schemas.microsoft.com/office/drawing/2014/main" id="{41705AB7-7839-47CD-B47E-029E3583930D}"/>
+                <a16:creationId xmlns:a16="http://schemas.microsoft.com/office/drawing/2014/main" id="{AB251463-CE1B-47DB-BBFC-14EFC475D23A}"/>
               </a:ext>
             </a:extLst>
           </p:cNvPr>
@@ -11180,8 +13675,8 @@
         </p:nvSpPr>
         <p:spPr>
           <a:xfrm>
-            <a:off x="214630" y="1063476"/>
-            <a:ext cx="3406140" cy="646331"/>
+            <a:off x="4328160" y="2152880"/>
+            <a:ext cx="3276600" cy="1015663"/>
           </a:xfrm>
           <a:prstGeom prst="rect">
             <a:avLst/>
@@ -11194,26 +13689,497 @@
           </a:bodyPr>
           <a:lstStyle/>
           <a:p>
+            <a:r>
+              <a:rPr kumimoji="1" lang="ja-JP" altLang="en-US" sz="6000" b="1" dirty="0">
+                <a:effectLst>
+                  <a:reflection blurRad="38100" stA="55000" endA="300" endPos="40000" dist="25400" dir="5400000" sy="-100000" algn="bl" rotWithShape="0"/>
+                </a:effectLst>
+                <a:latin typeface="+mn-ea"/>
+              </a:rPr>
+              <a:t>タイトル</a:t>
+            </a:r>
+          </a:p>
+        </p:txBody>
+      </p:sp>
+      <p:pic>
+        <p:nvPicPr>
+          <p:cNvPr id="7" name="図 6">
+            <a:extLst>
+              <a:ext uri="{FF2B5EF4-FFF2-40B4-BE49-F238E27FC236}">
+                <a16:creationId xmlns:a16="http://schemas.microsoft.com/office/drawing/2014/main" id="{0A64E65C-6637-4EB3-9510-39EDB42C2211}"/>
+              </a:ext>
+            </a:extLst>
+          </p:cNvPr>
+          <p:cNvPicPr>
+            <a:picLocks noChangeAspect="1"/>
+          </p:cNvPicPr>
+          <p:nvPr/>
+        </p:nvPicPr>
+        <p:blipFill>
+          <a:blip r:embed="rId2">
+            <a:extLst>
+              <a:ext uri="{28A0092B-C50C-407E-A947-70E740481C1C}">
+                <a14:useLocalDpi xmlns:a14="http://schemas.microsoft.com/office/drawing/2010/main" val="0"/>
+              </a:ext>
+            </a:extLst>
+          </a:blip>
+          <a:stretch>
+            <a:fillRect/>
+          </a:stretch>
+        </p:blipFill>
+        <p:spPr>
+          <a:xfrm>
+            <a:off x="279660" y="4829883"/>
+            <a:ext cx="924560" cy="924560"/>
+          </a:xfrm>
+          <a:prstGeom prst="rect">
+            <a:avLst/>
+          </a:prstGeom>
+        </p:spPr>
+      </p:pic>
+      <p:sp>
+        <p:nvSpPr>
+          <p:cNvPr id="10" name="四角形: 1 つの角を切り取る 2">
+            <a:extLst>
+              <a:ext uri="{FF2B5EF4-FFF2-40B4-BE49-F238E27FC236}">
+                <a16:creationId xmlns:a16="http://schemas.microsoft.com/office/drawing/2014/main" id="{975150CD-CA8D-4877-80C7-206263A1EB1D}"/>
+              </a:ext>
+            </a:extLst>
+          </p:cNvPr>
+          <p:cNvSpPr/>
+          <p:nvPr/>
+        </p:nvSpPr>
+        <p:spPr>
+          <a:xfrm flipV="1">
+            <a:off x="8351522" y="6266784"/>
+            <a:ext cx="3840480" cy="924560"/>
+          </a:xfrm>
+          <a:custGeom>
+            <a:avLst/>
+            <a:gdLst>
+              <a:gd name="connsiteX0" fmla="*/ 0 w 3840480"/>
+              <a:gd name="connsiteY0" fmla="*/ 0 h 1422400"/>
+              <a:gd name="connsiteX1" fmla="*/ 3129280 w 3840480"/>
+              <a:gd name="connsiteY1" fmla="*/ 0 h 1422400"/>
+              <a:gd name="connsiteX2" fmla="*/ 3840480 w 3840480"/>
+              <a:gd name="connsiteY2" fmla="*/ 711200 h 1422400"/>
+              <a:gd name="connsiteX3" fmla="*/ 3840480 w 3840480"/>
+              <a:gd name="connsiteY3" fmla="*/ 1422400 h 1422400"/>
+              <a:gd name="connsiteX4" fmla="*/ 0 w 3840480"/>
+              <a:gd name="connsiteY4" fmla="*/ 1422400 h 1422400"/>
+              <a:gd name="connsiteX5" fmla="*/ 0 w 3840480"/>
+              <a:gd name="connsiteY5" fmla="*/ 0 h 1422400"/>
+              <a:gd name="connsiteX0" fmla="*/ 0 w 3840480"/>
+              <a:gd name="connsiteY0" fmla="*/ 0 h 1422400"/>
+              <a:gd name="connsiteX1" fmla="*/ 3129280 w 3840480"/>
+              <a:gd name="connsiteY1" fmla="*/ 0 h 1422400"/>
+              <a:gd name="connsiteX2" fmla="*/ 3810000 w 3840480"/>
+              <a:gd name="connsiteY2" fmla="*/ 1381760 h 1422400"/>
+              <a:gd name="connsiteX3" fmla="*/ 3840480 w 3840480"/>
+              <a:gd name="connsiteY3" fmla="*/ 1422400 h 1422400"/>
+              <a:gd name="connsiteX4" fmla="*/ 0 w 3840480"/>
+              <a:gd name="connsiteY4" fmla="*/ 1422400 h 1422400"/>
+              <a:gd name="connsiteX5" fmla="*/ 0 w 3840480"/>
+              <a:gd name="connsiteY5" fmla="*/ 0 h 1422400"/>
+              <a:gd name="connsiteX0" fmla="*/ 0 w 3840480"/>
+              <a:gd name="connsiteY0" fmla="*/ 20320 h 1442720"/>
+              <a:gd name="connsiteX1" fmla="*/ 2275840 w 3840480"/>
+              <a:gd name="connsiteY1" fmla="*/ 0 h 1442720"/>
+              <a:gd name="connsiteX2" fmla="*/ 3810000 w 3840480"/>
+              <a:gd name="connsiteY2" fmla="*/ 1402080 h 1442720"/>
+              <a:gd name="connsiteX3" fmla="*/ 3840480 w 3840480"/>
+              <a:gd name="connsiteY3" fmla="*/ 1442720 h 1442720"/>
+              <a:gd name="connsiteX4" fmla="*/ 0 w 3840480"/>
+              <a:gd name="connsiteY4" fmla="*/ 1442720 h 1442720"/>
+              <a:gd name="connsiteX5" fmla="*/ 0 w 3840480"/>
+              <a:gd name="connsiteY5" fmla="*/ 20320 h 1442720"/>
+              <a:gd name="connsiteX0" fmla="*/ 0 w 3840480"/>
+              <a:gd name="connsiteY0" fmla="*/ 20320 h 1442720"/>
+              <a:gd name="connsiteX1" fmla="*/ 3149600 w 3840480"/>
+              <a:gd name="connsiteY1" fmla="*/ 0 h 1442720"/>
+              <a:gd name="connsiteX2" fmla="*/ 3810000 w 3840480"/>
+              <a:gd name="connsiteY2" fmla="*/ 1402080 h 1442720"/>
+              <a:gd name="connsiteX3" fmla="*/ 3840480 w 3840480"/>
+              <a:gd name="connsiteY3" fmla="*/ 1442720 h 1442720"/>
+              <a:gd name="connsiteX4" fmla="*/ 0 w 3840480"/>
+              <a:gd name="connsiteY4" fmla="*/ 1442720 h 1442720"/>
+              <a:gd name="connsiteX5" fmla="*/ 0 w 3840480"/>
+              <a:gd name="connsiteY5" fmla="*/ 20320 h 1442720"/>
+            </a:gdLst>
+            <a:ahLst/>
+            <a:cxnLst>
+              <a:cxn ang="0">
+                <a:pos x="connsiteX0" y="connsiteY0"/>
+              </a:cxn>
+              <a:cxn ang="0">
+                <a:pos x="connsiteX1" y="connsiteY1"/>
+              </a:cxn>
+              <a:cxn ang="0">
+                <a:pos x="connsiteX2" y="connsiteY2"/>
+              </a:cxn>
+              <a:cxn ang="0">
+                <a:pos x="connsiteX3" y="connsiteY3"/>
+              </a:cxn>
+              <a:cxn ang="0">
+                <a:pos x="connsiteX4" y="connsiteY4"/>
+              </a:cxn>
+              <a:cxn ang="0">
+                <a:pos x="connsiteX5" y="connsiteY5"/>
+              </a:cxn>
+            </a:cxnLst>
+            <a:rect l="l" t="t" r="r" b="b"/>
+            <a:pathLst>
+              <a:path w="3840480" h="1442720">
+                <a:moveTo>
+                  <a:pt x="0" y="20320"/>
+                </a:moveTo>
+                <a:lnTo>
+                  <a:pt x="3149600" y="0"/>
+                </a:lnTo>
+                <a:lnTo>
+                  <a:pt x="3810000" y="1402080"/>
+                </a:lnTo>
+                <a:lnTo>
+                  <a:pt x="3840480" y="1442720"/>
+                </a:lnTo>
+                <a:lnTo>
+                  <a:pt x="0" y="1442720"/>
+                </a:lnTo>
+                <a:lnTo>
+                  <a:pt x="0" y="20320"/>
+                </a:lnTo>
+                <a:close/>
+              </a:path>
+            </a:pathLst>
+          </a:custGeom>
+          <a:noFill/>
+          <a:ln w="127000">
+            <a:gradFill>
+              <a:gsLst>
+                <a:gs pos="0">
+                  <a:schemeClr val="accent1">
+                    <a:lumMod val="5000"/>
+                    <a:lumOff val="95000"/>
+                  </a:schemeClr>
+                </a:gs>
+                <a:gs pos="60000">
+                  <a:schemeClr val="tx1">
+                    <a:lumMod val="75000"/>
+                  </a:schemeClr>
+                </a:gs>
+                <a:gs pos="80000">
+                  <a:schemeClr val="tx1">
+                    <a:lumMod val="85000"/>
+                  </a:schemeClr>
+                </a:gs>
+                <a:gs pos="100000">
+                  <a:schemeClr val="tx1">
+                    <a:lumMod val="85000"/>
+                  </a:schemeClr>
+                </a:gs>
+              </a:gsLst>
+              <a:lin ang="5400000" scaled="1"/>
+            </a:gradFill>
+          </a:ln>
+          <a:scene3d>
+            <a:camera prst="orthographicFront"/>
+            <a:lightRig rig="flood" dir="t"/>
+          </a:scene3d>
+          <a:sp3d prstMaterial="flat"/>
+        </p:spPr>
+        <p:style>
+          <a:lnRef idx="2">
+            <a:schemeClr val="accent1">
+              <a:shade val="50000"/>
+            </a:schemeClr>
+          </a:lnRef>
+          <a:fillRef idx="1">
+            <a:schemeClr val="accent1"/>
+          </a:fillRef>
+          <a:effectRef idx="0">
+            <a:schemeClr val="accent1"/>
+          </a:effectRef>
+          <a:fontRef idx="minor">
+            <a:schemeClr val="lt1"/>
+          </a:fontRef>
+        </p:style>
+        <p:txBody>
+          <a:bodyPr rtlCol="0" anchor="ctr"/>
+          <a:lstStyle/>
+          <a:p>
             <a:pPr algn="ctr"/>
-            <a:r>
-              <a:rPr kumimoji="1" lang="ja-JP" altLang="en-US" sz="3600" dirty="0">
-                <a:solidFill>
-                  <a:schemeClr val="bg1"/>
-                </a:solidFill>
-                <a:latin typeface="游明朝" panose="02020400000000000000" pitchFamily="18" charset="-128"/>
-                <a:ea typeface="游明朝" panose="02020400000000000000" pitchFamily="18" charset="-128"/>
-              </a:rPr>
-              <a:t>絞り込み</a:t>
-            </a:r>
+            <a:endParaRPr kumimoji="1" lang="ja-JP" altLang="en-US"/>
           </a:p>
         </p:txBody>
       </p:sp>
       <p:sp>
         <p:nvSpPr>
-          <p:cNvPr id="6" name="テキスト ボックス 5">
+          <p:cNvPr id="3" name="四角形: 1 つの角を切り取る 2">
             <a:extLst>
               <a:ext uri="{FF2B5EF4-FFF2-40B4-BE49-F238E27FC236}">
-                <a16:creationId xmlns:a16="http://schemas.microsoft.com/office/drawing/2014/main" id="{41165F80-704D-41CE-A80B-CDD3D10D713A}"/>
+                <a16:creationId xmlns:a16="http://schemas.microsoft.com/office/drawing/2014/main" id="{0D513FEE-FDCC-4E8D-8AAE-65E921630C79}"/>
+              </a:ext>
+            </a:extLst>
+          </p:cNvPr>
+          <p:cNvSpPr/>
+          <p:nvPr/>
+        </p:nvSpPr>
+        <p:spPr>
+          <a:xfrm flipV="1">
+            <a:off x="0" y="6192000"/>
+            <a:ext cx="3840480" cy="924560"/>
+          </a:xfrm>
+          <a:custGeom>
+            <a:avLst/>
+            <a:gdLst>
+              <a:gd name="connsiteX0" fmla="*/ 0 w 3840480"/>
+              <a:gd name="connsiteY0" fmla="*/ 0 h 1422400"/>
+              <a:gd name="connsiteX1" fmla="*/ 3129280 w 3840480"/>
+              <a:gd name="connsiteY1" fmla="*/ 0 h 1422400"/>
+              <a:gd name="connsiteX2" fmla="*/ 3840480 w 3840480"/>
+              <a:gd name="connsiteY2" fmla="*/ 711200 h 1422400"/>
+              <a:gd name="connsiteX3" fmla="*/ 3840480 w 3840480"/>
+              <a:gd name="connsiteY3" fmla="*/ 1422400 h 1422400"/>
+              <a:gd name="connsiteX4" fmla="*/ 0 w 3840480"/>
+              <a:gd name="connsiteY4" fmla="*/ 1422400 h 1422400"/>
+              <a:gd name="connsiteX5" fmla="*/ 0 w 3840480"/>
+              <a:gd name="connsiteY5" fmla="*/ 0 h 1422400"/>
+              <a:gd name="connsiteX0" fmla="*/ 0 w 3840480"/>
+              <a:gd name="connsiteY0" fmla="*/ 0 h 1422400"/>
+              <a:gd name="connsiteX1" fmla="*/ 3129280 w 3840480"/>
+              <a:gd name="connsiteY1" fmla="*/ 0 h 1422400"/>
+              <a:gd name="connsiteX2" fmla="*/ 3810000 w 3840480"/>
+              <a:gd name="connsiteY2" fmla="*/ 1381760 h 1422400"/>
+              <a:gd name="connsiteX3" fmla="*/ 3840480 w 3840480"/>
+              <a:gd name="connsiteY3" fmla="*/ 1422400 h 1422400"/>
+              <a:gd name="connsiteX4" fmla="*/ 0 w 3840480"/>
+              <a:gd name="connsiteY4" fmla="*/ 1422400 h 1422400"/>
+              <a:gd name="connsiteX5" fmla="*/ 0 w 3840480"/>
+              <a:gd name="connsiteY5" fmla="*/ 0 h 1422400"/>
+              <a:gd name="connsiteX0" fmla="*/ 0 w 3840480"/>
+              <a:gd name="connsiteY0" fmla="*/ 20320 h 1442720"/>
+              <a:gd name="connsiteX1" fmla="*/ 2275840 w 3840480"/>
+              <a:gd name="connsiteY1" fmla="*/ 0 h 1442720"/>
+              <a:gd name="connsiteX2" fmla="*/ 3810000 w 3840480"/>
+              <a:gd name="connsiteY2" fmla="*/ 1402080 h 1442720"/>
+              <a:gd name="connsiteX3" fmla="*/ 3840480 w 3840480"/>
+              <a:gd name="connsiteY3" fmla="*/ 1442720 h 1442720"/>
+              <a:gd name="connsiteX4" fmla="*/ 0 w 3840480"/>
+              <a:gd name="connsiteY4" fmla="*/ 1442720 h 1442720"/>
+              <a:gd name="connsiteX5" fmla="*/ 0 w 3840480"/>
+              <a:gd name="connsiteY5" fmla="*/ 20320 h 1442720"/>
+              <a:gd name="connsiteX0" fmla="*/ 0 w 3840480"/>
+              <a:gd name="connsiteY0" fmla="*/ 20320 h 1442720"/>
+              <a:gd name="connsiteX1" fmla="*/ 3149600 w 3840480"/>
+              <a:gd name="connsiteY1" fmla="*/ 0 h 1442720"/>
+              <a:gd name="connsiteX2" fmla="*/ 3810000 w 3840480"/>
+              <a:gd name="connsiteY2" fmla="*/ 1402080 h 1442720"/>
+              <a:gd name="connsiteX3" fmla="*/ 3840480 w 3840480"/>
+              <a:gd name="connsiteY3" fmla="*/ 1442720 h 1442720"/>
+              <a:gd name="connsiteX4" fmla="*/ 0 w 3840480"/>
+              <a:gd name="connsiteY4" fmla="*/ 1442720 h 1442720"/>
+              <a:gd name="connsiteX5" fmla="*/ 0 w 3840480"/>
+              <a:gd name="connsiteY5" fmla="*/ 20320 h 1442720"/>
+            </a:gdLst>
+            <a:ahLst/>
+            <a:cxnLst>
+              <a:cxn ang="0">
+                <a:pos x="connsiteX0" y="connsiteY0"/>
+              </a:cxn>
+              <a:cxn ang="0">
+                <a:pos x="connsiteX1" y="connsiteY1"/>
+              </a:cxn>
+              <a:cxn ang="0">
+                <a:pos x="connsiteX2" y="connsiteY2"/>
+              </a:cxn>
+              <a:cxn ang="0">
+                <a:pos x="connsiteX3" y="connsiteY3"/>
+              </a:cxn>
+              <a:cxn ang="0">
+                <a:pos x="connsiteX4" y="connsiteY4"/>
+              </a:cxn>
+              <a:cxn ang="0">
+                <a:pos x="connsiteX5" y="connsiteY5"/>
+              </a:cxn>
+            </a:cxnLst>
+            <a:rect l="l" t="t" r="r" b="b"/>
+            <a:pathLst>
+              <a:path w="3840480" h="1442720">
+                <a:moveTo>
+                  <a:pt x="0" y="20320"/>
+                </a:moveTo>
+                <a:lnTo>
+                  <a:pt x="3149600" y="0"/>
+                </a:lnTo>
+                <a:lnTo>
+                  <a:pt x="3810000" y="1402080"/>
+                </a:lnTo>
+                <a:lnTo>
+                  <a:pt x="3840480" y="1442720"/>
+                </a:lnTo>
+                <a:lnTo>
+                  <a:pt x="0" y="1442720"/>
+                </a:lnTo>
+                <a:lnTo>
+                  <a:pt x="0" y="20320"/>
+                </a:lnTo>
+                <a:close/>
+              </a:path>
+            </a:pathLst>
+          </a:custGeom>
+          <a:gradFill flip="none" rotWithShape="1">
+            <a:gsLst>
+              <a:gs pos="0">
+                <a:schemeClr val="tx1">
+                  <a:lumMod val="85000"/>
+                </a:schemeClr>
+              </a:gs>
+              <a:gs pos="50000">
+                <a:schemeClr val="tx1"/>
+              </a:gs>
+              <a:gs pos="70000">
+                <a:schemeClr val="tx1">
+                  <a:lumMod val="95000"/>
+                </a:schemeClr>
+              </a:gs>
+              <a:gs pos="30000">
+                <a:schemeClr val="tx1">
+                  <a:lumMod val="95000"/>
+                </a:schemeClr>
+              </a:gs>
+              <a:gs pos="100000">
+                <a:schemeClr val="tx1">
+                  <a:lumMod val="85000"/>
+                </a:schemeClr>
+              </a:gs>
+            </a:gsLst>
+            <a:lin ang="0" scaled="1"/>
+            <a:tileRect/>
+          </a:gradFill>
+          <a:ln>
+            <a:noFill/>
+          </a:ln>
+          <a:scene3d>
+            <a:camera prst="orthographicFront"/>
+            <a:lightRig rig="flood" dir="t"/>
+          </a:scene3d>
+          <a:sp3d prstMaterial="flat"/>
+        </p:spPr>
+        <p:style>
+          <a:lnRef idx="2">
+            <a:schemeClr val="accent1">
+              <a:shade val="50000"/>
+            </a:schemeClr>
+          </a:lnRef>
+          <a:fillRef idx="1">
+            <a:schemeClr val="accent1"/>
+          </a:fillRef>
+          <a:effectRef idx="0">
+            <a:schemeClr val="accent1"/>
+          </a:effectRef>
+          <a:fontRef idx="minor">
+            <a:schemeClr val="lt1"/>
+          </a:fontRef>
+        </p:style>
+        <p:txBody>
+          <a:bodyPr rtlCol="0" anchor="ctr"/>
+          <a:lstStyle/>
+          <a:p>
+            <a:pPr algn="ctr"/>
+            <a:endParaRPr kumimoji="1" lang="ja-JP" altLang="en-US"/>
+          </a:p>
+        </p:txBody>
+      </p:sp>
+    </p:spTree>
+    <p:extLst>
+      <p:ext uri="{BB962C8B-B14F-4D97-AF65-F5344CB8AC3E}">
+        <p14:creationId xmlns:p14="http://schemas.microsoft.com/office/powerpoint/2010/main" val="2804014479"/>
+      </p:ext>
+    </p:extLst>
+  </p:cSld>
+  <p:clrMapOvr>
+    <a:masterClrMapping/>
+  </p:clrMapOvr>
+</p:sld>
+</file>
+
+<file path=ppt/slides/slide9.xml><?xml version="1.0" encoding="utf-8"?>
+<p:sld xmlns:a="http://schemas.openxmlformats.org/drawingml/2006/main" xmlns:r="http://schemas.openxmlformats.org/officeDocument/2006/relationships" xmlns:p="http://schemas.openxmlformats.org/presentationml/2006/main">
+  <p:cSld>
+    <p:spTree>
+      <p:nvGrpSpPr>
+        <p:cNvPr id="1" name=""/>
+        <p:cNvGrpSpPr/>
+        <p:nvPr/>
+      </p:nvGrpSpPr>
+      <p:grpSpPr>
+        <a:xfrm>
+          <a:off x="0" y="0"/>
+          <a:ext cx="0" cy="0"/>
+          <a:chOff x="0" y="0"/>
+          <a:chExt cx="0" cy="0"/>
+        </a:xfrm>
+      </p:grpSpPr>
+      <p:sp>
+        <p:nvSpPr>
+          <p:cNvPr id="2" name="正方形/長方形 1">
+            <a:extLst>
+              <a:ext uri="{FF2B5EF4-FFF2-40B4-BE49-F238E27FC236}">
+                <a16:creationId xmlns:a16="http://schemas.microsoft.com/office/drawing/2014/main" id="{CE0231FD-E669-4C1D-9C4B-065DEE3F3E38}"/>
+              </a:ext>
+            </a:extLst>
+          </p:cNvPr>
+          <p:cNvSpPr>
+            <a:spLocks noChangeAspect="1"/>
+          </p:cNvSpPr>
+          <p:nvPr/>
+        </p:nvSpPr>
+        <p:spPr>
+          <a:xfrm>
+            <a:off x="528637" y="297358"/>
+            <a:ext cx="11134725" cy="6263283"/>
+          </a:xfrm>
+          <a:prstGeom prst="rect">
+            <a:avLst/>
+          </a:prstGeom>
+          <a:solidFill>
+            <a:schemeClr val="tx1"/>
+          </a:solidFill>
+          <a:ln>
+            <a:noFill/>
+          </a:ln>
+        </p:spPr>
+        <p:style>
+          <a:lnRef idx="2">
+            <a:schemeClr val="accent1">
+              <a:shade val="50000"/>
+            </a:schemeClr>
+          </a:lnRef>
+          <a:fillRef idx="1">
+            <a:schemeClr val="accent1"/>
+          </a:fillRef>
+          <a:effectRef idx="0">
+            <a:schemeClr val="accent1"/>
+          </a:effectRef>
+          <a:fontRef idx="minor">
+            <a:schemeClr val="lt1"/>
+          </a:fontRef>
+        </p:style>
+        <p:txBody>
+          <a:bodyPr rtlCol="0" anchor="ctr"/>
+          <a:lstStyle/>
+          <a:p>
+            <a:pPr algn="ctr"/>
+            <a:endParaRPr kumimoji="1" lang="ja-JP" altLang="en-US"/>
+          </a:p>
+        </p:txBody>
+      </p:sp>
+      <p:sp>
+        <p:nvSpPr>
+          <p:cNvPr id="3" name="テキスト ボックス 2">
+            <a:extLst>
+              <a:ext uri="{FF2B5EF4-FFF2-40B4-BE49-F238E27FC236}">
+                <a16:creationId xmlns:a16="http://schemas.microsoft.com/office/drawing/2014/main" id="{81AFA0C5-B98A-4343-8999-8E2AC9EB9DA1}"/>
               </a:ext>
             </a:extLst>
           </p:cNvPr>
@@ -11222,8 +14188,8 @@
         </p:nvSpPr>
         <p:spPr>
           <a:xfrm>
-            <a:off x="1482090" y="2167890"/>
-            <a:ext cx="3406140" cy="646331"/>
+            <a:off x="2886075" y="542925"/>
+            <a:ext cx="4810125" cy="1446550"/>
           </a:xfrm>
           <a:prstGeom prst="rect">
             <a:avLst/>
@@ -11237,63 +14203,25 @@
           <a:lstStyle/>
           <a:p>
             <a:r>
-              <a:rPr kumimoji="1" lang="ja-JP" altLang="en-US" sz="3600" dirty="0">
+              <a:rPr kumimoji="1" lang="en-US" altLang="ja-JP" sz="8800" dirty="0">
                 <a:solidFill>
-                  <a:schemeClr val="bg1"/>
+                  <a:srgbClr val="00B0F0"/>
                 </a:solidFill>
-                <a:latin typeface="游明朝" panose="02020400000000000000" pitchFamily="18" charset="-128"/>
-                <a:ea typeface="游明朝" panose="02020400000000000000" pitchFamily="18" charset="-128"/>
               </a:rPr>
-              <a:t>楽曲</a:t>
-            </a:r>
-          </a:p>
-        </p:txBody>
-      </p:sp>
-      <p:sp>
-        <p:nvSpPr>
-          <p:cNvPr id="8" name="テキスト ボックス 7">
-            <a:extLst>
-              <a:ext uri="{FF2B5EF4-FFF2-40B4-BE49-F238E27FC236}">
-                <a16:creationId xmlns:a16="http://schemas.microsoft.com/office/drawing/2014/main" id="{B68F76F6-D61C-454A-AB91-51EAEFCB8FFA}"/>
-              </a:ext>
-            </a:extLst>
-          </p:cNvPr>
-          <p:cNvSpPr txBox="1"/>
-          <p:nvPr/>
-        </p:nvSpPr>
-        <p:spPr>
-          <a:xfrm>
-            <a:off x="689610" y="3595469"/>
-            <a:ext cx="3406140" cy="646331"/>
-          </a:xfrm>
-          <a:prstGeom prst="rect">
-            <a:avLst/>
-          </a:prstGeom>
-          <a:noFill/>
-        </p:spPr>
-        <p:txBody>
-          <a:bodyPr wrap="square" rtlCol="0">
-            <a:spAutoFit/>
-          </a:bodyPr>
-          <a:lstStyle/>
-          <a:p>
-            <a:r>
-              <a:rPr kumimoji="1" lang="ja-JP" altLang="en-US" sz="3600" dirty="0">
-                <a:solidFill>
-                  <a:schemeClr val="bg1"/>
-                </a:solidFill>
-                <a:latin typeface="游明朝" panose="02020400000000000000" pitchFamily="18" charset="-128"/>
-                <a:ea typeface="游明朝" panose="02020400000000000000" pitchFamily="18" charset="-128"/>
-              </a:rPr>
-              <a:t>並び替え</a:t>
-            </a:r>
+              <a:t>M</a:t>
+            </a:r>
+            <a:endParaRPr kumimoji="1" lang="ja-JP" altLang="en-US" sz="8800" dirty="0">
+              <a:solidFill>
+                <a:srgbClr val="00B0F0"/>
+              </a:solidFill>
+            </a:endParaRPr>
           </a:p>
         </p:txBody>
       </p:sp>
     </p:spTree>
     <p:extLst>
       <p:ext uri="{BB962C8B-B14F-4D97-AF65-F5344CB8AC3E}">
-        <p14:creationId xmlns:p14="http://schemas.microsoft.com/office/powerpoint/2010/main" val="1335151211"/>
+        <p14:creationId xmlns:p14="http://schemas.microsoft.com/office/powerpoint/2010/main" val="2899005261"/>
       </p:ext>
     </p:extLst>
   </p:cSld>

--- a/resource.pptx
+++ b/resource.pptx
@@ -43,6 +43,7 @@
     <p:sldId id="262" r:id="rId37"/>
     <p:sldId id="261" r:id="rId38"/>
     <p:sldId id="259" r:id="rId39"/>
+    <p:sldId id="294" r:id="rId40"/>
   </p:sldIdLst>
   <p:sldSz cx="12192000" cy="6858000"/>
   <p:notesSz cx="6858000" cy="9144000"/>
@@ -306,7 +307,7 @@
           <a:p>
             <a:fld id="{F393CF75-DA3A-4376-8130-7D6E005E77C9}" type="datetimeFigureOut">
               <a:rPr kumimoji="1" lang="ja-JP" altLang="en-US" smtClean="0"/>
-              <a:t>2019/12/2</a:t>
+              <a:t>2019/12/4</a:t>
             </a:fld>
             <a:endParaRPr kumimoji="1" lang="ja-JP" altLang="en-US"/>
           </a:p>
@@ -508,7 +509,7 @@
           <a:p>
             <a:fld id="{F393CF75-DA3A-4376-8130-7D6E005E77C9}" type="datetimeFigureOut">
               <a:rPr kumimoji="1" lang="ja-JP" altLang="en-US" smtClean="0"/>
-              <a:t>2019/12/2</a:t>
+              <a:t>2019/12/4</a:t>
             </a:fld>
             <a:endParaRPr kumimoji="1" lang="ja-JP" altLang="en-US"/>
           </a:p>
@@ -720,7 +721,7 @@
           <a:p>
             <a:fld id="{F393CF75-DA3A-4376-8130-7D6E005E77C9}" type="datetimeFigureOut">
               <a:rPr kumimoji="1" lang="ja-JP" altLang="en-US" smtClean="0"/>
-              <a:t>2019/12/2</a:t>
+              <a:t>2019/12/4</a:t>
             </a:fld>
             <a:endParaRPr kumimoji="1" lang="ja-JP" altLang="en-US"/>
           </a:p>
@@ -922,7 +923,7 @@
           <a:p>
             <a:fld id="{F393CF75-DA3A-4376-8130-7D6E005E77C9}" type="datetimeFigureOut">
               <a:rPr kumimoji="1" lang="ja-JP" altLang="en-US" smtClean="0"/>
-              <a:t>2019/12/2</a:t>
+              <a:t>2019/12/4</a:t>
             </a:fld>
             <a:endParaRPr kumimoji="1" lang="ja-JP" altLang="en-US"/>
           </a:p>
@@ -1168,7 +1169,7 @@
           <a:p>
             <a:fld id="{F393CF75-DA3A-4376-8130-7D6E005E77C9}" type="datetimeFigureOut">
               <a:rPr kumimoji="1" lang="ja-JP" altLang="en-US" smtClean="0"/>
-              <a:t>2019/12/2</a:t>
+              <a:t>2019/12/4</a:t>
             </a:fld>
             <a:endParaRPr kumimoji="1" lang="ja-JP" altLang="en-US"/>
           </a:p>
@@ -1464,7 +1465,7 @@
           <a:p>
             <a:fld id="{F393CF75-DA3A-4376-8130-7D6E005E77C9}" type="datetimeFigureOut">
               <a:rPr kumimoji="1" lang="ja-JP" altLang="en-US" smtClean="0"/>
-              <a:t>2019/12/2</a:t>
+              <a:t>2019/12/4</a:t>
             </a:fld>
             <a:endParaRPr kumimoji="1" lang="ja-JP" altLang="en-US"/>
           </a:p>
@@ -1895,7 +1896,7 @@
           <a:p>
             <a:fld id="{F393CF75-DA3A-4376-8130-7D6E005E77C9}" type="datetimeFigureOut">
               <a:rPr kumimoji="1" lang="ja-JP" altLang="en-US" smtClean="0"/>
-              <a:t>2019/12/2</a:t>
+              <a:t>2019/12/4</a:t>
             </a:fld>
             <a:endParaRPr kumimoji="1" lang="ja-JP" altLang="en-US"/>
           </a:p>
@@ -2013,7 +2014,7 @@
           <a:p>
             <a:fld id="{F393CF75-DA3A-4376-8130-7D6E005E77C9}" type="datetimeFigureOut">
               <a:rPr kumimoji="1" lang="ja-JP" altLang="en-US" smtClean="0"/>
-              <a:t>2019/12/2</a:t>
+              <a:t>2019/12/4</a:t>
             </a:fld>
             <a:endParaRPr kumimoji="1" lang="ja-JP" altLang="en-US"/>
           </a:p>
@@ -2108,7 +2109,7 @@
           <a:p>
             <a:fld id="{F393CF75-DA3A-4376-8130-7D6E005E77C9}" type="datetimeFigureOut">
               <a:rPr kumimoji="1" lang="ja-JP" altLang="en-US" smtClean="0"/>
-              <a:t>2019/12/2</a:t>
+              <a:t>2019/12/4</a:t>
             </a:fld>
             <a:endParaRPr kumimoji="1" lang="ja-JP" altLang="en-US"/>
           </a:p>
@@ -2417,7 +2418,7 @@
           <a:p>
             <a:fld id="{F393CF75-DA3A-4376-8130-7D6E005E77C9}" type="datetimeFigureOut">
               <a:rPr kumimoji="1" lang="ja-JP" altLang="en-US" smtClean="0"/>
-              <a:t>2019/12/2</a:t>
+              <a:t>2019/12/4</a:t>
             </a:fld>
             <a:endParaRPr kumimoji="1" lang="ja-JP" altLang="en-US"/>
           </a:p>
@@ -2674,7 +2675,7 @@
           <a:p>
             <a:fld id="{F393CF75-DA3A-4376-8130-7D6E005E77C9}" type="datetimeFigureOut">
               <a:rPr kumimoji="1" lang="ja-JP" altLang="en-US" smtClean="0"/>
-              <a:t>2019/12/2</a:t>
+              <a:t>2019/12/4</a:t>
             </a:fld>
             <a:endParaRPr kumimoji="1" lang="ja-JP" altLang="en-US"/>
           </a:p>
@@ -2919,7 +2920,7 @@
           <a:p>
             <a:fld id="{F393CF75-DA3A-4376-8130-7D6E005E77C9}" type="datetimeFigureOut">
               <a:rPr kumimoji="1" lang="ja-JP" altLang="en-US" smtClean="0"/>
-              <a:t>2019/12/2</a:t>
+              <a:t>2019/12/4</a:t>
             </a:fld>
             <a:endParaRPr kumimoji="1" lang="ja-JP" altLang="en-US"/>
           </a:p>
@@ -4655,276 +4656,297 @@
           </a:p>
         </p:txBody>
       </p:sp>
-      <p:sp>
-        <p:nvSpPr>
-          <p:cNvPr id="6" name="四角形: 1 つの角を切り取る 12">
+      <p:grpSp>
+        <p:nvGrpSpPr>
+          <p:cNvPr id="9" name="グループ化 8">
             <a:extLst>
               <a:ext uri="{FF2B5EF4-FFF2-40B4-BE49-F238E27FC236}">
-                <a16:creationId xmlns:a16="http://schemas.microsoft.com/office/drawing/2014/main" id="{F1DBD695-A138-4FA3-B787-8CD07D04CE32}"/>
+                <a16:creationId xmlns:a16="http://schemas.microsoft.com/office/drawing/2014/main" id="{B3F6D5D3-CD19-4E68-B590-BDAC2EB36A3F}"/>
               </a:ext>
             </a:extLst>
           </p:cNvPr>
-          <p:cNvSpPr/>
+          <p:cNvGrpSpPr/>
           <p:nvPr/>
-        </p:nvSpPr>
-        <p:spPr>
-          <a:xfrm flipH="1">
-            <a:off x="136949" y="5651716"/>
-            <a:ext cx="1428750" cy="603142"/>
+        </p:nvGrpSpPr>
+        <p:grpSpPr>
+          <a:xfrm>
+            <a:off x="136949" y="4580298"/>
+            <a:ext cx="1428750" cy="1206284"/>
+            <a:chOff x="136949" y="5651716"/>
+            <a:chExt cx="1428750" cy="1206284"/>
           </a:xfrm>
-          <a:custGeom>
-            <a:avLst/>
-            <a:gdLst>
-              <a:gd name="connsiteX0" fmla="*/ 0 w 767080"/>
-              <a:gd name="connsiteY0" fmla="*/ 0 h 323820"/>
-              <a:gd name="connsiteX1" fmla="*/ 605170 w 767080"/>
-              <a:gd name="connsiteY1" fmla="*/ 0 h 323820"/>
-              <a:gd name="connsiteX2" fmla="*/ 767080 w 767080"/>
-              <a:gd name="connsiteY2" fmla="*/ 161910 h 323820"/>
-              <a:gd name="connsiteX3" fmla="*/ 767080 w 767080"/>
-              <a:gd name="connsiteY3" fmla="*/ 323820 h 323820"/>
-              <a:gd name="connsiteX4" fmla="*/ 0 w 767080"/>
-              <a:gd name="connsiteY4" fmla="*/ 323820 h 323820"/>
-              <a:gd name="connsiteX5" fmla="*/ 0 w 767080"/>
-              <a:gd name="connsiteY5" fmla="*/ 0 h 323820"/>
-              <a:gd name="connsiteX0" fmla="*/ 0 w 767080"/>
-              <a:gd name="connsiteY0" fmla="*/ 0 h 323820"/>
-              <a:gd name="connsiteX1" fmla="*/ 605170 w 767080"/>
-              <a:gd name="connsiteY1" fmla="*/ 0 h 323820"/>
-              <a:gd name="connsiteX2" fmla="*/ 767080 w 767080"/>
-              <a:gd name="connsiteY2" fmla="*/ 320025 h 323820"/>
-              <a:gd name="connsiteX3" fmla="*/ 767080 w 767080"/>
-              <a:gd name="connsiteY3" fmla="*/ 323820 h 323820"/>
-              <a:gd name="connsiteX4" fmla="*/ 0 w 767080"/>
-              <a:gd name="connsiteY4" fmla="*/ 323820 h 323820"/>
-              <a:gd name="connsiteX5" fmla="*/ 0 w 767080"/>
-              <a:gd name="connsiteY5" fmla="*/ 0 h 323820"/>
-              <a:gd name="connsiteX0" fmla="*/ 0 w 767080"/>
-              <a:gd name="connsiteY0" fmla="*/ 0 h 323820"/>
-              <a:gd name="connsiteX1" fmla="*/ 544210 w 767080"/>
-              <a:gd name="connsiteY1" fmla="*/ 0 h 323820"/>
-              <a:gd name="connsiteX2" fmla="*/ 767080 w 767080"/>
-              <a:gd name="connsiteY2" fmla="*/ 320025 h 323820"/>
-              <a:gd name="connsiteX3" fmla="*/ 767080 w 767080"/>
-              <a:gd name="connsiteY3" fmla="*/ 323820 h 323820"/>
-              <a:gd name="connsiteX4" fmla="*/ 0 w 767080"/>
-              <a:gd name="connsiteY4" fmla="*/ 323820 h 323820"/>
-              <a:gd name="connsiteX5" fmla="*/ 0 w 767080"/>
-              <a:gd name="connsiteY5" fmla="*/ 0 h 323820"/>
-            </a:gdLst>
-            <a:ahLst/>
-            <a:cxnLst>
-              <a:cxn ang="0">
-                <a:pos x="connsiteX0" y="connsiteY0"/>
-              </a:cxn>
-              <a:cxn ang="0">
-                <a:pos x="connsiteX1" y="connsiteY1"/>
-              </a:cxn>
-              <a:cxn ang="0">
-                <a:pos x="connsiteX2" y="connsiteY2"/>
-              </a:cxn>
-              <a:cxn ang="0">
-                <a:pos x="connsiteX3" y="connsiteY3"/>
-              </a:cxn>
-              <a:cxn ang="0">
-                <a:pos x="connsiteX4" y="connsiteY4"/>
-              </a:cxn>
-              <a:cxn ang="0">
-                <a:pos x="connsiteX5" y="connsiteY5"/>
-              </a:cxn>
-            </a:cxnLst>
-            <a:rect l="l" t="t" r="r" b="b"/>
-            <a:pathLst>
-              <a:path w="767080" h="323820">
-                <a:moveTo>
-                  <a:pt x="0" y="0"/>
-                </a:moveTo>
-                <a:lnTo>
-                  <a:pt x="544210" y="0"/>
-                </a:lnTo>
-                <a:lnTo>
-                  <a:pt x="767080" y="320025"/>
-                </a:lnTo>
-                <a:lnTo>
-                  <a:pt x="767080" y="323820"/>
-                </a:lnTo>
-                <a:lnTo>
-                  <a:pt x="0" y="323820"/>
-                </a:lnTo>
-                <a:lnTo>
-                  <a:pt x="0" y="0"/>
-                </a:lnTo>
-                <a:close/>
-              </a:path>
-            </a:pathLst>
-          </a:custGeom>
-          <a:solidFill>
-            <a:schemeClr val="tx1"/>
-          </a:solidFill>
-          <a:ln>
-            <a:noFill/>
-          </a:ln>
-        </p:spPr>
-        <p:style>
-          <a:lnRef idx="2">
-            <a:schemeClr val="accent1">
-              <a:shade val="50000"/>
-            </a:schemeClr>
-          </a:lnRef>
-          <a:fillRef idx="1">
-            <a:schemeClr val="accent1"/>
-          </a:fillRef>
-          <a:effectRef idx="0">
-            <a:schemeClr val="accent1"/>
-          </a:effectRef>
-          <a:fontRef idx="minor">
-            <a:schemeClr val="lt1"/>
-          </a:fontRef>
-        </p:style>
-        <p:txBody>
-          <a:bodyPr rtlCol="0" anchor="ctr"/>
-          <a:lstStyle/>
-          <a:p>
-            <a:pPr algn="ctr"/>
-            <a:endParaRPr kumimoji="1" lang="ja-JP" altLang="en-US"/>
-          </a:p>
-        </p:txBody>
-      </p:sp>
-      <p:sp>
-        <p:nvSpPr>
-          <p:cNvPr id="7" name="四角形: 1 つの角を切り取る 12">
-            <a:extLst>
-              <a:ext uri="{FF2B5EF4-FFF2-40B4-BE49-F238E27FC236}">
-                <a16:creationId xmlns:a16="http://schemas.microsoft.com/office/drawing/2014/main" id="{86E5E0DC-ED8D-4AC0-8175-6031F5F675F4}"/>
-              </a:ext>
-            </a:extLst>
-          </p:cNvPr>
-          <p:cNvSpPr/>
-          <p:nvPr/>
-        </p:nvSpPr>
-        <p:spPr>
-          <a:xfrm flipH="1" flipV="1">
-            <a:off x="136949" y="6254858"/>
-            <a:ext cx="1428750" cy="603142"/>
-          </a:xfrm>
-          <a:custGeom>
-            <a:avLst/>
-            <a:gdLst>
-              <a:gd name="connsiteX0" fmla="*/ 0 w 767080"/>
-              <a:gd name="connsiteY0" fmla="*/ 0 h 323820"/>
-              <a:gd name="connsiteX1" fmla="*/ 605170 w 767080"/>
-              <a:gd name="connsiteY1" fmla="*/ 0 h 323820"/>
-              <a:gd name="connsiteX2" fmla="*/ 767080 w 767080"/>
-              <a:gd name="connsiteY2" fmla="*/ 161910 h 323820"/>
-              <a:gd name="connsiteX3" fmla="*/ 767080 w 767080"/>
-              <a:gd name="connsiteY3" fmla="*/ 323820 h 323820"/>
-              <a:gd name="connsiteX4" fmla="*/ 0 w 767080"/>
-              <a:gd name="connsiteY4" fmla="*/ 323820 h 323820"/>
-              <a:gd name="connsiteX5" fmla="*/ 0 w 767080"/>
-              <a:gd name="connsiteY5" fmla="*/ 0 h 323820"/>
-              <a:gd name="connsiteX0" fmla="*/ 0 w 767080"/>
-              <a:gd name="connsiteY0" fmla="*/ 0 h 323820"/>
-              <a:gd name="connsiteX1" fmla="*/ 605170 w 767080"/>
-              <a:gd name="connsiteY1" fmla="*/ 0 h 323820"/>
-              <a:gd name="connsiteX2" fmla="*/ 767080 w 767080"/>
-              <a:gd name="connsiteY2" fmla="*/ 320025 h 323820"/>
-              <a:gd name="connsiteX3" fmla="*/ 767080 w 767080"/>
-              <a:gd name="connsiteY3" fmla="*/ 323820 h 323820"/>
-              <a:gd name="connsiteX4" fmla="*/ 0 w 767080"/>
-              <a:gd name="connsiteY4" fmla="*/ 323820 h 323820"/>
-              <a:gd name="connsiteX5" fmla="*/ 0 w 767080"/>
-              <a:gd name="connsiteY5" fmla="*/ 0 h 323820"/>
-              <a:gd name="connsiteX0" fmla="*/ 0 w 767080"/>
-              <a:gd name="connsiteY0" fmla="*/ 0 h 323820"/>
-              <a:gd name="connsiteX1" fmla="*/ 544210 w 767080"/>
-              <a:gd name="connsiteY1" fmla="*/ 0 h 323820"/>
-              <a:gd name="connsiteX2" fmla="*/ 767080 w 767080"/>
-              <a:gd name="connsiteY2" fmla="*/ 320025 h 323820"/>
-              <a:gd name="connsiteX3" fmla="*/ 767080 w 767080"/>
-              <a:gd name="connsiteY3" fmla="*/ 323820 h 323820"/>
-              <a:gd name="connsiteX4" fmla="*/ 0 w 767080"/>
-              <a:gd name="connsiteY4" fmla="*/ 323820 h 323820"/>
-              <a:gd name="connsiteX5" fmla="*/ 0 w 767080"/>
-              <a:gd name="connsiteY5" fmla="*/ 0 h 323820"/>
-            </a:gdLst>
-            <a:ahLst/>
-            <a:cxnLst>
-              <a:cxn ang="0">
-                <a:pos x="connsiteX0" y="connsiteY0"/>
-              </a:cxn>
-              <a:cxn ang="0">
-                <a:pos x="connsiteX1" y="connsiteY1"/>
-              </a:cxn>
-              <a:cxn ang="0">
-                <a:pos x="connsiteX2" y="connsiteY2"/>
-              </a:cxn>
-              <a:cxn ang="0">
-                <a:pos x="connsiteX3" y="connsiteY3"/>
-              </a:cxn>
-              <a:cxn ang="0">
-                <a:pos x="connsiteX4" y="connsiteY4"/>
-              </a:cxn>
-              <a:cxn ang="0">
-                <a:pos x="connsiteX5" y="connsiteY5"/>
-              </a:cxn>
-            </a:cxnLst>
-            <a:rect l="l" t="t" r="r" b="b"/>
-            <a:pathLst>
-              <a:path w="767080" h="323820">
-                <a:moveTo>
-                  <a:pt x="0" y="0"/>
-                </a:moveTo>
-                <a:lnTo>
-                  <a:pt x="544210" y="0"/>
-                </a:lnTo>
-                <a:lnTo>
-                  <a:pt x="767080" y="320025"/>
-                </a:lnTo>
-                <a:lnTo>
-                  <a:pt x="767080" y="323820"/>
-                </a:lnTo>
-                <a:lnTo>
-                  <a:pt x="0" y="323820"/>
-                </a:lnTo>
-                <a:lnTo>
-                  <a:pt x="0" y="0"/>
-                </a:lnTo>
-                <a:close/>
-              </a:path>
-            </a:pathLst>
-          </a:custGeom>
-          <a:solidFill>
-            <a:schemeClr val="tx1"/>
-          </a:solidFill>
-          <a:ln>
-            <a:noFill/>
-          </a:ln>
-        </p:spPr>
-        <p:style>
-          <a:lnRef idx="2">
-            <a:schemeClr val="accent1">
-              <a:shade val="50000"/>
-            </a:schemeClr>
-          </a:lnRef>
-          <a:fillRef idx="1">
-            <a:schemeClr val="accent1"/>
-          </a:fillRef>
-          <a:effectRef idx="0">
-            <a:schemeClr val="accent1"/>
-          </a:effectRef>
-          <a:fontRef idx="minor">
-            <a:schemeClr val="lt1"/>
-          </a:fontRef>
-        </p:style>
-        <p:txBody>
-          <a:bodyPr rtlCol="0" anchor="ctr"/>
-          <a:lstStyle/>
-          <a:p>
-            <a:pPr algn="ctr"/>
-            <a:endParaRPr kumimoji="1" lang="ja-JP" altLang="en-US"/>
-          </a:p>
-        </p:txBody>
-      </p:sp>
+        </p:grpSpPr>
+        <p:sp>
+          <p:nvSpPr>
+            <p:cNvPr id="6" name="四角形: 1 つの角を切り取る 12">
+              <a:extLst>
+                <a:ext uri="{FF2B5EF4-FFF2-40B4-BE49-F238E27FC236}">
+                  <a16:creationId xmlns:a16="http://schemas.microsoft.com/office/drawing/2014/main" id="{F1DBD695-A138-4FA3-B787-8CD07D04CE32}"/>
+                </a:ext>
+              </a:extLst>
+            </p:cNvPr>
+            <p:cNvSpPr/>
+            <p:nvPr/>
+          </p:nvSpPr>
+          <p:spPr>
+            <a:xfrm flipH="1">
+              <a:off x="136949" y="5651716"/>
+              <a:ext cx="1428750" cy="603142"/>
+            </a:xfrm>
+            <a:custGeom>
+              <a:avLst/>
+              <a:gdLst>
+                <a:gd name="connsiteX0" fmla="*/ 0 w 767080"/>
+                <a:gd name="connsiteY0" fmla="*/ 0 h 323820"/>
+                <a:gd name="connsiteX1" fmla="*/ 605170 w 767080"/>
+                <a:gd name="connsiteY1" fmla="*/ 0 h 323820"/>
+                <a:gd name="connsiteX2" fmla="*/ 767080 w 767080"/>
+                <a:gd name="connsiteY2" fmla="*/ 161910 h 323820"/>
+                <a:gd name="connsiteX3" fmla="*/ 767080 w 767080"/>
+                <a:gd name="connsiteY3" fmla="*/ 323820 h 323820"/>
+                <a:gd name="connsiteX4" fmla="*/ 0 w 767080"/>
+                <a:gd name="connsiteY4" fmla="*/ 323820 h 323820"/>
+                <a:gd name="connsiteX5" fmla="*/ 0 w 767080"/>
+                <a:gd name="connsiteY5" fmla="*/ 0 h 323820"/>
+                <a:gd name="connsiteX0" fmla="*/ 0 w 767080"/>
+                <a:gd name="connsiteY0" fmla="*/ 0 h 323820"/>
+                <a:gd name="connsiteX1" fmla="*/ 605170 w 767080"/>
+                <a:gd name="connsiteY1" fmla="*/ 0 h 323820"/>
+                <a:gd name="connsiteX2" fmla="*/ 767080 w 767080"/>
+                <a:gd name="connsiteY2" fmla="*/ 320025 h 323820"/>
+                <a:gd name="connsiteX3" fmla="*/ 767080 w 767080"/>
+                <a:gd name="connsiteY3" fmla="*/ 323820 h 323820"/>
+                <a:gd name="connsiteX4" fmla="*/ 0 w 767080"/>
+                <a:gd name="connsiteY4" fmla="*/ 323820 h 323820"/>
+                <a:gd name="connsiteX5" fmla="*/ 0 w 767080"/>
+                <a:gd name="connsiteY5" fmla="*/ 0 h 323820"/>
+                <a:gd name="connsiteX0" fmla="*/ 0 w 767080"/>
+                <a:gd name="connsiteY0" fmla="*/ 0 h 323820"/>
+                <a:gd name="connsiteX1" fmla="*/ 544210 w 767080"/>
+                <a:gd name="connsiteY1" fmla="*/ 0 h 323820"/>
+                <a:gd name="connsiteX2" fmla="*/ 767080 w 767080"/>
+                <a:gd name="connsiteY2" fmla="*/ 320025 h 323820"/>
+                <a:gd name="connsiteX3" fmla="*/ 767080 w 767080"/>
+                <a:gd name="connsiteY3" fmla="*/ 323820 h 323820"/>
+                <a:gd name="connsiteX4" fmla="*/ 0 w 767080"/>
+                <a:gd name="connsiteY4" fmla="*/ 323820 h 323820"/>
+                <a:gd name="connsiteX5" fmla="*/ 0 w 767080"/>
+                <a:gd name="connsiteY5" fmla="*/ 0 h 323820"/>
+              </a:gdLst>
+              <a:ahLst/>
+              <a:cxnLst>
+                <a:cxn ang="0">
+                  <a:pos x="connsiteX0" y="connsiteY0"/>
+                </a:cxn>
+                <a:cxn ang="0">
+                  <a:pos x="connsiteX1" y="connsiteY1"/>
+                </a:cxn>
+                <a:cxn ang="0">
+                  <a:pos x="connsiteX2" y="connsiteY2"/>
+                </a:cxn>
+                <a:cxn ang="0">
+                  <a:pos x="connsiteX3" y="connsiteY3"/>
+                </a:cxn>
+                <a:cxn ang="0">
+                  <a:pos x="connsiteX4" y="connsiteY4"/>
+                </a:cxn>
+                <a:cxn ang="0">
+                  <a:pos x="connsiteX5" y="connsiteY5"/>
+                </a:cxn>
+              </a:cxnLst>
+              <a:rect l="l" t="t" r="r" b="b"/>
+              <a:pathLst>
+                <a:path w="767080" h="323820">
+                  <a:moveTo>
+                    <a:pt x="0" y="0"/>
+                  </a:moveTo>
+                  <a:lnTo>
+                    <a:pt x="544210" y="0"/>
+                  </a:lnTo>
+                  <a:lnTo>
+                    <a:pt x="767080" y="320025"/>
+                  </a:lnTo>
+                  <a:lnTo>
+                    <a:pt x="767080" y="323820"/>
+                  </a:lnTo>
+                  <a:lnTo>
+                    <a:pt x="0" y="323820"/>
+                  </a:lnTo>
+                  <a:lnTo>
+                    <a:pt x="0" y="0"/>
+                  </a:lnTo>
+                  <a:close/>
+                </a:path>
+              </a:pathLst>
+            </a:custGeom>
+            <a:solidFill>
+              <a:schemeClr val="tx1"/>
+            </a:solidFill>
+            <a:ln>
+              <a:noFill/>
+            </a:ln>
+          </p:spPr>
+          <p:style>
+            <a:lnRef idx="2">
+              <a:schemeClr val="accent1">
+                <a:shade val="50000"/>
+              </a:schemeClr>
+            </a:lnRef>
+            <a:fillRef idx="1">
+              <a:schemeClr val="accent1"/>
+            </a:fillRef>
+            <a:effectRef idx="0">
+              <a:schemeClr val="accent1"/>
+            </a:effectRef>
+            <a:fontRef idx="minor">
+              <a:schemeClr val="lt1"/>
+            </a:fontRef>
+          </p:style>
+          <p:txBody>
+            <a:bodyPr rtlCol="0" anchor="ctr"/>
+            <a:lstStyle/>
+            <a:p>
+              <a:pPr algn="ctr"/>
+              <a:endParaRPr kumimoji="1" lang="ja-JP" altLang="en-US"/>
+            </a:p>
+          </p:txBody>
+        </p:sp>
+        <p:sp>
+          <p:nvSpPr>
+            <p:cNvPr id="7" name="四角形: 1 つの角を切り取る 12">
+              <a:extLst>
+                <a:ext uri="{FF2B5EF4-FFF2-40B4-BE49-F238E27FC236}">
+                  <a16:creationId xmlns:a16="http://schemas.microsoft.com/office/drawing/2014/main" id="{86E5E0DC-ED8D-4AC0-8175-6031F5F675F4}"/>
+                </a:ext>
+              </a:extLst>
+            </p:cNvPr>
+            <p:cNvSpPr/>
+            <p:nvPr/>
+          </p:nvSpPr>
+          <p:spPr>
+            <a:xfrm flipH="1" flipV="1">
+              <a:off x="136949" y="6254858"/>
+              <a:ext cx="1428750" cy="603142"/>
+            </a:xfrm>
+            <a:custGeom>
+              <a:avLst/>
+              <a:gdLst>
+                <a:gd name="connsiteX0" fmla="*/ 0 w 767080"/>
+                <a:gd name="connsiteY0" fmla="*/ 0 h 323820"/>
+                <a:gd name="connsiteX1" fmla="*/ 605170 w 767080"/>
+                <a:gd name="connsiteY1" fmla="*/ 0 h 323820"/>
+                <a:gd name="connsiteX2" fmla="*/ 767080 w 767080"/>
+                <a:gd name="connsiteY2" fmla="*/ 161910 h 323820"/>
+                <a:gd name="connsiteX3" fmla="*/ 767080 w 767080"/>
+                <a:gd name="connsiteY3" fmla="*/ 323820 h 323820"/>
+                <a:gd name="connsiteX4" fmla="*/ 0 w 767080"/>
+                <a:gd name="connsiteY4" fmla="*/ 323820 h 323820"/>
+                <a:gd name="connsiteX5" fmla="*/ 0 w 767080"/>
+                <a:gd name="connsiteY5" fmla="*/ 0 h 323820"/>
+                <a:gd name="connsiteX0" fmla="*/ 0 w 767080"/>
+                <a:gd name="connsiteY0" fmla="*/ 0 h 323820"/>
+                <a:gd name="connsiteX1" fmla="*/ 605170 w 767080"/>
+                <a:gd name="connsiteY1" fmla="*/ 0 h 323820"/>
+                <a:gd name="connsiteX2" fmla="*/ 767080 w 767080"/>
+                <a:gd name="connsiteY2" fmla="*/ 320025 h 323820"/>
+                <a:gd name="connsiteX3" fmla="*/ 767080 w 767080"/>
+                <a:gd name="connsiteY3" fmla="*/ 323820 h 323820"/>
+                <a:gd name="connsiteX4" fmla="*/ 0 w 767080"/>
+                <a:gd name="connsiteY4" fmla="*/ 323820 h 323820"/>
+                <a:gd name="connsiteX5" fmla="*/ 0 w 767080"/>
+                <a:gd name="connsiteY5" fmla="*/ 0 h 323820"/>
+                <a:gd name="connsiteX0" fmla="*/ 0 w 767080"/>
+                <a:gd name="connsiteY0" fmla="*/ 0 h 323820"/>
+                <a:gd name="connsiteX1" fmla="*/ 544210 w 767080"/>
+                <a:gd name="connsiteY1" fmla="*/ 0 h 323820"/>
+                <a:gd name="connsiteX2" fmla="*/ 767080 w 767080"/>
+                <a:gd name="connsiteY2" fmla="*/ 320025 h 323820"/>
+                <a:gd name="connsiteX3" fmla="*/ 767080 w 767080"/>
+                <a:gd name="connsiteY3" fmla="*/ 323820 h 323820"/>
+                <a:gd name="connsiteX4" fmla="*/ 0 w 767080"/>
+                <a:gd name="connsiteY4" fmla="*/ 323820 h 323820"/>
+                <a:gd name="connsiteX5" fmla="*/ 0 w 767080"/>
+                <a:gd name="connsiteY5" fmla="*/ 0 h 323820"/>
+              </a:gdLst>
+              <a:ahLst/>
+              <a:cxnLst>
+                <a:cxn ang="0">
+                  <a:pos x="connsiteX0" y="connsiteY0"/>
+                </a:cxn>
+                <a:cxn ang="0">
+                  <a:pos x="connsiteX1" y="connsiteY1"/>
+                </a:cxn>
+                <a:cxn ang="0">
+                  <a:pos x="connsiteX2" y="connsiteY2"/>
+                </a:cxn>
+                <a:cxn ang="0">
+                  <a:pos x="connsiteX3" y="connsiteY3"/>
+                </a:cxn>
+                <a:cxn ang="0">
+                  <a:pos x="connsiteX4" y="connsiteY4"/>
+                </a:cxn>
+                <a:cxn ang="0">
+                  <a:pos x="connsiteX5" y="connsiteY5"/>
+                </a:cxn>
+              </a:cxnLst>
+              <a:rect l="l" t="t" r="r" b="b"/>
+              <a:pathLst>
+                <a:path w="767080" h="323820">
+                  <a:moveTo>
+                    <a:pt x="0" y="0"/>
+                  </a:moveTo>
+                  <a:lnTo>
+                    <a:pt x="544210" y="0"/>
+                  </a:lnTo>
+                  <a:lnTo>
+                    <a:pt x="767080" y="320025"/>
+                  </a:lnTo>
+                  <a:lnTo>
+                    <a:pt x="767080" y="323820"/>
+                  </a:lnTo>
+                  <a:lnTo>
+                    <a:pt x="0" y="323820"/>
+                  </a:lnTo>
+                  <a:lnTo>
+                    <a:pt x="0" y="0"/>
+                  </a:lnTo>
+                  <a:close/>
+                </a:path>
+              </a:pathLst>
+            </a:custGeom>
+            <a:solidFill>
+              <a:schemeClr val="tx1"/>
+            </a:solidFill>
+            <a:ln>
+              <a:noFill/>
+            </a:ln>
+          </p:spPr>
+          <p:style>
+            <a:lnRef idx="2">
+              <a:schemeClr val="accent1">
+                <a:shade val="50000"/>
+              </a:schemeClr>
+            </a:lnRef>
+            <a:fillRef idx="1">
+              <a:schemeClr val="accent1"/>
+            </a:fillRef>
+            <a:effectRef idx="0">
+              <a:schemeClr val="accent1"/>
+            </a:effectRef>
+            <a:fontRef idx="minor">
+              <a:schemeClr val="lt1"/>
+            </a:fontRef>
+          </p:style>
+          <p:txBody>
+            <a:bodyPr rtlCol="0" anchor="ctr"/>
+            <a:lstStyle/>
+            <a:p>
+              <a:pPr algn="ctr"/>
+              <a:endParaRPr kumimoji="1" lang="ja-JP" altLang="en-US"/>
+            </a:p>
+          </p:txBody>
+        </p:sp>
+      </p:grpSp>
       <p:sp>
         <p:nvSpPr>
           <p:cNvPr id="8" name="正方形/長方形 7">
@@ -4939,8 +4961,8 @@
         </p:nvSpPr>
         <p:spPr>
           <a:xfrm>
-            <a:off x="1565698" y="5651716"/>
-            <a:ext cx="14436302" cy="1206284"/>
+            <a:off x="1454862" y="4580298"/>
+            <a:ext cx="7689137" cy="1206284"/>
           </a:xfrm>
           <a:prstGeom prst="rect">
             <a:avLst/>
@@ -4977,6 +4999,297 @@
           </a:p>
         </p:txBody>
       </p:sp>
+      <p:grpSp>
+        <p:nvGrpSpPr>
+          <p:cNvPr id="10" name="グループ化 9">
+            <a:extLst>
+              <a:ext uri="{FF2B5EF4-FFF2-40B4-BE49-F238E27FC236}">
+                <a16:creationId xmlns:a16="http://schemas.microsoft.com/office/drawing/2014/main" id="{BAC795C5-BEBC-4AC6-8748-69B661226174}"/>
+              </a:ext>
+            </a:extLst>
+          </p:cNvPr>
+          <p:cNvGrpSpPr/>
+          <p:nvPr/>
+        </p:nvGrpSpPr>
+        <p:grpSpPr>
+          <a:xfrm flipH="1">
+            <a:off x="9143999" y="4580298"/>
+            <a:ext cx="1428750" cy="1206284"/>
+            <a:chOff x="136949" y="5651716"/>
+            <a:chExt cx="1428750" cy="1206284"/>
+          </a:xfrm>
+        </p:grpSpPr>
+        <p:sp>
+          <p:nvSpPr>
+            <p:cNvPr id="11" name="四角形: 1 つの角を切り取る 12">
+              <a:extLst>
+                <a:ext uri="{FF2B5EF4-FFF2-40B4-BE49-F238E27FC236}">
+                  <a16:creationId xmlns:a16="http://schemas.microsoft.com/office/drawing/2014/main" id="{2AECBA64-2C98-49B6-95E5-09DCEBD41EE0}"/>
+                </a:ext>
+              </a:extLst>
+            </p:cNvPr>
+            <p:cNvSpPr/>
+            <p:nvPr/>
+          </p:nvSpPr>
+          <p:spPr>
+            <a:xfrm flipH="1">
+              <a:off x="136949" y="5651716"/>
+              <a:ext cx="1428750" cy="603142"/>
+            </a:xfrm>
+            <a:custGeom>
+              <a:avLst/>
+              <a:gdLst>
+                <a:gd name="connsiteX0" fmla="*/ 0 w 767080"/>
+                <a:gd name="connsiteY0" fmla="*/ 0 h 323820"/>
+                <a:gd name="connsiteX1" fmla="*/ 605170 w 767080"/>
+                <a:gd name="connsiteY1" fmla="*/ 0 h 323820"/>
+                <a:gd name="connsiteX2" fmla="*/ 767080 w 767080"/>
+                <a:gd name="connsiteY2" fmla="*/ 161910 h 323820"/>
+                <a:gd name="connsiteX3" fmla="*/ 767080 w 767080"/>
+                <a:gd name="connsiteY3" fmla="*/ 323820 h 323820"/>
+                <a:gd name="connsiteX4" fmla="*/ 0 w 767080"/>
+                <a:gd name="connsiteY4" fmla="*/ 323820 h 323820"/>
+                <a:gd name="connsiteX5" fmla="*/ 0 w 767080"/>
+                <a:gd name="connsiteY5" fmla="*/ 0 h 323820"/>
+                <a:gd name="connsiteX0" fmla="*/ 0 w 767080"/>
+                <a:gd name="connsiteY0" fmla="*/ 0 h 323820"/>
+                <a:gd name="connsiteX1" fmla="*/ 605170 w 767080"/>
+                <a:gd name="connsiteY1" fmla="*/ 0 h 323820"/>
+                <a:gd name="connsiteX2" fmla="*/ 767080 w 767080"/>
+                <a:gd name="connsiteY2" fmla="*/ 320025 h 323820"/>
+                <a:gd name="connsiteX3" fmla="*/ 767080 w 767080"/>
+                <a:gd name="connsiteY3" fmla="*/ 323820 h 323820"/>
+                <a:gd name="connsiteX4" fmla="*/ 0 w 767080"/>
+                <a:gd name="connsiteY4" fmla="*/ 323820 h 323820"/>
+                <a:gd name="connsiteX5" fmla="*/ 0 w 767080"/>
+                <a:gd name="connsiteY5" fmla="*/ 0 h 323820"/>
+                <a:gd name="connsiteX0" fmla="*/ 0 w 767080"/>
+                <a:gd name="connsiteY0" fmla="*/ 0 h 323820"/>
+                <a:gd name="connsiteX1" fmla="*/ 544210 w 767080"/>
+                <a:gd name="connsiteY1" fmla="*/ 0 h 323820"/>
+                <a:gd name="connsiteX2" fmla="*/ 767080 w 767080"/>
+                <a:gd name="connsiteY2" fmla="*/ 320025 h 323820"/>
+                <a:gd name="connsiteX3" fmla="*/ 767080 w 767080"/>
+                <a:gd name="connsiteY3" fmla="*/ 323820 h 323820"/>
+                <a:gd name="connsiteX4" fmla="*/ 0 w 767080"/>
+                <a:gd name="connsiteY4" fmla="*/ 323820 h 323820"/>
+                <a:gd name="connsiteX5" fmla="*/ 0 w 767080"/>
+                <a:gd name="connsiteY5" fmla="*/ 0 h 323820"/>
+              </a:gdLst>
+              <a:ahLst/>
+              <a:cxnLst>
+                <a:cxn ang="0">
+                  <a:pos x="connsiteX0" y="connsiteY0"/>
+                </a:cxn>
+                <a:cxn ang="0">
+                  <a:pos x="connsiteX1" y="connsiteY1"/>
+                </a:cxn>
+                <a:cxn ang="0">
+                  <a:pos x="connsiteX2" y="connsiteY2"/>
+                </a:cxn>
+                <a:cxn ang="0">
+                  <a:pos x="connsiteX3" y="connsiteY3"/>
+                </a:cxn>
+                <a:cxn ang="0">
+                  <a:pos x="connsiteX4" y="connsiteY4"/>
+                </a:cxn>
+                <a:cxn ang="0">
+                  <a:pos x="connsiteX5" y="connsiteY5"/>
+                </a:cxn>
+              </a:cxnLst>
+              <a:rect l="l" t="t" r="r" b="b"/>
+              <a:pathLst>
+                <a:path w="767080" h="323820">
+                  <a:moveTo>
+                    <a:pt x="0" y="0"/>
+                  </a:moveTo>
+                  <a:lnTo>
+                    <a:pt x="544210" y="0"/>
+                  </a:lnTo>
+                  <a:lnTo>
+                    <a:pt x="767080" y="320025"/>
+                  </a:lnTo>
+                  <a:lnTo>
+                    <a:pt x="767080" y="323820"/>
+                  </a:lnTo>
+                  <a:lnTo>
+                    <a:pt x="0" y="323820"/>
+                  </a:lnTo>
+                  <a:lnTo>
+                    <a:pt x="0" y="0"/>
+                  </a:lnTo>
+                  <a:close/>
+                </a:path>
+              </a:pathLst>
+            </a:custGeom>
+            <a:solidFill>
+              <a:schemeClr val="tx1"/>
+            </a:solidFill>
+            <a:ln>
+              <a:noFill/>
+            </a:ln>
+          </p:spPr>
+          <p:style>
+            <a:lnRef idx="2">
+              <a:schemeClr val="accent1">
+                <a:shade val="50000"/>
+              </a:schemeClr>
+            </a:lnRef>
+            <a:fillRef idx="1">
+              <a:schemeClr val="accent1"/>
+            </a:fillRef>
+            <a:effectRef idx="0">
+              <a:schemeClr val="accent1"/>
+            </a:effectRef>
+            <a:fontRef idx="minor">
+              <a:schemeClr val="lt1"/>
+            </a:fontRef>
+          </p:style>
+          <p:txBody>
+            <a:bodyPr rtlCol="0" anchor="ctr"/>
+            <a:lstStyle/>
+            <a:p>
+              <a:pPr algn="ctr"/>
+              <a:endParaRPr kumimoji="1" lang="ja-JP" altLang="en-US"/>
+            </a:p>
+          </p:txBody>
+        </p:sp>
+        <p:sp>
+          <p:nvSpPr>
+            <p:cNvPr id="12" name="四角形: 1 つの角を切り取る 12">
+              <a:extLst>
+                <a:ext uri="{FF2B5EF4-FFF2-40B4-BE49-F238E27FC236}">
+                  <a16:creationId xmlns:a16="http://schemas.microsoft.com/office/drawing/2014/main" id="{832717B6-09D4-4C5B-9063-3B1EF161355B}"/>
+                </a:ext>
+              </a:extLst>
+            </p:cNvPr>
+            <p:cNvSpPr/>
+            <p:nvPr/>
+          </p:nvSpPr>
+          <p:spPr>
+            <a:xfrm flipH="1" flipV="1">
+              <a:off x="136949" y="6254858"/>
+              <a:ext cx="1428750" cy="603142"/>
+            </a:xfrm>
+            <a:custGeom>
+              <a:avLst/>
+              <a:gdLst>
+                <a:gd name="connsiteX0" fmla="*/ 0 w 767080"/>
+                <a:gd name="connsiteY0" fmla="*/ 0 h 323820"/>
+                <a:gd name="connsiteX1" fmla="*/ 605170 w 767080"/>
+                <a:gd name="connsiteY1" fmla="*/ 0 h 323820"/>
+                <a:gd name="connsiteX2" fmla="*/ 767080 w 767080"/>
+                <a:gd name="connsiteY2" fmla="*/ 161910 h 323820"/>
+                <a:gd name="connsiteX3" fmla="*/ 767080 w 767080"/>
+                <a:gd name="connsiteY3" fmla="*/ 323820 h 323820"/>
+                <a:gd name="connsiteX4" fmla="*/ 0 w 767080"/>
+                <a:gd name="connsiteY4" fmla="*/ 323820 h 323820"/>
+                <a:gd name="connsiteX5" fmla="*/ 0 w 767080"/>
+                <a:gd name="connsiteY5" fmla="*/ 0 h 323820"/>
+                <a:gd name="connsiteX0" fmla="*/ 0 w 767080"/>
+                <a:gd name="connsiteY0" fmla="*/ 0 h 323820"/>
+                <a:gd name="connsiteX1" fmla="*/ 605170 w 767080"/>
+                <a:gd name="connsiteY1" fmla="*/ 0 h 323820"/>
+                <a:gd name="connsiteX2" fmla="*/ 767080 w 767080"/>
+                <a:gd name="connsiteY2" fmla="*/ 320025 h 323820"/>
+                <a:gd name="connsiteX3" fmla="*/ 767080 w 767080"/>
+                <a:gd name="connsiteY3" fmla="*/ 323820 h 323820"/>
+                <a:gd name="connsiteX4" fmla="*/ 0 w 767080"/>
+                <a:gd name="connsiteY4" fmla="*/ 323820 h 323820"/>
+                <a:gd name="connsiteX5" fmla="*/ 0 w 767080"/>
+                <a:gd name="connsiteY5" fmla="*/ 0 h 323820"/>
+                <a:gd name="connsiteX0" fmla="*/ 0 w 767080"/>
+                <a:gd name="connsiteY0" fmla="*/ 0 h 323820"/>
+                <a:gd name="connsiteX1" fmla="*/ 544210 w 767080"/>
+                <a:gd name="connsiteY1" fmla="*/ 0 h 323820"/>
+                <a:gd name="connsiteX2" fmla="*/ 767080 w 767080"/>
+                <a:gd name="connsiteY2" fmla="*/ 320025 h 323820"/>
+                <a:gd name="connsiteX3" fmla="*/ 767080 w 767080"/>
+                <a:gd name="connsiteY3" fmla="*/ 323820 h 323820"/>
+                <a:gd name="connsiteX4" fmla="*/ 0 w 767080"/>
+                <a:gd name="connsiteY4" fmla="*/ 323820 h 323820"/>
+                <a:gd name="connsiteX5" fmla="*/ 0 w 767080"/>
+                <a:gd name="connsiteY5" fmla="*/ 0 h 323820"/>
+              </a:gdLst>
+              <a:ahLst/>
+              <a:cxnLst>
+                <a:cxn ang="0">
+                  <a:pos x="connsiteX0" y="connsiteY0"/>
+                </a:cxn>
+                <a:cxn ang="0">
+                  <a:pos x="connsiteX1" y="connsiteY1"/>
+                </a:cxn>
+                <a:cxn ang="0">
+                  <a:pos x="connsiteX2" y="connsiteY2"/>
+                </a:cxn>
+                <a:cxn ang="0">
+                  <a:pos x="connsiteX3" y="connsiteY3"/>
+                </a:cxn>
+                <a:cxn ang="0">
+                  <a:pos x="connsiteX4" y="connsiteY4"/>
+                </a:cxn>
+                <a:cxn ang="0">
+                  <a:pos x="connsiteX5" y="connsiteY5"/>
+                </a:cxn>
+              </a:cxnLst>
+              <a:rect l="l" t="t" r="r" b="b"/>
+              <a:pathLst>
+                <a:path w="767080" h="323820">
+                  <a:moveTo>
+                    <a:pt x="0" y="0"/>
+                  </a:moveTo>
+                  <a:lnTo>
+                    <a:pt x="544210" y="0"/>
+                  </a:lnTo>
+                  <a:lnTo>
+                    <a:pt x="767080" y="320025"/>
+                  </a:lnTo>
+                  <a:lnTo>
+                    <a:pt x="767080" y="323820"/>
+                  </a:lnTo>
+                  <a:lnTo>
+                    <a:pt x="0" y="323820"/>
+                  </a:lnTo>
+                  <a:lnTo>
+                    <a:pt x="0" y="0"/>
+                  </a:lnTo>
+                  <a:close/>
+                </a:path>
+              </a:pathLst>
+            </a:custGeom>
+            <a:solidFill>
+              <a:schemeClr val="tx1"/>
+            </a:solidFill>
+            <a:ln>
+              <a:noFill/>
+            </a:ln>
+          </p:spPr>
+          <p:style>
+            <a:lnRef idx="2">
+              <a:schemeClr val="accent1">
+                <a:shade val="50000"/>
+              </a:schemeClr>
+            </a:lnRef>
+            <a:fillRef idx="1">
+              <a:schemeClr val="accent1"/>
+            </a:fillRef>
+            <a:effectRef idx="0">
+              <a:schemeClr val="accent1"/>
+            </a:effectRef>
+            <a:fontRef idx="minor">
+              <a:schemeClr val="lt1"/>
+            </a:fontRef>
+          </p:style>
+          <p:txBody>
+            <a:bodyPr rtlCol="0" anchor="ctr"/>
+            <a:lstStyle/>
+            <a:p>
+              <a:pPr algn="ctr"/>
+              <a:endParaRPr kumimoji="1" lang="ja-JP" altLang="en-US"/>
+            </a:p>
+          </p:txBody>
+        </p:sp>
+      </p:grpSp>
     </p:spTree>
     <p:extLst>
       <p:ext uri="{BB962C8B-B14F-4D97-AF65-F5344CB8AC3E}">
@@ -21934,6 +22247,90 @@
 </p:sld>
 </file>
 
+<file path=ppt/slides/slide39.xml><?xml version="1.0" encoding="utf-8"?>
+<p:sld xmlns:a="http://schemas.openxmlformats.org/drawingml/2006/main" xmlns:r="http://schemas.openxmlformats.org/officeDocument/2006/relationships" xmlns:p="http://schemas.openxmlformats.org/presentationml/2006/main">
+  <p:cSld>
+    <p:spTree>
+      <p:nvGrpSpPr>
+        <p:cNvPr id="1" name=""/>
+        <p:cNvGrpSpPr/>
+        <p:nvPr/>
+      </p:nvGrpSpPr>
+      <p:grpSpPr>
+        <a:xfrm>
+          <a:off x="0" y="0"/>
+          <a:ext cx="0" cy="0"/>
+          <a:chOff x="0" y="0"/>
+          <a:chExt cx="0" cy="0"/>
+        </a:xfrm>
+      </p:grpSpPr>
+      <p:sp>
+        <p:nvSpPr>
+          <p:cNvPr id="13" name="正方形/長方形 12">
+            <a:extLst>
+              <a:ext uri="{FF2B5EF4-FFF2-40B4-BE49-F238E27FC236}">
+                <a16:creationId xmlns:a16="http://schemas.microsoft.com/office/drawing/2014/main" id="{4BFCD2B7-DB0C-4748-BB24-B58A851FD838}"/>
+              </a:ext>
+            </a:extLst>
+          </p:cNvPr>
+          <p:cNvSpPr/>
+          <p:nvPr/>
+        </p:nvSpPr>
+        <p:spPr>
+          <a:xfrm>
+            <a:off x="2658319" y="0"/>
+            <a:ext cx="6875362" cy="6875362"/>
+          </a:xfrm>
+          <a:prstGeom prst="rect">
+            <a:avLst/>
+          </a:prstGeom>
+          <a:solidFill>
+            <a:schemeClr val="tx1">
+              <a:lumMod val="85000"/>
+            </a:schemeClr>
+          </a:solidFill>
+          <a:ln>
+            <a:noFill/>
+          </a:ln>
+        </p:spPr>
+        <p:style>
+          <a:lnRef idx="2">
+            <a:schemeClr val="accent1">
+              <a:shade val="50000"/>
+            </a:schemeClr>
+          </a:lnRef>
+          <a:fillRef idx="1">
+            <a:schemeClr val="accent1"/>
+          </a:fillRef>
+          <a:effectRef idx="0">
+            <a:schemeClr val="accent1"/>
+          </a:effectRef>
+          <a:fontRef idx="minor">
+            <a:schemeClr val="lt1"/>
+          </a:fontRef>
+        </p:style>
+        <p:txBody>
+          <a:bodyPr rtlCol="0" anchor="ctr"/>
+          <a:lstStyle/>
+          <a:p>
+            <a:pPr algn="ctr"/>
+            <a:endParaRPr kumimoji="1" lang="ja-JP" altLang="en-US"/>
+          </a:p>
+        </p:txBody>
+      </p:sp>
+    </p:spTree>
+    <p:extLst>
+      <p:ext uri="{BB962C8B-B14F-4D97-AF65-F5344CB8AC3E}">
+        <p14:creationId xmlns:p14="http://schemas.microsoft.com/office/powerpoint/2010/main" val="201829534"/>
+      </p:ext>
+    </p:extLst>
+  </p:cSld>
+  <p:clrMapOvr>
+    <a:masterClrMapping/>
+  </p:clrMapOvr>
+</p:sld>
+</file>
+
 <file path=ppt/slides/slide4.xml><?xml version="1.0" encoding="utf-8"?>
 <p:sld xmlns:a="http://schemas.openxmlformats.org/drawingml/2006/main" xmlns:r="http://schemas.openxmlformats.org/officeDocument/2006/relationships" xmlns:p="http://schemas.openxmlformats.org/presentationml/2006/main">
   <p:cSld>
@@ -23411,6 +23808,238 @@
           <a:chExt cx="0" cy="0"/>
         </a:xfrm>
       </p:grpSpPr>
+      <p:grpSp>
+        <p:nvGrpSpPr>
+          <p:cNvPr id="5" name="グループ化 4">
+            <a:extLst>
+              <a:ext uri="{FF2B5EF4-FFF2-40B4-BE49-F238E27FC236}">
+                <a16:creationId xmlns:a16="http://schemas.microsoft.com/office/drawing/2014/main" id="{C94F1EA1-CA38-4ACD-95A8-9D06AB20882A}"/>
+              </a:ext>
+            </a:extLst>
+          </p:cNvPr>
+          <p:cNvGrpSpPr/>
+          <p:nvPr/>
+        </p:nvGrpSpPr>
+        <p:grpSpPr>
+          <a:xfrm flipV="1">
+            <a:off x="815340" y="792480"/>
+            <a:ext cx="7057877" cy="1057276"/>
+            <a:chOff x="0" y="1401840"/>
+            <a:chExt cx="7057877" cy="1057276"/>
+          </a:xfrm>
+        </p:grpSpPr>
+        <p:sp>
+          <p:nvSpPr>
+            <p:cNvPr id="2" name="直角三角形 1">
+              <a:extLst>
+                <a:ext uri="{FF2B5EF4-FFF2-40B4-BE49-F238E27FC236}">
+                  <a16:creationId xmlns:a16="http://schemas.microsoft.com/office/drawing/2014/main" id="{F9B37E5F-884C-4CF7-9699-61F2B1648287}"/>
+                </a:ext>
+              </a:extLst>
+            </p:cNvPr>
+            <p:cNvSpPr/>
+            <p:nvPr/>
+          </p:nvSpPr>
+          <p:spPr>
+            <a:xfrm>
+              <a:off x="6054700" y="1401840"/>
+              <a:ext cx="1003177" cy="1057275"/>
+            </a:xfrm>
+            <a:prstGeom prst="rtTriangle">
+              <a:avLst/>
+            </a:prstGeom>
+            <a:solidFill>
+              <a:schemeClr val="tx1"/>
+            </a:solidFill>
+            <a:ln>
+              <a:noFill/>
+            </a:ln>
+          </p:spPr>
+          <p:style>
+            <a:lnRef idx="2">
+              <a:schemeClr val="accent1">
+                <a:shade val="50000"/>
+              </a:schemeClr>
+            </a:lnRef>
+            <a:fillRef idx="1">
+              <a:schemeClr val="accent1"/>
+            </a:fillRef>
+            <a:effectRef idx="0">
+              <a:schemeClr val="accent1"/>
+            </a:effectRef>
+            <a:fontRef idx="minor">
+              <a:schemeClr val="lt1"/>
+            </a:fontRef>
+          </p:style>
+          <p:txBody>
+            <a:bodyPr rtlCol="0" anchor="ctr"/>
+            <a:lstStyle/>
+            <a:p>
+              <a:pPr algn="ctr"/>
+              <a:endParaRPr kumimoji="1" lang="ja-JP" altLang="en-US"/>
+            </a:p>
+          </p:txBody>
+        </p:sp>
+        <p:sp>
+          <p:nvSpPr>
+            <p:cNvPr id="4" name="正方形/長方形 3">
+              <a:extLst>
+                <a:ext uri="{FF2B5EF4-FFF2-40B4-BE49-F238E27FC236}">
+                  <a16:creationId xmlns:a16="http://schemas.microsoft.com/office/drawing/2014/main" id="{435A3C39-1F50-436E-9D8B-4DABE1DD6E9F}"/>
+                </a:ext>
+              </a:extLst>
+            </p:cNvPr>
+            <p:cNvSpPr/>
+            <p:nvPr/>
+          </p:nvSpPr>
+          <p:spPr>
+            <a:xfrm>
+              <a:off x="0" y="1401841"/>
+              <a:ext cx="6054700" cy="1057275"/>
+            </a:xfrm>
+            <a:prstGeom prst="rect">
+              <a:avLst/>
+            </a:prstGeom>
+            <a:solidFill>
+              <a:schemeClr val="tx1"/>
+            </a:solidFill>
+            <a:ln>
+              <a:noFill/>
+            </a:ln>
+          </p:spPr>
+          <p:style>
+            <a:lnRef idx="2">
+              <a:schemeClr val="accent1">
+                <a:shade val="50000"/>
+              </a:schemeClr>
+            </a:lnRef>
+            <a:fillRef idx="1">
+              <a:schemeClr val="accent1"/>
+            </a:fillRef>
+            <a:effectRef idx="0">
+              <a:schemeClr val="accent1"/>
+            </a:effectRef>
+            <a:fontRef idx="minor">
+              <a:schemeClr val="lt1"/>
+            </a:fontRef>
+          </p:style>
+          <p:txBody>
+            <a:bodyPr rtlCol="0" anchor="ctr"/>
+            <a:lstStyle/>
+            <a:p>
+              <a:pPr algn="ctr"/>
+              <a:endParaRPr kumimoji="1" lang="ja-JP" altLang="en-US" dirty="0"/>
+            </a:p>
+          </p:txBody>
+        </p:sp>
+      </p:grpSp>
+      <p:sp>
+        <p:nvSpPr>
+          <p:cNvPr id="7" name="四角形: 対角を切り取る 6">
+            <a:extLst>
+              <a:ext uri="{FF2B5EF4-FFF2-40B4-BE49-F238E27FC236}">
+                <a16:creationId xmlns:a16="http://schemas.microsoft.com/office/drawing/2014/main" id="{6900FDB2-DC2D-44A8-B099-6FC81167FCF7}"/>
+              </a:ext>
+            </a:extLst>
+          </p:cNvPr>
+          <p:cNvSpPr>
+            <a:spLocks noChangeAspect="1"/>
+          </p:cNvSpPr>
+          <p:nvPr/>
+        </p:nvSpPr>
+        <p:spPr>
+          <a:xfrm>
+            <a:off x="3842690" y="1140399"/>
+            <a:ext cx="6372000" cy="771525"/>
+          </a:xfrm>
+          <a:prstGeom prst="snip2DiagRect">
+            <a:avLst>
+              <a:gd name="adj1" fmla="val 50000"/>
+              <a:gd name="adj2" fmla="val 50000"/>
+            </a:avLst>
+          </a:prstGeom>
+          <a:noFill/>
+          <a:ln w="50800">
+            <a:solidFill>
+              <a:schemeClr val="tx1"/>
+            </a:solidFill>
+          </a:ln>
+        </p:spPr>
+        <p:style>
+          <a:lnRef idx="2">
+            <a:schemeClr val="accent1">
+              <a:shade val="50000"/>
+            </a:schemeClr>
+          </a:lnRef>
+          <a:fillRef idx="1">
+            <a:schemeClr val="accent1"/>
+          </a:fillRef>
+          <a:effectRef idx="0">
+            <a:schemeClr val="accent1"/>
+          </a:effectRef>
+          <a:fontRef idx="minor">
+            <a:schemeClr val="lt1"/>
+          </a:fontRef>
+        </p:style>
+        <p:txBody>
+          <a:bodyPr rtlCol="0" anchor="ctr"/>
+          <a:lstStyle/>
+          <a:p>
+            <a:pPr algn="ctr"/>
+            <a:endParaRPr kumimoji="1" lang="ja-JP" altLang="en-US"/>
+          </a:p>
+        </p:txBody>
+      </p:sp>
+      <p:sp>
+        <p:nvSpPr>
+          <p:cNvPr id="8" name="正方形/長方形 7">
+            <a:extLst>
+              <a:ext uri="{FF2B5EF4-FFF2-40B4-BE49-F238E27FC236}">
+                <a16:creationId xmlns:a16="http://schemas.microsoft.com/office/drawing/2014/main" id="{11391709-542C-442C-9173-ECF2BE040CB9}"/>
+              </a:ext>
+            </a:extLst>
+          </p:cNvPr>
+          <p:cNvSpPr/>
+          <p:nvPr/>
+        </p:nvSpPr>
+        <p:spPr>
+          <a:xfrm>
+            <a:off x="1798385" y="1294699"/>
+            <a:ext cx="7505700" cy="1207846"/>
+          </a:xfrm>
+          <a:prstGeom prst="rect">
+            <a:avLst/>
+          </a:prstGeom>
+          <a:noFill/>
+          <a:ln>
+            <a:noFill/>
+          </a:ln>
+        </p:spPr>
+        <p:style>
+          <a:lnRef idx="2">
+            <a:schemeClr val="accent1">
+              <a:shade val="50000"/>
+            </a:schemeClr>
+          </a:lnRef>
+          <a:fillRef idx="1">
+            <a:schemeClr val="accent1"/>
+          </a:fillRef>
+          <a:effectRef idx="0">
+            <a:schemeClr val="accent1"/>
+          </a:effectRef>
+          <a:fontRef idx="minor">
+            <a:schemeClr val="lt1"/>
+          </a:fontRef>
+        </p:style>
+        <p:txBody>
+          <a:bodyPr rtlCol="0" anchor="ctr"/>
+          <a:lstStyle/>
+          <a:p>
+            <a:pPr algn="ctr"/>
+            <a:endParaRPr kumimoji="1" lang="ja-JP" altLang="en-US"/>
+          </a:p>
+        </p:txBody>
+      </p:sp>
       <p:sp>
         <p:nvSpPr>
           <p:cNvPr id="3" name="四角形: 対角を切り取る 2">
@@ -23427,7 +24056,7 @@
         </p:nvSpPr>
         <p:spPr>
           <a:xfrm>
-            <a:off x="2666999" y="4857750"/>
+            <a:off x="815340" y="2102515"/>
             <a:ext cx="6372000" cy="771525"/>
           </a:xfrm>
           <a:prstGeom prst="snip2DiagRect">
@@ -23439,6 +24068,189 @@
           <a:solidFill>
             <a:schemeClr val="tx1"/>
           </a:solidFill>
+          <a:ln>
+            <a:noFill/>
+          </a:ln>
+        </p:spPr>
+        <p:style>
+          <a:lnRef idx="2">
+            <a:schemeClr val="accent1">
+              <a:shade val="50000"/>
+            </a:schemeClr>
+          </a:lnRef>
+          <a:fillRef idx="1">
+            <a:schemeClr val="accent1"/>
+          </a:fillRef>
+          <a:effectRef idx="0">
+            <a:schemeClr val="accent1"/>
+          </a:effectRef>
+          <a:fontRef idx="minor">
+            <a:schemeClr val="lt1"/>
+          </a:fontRef>
+        </p:style>
+        <p:txBody>
+          <a:bodyPr rtlCol="0" anchor="ctr"/>
+          <a:lstStyle/>
+          <a:p>
+            <a:pPr algn="ctr"/>
+            <a:endParaRPr kumimoji="1" lang="ja-JP" altLang="en-US"/>
+          </a:p>
+        </p:txBody>
+      </p:sp>
+      <p:sp>
+        <p:nvSpPr>
+          <p:cNvPr id="9" name="四角形: 対角を切り取る 8">
+            <a:extLst>
+              <a:ext uri="{FF2B5EF4-FFF2-40B4-BE49-F238E27FC236}">
+                <a16:creationId xmlns:a16="http://schemas.microsoft.com/office/drawing/2014/main" id="{C2C09D5D-BB7E-4CD1-8816-D1F860D57076}"/>
+              </a:ext>
+            </a:extLst>
+          </p:cNvPr>
+          <p:cNvSpPr/>
+          <p:nvPr/>
+        </p:nvSpPr>
+        <p:spPr>
+          <a:xfrm>
+            <a:off x="2286947" y="3721816"/>
+            <a:ext cx="2343704" cy="2343704"/>
+          </a:xfrm>
+          <a:prstGeom prst="snip2DiagRect">
+            <a:avLst>
+              <a:gd name="adj1" fmla="val 50000"/>
+              <a:gd name="adj2" fmla="val 50000"/>
+            </a:avLst>
+          </a:prstGeom>
+          <a:noFill/>
+          <a:ln w="50800">
+            <a:solidFill>
+              <a:schemeClr val="tx1"/>
+            </a:solidFill>
+          </a:ln>
+        </p:spPr>
+        <p:style>
+          <a:lnRef idx="2">
+            <a:schemeClr val="accent1">
+              <a:shade val="50000"/>
+            </a:schemeClr>
+          </a:lnRef>
+          <a:fillRef idx="1">
+            <a:schemeClr val="accent1"/>
+          </a:fillRef>
+          <a:effectRef idx="0">
+            <a:schemeClr val="accent1"/>
+          </a:effectRef>
+          <a:fontRef idx="minor">
+            <a:schemeClr val="lt1"/>
+          </a:fontRef>
+        </p:style>
+        <p:txBody>
+          <a:bodyPr rtlCol="0" anchor="ctr"/>
+          <a:lstStyle/>
+          <a:p>
+            <a:pPr algn="ctr"/>
+            <a:endParaRPr kumimoji="1" lang="ja-JP" altLang="en-US"/>
+          </a:p>
+        </p:txBody>
+      </p:sp>
+      <p:sp>
+        <p:nvSpPr>
+          <p:cNvPr id="11" name="正方形/長方形 10">
+            <a:extLst>
+              <a:ext uri="{FF2B5EF4-FFF2-40B4-BE49-F238E27FC236}">
+                <a16:creationId xmlns:a16="http://schemas.microsoft.com/office/drawing/2014/main" id="{45E62C1B-D8C5-46C9-9ABC-461CDA2A7F25}"/>
+              </a:ext>
+            </a:extLst>
+          </p:cNvPr>
+          <p:cNvSpPr/>
+          <p:nvPr/>
+        </p:nvSpPr>
+        <p:spPr>
+          <a:xfrm>
+            <a:off x="2091961" y="3526830"/>
+            <a:ext cx="2733675" cy="2733675"/>
+          </a:xfrm>
+          <a:prstGeom prst="rect">
+            <a:avLst/>
+          </a:prstGeom>
+          <a:noFill/>
+          <a:ln>
+            <a:noFill/>
+          </a:ln>
+        </p:spPr>
+        <p:style>
+          <a:lnRef idx="2">
+            <a:schemeClr val="accent1">
+              <a:shade val="50000"/>
+            </a:schemeClr>
+          </a:lnRef>
+          <a:fillRef idx="1">
+            <a:schemeClr val="accent1"/>
+          </a:fillRef>
+          <a:effectRef idx="0">
+            <a:schemeClr val="accent1"/>
+          </a:effectRef>
+          <a:fontRef idx="minor">
+            <a:schemeClr val="lt1"/>
+          </a:fontRef>
+        </p:style>
+        <p:txBody>
+          <a:bodyPr rtlCol="0" anchor="ctr"/>
+          <a:lstStyle/>
+          <a:p>
+            <a:pPr algn="ctr"/>
+            <a:endParaRPr kumimoji="1" lang="ja-JP" altLang="en-US"/>
+          </a:p>
+        </p:txBody>
+      </p:sp>
+      <p:sp>
+        <p:nvSpPr>
+          <p:cNvPr id="6" name="四角形: 対角を切り取る 5">
+            <a:extLst>
+              <a:ext uri="{FF2B5EF4-FFF2-40B4-BE49-F238E27FC236}">
+                <a16:creationId xmlns:a16="http://schemas.microsoft.com/office/drawing/2014/main" id="{C3EE222B-D180-487D-A4B8-7474FAFD98B3}"/>
+              </a:ext>
+            </a:extLst>
+          </p:cNvPr>
+          <p:cNvSpPr/>
+          <p:nvPr/>
+        </p:nvSpPr>
+        <p:spPr>
+          <a:xfrm>
+            <a:off x="8363898" y="3895115"/>
+            <a:ext cx="2343704" cy="2343704"/>
+          </a:xfrm>
+          <a:prstGeom prst="snip2DiagRect">
+            <a:avLst>
+              <a:gd name="adj1" fmla="val 50000"/>
+              <a:gd name="adj2" fmla="val 50000"/>
+            </a:avLst>
+          </a:prstGeom>
+          <a:gradFill>
+            <a:gsLst>
+              <a:gs pos="0">
+                <a:schemeClr val="accent1">
+                  <a:lumMod val="5000"/>
+                  <a:lumOff val="95000"/>
+                </a:schemeClr>
+              </a:gs>
+              <a:gs pos="40000">
+                <a:schemeClr val="tx1">
+                  <a:lumMod val="95000"/>
+                </a:schemeClr>
+              </a:gs>
+              <a:gs pos="62000">
+                <a:schemeClr val="tx1">
+                  <a:lumMod val="95000"/>
+                </a:schemeClr>
+              </a:gs>
+              <a:gs pos="95000">
+                <a:schemeClr val="tx1">
+                  <a:lumMod val="85000"/>
+                </a:schemeClr>
+              </a:gs>
+            </a:gsLst>
+            <a:lin ang="5400000" scaled="1"/>
+          </a:gradFill>
           <a:ln>
             <a:noFill/>
           </a:ln>

--- a/resource.pptx
+++ b/resource.pptx
@@ -10,40 +10,42 @@
     <p:sldId id="258" r:id="rId4"/>
     <p:sldId id="266" r:id="rId5"/>
     <p:sldId id="260" r:id="rId6"/>
-    <p:sldId id="293" r:id="rId7"/>
-    <p:sldId id="291" r:id="rId8"/>
-    <p:sldId id="282" r:id="rId9"/>
-    <p:sldId id="283" r:id="rId10"/>
-    <p:sldId id="285" r:id="rId11"/>
-    <p:sldId id="290" r:id="rId12"/>
-    <p:sldId id="287" r:id="rId13"/>
-    <p:sldId id="289" r:id="rId14"/>
-    <p:sldId id="288" r:id="rId15"/>
-    <p:sldId id="286" r:id="rId16"/>
-    <p:sldId id="292" r:id="rId17"/>
-    <p:sldId id="284" r:id="rId18"/>
-    <p:sldId id="281" r:id="rId19"/>
-    <p:sldId id="280" r:id="rId20"/>
-    <p:sldId id="279" r:id="rId21"/>
-    <p:sldId id="278" r:id="rId22"/>
-    <p:sldId id="277" r:id="rId23"/>
-    <p:sldId id="275" r:id="rId24"/>
-    <p:sldId id="276" r:id="rId25"/>
-    <p:sldId id="274" r:id="rId26"/>
-    <p:sldId id="273" r:id="rId27"/>
-    <p:sldId id="272" r:id="rId28"/>
-    <p:sldId id="271" r:id="rId29"/>
-    <p:sldId id="270" r:id="rId30"/>
-    <p:sldId id="265" r:id="rId31"/>
-    <p:sldId id="267" r:id="rId32"/>
-    <p:sldId id="269" r:id="rId33"/>
-    <p:sldId id="268" r:id="rId34"/>
-    <p:sldId id="263" r:id="rId35"/>
-    <p:sldId id="264" r:id="rId36"/>
-    <p:sldId id="262" r:id="rId37"/>
-    <p:sldId id="261" r:id="rId38"/>
-    <p:sldId id="259" r:id="rId39"/>
-    <p:sldId id="294" r:id="rId40"/>
+    <p:sldId id="295" r:id="rId7"/>
+    <p:sldId id="293" r:id="rId8"/>
+    <p:sldId id="291" r:id="rId9"/>
+    <p:sldId id="282" r:id="rId10"/>
+    <p:sldId id="283" r:id="rId11"/>
+    <p:sldId id="285" r:id="rId12"/>
+    <p:sldId id="290" r:id="rId13"/>
+    <p:sldId id="287" r:id="rId14"/>
+    <p:sldId id="289" r:id="rId15"/>
+    <p:sldId id="288" r:id="rId16"/>
+    <p:sldId id="286" r:id="rId17"/>
+    <p:sldId id="292" r:id="rId18"/>
+    <p:sldId id="284" r:id="rId19"/>
+    <p:sldId id="281" r:id="rId20"/>
+    <p:sldId id="280" r:id="rId21"/>
+    <p:sldId id="279" r:id="rId22"/>
+    <p:sldId id="278" r:id="rId23"/>
+    <p:sldId id="277" r:id="rId24"/>
+    <p:sldId id="275" r:id="rId25"/>
+    <p:sldId id="276" r:id="rId26"/>
+    <p:sldId id="274" r:id="rId27"/>
+    <p:sldId id="273" r:id="rId28"/>
+    <p:sldId id="272" r:id="rId29"/>
+    <p:sldId id="271" r:id="rId30"/>
+    <p:sldId id="270" r:id="rId31"/>
+    <p:sldId id="265" r:id="rId32"/>
+    <p:sldId id="267" r:id="rId33"/>
+    <p:sldId id="269" r:id="rId34"/>
+    <p:sldId id="296" r:id="rId35"/>
+    <p:sldId id="268" r:id="rId36"/>
+    <p:sldId id="263" r:id="rId37"/>
+    <p:sldId id="264" r:id="rId38"/>
+    <p:sldId id="262" r:id="rId39"/>
+    <p:sldId id="261" r:id="rId40"/>
+    <p:sldId id="259" r:id="rId41"/>
+    <p:sldId id="294" r:id="rId42"/>
   </p:sldIdLst>
   <p:sldSz cx="12192000" cy="6858000"/>
   <p:notesSz cx="6858000" cy="9144000"/>
@@ -307,7 +309,7 @@
           <a:p>
             <a:fld id="{F393CF75-DA3A-4376-8130-7D6E005E77C9}" type="datetimeFigureOut">
               <a:rPr kumimoji="1" lang="ja-JP" altLang="en-US" smtClean="0"/>
-              <a:t>2019/12/4</a:t>
+              <a:t>2019/12/9</a:t>
             </a:fld>
             <a:endParaRPr kumimoji="1" lang="ja-JP" altLang="en-US"/>
           </a:p>
@@ -509,7 +511,7 @@
           <a:p>
             <a:fld id="{F393CF75-DA3A-4376-8130-7D6E005E77C9}" type="datetimeFigureOut">
               <a:rPr kumimoji="1" lang="ja-JP" altLang="en-US" smtClean="0"/>
-              <a:t>2019/12/4</a:t>
+              <a:t>2019/12/9</a:t>
             </a:fld>
             <a:endParaRPr kumimoji="1" lang="ja-JP" altLang="en-US"/>
           </a:p>
@@ -721,7 +723,7 @@
           <a:p>
             <a:fld id="{F393CF75-DA3A-4376-8130-7D6E005E77C9}" type="datetimeFigureOut">
               <a:rPr kumimoji="1" lang="ja-JP" altLang="en-US" smtClean="0"/>
-              <a:t>2019/12/4</a:t>
+              <a:t>2019/12/9</a:t>
             </a:fld>
             <a:endParaRPr kumimoji="1" lang="ja-JP" altLang="en-US"/>
           </a:p>
@@ -923,7 +925,7 @@
           <a:p>
             <a:fld id="{F393CF75-DA3A-4376-8130-7D6E005E77C9}" type="datetimeFigureOut">
               <a:rPr kumimoji="1" lang="ja-JP" altLang="en-US" smtClean="0"/>
-              <a:t>2019/12/4</a:t>
+              <a:t>2019/12/9</a:t>
             </a:fld>
             <a:endParaRPr kumimoji="1" lang="ja-JP" altLang="en-US"/>
           </a:p>
@@ -1169,7 +1171,7 @@
           <a:p>
             <a:fld id="{F393CF75-DA3A-4376-8130-7D6E005E77C9}" type="datetimeFigureOut">
               <a:rPr kumimoji="1" lang="ja-JP" altLang="en-US" smtClean="0"/>
-              <a:t>2019/12/4</a:t>
+              <a:t>2019/12/9</a:t>
             </a:fld>
             <a:endParaRPr kumimoji="1" lang="ja-JP" altLang="en-US"/>
           </a:p>
@@ -1465,7 +1467,7 @@
           <a:p>
             <a:fld id="{F393CF75-DA3A-4376-8130-7D6E005E77C9}" type="datetimeFigureOut">
               <a:rPr kumimoji="1" lang="ja-JP" altLang="en-US" smtClean="0"/>
-              <a:t>2019/12/4</a:t>
+              <a:t>2019/12/9</a:t>
             </a:fld>
             <a:endParaRPr kumimoji="1" lang="ja-JP" altLang="en-US"/>
           </a:p>
@@ -1896,7 +1898,7 @@
           <a:p>
             <a:fld id="{F393CF75-DA3A-4376-8130-7D6E005E77C9}" type="datetimeFigureOut">
               <a:rPr kumimoji="1" lang="ja-JP" altLang="en-US" smtClean="0"/>
-              <a:t>2019/12/4</a:t>
+              <a:t>2019/12/9</a:t>
             </a:fld>
             <a:endParaRPr kumimoji="1" lang="ja-JP" altLang="en-US"/>
           </a:p>
@@ -2014,7 +2016,7 @@
           <a:p>
             <a:fld id="{F393CF75-DA3A-4376-8130-7D6E005E77C9}" type="datetimeFigureOut">
               <a:rPr kumimoji="1" lang="ja-JP" altLang="en-US" smtClean="0"/>
-              <a:t>2019/12/4</a:t>
+              <a:t>2019/12/9</a:t>
             </a:fld>
             <a:endParaRPr kumimoji="1" lang="ja-JP" altLang="en-US"/>
           </a:p>
@@ -2109,7 +2111,7 @@
           <a:p>
             <a:fld id="{F393CF75-DA3A-4376-8130-7D6E005E77C9}" type="datetimeFigureOut">
               <a:rPr kumimoji="1" lang="ja-JP" altLang="en-US" smtClean="0"/>
-              <a:t>2019/12/4</a:t>
+              <a:t>2019/12/9</a:t>
             </a:fld>
             <a:endParaRPr kumimoji="1" lang="ja-JP" altLang="en-US"/>
           </a:p>
@@ -2418,7 +2420,7 @@
           <a:p>
             <a:fld id="{F393CF75-DA3A-4376-8130-7D6E005E77C9}" type="datetimeFigureOut">
               <a:rPr kumimoji="1" lang="ja-JP" altLang="en-US" smtClean="0"/>
-              <a:t>2019/12/4</a:t>
+              <a:t>2019/12/9</a:t>
             </a:fld>
             <a:endParaRPr kumimoji="1" lang="ja-JP" altLang="en-US"/>
           </a:p>
@@ -2675,7 +2677,7 @@
           <a:p>
             <a:fld id="{F393CF75-DA3A-4376-8130-7D6E005E77C9}" type="datetimeFigureOut">
               <a:rPr kumimoji="1" lang="ja-JP" altLang="en-US" smtClean="0"/>
-              <a:t>2019/12/4</a:t>
+              <a:t>2019/12/9</a:t>
             </a:fld>
             <a:endParaRPr kumimoji="1" lang="ja-JP" altLang="en-US"/>
           </a:p>
@@ -2920,7 +2922,7 @@
           <a:p>
             <a:fld id="{F393CF75-DA3A-4376-8130-7D6E005E77C9}" type="datetimeFigureOut">
               <a:rPr kumimoji="1" lang="ja-JP" altLang="en-US" smtClean="0"/>
-              <a:t>2019/12/4</a:t>
+              <a:t>2019/12/9</a:t>
             </a:fld>
             <a:endParaRPr kumimoji="1" lang="ja-JP" altLang="en-US"/>
           </a:p>
@@ -3416,6 +3418,506 @@
 <file path=ppt/slides/slide10.xml><?xml version="1.0" encoding="utf-8"?>
 <p:sld xmlns:a="http://schemas.openxmlformats.org/drawingml/2006/main" xmlns:r="http://schemas.openxmlformats.org/officeDocument/2006/relationships" xmlns:p="http://schemas.openxmlformats.org/presentationml/2006/main">
   <p:cSld>
+    <p:bg>
+      <p:bgPr>
+        <a:solidFill>
+          <a:schemeClr val="tx1"/>
+        </a:solidFill>
+        <a:effectLst/>
+      </p:bgPr>
+    </p:bg>
+    <p:spTree>
+      <p:nvGrpSpPr>
+        <p:cNvPr id="1" name=""/>
+        <p:cNvGrpSpPr/>
+        <p:nvPr/>
+      </p:nvGrpSpPr>
+      <p:grpSpPr>
+        <a:xfrm>
+          <a:off x="0" y="0"/>
+          <a:ext cx="0" cy="0"/>
+          <a:chOff x="0" y="0"/>
+          <a:chExt cx="0" cy="0"/>
+        </a:xfrm>
+      </p:grpSpPr>
+      <p:sp>
+        <p:nvSpPr>
+          <p:cNvPr id="3" name="四角形: 角を丸くする 2">
+            <a:extLst>
+              <a:ext uri="{FF2B5EF4-FFF2-40B4-BE49-F238E27FC236}">
+                <a16:creationId xmlns:a16="http://schemas.microsoft.com/office/drawing/2014/main" id="{5EFB295E-99B8-4C9A-8757-F8156DD6A8C5}"/>
+              </a:ext>
+            </a:extLst>
+          </p:cNvPr>
+          <p:cNvSpPr/>
+          <p:nvPr/>
+        </p:nvSpPr>
+        <p:spPr>
+          <a:xfrm>
+            <a:off x="1823085" y="6858000"/>
+            <a:ext cx="6431280" cy="4541520"/>
+          </a:xfrm>
+          <a:prstGeom prst="roundRect">
+            <a:avLst/>
+          </a:prstGeom>
+          <a:gradFill>
+            <a:gsLst>
+              <a:gs pos="0">
+                <a:schemeClr val="accent1">
+                  <a:lumMod val="0"/>
+                  <a:lumOff val="100000"/>
+                </a:schemeClr>
+              </a:gs>
+              <a:gs pos="40000">
+                <a:schemeClr val="tx1">
+                  <a:lumMod val="95000"/>
+                </a:schemeClr>
+              </a:gs>
+              <a:gs pos="62000">
+                <a:schemeClr val="tx1">
+                  <a:lumMod val="95000"/>
+                </a:schemeClr>
+              </a:gs>
+              <a:gs pos="95000">
+                <a:schemeClr val="tx1">
+                  <a:lumMod val="85000"/>
+                </a:schemeClr>
+              </a:gs>
+            </a:gsLst>
+            <a:lin ang="5400000" scaled="1"/>
+          </a:gradFill>
+          <a:ln>
+            <a:noFill/>
+          </a:ln>
+        </p:spPr>
+        <p:style>
+          <a:lnRef idx="2">
+            <a:schemeClr val="accent1">
+              <a:shade val="50000"/>
+            </a:schemeClr>
+          </a:lnRef>
+          <a:fillRef idx="1">
+            <a:schemeClr val="accent1"/>
+          </a:fillRef>
+          <a:effectRef idx="0">
+            <a:schemeClr val="accent1"/>
+          </a:effectRef>
+          <a:fontRef idx="minor">
+            <a:schemeClr val="lt1"/>
+          </a:fontRef>
+        </p:style>
+        <p:txBody>
+          <a:bodyPr rtlCol="0" anchor="ctr"/>
+          <a:lstStyle/>
+          <a:p>
+            <a:pPr algn="ctr"/>
+            <a:endParaRPr kumimoji="1" lang="ja-JP" altLang="en-US" dirty="0"/>
+          </a:p>
+        </p:txBody>
+      </p:sp>
+      <p:sp>
+        <p:nvSpPr>
+          <p:cNvPr id="4" name="四角形: 角を丸くする 3">
+            <a:extLst>
+              <a:ext uri="{FF2B5EF4-FFF2-40B4-BE49-F238E27FC236}">
+                <a16:creationId xmlns:a16="http://schemas.microsoft.com/office/drawing/2014/main" id="{E14B5C66-DC80-4C19-A1B4-A53B1B7F5880}"/>
+              </a:ext>
+            </a:extLst>
+          </p:cNvPr>
+          <p:cNvSpPr/>
+          <p:nvPr/>
+        </p:nvSpPr>
+        <p:spPr>
+          <a:xfrm>
+            <a:off x="4966970" y="6106477"/>
+            <a:ext cx="6431280" cy="4541520"/>
+          </a:xfrm>
+          <a:prstGeom prst="roundRect">
+            <a:avLst/>
+          </a:prstGeom>
+          <a:noFill/>
+          <a:ln w="101600">
+            <a:solidFill>
+              <a:schemeClr val="bg1"/>
+            </a:solidFill>
+          </a:ln>
+        </p:spPr>
+        <p:style>
+          <a:lnRef idx="2">
+            <a:schemeClr val="accent1">
+              <a:shade val="50000"/>
+            </a:schemeClr>
+          </a:lnRef>
+          <a:fillRef idx="1">
+            <a:schemeClr val="accent1"/>
+          </a:fillRef>
+          <a:effectRef idx="0">
+            <a:schemeClr val="accent1"/>
+          </a:effectRef>
+          <a:fontRef idx="minor">
+            <a:schemeClr val="lt1"/>
+          </a:fontRef>
+        </p:style>
+        <p:txBody>
+          <a:bodyPr rtlCol="0" anchor="ctr"/>
+          <a:lstStyle/>
+          <a:p>
+            <a:pPr algn="ctr"/>
+            <a:endParaRPr kumimoji="1" lang="ja-JP" altLang="en-US" dirty="0"/>
+          </a:p>
+        </p:txBody>
+      </p:sp>
+      <p:sp>
+        <p:nvSpPr>
+          <p:cNvPr id="5" name="四角形: 角を丸くする 4">
+            <a:extLst>
+              <a:ext uri="{FF2B5EF4-FFF2-40B4-BE49-F238E27FC236}">
+                <a16:creationId xmlns:a16="http://schemas.microsoft.com/office/drawing/2014/main" id="{6425BFB8-0AC4-46E9-8BF0-D4CB79E51FEF}"/>
+              </a:ext>
+            </a:extLst>
+          </p:cNvPr>
+          <p:cNvSpPr/>
+          <p:nvPr/>
+        </p:nvSpPr>
+        <p:spPr>
+          <a:xfrm>
+            <a:off x="913765" y="7650480"/>
+            <a:ext cx="6431280" cy="4541520"/>
+          </a:xfrm>
+          <a:prstGeom prst="roundRect">
+            <a:avLst/>
+          </a:prstGeom>
+          <a:noFill/>
+          <a:ln w="63500">
+            <a:gradFill>
+              <a:gsLst>
+                <a:gs pos="0">
+                  <a:schemeClr val="accent1">
+                    <a:lumMod val="5000"/>
+                    <a:lumOff val="95000"/>
+                  </a:schemeClr>
+                </a:gs>
+                <a:gs pos="48000">
+                  <a:schemeClr val="tx1">
+                    <a:lumMod val="85000"/>
+                  </a:schemeClr>
+                </a:gs>
+                <a:gs pos="74000">
+                  <a:schemeClr val="tx1">
+                    <a:lumMod val="85000"/>
+                  </a:schemeClr>
+                </a:gs>
+                <a:gs pos="100000">
+                  <a:schemeClr val="tx1">
+                    <a:lumMod val="75000"/>
+                  </a:schemeClr>
+                </a:gs>
+              </a:gsLst>
+              <a:lin ang="5400000" scaled="1"/>
+            </a:gradFill>
+          </a:ln>
+        </p:spPr>
+        <p:style>
+          <a:lnRef idx="2">
+            <a:schemeClr val="accent1">
+              <a:shade val="50000"/>
+            </a:schemeClr>
+          </a:lnRef>
+          <a:fillRef idx="1">
+            <a:schemeClr val="accent1"/>
+          </a:fillRef>
+          <a:effectRef idx="0">
+            <a:schemeClr val="accent1"/>
+          </a:effectRef>
+          <a:fontRef idx="minor">
+            <a:schemeClr val="lt1"/>
+          </a:fontRef>
+        </p:style>
+        <p:txBody>
+          <a:bodyPr rtlCol="0" anchor="ctr"/>
+          <a:lstStyle/>
+          <a:p>
+            <a:pPr algn="ctr"/>
+            <a:endParaRPr kumimoji="1" lang="ja-JP" altLang="en-US" dirty="0"/>
+          </a:p>
+        </p:txBody>
+      </p:sp>
+      <p:grpSp>
+        <p:nvGrpSpPr>
+          <p:cNvPr id="10" name="グループ化 9">
+            <a:extLst>
+              <a:ext uri="{FF2B5EF4-FFF2-40B4-BE49-F238E27FC236}">
+                <a16:creationId xmlns:a16="http://schemas.microsoft.com/office/drawing/2014/main" id="{04E1C31E-8166-440C-9FBE-2CF7BB77EBB9}"/>
+              </a:ext>
+            </a:extLst>
+          </p:cNvPr>
+          <p:cNvGrpSpPr/>
+          <p:nvPr/>
+        </p:nvGrpSpPr>
+        <p:grpSpPr>
+          <a:xfrm>
+            <a:off x="4135013" y="695325"/>
+            <a:ext cx="7065116" cy="5516403"/>
+            <a:chOff x="4314825" y="927417"/>
+            <a:chExt cx="6923404" cy="5405755"/>
+          </a:xfrm>
+        </p:grpSpPr>
+        <p:sp>
+          <p:nvSpPr>
+            <p:cNvPr id="11" name="四角形: 角を丸くする 10">
+              <a:extLst>
+                <a:ext uri="{FF2B5EF4-FFF2-40B4-BE49-F238E27FC236}">
+                  <a16:creationId xmlns:a16="http://schemas.microsoft.com/office/drawing/2014/main" id="{CDBB60ED-5BA2-4977-89F1-F6D368445E76}"/>
+                </a:ext>
+              </a:extLst>
+            </p:cNvPr>
+            <p:cNvSpPr/>
+            <p:nvPr/>
+          </p:nvSpPr>
+          <p:spPr>
+            <a:xfrm>
+              <a:off x="5832474" y="927417"/>
+              <a:ext cx="5405755" cy="5405755"/>
+            </a:xfrm>
+            <a:prstGeom prst="roundRect">
+              <a:avLst>
+                <a:gd name="adj" fmla="val 2869"/>
+              </a:avLst>
+            </a:prstGeom>
+            <a:solidFill>
+              <a:schemeClr val="bg1"/>
+            </a:solidFill>
+            <a:ln>
+              <a:noFill/>
+            </a:ln>
+          </p:spPr>
+          <p:style>
+            <a:lnRef idx="2">
+              <a:schemeClr val="accent1">
+                <a:shade val="50000"/>
+              </a:schemeClr>
+            </a:lnRef>
+            <a:fillRef idx="1">
+              <a:schemeClr val="accent1"/>
+            </a:fillRef>
+            <a:effectRef idx="0">
+              <a:schemeClr val="accent1"/>
+            </a:effectRef>
+            <a:fontRef idx="minor">
+              <a:schemeClr val="lt1"/>
+            </a:fontRef>
+          </p:style>
+          <p:txBody>
+            <a:bodyPr rtlCol="0" anchor="ctr"/>
+            <a:lstStyle/>
+            <a:p>
+              <a:pPr algn="ctr"/>
+              <a:endParaRPr kumimoji="1" lang="ja-JP" altLang="en-US" dirty="0"/>
+            </a:p>
+          </p:txBody>
+        </p:sp>
+        <p:sp>
+          <p:nvSpPr>
+            <p:cNvPr id="12" name="四角形: 上の 2 つの角を丸める 11">
+              <a:extLst>
+                <a:ext uri="{FF2B5EF4-FFF2-40B4-BE49-F238E27FC236}">
+                  <a16:creationId xmlns:a16="http://schemas.microsoft.com/office/drawing/2014/main" id="{D224BB09-DA53-4612-B3A8-21015EB7A753}"/>
+                </a:ext>
+              </a:extLst>
+            </p:cNvPr>
+            <p:cNvSpPr/>
+            <p:nvPr/>
+          </p:nvSpPr>
+          <p:spPr>
+            <a:xfrm rot="16200000" flipH="1">
+              <a:off x="4314825" y="4551997"/>
+              <a:ext cx="1781175" cy="1781175"/>
+            </a:xfrm>
+            <a:prstGeom prst="round2SameRect">
+              <a:avLst>
+                <a:gd name="adj1" fmla="val 6507"/>
+                <a:gd name="adj2" fmla="val 0"/>
+              </a:avLst>
+            </a:prstGeom>
+            <a:solidFill>
+              <a:schemeClr val="bg1"/>
+            </a:solidFill>
+            <a:ln>
+              <a:noFill/>
+            </a:ln>
+          </p:spPr>
+          <p:style>
+            <a:lnRef idx="2">
+              <a:schemeClr val="accent1">
+                <a:shade val="50000"/>
+              </a:schemeClr>
+            </a:lnRef>
+            <a:fillRef idx="1">
+              <a:schemeClr val="accent1"/>
+            </a:fillRef>
+            <a:effectRef idx="0">
+              <a:schemeClr val="accent1"/>
+            </a:effectRef>
+            <a:fontRef idx="minor">
+              <a:schemeClr val="lt1"/>
+            </a:fontRef>
+          </p:style>
+          <p:txBody>
+            <a:bodyPr rtlCol="0" anchor="ctr"/>
+            <a:lstStyle/>
+            <a:p>
+              <a:pPr algn="ctr"/>
+              <a:endParaRPr kumimoji="1" lang="ja-JP" altLang="en-US"/>
+            </a:p>
+          </p:txBody>
+        </p:sp>
+      </p:grpSp>
+      <p:grpSp>
+        <p:nvGrpSpPr>
+          <p:cNvPr id="9" name="グループ化 8">
+            <a:extLst>
+              <a:ext uri="{FF2B5EF4-FFF2-40B4-BE49-F238E27FC236}">
+                <a16:creationId xmlns:a16="http://schemas.microsoft.com/office/drawing/2014/main" id="{1C653323-44FA-4527-8302-837D9485C458}"/>
+              </a:ext>
+            </a:extLst>
+          </p:cNvPr>
+          <p:cNvGrpSpPr/>
+          <p:nvPr/>
+        </p:nvGrpSpPr>
+        <p:grpSpPr>
+          <a:xfrm>
+            <a:off x="4129405" y="682836"/>
+            <a:ext cx="6923404" cy="5405755"/>
+            <a:chOff x="4314825" y="927417"/>
+            <a:chExt cx="6923404" cy="5405755"/>
+          </a:xfrm>
+        </p:grpSpPr>
+        <p:sp>
+          <p:nvSpPr>
+            <p:cNvPr id="6" name="四角形: 角を丸くする 5">
+              <a:extLst>
+                <a:ext uri="{FF2B5EF4-FFF2-40B4-BE49-F238E27FC236}">
+                  <a16:creationId xmlns:a16="http://schemas.microsoft.com/office/drawing/2014/main" id="{92A6EAF6-3C51-4232-B85C-1A4042505456}"/>
+                </a:ext>
+              </a:extLst>
+            </p:cNvPr>
+            <p:cNvSpPr/>
+            <p:nvPr/>
+          </p:nvSpPr>
+          <p:spPr>
+            <a:xfrm>
+              <a:off x="5832474" y="927417"/>
+              <a:ext cx="5405755" cy="5405755"/>
+            </a:xfrm>
+            <a:prstGeom prst="roundRect">
+              <a:avLst>
+                <a:gd name="adj" fmla="val 2869"/>
+              </a:avLst>
+            </a:prstGeom>
+            <a:solidFill>
+              <a:schemeClr val="tx1"/>
+            </a:solidFill>
+            <a:ln>
+              <a:noFill/>
+            </a:ln>
+          </p:spPr>
+          <p:style>
+            <a:lnRef idx="2">
+              <a:schemeClr val="accent1">
+                <a:shade val="50000"/>
+              </a:schemeClr>
+            </a:lnRef>
+            <a:fillRef idx="1">
+              <a:schemeClr val="accent1"/>
+            </a:fillRef>
+            <a:effectRef idx="0">
+              <a:schemeClr val="accent1"/>
+            </a:effectRef>
+            <a:fontRef idx="minor">
+              <a:schemeClr val="lt1"/>
+            </a:fontRef>
+          </p:style>
+          <p:txBody>
+            <a:bodyPr rtlCol="0" anchor="ctr"/>
+            <a:lstStyle/>
+            <a:p>
+              <a:pPr algn="ctr"/>
+              <a:endParaRPr kumimoji="1" lang="ja-JP" altLang="en-US"/>
+            </a:p>
+          </p:txBody>
+        </p:sp>
+        <p:sp>
+          <p:nvSpPr>
+            <p:cNvPr id="8" name="四角形: 上の 2 つの角を丸める 7">
+              <a:extLst>
+                <a:ext uri="{FF2B5EF4-FFF2-40B4-BE49-F238E27FC236}">
+                  <a16:creationId xmlns:a16="http://schemas.microsoft.com/office/drawing/2014/main" id="{70AD2E1B-4B5C-492D-8EE9-9469F1231A04}"/>
+                </a:ext>
+              </a:extLst>
+            </p:cNvPr>
+            <p:cNvSpPr/>
+            <p:nvPr/>
+          </p:nvSpPr>
+          <p:spPr>
+            <a:xfrm rot="16200000" flipH="1">
+              <a:off x="4314825" y="4551997"/>
+              <a:ext cx="1781175" cy="1781175"/>
+            </a:xfrm>
+            <a:prstGeom prst="round2SameRect">
+              <a:avLst>
+                <a:gd name="adj1" fmla="val 6507"/>
+                <a:gd name="adj2" fmla="val 0"/>
+              </a:avLst>
+            </a:prstGeom>
+            <a:solidFill>
+              <a:schemeClr val="tx1"/>
+            </a:solidFill>
+            <a:ln>
+              <a:noFill/>
+            </a:ln>
+          </p:spPr>
+          <p:style>
+            <a:lnRef idx="2">
+              <a:schemeClr val="accent1">
+                <a:shade val="50000"/>
+              </a:schemeClr>
+            </a:lnRef>
+            <a:fillRef idx="1">
+              <a:schemeClr val="accent1"/>
+            </a:fillRef>
+            <a:effectRef idx="0">
+              <a:schemeClr val="accent1"/>
+            </a:effectRef>
+            <a:fontRef idx="minor">
+              <a:schemeClr val="lt1"/>
+            </a:fontRef>
+          </p:style>
+          <p:txBody>
+            <a:bodyPr rtlCol="0" anchor="ctr"/>
+            <a:lstStyle/>
+            <a:p>
+              <a:pPr algn="ctr"/>
+              <a:endParaRPr kumimoji="1" lang="ja-JP" altLang="en-US"/>
+            </a:p>
+          </p:txBody>
+        </p:sp>
+      </p:grpSp>
+    </p:spTree>
+    <p:extLst>
+      <p:ext uri="{BB962C8B-B14F-4D97-AF65-F5344CB8AC3E}">
+        <p14:creationId xmlns:p14="http://schemas.microsoft.com/office/powerpoint/2010/main" val="48420068"/>
+      </p:ext>
+    </p:extLst>
+  </p:cSld>
+  <p:clrMapOvr>
+    <a:masterClrMapping/>
+  </p:clrMapOvr>
+</p:sld>
+</file>
+
+<file path=ppt/slides/slide11.xml><?xml version="1.0" encoding="utf-8"?>
+<p:sld xmlns:a="http://schemas.openxmlformats.org/drawingml/2006/main" xmlns:r="http://schemas.openxmlformats.org/officeDocument/2006/relationships" xmlns:p="http://schemas.openxmlformats.org/presentationml/2006/main">
+  <p:cSld>
     <p:spTree>
       <p:nvGrpSpPr>
         <p:cNvPr id="1" name=""/>
@@ -3740,7 +4242,7 @@
 </p:sld>
 </file>
 
-<file path=ppt/slides/slide11.xml><?xml version="1.0" encoding="utf-8"?>
+<file path=ppt/slides/slide12.xml><?xml version="1.0" encoding="utf-8"?>
 <p:sld xmlns:a="http://schemas.openxmlformats.org/drawingml/2006/main" xmlns:r="http://schemas.openxmlformats.org/officeDocument/2006/relationships" xmlns:p="http://schemas.openxmlformats.org/presentationml/2006/main">
   <p:cSld>
     <p:spTree>
@@ -4223,7 +4725,7 @@
 </p:sld>
 </file>
 
-<file path=ppt/slides/slide12.xml><?xml version="1.0" encoding="utf-8"?>
+<file path=ppt/slides/slide13.xml><?xml version="1.0" encoding="utf-8"?>
 <p:sld xmlns:a="http://schemas.openxmlformats.org/drawingml/2006/main" xmlns:r="http://schemas.openxmlformats.org/officeDocument/2006/relationships" xmlns:p="http://schemas.openxmlformats.org/presentationml/2006/main">
   <p:cSld>
     <p:spTree>
@@ -5303,7 +5805,7 @@
 </p:sld>
 </file>
 
-<file path=ppt/slides/slide13.xml><?xml version="1.0" encoding="utf-8"?>
+<file path=ppt/slides/slide14.xml><?xml version="1.0" encoding="utf-8"?>
 <p:sld xmlns:a="http://schemas.openxmlformats.org/drawingml/2006/main" xmlns:r="http://schemas.openxmlformats.org/officeDocument/2006/relationships" xmlns:p="http://schemas.openxmlformats.org/presentationml/2006/main">
   <p:cSld>
     <p:spTree>
@@ -7138,7 +7640,7 @@
 </p:sld>
 </file>
 
-<file path=ppt/slides/slide14.xml><?xml version="1.0" encoding="utf-8"?>
+<file path=ppt/slides/slide15.xml><?xml version="1.0" encoding="utf-8"?>
 <p:sld xmlns:a="http://schemas.openxmlformats.org/drawingml/2006/main" xmlns:r="http://schemas.openxmlformats.org/officeDocument/2006/relationships" xmlns:p="http://schemas.openxmlformats.org/presentationml/2006/main">
   <p:cSld>
     <p:spTree>
@@ -7952,7 +8454,7 @@
 </p:sld>
 </file>
 
-<file path=ppt/slides/slide15.xml><?xml version="1.0" encoding="utf-8"?>
+<file path=ppt/slides/slide16.xml><?xml version="1.0" encoding="utf-8"?>
 <p:sld xmlns:a="http://schemas.openxmlformats.org/drawingml/2006/main" xmlns:r="http://schemas.openxmlformats.org/officeDocument/2006/relationships" xmlns:p="http://schemas.openxmlformats.org/presentationml/2006/main">
   <p:cSld>
     <p:bg>
@@ -8042,7 +8544,7 @@
 </p:sld>
 </file>
 
-<file path=ppt/slides/slide16.xml><?xml version="1.0" encoding="utf-8"?>
+<file path=ppt/slides/slide17.xml><?xml version="1.0" encoding="utf-8"?>
 <p:sld xmlns:a="http://schemas.openxmlformats.org/drawingml/2006/main" xmlns:r="http://schemas.openxmlformats.org/officeDocument/2006/relationships" xmlns:p="http://schemas.openxmlformats.org/presentationml/2006/main">
   <p:cSld>
     <p:bg>
@@ -11194,7 +11696,7 @@
 </p:sld>
 </file>
 
-<file path=ppt/slides/slide17.xml><?xml version="1.0" encoding="utf-8"?>
+<file path=ppt/slides/slide18.xml><?xml version="1.0" encoding="utf-8"?>
 <p:sld xmlns:a="http://schemas.openxmlformats.org/drawingml/2006/main" xmlns:r="http://schemas.openxmlformats.org/officeDocument/2006/relationships" xmlns:p="http://schemas.openxmlformats.org/presentationml/2006/main">
   <p:cSld>
     <p:bg>
@@ -11699,7 +12201,7 @@
 </p:sld>
 </file>
 
-<file path=ppt/slides/slide18.xml><?xml version="1.0" encoding="utf-8"?>
+<file path=ppt/slides/slide19.xml><?xml version="1.0" encoding="utf-8"?>
 <p:sld xmlns:a="http://schemas.openxmlformats.org/drawingml/2006/main" xmlns:r="http://schemas.openxmlformats.org/officeDocument/2006/relationships" xmlns:p="http://schemas.openxmlformats.org/presentationml/2006/main">
   <p:cSld>
     <p:bg>
@@ -11925,7 +12427,280 @@
 </p:sld>
 </file>
 
-<file path=ppt/slides/slide19.xml><?xml version="1.0" encoding="utf-8"?>
+<file path=ppt/slides/slide2.xml><?xml version="1.0" encoding="utf-8"?>
+<p:sld xmlns:a="http://schemas.openxmlformats.org/drawingml/2006/main" xmlns:r="http://schemas.openxmlformats.org/officeDocument/2006/relationships" xmlns:p="http://schemas.openxmlformats.org/presentationml/2006/main">
+  <p:cSld>
+    <p:spTree>
+      <p:nvGrpSpPr>
+        <p:cNvPr id="1" name=""/>
+        <p:cNvGrpSpPr/>
+        <p:nvPr/>
+      </p:nvGrpSpPr>
+      <p:grpSpPr>
+        <a:xfrm>
+          <a:off x="0" y="0"/>
+          <a:ext cx="0" cy="0"/>
+          <a:chOff x="0" y="0"/>
+          <a:chExt cx="0" cy="0"/>
+        </a:xfrm>
+      </p:grpSpPr>
+      <p:sp>
+        <p:nvSpPr>
+          <p:cNvPr id="21" name="平行四辺形 20">
+            <a:extLst>
+              <a:ext uri="{FF2B5EF4-FFF2-40B4-BE49-F238E27FC236}">
+                <a16:creationId xmlns:a16="http://schemas.microsoft.com/office/drawing/2014/main" id="{7D142A42-F754-491F-B718-FC9E5302D008}"/>
+              </a:ext>
+            </a:extLst>
+          </p:cNvPr>
+          <p:cNvSpPr>
+            <a:spLocks noChangeAspect="1"/>
+          </p:cNvSpPr>
+          <p:nvPr/>
+        </p:nvSpPr>
+        <p:spPr>
+          <a:xfrm>
+            <a:off x="8037987" y="2518769"/>
+            <a:ext cx="1198535" cy="1341722"/>
+          </a:xfrm>
+          <a:prstGeom prst="parallelogram">
+            <a:avLst>
+              <a:gd name="adj" fmla="val 25000"/>
+            </a:avLst>
+          </a:prstGeom>
+          <a:solidFill>
+            <a:schemeClr val="tx1"/>
+          </a:solidFill>
+          <a:ln>
+            <a:noFill/>
+          </a:ln>
+        </p:spPr>
+        <p:style>
+          <a:lnRef idx="2">
+            <a:schemeClr val="accent1">
+              <a:shade val="50000"/>
+            </a:schemeClr>
+          </a:lnRef>
+          <a:fillRef idx="1">
+            <a:schemeClr val="accent1"/>
+          </a:fillRef>
+          <a:effectRef idx="0">
+            <a:schemeClr val="accent1"/>
+          </a:effectRef>
+          <a:fontRef idx="minor">
+            <a:schemeClr val="lt1"/>
+          </a:fontRef>
+        </p:style>
+        <p:txBody>
+          <a:bodyPr rtlCol="0" anchor="ctr"/>
+          <a:lstStyle/>
+          <a:p>
+            <a:pPr algn="ctr"/>
+            <a:endParaRPr kumimoji="1" lang="ja-JP" altLang="en-US"/>
+          </a:p>
+        </p:txBody>
+      </p:sp>
+      <p:grpSp>
+        <p:nvGrpSpPr>
+          <p:cNvPr id="2" name="グループ化 1">
+            <a:extLst>
+              <a:ext uri="{FF2B5EF4-FFF2-40B4-BE49-F238E27FC236}">
+                <a16:creationId xmlns:a16="http://schemas.microsoft.com/office/drawing/2014/main" id="{9F817474-FD9C-44AA-901E-83FB4983DA2E}"/>
+              </a:ext>
+            </a:extLst>
+          </p:cNvPr>
+          <p:cNvGrpSpPr/>
+          <p:nvPr/>
+        </p:nvGrpSpPr>
+        <p:grpSpPr>
+          <a:xfrm>
+            <a:off x="1795536" y="620174"/>
+            <a:ext cx="9355530" cy="1363664"/>
+            <a:chOff x="1795536" y="620174"/>
+            <a:chExt cx="9355530" cy="1363664"/>
+          </a:xfrm>
+        </p:grpSpPr>
+        <p:sp>
+          <p:nvSpPr>
+            <p:cNvPr id="4" name="平行四辺形 3">
+              <a:extLst>
+                <a:ext uri="{FF2B5EF4-FFF2-40B4-BE49-F238E27FC236}">
+                  <a16:creationId xmlns:a16="http://schemas.microsoft.com/office/drawing/2014/main" id="{EC8C0B87-CA0C-4CEE-8EF1-F29728A7D918}"/>
+                </a:ext>
+              </a:extLst>
+            </p:cNvPr>
+            <p:cNvSpPr>
+              <a:spLocks noChangeAspect="1"/>
+            </p:cNvSpPr>
+            <p:nvPr/>
+          </p:nvSpPr>
+          <p:spPr>
+            <a:xfrm>
+              <a:off x="1795536" y="620174"/>
+              <a:ext cx="1293036" cy="1363664"/>
+            </a:xfrm>
+            <a:prstGeom prst="parallelogram">
+              <a:avLst>
+                <a:gd name="adj" fmla="val 25000"/>
+              </a:avLst>
+            </a:prstGeom>
+            <a:solidFill>
+              <a:schemeClr val="tx1"/>
+            </a:solidFill>
+            <a:ln>
+              <a:noFill/>
+            </a:ln>
+          </p:spPr>
+          <p:style>
+            <a:lnRef idx="2">
+              <a:schemeClr val="accent1">
+                <a:shade val="50000"/>
+              </a:schemeClr>
+            </a:lnRef>
+            <a:fillRef idx="1">
+              <a:schemeClr val="accent1"/>
+            </a:fillRef>
+            <a:effectRef idx="0">
+              <a:schemeClr val="accent1"/>
+            </a:effectRef>
+            <a:fontRef idx="minor">
+              <a:schemeClr val="lt1"/>
+            </a:fontRef>
+          </p:style>
+          <p:txBody>
+            <a:bodyPr rtlCol="0" anchor="ctr"/>
+            <a:lstStyle/>
+            <a:p>
+              <a:pPr algn="ctr"/>
+              <a:endParaRPr kumimoji="1" lang="ja-JP" altLang="en-US"/>
+            </a:p>
+          </p:txBody>
+        </p:sp>
+        <p:sp>
+          <p:nvSpPr>
+            <p:cNvPr id="8" name="四角形: 角を丸くする 7">
+              <a:extLst>
+                <a:ext uri="{FF2B5EF4-FFF2-40B4-BE49-F238E27FC236}">
+                  <a16:creationId xmlns:a16="http://schemas.microsoft.com/office/drawing/2014/main" id="{1A93CC1F-83EF-4779-81AD-C47A241B3791}"/>
+                </a:ext>
+              </a:extLst>
+            </p:cNvPr>
+            <p:cNvSpPr/>
+            <p:nvPr/>
+          </p:nvSpPr>
+          <p:spPr>
+            <a:xfrm>
+              <a:off x="3161212" y="623224"/>
+              <a:ext cx="7989854" cy="1360614"/>
+            </a:xfrm>
+            <a:prstGeom prst="roundRect">
+              <a:avLst>
+                <a:gd name="adj" fmla="val 34423"/>
+              </a:avLst>
+            </a:prstGeom>
+            <a:solidFill>
+              <a:schemeClr val="tx1"/>
+            </a:solidFill>
+            <a:ln>
+              <a:noFill/>
+            </a:ln>
+          </p:spPr>
+          <p:style>
+            <a:lnRef idx="2">
+              <a:schemeClr val="accent1">
+                <a:shade val="50000"/>
+              </a:schemeClr>
+            </a:lnRef>
+            <a:fillRef idx="1">
+              <a:schemeClr val="accent1"/>
+            </a:fillRef>
+            <a:effectRef idx="0">
+              <a:schemeClr val="accent1"/>
+            </a:effectRef>
+            <a:fontRef idx="minor">
+              <a:schemeClr val="lt1"/>
+            </a:fontRef>
+          </p:style>
+          <p:txBody>
+            <a:bodyPr rtlCol="0" anchor="ctr"/>
+            <a:lstStyle/>
+            <a:p>
+              <a:pPr algn="ctr"/>
+              <a:endParaRPr kumimoji="1" lang="ja-JP" altLang="en-US"/>
+            </a:p>
+          </p:txBody>
+        </p:sp>
+        <p:sp>
+          <p:nvSpPr>
+            <p:cNvPr id="6" name="平行四辺形 5">
+              <a:extLst>
+                <a:ext uri="{FF2B5EF4-FFF2-40B4-BE49-F238E27FC236}">
+                  <a16:creationId xmlns:a16="http://schemas.microsoft.com/office/drawing/2014/main" id="{78A41161-A827-4103-AF92-744E89CA2306}"/>
+                </a:ext>
+              </a:extLst>
+            </p:cNvPr>
+            <p:cNvSpPr>
+              <a:spLocks noChangeAspect="1"/>
+            </p:cNvSpPr>
+            <p:nvPr/>
+          </p:nvSpPr>
+          <p:spPr>
+            <a:xfrm>
+              <a:off x="2865379" y="620174"/>
+              <a:ext cx="1293036" cy="1363664"/>
+            </a:xfrm>
+            <a:prstGeom prst="parallelogram">
+              <a:avLst>
+                <a:gd name="adj" fmla="val 25000"/>
+              </a:avLst>
+            </a:prstGeom>
+            <a:solidFill>
+              <a:schemeClr val="tx1"/>
+            </a:solidFill>
+            <a:ln>
+              <a:noFill/>
+            </a:ln>
+          </p:spPr>
+          <p:style>
+            <a:lnRef idx="2">
+              <a:schemeClr val="accent1">
+                <a:shade val="50000"/>
+              </a:schemeClr>
+            </a:lnRef>
+            <a:fillRef idx="1">
+              <a:schemeClr val="accent1"/>
+            </a:fillRef>
+            <a:effectRef idx="0">
+              <a:schemeClr val="accent1"/>
+            </a:effectRef>
+            <a:fontRef idx="minor">
+              <a:schemeClr val="lt1"/>
+            </a:fontRef>
+          </p:style>
+          <p:txBody>
+            <a:bodyPr rtlCol="0" anchor="ctr"/>
+            <a:lstStyle/>
+            <a:p>
+              <a:pPr algn="ctr"/>
+              <a:endParaRPr kumimoji="1" lang="ja-JP" altLang="en-US"/>
+            </a:p>
+          </p:txBody>
+        </p:sp>
+      </p:grpSp>
+    </p:spTree>
+    <p:extLst>
+      <p:ext uri="{BB962C8B-B14F-4D97-AF65-F5344CB8AC3E}">
+        <p14:creationId xmlns:p14="http://schemas.microsoft.com/office/powerpoint/2010/main" val="375036973"/>
+      </p:ext>
+    </p:extLst>
+  </p:cSld>
+  <p:clrMapOvr>
+    <a:masterClrMapping/>
+  </p:clrMapOvr>
+</p:sld>
+</file>
+
+<file path=ppt/slides/slide20.xml><?xml version="1.0" encoding="utf-8"?>
 <p:sld xmlns:a="http://schemas.openxmlformats.org/drawingml/2006/main" xmlns:r="http://schemas.openxmlformats.org/officeDocument/2006/relationships" xmlns:p="http://schemas.openxmlformats.org/presentationml/2006/main">
   <p:cSld>
     <p:spTree>
@@ -12239,280 +13014,7 @@
 </p:sld>
 </file>
 
-<file path=ppt/slides/slide2.xml><?xml version="1.0" encoding="utf-8"?>
-<p:sld xmlns:a="http://schemas.openxmlformats.org/drawingml/2006/main" xmlns:r="http://schemas.openxmlformats.org/officeDocument/2006/relationships" xmlns:p="http://schemas.openxmlformats.org/presentationml/2006/main">
-  <p:cSld>
-    <p:spTree>
-      <p:nvGrpSpPr>
-        <p:cNvPr id="1" name=""/>
-        <p:cNvGrpSpPr/>
-        <p:nvPr/>
-      </p:nvGrpSpPr>
-      <p:grpSpPr>
-        <a:xfrm>
-          <a:off x="0" y="0"/>
-          <a:ext cx="0" cy="0"/>
-          <a:chOff x="0" y="0"/>
-          <a:chExt cx="0" cy="0"/>
-        </a:xfrm>
-      </p:grpSpPr>
-      <p:sp>
-        <p:nvSpPr>
-          <p:cNvPr id="21" name="平行四辺形 20">
-            <a:extLst>
-              <a:ext uri="{FF2B5EF4-FFF2-40B4-BE49-F238E27FC236}">
-                <a16:creationId xmlns:a16="http://schemas.microsoft.com/office/drawing/2014/main" id="{7D142A42-F754-491F-B718-FC9E5302D008}"/>
-              </a:ext>
-            </a:extLst>
-          </p:cNvPr>
-          <p:cNvSpPr>
-            <a:spLocks noChangeAspect="1"/>
-          </p:cNvSpPr>
-          <p:nvPr/>
-        </p:nvSpPr>
-        <p:spPr>
-          <a:xfrm>
-            <a:off x="8037987" y="2518769"/>
-            <a:ext cx="1198535" cy="1341722"/>
-          </a:xfrm>
-          <a:prstGeom prst="parallelogram">
-            <a:avLst>
-              <a:gd name="adj" fmla="val 25000"/>
-            </a:avLst>
-          </a:prstGeom>
-          <a:solidFill>
-            <a:schemeClr val="tx1"/>
-          </a:solidFill>
-          <a:ln>
-            <a:noFill/>
-          </a:ln>
-        </p:spPr>
-        <p:style>
-          <a:lnRef idx="2">
-            <a:schemeClr val="accent1">
-              <a:shade val="50000"/>
-            </a:schemeClr>
-          </a:lnRef>
-          <a:fillRef idx="1">
-            <a:schemeClr val="accent1"/>
-          </a:fillRef>
-          <a:effectRef idx="0">
-            <a:schemeClr val="accent1"/>
-          </a:effectRef>
-          <a:fontRef idx="minor">
-            <a:schemeClr val="lt1"/>
-          </a:fontRef>
-        </p:style>
-        <p:txBody>
-          <a:bodyPr rtlCol="0" anchor="ctr"/>
-          <a:lstStyle/>
-          <a:p>
-            <a:pPr algn="ctr"/>
-            <a:endParaRPr kumimoji="1" lang="ja-JP" altLang="en-US"/>
-          </a:p>
-        </p:txBody>
-      </p:sp>
-      <p:grpSp>
-        <p:nvGrpSpPr>
-          <p:cNvPr id="2" name="グループ化 1">
-            <a:extLst>
-              <a:ext uri="{FF2B5EF4-FFF2-40B4-BE49-F238E27FC236}">
-                <a16:creationId xmlns:a16="http://schemas.microsoft.com/office/drawing/2014/main" id="{9F817474-FD9C-44AA-901E-83FB4983DA2E}"/>
-              </a:ext>
-            </a:extLst>
-          </p:cNvPr>
-          <p:cNvGrpSpPr/>
-          <p:nvPr/>
-        </p:nvGrpSpPr>
-        <p:grpSpPr>
-          <a:xfrm>
-            <a:off x="1795536" y="620174"/>
-            <a:ext cx="9355530" cy="1363664"/>
-            <a:chOff x="1795536" y="620174"/>
-            <a:chExt cx="9355530" cy="1363664"/>
-          </a:xfrm>
-        </p:grpSpPr>
-        <p:sp>
-          <p:nvSpPr>
-            <p:cNvPr id="4" name="平行四辺形 3">
-              <a:extLst>
-                <a:ext uri="{FF2B5EF4-FFF2-40B4-BE49-F238E27FC236}">
-                  <a16:creationId xmlns:a16="http://schemas.microsoft.com/office/drawing/2014/main" id="{EC8C0B87-CA0C-4CEE-8EF1-F29728A7D918}"/>
-                </a:ext>
-              </a:extLst>
-            </p:cNvPr>
-            <p:cNvSpPr>
-              <a:spLocks noChangeAspect="1"/>
-            </p:cNvSpPr>
-            <p:nvPr/>
-          </p:nvSpPr>
-          <p:spPr>
-            <a:xfrm>
-              <a:off x="1795536" y="620174"/>
-              <a:ext cx="1293036" cy="1363664"/>
-            </a:xfrm>
-            <a:prstGeom prst="parallelogram">
-              <a:avLst>
-                <a:gd name="adj" fmla="val 25000"/>
-              </a:avLst>
-            </a:prstGeom>
-            <a:solidFill>
-              <a:schemeClr val="tx1"/>
-            </a:solidFill>
-            <a:ln>
-              <a:noFill/>
-            </a:ln>
-          </p:spPr>
-          <p:style>
-            <a:lnRef idx="2">
-              <a:schemeClr val="accent1">
-                <a:shade val="50000"/>
-              </a:schemeClr>
-            </a:lnRef>
-            <a:fillRef idx="1">
-              <a:schemeClr val="accent1"/>
-            </a:fillRef>
-            <a:effectRef idx="0">
-              <a:schemeClr val="accent1"/>
-            </a:effectRef>
-            <a:fontRef idx="minor">
-              <a:schemeClr val="lt1"/>
-            </a:fontRef>
-          </p:style>
-          <p:txBody>
-            <a:bodyPr rtlCol="0" anchor="ctr"/>
-            <a:lstStyle/>
-            <a:p>
-              <a:pPr algn="ctr"/>
-              <a:endParaRPr kumimoji="1" lang="ja-JP" altLang="en-US"/>
-            </a:p>
-          </p:txBody>
-        </p:sp>
-        <p:sp>
-          <p:nvSpPr>
-            <p:cNvPr id="8" name="四角形: 角を丸くする 7">
-              <a:extLst>
-                <a:ext uri="{FF2B5EF4-FFF2-40B4-BE49-F238E27FC236}">
-                  <a16:creationId xmlns:a16="http://schemas.microsoft.com/office/drawing/2014/main" id="{1A93CC1F-83EF-4779-81AD-C47A241B3791}"/>
-                </a:ext>
-              </a:extLst>
-            </p:cNvPr>
-            <p:cNvSpPr/>
-            <p:nvPr/>
-          </p:nvSpPr>
-          <p:spPr>
-            <a:xfrm>
-              <a:off x="3161212" y="623224"/>
-              <a:ext cx="7989854" cy="1360614"/>
-            </a:xfrm>
-            <a:prstGeom prst="roundRect">
-              <a:avLst>
-                <a:gd name="adj" fmla="val 34423"/>
-              </a:avLst>
-            </a:prstGeom>
-            <a:solidFill>
-              <a:schemeClr val="tx1"/>
-            </a:solidFill>
-            <a:ln>
-              <a:noFill/>
-            </a:ln>
-          </p:spPr>
-          <p:style>
-            <a:lnRef idx="2">
-              <a:schemeClr val="accent1">
-                <a:shade val="50000"/>
-              </a:schemeClr>
-            </a:lnRef>
-            <a:fillRef idx="1">
-              <a:schemeClr val="accent1"/>
-            </a:fillRef>
-            <a:effectRef idx="0">
-              <a:schemeClr val="accent1"/>
-            </a:effectRef>
-            <a:fontRef idx="minor">
-              <a:schemeClr val="lt1"/>
-            </a:fontRef>
-          </p:style>
-          <p:txBody>
-            <a:bodyPr rtlCol="0" anchor="ctr"/>
-            <a:lstStyle/>
-            <a:p>
-              <a:pPr algn="ctr"/>
-              <a:endParaRPr kumimoji="1" lang="ja-JP" altLang="en-US"/>
-            </a:p>
-          </p:txBody>
-        </p:sp>
-        <p:sp>
-          <p:nvSpPr>
-            <p:cNvPr id="6" name="平行四辺形 5">
-              <a:extLst>
-                <a:ext uri="{FF2B5EF4-FFF2-40B4-BE49-F238E27FC236}">
-                  <a16:creationId xmlns:a16="http://schemas.microsoft.com/office/drawing/2014/main" id="{78A41161-A827-4103-AF92-744E89CA2306}"/>
-                </a:ext>
-              </a:extLst>
-            </p:cNvPr>
-            <p:cNvSpPr>
-              <a:spLocks noChangeAspect="1"/>
-            </p:cNvSpPr>
-            <p:nvPr/>
-          </p:nvSpPr>
-          <p:spPr>
-            <a:xfrm>
-              <a:off x="2865379" y="620174"/>
-              <a:ext cx="1293036" cy="1363664"/>
-            </a:xfrm>
-            <a:prstGeom prst="parallelogram">
-              <a:avLst>
-                <a:gd name="adj" fmla="val 25000"/>
-              </a:avLst>
-            </a:prstGeom>
-            <a:solidFill>
-              <a:schemeClr val="tx1"/>
-            </a:solidFill>
-            <a:ln>
-              <a:noFill/>
-            </a:ln>
-          </p:spPr>
-          <p:style>
-            <a:lnRef idx="2">
-              <a:schemeClr val="accent1">
-                <a:shade val="50000"/>
-              </a:schemeClr>
-            </a:lnRef>
-            <a:fillRef idx="1">
-              <a:schemeClr val="accent1"/>
-            </a:fillRef>
-            <a:effectRef idx="0">
-              <a:schemeClr val="accent1"/>
-            </a:effectRef>
-            <a:fontRef idx="minor">
-              <a:schemeClr val="lt1"/>
-            </a:fontRef>
-          </p:style>
-          <p:txBody>
-            <a:bodyPr rtlCol="0" anchor="ctr"/>
-            <a:lstStyle/>
-            <a:p>
-              <a:pPr algn="ctr"/>
-              <a:endParaRPr kumimoji="1" lang="ja-JP" altLang="en-US"/>
-            </a:p>
-          </p:txBody>
-        </p:sp>
-      </p:grpSp>
-    </p:spTree>
-    <p:extLst>
-      <p:ext uri="{BB962C8B-B14F-4D97-AF65-F5344CB8AC3E}">
-        <p14:creationId xmlns:p14="http://schemas.microsoft.com/office/powerpoint/2010/main" val="375036973"/>
-      </p:ext>
-    </p:extLst>
-  </p:cSld>
-  <p:clrMapOvr>
-    <a:masterClrMapping/>
-  </p:clrMapOvr>
-</p:sld>
-</file>
-
-<file path=ppt/slides/slide20.xml><?xml version="1.0" encoding="utf-8"?>
+<file path=ppt/slides/slide21.xml><?xml version="1.0" encoding="utf-8"?>
 <p:sld xmlns:a="http://schemas.openxmlformats.org/drawingml/2006/main" xmlns:r="http://schemas.openxmlformats.org/officeDocument/2006/relationships" xmlns:p="http://schemas.openxmlformats.org/presentationml/2006/main">
   <p:cSld>
     <p:spTree>
@@ -12957,7 +13459,7 @@
 </p:sld>
 </file>
 
-<file path=ppt/slides/slide21.xml><?xml version="1.0" encoding="utf-8"?>
+<file path=ppt/slides/slide22.xml><?xml version="1.0" encoding="utf-8"?>
 <p:sld xmlns:a="http://schemas.openxmlformats.org/drawingml/2006/main" xmlns:r="http://schemas.openxmlformats.org/officeDocument/2006/relationships" xmlns:p="http://schemas.openxmlformats.org/presentationml/2006/main">
   <p:cSld>
     <p:bg>
@@ -13428,7 +13930,7 @@
 </p:sld>
 </file>
 
-<file path=ppt/slides/slide22.xml><?xml version="1.0" encoding="utf-8"?>
+<file path=ppt/slides/slide23.xml><?xml version="1.0" encoding="utf-8"?>
 <p:sld xmlns:a="http://schemas.openxmlformats.org/drawingml/2006/main" xmlns:r="http://schemas.openxmlformats.org/officeDocument/2006/relationships" xmlns:p="http://schemas.openxmlformats.org/presentationml/2006/main">
   <p:cSld>
     <p:spTree>
@@ -13926,7 +14428,7 @@
 </p:sld>
 </file>
 
-<file path=ppt/slides/slide23.xml><?xml version="1.0" encoding="utf-8"?>
+<file path=ppt/slides/slide24.xml><?xml version="1.0" encoding="utf-8"?>
 <p:sld xmlns:a="http://schemas.openxmlformats.org/drawingml/2006/main" xmlns:r="http://schemas.openxmlformats.org/officeDocument/2006/relationships" xmlns:p="http://schemas.openxmlformats.org/presentationml/2006/main">
   <p:cSld>
     <p:bg>
@@ -14485,7 +14987,7 @@
 </p:sld>
 </file>
 
-<file path=ppt/slides/slide24.xml><?xml version="1.0" encoding="utf-8"?>
+<file path=ppt/slides/slide25.xml><?xml version="1.0" encoding="utf-8"?>
 <p:sld xmlns:a="http://schemas.openxmlformats.org/drawingml/2006/main" xmlns:r="http://schemas.openxmlformats.org/officeDocument/2006/relationships" xmlns:p="http://schemas.openxmlformats.org/presentationml/2006/main">
   <p:cSld>
     <p:spTree>
@@ -14613,7 +15115,7 @@
 </p:sld>
 </file>
 
-<file path=ppt/slides/slide25.xml><?xml version="1.0" encoding="utf-8"?>
+<file path=ppt/slides/slide26.xml><?xml version="1.0" encoding="utf-8"?>
 <p:sld xmlns:a="http://schemas.openxmlformats.org/drawingml/2006/main" xmlns:r="http://schemas.openxmlformats.org/officeDocument/2006/relationships" xmlns:p="http://schemas.openxmlformats.org/presentationml/2006/main">
   <p:cSld>
     <p:spTree>
@@ -14857,7 +15359,7 @@
 </p:sld>
 </file>
 
-<file path=ppt/slides/slide26.xml><?xml version="1.0" encoding="utf-8"?>
+<file path=ppt/slides/slide27.xml><?xml version="1.0" encoding="utf-8"?>
 <p:sld xmlns:a="http://schemas.openxmlformats.org/drawingml/2006/main" xmlns:r="http://schemas.openxmlformats.org/officeDocument/2006/relationships" xmlns:p="http://schemas.openxmlformats.org/presentationml/2006/main">
   <p:cSld>
     <p:bg>
@@ -15320,7 +15822,7 @@
 </p:sld>
 </file>
 
-<file path=ppt/slides/slide27.xml><?xml version="1.0" encoding="utf-8"?>
+<file path=ppt/slides/slide28.xml><?xml version="1.0" encoding="utf-8"?>
 <p:sld xmlns:a="http://schemas.openxmlformats.org/drawingml/2006/main" xmlns:r="http://schemas.openxmlformats.org/officeDocument/2006/relationships" xmlns:p="http://schemas.openxmlformats.org/presentationml/2006/main">
   <p:cSld>
     <p:spTree>
@@ -15565,7 +16067,7 @@
 </p:sld>
 </file>
 
-<file path=ppt/slides/slide28.xml><?xml version="1.0" encoding="utf-8"?>
+<file path=ppt/slides/slide29.xml><?xml version="1.0" encoding="utf-8"?>
 <p:sld xmlns:a="http://schemas.openxmlformats.org/drawingml/2006/main" xmlns:r="http://schemas.openxmlformats.org/officeDocument/2006/relationships" xmlns:p="http://schemas.openxmlformats.org/presentationml/2006/main">
   <p:cSld>
     <p:spTree>
@@ -16191,104 +16693,6 @@
     <p:extLst>
       <p:ext uri="{BB962C8B-B14F-4D97-AF65-F5344CB8AC3E}">
         <p14:creationId xmlns:p14="http://schemas.microsoft.com/office/powerpoint/2010/main" val="2359237257"/>
-      </p:ext>
-    </p:extLst>
-  </p:cSld>
-  <p:clrMapOvr>
-    <a:masterClrMapping/>
-  </p:clrMapOvr>
-</p:sld>
-</file>
-
-<file path=ppt/slides/slide29.xml><?xml version="1.0" encoding="utf-8"?>
-<p:sld xmlns:a="http://schemas.openxmlformats.org/drawingml/2006/main" xmlns:r="http://schemas.openxmlformats.org/officeDocument/2006/relationships" xmlns:p="http://schemas.openxmlformats.org/presentationml/2006/main">
-  <p:cSld>
-    <p:spTree>
-      <p:nvGrpSpPr>
-        <p:cNvPr id="1" name=""/>
-        <p:cNvGrpSpPr/>
-        <p:nvPr/>
-      </p:nvGrpSpPr>
-      <p:grpSpPr>
-        <a:xfrm>
-          <a:off x="0" y="0"/>
-          <a:ext cx="0" cy="0"/>
-          <a:chOff x="0" y="0"/>
-          <a:chExt cx="0" cy="0"/>
-        </a:xfrm>
-      </p:grpSpPr>
-      <p:sp>
-        <p:nvSpPr>
-          <p:cNvPr id="2" name="正方形/長方形 1">
-            <a:extLst>
-              <a:ext uri="{FF2B5EF4-FFF2-40B4-BE49-F238E27FC236}">
-                <a16:creationId xmlns:a16="http://schemas.microsoft.com/office/drawing/2014/main" id="{45910AE6-139D-459C-8491-76971221E219}"/>
-              </a:ext>
-            </a:extLst>
-          </p:cNvPr>
-          <p:cNvSpPr/>
-          <p:nvPr/>
-        </p:nvSpPr>
-        <p:spPr>
-          <a:xfrm>
-            <a:off x="2667000" y="0"/>
-            <a:ext cx="6858000" cy="6858000"/>
-          </a:xfrm>
-          <a:prstGeom prst="rect">
-            <a:avLst/>
-          </a:prstGeom>
-          <a:gradFill flip="none" rotWithShape="1">
-            <a:gsLst>
-              <a:gs pos="0">
-                <a:schemeClr val="accent1">
-                  <a:lumMod val="5000"/>
-                  <a:lumOff val="95000"/>
-                </a:schemeClr>
-              </a:gs>
-              <a:gs pos="100000">
-                <a:schemeClr val="tx1">
-                  <a:alpha val="0"/>
-                </a:schemeClr>
-              </a:gs>
-            </a:gsLst>
-            <a:path path="circle">
-              <a:fillToRect l="50000" t="50000" r="50000" b="50000"/>
-            </a:path>
-            <a:tileRect/>
-          </a:gradFill>
-          <a:ln>
-            <a:noFill/>
-          </a:ln>
-        </p:spPr>
-        <p:style>
-          <a:lnRef idx="2">
-            <a:schemeClr val="accent1">
-              <a:shade val="50000"/>
-            </a:schemeClr>
-          </a:lnRef>
-          <a:fillRef idx="1">
-            <a:schemeClr val="accent1"/>
-          </a:fillRef>
-          <a:effectRef idx="0">
-            <a:schemeClr val="accent1"/>
-          </a:effectRef>
-          <a:fontRef idx="minor">
-            <a:schemeClr val="lt1"/>
-          </a:fontRef>
-        </p:style>
-        <p:txBody>
-          <a:bodyPr rtlCol="0" anchor="ctr"/>
-          <a:lstStyle/>
-          <a:p>
-            <a:pPr algn="ctr"/>
-            <a:endParaRPr kumimoji="1" lang="ja-JP" altLang="en-US"/>
-          </a:p>
-        </p:txBody>
-      </p:sp>
-    </p:spTree>
-    <p:extLst>
-      <p:ext uri="{BB962C8B-B14F-4D97-AF65-F5344CB8AC3E}">
-        <p14:creationId xmlns:p14="http://schemas.microsoft.com/office/powerpoint/2010/main" val="2571100054"/>
       </p:ext>
     </p:extLst>
   </p:cSld>
@@ -17247,6 +17651,104 @@
           <p:cNvPr id="2" name="正方形/長方形 1">
             <a:extLst>
               <a:ext uri="{FF2B5EF4-FFF2-40B4-BE49-F238E27FC236}">
+                <a16:creationId xmlns:a16="http://schemas.microsoft.com/office/drawing/2014/main" id="{45910AE6-139D-459C-8491-76971221E219}"/>
+              </a:ext>
+            </a:extLst>
+          </p:cNvPr>
+          <p:cNvSpPr/>
+          <p:nvPr/>
+        </p:nvSpPr>
+        <p:spPr>
+          <a:xfrm>
+            <a:off x="2667000" y="0"/>
+            <a:ext cx="6858000" cy="6858000"/>
+          </a:xfrm>
+          <a:prstGeom prst="rect">
+            <a:avLst/>
+          </a:prstGeom>
+          <a:gradFill flip="none" rotWithShape="1">
+            <a:gsLst>
+              <a:gs pos="0">
+                <a:schemeClr val="accent1">
+                  <a:lumMod val="5000"/>
+                  <a:lumOff val="95000"/>
+                </a:schemeClr>
+              </a:gs>
+              <a:gs pos="100000">
+                <a:schemeClr val="tx1">
+                  <a:alpha val="0"/>
+                </a:schemeClr>
+              </a:gs>
+            </a:gsLst>
+            <a:path path="circle">
+              <a:fillToRect l="50000" t="50000" r="50000" b="50000"/>
+            </a:path>
+            <a:tileRect/>
+          </a:gradFill>
+          <a:ln>
+            <a:noFill/>
+          </a:ln>
+        </p:spPr>
+        <p:style>
+          <a:lnRef idx="2">
+            <a:schemeClr val="accent1">
+              <a:shade val="50000"/>
+            </a:schemeClr>
+          </a:lnRef>
+          <a:fillRef idx="1">
+            <a:schemeClr val="accent1"/>
+          </a:fillRef>
+          <a:effectRef idx="0">
+            <a:schemeClr val="accent1"/>
+          </a:effectRef>
+          <a:fontRef idx="minor">
+            <a:schemeClr val="lt1"/>
+          </a:fontRef>
+        </p:style>
+        <p:txBody>
+          <a:bodyPr rtlCol="0" anchor="ctr"/>
+          <a:lstStyle/>
+          <a:p>
+            <a:pPr algn="ctr"/>
+            <a:endParaRPr kumimoji="1" lang="ja-JP" altLang="en-US"/>
+          </a:p>
+        </p:txBody>
+      </p:sp>
+    </p:spTree>
+    <p:extLst>
+      <p:ext uri="{BB962C8B-B14F-4D97-AF65-F5344CB8AC3E}">
+        <p14:creationId xmlns:p14="http://schemas.microsoft.com/office/powerpoint/2010/main" val="2571100054"/>
+      </p:ext>
+    </p:extLst>
+  </p:cSld>
+  <p:clrMapOvr>
+    <a:masterClrMapping/>
+  </p:clrMapOvr>
+</p:sld>
+</file>
+
+<file path=ppt/slides/slide31.xml><?xml version="1.0" encoding="utf-8"?>
+<p:sld xmlns:a="http://schemas.openxmlformats.org/drawingml/2006/main" xmlns:r="http://schemas.openxmlformats.org/officeDocument/2006/relationships" xmlns:p="http://schemas.openxmlformats.org/presentationml/2006/main">
+  <p:cSld>
+    <p:spTree>
+      <p:nvGrpSpPr>
+        <p:cNvPr id="1" name=""/>
+        <p:cNvGrpSpPr/>
+        <p:nvPr/>
+      </p:nvGrpSpPr>
+      <p:grpSpPr>
+        <a:xfrm>
+          <a:off x="0" y="0"/>
+          <a:ext cx="0" cy="0"/>
+          <a:chOff x="0" y="0"/>
+          <a:chExt cx="0" cy="0"/>
+        </a:xfrm>
+      </p:grpSpPr>
+      <p:sp>
+        <p:nvSpPr>
+          <p:cNvPr id="2" name="正方形/長方形 1">
+            <a:extLst>
+              <a:ext uri="{FF2B5EF4-FFF2-40B4-BE49-F238E27FC236}">
                 <a16:creationId xmlns:a16="http://schemas.microsoft.com/office/drawing/2014/main" id="{71273963-2922-4E51-B3AE-19FAC4FBDCF0}"/>
               </a:ext>
             </a:extLst>
@@ -17405,7 +17907,7 @@
 </p:sld>
 </file>
 
-<file path=ppt/slides/slide31.xml><?xml version="1.0" encoding="utf-8"?>
+<file path=ppt/slides/slide32.xml><?xml version="1.0" encoding="utf-8"?>
 <p:sld xmlns:a="http://schemas.openxmlformats.org/drawingml/2006/main" xmlns:r="http://schemas.openxmlformats.org/officeDocument/2006/relationships" xmlns:p="http://schemas.openxmlformats.org/presentationml/2006/main">
   <p:cSld>
     <p:bg>
@@ -17790,7 +18292,7 @@
 </p:sld>
 </file>
 
-<file path=ppt/slides/slide32.xml><?xml version="1.0" encoding="utf-8"?>
+<file path=ppt/slides/slide33.xml><?xml version="1.0" encoding="utf-8"?>
 <p:sld xmlns:a="http://schemas.openxmlformats.org/drawingml/2006/main" xmlns:r="http://schemas.openxmlformats.org/officeDocument/2006/relationships" xmlns:p="http://schemas.openxmlformats.org/presentationml/2006/main">
   <p:cSld>
     <p:bg>
@@ -18529,7 +19031,499 @@
 </p:sld>
 </file>
 
-<file path=ppt/slides/slide33.xml><?xml version="1.0" encoding="utf-8"?>
+<file path=ppt/slides/slide34.xml><?xml version="1.0" encoding="utf-8"?>
+<p:sld xmlns:a="http://schemas.openxmlformats.org/drawingml/2006/main" xmlns:r="http://schemas.openxmlformats.org/officeDocument/2006/relationships" xmlns:p="http://schemas.openxmlformats.org/presentationml/2006/main">
+  <p:cSld>
+    <p:bg>
+      <p:bgPr>
+        <a:solidFill>
+          <a:schemeClr val="accent5"/>
+        </a:solidFill>
+        <a:effectLst/>
+      </p:bgPr>
+    </p:bg>
+    <p:spTree>
+      <p:nvGrpSpPr>
+        <p:cNvPr id="1" name=""/>
+        <p:cNvGrpSpPr/>
+        <p:nvPr/>
+      </p:nvGrpSpPr>
+      <p:grpSpPr>
+        <a:xfrm>
+          <a:off x="0" y="0"/>
+          <a:ext cx="0" cy="0"/>
+          <a:chOff x="0" y="0"/>
+          <a:chExt cx="0" cy="0"/>
+        </a:xfrm>
+      </p:grpSpPr>
+      <p:sp>
+        <p:nvSpPr>
+          <p:cNvPr id="2" name="テキスト ボックス 1">
+            <a:extLst>
+              <a:ext uri="{FF2B5EF4-FFF2-40B4-BE49-F238E27FC236}">
+                <a16:creationId xmlns:a16="http://schemas.microsoft.com/office/drawing/2014/main" id="{961F047F-292F-4028-B4E5-F97633BC9DE6}"/>
+              </a:ext>
+            </a:extLst>
+          </p:cNvPr>
+          <p:cNvSpPr txBox="1"/>
+          <p:nvPr/>
+        </p:nvSpPr>
+        <p:spPr>
+          <a:xfrm>
+            <a:off x="-780939" y="1952952"/>
+            <a:ext cx="3149600" cy="830997"/>
+          </a:xfrm>
+          <a:prstGeom prst="rect">
+            <a:avLst/>
+          </a:prstGeom>
+          <a:noFill/>
+        </p:spPr>
+        <p:txBody>
+          <a:bodyPr wrap="square" rtlCol="0">
+            <a:spAutoFit/>
+          </a:bodyPr>
+          <a:lstStyle/>
+          <a:p>
+            <a:pPr algn="ctr"/>
+            <a:r>
+              <a:rPr kumimoji="1" lang="ja-JP" altLang="en-US" sz="4800" dirty="0">
+                <a:solidFill>
+                  <a:schemeClr val="bg1"/>
+                </a:solidFill>
+                <a:effectLst/>
+                <a:latin typeface="游明朝" panose="02020400000000000000" pitchFamily="18" charset="-128"/>
+                <a:ea typeface="游明朝" panose="02020400000000000000" pitchFamily="18" charset="-128"/>
+              </a:rPr>
+              <a:t>絞り込み</a:t>
+            </a:r>
+            <a:endParaRPr kumimoji="1" lang="en-US" altLang="ja-JP" sz="4800" dirty="0">
+              <a:solidFill>
+                <a:schemeClr val="bg1"/>
+              </a:solidFill>
+              <a:effectLst/>
+              <a:latin typeface="游明朝" panose="02020400000000000000" pitchFamily="18" charset="-128"/>
+              <a:ea typeface="游明朝" panose="02020400000000000000" pitchFamily="18" charset="-128"/>
+            </a:endParaRPr>
+          </a:p>
+        </p:txBody>
+      </p:sp>
+      <p:sp>
+        <p:nvSpPr>
+          <p:cNvPr id="12" name="テキスト ボックス 11">
+            <a:extLst>
+              <a:ext uri="{FF2B5EF4-FFF2-40B4-BE49-F238E27FC236}">
+                <a16:creationId xmlns:a16="http://schemas.microsoft.com/office/drawing/2014/main" id="{ECCF1432-290F-4C9C-91E7-BC1044693DAC}"/>
+              </a:ext>
+            </a:extLst>
+          </p:cNvPr>
+          <p:cNvSpPr txBox="1"/>
+          <p:nvPr/>
+        </p:nvSpPr>
+        <p:spPr>
+          <a:xfrm>
+            <a:off x="-2868819" y="3258027"/>
+            <a:ext cx="3149600" cy="707886"/>
+          </a:xfrm>
+          <a:prstGeom prst="rect">
+            <a:avLst/>
+          </a:prstGeom>
+          <a:noFill/>
+        </p:spPr>
+        <p:txBody>
+          <a:bodyPr wrap="square" rtlCol="0">
+            <a:spAutoFit/>
+          </a:bodyPr>
+          <a:lstStyle/>
+          <a:p>
+            <a:pPr algn="r"/>
+            <a:r>
+              <a:rPr kumimoji="1" lang="ja-JP" altLang="en-US" sz="4000" dirty="0">
+                <a:solidFill>
+                  <a:schemeClr val="bg1"/>
+                </a:solidFill>
+                <a:effectLst/>
+                <a:latin typeface="游明朝" panose="02020400000000000000" pitchFamily="18" charset="-128"/>
+                <a:ea typeface="游明朝" panose="02020400000000000000" pitchFamily="18" charset="-128"/>
+              </a:rPr>
+              <a:t>楽曲</a:t>
+            </a:r>
+            <a:endParaRPr kumimoji="1" lang="en-US" altLang="ja-JP" sz="4000" dirty="0">
+              <a:solidFill>
+                <a:schemeClr val="bg1"/>
+              </a:solidFill>
+              <a:effectLst/>
+              <a:latin typeface="游明朝" panose="02020400000000000000" pitchFamily="18" charset="-128"/>
+              <a:ea typeface="游明朝" panose="02020400000000000000" pitchFamily="18" charset="-128"/>
+            </a:endParaRPr>
+          </a:p>
+        </p:txBody>
+      </p:sp>
+      <p:sp>
+        <p:nvSpPr>
+          <p:cNvPr id="14" name="テキスト ボックス 13">
+            <a:extLst>
+              <a:ext uri="{FF2B5EF4-FFF2-40B4-BE49-F238E27FC236}">
+                <a16:creationId xmlns:a16="http://schemas.microsoft.com/office/drawing/2014/main" id="{15B88A0C-634E-4AB8-9E95-99E7AF787005}"/>
+              </a:ext>
+            </a:extLst>
+          </p:cNvPr>
+          <p:cNvSpPr txBox="1"/>
+          <p:nvPr/>
+        </p:nvSpPr>
+        <p:spPr>
+          <a:xfrm>
+            <a:off x="-687594" y="5170210"/>
+            <a:ext cx="3149600" cy="707886"/>
+          </a:xfrm>
+          <a:prstGeom prst="rect">
+            <a:avLst/>
+          </a:prstGeom>
+          <a:noFill/>
+        </p:spPr>
+        <p:txBody>
+          <a:bodyPr wrap="square" rtlCol="0">
+            <a:spAutoFit/>
+          </a:bodyPr>
+          <a:lstStyle/>
+          <a:p>
+            <a:pPr algn="r"/>
+            <a:r>
+              <a:rPr kumimoji="1" lang="ja-JP" altLang="en-US" sz="4000" dirty="0">
+                <a:solidFill>
+                  <a:schemeClr val="bg1"/>
+                </a:solidFill>
+                <a:effectLst/>
+                <a:latin typeface="游明朝" panose="02020400000000000000" pitchFamily="18" charset="-128"/>
+                <a:ea typeface="游明朝" panose="02020400000000000000" pitchFamily="18" charset="-128"/>
+              </a:rPr>
+              <a:t>昇順</a:t>
+            </a:r>
+            <a:r>
+              <a:rPr kumimoji="1" lang="en-US" altLang="ja-JP" sz="4000" dirty="0">
+                <a:solidFill>
+                  <a:schemeClr val="bg1"/>
+                </a:solidFill>
+                <a:effectLst/>
+                <a:latin typeface="游明朝" panose="02020400000000000000" pitchFamily="18" charset="-128"/>
+                <a:ea typeface="游明朝" panose="02020400000000000000" pitchFamily="18" charset="-128"/>
+              </a:rPr>
+              <a:t>/</a:t>
+            </a:r>
+            <a:r>
+              <a:rPr kumimoji="1" lang="ja-JP" altLang="en-US" sz="4000" dirty="0">
+                <a:solidFill>
+                  <a:schemeClr val="bg1"/>
+                </a:solidFill>
+                <a:effectLst/>
+                <a:latin typeface="游明朝" panose="02020400000000000000" pitchFamily="18" charset="-128"/>
+                <a:ea typeface="游明朝" panose="02020400000000000000" pitchFamily="18" charset="-128"/>
+              </a:rPr>
+              <a:t>降順</a:t>
+            </a:r>
+            <a:endParaRPr kumimoji="1" lang="en-US" altLang="ja-JP" sz="4000" dirty="0">
+              <a:solidFill>
+                <a:schemeClr val="bg1"/>
+              </a:solidFill>
+              <a:effectLst/>
+              <a:latin typeface="游明朝" panose="02020400000000000000" pitchFamily="18" charset="-128"/>
+              <a:ea typeface="游明朝" panose="02020400000000000000" pitchFamily="18" charset="-128"/>
+            </a:endParaRPr>
+          </a:p>
+        </p:txBody>
+      </p:sp>
+      <p:grpSp>
+        <p:nvGrpSpPr>
+          <p:cNvPr id="7" name="グループ化 6">
+            <a:extLst>
+              <a:ext uri="{FF2B5EF4-FFF2-40B4-BE49-F238E27FC236}">
+                <a16:creationId xmlns:a16="http://schemas.microsoft.com/office/drawing/2014/main" id="{07D90DBB-1BDD-4F49-86DB-A57930EFBB5E}"/>
+              </a:ext>
+            </a:extLst>
+          </p:cNvPr>
+          <p:cNvGrpSpPr/>
+          <p:nvPr/>
+        </p:nvGrpSpPr>
+        <p:grpSpPr>
+          <a:xfrm>
+            <a:off x="4245076" y="1820019"/>
+            <a:ext cx="4676073" cy="1927859"/>
+            <a:chOff x="3820227" y="1158240"/>
+            <a:chExt cx="6431280" cy="4541520"/>
+          </a:xfrm>
+        </p:grpSpPr>
+        <p:sp>
+          <p:nvSpPr>
+            <p:cNvPr id="9" name="四角形: 角を丸くする 8">
+              <a:extLst>
+                <a:ext uri="{FF2B5EF4-FFF2-40B4-BE49-F238E27FC236}">
+                  <a16:creationId xmlns:a16="http://schemas.microsoft.com/office/drawing/2014/main" id="{D0041205-7DB4-43B0-9E51-DA34D82DA784}"/>
+                </a:ext>
+              </a:extLst>
+            </p:cNvPr>
+            <p:cNvSpPr/>
+            <p:nvPr/>
+          </p:nvSpPr>
+          <p:spPr>
+            <a:xfrm>
+              <a:off x="3820227" y="1158240"/>
+              <a:ext cx="6431280" cy="4541520"/>
+            </a:xfrm>
+            <a:prstGeom prst="roundRect">
+              <a:avLst/>
+            </a:prstGeom>
+            <a:noFill/>
+            <a:ln w="76200">
+              <a:solidFill>
+                <a:schemeClr val="bg1"/>
+              </a:solidFill>
+            </a:ln>
+          </p:spPr>
+          <p:style>
+            <a:lnRef idx="2">
+              <a:schemeClr val="accent1">
+                <a:shade val="50000"/>
+              </a:schemeClr>
+            </a:lnRef>
+            <a:fillRef idx="1">
+              <a:schemeClr val="accent1"/>
+            </a:fillRef>
+            <a:effectRef idx="0">
+              <a:schemeClr val="accent1"/>
+            </a:effectRef>
+            <a:fontRef idx="minor">
+              <a:schemeClr val="lt1"/>
+            </a:fontRef>
+          </p:style>
+          <p:txBody>
+            <a:bodyPr rtlCol="0" anchor="ctr"/>
+            <a:lstStyle/>
+            <a:p>
+              <a:pPr algn="ctr"/>
+              <a:endParaRPr kumimoji="1" lang="ja-JP" altLang="en-US" dirty="0"/>
+            </a:p>
+          </p:txBody>
+        </p:sp>
+        <p:sp>
+          <p:nvSpPr>
+            <p:cNvPr id="4" name="四角形: 角を丸くする 3">
+              <a:extLst>
+                <a:ext uri="{FF2B5EF4-FFF2-40B4-BE49-F238E27FC236}">
+                  <a16:creationId xmlns:a16="http://schemas.microsoft.com/office/drawing/2014/main" id="{04F17138-FE7B-482C-8B0F-4382108AD001}"/>
+                </a:ext>
+              </a:extLst>
+            </p:cNvPr>
+            <p:cNvSpPr/>
+            <p:nvPr/>
+          </p:nvSpPr>
+          <p:spPr>
+            <a:xfrm>
+              <a:off x="3820227" y="1158240"/>
+              <a:ext cx="6431280" cy="4541520"/>
+            </a:xfrm>
+            <a:prstGeom prst="roundRect">
+              <a:avLst/>
+            </a:prstGeom>
+            <a:gradFill>
+              <a:gsLst>
+                <a:gs pos="0">
+                  <a:schemeClr val="accent1">
+                    <a:lumMod val="0"/>
+                    <a:lumOff val="100000"/>
+                  </a:schemeClr>
+                </a:gs>
+                <a:gs pos="40000">
+                  <a:schemeClr val="tx1">
+                    <a:lumMod val="95000"/>
+                  </a:schemeClr>
+                </a:gs>
+                <a:gs pos="62000">
+                  <a:schemeClr val="tx1">
+                    <a:lumMod val="95000"/>
+                  </a:schemeClr>
+                </a:gs>
+                <a:gs pos="95000">
+                  <a:schemeClr val="tx1">
+                    <a:lumMod val="85000"/>
+                  </a:schemeClr>
+                </a:gs>
+              </a:gsLst>
+              <a:lin ang="5400000" scaled="1"/>
+            </a:gradFill>
+            <a:ln>
+              <a:noFill/>
+            </a:ln>
+          </p:spPr>
+          <p:style>
+            <a:lnRef idx="2">
+              <a:schemeClr val="accent1">
+                <a:shade val="50000"/>
+              </a:schemeClr>
+            </a:lnRef>
+            <a:fillRef idx="1">
+              <a:schemeClr val="accent1"/>
+            </a:fillRef>
+            <a:effectRef idx="0">
+              <a:schemeClr val="accent1"/>
+            </a:effectRef>
+            <a:fontRef idx="minor">
+              <a:schemeClr val="lt1"/>
+            </a:fontRef>
+          </p:style>
+          <p:txBody>
+            <a:bodyPr rtlCol="0" anchor="ctr"/>
+            <a:lstStyle/>
+            <a:p>
+              <a:pPr algn="ctr"/>
+              <a:endParaRPr kumimoji="1" lang="ja-JP" altLang="en-US" dirty="0"/>
+            </a:p>
+          </p:txBody>
+        </p:sp>
+        <p:sp>
+          <p:nvSpPr>
+            <p:cNvPr id="5" name="四角形: 角を丸くする 4">
+              <a:extLst>
+                <a:ext uri="{FF2B5EF4-FFF2-40B4-BE49-F238E27FC236}">
+                  <a16:creationId xmlns:a16="http://schemas.microsoft.com/office/drawing/2014/main" id="{E93AB1DF-B830-41DA-96C9-143ABAE488C7}"/>
+                </a:ext>
+              </a:extLst>
+            </p:cNvPr>
+            <p:cNvSpPr/>
+            <p:nvPr/>
+          </p:nvSpPr>
+          <p:spPr>
+            <a:xfrm>
+              <a:off x="3820227" y="1158240"/>
+              <a:ext cx="6431280" cy="4541520"/>
+            </a:xfrm>
+            <a:prstGeom prst="roundRect">
+              <a:avLst/>
+            </a:prstGeom>
+            <a:noFill/>
+            <a:ln w="63500">
+              <a:gradFill>
+                <a:gsLst>
+                  <a:gs pos="0">
+                    <a:schemeClr val="accent1">
+                      <a:lumMod val="5000"/>
+                      <a:lumOff val="95000"/>
+                    </a:schemeClr>
+                  </a:gs>
+                  <a:gs pos="48000">
+                    <a:schemeClr val="tx1">
+                      <a:lumMod val="85000"/>
+                    </a:schemeClr>
+                  </a:gs>
+                  <a:gs pos="74000">
+                    <a:schemeClr val="tx1">
+                      <a:lumMod val="85000"/>
+                    </a:schemeClr>
+                  </a:gs>
+                  <a:gs pos="100000">
+                    <a:schemeClr val="tx1">
+                      <a:lumMod val="75000"/>
+                    </a:schemeClr>
+                  </a:gs>
+                </a:gsLst>
+                <a:lin ang="5400000" scaled="1"/>
+              </a:gradFill>
+            </a:ln>
+          </p:spPr>
+          <p:style>
+            <a:lnRef idx="2">
+              <a:schemeClr val="accent1">
+                <a:shade val="50000"/>
+              </a:schemeClr>
+            </a:lnRef>
+            <a:fillRef idx="1">
+              <a:schemeClr val="accent1"/>
+            </a:fillRef>
+            <a:effectRef idx="0">
+              <a:schemeClr val="accent1"/>
+            </a:effectRef>
+            <a:fontRef idx="minor">
+              <a:schemeClr val="lt1"/>
+            </a:fontRef>
+          </p:style>
+          <p:txBody>
+            <a:bodyPr rtlCol="0" anchor="ctr"/>
+            <a:lstStyle/>
+            <a:p>
+              <a:pPr algn="ctr"/>
+              <a:endParaRPr kumimoji="1" lang="ja-JP" altLang="en-US" dirty="0"/>
+            </a:p>
+          </p:txBody>
+        </p:sp>
+      </p:grpSp>
+      <p:sp>
+        <p:nvSpPr>
+          <p:cNvPr id="3" name="正方形/長方形 2">
+            <a:extLst>
+              <a:ext uri="{FF2B5EF4-FFF2-40B4-BE49-F238E27FC236}">
+                <a16:creationId xmlns:a16="http://schemas.microsoft.com/office/drawing/2014/main" id="{34BCA086-2B20-4DF3-8622-564595EC7CB4}"/>
+              </a:ext>
+            </a:extLst>
+          </p:cNvPr>
+          <p:cNvSpPr/>
+          <p:nvPr/>
+        </p:nvSpPr>
+        <p:spPr>
+          <a:xfrm>
+            <a:off x="3935420" y="5439118"/>
+            <a:ext cx="3909929" cy="623739"/>
+          </a:xfrm>
+          <a:prstGeom prst="rect">
+            <a:avLst/>
+          </a:prstGeom>
+          <a:solidFill>
+            <a:schemeClr val="bg1">
+              <a:lumMod val="85000"/>
+              <a:lumOff val="15000"/>
+              <a:alpha val="84000"/>
+            </a:schemeClr>
+          </a:solidFill>
+          <a:ln>
+            <a:noFill/>
+          </a:ln>
+        </p:spPr>
+        <p:style>
+          <a:lnRef idx="2">
+            <a:schemeClr val="accent1">
+              <a:shade val="50000"/>
+            </a:schemeClr>
+          </a:lnRef>
+          <a:fillRef idx="1">
+            <a:schemeClr val="accent1"/>
+          </a:fillRef>
+          <a:effectRef idx="0">
+            <a:schemeClr val="accent1"/>
+          </a:effectRef>
+          <a:fontRef idx="minor">
+            <a:schemeClr val="lt1"/>
+          </a:fontRef>
+        </p:style>
+        <p:txBody>
+          <a:bodyPr rtlCol="0" anchor="ctr"/>
+          <a:lstStyle/>
+          <a:p>
+            <a:pPr algn="ctr"/>
+            <a:endParaRPr kumimoji="1" lang="ja-JP" altLang="en-US" dirty="0"/>
+          </a:p>
+        </p:txBody>
+      </p:sp>
+    </p:spTree>
+    <p:extLst>
+      <p:ext uri="{BB962C8B-B14F-4D97-AF65-F5344CB8AC3E}">
+        <p14:creationId xmlns:p14="http://schemas.microsoft.com/office/powerpoint/2010/main" val="3063805297"/>
+      </p:ext>
+    </p:extLst>
+  </p:cSld>
+  <p:clrMapOvr>
+    <a:masterClrMapping/>
+  </p:clrMapOvr>
+</p:sld>
+</file>
+
+<file path=ppt/slides/slide35.xml><?xml version="1.0" encoding="utf-8"?>
 <p:sld xmlns:a="http://schemas.openxmlformats.org/drawingml/2006/main" xmlns:r="http://schemas.openxmlformats.org/officeDocument/2006/relationships" xmlns:p="http://schemas.openxmlformats.org/presentationml/2006/main">
   <p:cSld>
     <p:bg>
@@ -19174,7 +20168,7 @@
 </p:sld>
 </file>
 
-<file path=ppt/slides/slide34.xml><?xml version="1.0" encoding="utf-8"?>
+<file path=ppt/slides/slide36.xml><?xml version="1.0" encoding="utf-8"?>
 <p:sld xmlns:a="http://schemas.openxmlformats.org/drawingml/2006/main" xmlns:r="http://schemas.openxmlformats.org/officeDocument/2006/relationships" xmlns:p="http://schemas.openxmlformats.org/presentationml/2006/main">
   <p:cSld>
     <p:spTree>
@@ -19615,7 +20609,7 @@
 </p:sld>
 </file>
 
-<file path=ppt/slides/slide35.xml><?xml version="1.0" encoding="utf-8"?>
+<file path=ppt/slides/slide37.xml><?xml version="1.0" encoding="utf-8"?>
 <p:sld xmlns:a="http://schemas.openxmlformats.org/drawingml/2006/main" xmlns:r="http://schemas.openxmlformats.org/officeDocument/2006/relationships" xmlns:p="http://schemas.openxmlformats.org/presentationml/2006/main">
   <p:cSld>
     <p:spTree>
@@ -21549,7 +22543,7 @@
 </p:sld>
 </file>
 
-<file path=ppt/slides/slide36.xml><?xml version="1.0" encoding="utf-8"?>
+<file path=ppt/slides/slide38.xml><?xml version="1.0" encoding="utf-8"?>
 <p:sld xmlns:a="http://schemas.openxmlformats.org/drawingml/2006/main" xmlns:r="http://schemas.openxmlformats.org/officeDocument/2006/relationships" xmlns:p="http://schemas.openxmlformats.org/presentationml/2006/main">
   <p:cSld>
     <p:spTree>
@@ -22011,7 +23005,7 @@
 </p:sld>
 </file>
 
-<file path=ppt/slides/slide37.xml><?xml version="1.0" encoding="utf-8"?>
+<file path=ppt/slides/slide39.xml><?xml version="1.0" encoding="utf-8"?>
 <p:sld xmlns:a="http://schemas.openxmlformats.org/drawingml/2006/main" xmlns:r="http://schemas.openxmlformats.org/officeDocument/2006/relationships" xmlns:p="http://schemas.openxmlformats.org/presentationml/2006/main">
   <p:cSld>
     <p:spTree>
@@ -22148,180 +23142,6 @@
     <p:extLst>
       <p:ext uri="{BB962C8B-B14F-4D97-AF65-F5344CB8AC3E}">
         <p14:creationId xmlns:p14="http://schemas.microsoft.com/office/powerpoint/2010/main" val="718937972"/>
-      </p:ext>
-    </p:extLst>
-  </p:cSld>
-  <p:clrMapOvr>
-    <a:masterClrMapping/>
-  </p:clrMapOvr>
-</p:sld>
-</file>
-
-<file path=ppt/slides/slide38.xml><?xml version="1.0" encoding="utf-8"?>
-<p:sld xmlns:a="http://schemas.openxmlformats.org/drawingml/2006/main" xmlns:r="http://schemas.openxmlformats.org/officeDocument/2006/relationships" xmlns:p="http://schemas.openxmlformats.org/presentationml/2006/main">
-  <p:cSld>
-    <p:spTree>
-      <p:nvGrpSpPr>
-        <p:cNvPr id="1" name=""/>
-        <p:cNvGrpSpPr/>
-        <p:nvPr/>
-      </p:nvGrpSpPr>
-      <p:grpSpPr>
-        <a:xfrm>
-          <a:off x="0" y="0"/>
-          <a:ext cx="0" cy="0"/>
-          <a:chOff x="0" y="0"/>
-          <a:chExt cx="0" cy="0"/>
-        </a:xfrm>
-      </p:grpSpPr>
-      <p:sp>
-        <p:nvSpPr>
-          <p:cNvPr id="2" name="タイトル 1">
-            <a:extLst>
-              <a:ext uri="{FF2B5EF4-FFF2-40B4-BE49-F238E27FC236}">
-                <a16:creationId xmlns:a16="http://schemas.microsoft.com/office/drawing/2014/main" id="{26D2604B-6FB4-4D9E-BF01-283710E06A1B}"/>
-              </a:ext>
-            </a:extLst>
-          </p:cNvPr>
-          <p:cNvSpPr>
-            <a:spLocks noGrp="1"/>
-          </p:cNvSpPr>
-          <p:nvPr>
-            <p:ph type="title"/>
-          </p:nvPr>
-        </p:nvSpPr>
-        <p:spPr/>
-        <p:txBody>
-          <a:bodyPr/>
-          <a:lstStyle/>
-          <a:p>
-            <a:r>
-              <a:rPr lang="ja-JP" altLang="en-US" dirty="0">
-                <a:latin typeface="游明朝 Demibold" panose="02020600000000000000" pitchFamily="18" charset="-128"/>
-                <a:ea typeface="游明朝 Demibold" panose="02020600000000000000" pitchFamily="18" charset="-128"/>
-              </a:rPr>
-              <a:t>シャイニングスター</a:t>
-            </a:r>
-            <a:endParaRPr kumimoji="1" lang="ja-JP" altLang="en-US" dirty="0">
-              <a:latin typeface="游明朝 Demibold" panose="02020600000000000000" pitchFamily="18" charset="-128"/>
-              <a:ea typeface="游明朝 Demibold" panose="02020600000000000000" pitchFamily="18" charset="-128"/>
-            </a:endParaRPr>
-          </a:p>
-        </p:txBody>
-      </p:sp>
-      <p:sp>
-        <p:nvSpPr>
-          <p:cNvPr id="3" name="コンテンツ プレースホルダー 2">
-            <a:extLst>
-              <a:ext uri="{FF2B5EF4-FFF2-40B4-BE49-F238E27FC236}">
-                <a16:creationId xmlns:a16="http://schemas.microsoft.com/office/drawing/2014/main" id="{B9281618-C05D-4AC8-883E-AA0E89C34C99}"/>
-              </a:ext>
-            </a:extLst>
-          </p:cNvPr>
-          <p:cNvSpPr>
-            <a:spLocks noGrp="1"/>
-          </p:cNvSpPr>
-          <p:nvPr>
-            <p:ph idx="1"/>
-          </p:nvPr>
-        </p:nvSpPr>
-        <p:spPr/>
-        <p:txBody>
-          <a:bodyPr/>
-          <a:lstStyle/>
-          <a:p>
-            <a:endParaRPr kumimoji="1" lang="ja-JP" altLang="en-US"/>
-          </a:p>
-        </p:txBody>
-      </p:sp>
-    </p:spTree>
-    <p:extLst>
-      <p:ext uri="{BB962C8B-B14F-4D97-AF65-F5344CB8AC3E}">
-        <p14:creationId xmlns:p14="http://schemas.microsoft.com/office/powerpoint/2010/main" val="651213926"/>
-      </p:ext>
-    </p:extLst>
-  </p:cSld>
-  <p:clrMapOvr>
-    <a:masterClrMapping/>
-  </p:clrMapOvr>
-</p:sld>
-</file>
-
-<file path=ppt/slides/slide39.xml><?xml version="1.0" encoding="utf-8"?>
-<p:sld xmlns:a="http://schemas.openxmlformats.org/drawingml/2006/main" xmlns:r="http://schemas.openxmlformats.org/officeDocument/2006/relationships" xmlns:p="http://schemas.openxmlformats.org/presentationml/2006/main">
-  <p:cSld>
-    <p:spTree>
-      <p:nvGrpSpPr>
-        <p:cNvPr id="1" name=""/>
-        <p:cNvGrpSpPr/>
-        <p:nvPr/>
-      </p:nvGrpSpPr>
-      <p:grpSpPr>
-        <a:xfrm>
-          <a:off x="0" y="0"/>
-          <a:ext cx="0" cy="0"/>
-          <a:chOff x="0" y="0"/>
-          <a:chExt cx="0" cy="0"/>
-        </a:xfrm>
-      </p:grpSpPr>
-      <p:sp>
-        <p:nvSpPr>
-          <p:cNvPr id="13" name="正方形/長方形 12">
-            <a:extLst>
-              <a:ext uri="{FF2B5EF4-FFF2-40B4-BE49-F238E27FC236}">
-                <a16:creationId xmlns:a16="http://schemas.microsoft.com/office/drawing/2014/main" id="{4BFCD2B7-DB0C-4748-BB24-B58A851FD838}"/>
-              </a:ext>
-            </a:extLst>
-          </p:cNvPr>
-          <p:cNvSpPr/>
-          <p:nvPr/>
-        </p:nvSpPr>
-        <p:spPr>
-          <a:xfrm>
-            <a:off x="2658319" y="0"/>
-            <a:ext cx="6875362" cy="6875362"/>
-          </a:xfrm>
-          <a:prstGeom prst="rect">
-            <a:avLst/>
-          </a:prstGeom>
-          <a:solidFill>
-            <a:schemeClr val="tx1">
-              <a:lumMod val="85000"/>
-            </a:schemeClr>
-          </a:solidFill>
-          <a:ln>
-            <a:noFill/>
-          </a:ln>
-        </p:spPr>
-        <p:style>
-          <a:lnRef idx="2">
-            <a:schemeClr val="accent1">
-              <a:shade val="50000"/>
-            </a:schemeClr>
-          </a:lnRef>
-          <a:fillRef idx="1">
-            <a:schemeClr val="accent1"/>
-          </a:fillRef>
-          <a:effectRef idx="0">
-            <a:schemeClr val="accent1"/>
-          </a:effectRef>
-          <a:fontRef idx="minor">
-            <a:schemeClr val="lt1"/>
-          </a:fontRef>
-        </p:style>
-        <p:txBody>
-          <a:bodyPr rtlCol="0" anchor="ctr"/>
-          <a:lstStyle/>
-          <a:p>
-            <a:pPr algn="ctr"/>
-            <a:endParaRPr kumimoji="1" lang="ja-JP" altLang="en-US"/>
-          </a:p>
-        </p:txBody>
-      </p:sp>
-    </p:spTree>
-    <p:extLst>
-      <p:ext uri="{BB962C8B-B14F-4D97-AF65-F5344CB8AC3E}">
-        <p14:creationId xmlns:p14="http://schemas.microsoft.com/office/powerpoint/2010/main" val="201829534"/>
       </p:ext>
     </p:extLst>
   </p:cSld>
@@ -23745,6 +24565,180 @@
 </p:sld>
 </file>
 
+<file path=ppt/slides/slide40.xml><?xml version="1.0" encoding="utf-8"?>
+<p:sld xmlns:a="http://schemas.openxmlformats.org/drawingml/2006/main" xmlns:r="http://schemas.openxmlformats.org/officeDocument/2006/relationships" xmlns:p="http://schemas.openxmlformats.org/presentationml/2006/main">
+  <p:cSld>
+    <p:spTree>
+      <p:nvGrpSpPr>
+        <p:cNvPr id="1" name=""/>
+        <p:cNvGrpSpPr/>
+        <p:nvPr/>
+      </p:nvGrpSpPr>
+      <p:grpSpPr>
+        <a:xfrm>
+          <a:off x="0" y="0"/>
+          <a:ext cx="0" cy="0"/>
+          <a:chOff x="0" y="0"/>
+          <a:chExt cx="0" cy="0"/>
+        </a:xfrm>
+      </p:grpSpPr>
+      <p:sp>
+        <p:nvSpPr>
+          <p:cNvPr id="2" name="タイトル 1">
+            <a:extLst>
+              <a:ext uri="{FF2B5EF4-FFF2-40B4-BE49-F238E27FC236}">
+                <a16:creationId xmlns:a16="http://schemas.microsoft.com/office/drawing/2014/main" id="{26D2604B-6FB4-4D9E-BF01-283710E06A1B}"/>
+              </a:ext>
+            </a:extLst>
+          </p:cNvPr>
+          <p:cNvSpPr>
+            <a:spLocks noGrp="1"/>
+          </p:cNvSpPr>
+          <p:nvPr>
+            <p:ph type="title"/>
+          </p:nvPr>
+        </p:nvSpPr>
+        <p:spPr/>
+        <p:txBody>
+          <a:bodyPr/>
+          <a:lstStyle/>
+          <a:p>
+            <a:r>
+              <a:rPr lang="ja-JP" altLang="en-US" dirty="0">
+                <a:latin typeface="游明朝 Demibold" panose="02020600000000000000" pitchFamily="18" charset="-128"/>
+                <a:ea typeface="游明朝 Demibold" panose="02020600000000000000" pitchFamily="18" charset="-128"/>
+              </a:rPr>
+              <a:t>シャイニングスター</a:t>
+            </a:r>
+            <a:endParaRPr kumimoji="1" lang="ja-JP" altLang="en-US" dirty="0">
+              <a:latin typeface="游明朝 Demibold" panose="02020600000000000000" pitchFamily="18" charset="-128"/>
+              <a:ea typeface="游明朝 Demibold" panose="02020600000000000000" pitchFamily="18" charset="-128"/>
+            </a:endParaRPr>
+          </a:p>
+        </p:txBody>
+      </p:sp>
+      <p:sp>
+        <p:nvSpPr>
+          <p:cNvPr id="3" name="コンテンツ プレースホルダー 2">
+            <a:extLst>
+              <a:ext uri="{FF2B5EF4-FFF2-40B4-BE49-F238E27FC236}">
+                <a16:creationId xmlns:a16="http://schemas.microsoft.com/office/drawing/2014/main" id="{B9281618-C05D-4AC8-883E-AA0E89C34C99}"/>
+              </a:ext>
+            </a:extLst>
+          </p:cNvPr>
+          <p:cNvSpPr>
+            <a:spLocks noGrp="1"/>
+          </p:cNvSpPr>
+          <p:nvPr>
+            <p:ph idx="1"/>
+          </p:nvPr>
+        </p:nvSpPr>
+        <p:spPr/>
+        <p:txBody>
+          <a:bodyPr/>
+          <a:lstStyle/>
+          <a:p>
+            <a:endParaRPr kumimoji="1" lang="ja-JP" altLang="en-US"/>
+          </a:p>
+        </p:txBody>
+      </p:sp>
+    </p:spTree>
+    <p:extLst>
+      <p:ext uri="{BB962C8B-B14F-4D97-AF65-F5344CB8AC3E}">
+        <p14:creationId xmlns:p14="http://schemas.microsoft.com/office/powerpoint/2010/main" val="651213926"/>
+      </p:ext>
+    </p:extLst>
+  </p:cSld>
+  <p:clrMapOvr>
+    <a:masterClrMapping/>
+  </p:clrMapOvr>
+</p:sld>
+</file>
+
+<file path=ppt/slides/slide41.xml><?xml version="1.0" encoding="utf-8"?>
+<p:sld xmlns:a="http://schemas.openxmlformats.org/drawingml/2006/main" xmlns:r="http://schemas.openxmlformats.org/officeDocument/2006/relationships" xmlns:p="http://schemas.openxmlformats.org/presentationml/2006/main">
+  <p:cSld>
+    <p:spTree>
+      <p:nvGrpSpPr>
+        <p:cNvPr id="1" name=""/>
+        <p:cNvGrpSpPr/>
+        <p:nvPr/>
+      </p:nvGrpSpPr>
+      <p:grpSpPr>
+        <a:xfrm>
+          <a:off x="0" y="0"/>
+          <a:ext cx="0" cy="0"/>
+          <a:chOff x="0" y="0"/>
+          <a:chExt cx="0" cy="0"/>
+        </a:xfrm>
+      </p:grpSpPr>
+      <p:sp>
+        <p:nvSpPr>
+          <p:cNvPr id="13" name="正方形/長方形 12">
+            <a:extLst>
+              <a:ext uri="{FF2B5EF4-FFF2-40B4-BE49-F238E27FC236}">
+                <a16:creationId xmlns:a16="http://schemas.microsoft.com/office/drawing/2014/main" id="{4BFCD2B7-DB0C-4748-BB24-B58A851FD838}"/>
+              </a:ext>
+            </a:extLst>
+          </p:cNvPr>
+          <p:cNvSpPr/>
+          <p:nvPr/>
+        </p:nvSpPr>
+        <p:spPr>
+          <a:xfrm>
+            <a:off x="2658319" y="0"/>
+            <a:ext cx="6875362" cy="6875362"/>
+          </a:xfrm>
+          <a:prstGeom prst="rect">
+            <a:avLst/>
+          </a:prstGeom>
+          <a:solidFill>
+            <a:schemeClr val="tx1">
+              <a:lumMod val="85000"/>
+            </a:schemeClr>
+          </a:solidFill>
+          <a:ln>
+            <a:noFill/>
+          </a:ln>
+        </p:spPr>
+        <p:style>
+          <a:lnRef idx="2">
+            <a:schemeClr val="accent1">
+              <a:shade val="50000"/>
+            </a:schemeClr>
+          </a:lnRef>
+          <a:fillRef idx="1">
+            <a:schemeClr val="accent1"/>
+          </a:fillRef>
+          <a:effectRef idx="0">
+            <a:schemeClr val="accent1"/>
+          </a:effectRef>
+          <a:fontRef idx="minor">
+            <a:schemeClr val="lt1"/>
+          </a:fontRef>
+        </p:style>
+        <p:txBody>
+          <a:bodyPr rtlCol="0" anchor="ctr"/>
+          <a:lstStyle/>
+          <a:p>
+            <a:pPr algn="ctr"/>
+            <a:endParaRPr kumimoji="1" lang="ja-JP" altLang="en-US"/>
+          </a:p>
+        </p:txBody>
+      </p:sp>
+    </p:spTree>
+    <p:extLst>
+      <p:ext uri="{BB962C8B-B14F-4D97-AF65-F5344CB8AC3E}">
+        <p14:creationId xmlns:p14="http://schemas.microsoft.com/office/powerpoint/2010/main" val="201829534"/>
+      </p:ext>
+    </p:extLst>
+  </p:cSld>
+  <p:clrMapOvr>
+    <a:masterClrMapping/>
+  </p:clrMapOvr>
+</p:sld>
+</file>
+
 <file path=ppt/slides/slide5.xml><?xml version="1.0" encoding="utf-8"?>
 <p:sld xmlns:a="http://schemas.openxmlformats.org/drawingml/2006/main" xmlns:r="http://schemas.openxmlformats.org/officeDocument/2006/relationships" xmlns:p="http://schemas.openxmlformats.org/presentationml/2006/main">
   <p:cSld>
@@ -23789,6 +24783,601 @@
     <p:bg>
       <p:bgPr>
         <a:solidFill>
+          <a:schemeClr val="tx1">
+            <a:lumMod val="85000"/>
+          </a:schemeClr>
+        </a:solidFill>
+        <a:effectLst/>
+      </p:bgPr>
+    </p:bg>
+    <p:spTree>
+      <p:nvGrpSpPr>
+        <p:cNvPr id="1" name=""/>
+        <p:cNvGrpSpPr/>
+        <p:nvPr/>
+      </p:nvGrpSpPr>
+      <p:grpSpPr>
+        <a:xfrm>
+          <a:off x="0" y="0"/>
+          <a:ext cx="0" cy="0"/>
+          <a:chOff x="0" y="0"/>
+          <a:chExt cx="0" cy="0"/>
+        </a:xfrm>
+      </p:grpSpPr>
+      <p:sp>
+        <p:nvSpPr>
+          <p:cNvPr id="4" name="正方形/長方形 3">
+            <a:extLst>
+              <a:ext uri="{FF2B5EF4-FFF2-40B4-BE49-F238E27FC236}">
+                <a16:creationId xmlns:a16="http://schemas.microsoft.com/office/drawing/2014/main" id="{B80414D5-F6B5-4ABD-9413-D8C38FDB0CF0}"/>
+              </a:ext>
+            </a:extLst>
+          </p:cNvPr>
+          <p:cNvSpPr/>
+          <p:nvPr/>
+        </p:nvSpPr>
+        <p:spPr>
+          <a:xfrm>
+            <a:off x="3790952" y="369283"/>
+            <a:ext cx="6438900" cy="1065837"/>
+          </a:xfrm>
+          <a:prstGeom prst="rect">
+            <a:avLst/>
+          </a:prstGeom>
+          <a:noFill/>
+          <a:ln>
+            <a:noFill/>
+          </a:ln>
+        </p:spPr>
+        <p:style>
+          <a:lnRef idx="2">
+            <a:schemeClr val="accent1">
+              <a:shade val="50000"/>
+            </a:schemeClr>
+          </a:lnRef>
+          <a:fillRef idx="1">
+            <a:schemeClr val="accent1"/>
+          </a:fillRef>
+          <a:effectRef idx="0">
+            <a:schemeClr val="accent1"/>
+          </a:effectRef>
+          <a:fontRef idx="minor">
+            <a:schemeClr val="lt1"/>
+          </a:fontRef>
+        </p:style>
+        <p:txBody>
+          <a:bodyPr rtlCol="0" anchor="ctr"/>
+          <a:lstStyle/>
+          <a:p>
+            <a:pPr algn="ctr"/>
+            <a:endParaRPr kumimoji="1" lang="ja-JP" altLang="en-US"/>
+          </a:p>
+        </p:txBody>
+      </p:sp>
+      <p:sp>
+        <p:nvSpPr>
+          <p:cNvPr id="2" name="四角形: 上の 2 つの角を切り取る 1">
+            <a:extLst>
+              <a:ext uri="{FF2B5EF4-FFF2-40B4-BE49-F238E27FC236}">
+                <a16:creationId xmlns:a16="http://schemas.microsoft.com/office/drawing/2014/main" id="{24A84263-A3FE-45BD-89FA-412346BF7790}"/>
+              </a:ext>
+            </a:extLst>
+          </p:cNvPr>
+          <p:cNvSpPr/>
+          <p:nvPr/>
+        </p:nvSpPr>
+        <p:spPr>
+          <a:xfrm rot="5400000">
+            <a:off x="4662488" y="-832023"/>
+            <a:ext cx="866777" cy="6096000"/>
+          </a:xfrm>
+          <a:prstGeom prst="snip2SameRect">
+            <a:avLst>
+              <a:gd name="adj1" fmla="val 50000"/>
+              <a:gd name="adj2" fmla="val 0"/>
+            </a:avLst>
+          </a:prstGeom>
+          <a:solidFill>
+            <a:schemeClr val="tx1"/>
+          </a:solidFill>
+          <a:ln>
+            <a:noFill/>
+          </a:ln>
+        </p:spPr>
+        <p:style>
+          <a:lnRef idx="2">
+            <a:schemeClr val="accent1">
+              <a:shade val="50000"/>
+            </a:schemeClr>
+          </a:lnRef>
+          <a:fillRef idx="1">
+            <a:schemeClr val="accent1"/>
+          </a:fillRef>
+          <a:effectRef idx="0">
+            <a:schemeClr val="accent1"/>
+          </a:effectRef>
+          <a:fontRef idx="minor">
+            <a:schemeClr val="lt1"/>
+          </a:fontRef>
+        </p:style>
+        <p:txBody>
+          <a:bodyPr rtlCol="0" anchor="ctr"/>
+          <a:lstStyle/>
+          <a:p>
+            <a:pPr algn="ctr"/>
+            <a:endParaRPr kumimoji="1" lang="ja-JP" altLang="en-US"/>
+          </a:p>
+        </p:txBody>
+      </p:sp>
+      <p:sp>
+        <p:nvSpPr>
+          <p:cNvPr id="3" name="四角形: 上の 2 つの角を切り取る 2">
+            <a:extLst>
+              <a:ext uri="{FF2B5EF4-FFF2-40B4-BE49-F238E27FC236}">
+                <a16:creationId xmlns:a16="http://schemas.microsoft.com/office/drawing/2014/main" id="{E030FCEB-31D2-4088-9A24-875E4B588350}"/>
+              </a:ext>
+            </a:extLst>
+          </p:cNvPr>
+          <p:cNvSpPr/>
+          <p:nvPr/>
+        </p:nvSpPr>
+        <p:spPr>
+          <a:xfrm rot="5400000">
+            <a:off x="4995861" y="-1921188"/>
+            <a:ext cx="866777" cy="6096000"/>
+          </a:xfrm>
+          <a:prstGeom prst="snip2SameRect">
+            <a:avLst>
+              <a:gd name="adj1" fmla="val 50000"/>
+              <a:gd name="adj2" fmla="val 0"/>
+            </a:avLst>
+          </a:prstGeom>
+          <a:noFill/>
+          <a:ln w="88900">
+            <a:solidFill>
+              <a:schemeClr val="tx1"/>
+            </a:solidFill>
+          </a:ln>
+        </p:spPr>
+        <p:style>
+          <a:lnRef idx="2">
+            <a:schemeClr val="accent1">
+              <a:shade val="50000"/>
+            </a:schemeClr>
+          </a:lnRef>
+          <a:fillRef idx="1">
+            <a:schemeClr val="accent1"/>
+          </a:fillRef>
+          <a:effectRef idx="0">
+            <a:schemeClr val="accent1"/>
+          </a:effectRef>
+          <a:fontRef idx="minor">
+            <a:schemeClr val="lt1"/>
+          </a:fontRef>
+        </p:style>
+        <p:txBody>
+          <a:bodyPr rtlCol="0" anchor="ctr"/>
+          <a:lstStyle/>
+          <a:p>
+            <a:pPr algn="ctr"/>
+            <a:endParaRPr kumimoji="1" lang="ja-JP" altLang="en-US"/>
+          </a:p>
+        </p:txBody>
+      </p:sp>
+      <p:sp>
+        <p:nvSpPr>
+          <p:cNvPr id="9" name="四角形: 1 つの角を切り取る 8">
+            <a:extLst>
+              <a:ext uri="{FF2B5EF4-FFF2-40B4-BE49-F238E27FC236}">
+                <a16:creationId xmlns:a16="http://schemas.microsoft.com/office/drawing/2014/main" id="{758E429B-E6E9-4135-9D64-B633060895A0}"/>
+              </a:ext>
+            </a:extLst>
+          </p:cNvPr>
+          <p:cNvSpPr/>
+          <p:nvPr/>
+        </p:nvSpPr>
+        <p:spPr>
+          <a:xfrm flipV="1">
+            <a:off x="2667003" y="2176436"/>
+            <a:ext cx="2247898" cy="866777"/>
+          </a:xfrm>
+          <a:custGeom>
+            <a:avLst/>
+            <a:gdLst>
+              <a:gd name="connsiteX0" fmla="*/ 0 w 6524623"/>
+              <a:gd name="connsiteY0" fmla="*/ 0 h 2388879"/>
+              <a:gd name="connsiteX1" fmla="*/ 5330184 w 6524623"/>
+              <a:gd name="connsiteY1" fmla="*/ 0 h 2388879"/>
+              <a:gd name="connsiteX2" fmla="*/ 6524623 w 6524623"/>
+              <a:gd name="connsiteY2" fmla="*/ 1194440 h 2388879"/>
+              <a:gd name="connsiteX3" fmla="*/ 6524623 w 6524623"/>
+              <a:gd name="connsiteY3" fmla="*/ 2388879 h 2388879"/>
+              <a:gd name="connsiteX4" fmla="*/ 0 w 6524623"/>
+              <a:gd name="connsiteY4" fmla="*/ 2388879 h 2388879"/>
+              <a:gd name="connsiteX5" fmla="*/ 0 w 6524623"/>
+              <a:gd name="connsiteY5" fmla="*/ 0 h 2388879"/>
+              <a:gd name="connsiteX0" fmla="*/ 0 w 6524623"/>
+              <a:gd name="connsiteY0" fmla="*/ 0 h 2388879"/>
+              <a:gd name="connsiteX1" fmla="*/ 5330184 w 6524623"/>
+              <a:gd name="connsiteY1" fmla="*/ 0 h 2388879"/>
+              <a:gd name="connsiteX2" fmla="*/ 6524623 w 6524623"/>
+              <a:gd name="connsiteY2" fmla="*/ 2375540 h 2388879"/>
+              <a:gd name="connsiteX3" fmla="*/ 6524623 w 6524623"/>
+              <a:gd name="connsiteY3" fmla="*/ 2388879 h 2388879"/>
+              <a:gd name="connsiteX4" fmla="*/ 0 w 6524623"/>
+              <a:gd name="connsiteY4" fmla="*/ 2388879 h 2388879"/>
+              <a:gd name="connsiteX5" fmla="*/ 0 w 6524623"/>
+              <a:gd name="connsiteY5" fmla="*/ 0 h 2388879"/>
+              <a:gd name="connsiteX0" fmla="*/ 0 w 6524623"/>
+              <a:gd name="connsiteY0" fmla="*/ 0 h 2388879"/>
+              <a:gd name="connsiteX1" fmla="*/ 4701534 w 6524623"/>
+              <a:gd name="connsiteY1" fmla="*/ 0 h 2388879"/>
+              <a:gd name="connsiteX2" fmla="*/ 6524623 w 6524623"/>
+              <a:gd name="connsiteY2" fmla="*/ 2375540 h 2388879"/>
+              <a:gd name="connsiteX3" fmla="*/ 6524623 w 6524623"/>
+              <a:gd name="connsiteY3" fmla="*/ 2388879 h 2388879"/>
+              <a:gd name="connsiteX4" fmla="*/ 0 w 6524623"/>
+              <a:gd name="connsiteY4" fmla="*/ 2388879 h 2388879"/>
+              <a:gd name="connsiteX5" fmla="*/ 0 w 6524623"/>
+              <a:gd name="connsiteY5" fmla="*/ 0 h 2388879"/>
+            </a:gdLst>
+            <a:ahLst/>
+            <a:cxnLst>
+              <a:cxn ang="0">
+                <a:pos x="connsiteX0" y="connsiteY0"/>
+              </a:cxn>
+              <a:cxn ang="0">
+                <a:pos x="connsiteX1" y="connsiteY1"/>
+              </a:cxn>
+              <a:cxn ang="0">
+                <a:pos x="connsiteX2" y="connsiteY2"/>
+              </a:cxn>
+              <a:cxn ang="0">
+                <a:pos x="connsiteX3" y="connsiteY3"/>
+              </a:cxn>
+              <a:cxn ang="0">
+                <a:pos x="connsiteX4" y="connsiteY4"/>
+              </a:cxn>
+              <a:cxn ang="0">
+                <a:pos x="connsiteX5" y="connsiteY5"/>
+              </a:cxn>
+            </a:cxnLst>
+            <a:rect l="l" t="t" r="r" b="b"/>
+            <a:pathLst>
+              <a:path w="6524623" h="2388879">
+                <a:moveTo>
+                  <a:pt x="0" y="0"/>
+                </a:moveTo>
+                <a:lnTo>
+                  <a:pt x="4701534" y="0"/>
+                </a:lnTo>
+                <a:lnTo>
+                  <a:pt x="6524623" y="2375540"/>
+                </a:lnTo>
+                <a:lnTo>
+                  <a:pt x="6524623" y="2388879"/>
+                </a:lnTo>
+                <a:lnTo>
+                  <a:pt x="0" y="2388879"/>
+                </a:lnTo>
+                <a:lnTo>
+                  <a:pt x="0" y="0"/>
+                </a:lnTo>
+                <a:close/>
+              </a:path>
+            </a:pathLst>
+          </a:custGeom>
+          <a:solidFill>
+            <a:schemeClr val="tx1"/>
+          </a:solidFill>
+          <a:ln>
+            <a:noFill/>
+          </a:ln>
+        </p:spPr>
+        <p:style>
+          <a:lnRef idx="2">
+            <a:schemeClr val="accent1">
+              <a:shade val="50000"/>
+            </a:schemeClr>
+          </a:lnRef>
+          <a:fillRef idx="1">
+            <a:schemeClr val="accent1"/>
+          </a:fillRef>
+          <a:effectRef idx="0">
+            <a:schemeClr val="accent1"/>
+          </a:effectRef>
+          <a:fontRef idx="minor">
+            <a:schemeClr val="lt1"/>
+          </a:fontRef>
+        </p:style>
+        <p:txBody>
+          <a:bodyPr rtlCol="0" anchor="ctr"/>
+          <a:lstStyle/>
+          <a:p>
+            <a:pPr algn="ctr"/>
+            <a:endParaRPr kumimoji="1" lang="ja-JP" altLang="en-US"/>
+          </a:p>
+        </p:txBody>
+      </p:sp>
+      <p:sp>
+        <p:nvSpPr>
+          <p:cNvPr id="11" name="正方形/長方形 10">
+            <a:extLst>
+              <a:ext uri="{FF2B5EF4-FFF2-40B4-BE49-F238E27FC236}">
+                <a16:creationId xmlns:a16="http://schemas.microsoft.com/office/drawing/2014/main" id="{FF1B110C-B323-4F73-8F9B-8E87CA4C58F7}"/>
+              </a:ext>
+            </a:extLst>
+          </p:cNvPr>
+          <p:cNvSpPr/>
+          <p:nvPr/>
+        </p:nvSpPr>
+        <p:spPr>
+          <a:xfrm>
+            <a:off x="3248025" y="1203012"/>
+            <a:ext cx="6438900" cy="1065837"/>
+          </a:xfrm>
+          <a:prstGeom prst="rect">
+            <a:avLst/>
+          </a:prstGeom>
+          <a:noFill/>
+          <a:ln>
+            <a:noFill/>
+          </a:ln>
+        </p:spPr>
+        <p:style>
+          <a:lnRef idx="2">
+            <a:schemeClr val="accent1">
+              <a:shade val="50000"/>
+            </a:schemeClr>
+          </a:lnRef>
+          <a:fillRef idx="1">
+            <a:schemeClr val="accent1"/>
+          </a:fillRef>
+          <a:effectRef idx="0">
+            <a:schemeClr val="accent1"/>
+          </a:effectRef>
+          <a:fontRef idx="minor">
+            <a:schemeClr val="lt1"/>
+          </a:fontRef>
+        </p:style>
+        <p:txBody>
+          <a:bodyPr rtlCol="0" anchor="ctr"/>
+          <a:lstStyle/>
+          <a:p>
+            <a:pPr algn="ctr"/>
+            <a:endParaRPr kumimoji="1" lang="ja-JP" altLang="en-US"/>
+          </a:p>
+        </p:txBody>
+      </p:sp>
+      <p:sp>
+        <p:nvSpPr>
+          <p:cNvPr id="13" name="正方形/長方形 12">
+            <a:extLst>
+              <a:ext uri="{FF2B5EF4-FFF2-40B4-BE49-F238E27FC236}">
+                <a16:creationId xmlns:a16="http://schemas.microsoft.com/office/drawing/2014/main" id="{46251550-9520-4AB4-8A80-77972D13AE5B}"/>
+              </a:ext>
+            </a:extLst>
+          </p:cNvPr>
+          <p:cNvSpPr/>
+          <p:nvPr/>
+        </p:nvSpPr>
+        <p:spPr>
+          <a:xfrm>
+            <a:off x="4491038" y="3814788"/>
+            <a:ext cx="2519364" cy="2519364"/>
+          </a:xfrm>
+          <a:prstGeom prst="rect">
+            <a:avLst/>
+          </a:prstGeom>
+          <a:noFill/>
+          <a:ln>
+            <a:noFill/>
+          </a:ln>
+        </p:spPr>
+        <p:style>
+          <a:lnRef idx="2">
+            <a:schemeClr val="accent1">
+              <a:shade val="50000"/>
+            </a:schemeClr>
+          </a:lnRef>
+          <a:fillRef idx="1">
+            <a:schemeClr val="accent1"/>
+          </a:fillRef>
+          <a:effectRef idx="0">
+            <a:schemeClr val="accent1"/>
+          </a:effectRef>
+          <a:fontRef idx="minor">
+            <a:schemeClr val="lt1"/>
+          </a:fontRef>
+        </p:style>
+        <p:txBody>
+          <a:bodyPr rtlCol="0" anchor="ctr"/>
+          <a:lstStyle/>
+          <a:p>
+            <a:pPr algn="ctr"/>
+            <a:endParaRPr kumimoji="1" lang="ja-JP" altLang="en-US" dirty="0"/>
+          </a:p>
+        </p:txBody>
+      </p:sp>
+      <p:sp>
+        <p:nvSpPr>
+          <p:cNvPr id="10" name="四角形: 対角を切り取る 9">
+            <a:extLst>
+              <a:ext uri="{FF2B5EF4-FFF2-40B4-BE49-F238E27FC236}">
+                <a16:creationId xmlns:a16="http://schemas.microsoft.com/office/drawing/2014/main" id="{D9538CF2-F2D0-4D05-BFC0-3609DDF4C475}"/>
+              </a:ext>
+            </a:extLst>
+          </p:cNvPr>
+          <p:cNvSpPr/>
+          <p:nvPr/>
+        </p:nvSpPr>
+        <p:spPr>
+          <a:xfrm>
+            <a:off x="4578868" y="3902618"/>
+            <a:ext cx="2343704" cy="2343704"/>
+          </a:xfrm>
+          <a:prstGeom prst="snip2DiagRect">
+            <a:avLst>
+              <a:gd name="adj1" fmla="val 50000"/>
+              <a:gd name="adj2" fmla="val 50000"/>
+            </a:avLst>
+          </a:prstGeom>
+          <a:noFill/>
+          <a:ln w="50800">
+            <a:solidFill>
+              <a:schemeClr val="tx1"/>
+            </a:solidFill>
+          </a:ln>
+        </p:spPr>
+        <p:style>
+          <a:lnRef idx="2">
+            <a:schemeClr val="accent1">
+              <a:shade val="50000"/>
+            </a:schemeClr>
+          </a:lnRef>
+          <a:fillRef idx="1">
+            <a:schemeClr val="accent1"/>
+          </a:fillRef>
+          <a:effectRef idx="0">
+            <a:schemeClr val="accent1"/>
+          </a:effectRef>
+          <a:fontRef idx="minor">
+            <a:schemeClr val="lt1"/>
+          </a:fontRef>
+        </p:style>
+        <p:txBody>
+          <a:bodyPr rtlCol="0" anchor="ctr"/>
+          <a:lstStyle/>
+          <a:p>
+            <a:pPr algn="ctr"/>
+            <a:endParaRPr kumimoji="1" lang="ja-JP" altLang="en-US"/>
+          </a:p>
+        </p:txBody>
+      </p:sp>
+      <p:sp>
+        <p:nvSpPr>
+          <p:cNvPr id="15" name="四角形: 対角を切り取る 14">
+            <a:extLst>
+              <a:ext uri="{FF2B5EF4-FFF2-40B4-BE49-F238E27FC236}">
+                <a16:creationId xmlns:a16="http://schemas.microsoft.com/office/drawing/2014/main" id="{1CDBBB20-421F-4A61-8F49-5FFB49DB976F}"/>
+              </a:ext>
+            </a:extLst>
+          </p:cNvPr>
+          <p:cNvSpPr/>
+          <p:nvPr/>
+        </p:nvSpPr>
+        <p:spPr>
+          <a:xfrm>
+            <a:off x="8089778" y="3733043"/>
+            <a:ext cx="2343704" cy="2343704"/>
+          </a:xfrm>
+          <a:prstGeom prst="snip2DiagRect">
+            <a:avLst>
+              <a:gd name="adj1" fmla="val 50000"/>
+              <a:gd name="adj2" fmla="val 50000"/>
+            </a:avLst>
+          </a:prstGeom>
+          <a:solidFill>
+            <a:schemeClr val="tx1"/>
+          </a:solidFill>
+          <a:ln>
+            <a:noFill/>
+          </a:ln>
+        </p:spPr>
+        <p:style>
+          <a:lnRef idx="2">
+            <a:schemeClr val="accent1">
+              <a:shade val="50000"/>
+            </a:schemeClr>
+          </a:lnRef>
+          <a:fillRef idx="1">
+            <a:schemeClr val="accent1"/>
+          </a:fillRef>
+          <a:effectRef idx="0">
+            <a:schemeClr val="accent1"/>
+          </a:effectRef>
+          <a:fontRef idx="minor">
+            <a:schemeClr val="lt1"/>
+          </a:fontRef>
+        </p:style>
+        <p:txBody>
+          <a:bodyPr rtlCol="0" anchor="ctr"/>
+          <a:lstStyle/>
+          <a:p>
+            <a:pPr algn="ctr"/>
+            <a:endParaRPr kumimoji="1" lang="ja-JP" altLang="en-US"/>
+          </a:p>
+        </p:txBody>
+      </p:sp>
+      <p:sp>
+        <p:nvSpPr>
+          <p:cNvPr id="16" name="正方形/長方形 15">
+            <a:extLst>
+              <a:ext uri="{FF2B5EF4-FFF2-40B4-BE49-F238E27FC236}">
+                <a16:creationId xmlns:a16="http://schemas.microsoft.com/office/drawing/2014/main" id="{4D9DDEBA-3A48-4865-B5D3-0EDECFE42DCE}"/>
+              </a:ext>
+            </a:extLst>
+          </p:cNvPr>
+          <p:cNvSpPr/>
+          <p:nvPr/>
+        </p:nvSpPr>
+        <p:spPr>
+          <a:xfrm>
+            <a:off x="8001948" y="3645213"/>
+            <a:ext cx="2519364" cy="2519364"/>
+          </a:xfrm>
+          <a:prstGeom prst="rect">
+            <a:avLst/>
+          </a:prstGeom>
+          <a:noFill/>
+          <a:ln>
+            <a:noFill/>
+          </a:ln>
+        </p:spPr>
+        <p:style>
+          <a:lnRef idx="2">
+            <a:schemeClr val="accent1">
+              <a:shade val="50000"/>
+            </a:schemeClr>
+          </a:lnRef>
+          <a:fillRef idx="1">
+            <a:schemeClr val="accent1"/>
+          </a:fillRef>
+          <a:effectRef idx="0">
+            <a:schemeClr val="accent1"/>
+          </a:effectRef>
+          <a:fontRef idx="minor">
+            <a:schemeClr val="lt1"/>
+          </a:fontRef>
+        </p:style>
+        <p:txBody>
+          <a:bodyPr rtlCol="0" anchor="ctr"/>
+          <a:lstStyle/>
+          <a:p>
+            <a:pPr algn="ctr"/>
+            <a:endParaRPr kumimoji="1" lang="ja-JP" altLang="en-US" dirty="0"/>
+          </a:p>
+        </p:txBody>
+      </p:sp>
+    </p:spTree>
+    <p:extLst>
+      <p:ext uri="{BB962C8B-B14F-4D97-AF65-F5344CB8AC3E}">
+        <p14:creationId xmlns:p14="http://schemas.microsoft.com/office/powerpoint/2010/main" val="3005987263"/>
+      </p:ext>
+    </p:extLst>
+  </p:cSld>
+  <p:clrMapOvr>
+    <a:masterClrMapping/>
+  </p:clrMapOvr>
+</p:sld>
+</file>
+
+<file path=ppt/slides/slide7.xml><?xml version="1.0" encoding="utf-8"?>
+<p:sld xmlns:a="http://schemas.openxmlformats.org/drawingml/2006/main" xmlns:r="http://schemas.openxmlformats.org/officeDocument/2006/relationships" xmlns:p="http://schemas.openxmlformats.org/presentationml/2006/main">
+  <p:cSld>
+    <p:bg>
+      <p:bgPr>
+        <a:solidFill>
           <a:schemeClr val="bg1"/>
         </a:solidFill>
         <a:effectLst/>
@@ -23822,7 +25411,7 @@
         </p:nvGrpSpPr>
         <p:grpSpPr>
           <a:xfrm flipV="1">
-            <a:off x="815340" y="792480"/>
+            <a:off x="160102" y="2652822"/>
             <a:ext cx="7057877" cy="1057276"/>
             <a:chOff x="0" y="1401840"/>
             <a:chExt cx="7057877" cy="1057276"/>
@@ -23949,7 +25538,7 @@
         </p:nvSpPr>
         <p:spPr>
           <a:xfrm>
-            <a:off x="3842690" y="1140399"/>
+            <a:off x="4825636" y="1340595"/>
             <a:ext cx="6372000" cy="771525"/>
           </a:xfrm>
           <a:prstGeom prst="snip2DiagRect">
@@ -24004,7 +25593,7 @@
         </p:nvSpPr>
         <p:spPr>
           <a:xfrm>
-            <a:off x="1798385" y="1294699"/>
+            <a:off x="1904917" y="2468758"/>
             <a:ext cx="7505700" cy="1207846"/>
           </a:xfrm>
           <a:prstGeom prst="rect">
@@ -24056,7 +25645,7 @@
         </p:nvSpPr>
         <p:spPr>
           <a:xfrm>
-            <a:off x="815340" y="2102515"/>
+            <a:off x="1798385" y="3743591"/>
             <a:ext cx="6372000" cy="771525"/>
           </a:xfrm>
           <a:prstGeom prst="snip2DiagRect">
@@ -24111,7 +25700,7 @@
         </p:nvSpPr>
         <p:spPr>
           <a:xfrm>
-            <a:off x="2286947" y="3721816"/>
+            <a:off x="5585643" y="4502895"/>
             <a:ext cx="2343704" cy="2343704"/>
           </a:xfrm>
           <a:prstGeom prst="snip2DiagRect">
@@ -24280,6 +25869,285 @@
           </a:p>
         </p:txBody>
       </p:sp>
+      <p:sp>
+        <p:nvSpPr>
+          <p:cNvPr id="10" name="四角形: 上の 2 つの角を切り取る 9">
+            <a:extLst>
+              <a:ext uri="{FF2B5EF4-FFF2-40B4-BE49-F238E27FC236}">
+                <a16:creationId xmlns:a16="http://schemas.microsoft.com/office/drawing/2014/main" id="{ADF16BFA-43F1-4AB1-93A3-9510FE57EF9A}"/>
+              </a:ext>
+            </a:extLst>
+          </p:cNvPr>
+          <p:cNvSpPr/>
+          <p:nvPr/>
+        </p:nvSpPr>
+        <p:spPr>
+          <a:xfrm rot="5400000">
+            <a:off x="2500312" y="-1431358"/>
+            <a:ext cx="866777" cy="6096000"/>
+          </a:xfrm>
+          <a:prstGeom prst="snip2SameRect">
+            <a:avLst>
+              <a:gd name="adj1" fmla="val 50000"/>
+              <a:gd name="adj2" fmla="val 0"/>
+            </a:avLst>
+          </a:prstGeom>
+          <a:solidFill>
+            <a:schemeClr val="tx1"/>
+          </a:solidFill>
+          <a:ln>
+            <a:noFill/>
+          </a:ln>
+        </p:spPr>
+        <p:style>
+          <a:lnRef idx="2">
+            <a:schemeClr val="accent1">
+              <a:shade val="50000"/>
+            </a:schemeClr>
+          </a:lnRef>
+          <a:fillRef idx="1">
+            <a:schemeClr val="accent1"/>
+          </a:fillRef>
+          <a:effectRef idx="0">
+            <a:schemeClr val="accent1"/>
+          </a:effectRef>
+          <a:fontRef idx="minor">
+            <a:schemeClr val="lt1"/>
+          </a:fontRef>
+        </p:style>
+        <p:txBody>
+          <a:bodyPr rtlCol="0" anchor="ctr"/>
+          <a:lstStyle/>
+          <a:p>
+            <a:pPr algn="ctr"/>
+            <a:endParaRPr kumimoji="1" lang="ja-JP" altLang="en-US"/>
+          </a:p>
+        </p:txBody>
+      </p:sp>
+      <p:sp>
+        <p:nvSpPr>
+          <p:cNvPr id="12" name="テキスト ボックス 11">
+            <a:extLst>
+              <a:ext uri="{FF2B5EF4-FFF2-40B4-BE49-F238E27FC236}">
+                <a16:creationId xmlns:a16="http://schemas.microsoft.com/office/drawing/2014/main" id="{A91F5106-8AA7-422F-B015-DBCE06675125}"/>
+              </a:ext>
+            </a:extLst>
+          </p:cNvPr>
+          <p:cNvSpPr txBox="1"/>
+          <p:nvPr/>
+        </p:nvSpPr>
+        <p:spPr>
+          <a:xfrm>
+            <a:off x="2451940" y="3858923"/>
+            <a:ext cx="4766039" cy="646331"/>
+          </a:xfrm>
+          <a:prstGeom prst="rect">
+            <a:avLst/>
+          </a:prstGeom>
+          <a:noFill/>
+        </p:spPr>
+        <p:txBody>
+          <a:bodyPr wrap="square" rtlCol="0">
+            <a:spAutoFit/>
+          </a:bodyPr>
+          <a:lstStyle/>
+          <a:p>
+            <a:r>
+              <a:rPr kumimoji="1" lang="en-US" altLang="ja-JP" sz="3600" dirty="0">
+                <a:solidFill>
+                  <a:schemeClr val="bg1"/>
+                </a:solidFill>
+              </a:rPr>
+              <a:t>SCORE</a:t>
+            </a:r>
+            <a:endParaRPr kumimoji="1" lang="ja-JP" altLang="en-US" sz="3600" dirty="0">
+              <a:solidFill>
+                <a:schemeClr val="bg1"/>
+              </a:solidFill>
+            </a:endParaRPr>
+          </a:p>
+        </p:txBody>
+      </p:sp>
+      <p:sp>
+        <p:nvSpPr>
+          <p:cNvPr id="13" name="四角形: 上の 2 つの角を切り取る 12">
+            <a:extLst>
+              <a:ext uri="{FF2B5EF4-FFF2-40B4-BE49-F238E27FC236}">
+                <a16:creationId xmlns:a16="http://schemas.microsoft.com/office/drawing/2014/main" id="{30C9453D-7061-44E8-9C5A-219D5A8742FD}"/>
+              </a:ext>
+            </a:extLst>
+          </p:cNvPr>
+          <p:cNvSpPr/>
+          <p:nvPr/>
+        </p:nvSpPr>
+        <p:spPr>
+          <a:xfrm rot="5400000">
+            <a:off x="2614612" y="-2632186"/>
+            <a:ext cx="866777" cy="6096000"/>
+          </a:xfrm>
+          <a:prstGeom prst="snip2SameRect">
+            <a:avLst>
+              <a:gd name="adj1" fmla="val 50000"/>
+              <a:gd name="adj2" fmla="val 0"/>
+            </a:avLst>
+          </a:prstGeom>
+          <a:noFill/>
+          <a:ln w="38100">
+            <a:solidFill>
+              <a:schemeClr val="tx1"/>
+            </a:solidFill>
+          </a:ln>
+        </p:spPr>
+        <p:style>
+          <a:lnRef idx="2">
+            <a:schemeClr val="accent1">
+              <a:shade val="50000"/>
+            </a:schemeClr>
+          </a:lnRef>
+          <a:fillRef idx="1">
+            <a:schemeClr val="accent1"/>
+          </a:fillRef>
+          <a:effectRef idx="0">
+            <a:schemeClr val="accent1"/>
+          </a:effectRef>
+          <a:fontRef idx="minor">
+            <a:schemeClr val="lt1"/>
+          </a:fontRef>
+        </p:style>
+        <p:txBody>
+          <a:bodyPr rtlCol="0" anchor="ctr"/>
+          <a:lstStyle/>
+          <a:p>
+            <a:pPr algn="ctr"/>
+            <a:endParaRPr kumimoji="1" lang="ja-JP" altLang="en-US"/>
+          </a:p>
+        </p:txBody>
+      </p:sp>
+      <p:grpSp>
+        <p:nvGrpSpPr>
+          <p:cNvPr id="14" name="グループ化 13">
+            <a:extLst>
+              <a:ext uri="{FF2B5EF4-FFF2-40B4-BE49-F238E27FC236}">
+                <a16:creationId xmlns:a16="http://schemas.microsoft.com/office/drawing/2014/main" id="{99A40F31-1073-4785-AF03-319FAF18573F}"/>
+              </a:ext>
+            </a:extLst>
+          </p:cNvPr>
+          <p:cNvGrpSpPr/>
+          <p:nvPr/>
+        </p:nvGrpSpPr>
+        <p:grpSpPr>
+          <a:xfrm flipV="1">
+            <a:off x="1066801" y="4708212"/>
+            <a:ext cx="4305297" cy="866778"/>
+            <a:chOff x="0" y="1401840"/>
+            <a:chExt cx="7057877" cy="1057276"/>
+          </a:xfrm>
+        </p:grpSpPr>
+        <p:sp>
+          <p:nvSpPr>
+            <p:cNvPr id="15" name="直角三角形 14">
+              <a:extLst>
+                <a:ext uri="{FF2B5EF4-FFF2-40B4-BE49-F238E27FC236}">
+                  <a16:creationId xmlns:a16="http://schemas.microsoft.com/office/drawing/2014/main" id="{8ED9C4ED-B992-4F00-AB67-34FA55CD5D43}"/>
+                </a:ext>
+              </a:extLst>
+            </p:cNvPr>
+            <p:cNvSpPr/>
+            <p:nvPr/>
+          </p:nvSpPr>
+          <p:spPr>
+            <a:xfrm>
+              <a:off x="6054700" y="1401840"/>
+              <a:ext cx="1003177" cy="1057275"/>
+            </a:xfrm>
+            <a:prstGeom prst="rtTriangle">
+              <a:avLst/>
+            </a:prstGeom>
+            <a:solidFill>
+              <a:schemeClr val="tx1"/>
+            </a:solidFill>
+            <a:ln>
+              <a:noFill/>
+            </a:ln>
+          </p:spPr>
+          <p:style>
+            <a:lnRef idx="2">
+              <a:schemeClr val="accent1">
+                <a:shade val="50000"/>
+              </a:schemeClr>
+            </a:lnRef>
+            <a:fillRef idx="1">
+              <a:schemeClr val="accent1"/>
+            </a:fillRef>
+            <a:effectRef idx="0">
+              <a:schemeClr val="accent1"/>
+            </a:effectRef>
+            <a:fontRef idx="minor">
+              <a:schemeClr val="lt1"/>
+            </a:fontRef>
+          </p:style>
+          <p:txBody>
+            <a:bodyPr rtlCol="0" anchor="ctr"/>
+            <a:lstStyle/>
+            <a:p>
+              <a:pPr algn="ctr"/>
+              <a:endParaRPr kumimoji="1" lang="ja-JP" altLang="en-US"/>
+            </a:p>
+          </p:txBody>
+        </p:sp>
+        <p:sp>
+          <p:nvSpPr>
+            <p:cNvPr id="16" name="正方形/長方形 15">
+              <a:extLst>
+                <a:ext uri="{FF2B5EF4-FFF2-40B4-BE49-F238E27FC236}">
+                  <a16:creationId xmlns:a16="http://schemas.microsoft.com/office/drawing/2014/main" id="{30D13CF8-E72D-46CB-8F1F-4FD2DA45B425}"/>
+                </a:ext>
+              </a:extLst>
+            </p:cNvPr>
+            <p:cNvSpPr/>
+            <p:nvPr/>
+          </p:nvSpPr>
+          <p:spPr>
+            <a:xfrm>
+              <a:off x="0" y="1401841"/>
+              <a:ext cx="6054700" cy="1057275"/>
+            </a:xfrm>
+            <a:prstGeom prst="rect">
+              <a:avLst/>
+            </a:prstGeom>
+            <a:solidFill>
+              <a:schemeClr val="tx1"/>
+            </a:solidFill>
+            <a:ln>
+              <a:noFill/>
+            </a:ln>
+          </p:spPr>
+          <p:style>
+            <a:lnRef idx="2">
+              <a:schemeClr val="accent1">
+                <a:shade val="50000"/>
+              </a:schemeClr>
+            </a:lnRef>
+            <a:fillRef idx="1">
+              <a:schemeClr val="accent1"/>
+            </a:fillRef>
+            <a:effectRef idx="0">
+              <a:schemeClr val="accent1"/>
+            </a:effectRef>
+            <a:fontRef idx="minor">
+              <a:schemeClr val="lt1"/>
+            </a:fontRef>
+          </p:style>
+          <p:txBody>
+            <a:bodyPr rtlCol="0" anchor="ctr"/>
+            <a:lstStyle/>
+            <a:p>
+              <a:pPr algn="ctr"/>
+              <a:endParaRPr kumimoji="1" lang="ja-JP" altLang="en-US" dirty="0"/>
+            </a:p>
+          </p:txBody>
+        </p:sp>
+      </p:grpSp>
     </p:spTree>
     <p:extLst>
       <p:ext uri="{BB962C8B-B14F-4D97-AF65-F5344CB8AC3E}">
@@ -24293,7 +26161,7 @@
 </p:sld>
 </file>
 
-<file path=ppt/slides/slide7.xml><?xml version="1.0" encoding="utf-8"?>
+<file path=ppt/slides/slide8.xml><?xml version="1.0" encoding="utf-8"?>
 <p:sld xmlns:a="http://schemas.openxmlformats.org/drawingml/2006/main" xmlns:r="http://schemas.openxmlformats.org/officeDocument/2006/relationships" xmlns:p="http://schemas.openxmlformats.org/presentationml/2006/main">
   <p:cSld>
     <p:bg>
@@ -24802,7 +26670,7 @@
 </p:sld>
 </file>
 
-<file path=ppt/slides/slide8.xml><?xml version="1.0" encoding="utf-8"?>
+<file path=ppt/slides/slide9.xml><?xml version="1.0" encoding="utf-8"?>
 <p:sld xmlns:a="http://schemas.openxmlformats.org/drawingml/2006/main" xmlns:r="http://schemas.openxmlformats.org/officeDocument/2006/relationships" xmlns:p="http://schemas.openxmlformats.org/presentationml/2006/main">
   <p:cSld>
     <p:spTree>
@@ -25164,506 +27032,6 @@
 </p:sld>
 </file>
 
-<file path=ppt/slides/slide9.xml><?xml version="1.0" encoding="utf-8"?>
-<p:sld xmlns:a="http://schemas.openxmlformats.org/drawingml/2006/main" xmlns:r="http://schemas.openxmlformats.org/officeDocument/2006/relationships" xmlns:p="http://schemas.openxmlformats.org/presentationml/2006/main">
-  <p:cSld>
-    <p:bg>
-      <p:bgPr>
-        <a:solidFill>
-          <a:schemeClr val="tx1"/>
-        </a:solidFill>
-        <a:effectLst/>
-      </p:bgPr>
-    </p:bg>
-    <p:spTree>
-      <p:nvGrpSpPr>
-        <p:cNvPr id="1" name=""/>
-        <p:cNvGrpSpPr/>
-        <p:nvPr/>
-      </p:nvGrpSpPr>
-      <p:grpSpPr>
-        <a:xfrm>
-          <a:off x="0" y="0"/>
-          <a:ext cx="0" cy="0"/>
-          <a:chOff x="0" y="0"/>
-          <a:chExt cx="0" cy="0"/>
-        </a:xfrm>
-      </p:grpSpPr>
-      <p:sp>
-        <p:nvSpPr>
-          <p:cNvPr id="3" name="四角形: 角を丸くする 2">
-            <a:extLst>
-              <a:ext uri="{FF2B5EF4-FFF2-40B4-BE49-F238E27FC236}">
-                <a16:creationId xmlns:a16="http://schemas.microsoft.com/office/drawing/2014/main" id="{5EFB295E-99B8-4C9A-8757-F8156DD6A8C5}"/>
-              </a:ext>
-            </a:extLst>
-          </p:cNvPr>
-          <p:cNvSpPr/>
-          <p:nvPr/>
-        </p:nvSpPr>
-        <p:spPr>
-          <a:xfrm>
-            <a:off x="1823085" y="6858000"/>
-            <a:ext cx="6431280" cy="4541520"/>
-          </a:xfrm>
-          <a:prstGeom prst="roundRect">
-            <a:avLst/>
-          </a:prstGeom>
-          <a:gradFill>
-            <a:gsLst>
-              <a:gs pos="0">
-                <a:schemeClr val="accent1">
-                  <a:lumMod val="0"/>
-                  <a:lumOff val="100000"/>
-                </a:schemeClr>
-              </a:gs>
-              <a:gs pos="40000">
-                <a:schemeClr val="tx1">
-                  <a:lumMod val="95000"/>
-                </a:schemeClr>
-              </a:gs>
-              <a:gs pos="62000">
-                <a:schemeClr val="tx1">
-                  <a:lumMod val="95000"/>
-                </a:schemeClr>
-              </a:gs>
-              <a:gs pos="95000">
-                <a:schemeClr val="tx1">
-                  <a:lumMod val="85000"/>
-                </a:schemeClr>
-              </a:gs>
-            </a:gsLst>
-            <a:lin ang="5400000" scaled="1"/>
-          </a:gradFill>
-          <a:ln>
-            <a:noFill/>
-          </a:ln>
-        </p:spPr>
-        <p:style>
-          <a:lnRef idx="2">
-            <a:schemeClr val="accent1">
-              <a:shade val="50000"/>
-            </a:schemeClr>
-          </a:lnRef>
-          <a:fillRef idx="1">
-            <a:schemeClr val="accent1"/>
-          </a:fillRef>
-          <a:effectRef idx="0">
-            <a:schemeClr val="accent1"/>
-          </a:effectRef>
-          <a:fontRef idx="minor">
-            <a:schemeClr val="lt1"/>
-          </a:fontRef>
-        </p:style>
-        <p:txBody>
-          <a:bodyPr rtlCol="0" anchor="ctr"/>
-          <a:lstStyle/>
-          <a:p>
-            <a:pPr algn="ctr"/>
-            <a:endParaRPr kumimoji="1" lang="ja-JP" altLang="en-US" dirty="0"/>
-          </a:p>
-        </p:txBody>
-      </p:sp>
-      <p:sp>
-        <p:nvSpPr>
-          <p:cNvPr id="4" name="四角形: 角を丸くする 3">
-            <a:extLst>
-              <a:ext uri="{FF2B5EF4-FFF2-40B4-BE49-F238E27FC236}">
-                <a16:creationId xmlns:a16="http://schemas.microsoft.com/office/drawing/2014/main" id="{E14B5C66-DC80-4C19-A1B4-A53B1B7F5880}"/>
-              </a:ext>
-            </a:extLst>
-          </p:cNvPr>
-          <p:cNvSpPr/>
-          <p:nvPr/>
-        </p:nvSpPr>
-        <p:spPr>
-          <a:xfrm>
-            <a:off x="4966970" y="6106477"/>
-            <a:ext cx="6431280" cy="4541520"/>
-          </a:xfrm>
-          <a:prstGeom prst="roundRect">
-            <a:avLst/>
-          </a:prstGeom>
-          <a:noFill/>
-          <a:ln w="101600">
-            <a:solidFill>
-              <a:schemeClr val="bg1"/>
-            </a:solidFill>
-          </a:ln>
-        </p:spPr>
-        <p:style>
-          <a:lnRef idx="2">
-            <a:schemeClr val="accent1">
-              <a:shade val="50000"/>
-            </a:schemeClr>
-          </a:lnRef>
-          <a:fillRef idx="1">
-            <a:schemeClr val="accent1"/>
-          </a:fillRef>
-          <a:effectRef idx="0">
-            <a:schemeClr val="accent1"/>
-          </a:effectRef>
-          <a:fontRef idx="minor">
-            <a:schemeClr val="lt1"/>
-          </a:fontRef>
-        </p:style>
-        <p:txBody>
-          <a:bodyPr rtlCol="0" anchor="ctr"/>
-          <a:lstStyle/>
-          <a:p>
-            <a:pPr algn="ctr"/>
-            <a:endParaRPr kumimoji="1" lang="ja-JP" altLang="en-US" dirty="0"/>
-          </a:p>
-        </p:txBody>
-      </p:sp>
-      <p:sp>
-        <p:nvSpPr>
-          <p:cNvPr id="5" name="四角形: 角を丸くする 4">
-            <a:extLst>
-              <a:ext uri="{FF2B5EF4-FFF2-40B4-BE49-F238E27FC236}">
-                <a16:creationId xmlns:a16="http://schemas.microsoft.com/office/drawing/2014/main" id="{6425BFB8-0AC4-46E9-8BF0-D4CB79E51FEF}"/>
-              </a:ext>
-            </a:extLst>
-          </p:cNvPr>
-          <p:cNvSpPr/>
-          <p:nvPr/>
-        </p:nvSpPr>
-        <p:spPr>
-          <a:xfrm>
-            <a:off x="913765" y="7650480"/>
-            <a:ext cx="6431280" cy="4541520"/>
-          </a:xfrm>
-          <a:prstGeom prst="roundRect">
-            <a:avLst/>
-          </a:prstGeom>
-          <a:noFill/>
-          <a:ln w="63500">
-            <a:gradFill>
-              <a:gsLst>
-                <a:gs pos="0">
-                  <a:schemeClr val="accent1">
-                    <a:lumMod val="5000"/>
-                    <a:lumOff val="95000"/>
-                  </a:schemeClr>
-                </a:gs>
-                <a:gs pos="48000">
-                  <a:schemeClr val="tx1">
-                    <a:lumMod val="85000"/>
-                  </a:schemeClr>
-                </a:gs>
-                <a:gs pos="74000">
-                  <a:schemeClr val="tx1">
-                    <a:lumMod val="85000"/>
-                  </a:schemeClr>
-                </a:gs>
-                <a:gs pos="100000">
-                  <a:schemeClr val="tx1">
-                    <a:lumMod val="75000"/>
-                  </a:schemeClr>
-                </a:gs>
-              </a:gsLst>
-              <a:lin ang="5400000" scaled="1"/>
-            </a:gradFill>
-          </a:ln>
-        </p:spPr>
-        <p:style>
-          <a:lnRef idx="2">
-            <a:schemeClr val="accent1">
-              <a:shade val="50000"/>
-            </a:schemeClr>
-          </a:lnRef>
-          <a:fillRef idx="1">
-            <a:schemeClr val="accent1"/>
-          </a:fillRef>
-          <a:effectRef idx="0">
-            <a:schemeClr val="accent1"/>
-          </a:effectRef>
-          <a:fontRef idx="minor">
-            <a:schemeClr val="lt1"/>
-          </a:fontRef>
-        </p:style>
-        <p:txBody>
-          <a:bodyPr rtlCol="0" anchor="ctr"/>
-          <a:lstStyle/>
-          <a:p>
-            <a:pPr algn="ctr"/>
-            <a:endParaRPr kumimoji="1" lang="ja-JP" altLang="en-US" dirty="0"/>
-          </a:p>
-        </p:txBody>
-      </p:sp>
-      <p:grpSp>
-        <p:nvGrpSpPr>
-          <p:cNvPr id="10" name="グループ化 9">
-            <a:extLst>
-              <a:ext uri="{FF2B5EF4-FFF2-40B4-BE49-F238E27FC236}">
-                <a16:creationId xmlns:a16="http://schemas.microsoft.com/office/drawing/2014/main" id="{04E1C31E-8166-440C-9FBE-2CF7BB77EBB9}"/>
-              </a:ext>
-            </a:extLst>
-          </p:cNvPr>
-          <p:cNvGrpSpPr/>
-          <p:nvPr/>
-        </p:nvGrpSpPr>
-        <p:grpSpPr>
-          <a:xfrm>
-            <a:off x="4135013" y="695325"/>
-            <a:ext cx="7065116" cy="5516403"/>
-            <a:chOff x="4314825" y="927417"/>
-            <a:chExt cx="6923404" cy="5405755"/>
-          </a:xfrm>
-        </p:grpSpPr>
-        <p:sp>
-          <p:nvSpPr>
-            <p:cNvPr id="11" name="四角形: 角を丸くする 10">
-              <a:extLst>
-                <a:ext uri="{FF2B5EF4-FFF2-40B4-BE49-F238E27FC236}">
-                  <a16:creationId xmlns:a16="http://schemas.microsoft.com/office/drawing/2014/main" id="{CDBB60ED-5BA2-4977-89F1-F6D368445E76}"/>
-                </a:ext>
-              </a:extLst>
-            </p:cNvPr>
-            <p:cNvSpPr/>
-            <p:nvPr/>
-          </p:nvSpPr>
-          <p:spPr>
-            <a:xfrm>
-              <a:off x="5832474" y="927417"/>
-              <a:ext cx="5405755" cy="5405755"/>
-            </a:xfrm>
-            <a:prstGeom prst="roundRect">
-              <a:avLst>
-                <a:gd name="adj" fmla="val 2869"/>
-              </a:avLst>
-            </a:prstGeom>
-            <a:solidFill>
-              <a:schemeClr val="bg1"/>
-            </a:solidFill>
-            <a:ln>
-              <a:noFill/>
-            </a:ln>
-          </p:spPr>
-          <p:style>
-            <a:lnRef idx="2">
-              <a:schemeClr val="accent1">
-                <a:shade val="50000"/>
-              </a:schemeClr>
-            </a:lnRef>
-            <a:fillRef idx="1">
-              <a:schemeClr val="accent1"/>
-            </a:fillRef>
-            <a:effectRef idx="0">
-              <a:schemeClr val="accent1"/>
-            </a:effectRef>
-            <a:fontRef idx="minor">
-              <a:schemeClr val="lt1"/>
-            </a:fontRef>
-          </p:style>
-          <p:txBody>
-            <a:bodyPr rtlCol="0" anchor="ctr"/>
-            <a:lstStyle/>
-            <a:p>
-              <a:pPr algn="ctr"/>
-              <a:endParaRPr kumimoji="1" lang="ja-JP" altLang="en-US" dirty="0"/>
-            </a:p>
-          </p:txBody>
-        </p:sp>
-        <p:sp>
-          <p:nvSpPr>
-            <p:cNvPr id="12" name="四角形: 上の 2 つの角を丸める 11">
-              <a:extLst>
-                <a:ext uri="{FF2B5EF4-FFF2-40B4-BE49-F238E27FC236}">
-                  <a16:creationId xmlns:a16="http://schemas.microsoft.com/office/drawing/2014/main" id="{D224BB09-DA53-4612-B3A8-21015EB7A753}"/>
-                </a:ext>
-              </a:extLst>
-            </p:cNvPr>
-            <p:cNvSpPr/>
-            <p:nvPr/>
-          </p:nvSpPr>
-          <p:spPr>
-            <a:xfrm rot="16200000" flipH="1">
-              <a:off x="4314825" y="4551997"/>
-              <a:ext cx="1781175" cy="1781175"/>
-            </a:xfrm>
-            <a:prstGeom prst="round2SameRect">
-              <a:avLst>
-                <a:gd name="adj1" fmla="val 6507"/>
-                <a:gd name="adj2" fmla="val 0"/>
-              </a:avLst>
-            </a:prstGeom>
-            <a:solidFill>
-              <a:schemeClr val="bg1"/>
-            </a:solidFill>
-            <a:ln>
-              <a:noFill/>
-            </a:ln>
-          </p:spPr>
-          <p:style>
-            <a:lnRef idx="2">
-              <a:schemeClr val="accent1">
-                <a:shade val="50000"/>
-              </a:schemeClr>
-            </a:lnRef>
-            <a:fillRef idx="1">
-              <a:schemeClr val="accent1"/>
-            </a:fillRef>
-            <a:effectRef idx="0">
-              <a:schemeClr val="accent1"/>
-            </a:effectRef>
-            <a:fontRef idx="minor">
-              <a:schemeClr val="lt1"/>
-            </a:fontRef>
-          </p:style>
-          <p:txBody>
-            <a:bodyPr rtlCol="0" anchor="ctr"/>
-            <a:lstStyle/>
-            <a:p>
-              <a:pPr algn="ctr"/>
-              <a:endParaRPr kumimoji="1" lang="ja-JP" altLang="en-US"/>
-            </a:p>
-          </p:txBody>
-        </p:sp>
-      </p:grpSp>
-      <p:grpSp>
-        <p:nvGrpSpPr>
-          <p:cNvPr id="9" name="グループ化 8">
-            <a:extLst>
-              <a:ext uri="{FF2B5EF4-FFF2-40B4-BE49-F238E27FC236}">
-                <a16:creationId xmlns:a16="http://schemas.microsoft.com/office/drawing/2014/main" id="{1C653323-44FA-4527-8302-837D9485C458}"/>
-              </a:ext>
-            </a:extLst>
-          </p:cNvPr>
-          <p:cNvGrpSpPr/>
-          <p:nvPr/>
-        </p:nvGrpSpPr>
-        <p:grpSpPr>
-          <a:xfrm>
-            <a:off x="4129405" y="682836"/>
-            <a:ext cx="6923404" cy="5405755"/>
-            <a:chOff x="4314825" y="927417"/>
-            <a:chExt cx="6923404" cy="5405755"/>
-          </a:xfrm>
-        </p:grpSpPr>
-        <p:sp>
-          <p:nvSpPr>
-            <p:cNvPr id="6" name="四角形: 角を丸くする 5">
-              <a:extLst>
-                <a:ext uri="{FF2B5EF4-FFF2-40B4-BE49-F238E27FC236}">
-                  <a16:creationId xmlns:a16="http://schemas.microsoft.com/office/drawing/2014/main" id="{92A6EAF6-3C51-4232-B85C-1A4042505456}"/>
-                </a:ext>
-              </a:extLst>
-            </p:cNvPr>
-            <p:cNvSpPr/>
-            <p:nvPr/>
-          </p:nvSpPr>
-          <p:spPr>
-            <a:xfrm>
-              <a:off x="5832474" y="927417"/>
-              <a:ext cx="5405755" cy="5405755"/>
-            </a:xfrm>
-            <a:prstGeom prst="roundRect">
-              <a:avLst>
-                <a:gd name="adj" fmla="val 2869"/>
-              </a:avLst>
-            </a:prstGeom>
-            <a:solidFill>
-              <a:schemeClr val="tx1"/>
-            </a:solidFill>
-            <a:ln>
-              <a:noFill/>
-            </a:ln>
-          </p:spPr>
-          <p:style>
-            <a:lnRef idx="2">
-              <a:schemeClr val="accent1">
-                <a:shade val="50000"/>
-              </a:schemeClr>
-            </a:lnRef>
-            <a:fillRef idx="1">
-              <a:schemeClr val="accent1"/>
-            </a:fillRef>
-            <a:effectRef idx="0">
-              <a:schemeClr val="accent1"/>
-            </a:effectRef>
-            <a:fontRef idx="minor">
-              <a:schemeClr val="lt1"/>
-            </a:fontRef>
-          </p:style>
-          <p:txBody>
-            <a:bodyPr rtlCol="0" anchor="ctr"/>
-            <a:lstStyle/>
-            <a:p>
-              <a:pPr algn="ctr"/>
-              <a:endParaRPr kumimoji="1" lang="ja-JP" altLang="en-US"/>
-            </a:p>
-          </p:txBody>
-        </p:sp>
-        <p:sp>
-          <p:nvSpPr>
-            <p:cNvPr id="8" name="四角形: 上の 2 つの角を丸める 7">
-              <a:extLst>
-                <a:ext uri="{FF2B5EF4-FFF2-40B4-BE49-F238E27FC236}">
-                  <a16:creationId xmlns:a16="http://schemas.microsoft.com/office/drawing/2014/main" id="{70AD2E1B-4B5C-492D-8EE9-9469F1231A04}"/>
-                </a:ext>
-              </a:extLst>
-            </p:cNvPr>
-            <p:cNvSpPr/>
-            <p:nvPr/>
-          </p:nvSpPr>
-          <p:spPr>
-            <a:xfrm rot="16200000" flipH="1">
-              <a:off x="4314825" y="4551997"/>
-              <a:ext cx="1781175" cy="1781175"/>
-            </a:xfrm>
-            <a:prstGeom prst="round2SameRect">
-              <a:avLst>
-                <a:gd name="adj1" fmla="val 6507"/>
-                <a:gd name="adj2" fmla="val 0"/>
-              </a:avLst>
-            </a:prstGeom>
-            <a:solidFill>
-              <a:schemeClr val="tx1"/>
-            </a:solidFill>
-            <a:ln>
-              <a:noFill/>
-            </a:ln>
-          </p:spPr>
-          <p:style>
-            <a:lnRef idx="2">
-              <a:schemeClr val="accent1">
-                <a:shade val="50000"/>
-              </a:schemeClr>
-            </a:lnRef>
-            <a:fillRef idx="1">
-              <a:schemeClr val="accent1"/>
-            </a:fillRef>
-            <a:effectRef idx="0">
-              <a:schemeClr val="accent1"/>
-            </a:effectRef>
-            <a:fontRef idx="minor">
-              <a:schemeClr val="lt1"/>
-            </a:fontRef>
-          </p:style>
-          <p:txBody>
-            <a:bodyPr rtlCol="0" anchor="ctr"/>
-            <a:lstStyle/>
-            <a:p>
-              <a:pPr algn="ctr"/>
-              <a:endParaRPr kumimoji="1" lang="ja-JP" altLang="en-US"/>
-            </a:p>
-          </p:txBody>
-        </p:sp>
-      </p:grpSp>
-    </p:spTree>
-    <p:extLst>
-      <p:ext uri="{BB962C8B-B14F-4D97-AF65-F5344CB8AC3E}">
-        <p14:creationId xmlns:p14="http://schemas.microsoft.com/office/powerpoint/2010/main" val="48420068"/>
-      </p:ext>
-    </p:extLst>
-  </p:cSld>
-  <p:clrMapOvr>
-    <a:masterClrMapping/>
-  </p:clrMapOvr>
-</p:sld>
-</file>
-
 <file path=ppt/theme/theme1.xml><?xml version="1.0" encoding="utf-8"?>
 <a:theme xmlns:a="http://schemas.openxmlformats.org/drawingml/2006/main" name="Office Theme">
   <a:themeElements>

--- a/resource.pptx
+++ b/resource.pptx
@@ -322,7 +322,7 @@
           <a:p>
             <a:fld id="{F393CF75-DA3A-4376-8130-7D6E005E77C9}" type="datetimeFigureOut">
               <a:rPr kumimoji="1" lang="ja-JP" altLang="en-US" smtClean="0"/>
-              <a:t>2019/12/26</a:t>
+              <a:t>2019/12/27</a:t>
             </a:fld>
             <a:endParaRPr kumimoji="1" lang="ja-JP" altLang="en-US"/>
           </a:p>
@@ -524,7 +524,7 @@
           <a:p>
             <a:fld id="{F393CF75-DA3A-4376-8130-7D6E005E77C9}" type="datetimeFigureOut">
               <a:rPr kumimoji="1" lang="ja-JP" altLang="en-US" smtClean="0"/>
-              <a:t>2019/12/26</a:t>
+              <a:t>2019/12/27</a:t>
             </a:fld>
             <a:endParaRPr kumimoji="1" lang="ja-JP" altLang="en-US"/>
           </a:p>
@@ -736,7 +736,7 @@
           <a:p>
             <a:fld id="{F393CF75-DA3A-4376-8130-7D6E005E77C9}" type="datetimeFigureOut">
               <a:rPr kumimoji="1" lang="ja-JP" altLang="en-US" smtClean="0"/>
-              <a:t>2019/12/26</a:t>
+              <a:t>2019/12/27</a:t>
             </a:fld>
             <a:endParaRPr kumimoji="1" lang="ja-JP" altLang="en-US"/>
           </a:p>
@@ -938,7 +938,7 @@
           <a:p>
             <a:fld id="{F393CF75-DA3A-4376-8130-7D6E005E77C9}" type="datetimeFigureOut">
               <a:rPr kumimoji="1" lang="ja-JP" altLang="en-US" smtClean="0"/>
-              <a:t>2019/12/26</a:t>
+              <a:t>2019/12/27</a:t>
             </a:fld>
             <a:endParaRPr kumimoji="1" lang="ja-JP" altLang="en-US"/>
           </a:p>
@@ -1184,7 +1184,7 @@
           <a:p>
             <a:fld id="{F393CF75-DA3A-4376-8130-7D6E005E77C9}" type="datetimeFigureOut">
               <a:rPr kumimoji="1" lang="ja-JP" altLang="en-US" smtClean="0"/>
-              <a:t>2019/12/26</a:t>
+              <a:t>2019/12/27</a:t>
             </a:fld>
             <a:endParaRPr kumimoji="1" lang="ja-JP" altLang="en-US"/>
           </a:p>
@@ -1480,7 +1480,7 @@
           <a:p>
             <a:fld id="{F393CF75-DA3A-4376-8130-7D6E005E77C9}" type="datetimeFigureOut">
               <a:rPr kumimoji="1" lang="ja-JP" altLang="en-US" smtClean="0"/>
-              <a:t>2019/12/26</a:t>
+              <a:t>2019/12/27</a:t>
             </a:fld>
             <a:endParaRPr kumimoji="1" lang="ja-JP" altLang="en-US"/>
           </a:p>
@@ -1911,7 +1911,7 @@
           <a:p>
             <a:fld id="{F393CF75-DA3A-4376-8130-7D6E005E77C9}" type="datetimeFigureOut">
               <a:rPr kumimoji="1" lang="ja-JP" altLang="en-US" smtClean="0"/>
-              <a:t>2019/12/26</a:t>
+              <a:t>2019/12/27</a:t>
             </a:fld>
             <a:endParaRPr kumimoji="1" lang="ja-JP" altLang="en-US"/>
           </a:p>
@@ -2029,7 +2029,7 @@
           <a:p>
             <a:fld id="{F393CF75-DA3A-4376-8130-7D6E005E77C9}" type="datetimeFigureOut">
               <a:rPr kumimoji="1" lang="ja-JP" altLang="en-US" smtClean="0"/>
-              <a:t>2019/12/26</a:t>
+              <a:t>2019/12/27</a:t>
             </a:fld>
             <a:endParaRPr kumimoji="1" lang="ja-JP" altLang="en-US"/>
           </a:p>
@@ -2124,7 +2124,7 @@
           <a:p>
             <a:fld id="{F393CF75-DA3A-4376-8130-7D6E005E77C9}" type="datetimeFigureOut">
               <a:rPr kumimoji="1" lang="ja-JP" altLang="en-US" smtClean="0"/>
-              <a:t>2019/12/26</a:t>
+              <a:t>2019/12/27</a:t>
             </a:fld>
             <a:endParaRPr kumimoji="1" lang="ja-JP" altLang="en-US"/>
           </a:p>
@@ -2433,7 +2433,7 @@
           <a:p>
             <a:fld id="{F393CF75-DA3A-4376-8130-7D6E005E77C9}" type="datetimeFigureOut">
               <a:rPr kumimoji="1" lang="ja-JP" altLang="en-US" smtClean="0"/>
-              <a:t>2019/12/26</a:t>
+              <a:t>2019/12/27</a:t>
             </a:fld>
             <a:endParaRPr kumimoji="1" lang="ja-JP" altLang="en-US"/>
           </a:p>
@@ -2690,7 +2690,7 @@
           <a:p>
             <a:fld id="{F393CF75-DA3A-4376-8130-7D6E005E77C9}" type="datetimeFigureOut">
               <a:rPr kumimoji="1" lang="ja-JP" altLang="en-US" smtClean="0"/>
-              <a:t>2019/12/26</a:t>
+              <a:t>2019/12/27</a:t>
             </a:fld>
             <a:endParaRPr kumimoji="1" lang="ja-JP" altLang="en-US"/>
           </a:p>
@@ -2935,7 +2935,7 @@
           <a:p>
             <a:fld id="{F393CF75-DA3A-4376-8130-7D6E005E77C9}" type="datetimeFigureOut">
               <a:rPr kumimoji="1" lang="ja-JP" altLang="en-US" smtClean="0"/>
-              <a:t>2019/12/26</a:t>
+              <a:t>2019/12/27</a:t>
             </a:fld>
             <a:endParaRPr kumimoji="1" lang="ja-JP" altLang="en-US"/>
           </a:p>
@@ -3519,6 +3519,79 @@
           </a:p>
         </p:txBody>
       </p:sp>
+      <p:pic>
+        <p:nvPicPr>
+          <p:cNvPr id="6" name="図 5">
+            <a:extLst>
+              <a:ext uri="{FF2B5EF4-FFF2-40B4-BE49-F238E27FC236}">
+                <a16:creationId xmlns:a16="http://schemas.microsoft.com/office/drawing/2014/main" id="{F6065D87-DCBD-4428-BDB8-BBF828759BCB}"/>
+              </a:ext>
+            </a:extLst>
+          </p:cNvPr>
+          <p:cNvPicPr>
+            <a:picLocks noChangeAspect="1"/>
+          </p:cNvPicPr>
+          <p:nvPr/>
+        </p:nvPicPr>
+        <p:blipFill>
+          <a:blip r:embed="rId2">
+            <a:extLst>
+              <a:ext uri="{28A0092B-C50C-407E-A947-70E740481C1C}">
+                <a14:useLocalDpi xmlns:a14="http://schemas.microsoft.com/office/drawing/2010/main" val="0"/>
+              </a:ext>
+            </a:extLst>
+          </a:blip>
+          <a:stretch>
+            <a:fillRect/>
+          </a:stretch>
+        </p:blipFill>
+        <p:spPr>
+          <a:xfrm>
+            <a:off x="5416155" y="2495007"/>
+            <a:ext cx="1359689" cy="1867985"/>
+          </a:xfrm>
+          <a:prstGeom prst="rect">
+            <a:avLst/>
+          </a:prstGeom>
+        </p:spPr>
+      </p:pic>
+      <p:sp>
+        <p:nvSpPr>
+          <p:cNvPr id="7" name="テキスト ボックス 6">
+            <a:extLst>
+              <a:ext uri="{FF2B5EF4-FFF2-40B4-BE49-F238E27FC236}">
+                <a16:creationId xmlns:a16="http://schemas.microsoft.com/office/drawing/2014/main" id="{619E55DF-69B8-424D-A273-7A6F78B75D8D}"/>
+              </a:ext>
+            </a:extLst>
+          </p:cNvPr>
+          <p:cNvSpPr txBox="1"/>
+          <p:nvPr/>
+        </p:nvSpPr>
+        <p:spPr>
+          <a:xfrm>
+            <a:off x="5755471" y="3850747"/>
+            <a:ext cx="681056" cy="369332"/>
+          </a:xfrm>
+          <a:prstGeom prst="rect">
+            <a:avLst/>
+          </a:prstGeom>
+          <a:noFill/>
+        </p:spPr>
+        <p:txBody>
+          <a:bodyPr wrap="square" rtlCol="0">
+            <a:spAutoFit/>
+          </a:bodyPr>
+          <a:lstStyle/>
+          <a:p>
+            <a:pPr algn="ctr"/>
+            <a:r>
+              <a:rPr kumimoji="1" lang="en-US" altLang="ja-JP" dirty="0"/>
+              <a:t>SAVE</a:t>
+            </a:r>
+            <a:endParaRPr kumimoji="1" lang="ja-JP" altLang="en-US" dirty="0"/>
+          </a:p>
+        </p:txBody>
+      </p:sp>
     </p:spTree>
     <p:extLst>
       <p:ext uri="{BB962C8B-B14F-4D97-AF65-F5344CB8AC3E}">
@@ -14212,7 +14285,7 @@
         </p:nvSpPr>
         <p:spPr>
           <a:xfrm>
-            <a:off x="2430540" y="1308381"/>
+            <a:off x="8127220" y="1166338"/>
             <a:ext cx="2016000" cy="2016000"/>
           </a:xfrm>
           <a:prstGeom prst="roundRect">
@@ -14251,6 +14324,119 @@
           <a:p>
             <a:pPr algn="ctr"/>
             <a:endParaRPr kumimoji="1" lang="ja-JP" altLang="en-US"/>
+          </a:p>
+        </p:txBody>
+      </p:sp>
+      <p:pic>
+        <p:nvPicPr>
+          <p:cNvPr id="13" name="図 12">
+            <a:extLst>
+              <a:ext uri="{FF2B5EF4-FFF2-40B4-BE49-F238E27FC236}">
+                <a16:creationId xmlns:a16="http://schemas.microsoft.com/office/drawing/2014/main" id="{580103A3-8F3C-4FE7-90F3-30C8AA7A9032}"/>
+              </a:ext>
+            </a:extLst>
+          </p:cNvPr>
+          <p:cNvPicPr>
+            <a:picLocks noChangeAspect="1"/>
+          </p:cNvPicPr>
+          <p:nvPr/>
+        </p:nvPicPr>
+        <p:blipFill>
+          <a:blip r:embed="rId2">
+            <a:extLst>
+              <a:ext uri="{28A0092B-C50C-407E-A947-70E740481C1C}">
+                <a14:useLocalDpi xmlns:a14="http://schemas.microsoft.com/office/drawing/2010/main" val="0"/>
+              </a:ext>
+            </a:extLst>
+          </a:blip>
+          <a:stretch>
+            <a:fillRect/>
+          </a:stretch>
+        </p:blipFill>
+        <p:spPr>
+          <a:xfrm>
+            <a:off x="2430540" y="3435574"/>
+            <a:ext cx="1359689" cy="1867985"/>
+          </a:xfrm>
+          <a:prstGeom prst="rect">
+            <a:avLst/>
+          </a:prstGeom>
+        </p:spPr>
+      </p:pic>
+      <p:pic>
+        <p:nvPicPr>
+          <p:cNvPr id="16" name="図 15">
+            <a:extLst>
+              <a:ext uri="{FF2B5EF4-FFF2-40B4-BE49-F238E27FC236}">
+                <a16:creationId xmlns:a16="http://schemas.microsoft.com/office/drawing/2014/main" id="{93A0658E-BE42-4AB7-BB19-419877365DD6}"/>
+              </a:ext>
+            </a:extLst>
+          </p:cNvPr>
+          <p:cNvPicPr>
+            <a:picLocks noChangeAspect="1"/>
+          </p:cNvPicPr>
+          <p:nvPr/>
+        </p:nvPicPr>
+        <p:blipFill>
+          <a:blip r:embed="rId3">
+            <a:extLst>
+              <a:ext uri="{28A0092B-C50C-407E-A947-70E740481C1C}">
+                <a14:useLocalDpi xmlns:a14="http://schemas.microsoft.com/office/drawing/2010/main" val="0"/>
+              </a:ext>
+            </a:extLst>
+          </a:blip>
+          <a:stretch>
+            <a:fillRect/>
+          </a:stretch>
+        </p:blipFill>
+        <p:spPr>
+          <a:xfrm>
+            <a:off x="2591467" y="746370"/>
+            <a:ext cx="1360169" cy="1868644"/>
+          </a:xfrm>
+          <a:prstGeom prst="rect">
+            <a:avLst/>
+          </a:prstGeom>
+        </p:spPr>
+      </p:pic>
+      <p:sp>
+        <p:nvSpPr>
+          <p:cNvPr id="14" name="テキスト ボックス 13">
+            <a:extLst>
+              <a:ext uri="{FF2B5EF4-FFF2-40B4-BE49-F238E27FC236}">
+                <a16:creationId xmlns:a16="http://schemas.microsoft.com/office/drawing/2014/main" id="{7AD98402-F6E5-4ED5-B5CD-F2D0A09B284C}"/>
+              </a:ext>
+            </a:extLst>
+          </p:cNvPr>
+          <p:cNvSpPr txBox="1"/>
+          <p:nvPr/>
+        </p:nvSpPr>
+        <p:spPr>
+          <a:xfrm>
+            <a:off x="2505387" y="1870696"/>
+            <a:ext cx="1502972" cy="830997"/>
+          </a:xfrm>
+          <a:prstGeom prst="rect">
+            <a:avLst/>
+          </a:prstGeom>
+          <a:noFill/>
+        </p:spPr>
+        <p:txBody>
+          <a:bodyPr wrap="square" rtlCol="0">
+            <a:spAutoFit/>
+          </a:bodyPr>
+          <a:lstStyle/>
+          <a:p>
+            <a:pPr algn="ctr"/>
+            <a:r>
+              <a:rPr kumimoji="1" lang="en-US" altLang="ja-JP" sz="4800" b="1" dirty="0">
+                <a:latin typeface="Agency FB" panose="020B0503020202020204" pitchFamily="34" charset="0"/>
+              </a:rPr>
+              <a:t>SAVE</a:t>
+            </a:r>
+            <a:endParaRPr kumimoji="1" lang="ja-JP" altLang="en-US" sz="4800" b="1" dirty="0">
+              <a:latin typeface="Agency FB" panose="020B0503020202020204" pitchFamily="34" charset="0"/>
+            </a:endParaRPr>
           </a:p>
         </p:txBody>
       </p:sp>

--- a/resource.pptx
+++ b/resource.pptx
@@ -325,7 +325,7 @@
           <a:p>
             <a:fld id="{F393CF75-DA3A-4376-8130-7D6E005E77C9}" type="datetimeFigureOut">
               <a:rPr kumimoji="1" lang="ja-JP" altLang="en-US" smtClean="0"/>
-              <a:t>2019/12/29</a:t>
+              <a:t>2019/12/31</a:t>
             </a:fld>
             <a:endParaRPr kumimoji="1" lang="ja-JP" altLang="en-US"/>
           </a:p>
@@ -527,7 +527,7 @@
           <a:p>
             <a:fld id="{F393CF75-DA3A-4376-8130-7D6E005E77C9}" type="datetimeFigureOut">
               <a:rPr kumimoji="1" lang="ja-JP" altLang="en-US" smtClean="0"/>
-              <a:t>2019/12/29</a:t>
+              <a:t>2019/12/31</a:t>
             </a:fld>
             <a:endParaRPr kumimoji="1" lang="ja-JP" altLang="en-US"/>
           </a:p>
@@ -739,7 +739,7 @@
           <a:p>
             <a:fld id="{F393CF75-DA3A-4376-8130-7D6E005E77C9}" type="datetimeFigureOut">
               <a:rPr kumimoji="1" lang="ja-JP" altLang="en-US" smtClean="0"/>
-              <a:t>2019/12/29</a:t>
+              <a:t>2019/12/31</a:t>
             </a:fld>
             <a:endParaRPr kumimoji="1" lang="ja-JP" altLang="en-US"/>
           </a:p>
@@ -941,7 +941,7 @@
           <a:p>
             <a:fld id="{F393CF75-DA3A-4376-8130-7D6E005E77C9}" type="datetimeFigureOut">
               <a:rPr kumimoji="1" lang="ja-JP" altLang="en-US" smtClean="0"/>
-              <a:t>2019/12/29</a:t>
+              <a:t>2019/12/31</a:t>
             </a:fld>
             <a:endParaRPr kumimoji="1" lang="ja-JP" altLang="en-US"/>
           </a:p>
@@ -1187,7 +1187,7 @@
           <a:p>
             <a:fld id="{F393CF75-DA3A-4376-8130-7D6E005E77C9}" type="datetimeFigureOut">
               <a:rPr kumimoji="1" lang="ja-JP" altLang="en-US" smtClean="0"/>
-              <a:t>2019/12/29</a:t>
+              <a:t>2019/12/31</a:t>
             </a:fld>
             <a:endParaRPr kumimoji="1" lang="ja-JP" altLang="en-US"/>
           </a:p>
@@ -1483,7 +1483,7 @@
           <a:p>
             <a:fld id="{F393CF75-DA3A-4376-8130-7D6E005E77C9}" type="datetimeFigureOut">
               <a:rPr kumimoji="1" lang="ja-JP" altLang="en-US" smtClean="0"/>
-              <a:t>2019/12/29</a:t>
+              <a:t>2019/12/31</a:t>
             </a:fld>
             <a:endParaRPr kumimoji="1" lang="ja-JP" altLang="en-US"/>
           </a:p>
@@ -1914,7 +1914,7 @@
           <a:p>
             <a:fld id="{F393CF75-DA3A-4376-8130-7D6E005E77C9}" type="datetimeFigureOut">
               <a:rPr kumimoji="1" lang="ja-JP" altLang="en-US" smtClean="0"/>
-              <a:t>2019/12/29</a:t>
+              <a:t>2019/12/31</a:t>
             </a:fld>
             <a:endParaRPr kumimoji="1" lang="ja-JP" altLang="en-US"/>
           </a:p>
@@ -2032,7 +2032,7 @@
           <a:p>
             <a:fld id="{F393CF75-DA3A-4376-8130-7D6E005E77C9}" type="datetimeFigureOut">
               <a:rPr kumimoji="1" lang="ja-JP" altLang="en-US" smtClean="0"/>
-              <a:t>2019/12/29</a:t>
+              <a:t>2019/12/31</a:t>
             </a:fld>
             <a:endParaRPr kumimoji="1" lang="ja-JP" altLang="en-US"/>
           </a:p>
@@ -2127,7 +2127,7 @@
           <a:p>
             <a:fld id="{F393CF75-DA3A-4376-8130-7D6E005E77C9}" type="datetimeFigureOut">
               <a:rPr kumimoji="1" lang="ja-JP" altLang="en-US" smtClean="0"/>
-              <a:t>2019/12/29</a:t>
+              <a:t>2019/12/31</a:t>
             </a:fld>
             <a:endParaRPr kumimoji="1" lang="ja-JP" altLang="en-US"/>
           </a:p>
@@ -2436,7 +2436,7 @@
           <a:p>
             <a:fld id="{F393CF75-DA3A-4376-8130-7D6E005E77C9}" type="datetimeFigureOut">
               <a:rPr kumimoji="1" lang="ja-JP" altLang="en-US" smtClean="0"/>
-              <a:t>2019/12/29</a:t>
+              <a:t>2019/12/31</a:t>
             </a:fld>
             <a:endParaRPr kumimoji="1" lang="ja-JP" altLang="en-US"/>
           </a:p>
@@ -2693,7 +2693,7 @@
           <a:p>
             <a:fld id="{F393CF75-DA3A-4376-8130-7D6E005E77C9}" type="datetimeFigureOut">
               <a:rPr kumimoji="1" lang="ja-JP" altLang="en-US" smtClean="0"/>
-              <a:t>2019/12/29</a:t>
+              <a:t>2019/12/31</a:t>
             </a:fld>
             <a:endParaRPr kumimoji="1" lang="ja-JP" altLang="en-US"/>
           </a:p>
@@ -2938,7 +2938,7 @@
           <a:p>
             <a:fld id="{F393CF75-DA3A-4376-8130-7D6E005E77C9}" type="datetimeFigureOut">
               <a:rPr kumimoji="1" lang="ja-JP" altLang="en-US" smtClean="0"/>
-              <a:t>2019/12/29</a:t>
+              <a:t>2019/12/31</a:t>
             </a:fld>
             <a:endParaRPr kumimoji="1" lang="ja-JP" altLang="en-US"/>
           </a:p>
@@ -9012,6 +9012,56 @@
       </p:grpSpPr>
       <p:sp>
         <p:nvSpPr>
+          <p:cNvPr id="13" name="正方形/長方形 12">
+            <a:extLst>
+              <a:ext uri="{FF2B5EF4-FFF2-40B4-BE49-F238E27FC236}">
+                <a16:creationId xmlns:a16="http://schemas.microsoft.com/office/drawing/2014/main" id="{4CC6AC21-C140-4794-9B3D-1A3A107D5FAE}"/>
+              </a:ext>
+            </a:extLst>
+          </p:cNvPr>
+          <p:cNvSpPr/>
+          <p:nvPr/>
+        </p:nvSpPr>
+        <p:spPr>
+          <a:xfrm>
+            <a:off x="8245991" y="5329274"/>
+            <a:ext cx="1189083" cy="1189083"/>
+          </a:xfrm>
+          <a:prstGeom prst="rect">
+            <a:avLst/>
+          </a:prstGeom>
+          <a:noFill/>
+          <a:ln>
+            <a:noFill/>
+          </a:ln>
+        </p:spPr>
+        <p:style>
+          <a:lnRef idx="2">
+            <a:schemeClr val="accent1">
+              <a:shade val="50000"/>
+            </a:schemeClr>
+          </a:lnRef>
+          <a:fillRef idx="1">
+            <a:schemeClr val="accent1"/>
+          </a:fillRef>
+          <a:effectRef idx="0">
+            <a:schemeClr val="accent1"/>
+          </a:effectRef>
+          <a:fontRef idx="minor">
+            <a:schemeClr val="lt1"/>
+          </a:fontRef>
+        </p:style>
+        <p:txBody>
+          <a:bodyPr rtlCol="0" anchor="ctr"/>
+          <a:lstStyle/>
+          <a:p>
+            <a:pPr algn="ctr"/>
+            <a:endParaRPr kumimoji="1" lang="ja-JP" altLang="en-US"/>
+          </a:p>
+        </p:txBody>
+      </p:sp>
+      <p:sp>
+        <p:nvSpPr>
           <p:cNvPr id="2" name="四角形: 角を丸くする 1">
             <a:extLst>
               <a:ext uri="{FF2B5EF4-FFF2-40B4-BE49-F238E27FC236}">
@@ -9531,7 +9581,7 @@
         </p:nvSpPr>
         <p:spPr>
           <a:xfrm rot="5400000">
-            <a:off x="9005690" y="3565667"/>
+            <a:off x="1499449" y="3273996"/>
             <a:ext cx="470367" cy="3049501"/>
           </a:xfrm>
           <a:prstGeom prst="rect">
@@ -9550,6 +9600,110 @@
           </a:gradFill>
           <a:ln>
             <a:noFill/>
+          </a:ln>
+        </p:spPr>
+        <p:style>
+          <a:lnRef idx="2">
+            <a:schemeClr val="accent1">
+              <a:shade val="50000"/>
+            </a:schemeClr>
+          </a:lnRef>
+          <a:fillRef idx="1">
+            <a:schemeClr val="accent1"/>
+          </a:fillRef>
+          <a:effectRef idx="0">
+            <a:schemeClr val="accent1"/>
+          </a:effectRef>
+          <a:fontRef idx="minor">
+            <a:schemeClr val="lt1"/>
+          </a:fontRef>
+        </p:style>
+        <p:txBody>
+          <a:bodyPr rtlCol="0" anchor="ctr"/>
+          <a:lstStyle/>
+          <a:p>
+            <a:pPr algn="ctr"/>
+            <a:endParaRPr kumimoji="1" lang="ja-JP" altLang="en-US"/>
+          </a:p>
+        </p:txBody>
+      </p:sp>
+      <p:sp>
+        <p:nvSpPr>
+          <p:cNvPr id="11" name="二等辺三角形 10">
+            <a:extLst>
+              <a:ext uri="{FF2B5EF4-FFF2-40B4-BE49-F238E27FC236}">
+                <a16:creationId xmlns:a16="http://schemas.microsoft.com/office/drawing/2014/main" id="{CB94BC5E-53E2-40D9-B443-9890CB71A06F}"/>
+              </a:ext>
+            </a:extLst>
+          </p:cNvPr>
+          <p:cNvSpPr/>
+          <p:nvPr/>
+        </p:nvSpPr>
+        <p:spPr>
+          <a:xfrm rot="16200000">
+            <a:off x="8359932" y="5443215"/>
+            <a:ext cx="961200" cy="961200"/>
+          </a:xfrm>
+          <a:prstGeom prst="triangle">
+            <a:avLst/>
+          </a:prstGeom>
+          <a:solidFill>
+            <a:schemeClr val="tx1"/>
+          </a:solidFill>
+          <a:ln>
+            <a:noFill/>
+          </a:ln>
+        </p:spPr>
+        <p:style>
+          <a:lnRef idx="2">
+            <a:schemeClr val="accent1">
+              <a:shade val="50000"/>
+            </a:schemeClr>
+          </a:lnRef>
+          <a:fillRef idx="1">
+            <a:schemeClr val="accent1"/>
+          </a:fillRef>
+          <a:effectRef idx="0">
+            <a:schemeClr val="accent1"/>
+          </a:effectRef>
+          <a:fontRef idx="minor">
+            <a:schemeClr val="lt1"/>
+          </a:fontRef>
+        </p:style>
+        <p:txBody>
+          <a:bodyPr rtlCol="0" anchor="ctr"/>
+          <a:lstStyle/>
+          <a:p>
+            <a:pPr algn="ctr"/>
+            <a:endParaRPr kumimoji="1" lang="ja-JP" altLang="en-US"/>
+          </a:p>
+        </p:txBody>
+      </p:sp>
+      <p:sp>
+        <p:nvSpPr>
+          <p:cNvPr id="15" name="二等辺三角形 14">
+            <a:extLst>
+              <a:ext uri="{FF2B5EF4-FFF2-40B4-BE49-F238E27FC236}">
+                <a16:creationId xmlns:a16="http://schemas.microsoft.com/office/drawing/2014/main" id="{0B663DD7-F09C-4AE8-895C-2C764E68DF5E}"/>
+              </a:ext>
+            </a:extLst>
+          </p:cNvPr>
+          <p:cNvSpPr/>
+          <p:nvPr/>
+        </p:nvSpPr>
+        <p:spPr>
+          <a:xfrm rot="16200000">
+            <a:off x="8345801" y="3808525"/>
+            <a:ext cx="961200" cy="961200"/>
+          </a:xfrm>
+          <a:prstGeom prst="triangle">
+            <a:avLst/>
+          </a:prstGeom>
+          <a:noFill/>
+          <a:ln w="63500">
+            <a:solidFill>
+              <a:schemeClr val="tx1"/>
+            </a:solidFill>
           </a:ln>
         </p:spPr>
         <p:style>

--- a/resource.pptx
+++ b/resource.pptx
@@ -61,7 +61,8 @@
     <p:sldId id="262" r:id="rId55"/>
     <p:sldId id="261" r:id="rId56"/>
     <p:sldId id="259" r:id="rId57"/>
-    <p:sldId id="294" r:id="rId58"/>
+    <p:sldId id="313" r:id="rId58"/>
+    <p:sldId id="294" r:id="rId59"/>
   </p:sldIdLst>
   <p:sldSz cx="12192000" cy="6858000"/>
   <p:notesSz cx="6858000" cy="9144000"/>
@@ -16570,7 +16571,7 @@
         </p:nvSpPr>
         <p:spPr>
           <a:xfrm>
-            <a:off x="8127220" y="1166338"/>
+            <a:off x="8254365" y="862696"/>
             <a:ext cx="2016000" cy="2016000"/>
           </a:xfrm>
           <a:prstGeom prst="roundRect">
@@ -37053,31 +37054,41 @@
           </a:p>
         </p:txBody>
       </p:sp>
-      <p:sp>
-        <p:nvSpPr>
-          <p:cNvPr id="3" name="コンテンツ プレースホルダー 2">
-            <a:extLst>
-              <a:ext uri="{FF2B5EF4-FFF2-40B4-BE49-F238E27FC236}">
-                <a16:creationId xmlns:a16="http://schemas.microsoft.com/office/drawing/2014/main" id="{B9281618-C05D-4AC8-883E-AA0E89C34C99}"/>
-              </a:ext>
-            </a:extLst>
-          </p:cNvPr>
-          <p:cNvSpPr>
-            <a:spLocks noGrp="1"/>
-          </p:cNvSpPr>
+      <p:pic>
+        <p:nvPicPr>
+          <p:cNvPr id="5" name="コンテンツ プレースホルダー 4">
+            <a:extLst>
+              <a:ext uri="{FF2B5EF4-FFF2-40B4-BE49-F238E27FC236}">
+                <a16:creationId xmlns:a16="http://schemas.microsoft.com/office/drawing/2014/main" id="{61485700-04BA-4732-8079-A9528BC2810E}"/>
+              </a:ext>
+            </a:extLst>
+          </p:cNvPr>
+          <p:cNvPicPr>
+            <a:picLocks noGrp="1" noChangeAspect="1"/>
+          </p:cNvPicPr>
           <p:nvPr>
             <p:ph idx="1"/>
           </p:nvPr>
-        </p:nvSpPr>
-        <p:spPr/>
-        <p:txBody>
-          <a:bodyPr/>
-          <a:lstStyle/>
-          <a:p>
-            <a:endParaRPr kumimoji="1" lang="ja-JP" altLang="en-US"/>
-          </a:p>
-        </p:txBody>
-      </p:sp>
+        </p:nvPicPr>
+        <p:blipFill>
+          <a:blip r:embed="rId2">
+            <a:extLst>
+              <a:ext uri="{28A0092B-C50C-407E-A947-70E740481C1C}">
+                <a14:useLocalDpi xmlns:a14="http://schemas.microsoft.com/office/drawing/2010/main" val="0"/>
+              </a:ext>
+            </a:extLst>
+          </a:blip>
+          <a:stretch>
+            <a:fillRect/>
+          </a:stretch>
+        </p:blipFill>
+        <p:spPr>
+          <a:xfrm>
+            <a:off x="3920331" y="1825625"/>
+            <a:ext cx="4351338" cy="4351338"/>
+          </a:xfrm>
+        </p:spPr>
+      </p:pic>
     </p:spTree>
     <p:extLst>
       <p:ext uri="{BB962C8B-B14F-4D97-AF65-F5344CB8AC3E}">
@@ -37092,6 +37103,327 @@
 </file>
 
 <file path=ppt/slides/slide57.xml><?xml version="1.0" encoding="utf-8"?>
+<p:sld xmlns:a="http://schemas.openxmlformats.org/drawingml/2006/main" xmlns:r="http://schemas.openxmlformats.org/officeDocument/2006/relationships" xmlns:p="http://schemas.openxmlformats.org/presentationml/2006/main">
+  <p:cSld>
+    <p:bg>
+      <p:bgPr>
+        <a:solidFill>
+          <a:schemeClr val="tx1"/>
+        </a:solidFill>
+        <a:effectLst/>
+      </p:bgPr>
+    </p:bg>
+    <p:spTree>
+      <p:nvGrpSpPr>
+        <p:cNvPr id="1" name=""/>
+        <p:cNvGrpSpPr/>
+        <p:nvPr/>
+      </p:nvGrpSpPr>
+      <p:grpSpPr>
+        <a:xfrm>
+          <a:off x="0" y="0"/>
+          <a:ext cx="0" cy="0"/>
+          <a:chOff x="0" y="0"/>
+          <a:chExt cx="0" cy="0"/>
+        </a:xfrm>
+      </p:grpSpPr>
+      <p:pic>
+        <p:nvPicPr>
+          <p:cNvPr id="17" name="図 16">
+            <a:extLst>
+              <a:ext uri="{FF2B5EF4-FFF2-40B4-BE49-F238E27FC236}">
+                <a16:creationId xmlns:a16="http://schemas.microsoft.com/office/drawing/2014/main" id="{B64C745C-5A45-4E10-BE17-9AE771544396}"/>
+              </a:ext>
+            </a:extLst>
+          </p:cNvPr>
+          <p:cNvPicPr>
+            <a:picLocks noChangeAspect="1"/>
+          </p:cNvPicPr>
+          <p:nvPr/>
+        </p:nvPicPr>
+        <p:blipFill>
+          <a:blip r:embed="rId2">
+            <a:alphaModFix amt="0"/>
+            <a:extLst>
+              <a:ext uri="{28A0092B-C50C-407E-A947-70E740481C1C}">
+                <a14:useLocalDpi xmlns:a14="http://schemas.microsoft.com/office/drawing/2010/main" val="0"/>
+              </a:ext>
+            </a:extLst>
+          </a:blip>
+          <a:stretch>
+            <a:fillRect/>
+          </a:stretch>
+        </p:blipFill>
+        <p:spPr>
+          <a:xfrm>
+            <a:off x="4083663" y="454319"/>
+            <a:ext cx="4877481" cy="4877481"/>
+          </a:xfrm>
+          <a:prstGeom prst="rect">
+            <a:avLst/>
+          </a:prstGeom>
+        </p:spPr>
+      </p:pic>
+      <p:sp>
+        <p:nvSpPr>
+          <p:cNvPr id="7" name="四角形: 角を丸くする 6">
+            <a:extLst>
+              <a:ext uri="{FF2B5EF4-FFF2-40B4-BE49-F238E27FC236}">
+                <a16:creationId xmlns:a16="http://schemas.microsoft.com/office/drawing/2014/main" id="{A792F7E2-C5F3-4AB7-A153-8AF6EECAC355}"/>
+              </a:ext>
+            </a:extLst>
+          </p:cNvPr>
+          <p:cNvSpPr>
+            <a:spLocks noChangeAspect="1"/>
+          </p:cNvSpPr>
+          <p:nvPr/>
+        </p:nvSpPr>
+        <p:spPr>
+          <a:xfrm>
+            <a:off x="4263952" y="634608"/>
+            <a:ext cx="4516902" cy="4516902"/>
+          </a:xfrm>
+          <a:prstGeom prst="roundRect">
+            <a:avLst/>
+          </a:prstGeom>
+          <a:gradFill>
+            <a:gsLst>
+              <a:gs pos="0">
+                <a:srgbClr val="FEFEFE"/>
+              </a:gs>
+              <a:gs pos="100000">
+                <a:srgbClr val="F0F0F0"/>
+              </a:gs>
+            </a:gsLst>
+            <a:lin ang="5400000" scaled="1"/>
+          </a:gradFill>
+          <a:ln>
+            <a:noFill/>
+          </a:ln>
+        </p:spPr>
+        <p:style>
+          <a:lnRef idx="2">
+            <a:schemeClr val="accent1">
+              <a:shade val="50000"/>
+            </a:schemeClr>
+          </a:lnRef>
+          <a:fillRef idx="1">
+            <a:schemeClr val="accent1"/>
+          </a:fillRef>
+          <a:effectRef idx="0">
+            <a:schemeClr val="accent1"/>
+          </a:effectRef>
+          <a:fontRef idx="minor">
+            <a:schemeClr val="lt1"/>
+          </a:fontRef>
+        </p:style>
+        <p:txBody>
+          <a:bodyPr rtlCol="0" anchor="ctr"/>
+          <a:lstStyle/>
+          <a:p>
+            <a:pPr algn="ctr"/>
+            <a:endParaRPr kumimoji="1" lang="ja-JP" altLang="en-US"/>
+          </a:p>
+        </p:txBody>
+      </p:sp>
+      <p:sp>
+        <p:nvSpPr>
+          <p:cNvPr id="8" name="テキスト ボックス 7">
+            <a:extLst>
+              <a:ext uri="{FF2B5EF4-FFF2-40B4-BE49-F238E27FC236}">
+                <a16:creationId xmlns:a16="http://schemas.microsoft.com/office/drawing/2014/main" id="{0F212248-CEEF-49E3-ADA9-A2041B42C518}"/>
+              </a:ext>
+            </a:extLst>
+          </p:cNvPr>
+          <p:cNvSpPr txBox="1"/>
+          <p:nvPr/>
+        </p:nvSpPr>
+        <p:spPr>
+          <a:xfrm>
+            <a:off x="-97654" y="1102597"/>
+            <a:ext cx="1269506" cy="369332"/>
+          </a:xfrm>
+          <a:prstGeom prst="rect">
+            <a:avLst/>
+          </a:prstGeom>
+          <a:noFill/>
+        </p:spPr>
+        <p:txBody>
+          <a:bodyPr wrap="square" rtlCol="0">
+            <a:spAutoFit/>
+          </a:bodyPr>
+          <a:lstStyle/>
+          <a:p>
+            <a:pPr algn="ctr"/>
+            <a:r>
+              <a:rPr kumimoji="1" lang="en-US" altLang="ja-JP" dirty="0">
+                <a:solidFill>
+                  <a:schemeClr val="bg1"/>
+                </a:solidFill>
+                <a:latin typeface="游明朝" panose="02020400000000000000" pitchFamily="18" charset="-128"/>
+                <a:ea typeface="游明朝" panose="02020400000000000000" pitchFamily="18" charset="-128"/>
+              </a:rPr>
+              <a:t>Arbeit</a:t>
+            </a:r>
+            <a:endParaRPr kumimoji="1" lang="ja-JP" altLang="en-US" dirty="0">
+              <a:solidFill>
+                <a:schemeClr val="bg1"/>
+              </a:solidFill>
+              <a:latin typeface="游明朝" panose="02020400000000000000" pitchFamily="18" charset="-128"/>
+              <a:ea typeface="游明朝" panose="02020400000000000000" pitchFamily="18" charset="-128"/>
+            </a:endParaRPr>
+          </a:p>
+        </p:txBody>
+      </p:sp>
+      <p:pic>
+        <p:nvPicPr>
+          <p:cNvPr id="10" name="図 9">
+            <a:extLst>
+              <a:ext uri="{FF2B5EF4-FFF2-40B4-BE49-F238E27FC236}">
+                <a16:creationId xmlns:a16="http://schemas.microsoft.com/office/drawing/2014/main" id="{3B7136EB-8BFD-42AF-969D-B6B0F6CE3204}"/>
+              </a:ext>
+            </a:extLst>
+          </p:cNvPr>
+          <p:cNvPicPr>
+            <a:picLocks noChangeAspect="1"/>
+          </p:cNvPicPr>
+          <p:nvPr/>
+        </p:nvPicPr>
+        <p:blipFill>
+          <a:blip r:embed="rId3">
+            <a:extLst>
+              <a:ext uri="{28A0092B-C50C-407E-A947-70E740481C1C}">
+                <a14:useLocalDpi xmlns:a14="http://schemas.microsoft.com/office/drawing/2010/main" val="0"/>
+              </a:ext>
+            </a:extLst>
+          </a:blip>
+          <a:stretch>
+            <a:fillRect/>
+          </a:stretch>
+        </p:blipFill>
+        <p:spPr>
+          <a:xfrm>
+            <a:off x="-149678" y="1102597"/>
+            <a:ext cx="1236128" cy="388144"/>
+          </a:xfrm>
+          <a:prstGeom prst="rect">
+            <a:avLst/>
+          </a:prstGeom>
+        </p:spPr>
+      </p:pic>
+      <p:pic>
+        <p:nvPicPr>
+          <p:cNvPr id="13" name="図 12">
+            <a:extLst>
+              <a:ext uri="{FF2B5EF4-FFF2-40B4-BE49-F238E27FC236}">
+                <a16:creationId xmlns:a16="http://schemas.microsoft.com/office/drawing/2014/main" id="{DAEC6ED2-EA7F-4590-9F08-0134030DDBAE}"/>
+              </a:ext>
+            </a:extLst>
+          </p:cNvPr>
+          <p:cNvPicPr>
+            <a:picLocks noChangeAspect="1"/>
+          </p:cNvPicPr>
+          <p:nvPr/>
+        </p:nvPicPr>
+        <p:blipFill>
+          <a:blip r:embed="rId4">
+            <a:extLst>
+              <a:ext uri="{28A0092B-C50C-407E-A947-70E740481C1C}">
+                <a14:useLocalDpi xmlns:a14="http://schemas.microsoft.com/office/drawing/2010/main" val="0"/>
+              </a:ext>
+            </a:extLst>
+          </a:blip>
+          <a:stretch>
+            <a:fillRect/>
+          </a:stretch>
+        </p:blipFill>
+        <p:spPr>
+          <a:xfrm>
+            <a:off x="4350374" y="2211042"/>
+            <a:ext cx="4344058" cy="1364033"/>
+          </a:xfrm>
+          <a:prstGeom prst="rect">
+            <a:avLst/>
+          </a:prstGeom>
+        </p:spPr>
+      </p:pic>
+      <p:sp>
+        <p:nvSpPr>
+          <p:cNvPr id="14" name="テキスト ボックス 13">
+            <a:extLst>
+              <a:ext uri="{FF2B5EF4-FFF2-40B4-BE49-F238E27FC236}">
+                <a16:creationId xmlns:a16="http://schemas.microsoft.com/office/drawing/2014/main" id="{AEC26E41-0D25-4C9C-AE1D-F328F57E28F1}"/>
+              </a:ext>
+            </a:extLst>
+          </p:cNvPr>
+          <p:cNvSpPr txBox="1"/>
+          <p:nvPr/>
+        </p:nvSpPr>
+        <p:spPr>
+          <a:xfrm>
+            <a:off x="4350374" y="2108229"/>
+            <a:ext cx="4344058" cy="1569660"/>
+          </a:xfrm>
+          <a:prstGeom prst="rect">
+            <a:avLst/>
+          </a:prstGeom>
+          <a:noFill/>
+        </p:spPr>
+        <p:txBody>
+          <a:bodyPr wrap="square" rtlCol="0">
+            <a:spAutoFit/>
+          </a:bodyPr>
+          <a:lstStyle/>
+          <a:p>
+            <a:pPr algn="ctr"/>
+            <a:r>
+              <a:rPr kumimoji="1" lang="en-US" altLang="ja-JP" sz="9600" dirty="0">
+                <a:solidFill>
+                  <a:srgbClr val="808080"/>
+                </a:solidFill>
+                <a:effectLst>
+                  <a:outerShdw dist="38100" dir="2700000" algn="tl" rotWithShape="0">
+                    <a:srgbClr val="BEBEBE">
+                      <a:alpha val="40000"/>
+                    </a:srgbClr>
+                  </a:outerShdw>
+                </a:effectLst>
+                <a:latin typeface="游明朝" panose="02020400000000000000" pitchFamily="18" charset="-128"/>
+                <a:ea typeface="游明朝" panose="02020400000000000000" pitchFamily="18" charset="-128"/>
+              </a:rPr>
+              <a:t>Arbeit</a:t>
+            </a:r>
+            <a:endParaRPr kumimoji="1" lang="ja-JP" altLang="en-US" sz="9600" dirty="0">
+              <a:solidFill>
+                <a:srgbClr val="808080"/>
+              </a:solidFill>
+              <a:effectLst>
+                <a:outerShdw dist="38100" dir="2700000" algn="tl" rotWithShape="0">
+                  <a:srgbClr val="BEBEBE">
+                    <a:alpha val="40000"/>
+                  </a:srgbClr>
+                </a:outerShdw>
+              </a:effectLst>
+              <a:latin typeface="游明朝" panose="02020400000000000000" pitchFamily="18" charset="-128"/>
+              <a:ea typeface="游明朝" panose="02020400000000000000" pitchFamily="18" charset="-128"/>
+            </a:endParaRPr>
+          </a:p>
+        </p:txBody>
+      </p:sp>
+    </p:spTree>
+    <p:extLst>
+      <p:ext uri="{BB962C8B-B14F-4D97-AF65-F5344CB8AC3E}">
+        <p14:creationId xmlns:p14="http://schemas.microsoft.com/office/powerpoint/2010/main" val="1123323906"/>
+      </p:ext>
+    </p:extLst>
+  </p:cSld>
+  <p:clrMapOvr>
+    <a:masterClrMapping/>
+  </p:clrMapOvr>
+</p:sld>
+</file>
+
+<file path=ppt/slides/slide58.xml><?xml version="1.0" encoding="utf-8"?>
 <p:sld xmlns:a="http://schemas.openxmlformats.org/drawingml/2006/main" xmlns:r="http://schemas.openxmlformats.org/officeDocument/2006/relationships" xmlns:p="http://schemas.openxmlformats.org/presentationml/2006/main">
   <p:cSld>
     <p:spTree>

--- a/resource.pptx
+++ b/resource.pptx
@@ -22,47 +22,48 @@
     <p:sldId id="305" r:id="rId16"/>
     <p:sldId id="297" r:id="rId17"/>
     <p:sldId id="298" r:id="rId18"/>
-    <p:sldId id="308" r:id="rId19"/>
-    <p:sldId id="307" r:id="rId20"/>
-    <p:sldId id="299" r:id="rId21"/>
-    <p:sldId id="300" r:id="rId22"/>
-    <p:sldId id="295" r:id="rId23"/>
-    <p:sldId id="306" r:id="rId24"/>
-    <p:sldId id="293" r:id="rId25"/>
-    <p:sldId id="291" r:id="rId26"/>
-    <p:sldId id="282" r:id="rId27"/>
-    <p:sldId id="283" r:id="rId28"/>
-    <p:sldId id="285" r:id="rId29"/>
-    <p:sldId id="290" r:id="rId30"/>
-    <p:sldId id="287" r:id="rId31"/>
-    <p:sldId id="289" r:id="rId32"/>
-    <p:sldId id="286" r:id="rId33"/>
-    <p:sldId id="292" r:id="rId34"/>
-    <p:sldId id="284" r:id="rId35"/>
-    <p:sldId id="281" r:id="rId36"/>
-    <p:sldId id="280" r:id="rId37"/>
-    <p:sldId id="279" r:id="rId38"/>
-    <p:sldId id="278" r:id="rId39"/>
-    <p:sldId id="277" r:id="rId40"/>
-    <p:sldId id="275" r:id="rId41"/>
-    <p:sldId id="276" r:id="rId42"/>
-    <p:sldId id="274" r:id="rId43"/>
-    <p:sldId id="273" r:id="rId44"/>
-    <p:sldId id="272" r:id="rId45"/>
-    <p:sldId id="271" r:id="rId46"/>
-    <p:sldId id="270" r:id="rId47"/>
-    <p:sldId id="265" r:id="rId48"/>
-    <p:sldId id="267" r:id="rId49"/>
-    <p:sldId id="269" r:id="rId50"/>
-    <p:sldId id="296" r:id="rId51"/>
-    <p:sldId id="268" r:id="rId52"/>
-    <p:sldId id="263" r:id="rId53"/>
-    <p:sldId id="264" r:id="rId54"/>
-    <p:sldId id="262" r:id="rId55"/>
-    <p:sldId id="261" r:id="rId56"/>
-    <p:sldId id="259" r:id="rId57"/>
-    <p:sldId id="313" r:id="rId58"/>
-    <p:sldId id="294" r:id="rId59"/>
+    <p:sldId id="314" r:id="rId19"/>
+    <p:sldId id="308" r:id="rId20"/>
+    <p:sldId id="307" r:id="rId21"/>
+    <p:sldId id="299" r:id="rId22"/>
+    <p:sldId id="300" r:id="rId23"/>
+    <p:sldId id="295" r:id="rId24"/>
+    <p:sldId id="306" r:id="rId25"/>
+    <p:sldId id="293" r:id="rId26"/>
+    <p:sldId id="291" r:id="rId27"/>
+    <p:sldId id="282" r:id="rId28"/>
+    <p:sldId id="283" r:id="rId29"/>
+    <p:sldId id="285" r:id="rId30"/>
+    <p:sldId id="290" r:id="rId31"/>
+    <p:sldId id="287" r:id="rId32"/>
+    <p:sldId id="289" r:id="rId33"/>
+    <p:sldId id="286" r:id="rId34"/>
+    <p:sldId id="292" r:id="rId35"/>
+    <p:sldId id="284" r:id="rId36"/>
+    <p:sldId id="281" r:id="rId37"/>
+    <p:sldId id="280" r:id="rId38"/>
+    <p:sldId id="279" r:id="rId39"/>
+    <p:sldId id="278" r:id="rId40"/>
+    <p:sldId id="277" r:id="rId41"/>
+    <p:sldId id="275" r:id="rId42"/>
+    <p:sldId id="276" r:id="rId43"/>
+    <p:sldId id="274" r:id="rId44"/>
+    <p:sldId id="273" r:id="rId45"/>
+    <p:sldId id="272" r:id="rId46"/>
+    <p:sldId id="271" r:id="rId47"/>
+    <p:sldId id="270" r:id="rId48"/>
+    <p:sldId id="265" r:id="rId49"/>
+    <p:sldId id="267" r:id="rId50"/>
+    <p:sldId id="269" r:id="rId51"/>
+    <p:sldId id="296" r:id="rId52"/>
+    <p:sldId id="268" r:id="rId53"/>
+    <p:sldId id="263" r:id="rId54"/>
+    <p:sldId id="264" r:id="rId55"/>
+    <p:sldId id="262" r:id="rId56"/>
+    <p:sldId id="261" r:id="rId57"/>
+    <p:sldId id="259" r:id="rId58"/>
+    <p:sldId id="313" r:id="rId59"/>
+    <p:sldId id="294" r:id="rId60"/>
   </p:sldIdLst>
   <p:sldSz cx="12192000" cy="6858000"/>
   <p:notesSz cx="6858000" cy="9144000"/>
@@ -326,7 +327,7 @@
           <a:p>
             <a:fld id="{F393CF75-DA3A-4376-8130-7D6E005E77C9}" type="datetimeFigureOut">
               <a:rPr kumimoji="1" lang="ja-JP" altLang="en-US" smtClean="0"/>
-              <a:t>2019/12/31</a:t>
+              <a:t>2020/1/2</a:t>
             </a:fld>
             <a:endParaRPr kumimoji="1" lang="ja-JP" altLang="en-US"/>
           </a:p>
@@ -528,7 +529,7 @@
           <a:p>
             <a:fld id="{F393CF75-DA3A-4376-8130-7D6E005E77C9}" type="datetimeFigureOut">
               <a:rPr kumimoji="1" lang="ja-JP" altLang="en-US" smtClean="0"/>
-              <a:t>2019/12/31</a:t>
+              <a:t>2020/1/2</a:t>
             </a:fld>
             <a:endParaRPr kumimoji="1" lang="ja-JP" altLang="en-US"/>
           </a:p>
@@ -740,7 +741,7 @@
           <a:p>
             <a:fld id="{F393CF75-DA3A-4376-8130-7D6E005E77C9}" type="datetimeFigureOut">
               <a:rPr kumimoji="1" lang="ja-JP" altLang="en-US" smtClean="0"/>
-              <a:t>2019/12/31</a:t>
+              <a:t>2020/1/2</a:t>
             </a:fld>
             <a:endParaRPr kumimoji="1" lang="ja-JP" altLang="en-US"/>
           </a:p>
@@ -942,7 +943,7 @@
           <a:p>
             <a:fld id="{F393CF75-DA3A-4376-8130-7D6E005E77C9}" type="datetimeFigureOut">
               <a:rPr kumimoji="1" lang="ja-JP" altLang="en-US" smtClean="0"/>
-              <a:t>2019/12/31</a:t>
+              <a:t>2020/1/2</a:t>
             </a:fld>
             <a:endParaRPr kumimoji="1" lang="ja-JP" altLang="en-US"/>
           </a:p>
@@ -1188,7 +1189,7 @@
           <a:p>
             <a:fld id="{F393CF75-DA3A-4376-8130-7D6E005E77C9}" type="datetimeFigureOut">
               <a:rPr kumimoji="1" lang="ja-JP" altLang="en-US" smtClean="0"/>
-              <a:t>2019/12/31</a:t>
+              <a:t>2020/1/2</a:t>
             </a:fld>
             <a:endParaRPr kumimoji="1" lang="ja-JP" altLang="en-US"/>
           </a:p>
@@ -1484,7 +1485,7 @@
           <a:p>
             <a:fld id="{F393CF75-DA3A-4376-8130-7D6E005E77C9}" type="datetimeFigureOut">
               <a:rPr kumimoji="1" lang="ja-JP" altLang="en-US" smtClean="0"/>
-              <a:t>2019/12/31</a:t>
+              <a:t>2020/1/2</a:t>
             </a:fld>
             <a:endParaRPr kumimoji="1" lang="ja-JP" altLang="en-US"/>
           </a:p>
@@ -1915,7 +1916,7 @@
           <a:p>
             <a:fld id="{F393CF75-DA3A-4376-8130-7D6E005E77C9}" type="datetimeFigureOut">
               <a:rPr kumimoji="1" lang="ja-JP" altLang="en-US" smtClean="0"/>
-              <a:t>2019/12/31</a:t>
+              <a:t>2020/1/2</a:t>
             </a:fld>
             <a:endParaRPr kumimoji="1" lang="ja-JP" altLang="en-US"/>
           </a:p>
@@ -2033,7 +2034,7 @@
           <a:p>
             <a:fld id="{F393CF75-DA3A-4376-8130-7D6E005E77C9}" type="datetimeFigureOut">
               <a:rPr kumimoji="1" lang="ja-JP" altLang="en-US" smtClean="0"/>
-              <a:t>2019/12/31</a:t>
+              <a:t>2020/1/2</a:t>
             </a:fld>
             <a:endParaRPr kumimoji="1" lang="ja-JP" altLang="en-US"/>
           </a:p>
@@ -2128,7 +2129,7 @@
           <a:p>
             <a:fld id="{F393CF75-DA3A-4376-8130-7D6E005E77C9}" type="datetimeFigureOut">
               <a:rPr kumimoji="1" lang="ja-JP" altLang="en-US" smtClean="0"/>
-              <a:t>2019/12/31</a:t>
+              <a:t>2020/1/2</a:t>
             </a:fld>
             <a:endParaRPr kumimoji="1" lang="ja-JP" altLang="en-US"/>
           </a:p>
@@ -2437,7 +2438,7 @@
           <a:p>
             <a:fld id="{F393CF75-DA3A-4376-8130-7D6E005E77C9}" type="datetimeFigureOut">
               <a:rPr kumimoji="1" lang="ja-JP" altLang="en-US" smtClean="0"/>
-              <a:t>2019/12/31</a:t>
+              <a:t>2020/1/2</a:t>
             </a:fld>
             <a:endParaRPr kumimoji="1" lang="ja-JP" altLang="en-US"/>
           </a:p>
@@ -2694,7 +2695,7 @@
           <a:p>
             <a:fld id="{F393CF75-DA3A-4376-8130-7D6E005E77C9}" type="datetimeFigureOut">
               <a:rPr kumimoji="1" lang="ja-JP" altLang="en-US" smtClean="0"/>
-              <a:t>2019/12/31</a:t>
+              <a:t>2020/1/2</a:t>
             </a:fld>
             <a:endParaRPr kumimoji="1" lang="ja-JP" altLang="en-US"/>
           </a:p>
@@ -2939,7 +2940,7 @@
           <a:p>
             <a:fld id="{F393CF75-DA3A-4376-8130-7D6E005E77C9}" type="datetimeFigureOut">
               <a:rPr kumimoji="1" lang="ja-JP" altLang="en-US" smtClean="0"/>
-              <a:t>2019/12/31</a:t>
+              <a:t>2020/1/2</a:t>
             </a:fld>
             <a:endParaRPr kumimoji="1" lang="ja-JP" altLang="en-US"/>
           </a:p>
@@ -11411,6 +11412,607 @@
     <p:bg>
       <p:bgPr>
         <a:solidFill>
+          <a:schemeClr val="tx1">
+            <a:lumMod val="85000"/>
+          </a:schemeClr>
+        </a:solidFill>
+        <a:effectLst/>
+      </p:bgPr>
+    </p:bg>
+    <p:spTree>
+      <p:nvGrpSpPr>
+        <p:cNvPr id="1" name=""/>
+        <p:cNvGrpSpPr/>
+        <p:nvPr/>
+      </p:nvGrpSpPr>
+      <p:grpSpPr>
+        <a:xfrm>
+          <a:off x="0" y="0"/>
+          <a:ext cx="0" cy="0"/>
+          <a:chOff x="0" y="0"/>
+          <a:chExt cx="0" cy="0"/>
+        </a:xfrm>
+      </p:grpSpPr>
+      <p:sp>
+        <p:nvSpPr>
+          <p:cNvPr id="2" name="四角形: 角を丸くする 1">
+            <a:extLst>
+              <a:ext uri="{FF2B5EF4-FFF2-40B4-BE49-F238E27FC236}">
+                <a16:creationId xmlns:a16="http://schemas.microsoft.com/office/drawing/2014/main" id="{F8405F3E-E41B-4817-A754-4396863E1DBF}"/>
+              </a:ext>
+            </a:extLst>
+          </p:cNvPr>
+          <p:cNvSpPr/>
+          <p:nvPr/>
+        </p:nvSpPr>
+        <p:spPr>
+          <a:xfrm>
+            <a:off x="5981700" y="209550"/>
+            <a:ext cx="5867400" cy="3343275"/>
+          </a:xfrm>
+          <a:prstGeom prst="roundRect">
+            <a:avLst>
+              <a:gd name="adj" fmla="val 2422"/>
+            </a:avLst>
+          </a:prstGeom>
+          <a:solidFill>
+            <a:schemeClr val="tx1"/>
+          </a:solidFill>
+          <a:ln>
+            <a:noFill/>
+          </a:ln>
+        </p:spPr>
+        <p:style>
+          <a:lnRef idx="2">
+            <a:schemeClr val="accent1">
+              <a:shade val="50000"/>
+            </a:schemeClr>
+          </a:lnRef>
+          <a:fillRef idx="1">
+            <a:schemeClr val="accent1"/>
+          </a:fillRef>
+          <a:effectRef idx="0">
+            <a:schemeClr val="accent1"/>
+          </a:effectRef>
+          <a:fontRef idx="minor">
+            <a:schemeClr val="lt1"/>
+          </a:fontRef>
+        </p:style>
+        <p:txBody>
+          <a:bodyPr rtlCol="0" anchor="ctr"/>
+          <a:lstStyle/>
+          <a:p>
+            <a:pPr algn="ctr"/>
+            <a:endParaRPr kumimoji="1" lang="ja-JP" altLang="en-US"/>
+          </a:p>
+        </p:txBody>
+      </p:sp>
+      <p:sp>
+        <p:nvSpPr>
+          <p:cNvPr id="3" name="テキスト ボックス 2">
+            <a:extLst>
+              <a:ext uri="{FF2B5EF4-FFF2-40B4-BE49-F238E27FC236}">
+                <a16:creationId xmlns:a16="http://schemas.microsoft.com/office/drawing/2014/main" id="{2E7D0F28-60F6-4A78-976B-84C1921B263A}"/>
+              </a:ext>
+            </a:extLst>
+          </p:cNvPr>
+          <p:cNvSpPr txBox="1"/>
+          <p:nvPr/>
+        </p:nvSpPr>
+        <p:spPr>
+          <a:xfrm>
+            <a:off x="6062662" y="1419522"/>
+            <a:ext cx="5705475" cy="923330"/>
+          </a:xfrm>
+          <a:prstGeom prst="rect">
+            <a:avLst/>
+          </a:prstGeom>
+          <a:noFill/>
+        </p:spPr>
+        <p:txBody>
+          <a:bodyPr wrap="square" rtlCol="0">
+            <a:spAutoFit/>
+          </a:bodyPr>
+          <a:lstStyle/>
+          <a:p>
+            <a:r>
+              <a:rPr kumimoji="1" lang="ja-JP" altLang="en-US" sz="5400" dirty="0">
+                <a:solidFill>
+                  <a:schemeClr val="bg1"/>
+                </a:solidFill>
+              </a:rPr>
+              <a:t>キャッシュクリア</a:t>
+            </a:r>
+          </a:p>
+        </p:txBody>
+      </p:sp>
+      <p:sp>
+        <p:nvSpPr>
+          <p:cNvPr id="5" name="正方形/長方形 4">
+            <a:extLst>
+              <a:ext uri="{FF2B5EF4-FFF2-40B4-BE49-F238E27FC236}">
+                <a16:creationId xmlns:a16="http://schemas.microsoft.com/office/drawing/2014/main" id="{6960556B-6D15-4DB0-8ABC-F27F5BAC7B98}"/>
+              </a:ext>
+            </a:extLst>
+          </p:cNvPr>
+          <p:cNvSpPr/>
+          <p:nvPr/>
+        </p:nvSpPr>
+        <p:spPr>
+          <a:xfrm rot="19711207">
+            <a:off x="1737586" y="790575"/>
+            <a:ext cx="114300" cy="1466850"/>
+          </a:xfrm>
+          <a:prstGeom prst="rect">
+            <a:avLst/>
+          </a:prstGeom>
+          <a:solidFill>
+            <a:schemeClr val="tx1"/>
+          </a:solidFill>
+          <a:ln>
+            <a:noFill/>
+          </a:ln>
+        </p:spPr>
+        <p:style>
+          <a:lnRef idx="2">
+            <a:schemeClr val="accent1">
+              <a:shade val="50000"/>
+            </a:schemeClr>
+          </a:lnRef>
+          <a:fillRef idx="1">
+            <a:schemeClr val="accent1"/>
+          </a:fillRef>
+          <a:effectRef idx="0">
+            <a:schemeClr val="accent1"/>
+          </a:effectRef>
+          <a:fontRef idx="minor">
+            <a:schemeClr val="lt1"/>
+          </a:fontRef>
+        </p:style>
+        <p:txBody>
+          <a:bodyPr rtlCol="0" anchor="ctr"/>
+          <a:lstStyle/>
+          <a:p>
+            <a:pPr algn="ctr"/>
+            <a:endParaRPr kumimoji="1" lang="ja-JP" altLang="en-US"/>
+          </a:p>
+        </p:txBody>
+      </p:sp>
+      <p:sp>
+        <p:nvSpPr>
+          <p:cNvPr id="46" name="正方形/長方形 45">
+            <a:extLst>
+              <a:ext uri="{FF2B5EF4-FFF2-40B4-BE49-F238E27FC236}">
+                <a16:creationId xmlns:a16="http://schemas.microsoft.com/office/drawing/2014/main" id="{C2CBE095-712F-44C1-8938-23AAEEDD4AE8}"/>
+              </a:ext>
+            </a:extLst>
+          </p:cNvPr>
+          <p:cNvSpPr/>
+          <p:nvPr/>
+        </p:nvSpPr>
+        <p:spPr>
+          <a:xfrm rot="20683958">
+            <a:off x="2471011" y="561974"/>
+            <a:ext cx="114300" cy="1466850"/>
+          </a:xfrm>
+          <a:prstGeom prst="rect">
+            <a:avLst/>
+          </a:prstGeom>
+          <a:solidFill>
+            <a:schemeClr val="tx1"/>
+          </a:solidFill>
+          <a:ln>
+            <a:noFill/>
+          </a:ln>
+        </p:spPr>
+        <p:style>
+          <a:lnRef idx="2">
+            <a:schemeClr val="accent1">
+              <a:shade val="50000"/>
+            </a:schemeClr>
+          </a:lnRef>
+          <a:fillRef idx="1">
+            <a:schemeClr val="accent1"/>
+          </a:fillRef>
+          <a:effectRef idx="0">
+            <a:schemeClr val="accent1"/>
+          </a:effectRef>
+          <a:fontRef idx="minor">
+            <a:schemeClr val="lt1"/>
+          </a:fontRef>
+        </p:style>
+        <p:txBody>
+          <a:bodyPr rtlCol="0" anchor="ctr"/>
+          <a:lstStyle/>
+          <a:p>
+            <a:pPr algn="ctr"/>
+            <a:endParaRPr kumimoji="1" lang="ja-JP" altLang="en-US"/>
+          </a:p>
+        </p:txBody>
+      </p:sp>
+      <p:sp>
+        <p:nvSpPr>
+          <p:cNvPr id="50" name="正方形/長方形 49">
+            <a:extLst>
+              <a:ext uri="{FF2B5EF4-FFF2-40B4-BE49-F238E27FC236}">
+                <a16:creationId xmlns:a16="http://schemas.microsoft.com/office/drawing/2014/main" id="{F2A7622D-6409-4856-AB65-D58CF2344643}"/>
+              </a:ext>
+            </a:extLst>
+          </p:cNvPr>
+          <p:cNvSpPr/>
+          <p:nvPr/>
+        </p:nvSpPr>
+        <p:spPr>
+          <a:xfrm rot="19739805">
+            <a:off x="2796106" y="2513875"/>
+            <a:ext cx="114300" cy="1466850"/>
+          </a:xfrm>
+          <a:prstGeom prst="rect">
+            <a:avLst/>
+          </a:prstGeom>
+          <a:solidFill>
+            <a:schemeClr val="tx1"/>
+          </a:solidFill>
+          <a:ln>
+            <a:noFill/>
+          </a:ln>
+        </p:spPr>
+        <p:style>
+          <a:lnRef idx="2">
+            <a:schemeClr val="accent1">
+              <a:shade val="50000"/>
+            </a:schemeClr>
+          </a:lnRef>
+          <a:fillRef idx="1">
+            <a:schemeClr val="accent1"/>
+          </a:fillRef>
+          <a:effectRef idx="0">
+            <a:schemeClr val="accent1"/>
+          </a:effectRef>
+          <a:fontRef idx="minor">
+            <a:schemeClr val="lt1"/>
+          </a:fontRef>
+        </p:style>
+        <p:txBody>
+          <a:bodyPr rtlCol="0" anchor="ctr"/>
+          <a:lstStyle/>
+          <a:p>
+            <a:pPr algn="ctr"/>
+            <a:endParaRPr kumimoji="1" lang="ja-JP" altLang="en-US"/>
+          </a:p>
+        </p:txBody>
+      </p:sp>
+      <p:sp>
+        <p:nvSpPr>
+          <p:cNvPr id="58" name="正方形/長方形 57">
+            <a:extLst>
+              <a:ext uri="{FF2B5EF4-FFF2-40B4-BE49-F238E27FC236}">
+                <a16:creationId xmlns:a16="http://schemas.microsoft.com/office/drawing/2014/main" id="{82E85BFB-A53F-4092-AC9B-652A9A13D9D6}"/>
+              </a:ext>
+            </a:extLst>
+          </p:cNvPr>
+          <p:cNvSpPr/>
+          <p:nvPr/>
+        </p:nvSpPr>
+        <p:spPr>
+          <a:xfrm>
+            <a:off x="3703777" y="2085975"/>
+            <a:ext cx="114300" cy="1466850"/>
+          </a:xfrm>
+          <a:prstGeom prst="rect">
+            <a:avLst/>
+          </a:prstGeom>
+          <a:solidFill>
+            <a:schemeClr val="tx1"/>
+          </a:solidFill>
+          <a:ln>
+            <a:noFill/>
+          </a:ln>
+        </p:spPr>
+        <p:style>
+          <a:lnRef idx="2">
+            <a:schemeClr val="accent1">
+              <a:shade val="50000"/>
+            </a:schemeClr>
+          </a:lnRef>
+          <a:fillRef idx="1">
+            <a:schemeClr val="accent1"/>
+          </a:fillRef>
+          <a:effectRef idx="0">
+            <a:schemeClr val="accent1"/>
+          </a:effectRef>
+          <a:fontRef idx="minor">
+            <a:schemeClr val="lt1"/>
+          </a:fontRef>
+        </p:style>
+        <p:txBody>
+          <a:bodyPr rtlCol="0" anchor="ctr"/>
+          <a:lstStyle/>
+          <a:p>
+            <a:pPr algn="ctr"/>
+            <a:endParaRPr kumimoji="1" lang="ja-JP" altLang="en-US"/>
+          </a:p>
+        </p:txBody>
+      </p:sp>
+      <p:sp>
+        <p:nvSpPr>
+          <p:cNvPr id="70" name="正方形/長方形 69">
+            <a:extLst>
+              <a:ext uri="{FF2B5EF4-FFF2-40B4-BE49-F238E27FC236}">
+                <a16:creationId xmlns:a16="http://schemas.microsoft.com/office/drawing/2014/main" id="{5EC6DA8D-C60C-4F87-AA8F-71D902C5125F}"/>
+              </a:ext>
+            </a:extLst>
+          </p:cNvPr>
+          <p:cNvSpPr/>
+          <p:nvPr/>
+        </p:nvSpPr>
+        <p:spPr>
+          <a:xfrm rot="5400000">
+            <a:off x="5272087" y="3667125"/>
+            <a:ext cx="114300" cy="1466850"/>
+          </a:xfrm>
+          <a:prstGeom prst="rect">
+            <a:avLst/>
+          </a:prstGeom>
+          <a:solidFill>
+            <a:schemeClr val="tx1"/>
+          </a:solidFill>
+          <a:ln>
+            <a:noFill/>
+          </a:ln>
+        </p:spPr>
+        <p:style>
+          <a:lnRef idx="2">
+            <a:schemeClr val="accent1">
+              <a:shade val="50000"/>
+            </a:schemeClr>
+          </a:lnRef>
+          <a:fillRef idx="1">
+            <a:schemeClr val="accent1"/>
+          </a:fillRef>
+          <a:effectRef idx="0">
+            <a:schemeClr val="accent1"/>
+          </a:effectRef>
+          <a:fontRef idx="minor">
+            <a:schemeClr val="lt1"/>
+          </a:fontRef>
+        </p:style>
+        <p:txBody>
+          <a:bodyPr rtlCol="0" anchor="ctr"/>
+          <a:lstStyle/>
+          <a:p>
+            <a:pPr algn="ctr"/>
+            <a:endParaRPr kumimoji="1" lang="ja-JP" altLang="en-US"/>
+          </a:p>
+        </p:txBody>
+      </p:sp>
+      <p:sp>
+        <p:nvSpPr>
+          <p:cNvPr id="71" name="正方形/長方形 70">
+            <a:extLst>
+              <a:ext uri="{FF2B5EF4-FFF2-40B4-BE49-F238E27FC236}">
+                <a16:creationId xmlns:a16="http://schemas.microsoft.com/office/drawing/2014/main" id="{D8354B33-4A2D-4E5C-BD5B-B66DAFE006DB}"/>
+              </a:ext>
+            </a:extLst>
+          </p:cNvPr>
+          <p:cNvSpPr/>
+          <p:nvPr/>
+        </p:nvSpPr>
+        <p:spPr>
+          <a:xfrm rot="5400000">
+            <a:off x="2169318" y="3658597"/>
+            <a:ext cx="114300" cy="1466850"/>
+          </a:xfrm>
+          <a:prstGeom prst="rect">
+            <a:avLst/>
+          </a:prstGeom>
+          <a:solidFill>
+            <a:schemeClr val="tx1"/>
+          </a:solidFill>
+          <a:ln>
+            <a:noFill/>
+          </a:ln>
+        </p:spPr>
+        <p:style>
+          <a:lnRef idx="2">
+            <a:schemeClr val="accent1">
+              <a:shade val="50000"/>
+            </a:schemeClr>
+          </a:lnRef>
+          <a:fillRef idx="1">
+            <a:schemeClr val="accent1"/>
+          </a:fillRef>
+          <a:effectRef idx="0">
+            <a:schemeClr val="accent1"/>
+          </a:effectRef>
+          <a:fontRef idx="minor">
+            <a:schemeClr val="lt1"/>
+          </a:fontRef>
+        </p:style>
+        <p:txBody>
+          <a:bodyPr rtlCol="0" anchor="ctr"/>
+          <a:lstStyle/>
+          <a:p>
+            <a:pPr algn="ctr"/>
+            <a:endParaRPr kumimoji="1" lang="ja-JP" altLang="en-US"/>
+          </a:p>
+        </p:txBody>
+      </p:sp>
+      <p:sp>
+        <p:nvSpPr>
+          <p:cNvPr id="72" name="正方形/長方形 71">
+            <a:extLst>
+              <a:ext uri="{FF2B5EF4-FFF2-40B4-BE49-F238E27FC236}">
+                <a16:creationId xmlns:a16="http://schemas.microsoft.com/office/drawing/2014/main" id="{BA3CB06C-825C-4DEC-B47A-54C751D96DD8}"/>
+              </a:ext>
+            </a:extLst>
+          </p:cNvPr>
+          <p:cNvSpPr/>
+          <p:nvPr/>
+        </p:nvSpPr>
+        <p:spPr>
+          <a:xfrm rot="4500000">
+            <a:off x="7208044" y="5355160"/>
+            <a:ext cx="114300" cy="1466850"/>
+          </a:xfrm>
+          <a:prstGeom prst="rect">
+            <a:avLst/>
+          </a:prstGeom>
+          <a:solidFill>
+            <a:schemeClr val="tx1"/>
+          </a:solidFill>
+          <a:ln>
+            <a:noFill/>
+          </a:ln>
+        </p:spPr>
+        <p:style>
+          <a:lnRef idx="2">
+            <a:schemeClr val="accent1">
+              <a:shade val="50000"/>
+            </a:schemeClr>
+          </a:lnRef>
+          <a:fillRef idx="1">
+            <a:schemeClr val="accent1"/>
+          </a:fillRef>
+          <a:effectRef idx="0">
+            <a:schemeClr val="accent1"/>
+          </a:effectRef>
+          <a:fontRef idx="minor">
+            <a:schemeClr val="lt1"/>
+          </a:fontRef>
+        </p:style>
+        <p:txBody>
+          <a:bodyPr rtlCol="0" anchor="ctr"/>
+          <a:lstStyle/>
+          <a:p>
+            <a:pPr algn="ctr"/>
+            <a:endParaRPr kumimoji="1" lang="ja-JP" altLang="en-US"/>
+          </a:p>
+        </p:txBody>
+      </p:sp>
+      <p:sp>
+        <p:nvSpPr>
+          <p:cNvPr id="73" name="正方形/長方形 72">
+            <a:extLst>
+              <a:ext uri="{FF2B5EF4-FFF2-40B4-BE49-F238E27FC236}">
+                <a16:creationId xmlns:a16="http://schemas.microsoft.com/office/drawing/2014/main" id="{66CAEBC2-85AB-42FE-BEA7-16EAEB31696E}"/>
+              </a:ext>
+            </a:extLst>
+          </p:cNvPr>
+          <p:cNvSpPr/>
+          <p:nvPr/>
+        </p:nvSpPr>
+        <p:spPr>
+          <a:xfrm>
+            <a:off x="3664229" y="5427352"/>
+            <a:ext cx="114300" cy="1466850"/>
+          </a:xfrm>
+          <a:prstGeom prst="rect">
+            <a:avLst/>
+          </a:prstGeom>
+          <a:solidFill>
+            <a:schemeClr val="tx1"/>
+          </a:solidFill>
+          <a:ln>
+            <a:noFill/>
+          </a:ln>
+        </p:spPr>
+        <p:style>
+          <a:lnRef idx="2">
+            <a:schemeClr val="accent1">
+              <a:shade val="50000"/>
+            </a:schemeClr>
+          </a:lnRef>
+          <a:fillRef idx="1">
+            <a:schemeClr val="accent1"/>
+          </a:fillRef>
+          <a:effectRef idx="0">
+            <a:schemeClr val="accent1"/>
+          </a:effectRef>
+          <a:fontRef idx="minor">
+            <a:schemeClr val="lt1"/>
+          </a:fontRef>
+        </p:style>
+        <p:txBody>
+          <a:bodyPr rtlCol="0" anchor="ctr"/>
+          <a:lstStyle/>
+          <a:p>
+            <a:pPr algn="ctr"/>
+            <a:endParaRPr kumimoji="1" lang="ja-JP" altLang="en-US"/>
+          </a:p>
+        </p:txBody>
+      </p:sp>
+      <p:sp>
+        <p:nvSpPr>
+          <p:cNvPr id="74" name="正方形/長方形 73">
+            <a:extLst>
+              <a:ext uri="{FF2B5EF4-FFF2-40B4-BE49-F238E27FC236}">
+                <a16:creationId xmlns:a16="http://schemas.microsoft.com/office/drawing/2014/main" id="{1695AA6C-9E4A-4F4E-B352-38273D1F15EA}"/>
+              </a:ext>
+            </a:extLst>
+          </p:cNvPr>
+          <p:cNvSpPr/>
+          <p:nvPr/>
+        </p:nvSpPr>
+        <p:spPr>
+          <a:xfrm rot="3600000">
+            <a:off x="2559129" y="4693927"/>
+            <a:ext cx="114300" cy="1466850"/>
+          </a:xfrm>
+          <a:prstGeom prst="rect">
+            <a:avLst/>
+          </a:prstGeom>
+          <a:solidFill>
+            <a:schemeClr val="tx1"/>
+          </a:solidFill>
+          <a:ln>
+            <a:noFill/>
+          </a:ln>
+        </p:spPr>
+        <p:style>
+          <a:lnRef idx="2">
+            <a:schemeClr val="accent1">
+              <a:shade val="50000"/>
+            </a:schemeClr>
+          </a:lnRef>
+          <a:fillRef idx="1">
+            <a:schemeClr val="accent1"/>
+          </a:fillRef>
+          <a:effectRef idx="0">
+            <a:schemeClr val="accent1"/>
+          </a:effectRef>
+          <a:fontRef idx="minor">
+            <a:schemeClr val="lt1"/>
+          </a:fontRef>
+        </p:style>
+        <p:txBody>
+          <a:bodyPr rtlCol="0" anchor="ctr"/>
+          <a:lstStyle/>
+          <a:p>
+            <a:pPr algn="ctr"/>
+            <a:endParaRPr kumimoji="1" lang="ja-JP" altLang="en-US"/>
+          </a:p>
+        </p:txBody>
+      </p:sp>
+    </p:spTree>
+    <p:extLst>
+      <p:ext uri="{BB962C8B-B14F-4D97-AF65-F5344CB8AC3E}">
+        <p14:creationId xmlns:p14="http://schemas.microsoft.com/office/powerpoint/2010/main" val="4096722669"/>
+      </p:ext>
+    </p:extLst>
+  </p:cSld>
+  <p:clrMapOvr>
+    <a:masterClrMapping/>
+  </p:clrMapOvr>
+</p:sld>
+</file>
+
+<file path=ppt/slides/slide19.xml><?xml version="1.0" encoding="utf-8"?>
+<p:sld xmlns:a="http://schemas.openxmlformats.org/drawingml/2006/main" xmlns:r="http://schemas.openxmlformats.org/officeDocument/2006/relationships" xmlns:p="http://schemas.openxmlformats.org/presentationml/2006/main">
+  <p:cSld>
+    <p:bg>
+      <p:bgPr>
+        <a:solidFill>
           <a:schemeClr val="bg1"/>
         </a:solidFill>
         <a:effectLst/>
@@ -11935,400 +12537,6 @@
     <p:extLst>
       <p:ext uri="{BB962C8B-B14F-4D97-AF65-F5344CB8AC3E}">
         <p14:creationId xmlns:p14="http://schemas.microsoft.com/office/powerpoint/2010/main" val="1420475866"/>
-      </p:ext>
-    </p:extLst>
-  </p:cSld>
-  <p:clrMapOvr>
-    <a:masterClrMapping/>
-  </p:clrMapOvr>
-</p:sld>
-</file>
-
-<file path=ppt/slides/slide19.xml><?xml version="1.0" encoding="utf-8"?>
-<p:sld xmlns:a="http://schemas.openxmlformats.org/drawingml/2006/main" xmlns:r="http://schemas.openxmlformats.org/officeDocument/2006/relationships" xmlns:p="http://schemas.openxmlformats.org/presentationml/2006/main">
-  <p:cSld>
-    <p:spTree>
-      <p:nvGrpSpPr>
-        <p:cNvPr id="1" name=""/>
-        <p:cNvGrpSpPr/>
-        <p:nvPr/>
-      </p:nvGrpSpPr>
-      <p:grpSpPr>
-        <a:xfrm>
-          <a:off x="0" y="0"/>
-          <a:ext cx="0" cy="0"/>
-          <a:chOff x="0" y="0"/>
-          <a:chExt cx="0" cy="0"/>
-        </a:xfrm>
-      </p:grpSpPr>
-      <p:sp>
-        <p:nvSpPr>
-          <p:cNvPr id="2" name="四角形: 上の 2 つの角を切り取る 1">
-            <a:extLst>
-              <a:ext uri="{FF2B5EF4-FFF2-40B4-BE49-F238E27FC236}">
-                <a16:creationId xmlns:a16="http://schemas.microsoft.com/office/drawing/2014/main" id="{DBF725DF-63BB-47AB-BB42-6104F18DA38C}"/>
-              </a:ext>
-            </a:extLst>
-          </p:cNvPr>
-          <p:cNvSpPr/>
-          <p:nvPr/>
-        </p:nvSpPr>
-        <p:spPr>
-          <a:xfrm>
-            <a:off x="9848850" y="5810250"/>
-            <a:ext cx="2343150" cy="1047750"/>
-          </a:xfrm>
-          <a:prstGeom prst="snip2SameRect">
-            <a:avLst>
-              <a:gd name="adj1" fmla="val 50000"/>
-              <a:gd name="adj2" fmla="val 0"/>
-            </a:avLst>
-          </a:prstGeom>
-          <a:solidFill>
-            <a:schemeClr val="tx1"/>
-          </a:solidFill>
-          <a:ln>
-            <a:noFill/>
-          </a:ln>
-        </p:spPr>
-        <p:style>
-          <a:lnRef idx="2">
-            <a:schemeClr val="accent1">
-              <a:shade val="50000"/>
-            </a:schemeClr>
-          </a:lnRef>
-          <a:fillRef idx="1">
-            <a:schemeClr val="accent1"/>
-          </a:fillRef>
-          <a:effectRef idx="0">
-            <a:schemeClr val="accent1"/>
-          </a:effectRef>
-          <a:fontRef idx="minor">
-            <a:schemeClr val="lt1"/>
-          </a:fontRef>
-        </p:style>
-        <p:txBody>
-          <a:bodyPr rtlCol="0" anchor="ctr"/>
-          <a:lstStyle/>
-          <a:p>
-            <a:pPr algn="ctr"/>
-            <a:endParaRPr kumimoji="1" lang="ja-JP" altLang="en-US"/>
-          </a:p>
-        </p:txBody>
-      </p:sp>
-      <p:sp>
-        <p:nvSpPr>
-          <p:cNvPr id="5" name="テキスト ボックス 4">
-            <a:extLst>
-              <a:ext uri="{FF2B5EF4-FFF2-40B4-BE49-F238E27FC236}">
-                <a16:creationId xmlns:a16="http://schemas.microsoft.com/office/drawing/2014/main" id="{DF2067D4-41DF-4F63-85C2-C934976EDB47}"/>
-              </a:ext>
-            </a:extLst>
-          </p:cNvPr>
-          <p:cNvSpPr txBox="1"/>
-          <p:nvPr/>
-        </p:nvSpPr>
-        <p:spPr>
-          <a:xfrm>
-            <a:off x="2334825" y="6256704"/>
-            <a:ext cx="4509857" cy="523220"/>
-          </a:xfrm>
-          <a:prstGeom prst="rect">
-            <a:avLst/>
-          </a:prstGeom>
-          <a:noFill/>
-        </p:spPr>
-        <p:txBody>
-          <a:bodyPr wrap="square" rtlCol="0">
-            <a:spAutoFit/>
-          </a:bodyPr>
-          <a:lstStyle/>
-          <a:p>
-            <a:r>
-              <a:rPr kumimoji="1" lang="en-US" altLang="ja-JP" sz="2800" dirty="0">
-                <a:solidFill>
-                  <a:srgbClr val="FF0000"/>
-                </a:solidFill>
-              </a:rPr>
-              <a:t>HIGH</a:t>
-            </a:r>
-            <a:r>
-              <a:rPr kumimoji="1" lang="ja-JP" altLang="en-US" sz="2800" dirty="0">
-                <a:solidFill>
-                  <a:srgbClr val="FF0000"/>
-                </a:solidFill>
-              </a:rPr>
-              <a:t> </a:t>
-            </a:r>
-            <a:r>
-              <a:rPr kumimoji="1" lang="en-US" altLang="ja-JP" sz="2800" dirty="0">
-                <a:solidFill>
-                  <a:srgbClr val="FF0000"/>
-                </a:solidFill>
-              </a:rPr>
-              <a:t>SCORE</a:t>
-            </a:r>
-            <a:endParaRPr kumimoji="1" lang="ja-JP" altLang="en-US" sz="2800" dirty="0">
-              <a:solidFill>
-                <a:srgbClr val="FF0000"/>
-              </a:solidFill>
-            </a:endParaRPr>
-          </a:p>
-        </p:txBody>
-      </p:sp>
-      <p:sp>
-        <p:nvSpPr>
-          <p:cNvPr id="4" name="正方形/長方形 3">
-            <a:extLst>
-              <a:ext uri="{FF2B5EF4-FFF2-40B4-BE49-F238E27FC236}">
-                <a16:creationId xmlns:a16="http://schemas.microsoft.com/office/drawing/2014/main" id="{9E109C0C-1ABC-4953-A59B-747FA2CE9013}"/>
-              </a:ext>
-            </a:extLst>
-          </p:cNvPr>
-          <p:cNvSpPr/>
-          <p:nvPr/>
-        </p:nvSpPr>
-        <p:spPr>
-          <a:xfrm>
-            <a:off x="1473779" y="2088006"/>
-            <a:ext cx="9244441" cy="2681982"/>
-          </a:xfrm>
-          <a:prstGeom prst="rect">
-            <a:avLst/>
-          </a:prstGeom>
-          <a:noFill/>
-          <a:ln>
-            <a:noFill/>
-          </a:ln>
-        </p:spPr>
-        <p:style>
-          <a:lnRef idx="2">
-            <a:schemeClr val="accent1">
-              <a:shade val="50000"/>
-            </a:schemeClr>
-          </a:lnRef>
-          <a:fillRef idx="1">
-            <a:schemeClr val="accent1"/>
-          </a:fillRef>
-          <a:effectRef idx="0">
-            <a:schemeClr val="accent1"/>
-          </a:effectRef>
-          <a:fontRef idx="minor">
-            <a:schemeClr val="lt1"/>
-          </a:fontRef>
-        </p:style>
-        <p:txBody>
-          <a:bodyPr rtlCol="0" anchor="ctr"/>
-          <a:lstStyle/>
-          <a:p>
-            <a:pPr algn="ctr"/>
-            <a:endParaRPr kumimoji="1" lang="ja-JP" altLang="en-US"/>
-          </a:p>
-        </p:txBody>
-      </p:sp>
-      <p:sp>
-        <p:nvSpPr>
-          <p:cNvPr id="7" name="四角形: 角を丸くする 6">
-            <a:extLst>
-              <a:ext uri="{FF2B5EF4-FFF2-40B4-BE49-F238E27FC236}">
-                <a16:creationId xmlns:a16="http://schemas.microsoft.com/office/drawing/2014/main" id="{B350F0EF-C6B5-43EE-9C05-B81351AEAE92}"/>
-              </a:ext>
-            </a:extLst>
-          </p:cNvPr>
-          <p:cNvSpPr/>
-          <p:nvPr/>
-        </p:nvSpPr>
-        <p:spPr>
-          <a:xfrm>
-            <a:off x="3316166" y="5524681"/>
-            <a:ext cx="8773381" cy="2360351"/>
-          </a:xfrm>
-          <a:prstGeom prst="roundRect">
-            <a:avLst>
-              <a:gd name="adj" fmla="val 5361"/>
-            </a:avLst>
-          </a:prstGeom>
-          <a:noFill/>
-          <a:ln w="127000">
-            <a:solidFill>
-              <a:schemeClr val="tx1"/>
-            </a:solidFill>
-          </a:ln>
-        </p:spPr>
-        <p:style>
-          <a:lnRef idx="2">
-            <a:schemeClr val="accent1">
-              <a:shade val="50000"/>
-            </a:schemeClr>
-          </a:lnRef>
-          <a:fillRef idx="1">
-            <a:schemeClr val="accent1"/>
-          </a:fillRef>
-          <a:effectRef idx="0">
-            <a:schemeClr val="accent1"/>
-          </a:effectRef>
-          <a:fontRef idx="minor">
-            <a:schemeClr val="lt1"/>
-          </a:fontRef>
-        </p:style>
-        <p:txBody>
-          <a:bodyPr rtlCol="0" anchor="ctr"/>
-          <a:lstStyle/>
-          <a:p>
-            <a:pPr algn="ctr"/>
-            <a:endParaRPr kumimoji="1" lang="ja-JP" altLang="en-US"/>
-          </a:p>
-        </p:txBody>
-      </p:sp>
-      <p:sp>
-        <p:nvSpPr>
-          <p:cNvPr id="3" name="テキスト ボックス 2">
-            <a:extLst>
-              <a:ext uri="{FF2B5EF4-FFF2-40B4-BE49-F238E27FC236}">
-                <a16:creationId xmlns:a16="http://schemas.microsoft.com/office/drawing/2014/main" id="{75716B40-85CF-44E1-808C-BCF29C90F2D1}"/>
-              </a:ext>
-            </a:extLst>
-          </p:cNvPr>
-          <p:cNvSpPr txBox="1"/>
-          <p:nvPr/>
-        </p:nvSpPr>
-        <p:spPr>
-          <a:xfrm>
-            <a:off x="1861869" y="6040077"/>
-            <a:ext cx="4509857" cy="1200329"/>
-          </a:xfrm>
-          <a:prstGeom prst="rect">
-            <a:avLst/>
-          </a:prstGeom>
-          <a:noFill/>
-        </p:spPr>
-        <p:txBody>
-          <a:bodyPr wrap="square" rtlCol="0">
-            <a:spAutoFit/>
-          </a:bodyPr>
-          <a:lstStyle/>
-          <a:p>
-            <a:r>
-              <a:rPr kumimoji="1" lang="en-US" altLang="ja-JP" sz="7200" dirty="0">
-                <a:solidFill>
-                  <a:srgbClr val="FF0000"/>
-                </a:solidFill>
-              </a:rPr>
-              <a:t>SCORE</a:t>
-            </a:r>
-            <a:endParaRPr kumimoji="1" lang="ja-JP" altLang="en-US" sz="7200" dirty="0">
-              <a:solidFill>
-                <a:srgbClr val="FF0000"/>
-              </a:solidFill>
-            </a:endParaRPr>
-          </a:p>
-        </p:txBody>
-      </p:sp>
-      <p:sp>
-        <p:nvSpPr>
-          <p:cNvPr id="9" name="四角形: 角を丸くする 8">
-            <a:extLst>
-              <a:ext uri="{FF2B5EF4-FFF2-40B4-BE49-F238E27FC236}">
-                <a16:creationId xmlns:a16="http://schemas.microsoft.com/office/drawing/2014/main" id="{E9B20250-E9D1-4FD3-9A8F-48AF8F7A0844}"/>
-              </a:ext>
-            </a:extLst>
-          </p:cNvPr>
-          <p:cNvSpPr/>
-          <p:nvPr/>
-        </p:nvSpPr>
-        <p:spPr>
-          <a:xfrm>
-            <a:off x="1709308" y="5677824"/>
-            <a:ext cx="8773381" cy="2360351"/>
-          </a:xfrm>
-          <a:prstGeom prst="roundRect">
-            <a:avLst>
-              <a:gd name="adj" fmla="val 5361"/>
-            </a:avLst>
-          </a:prstGeom>
-          <a:solidFill>
-            <a:schemeClr val="tx1"/>
-          </a:solidFill>
-          <a:ln>
-            <a:noFill/>
-          </a:ln>
-        </p:spPr>
-        <p:style>
-          <a:lnRef idx="2">
-            <a:schemeClr val="accent1">
-              <a:shade val="50000"/>
-            </a:schemeClr>
-          </a:lnRef>
-          <a:fillRef idx="1">
-            <a:schemeClr val="accent1"/>
-          </a:fillRef>
-          <a:effectRef idx="0">
-            <a:schemeClr val="accent1"/>
-          </a:effectRef>
-          <a:fontRef idx="minor">
-            <a:schemeClr val="lt1"/>
-          </a:fontRef>
-        </p:style>
-        <p:txBody>
-          <a:bodyPr rtlCol="0" anchor="ctr"/>
-          <a:lstStyle/>
-          <a:p>
-            <a:pPr algn="ctr"/>
-            <a:endParaRPr kumimoji="1" lang="ja-JP" altLang="en-US"/>
-          </a:p>
-        </p:txBody>
-      </p:sp>
-      <p:sp>
-        <p:nvSpPr>
-          <p:cNvPr id="6" name="テキスト ボックス 5">
-            <a:extLst>
-              <a:ext uri="{FF2B5EF4-FFF2-40B4-BE49-F238E27FC236}">
-                <a16:creationId xmlns:a16="http://schemas.microsoft.com/office/drawing/2014/main" id="{1BC58FC8-0F5B-4845-A98A-F4F55E50E2AA}"/>
-              </a:ext>
-            </a:extLst>
-          </p:cNvPr>
-          <p:cNvSpPr txBox="1"/>
-          <p:nvPr/>
-        </p:nvSpPr>
-        <p:spPr>
-          <a:xfrm>
-            <a:off x="3324124" y="2088006"/>
-            <a:ext cx="4762601" cy="1200329"/>
-          </a:xfrm>
-          <a:prstGeom prst="rect">
-            <a:avLst/>
-          </a:prstGeom>
-          <a:noFill/>
-        </p:spPr>
-        <p:txBody>
-          <a:bodyPr wrap="square" rtlCol="0">
-            <a:spAutoFit/>
-          </a:bodyPr>
-          <a:lstStyle/>
-          <a:p>
-            <a:pPr algn="ctr"/>
-            <a:r>
-              <a:rPr kumimoji="1" lang="ja-JP" altLang="en-US" sz="7200" b="1" dirty="0">
-                <a:effectLst>
-                  <a:outerShdw blurRad="50800" dist="38100" dir="2700000" algn="tl" rotWithShape="0">
-                    <a:schemeClr val="bg1">
-                      <a:lumMod val="65000"/>
-                      <a:lumOff val="35000"/>
-                    </a:schemeClr>
-                  </a:outerShdw>
-                </a:effectLst>
-                <a:latin typeface="游明朝 Demibold" panose="02020600000000000000" pitchFamily="18" charset="-128"/>
-                <a:ea typeface="游明朝 Demibold" panose="02020600000000000000" pitchFamily="18" charset="-128"/>
-              </a:rPr>
-              <a:t>最大コンボ</a:t>
-            </a:r>
-          </a:p>
-        </p:txBody>
-      </p:sp>
-    </p:spTree>
-    <p:extLst>
-      <p:ext uri="{BB962C8B-B14F-4D97-AF65-F5344CB8AC3E}">
-        <p14:creationId xmlns:p14="http://schemas.microsoft.com/office/powerpoint/2010/main" val="3193672596"/>
       </p:ext>
     </p:extLst>
   </p:cSld>
@@ -12630,6 +12838,400 @@
       </p:grpSpPr>
       <p:sp>
         <p:nvSpPr>
+          <p:cNvPr id="2" name="四角形: 上の 2 つの角を切り取る 1">
+            <a:extLst>
+              <a:ext uri="{FF2B5EF4-FFF2-40B4-BE49-F238E27FC236}">
+                <a16:creationId xmlns:a16="http://schemas.microsoft.com/office/drawing/2014/main" id="{DBF725DF-63BB-47AB-BB42-6104F18DA38C}"/>
+              </a:ext>
+            </a:extLst>
+          </p:cNvPr>
+          <p:cNvSpPr/>
+          <p:nvPr/>
+        </p:nvSpPr>
+        <p:spPr>
+          <a:xfrm>
+            <a:off x="9848850" y="5810250"/>
+            <a:ext cx="2343150" cy="1047750"/>
+          </a:xfrm>
+          <a:prstGeom prst="snip2SameRect">
+            <a:avLst>
+              <a:gd name="adj1" fmla="val 50000"/>
+              <a:gd name="adj2" fmla="val 0"/>
+            </a:avLst>
+          </a:prstGeom>
+          <a:solidFill>
+            <a:schemeClr val="tx1"/>
+          </a:solidFill>
+          <a:ln>
+            <a:noFill/>
+          </a:ln>
+        </p:spPr>
+        <p:style>
+          <a:lnRef idx="2">
+            <a:schemeClr val="accent1">
+              <a:shade val="50000"/>
+            </a:schemeClr>
+          </a:lnRef>
+          <a:fillRef idx="1">
+            <a:schemeClr val="accent1"/>
+          </a:fillRef>
+          <a:effectRef idx="0">
+            <a:schemeClr val="accent1"/>
+          </a:effectRef>
+          <a:fontRef idx="minor">
+            <a:schemeClr val="lt1"/>
+          </a:fontRef>
+        </p:style>
+        <p:txBody>
+          <a:bodyPr rtlCol="0" anchor="ctr"/>
+          <a:lstStyle/>
+          <a:p>
+            <a:pPr algn="ctr"/>
+            <a:endParaRPr kumimoji="1" lang="ja-JP" altLang="en-US"/>
+          </a:p>
+        </p:txBody>
+      </p:sp>
+      <p:sp>
+        <p:nvSpPr>
+          <p:cNvPr id="5" name="テキスト ボックス 4">
+            <a:extLst>
+              <a:ext uri="{FF2B5EF4-FFF2-40B4-BE49-F238E27FC236}">
+                <a16:creationId xmlns:a16="http://schemas.microsoft.com/office/drawing/2014/main" id="{DF2067D4-41DF-4F63-85C2-C934976EDB47}"/>
+              </a:ext>
+            </a:extLst>
+          </p:cNvPr>
+          <p:cNvSpPr txBox="1"/>
+          <p:nvPr/>
+        </p:nvSpPr>
+        <p:spPr>
+          <a:xfrm>
+            <a:off x="2334825" y="6256704"/>
+            <a:ext cx="4509857" cy="523220"/>
+          </a:xfrm>
+          <a:prstGeom prst="rect">
+            <a:avLst/>
+          </a:prstGeom>
+          <a:noFill/>
+        </p:spPr>
+        <p:txBody>
+          <a:bodyPr wrap="square" rtlCol="0">
+            <a:spAutoFit/>
+          </a:bodyPr>
+          <a:lstStyle/>
+          <a:p>
+            <a:r>
+              <a:rPr kumimoji="1" lang="en-US" altLang="ja-JP" sz="2800" dirty="0">
+                <a:solidFill>
+                  <a:srgbClr val="FF0000"/>
+                </a:solidFill>
+              </a:rPr>
+              <a:t>HIGH</a:t>
+            </a:r>
+            <a:r>
+              <a:rPr kumimoji="1" lang="ja-JP" altLang="en-US" sz="2800" dirty="0">
+                <a:solidFill>
+                  <a:srgbClr val="FF0000"/>
+                </a:solidFill>
+              </a:rPr>
+              <a:t> </a:t>
+            </a:r>
+            <a:r>
+              <a:rPr kumimoji="1" lang="en-US" altLang="ja-JP" sz="2800" dirty="0">
+                <a:solidFill>
+                  <a:srgbClr val="FF0000"/>
+                </a:solidFill>
+              </a:rPr>
+              <a:t>SCORE</a:t>
+            </a:r>
+            <a:endParaRPr kumimoji="1" lang="ja-JP" altLang="en-US" sz="2800" dirty="0">
+              <a:solidFill>
+                <a:srgbClr val="FF0000"/>
+              </a:solidFill>
+            </a:endParaRPr>
+          </a:p>
+        </p:txBody>
+      </p:sp>
+      <p:sp>
+        <p:nvSpPr>
+          <p:cNvPr id="4" name="正方形/長方形 3">
+            <a:extLst>
+              <a:ext uri="{FF2B5EF4-FFF2-40B4-BE49-F238E27FC236}">
+                <a16:creationId xmlns:a16="http://schemas.microsoft.com/office/drawing/2014/main" id="{9E109C0C-1ABC-4953-A59B-747FA2CE9013}"/>
+              </a:ext>
+            </a:extLst>
+          </p:cNvPr>
+          <p:cNvSpPr/>
+          <p:nvPr/>
+        </p:nvSpPr>
+        <p:spPr>
+          <a:xfrm>
+            <a:off x="1473779" y="2088006"/>
+            <a:ext cx="9244441" cy="2681982"/>
+          </a:xfrm>
+          <a:prstGeom prst="rect">
+            <a:avLst/>
+          </a:prstGeom>
+          <a:noFill/>
+          <a:ln>
+            <a:noFill/>
+          </a:ln>
+        </p:spPr>
+        <p:style>
+          <a:lnRef idx="2">
+            <a:schemeClr val="accent1">
+              <a:shade val="50000"/>
+            </a:schemeClr>
+          </a:lnRef>
+          <a:fillRef idx="1">
+            <a:schemeClr val="accent1"/>
+          </a:fillRef>
+          <a:effectRef idx="0">
+            <a:schemeClr val="accent1"/>
+          </a:effectRef>
+          <a:fontRef idx="minor">
+            <a:schemeClr val="lt1"/>
+          </a:fontRef>
+        </p:style>
+        <p:txBody>
+          <a:bodyPr rtlCol="0" anchor="ctr"/>
+          <a:lstStyle/>
+          <a:p>
+            <a:pPr algn="ctr"/>
+            <a:endParaRPr kumimoji="1" lang="ja-JP" altLang="en-US"/>
+          </a:p>
+        </p:txBody>
+      </p:sp>
+      <p:sp>
+        <p:nvSpPr>
+          <p:cNvPr id="7" name="四角形: 角を丸くする 6">
+            <a:extLst>
+              <a:ext uri="{FF2B5EF4-FFF2-40B4-BE49-F238E27FC236}">
+                <a16:creationId xmlns:a16="http://schemas.microsoft.com/office/drawing/2014/main" id="{B350F0EF-C6B5-43EE-9C05-B81351AEAE92}"/>
+              </a:ext>
+            </a:extLst>
+          </p:cNvPr>
+          <p:cNvSpPr/>
+          <p:nvPr/>
+        </p:nvSpPr>
+        <p:spPr>
+          <a:xfrm>
+            <a:off x="3316166" y="5524681"/>
+            <a:ext cx="8773381" cy="2360351"/>
+          </a:xfrm>
+          <a:prstGeom prst="roundRect">
+            <a:avLst>
+              <a:gd name="adj" fmla="val 5361"/>
+            </a:avLst>
+          </a:prstGeom>
+          <a:noFill/>
+          <a:ln w="127000">
+            <a:solidFill>
+              <a:schemeClr val="tx1"/>
+            </a:solidFill>
+          </a:ln>
+        </p:spPr>
+        <p:style>
+          <a:lnRef idx="2">
+            <a:schemeClr val="accent1">
+              <a:shade val="50000"/>
+            </a:schemeClr>
+          </a:lnRef>
+          <a:fillRef idx="1">
+            <a:schemeClr val="accent1"/>
+          </a:fillRef>
+          <a:effectRef idx="0">
+            <a:schemeClr val="accent1"/>
+          </a:effectRef>
+          <a:fontRef idx="minor">
+            <a:schemeClr val="lt1"/>
+          </a:fontRef>
+        </p:style>
+        <p:txBody>
+          <a:bodyPr rtlCol="0" anchor="ctr"/>
+          <a:lstStyle/>
+          <a:p>
+            <a:pPr algn="ctr"/>
+            <a:endParaRPr kumimoji="1" lang="ja-JP" altLang="en-US"/>
+          </a:p>
+        </p:txBody>
+      </p:sp>
+      <p:sp>
+        <p:nvSpPr>
+          <p:cNvPr id="3" name="テキスト ボックス 2">
+            <a:extLst>
+              <a:ext uri="{FF2B5EF4-FFF2-40B4-BE49-F238E27FC236}">
+                <a16:creationId xmlns:a16="http://schemas.microsoft.com/office/drawing/2014/main" id="{75716B40-85CF-44E1-808C-BCF29C90F2D1}"/>
+              </a:ext>
+            </a:extLst>
+          </p:cNvPr>
+          <p:cNvSpPr txBox="1"/>
+          <p:nvPr/>
+        </p:nvSpPr>
+        <p:spPr>
+          <a:xfrm>
+            <a:off x="1861869" y="6040077"/>
+            <a:ext cx="4509857" cy="1200329"/>
+          </a:xfrm>
+          <a:prstGeom prst="rect">
+            <a:avLst/>
+          </a:prstGeom>
+          <a:noFill/>
+        </p:spPr>
+        <p:txBody>
+          <a:bodyPr wrap="square" rtlCol="0">
+            <a:spAutoFit/>
+          </a:bodyPr>
+          <a:lstStyle/>
+          <a:p>
+            <a:r>
+              <a:rPr kumimoji="1" lang="en-US" altLang="ja-JP" sz="7200" dirty="0">
+                <a:solidFill>
+                  <a:srgbClr val="FF0000"/>
+                </a:solidFill>
+              </a:rPr>
+              <a:t>SCORE</a:t>
+            </a:r>
+            <a:endParaRPr kumimoji="1" lang="ja-JP" altLang="en-US" sz="7200" dirty="0">
+              <a:solidFill>
+                <a:srgbClr val="FF0000"/>
+              </a:solidFill>
+            </a:endParaRPr>
+          </a:p>
+        </p:txBody>
+      </p:sp>
+      <p:sp>
+        <p:nvSpPr>
+          <p:cNvPr id="9" name="四角形: 角を丸くする 8">
+            <a:extLst>
+              <a:ext uri="{FF2B5EF4-FFF2-40B4-BE49-F238E27FC236}">
+                <a16:creationId xmlns:a16="http://schemas.microsoft.com/office/drawing/2014/main" id="{E9B20250-E9D1-4FD3-9A8F-48AF8F7A0844}"/>
+              </a:ext>
+            </a:extLst>
+          </p:cNvPr>
+          <p:cNvSpPr/>
+          <p:nvPr/>
+        </p:nvSpPr>
+        <p:spPr>
+          <a:xfrm>
+            <a:off x="1709308" y="5677824"/>
+            <a:ext cx="8773381" cy="2360351"/>
+          </a:xfrm>
+          <a:prstGeom prst="roundRect">
+            <a:avLst>
+              <a:gd name="adj" fmla="val 5361"/>
+            </a:avLst>
+          </a:prstGeom>
+          <a:solidFill>
+            <a:schemeClr val="tx1"/>
+          </a:solidFill>
+          <a:ln>
+            <a:noFill/>
+          </a:ln>
+        </p:spPr>
+        <p:style>
+          <a:lnRef idx="2">
+            <a:schemeClr val="accent1">
+              <a:shade val="50000"/>
+            </a:schemeClr>
+          </a:lnRef>
+          <a:fillRef idx="1">
+            <a:schemeClr val="accent1"/>
+          </a:fillRef>
+          <a:effectRef idx="0">
+            <a:schemeClr val="accent1"/>
+          </a:effectRef>
+          <a:fontRef idx="minor">
+            <a:schemeClr val="lt1"/>
+          </a:fontRef>
+        </p:style>
+        <p:txBody>
+          <a:bodyPr rtlCol="0" anchor="ctr"/>
+          <a:lstStyle/>
+          <a:p>
+            <a:pPr algn="ctr"/>
+            <a:endParaRPr kumimoji="1" lang="ja-JP" altLang="en-US"/>
+          </a:p>
+        </p:txBody>
+      </p:sp>
+      <p:sp>
+        <p:nvSpPr>
+          <p:cNvPr id="6" name="テキスト ボックス 5">
+            <a:extLst>
+              <a:ext uri="{FF2B5EF4-FFF2-40B4-BE49-F238E27FC236}">
+                <a16:creationId xmlns:a16="http://schemas.microsoft.com/office/drawing/2014/main" id="{1BC58FC8-0F5B-4845-A98A-F4F55E50E2AA}"/>
+              </a:ext>
+            </a:extLst>
+          </p:cNvPr>
+          <p:cNvSpPr txBox="1"/>
+          <p:nvPr/>
+        </p:nvSpPr>
+        <p:spPr>
+          <a:xfrm>
+            <a:off x="3324124" y="2088006"/>
+            <a:ext cx="4762601" cy="1200329"/>
+          </a:xfrm>
+          <a:prstGeom prst="rect">
+            <a:avLst/>
+          </a:prstGeom>
+          <a:noFill/>
+        </p:spPr>
+        <p:txBody>
+          <a:bodyPr wrap="square" rtlCol="0">
+            <a:spAutoFit/>
+          </a:bodyPr>
+          <a:lstStyle/>
+          <a:p>
+            <a:pPr algn="ctr"/>
+            <a:r>
+              <a:rPr kumimoji="1" lang="ja-JP" altLang="en-US" sz="7200" b="1" dirty="0">
+                <a:effectLst>
+                  <a:outerShdw blurRad="50800" dist="38100" dir="2700000" algn="tl" rotWithShape="0">
+                    <a:schemeClr val="bg1">
+                      <a:lumMod val="65000"/>
+                      <a:lumOff val="35000"/>
+                    </a:schemeClr>
+                  </a:outerShdw>
+                </a:effectLst>
+                <a:latin typeface="游明朝 Demibold" panose="02020600000000000000" pitchFamily="18" charset="-128"/>
+                <a:ea typeface="游明朝 Demibold" panose="02020600000000000000" pitchFamily="18" charset="-128"/>
+              </a:rPr>
+              <a:t>最大コンボ</a:t>
+            </a:r>
+          </a:p>
+        </p:txBody>
+      </p:sp>
+    </p:spTree>
+    <p:extLst>
+      <p:ext uri="{BB962C8B-B14F-4D97-AF65-F5344CB8AC3E}">
+        <p14:creationId xmlns:p14="http://schemas.microsoft.com/office/powerpoint/2010/main" val="3193672596"/>
+      </p:ext>
+    </p:extLst>
+  </p:cSld>
+  <p:clrMapOvr>
+    <a:masterClrMapping/>
+  </p:clrMapOvr>
+</p:sld>
+</file>
+
+<file path=ppt/slides/slide21.xml><?xml version="1.0" encoding="utf-8"?>
+<p:sld xmlns:a="http://schemas.openxmlformats.org/drawingml/2006/main" xmlns:r="http://schemas.openxmlformats.org/officeDocument/2006/relationships" xmlns:p="http://schemas.openxmlformats.org/presentationml/2006/main">
+  <p:cSld>
+    <p:spTree>
+      <p:nvGrpSpPr>
+        <p:cNvPr id="1" name=""/>
+        <p:cNvGrpSpPr/>
+        <p:nvPr/>
+      </p:nvGrpSpPr>
+      <p:grpSpPr>
+        <a:xfrm>
+          <a:off x="0" y="0"/>
+          <a:ext cx="0" cy="0"/>
+          <a:chOff x="0" y="0"/>
+          <a:chExt cx="0" cy="0"/>
+        </a:xfrm>
+      </p:grpSpPr>
+      <p:sp>
+        <p:nvSpPr>
           <p:cNvPr id="3" name="四角形: 対角を切り取る 2">
             <a:extLst>
               <a:ext uri="{FF2B5EF4-FFF2-40B4-BE49-F238E27FC236}">
@@ -12858,7 +13460,7 @@
 </p:sld>
 </file>
 
-<file path=ppt/slides/slide21.xml><?xml version="1.0" encoding="utf-8"?>
+<file path=ppt/slides/slide22.xml><?xml version="1.0" encoding="utf-8"?>
 <p:sld xmlns:a="http://schemas.openxmlformats.org/drawingml/2006/main" xmlns:r="http://schemas.openxmlformats.org/officeDocument/2006/relationships" xmlns:p="http://schemas.openxmlformats.org/presentationml/2006/main">
   <p:cSld>
     <p:spTree>
@@ -13230,7 +13832,7 @@
 </p:sld>
 </file>
 
-<file path=ppt/slides/slide22.xml><?xml version="1.0" encoding="utf-8"?>
+<file path=ppt/slides/slide23.xml><?xml version="1.0" encoding="utf-8"?>
 <p:sld xmlns:a="http://schemas.openxmlformats.org/drawingml/2006/main" xmlns:r="http://schemas.openxmlformats.org/officeDocument/2006/relationships" xmlns:p="http://schemas.openxmlformats.org/presentationml/2006/main">
   <p:cSld>
     <p:bg>
@@ -13825,7 +14427,7 @@
 </p:sld>
 </file>
 
-<file path=ppt/slides/slide23.xml><?xml version="1.0" encoding="utf-8"?>
+<file path=ppt/slides/slide24.xml><?xml version="1.0" encoding="utf-8"?>
 <p:sld xmlns:a="http://schemas.openxmlformats.org/drawingml/2006/main" xmlns:r="http://schemas.openxmlformats.org/officeDocument/2006/relationships" xmlns:p="http://schemas.openxmlformats.org/presentationml/2006/main">
   <p:cSld>
     <p:spTree>
@@ -14410,7 +15012,7 @@
 </p:sld>
 </file>
 
-<file path=ppt/slides/slide24.xml><?xml version="1.0" encoding="utf-8"?>
+<file path=ppt/slides/slide25.xml><?xml version="1.0" encoding="utf-8"?>
 <p:sld xmlns:a="http://schemas.openxmlformats.org/drawingml/2006/main" xmlns:r="http://schemas.openxmlformats.org/officeDocument/2006/relationships" xmlns:p="http://schemas.openxmlformats.org/presentationml/2006/main">
   <p:cSld>
     <p:bg>
@@ -15199,7 +15801,7 @@
 </p:sld>
 </file>
 
-<file path=ppt/slides/slide25.xml><?xml version="1.0" encoding="utf-8"?>
+<file path=ppt/slides/slide26.xml><?xml version="1.0" encoding="utf-8"?>
 <p:sld xmlns:a="http://schemas.openxmlformats.org/drawingml/2006/main" xmlns:r="http://schemas.openxmlformats.org/officeDocument/2006/relationships" xmlns:p="http://schemas.openxmlformats.org/presentationml/2006/main">
   <p:cSld>
     <p:bg>
@@ -15708,7 +16310,7 @@
 </p:sld>
 </file>
 
-<file path=ppt/slides/slide26.xml><?xml version="1.0" encoding="utf-8"?>
+<file path=ppt/slides/slide27.xml><?xml version="1.0" encoding="utf-8"?>
 <p:sld xmlns:a="http://schemas.openxmlformats.org/drawingml/2006/main" xmlns:r="http://schemas.openxmlformats.org/officeDocument/2006/relationships" xmlns:p="http://schemas.openxmlformats.org/presentationml/2006/main">
   <p:cSld>
     <p:spTree>
@@ -16070,7 +16672,7 @@
 </p:sld>
 </file>
 
-<file path=ppt/slides/slide27.xml><?xml version="1.0" encoding="utf-8"?>
+<file path=ppt/slides/slide28.xml><?xml version="1.0" encoding="utf-8"?>
 <p:sld xmlns:a="http://schemas.openxmlformats.org/drawingml/2006/main" xmlns:r="http://schemas.openxmlformats.org/officeDocument/2006/relationships" xmlns:p="http://schemas.openxmlformats.org/presentationml/2006/main">
   <p:cSld>
     <p:bg>
@@ -16739,7 +17341,7 @@
 </p:sld>
 </file>
 
-<file path=ppt/slides/slide28.xml><?xml version="1.0" encoding="utf-8"?>
+<file path=ppt/slides/slide29.xml><?xml version="1.0" encoding="utf-8"?>
 <p:sld xmlns:a="http://schemas.openxmlformats.org/drawingml/2006/main" xmlns:r="http://schemas.openxmlformats.org/officeDocument/2006/relationships" xmlns:p="http://schemas.openxmlformats.org/presentationml/2006/main">
   <p:cSld>
     <p:spTree>
@@ -17057,489 +17659,6 @@
     <p:extLst>
       <p:ext uri="{BB962C8B-B14F-4D97-AF65-F5344CB8AC3E}">
         <p14:creationId xmlns:p14="http://schemas.microsoft.com/office/powerpoint/2010/main" val="1001234843"/>
-      </p:ext>
-    </p:extLst>
-  </p:cSld>
-  <p:clrMapOvr>
-    <a:masterClrMapping/>
-  </p:clrMapOvr>
-</p:sld>
-</file>
-
-<file path=ppt/slides/slide29.xml><?xml version="1.0" encoding="utf-8"?>
-<p:sld xmlns:a="http://schemas.openxmlformats.org/drawingml/2006/main" xmlns:r="http://schemas.openxmlformats.org/officeDocument/2006/relationships" xmlns:p="http://schemas.openxmlformats.org/presentationml/2006/main">
-  <p:cSld>
-    <p:spTree>
-      <p:nvGrpSpPr>
-        <p:cNvPr id="1" name=""/>
-        <p:cNvGrpSpPr/>
-        <p:nvPr/>
-      </p:nvGrpSpPr>
-      <p:grpSpPr>
-        <a:xfrm>
-          <a:off x="0" y="0"/>
-          <a:ext cx="0" cy="0"/>
-          <a:chOff x="0" y="0"/>
-          <a:chExt cx="0" cy="0"/>
-        </a:xfrm>
-      </p:grpSpPr>
-      <p:sp>
-        <p:nvSpPr>
-          <p:cNvPr id="13" name="正方形/長方形 12">
-            <a:extLst>
-              <a:ext uri="{FF2B5EF4-FFF2-40B4-BE49-F238E27FC236}">
-                <a16:creationId xmlns:a16="http://schemas.microsoft.com/office/drawing/2014/main" id="{D18F96B9-AF18-4E61-9B14-E2A4734D836A}"/>
-              </a:ext>
-            </a:extLst>
-          </p:cNvPr>
-          <p:cNvSpPr/>
-          <p:nvPr/>
-        </p:nvSpPr>
-        <p:spPr>
-          <a:xfrm>
-            <a:off x="600075" y="314325"/>
-            <a:ext cx="6217200" cy="5396400"/>
-          </a:xfrm>
-          <a:prstGeom prst="rect">
-            <a:avLst/>
-          </a:prstGeom>
-          <a:solidFill>
-            <a:schemeClr val="tx1">
-              <a:lumMod val="85000"/>
-            </a:schemeClr>
-          </a:solidFill>
-          <a:ln>
-            <a:noFill/>
-          </a:ln>
-        </p:spPr>
-        <p:style>
-          <a:lnRef idx="2">
-            <a:schemeClr val="accent1">
-              <a:shade val="50000"/>
-            </a:schemeClr>
-          </a:lnRef>
-          <a:fillRef idx="1">
-            <a:schemeClr val="accent1"/>
-          </a:fillRef>
-          <a:effectRef idx="0">
-            <a:schemeClr val="accent1"/>
-          </a:effectRef>
-          <a:fontRef idx="minor">
-            <a:schemeClr val="lt1"/>
-          </a:fontRef>
-        </p:style>
-        <p:txBody>
-          <a:bodyPr rtlCol="0" anchor="ctr"/>
-          <a:lstStyle/>
-          <a:p>
-            <a:pPr algn="ctr"/>
-            <a:endParaRPr kumimoji="1" lang="ja-JP" altLang="en-US"/>
-          </a:p>
-        </p:txBody>
-      </p:sp>
-      <p:sp>
-        <p:nvSpPr>
-          <p:cNvPr id="14" name="正方形/長方形 13">
-            <a:extLst>
-              <a:ext uri="{FF2B5EF4-FFF2-40B4-BE49-F238E27FC236}">
-                <a16:creationId xmlns:a16="http://schemas.microsoft.com/office/drawing/2014/main" id="{F99C553D-07EE-485C-8267-A1F987F491C2}"/>
-              </a:ext>
-            </a:extLst>
-          </p:cNvPr>
-          <p:cNvSpPr>
-            <a:spLocks noChangeAspect="1"/>
-          </p:cNvSpPr>
-          <p:nvPr/>
-        </p:nvSpPr>
-        <p:spPr>
-          <a:xfrm>
-            <a:off x="909068" y="582525"/>
-            <a:ext cx="5599213" cy="4860000"/>
-          </a:xfrm>
-          <a:prstGeom prst="rect">
-            <a:avLst/>
-          </a:prstGeom>
-          <a:solidFill>
-            <a:schemeClr val="tx1"/>
-          </a:solidFill>
-          <a:ln>
-            <a:noFill/>
-          </a:ln>
-        </p:spPr>
-        <p:style>
-          <a:lnRef idx="2">
-            <a:schemeClr val="accent1">
-              <a:shade val="50000"/>
-            </a:schemeClr>
-          </a:lnRef>
-          <a:fillRef idx="1">
-            <a:schemeClr val="accent1"/>
-          </a:fillRef>
-          <a:effectRef idx="0">
-            <a:schemeClr val="accent1"/>
-          </a:effectRef>
-          <a:fontRef idx="minor">
-            <a:schemeClr val="lt1"/>
-          </a:fontRef>
-        </p:style>
-        <p:txBody>
-          <a:bodyPr rtlCol="0" anchor="ctr"/>
-          <a:lstStyle/>
-          <a:p>
-            <a:pPr algn="ctr"/>
-            <a:endParaRPr kumimoji="1" lang="ja-JP" altLang="en-US" dirty="0"/>
-          </a:p>
-        </p:txBody>
-      </p:sp>
-      <p:sp>
-        <p:nvSpPr>
-          <p:cNvPr id="6" name="正方形/長方形 5">
-            <a:extLst>
-              <a:ext uri="{FF2B5EF4-FFF2-40B4-BE49-F238E27FC236}">
-                <a16:creationId xmlns:a16="http://schemas.microsoft.com/office/drawing/2014/main" id="{ACF922AD-DCB1-4B12-ACF6-F6D2C5A2F0A6}"/>
-              </a:ext>
-            </a:extLst>
-          </p:cNvPr>
-          <p:cNvSpPr>
-            <a:spLocks noChangeAspect="1"/>
-          </p:cNvSpPr>
-          <p:nvPr/>
-        </p:nvSpPr>
-        <p:spPr>
-          <a:xfrm>
-            <a:off x="987461" y="831297"/>
-            <a:ext cx="5375239" cy="4512228"/>
-          </a:xfrm>
-          <a:prstGeom prst="rect">
-            <a:avLst/>
-          </a:prstGeom>
-          <a:solidFill>
-            <a:schemeClr val="bg1"/>
-          </a:solidFill>
-          <a:ln>
-            <a:noFill/>
-          </a:ln>
-        </p:spPr>
-        <p:style>
-          <a:lnRef idx="2">
-            <a:schemeClr val="accent1">
-              <a:shade val="50000"/>
-            </a:schemeClr>
-          </a:lnRef>
-          <a:fillRef idx="1">
-            <a:schemeClr val="accent1"/>
-          </a:fillRef>
-          <a:effectRef idx="0">
-            <a:schemeClr val="accent1"/>
-          </a:effectRef>
-          <a:fontRef idx="minor">
-            <a:schemeClr val="lt1"/>
-          </a:fontRef>
-        </p:style>
-        <p:txBody>
-          <a:bodyPr rtlCol="0" anchor="ctr"/>
-          <a:lstStyle/>
-          <a:p>
-            <a:pPr algn="ctr"/>
-            <a:endParaRPr kumimoji="1" lang="ja-JP" altLang="en-US" dirty="0"/>
-          </a:p>
-        </p:txBody>
-      </p:sp>
-      <p:sp>
-        <p:nvSpPr>
-          <p:cNvPr id="2" name="四角形: 角を丸くする 1">
-            <a:extLst>
-              <a:ext uri="{FF2B5EF4-FFF2-40B4-BE49-F238E27FC236}">
-                <a16:creationId xmlns:a16="http://schemas.microsoft.com/office/drawing/2014/main" id="{9741F51D-5745-4C0B-A20D-A73A9653455C}"/>
-              </a:ext>
-            </a:extLst>
-          </p:cNvPr>
-          <p:cNvSpPr/>
-          <p:nvPr/>
-        </p:nvSpPr>
-        <p:spPr>
-          <a:xfrm>
-            <a:off x="3017666" y="4027627"/>
-            <a:ext cx="2880000" cy="2880000"/>
-          </a:xfrm>
-          <a:prstGeom prst="roundRect">
-            <a:avLst/>
-          </a:prstGeom>
-          <a:noFill/>
-          <a:ln w="127000">
-            <a:solidFill>
-              <a:schemeClr val="tx1"/>
-            </a:solidFill>
-          </a:ln>
-        </p:spPr>
-        <p:style>
-          <a:lnRef idx="2">
-            <a:schemeClr val="accent1">
-              <a:shade val="50000"/>
-            </a:schemeClr>
-          </a:lnRef>
-          <a:fillRef idx="1">
-            <a:schemeClr val="accent1"/>
-          </a:fillRef>
-          <a:effectRef idx="0">
-            <a:schemeClr val="accent1"/>
-          </a:effectRef>
-          <a:fontRef idx="minor">
-            <a:schemeClr val="lt1"/>
-          </a:fontRef>
-        </p:style>
-        <p:txBody>
-          <a:bodyPr rtlCol="0" anchor="ctr"/>
-          <a:lstStyle/>
-          <a:p>
-            <a:pPr algn="ctr"/>
-            <a:endParaRPr kumimoji="1" lang="ja-JP" altLang="en-US"/>
-          </a:p>
-        </p:txBody>
-      </p:sp>
-      <p:grpSp>
-        <p:nvGrpSpPr>
-          <p:cNvPr id="9" name="グループ化 8">
-            <a:extLst>
-              <a:ext uri="{FF2B5EF4-FFF2-40B4-BE49-F238E27FC236}">
-                <a16:creationId xmlns:a16="http://schemas.microsoft.com/office/drawing/2014/main" id="{5F398E7A-8994-4416-AC2A-4BE81E881A83}"/>
-              </a:ext>
-            </a:extLst>
-          </p:cNvPr>
-          <p:cNvGrpSpPr/>
-          <p:nvPr/>
-        </p:nvGrpSpPr>
-        <p:grpSpPr>
-          <a:xfrm>
-            <a:off x="7573889" y="1723929"/>
-            <a:ext cx="3396976" cy="2284367"/>
-            <a:chOff x="1581773" y="1310504"/>
-            <a:chExt cx="3396976" cy="2284367"/>
-          </a:xfrm>
-        </p:grpSpPr>
-        <p:sp>
-          <p:nvSpPr>
-            <p:cNvPr id="3" name="四角形: 角を丸くする 2">
-              <a:extLst>
-                <a:ext uri="{FF2B5EF4-FFF2-40B4-BE49-F238E27FC236}">
-                  <a16:creationId xmlns:a16="http://schemas.microsoft.com/office/drawing/2014/main" id="{57D09821-EE4D-4551-8D4A-F7910BCA52D8}"/>
-                </a:ext>
-              </a:extLst>
-            </p:cNvPr>
-            <p:cNvSpPr/>
-            <p:nvPr/>
-          </p:nvSpPr>
-          <p:spPr>
-            <a:xfrm>
-              <a:off x="1581773" y="1310504"/>
-              <a:ext cx="3396976" cy="1019175"/>
-            </a:xfrm>
-            <a:prstGeom prst="roundRect">
-              <a:avLst>
-                <a:gd name="adj" fmla="val 50000"/>
-              </a:avLst>
-            </a:prstGeom>
-            <a:noFill/>
-            <a:ln w="127000">
-              <a:noFill/>
-            </a:ln>
-          </p:spPr>
-          <p:style>
-            <a:lnRef idx="2">
-              <a:schemeClr val="accent1">
-                <a:shade val="50000"/>
-              </a:schemeClr>
-            </a:lnRef>
-            <a:fillRef idx="1">
-              <a:schemeClr val="accent1"/>
-            </a:fillRef>
-            <a:effectRef idx="0">
-              <a:schemeClr val="accent1"/>
-            </a:effectRef>
-            <a:fontRef idx="minor">
-              <a:schemeClr val="lt1"/>
-            </a:fontRef>
-          </p:style>
-          <p:txBody>
-            <a:bodyPr rtlCol="0" anchor="ctr"/>
-            <a:lstStyle/>
-            <a:p>
-              <a:pPr algn="ctr"/>
-              <a:r>
-                <a:rPr kumimoji="1" lang="en-US" altLang="ja-JP" sz="6600" b="1" dirty="0"/>
-                <a:t>MEMO</a:t>
-              </a:r>
-              <a:endParaRPr kumimoji="1" lang="ja-JP" altLang="en-US" sz="6600" b="1" dirty="0"/>
-            </a:p>
-          </p:txBody>
-        </p:sp>
-        <p:sp>
-          <p:nvSpPr>
-            <p:cNvPr id="5" name="四角形: 角を丸くする 4">
-              <a:extLst>
-                <a:ext uri="{FF2B5EF4-FFF2-40B4-BE49-F238E27FC236}">
-                  <a16:creationId xmlns:a16="http://schemas.microsoft.com/office/drawing/2014/main" id="{26EF3C13-66ED-4C48-95E7-F9562687B177}"/>
-                </a:ext>
-              </a:extLst>
-            </p:cNvPr>
-            <p:cNvSpPr/>
-            <p:nvPr/>
-          </p:nvSpPr>
-          <p:spPr>
-            <a:xfrm>
-              <a:off x="2108088" y="2329679"/>
-              <a:ext cx="2336889" cy="268200"/>
-            </a:xfrm>
-            <a:prstGeom prst="roundRect">
-              <a:avLst>
-                <a:gd name="adj" fmla="val 50000"/>
-              </a:avLst>
-            </a:prstGeom>
-            <a:solidFill>
-              <a:schemeClr val="tx1"/>
-            </a:solidFill>
-            <a:ln>
-              <a:noFill/>
-            </a:ln>
-          </p:spPr>
-          <p:style>
-            <a:lnRef idx="2">
-              <a:schemeClr val="accent1">
-                <a:shade val="50000"/>
-              </a:schemeClr>
-            </a:lnRef>
-            <a:fillRef idx="1">
-              <a:schemeClr val="accent1"/>
-            </a:fillRef>
-            <a:effectRef idx="0">
-              <a:schemeClr val="accent1"/>
-            </a:effectRef>
-            <a:fontRef idx="minor">
-              <a:schemeClr val="lt1"/>
-            </a:fontRef>
-          </p:style>
-          <p:txBody>
-            <a:bodyPr rtlCol="0" anchor="ctr"/>
-            <a:lstStyle/>
-            <a:p>
-              <a:pPr algn="ctr"/>
-              <a:endParaRPr kumimoji="1" lang="ja-JP" altLang="en-US"/>
-            </a:p>
-          </p:txBody>
-        </p:sp>
-        <p:sp>
-          <p:nvSpPr>
-            <p:cNvPr id="11" name="四角形: 角を丸くする 10">
-              <a:extLst>
-                <a:ext uri="{FF2B5EF4-FFF2-40B4-BE49-F238E27FC236}">
-                  <a16:creationId xmlns:a16="http://schemas.microsoft.com/office/drawing/2014/main" id="{2497FF4B-189F-4CC6-9F6E-BFD01FF516D6}"/>
-                </a:ext>
-              </a:extLst>
-            </p:cNvPr>
-            <p:cNvSpPr/>
-            <p:nvPr/>
-          </p:nvSpPr>
-          <p:spPr>
-            <a:xfrm>
-              <a:off x="2120777" y="2828175"/>
-              <a:ext cx="2336889" cy="268200"/>
-            </a:xfrm>
-            <a:prstGeom prst="roundRect">
-              <a:avLst>
-                <a:gd name="adj" fmla="val 50000"/>
-              </a:avLst>
-            </a:prstGeom>
-            <a:solidFill>
-              <a:schemeClr val="tx1"/>
-            </a:solidFill>
-            <a:ln>
-              <a:noFill/>
-            </a:ln>
-          </p:spPr>
-          <p:style>
-            <a:lnRef idx="2">
-              <a:schemeClr val="accent1">
-                <a:shade val="50000"/>
-              </a:schemeClr>
-            </a:lnRef>
-            <a:fillRef idx="1">
-              <a:schemeClr val="accent1"/>
-            </a:fillRef>
-            <a:effectRef idx="0">
-              <a:schemeClr val="accent1"/>
-            </a:effectRef>
-            <a:fontRef idx="minor">
-              <a:schemeClr val="lt1"/>
-            </a:fontRef>
-          </p:style>
-          <p:txBody>
-            <a:bodyPr rtlCol="0" anchor="ctr"/>
-            <a:lstStyle/>
-            <a:p>
-              <a:pPr algn="ctr"/>
-              <a:endParaRPr kumimoji="1" lang="ja-JP" altLang="en-US"/>
-            </a:p>
-          </p:txBody>
-        </p:sp>
-        <p:sp>
-          <p:nvSpPr>
-            <p:cNvPr id="12" name="四角形: 角を丸くする 11">
-              <a:extLst>
-                <a:ext uri="{FF2B5EF4-FFF2-40B4-BE49-F238E27FC236}">
-                  <a16:creationId xmlns:a16="http://schemas.microsoft.com/office/drawing/2014/main" id="{F480C788-4115-489B-A1A1-75DD41D93735}"/>
-                </a:ext>
-              </a:extLst>
-            </p:cNvPr>
-            <p:cNvSpPr/>
-            <p:nvPr/>
-          </p:nvSpPr>
-          <p:spPr>
-            <a:xfrm>
-              <a:off x="2120777" y="3326671"/>
-              <a:ext cx="2336889" cy="268200"/>
-            </a:xfrm>
-            <a:prstGeom prst="roundRect">
-              <a:avLst>
-                <a:gd name="adj" fmla="val 50000"/>
-              </a:avLst>
-            </a:prstGeom>
-            <a:solidFill>
-              <a:schemeClr val="tx1"/>
-            </a:solidFill>
-            <a:ln>
-              <a:noFill/>
-            </a:ln>
-          </p:spPr>
-          <p:style>
-            <a:lnRef idx="2">
-              <a:schemeClr val="accent1">
-                <a:shade val="50000"/>
-              </a:schemeClr>
-            </a:lnRef>
-            <a:fillRef idx="1">
-              <a:schemeClr val="accent1"/>
-            </a:fillRef>
-            <a:effectRef idx="0">
-              <a:schemeClr val="accent1"/>
-            </a:effectRef>
-            <a:fontRef idx="minor">
-              <a:schemeClr val="lt1"/>
-            </a:fontRef>
-          </p:style>
-          <p:txBody>
-            <a:bodyPr rtlCol="0" anchor="ctr"/>
-            <a:lstStyle/>
-            <a:p>
-              <a:pPr algn="ctr"/>
-              <a:endParaRPr kumimoji="1" lang="ja-JP" altLang="en-US"/>
-            </a:p>
-          </p:txBody>
-        </p:sp>
-      </p:grpSp>
-    </p:spTree>
-    <p:extLst>
-      <p:ext uri="{BB962C8B-B14F-4D97-AF65-F5344CB8AC3E}">
-        <p14:creationId xmlns:p14="http://schemas.microsoft.com/office/powerpoint/2010/main" val="1051524161"/>
       </p:ext>
     </p:extLst>
   </p:cSld>
@@ -18477,6 +18596,489 @@
 </file>
 
 <file path=ppt/slides/slide30.xml><?xml version="1.0" encoding="utf-8"?>
+<p:sld xmlns:a="http://schemas.openxmlformats.org/drawingml/2006/main" xmlns:r="http://schemas.openxmlformats.org/officeDocument/2006/relationships" xmlns:p="http://schemas.openxmlformats.org/presentationml/2006/main">
+  <p:cSld>
+    <p:spTree>
+      <p:nvGrpSpPr>
+        <p:cNvPr id="1" name=""/>
+        <p:cNvGrpSpPr/>
+        <p:nvPr/>
+      </p:nvGrpSpPr>
+      <p:grpSpPr>
+        <a:xfrm>
+          <a:off x="0" y="0"/>
+          <a:ext cx="0" cy="0"/>
+          <a:chOff x="0" y="0"/>
+          <a:chExt cx="0" cy="0"/>
+        </a:xfrm>
+      </p:grpSpPr>
+      <p:sp>
+        <p:nvSpPr>
+          <p:cNvPr id="13" name="正方形/長方形 12">
+            <a:extLst>
+              <a:ext uri="{FF2B5EF4-FFF2-40B4-BE49-F238E27FC236}">
+                <a16:creationId xmlns:a16="http://schemas.microsoft.com/office/drawing/2014/main" id="{D18F96B9-AF18-4E61-9B14-E2A4734D836A}"/>
+              </a:ext>
+            </a:extLst>
+          </p:cNvPr>
+          <p:cNvSpPr/>
+          <p:nvPr/>
+        </p:nvSpPr>
+        <p:spPr>
+          <a:xfrm>
+            <a:off x="600075" y="314325"/>
+            <a:ext cx="6217200" cy="5396400"/>
+          </a:xfrm>
+          <a:prstGeom prst="rect">
+            <a:avLst/>
+          </a:prstGeom>
+          <a:solidFill>
+            <a:schemeClr val="tx1">
+              <a:lumMod val="85000"/>
+            </a:schemeClr>
+          </a:solidFill>
+          <a:ln>
+            <a:noFill/>
+          </a:ln>
+        </p:spPr>
+        <p:style>
+          <a:lnRef idx="2">
+            <a:schemeClr val="accent1">
+              <a:shade val="50000"/>
+            </a:schemeClr>
+          </a:lnRef>
+          <a:fillRef idx="1">
+            <a:schemeClr val="accent1"/>
+          </a:fillRef>
+          <a:effectRef idx="0">
+            <a:schemeClr val="accent1"/>
+          </a:effectRef>
+          <a:fontRef idx="minor">
+            <a:schemeClr val="lt1"/>
+          </a:fontRef>
+        </p:style>
+        <p:txBody>
+          <a:bodyPr rtlCol="0" anchor="ctr"/>
+          <a:lstStyle/>
+          <a:p>
+            <a:pPr algn="ctr"/>
+            <a:endParaRPr kumimoji="1" lang="ja-JP" altLang="en-US"/>
+          </a:p>
+        </p:txBody>
+      </p:sp>
+      <p:sp>
+        <p:nvSpPr>
+          <p:cNvPr id="14" name="正方形/長方形 13">
+            <a:extLst>
+              <a:ext uri="{FF2B5EF4-FFF2-40B4-BE49-F238E27FC236}">
+                <a16:creationId xmlns:a16="http://schemas.microsoft.com/office/drawing/2014/main" id="{F99C553D-07EE-485C-8267-A1F987F491C2}"/>
+              </a:ext>
+            </a:extLst>
+          </p:cNvPr>
+          <p:cNvSpPr>
+            <a:spLocks noChangeAspect="1"/>
+          </p:cNvSpPr>
+          <p:nvPr/>
+        </p:nvSpPr>
+        <p:spPr>
+          <a:xfrm>
+            <a:off x="909068" y="582525"/>
+            <a:ext cx="5599213" cy="4860000"/>
+          </a:xfrm>
+          <a:prstGeom prst="rect">
+            <a:avLst/>
+          </a:prstGeom>
+          <a:solidFill>
+            <a:schemeClr val="tx1"/>
+          </a:solidFill>
+          <a:ln>
+            <a:noFill/>
+          </a:ln>
+        </p:spPr>
+        <p:style>
+          <a:lnRef idx="2">
+            <a:schemeClr val="accent1">
+              <a:shade val="50000"/>
+            </a:schemeClr>
+          </a:lnRef>
+          <a:fillRef idx="1">
+            <a:schemeClr val="accent1"/>
+          </a:fillRef>
+          <a:effectRef idx="0">
+            <a:schemeClr val="accent1"/>
+          </a:effectRef>
+          <a:fontRef idx="minor">
+            <a:schemeClr val="lt1"/>
+          </a:fontRef>
+        </p:style>
+        <p:txBody>
+          <a:bodyPr rtlCol="0" anchor="ctr"/>
+          <a:lstStyle/>
+          <a:p>
+            <a:pPr algn="ctr"/>
+            <a:endParaRPr kumimoji="1" lang="ja-JP" altLang="en-US" dirty="0"/>
+          </a:p>
+        </p:txBody>
+      </p:sp>
+      <p:sp>
+        <p:nvSpPr>
+          <p:cNvPr id="6" name="正方形/長方形 5">
+            <a:extLst>
+              <a:ext uri="{FF2B5EF4-FFF2-40B4-BE49-F238E27FC236}">
+                <a16:creationId xmlns:a16="http://schemas.microsoft.com/office/drawing/2014/main" id="{ACF922AD-DCB1-4B12-ACF6-F6D2C5A2F0A6}"/>
+              </a:ext>
+            </a:extLst>
+          </p:cNvPr>
+          <p:cNvSpPr>
+            <a:spLocks noChangeAspect="1"/>
+          </p:cNvSpPr>
+          <p:nvPr/>
+        </p:nvSpPr>
+        <p:spPr>
+          <a:xfrm>
+            <a:off x="987461" y="831297"/>
+            <a:ext cx="5375239" cy="4512228"/>
+          </a:xfrm>
+          <a:prstGeom prst="rect">
+            <a:avLst/>
+          </a:prstGeom>
+          <a:solidFill>
+            <a:schemeClr val="bg1"/>
+          </a:solidFill>
+          <a:ln>
+            <a:noFill/>
+          </a:ln>
+        </p:spPr>
+        <p:style>
+          <a:lnRef idx="2">
+            <a:schemeClr val="accent1">
+              <a:shade val="50000"/>
+            </a:schemeClr>
+          </a:lnRef>
+          <a:fillRef idx="1">
+            <a:schemeClr val="accent1"/>
+          </a:fillRef>
+          <a:effectRef idx="0">
+            <a:schemeClr val="accent1"/>
+          </a:effectRef>
+          <a:fontRef idx="minor">
+            <a:schemeClr val="lt1"/>
+          </a:fontRef>
+        </p:style>
+        <p:txBody>
+          <a:bodyPr rtlCol="0" anchor="ctr"/>
+          <a:lstStyle/>
+          <a:p>
+            <a:pPr algn="ctr"/>
+            <a:endParaRPr kumimoji="1" lang="ja-JP" altLang="en-US" dirty="0"/>
+          </a:p>
+        </p:txBody>
+      </p:sp>
+      <p:sp>
+        <p:nvSpPr>
+          <p:cNvPr id="2" name="四角形: 角を丸くする 1">
+            <a:extLst>
+              <a:ext uri="{FF2B5EF4-FFF2-40B4-BE49-F238E27FC236}">
+                <a16:creationId xmlns:a16="http://schemas.microsoft.com/office/drawing/2014/main" id="{9741F51D-5745-4C0B-A20D-A73A9653455C}"/>
+              </a:ext>
+            </a:extLst>
+          </p:cNvPr>
+          <p:cNvSpPr/>
+          <p:nvPr/>
+        </p:nvSpPr>
+        <p:spPr>
+          <a:xfrm>
+            <a:off x="3017666" y="4027627"/>
+            <a:ext cx="2880000" cy="2880000"/>
+          </a:xfrm>
+          <a:prstGeom prst="roundRect">
+            <a:avLst/>
+          </a:prstGeom>
+          <a:noFill/>
+          <a:ln w="127000">
+            <a:solidFill>
+              <a:schemeClr val="tx1"/>
+            </a:solidFill>
+          </a:ln>
+        </p:spPr>
+        <p:style>
+          <a:lnRef idx="2">
+            <a:schemeClr val="accent1">
+              <a:shade val="50000"/>
+            </a:schemeClr>
+          </a:lnRef>
+          <a:fillRef idx="1">
+            <a:schemeClr val="accent1"/>
+          </a:fillRef>
+          <a:effectRef idx="0">
+            <a:schemeClr val="accent1"/>
+          </a:effectRef>
+          <a:fontRef idx="minor">
+            <a:schemeClr val="lt1"/>
+          </a:fontRef>
+        </p:style>
+        <p:txBody>
+          <a:bodyPr rtlCol="0" anchor="ctr"/>
+          <a:lstStyle/>
+          <a:p>
+            <a:pPr algn="ctr"/>
+            <a:endParaRPr kumimoji="1" lang="ja-JP" altLang="en-US"/>
+          </a:p>
+        </p:txBody>
+      </p:sp>
+      <p:grpSp>
+        <p:nvGrpSpPr>
+          <p:cNvPr id="9" name="グループ化 8">
+            <a:extLst>
+              <a:ext uri="{FF2B5EF4-FFF2-40B4-BE49-F238E27FC236}">
+                <a16:creationId xmlns:a16="http://schemas.microsoft.com/office/drawing/2014/main" id="{5F398E7A-8994-4416-AC2A-4BE81E881A83}"/>
+              </a:ext>
+            </a:extLst>
+          </p:cNvPr>
+          <p:cNvGrpSpPr/>
+          <p:nvPr/>
+        </p:nvGrpSpPr>
+        <p:grpSpPr>
+          <a:xfrm>
+            <a:off x="7573889" y="1723929"/>
+            <a:ext cx="3396976" cy="2284367"/>
+            <a:chOff x="1581773" y="1310504"/>
+            <a:chExt cx="3396976" cy="2284367"/>
+          </a:xfrm>
+        </p:grpSpPr>
+        <p:sp>
+          <p:nvSpPr>
+            <p:cNvPr id="3" name="四角形: 角を丸くする 2">
+              <a:extLst>
+                <a:ext uri="{FF2B5EF4-FFF2-40B4-BE49-F238E27FC236}">
+                  <a16:creationId xmlns:a16="http://schemas.microsoft.com/office/drawing/2014/main" id="{57D09821-EE4D-4551-8D4A-F7910BCA52D8}"/>
+                </a:ext>
+              </a:extLst>
+            </p:cNvPr>
+            <p:cNvSpPr/>
+            <p:nvPr/>
+          </p:nvSpPr>
+          <p:spPr>
+            <a:xfrm>
+              <a:off x="1581773" y="1310504"/>
+              <a:ext cx="3396976" cy="1019175"/>
+            </a:xfrm>
+            <a:prstGeom prst="roundRect">
+              <a:avLst>
+                <a:gd name="adj" fmla="val 50000"/>
+              </a:avLst>
+            </a:prstGeom>
+            <a:noFill/>
+            <a:ln w="127000">
+              <a:noFill/>
+            </a:ln>
+          </p:spPr>
+          <p:style>
+            <a:lnRef idx="2">
+              <a:schemeClr val="accent1">
+                <a:shade val="50000"/>
+              </a:schemeClr>
+            </a:lnRef>
+            <a:fillRef idx="1">
+              <a:schemeClr val="accent1"/>
+            </a:fillRef>
+            <a:effectRef idx="0">
+              <a:schemeClr val="accent1"/>
+            </a:effectRef>
+            <a:fontRef idx="minor">
+              <a:schemeClr val="lt1"/>
+            </a:fontRef>
+          </p:style>
+          <p:txBody>
+            <a:bodyPr rtlCol="0" anchor="ctr"/>
+            <a:lstStyle/>
+            <a:p>
+              <a:pPr algn="ctr"/>
+              <a:r>
+                <a:rPr kumimoji="1" lang="en-US" altLang="ja-JP" sz="6600" b="1" dirty="0"/>
+                <a:t>MEMO</a:t>
+              </a:r>
+              <a:endParaRPr kumimoji="1" lang="ja-JP" altLang="en-US" sz="6600" b="1" dirty="0"/>
+            </a:p>
+          </p:txBody>
+        </p:sp>
+        <p:sp>
+          <p:nvSpPr>
+            <p:cNvPr id="5" name="四角形: 角を丸くする 4">
+              <a:extLst>
+                <a:ext uri="{FF2B5EF4-FFF2-40B4-BE49-F238E27FC236}">
+                  <a16:creationId xmlns:a16="http://schemas.microsoft.com/office/drawing/2014/main" id="{26EF3C13-66ED-4C48-95E7-F9562687B177}"/>
+                </a:ext>
+              </a:extLst>
+            </p:cNvPr>
+            <p:cNvSpPr/>
+            <p:nvPr/>
+          </p:nvSpPr>
+          <p:spPr>
+            <a:xfrm>
+              <a:off x="2108088" y="2329679"/>
+              <a:ext cx="2336889" cy="268200"/>
+            </a:xfrm>
+            <a:prstGeom prst="roundRect">
+              <a:avLst>
+                <a:gd name="adj" fmla="val 50000"/>
+              </a:avLst>
+            </a:prstGeom>
+            <a:solidFill>
+              <a:schemeClr val="tx1"/>
+            </a:solidFill>
+            <a:ln>
+              <a:noFill/>
+            </a:ln>
+          </p:spPr>
+          <p:style>
+            <a:lnRef idx="2">
+              <a:schemeClr val="accent1">
+                <a:shade val="50000"/>
+              </a:schemeClr>
+            </a:lnRef>
+            <a:fillRef idx="1">
+              <a:schemeClr val="accent1"/>
+            </a:fillRef>
+            <a:effectRef idx="0">
+              <a:schemeClr val="accent1"/>
+            </a:effectRef>
+            <a:fontRef idx="minor">
+              <a:schemeClr val="lt1"/>
+            </a:fontRef>
+          </p:style>
+          <p:txBody>
+            <a:bodyPr rtlCol="0" anchor="ctr"/>
+            <a:lstStyle/>
+            <a:p>
+              <a:pPr algn="ctr"/>
+              <a:endParaRPr kumimoji="1" lang="ja-JP" altLang="en-US"/>
+            </a:p>
+          </p:txBody>
+        </p:sp>
+        <p:sp>
+          <p:nvSpPr>
+            <p:cNvPr id="11" name="四角形: 角を丸くする 10">
+              <a:extLst>
+                <a:ext uri="{FF2B5EF4-FFF2-40B4-BE49-F238E27FC236}">
+                  <a16:creationId xmlns:a16="http://schemas.microsoft.com/office/drawing/2014/main" id="{2497FF4B-189F-4CC6-9F6E-BFD01FF516D6}"/>
+                </a:ext>
+              </a:extLst>
+            </p:cNvPr>
+            <p:cNvSpPr/>
+            <p:nvPr/>
+          </p:nvSpPr>
+          <p:spPr>
+            <a:xfrm>
+              <a:off x="2120777" y="2828175"/>
+              <a:ext cx="2336889" cy="268200"/>
+            </a:xfrm>
+            <a:prstGeom prst="roundRect">
+              <a:avLst>
+                <a:gd name="adj" fmla="val 50000"/>
+              </a:avLst>
+            </a:prstGeom>
+            <a:solidFill>
+              <a:schemeClr val="tx1"/>
+            </a:solidFill>
+            <a:ln>
+              <a:noFill/>
+            </a:ln>
+          </p:spPr>
+          <p:style>
+            <a:lnRef idx="2">
+              <a:schemeClr val="accent1">
+                <a:shade val="50000"/>
+              </a:schemeClr>
+            </a:lnRef>
+            <a:fillRef idx="1">
+              <a:schemeClr val="accent1"/>
+            </a:fillRef>
+            <a:effectRef idx="0">
+              <a:schemeClr val="accent1"/>
+            </a:effectRef>
+            <a:fontRef idx="minor">
+              <a:schemeClr val="lt1"/>
+            </a:fontRef>
+          </p:style>
+          <p:txBody>
+            <a:bodyPr rtlCol="0" anchor="ctr"/>
+            <a:lstStyle/>
+            <a:p>
+              <a:pPr algn="ctr"/>
+              <a:endParaRPr kumimoji="1" lang="ja-JP" altLang="en-US"/>
+            </a:p>
+          </p:txBody>
+        </p:sp>
+        <p:sp>
+          <p:nvSpPr>
+            <p:cNvPr id="12" name="四角形: 角を丸くする 11">
+              <a:extLst>
+                <a:ext uri="{FF2B5EF4-FFF2-40B4-BE49-F238E27FC236}">
+                  <a16:creationId xmlns:a16="http://schemas.microsoft.com/office/drawing/2014/main" id="{F480C788-4115-489B-A1A1-75DD41D93735}"/>
+                </a:ext>
+              </a:extLst>
+            </p:cNvPr>
+            <p:cNvSpPr/>
+            <p:nvPr/>
+          </p:nvSpPr>
+          <p:spPr>
+            <a:xfrm>
+              <a:off x="2120777" y="3326671"/>
+              <a:ext cx="2336889" cy="268200"/>
+            </a:xfrm>
+            <a:prstGeom prst="roundRect">
+              <a:avLst>
+                <a:gd name="adj" fmla="val 50000"/>
+              </a:avLst>
+            </a:prstGeom>
+            <a:solidFill>
+              <a:schemeClr val="tx1"/>
+            </a:solidFill>
+            <a:ln>
+              <a:noFill/>
+            </a:ln>
+          </p:spPr>
+          <p:style>
+            <a:lnRef idx="2">
+              <a:schemeClr val="accent1">
+                <a:shade val="50000"/>
+              </a:schemeClr>
+            </a:lnRef>
+            <a:fillRef idx="1">
+              <a:schemeClr val="accent1"/>
+            </a:fillRef>
+            <a:effectRef idx="0">
+              <a:schemeClr val="accent1"/>
+            </a:effectRef>
+            <a:fontRef idx="minor">
+              <a:schemeClr val="lt1"/>
+            </a:fontRef>
+          </p:style>
+          <p:txBody>
+            <a:bodyPr rtlCol="0" anchor="ctr"/>
+            <a:lstStyle/>
+            <a:p>
+              <a:pPr algn="ctr"/>
+              <a:endParaRPr kumimoji="1" lang="ja-JP" altLang="en-US"/>
+            </a:p>
+          </p:txBody>
+        </p:sp>
+      </p:grpSp>
+    </p:spTree>
+    <p:extLst>
+      <p:ext uri="{BB962C8B-B14F-4D97-AF65-F5344CB8AC3E}">
+        <p14:creationId xmlns:p14="http://schemas.microsoft.com/office/powerpoint/2010/main" val="1051524161"/>
+      </p:ext>
+    </p:extLst>
+  </p:cSld>
+  <p:clrMapOvr>
+    <a:masterClrMapping/>
+  </p:clrMapOvr>
+</p:sld>
+</file>
+
+<file path=ppt/slides/slide31.xml><?xml version="1.0" encoding="utf-8"?>
 <p:sld xmlns:a="http://schemas.openxmlformats.org/drawingml/2006/main" xmlns:r="http://schemas.openxmlformats.org/officeDocument/2006/relationships" xmlns:p="http://schemas.openxmlformats.org/presentationml/2006/main">
   <p:cSld>
     <p:spTree>
@@ -19556,7 +20158,7 @@
 </p:sld>
 </file>
 
-<file path=ppt/slides/slide31.xml><?xml version="1.0" encoding="utf-8"?>
+<file path=ppt/slides/slide32.xml><?xml version="1.0" encoding="utf-8"?>
 <p:sld xmlns:a="http://schemas.openxmlformats.org/drawingml/2006/main" xmlns:r="http://schemas.openxmlformats.org/officeDocument/2006/relationships" xmlns:p="http://schemas.openxmlformats.org/presentationml/2006/main">
   <p:cSld>
     <p:spTree>
@@ -21391,7 +21993,7 @@
 </p:sld>
 </file>
 
-<file path=ppt/slides/slide32.xml><?xml version="1.0" encoding="utf-8"?>
+<file path=ppt/slides/slide33.xml><?xml version="1.0" encoding="utf-8"?>
 <p:sld xmlns:a="http://schemas.openxmlformats.org/drawingml/2006/main" xmlns:r="http://schemas.openxmlformats.org/officeDocument/2006/relationships" xmlns:p="http://schemas.openxmlformats.org/presentationml/2006/main">
   <p:cSld>
     <p:bg>
@@ -21481,7 +22083,7 @@
 </p:sld>
 </file>
 
-<file path=ppt/slides/slide33.xml><?xml version="1.0" encoding="utf-8"?>
+<file path=ppt/slides/slide34.xml><?xml version="1.0" encoding="utf-8"?>
 <p:sld xmlns:a="http://schemas.openxmlformats.org/drawingml/2006/main" xmlns:r="http://schemas.openxmlformats.org/officeDocument/2006/relationships" xmlns:p="http://schemas.openxmlformats.org/presentationml/2006/main">
   <p:cSld>
     <p:bg>
@@ -24633,7 +25235,7 @@
 </p:sld>
 </file>
 
-<file path=ppt/slides/slide34.xml><?xml version="1.0" encoding="utf-8"?>
+<file path=ppt/slides/slide35.xml><?xml version="1.0" encoding="utf-8"?>
 <p:sld xmlns:a="http://schemas.openxmlformats.org/drawingml/2006/main" xmlns:r="http://schemas.openxmlformats.org/officeDocument/2006/relationships" xmlns:p="http://schemas.openxmlformats.org/presentationml/2006/main">
   <p:cSld>
     <p:bg>
@@ -25456,7 +26058,7 @@
 </p:sld>
 </file>
 
-<file path=ppt/slides/slide35.xml><?xml version="1.0" encoding="utf-8"?>
+<file path=ppt/slides/slide36.xml><?xml version="1.0" encoding="utf-8"?>
 <p:sld xmlns:a="http://schemas.openxmlformats.org/drawingml/2006/main" xmlns:r="http://schemas.openxmlformats.org/officeDocument/2006/relationships" xmlns:p="http://schemas.openxmlformats.org/presentationml/2006/main">
   <p:cSld>
     <p:bg>
@@ -25763,7 +26365,7 @@
 </p:sld>
 </file>
 
-<file path=ppt/slides/slide36.xml><?xml version="1.0" encoding="utf-8"?>
+<file path=ppt/slides/slide37.xml><?xml version="1.0" encoding="utf-8"?>
 <p:sld xmlns:a="http://schemas.openxmlformats.org/drawingml/2006/main" xmlns:r="http://schemas.openxmlformats.org/officeDocument/2006/relationships" xmlns:p="http://schemas.openxmlformats.org/presentationml/2006/main">
   <p:cSld>
     <p:spTree>
@@ -26077,7 +26679,7 @@
 </p:sld>
 </file>
 
-<file path=ppt/slides/slide37.xml><?xml version="1.0" encoding="utf-8"?>
+<file path=ppt/slides/slide38.xml><?xml version="1.0" encoding="utf-8"?>
 <p:sld xmlns:a="http://schemas.openxmlformats.org/drawingml/2006/main" xmlns:r="http://schemas.openxmlformats.org/officeDocument/2006/relationships" xmlns:p="http://schemas.openxmlformats.org/presentationml/2006/main">
   <p:cSld>
     <p:spTree>
@@ -26522,7 +27124,7 @@
 </p:sld>
 </file>
 
-<file path=ppt/slides/slide38.xml><?xml version="1.0" encoding="utf-8"?>
+<file path=ppt/slides/slide39.xml><?xml version="1.0" encoding="utf-8"?>
 <p:sld xmlns:a="http://schemas.openxmlformats.org/drawingml/2006/main" xmlns:r="http://schemas.openxmlformats.org/officeDocument/2006/relationships" xmlns:p="http://schemas.openxmlformats.org/presentationml/2006/main">
   <p:cSld>
     <p:bg>
@@ -26984,504 +27586,6 @@
     <p:extLst>
       <p:ext uri="{BB962C8B-B14F-4D97-AF65-F5344CB8AC3E}">
         <p14:creationId xmlns:p14="http://schemas.microsoft.com/office/powerpoint/2010/main" val="4074579835"/>
-      </p:ext>
-    </p:extLst>
-  </p:cSld>
-  <p:clrMapOvr>
-    <a:masterClrMapping/>
-  </p:clrMapOvr>
-</p:sld>
-</file>
-
-<file path=ppt/slides/slide39.xml><?xml version="1.0" encoding="utf-8"?>
-<p:sld xmlns:a="http://schemas.openxmlformats.org/drawingml/2006/main" xmlns:r="http://schemas.openxmlformats.org/officeDocument/2006/relationships" xmlns:p="http://schemas.openxmlformats.org/presentationml/2006/main">
-  <p:cSld>
-    <p:spTree>
-      <p:nvGrpSpPr>
-        <p:cNvPr id="1" name=""/>
-        <p:cNvGrpSpPr/>
-        <p:nvPr/>
-      </p:nvGrpSpPr>
-      <p:grpSpPr>
-        <a:xfrm>
-          <a:off x="0" y="0"/>
-          <a:ext cx="0" cy="0"/>
-          <a:chOff x="0" y="0"/>
-          <a:chExt cx="0" cy="0"/>
-        </a:xfrm>
-      </p:grpSpPr>
-      <p:sp>
-        <p:nvSpPr>
-          <p:cNvPr id="2" name="四角形: 対角を切り取る 1">
-            <a:extLst>
-              <a:ext uri="{FF2B5EF4-FFF2-40B4-BE49-F238E27FC236}">
-                <a16:creationId xmlns:a16="http://schemas.microsoft.com/office/drawing/2014/main" id="{D0EC4782-6088-43D1-9027-55BBF7A57C9D}"/>
-              </a:ext>
-            </a:extLst>
-          </p:cNvPr>
-          <p:cNvSpPr/>
-          <p:nvPr/>
-        </p:nvSpPr>
-        <p:spPr>
-          <a:xfrm rot="2700000">
-            <a:off x="887767" y="221942"/>
-            <a:ext cx="2343704" cy="2343704"/>
-          </a:xfrm>
-          <a:prstGeom prst="snip2DiagRect">
-            <a:avLst>
-              <a:gd name="adj1" fmla="val 50000"/>
-              <a:gd name="adj2" fmla="val 0"/>
-            </a:avLst>
-          </a:prstGeom>
-          <a:gradFill>
-            <a:gsLst>
-              <a:gs pos="0">
-                <a:schemeClr val="accent1">
-                  <a:lumMod val="5000"/>
-                  <a:lumOff val="95000"/>
-                </a:schemeClr>
-              </a:gs>
-              <a:gs pos="40000">
-                <a:schemeClr val="tx1">
-                  <a:lumMod val="95000"/>
-                </a:schemeClr>
-              </a:gs>
-              <a:gs pos="62000">
-                <a:schemeClr val="tx1">
-                  <a:lumMod val="95000"/>
-                </a:schemeClr>
-              </a:gs>
-              <a:gs pos="95000">
-                <a:schemeClr val="tx1">
-                  <a:lumMod val="85000"/>
-                </a:schemeClr>
-              </a:gs>
-            </a:gsLst>
-            <a:lin ang="5400000" scaled="1"/>
-          </a:gradFill>
-          <a:ln>
-            <a:noFill/>
-          </a:ln>
-        </p:spPr>
-        <p:style>
-          <a:lnRef idx="2">
-            <a:schemeClr val="accent1">
-              <a:shade val="50000"/>
-            </a:schemeClr>
-          </a:lnRef>
-          <a:fillRef idx="1">
-            <a:schemeClr val="accent1"/>
-          </a:fillRef>
-          <a:effectRef idx="0">
-            <a:schemeClr val="accent1"/>
-          </a:effectRef>
-          <a:fontRef idx="minor">
-            <a:schemeClr val="lt1"/>
-          </a:fontRef>
-        </p:style>
-        <p:txBody>
-          <a:bodyPr rtlCol="0" anchor="ctr"/>
-          <a:lstStyle/>
-          <a:p>
-            <a:pPr algn="ctr"/>
-            <a:endParaRPr kumimoji="1" lang="ja-JP" altLang="en-US"/>
-          </a:p>
-        </p:txBody>
-      </p:sp>
-      <p:sp>
-        <p:nvSpPr>
-          <p:cNvPr id="3" name="四角形: 対角を切り取る 2">
-            <a:extLst>
-              <a:ext uri="{FF2B5EF4-FFF2-40B4-BE49-F238E27FC236}">
-                <a16:creationId xmlns:a16="http://schemas.microsoft.com/office/drawing/2014/main" id="{CA40D7AB-4CDE-46C8-A582-14DF60BDCF80}"/>
-              </a:ext>
-            </a:extLst>
-          </p:cNvPr>
-          <p:cNvSpPr/>
-          <p:nvPr/>
-        </p:nvSpPr>
-        <p:spPr>
-          <a:xfrm>
-            <a:off x="4287915" y="221942"/>
-            <a:ext cx="2343704" cy="2343704"/>
-          </a:xfrm>
-          <a:prstGeom prst="snip2DiagRect">
-            <a:avLst>
-              <a:gd name="adj1" fmla="val 50000"/>
-              <a:gd name="adj2" fmla="val 50000"/>
-            </a:avLst>
-          </a:prstGeom>
-          <a:gradFill>
-            <a:gsLst>
-              <a:gs pos="0">
-                <a:schemeClr val="accent1">
-                  <a:lumMod val="5000"/>
-                  <a:lumOff val="95000"/>
-                </a:schemeClr>
-              </a:gs>
-              <a:gs pos="40000">
-                <a:schemeClr val="tx1">
-                  <a:lumMod val="95000"/>
-                </a:schemeClr>
-              </a:gs>
-              <a:gs pos="62000">
-                <a:schemeClr val="tx1">
-                  <a:lumMod val="95000"/>
-                </a:schemeClr>
-              </a:gs>
-              <a:gs pos="95000">
-                <a:schemeClr val="tx1">
-                  <a:lumMod val="85000"/>
-                </a:schemeClr>
-              </a:gs>
-            </a:gsLst>
-            <a:lin ang="5400000" scaled="1"/>
-          </a:gradFill>
-          <a:ln>
-            <a:noFill/>
-          </a:ln>
-        </p:spPr>
-        <p:style>
-          <a:lnRef idx="2">
-            <a:schemeClr val="accent1">
-              <a:shade val="50000"/>
-            </a:schemeClr>
-          </a:lnRef>
-          <a:fillRef idx="1">
-            <a:schemeClr val="accent1"/>
-          </a:fillRef>
-          <a:effectRef idx="0">
-            <a:schemeClr val="accent1"/>
-          </a:effectRef>
-          <a:fontRef idx="minor">
-            <a:schemeClr val="lt1"/>
-          </a:fontRef>
-        </p:style>
-        <p:txBody>
-          <a:bodyPr rtlCol="0" anchor="ctr"/>
-          <a:lstStyle/>
-          <a:p>
-            <a:pPr algn="ctr"/>
-            <a:endParaRPr kumimoji="1" lang="ja-JP" altLang="en-US"/>
-          </a:p>
-        </p:txBody>
-      </p:sp>
-      <p:sp>
-        <p:nvSpPr>
-          <p:cNvPr id="5" name="四角形: 対角を切り取る 4">
-            <a:extLst>
-              <a:ext uri="{FF2B5EF4-FFF2-40B4-BE49-F238E27FC236}">
-                <a16:creationId xmlns:a16="http://schemas.microsoft.com/office/drawing/2014/main" id="{6DBA6DFB-5D54-46D7-B3C8-C1C6B47E4765}"/>
-              </a:ext>
-            </a:extLst>
-          </p:cNvPr>
-          <p:cNvSpPr/>
-          <p:nvPr/>
-        </p:nvSpPr>
-        <p:spPr>
-          <a:xfrm rot="2700000">
-            <a:off x="8257712" y="356586"/>
-            <a:ext cx="2343704" cy="2343704"/>
-          </a:xfrm>
-          <a:prstGeom prst="snip2DiagRect">
-            <a:avLst>
-              <a:gd name="adj1" fmla="val 35227"/>
-              <a:gd name="adj2" fmla="val 20455"/>
-            </a:avLst>
-          </a:prstGeom>
-          <a:gradFill>
-            <a:gsLst>
-              <a:gs pos="0">
-                <a:schemeClr val="accent1">
-                  <a:lumMod val="5000"/>
-                  <a:lumOff val="95000"/>
-                </a:schemeClr>
-              </a:gs>
-              <a:gs pos="40000">
-                <a:schemeClr val="tx1">
-                  <a:lumMod val="95000"/>
-                </a:schemeClr>
-              </a:gs>
-              <a:gs pos="62000">
-                <a:schemeClr val="tx1">
-                  <a:lumMod val="95000"/>
-                </a:schemeClr>
-              </a:gs>
-              <a:gs pos="95000">
-                <a:schemeClr val="tx1">
-                  <a:lumMod val="85000"/>
-                </a:schemeClr>
-              </a:gs>
-            </a:gsLst>
-            <a:lin ang="5400000" scaled="1"/>
-          </a:gradFill>
-          <a:ln>
-            <a:noFill/>
-          </a:ln>
-        </p:spPr>
-        <p:style>
-          <a:lnRef idx="2">
-            <a:schemeClr val="accent1">
-              <a:shade val="50000"/>
-            </a:schemeClr>
-          </a:lnRef>
-          <a:fillRef idx="1">
-            <a:schemeClr val="accent1"/>
-          </a:fillRef>
-          <a:effectRef idx="0">
-            <a:schemeClr val="accent1"/>
-          </a:effectRef>
-          <a:fontRef idx="minor">
-            <a:schemeClr val="lt1"/>
-          </a:fontRef>
-        </p:style>
-        <p:txBody>
-          <a:bodyPr rtlCol="0" anchor="ctr"/>
-          <a:lstStyle/>
-          <a:p>
-            <a:pPr algn="ctr"/>
-            <a:endParaRPr kumimoji="1" lang="ja-JP" altLang="en-US"/>
-          </a:p>
-        </p:txBody>
-      </p:sp>
-      <p:sp>
-        <p:nvSpPr>
-          <p:cNvPr id="6" name="四角形: 対角を丸める 5">
-            <a:extLst>
-              <a:ext uri="{FF2B5EF4-FFF2-40B4-BE49-F238E27FC236}">
-                <a16:creationId xmlns:a16="http://schemas.microsoft.com/office/drawing/2014/main" id="{4D518B83-1656-4426-87BB-CA9B0BFCDDD9}"/>
-              </a:ext>
-            </a:extLst>
-          </p:cNvPr>
-          <p:cNvSpPr/>
-          <p:nvPr/>
-        </p:nvSpPr>
-        <p:spPr>
-          <a:xfrm>
-            <a:off x="772357" y="3429000"/>
-            <a:ext cx="2441359" cy="2441359"/>
-          </a:xfrm>
-          <a:prstGeom prst="round2DiagRect">
-            <a:avLst>
-              <a:gd name="adj1" fmla="val 40909"/>
-              <a:gd name="adj2" fmla="val 39272"/>
-            </a:avLst>
-          </a:prstGeom>
-          <a:gradFill>
-            <a:gsLst>
-              <a:gs pos="0">
-                <a:schemeClr val="accent1">
-                  <a:lumMod val="5000"/>
-                  <a:lumOff val="95000"/>
-                </a:schemeClr>
-              </a:gs>
-              <a:gs pos="40000">
-                <a:schemeClr val="tx1">
-                  <a:lumMod val="95000"/>
-                </a:schemeClr>
-              </a:gs>
-              <a:gs pos="62000">
-                <a:schemeClr val="tx1">
-                  <a:lumMod val="95000"/>
-                </a:schemeClr>
-              </a:gs>
-              <a:gs pos="95000">
-                <a:schemeClr val="tx1">
-                  <a:lumMod val="85000"/>
-                </a:schemeClr>
-              </a:gs>
-            </a:gsLst>
-            <a:lin ang="5400000" scaled="1"/>
-          </a:gradFill>
-          <a:ln>
-            <a:noFill/>
-          </a:ln>
-        </p:spPr>
-        <p:style>
-          <a:lnRef idx="2">
-            <a:schemeClr val="accent1">
-              <a:shade val="50000"/>
-            </a:schemeClr>
-          </a:lnRef>
-          <a:fillRef idx="1">
-            <a:schemeClr val="accent1"/>
-          </a:fillRef>
-          <a:effectRef idx="0">
-            <a:schemeClr val="accent1"/>
-          </a:effectRef>
-          <a:fontRef idx="minor">
-            <a:schemeClr val="lt1"/>
-          </a:fontRef>
-        </p:style>
-        <p:txBody>
-          <a:bodyPr rtlCol="0" anchor="ctr"/>
-          <a:lstStyle/>
-          <a:p>
-            <a:pPr algn="ctr"/>
-            <a:endParaRPr kumimoji="1" lang="ja-JP" altLang="en-US"/>
-          </a:p>
-        </p:txBody>
-      </p:sp>
-      <p:sp>
-        <p:nvSpPr>
-          <p:cNvPr id="7" name="四角形: 1 つの角を切り取り 1 つの角を丸める 6">
-            <a:extLst>
-              <a:ext uri="{FF2B5EF4-FFF2-40B4-BE49-F238E27FC236}">
-                <a16:creationId xmlns:a16="http://schemas.microsoft.com/office/drawing/2014/main" id="{5C155BC5-22C7-4276-B0C6-32F9D9B08534}"/>
-              </a:ext>
-            </a:extLst>
-          </p:cNvPr>
-          <p:cNvSpPr/>
-          <p:nvPr/>
-        </p:nvSpPr>
-        <p:spPr>
-          <a:xfrm>
-            <a:off x="4225771" y="3526654"/>
-            <a:ext cx="2246050" cy="2246050"/>
-          </a:xfrm>
-          <a:prstGeom prst="snipRoundRect">
-            <a:avLst>
-              <a:gd name="adj1" fmla="val 50000"/>
-              <a:gd name="adj2" fmla="val 50000"/>
-            </a:avLst>
-          </a:prstGeom>
-          <a:gradFill>
-            <a:gsLst>
-              <a:gs pos="0">
-                <a:schemeClr val="accent1">
-                  <a:lumMod val="5000"/>
-                  <a:lumOff val="95000"/>
-                </a:schemeClr>
-              </a:gs>
-              <a:gs pos="40000">
-                <a:schemeClr val="tx1">
-                  <a:lumMod val="95000"/>
-                </a:schemeClr>
-              </a:gs>
-              <a:gs pos="62000">
-                <a:schemeClr val="tx1">
-                  <a:lumMod val="95000"/>
-                </a:schemeClr>
-              </a:gs>
-              <a:gs pos="95000">
-                <a:schemeClr val="tx1">
-                  <a:lumMod val="85000"/>
-                </a:schemeClr>
-              </a:gs>
-            </a:gsLst>
-            <a:lin ang="5400000" scaled="1"/>
-          </a:gradFill>
-          <a:ln>
-            <a:noFill/>
-          </a:ln>
-        </p:spPr>
-        <p:style>
-          <a:lnRef idx="2">
-            <a:schemeClr val="accent1">
-              <a:shade val="50000"/>
-            </a:schemeClr>
-          </a:lnRef>
-          <a:fillRef idx="1">
-            <a:schemeClr val="accent1"/>
-          </a:fillRef>
-          <a:effectRef idx="0">
-            <a:schemeClr val="accent1"/>
-          </a:effectRef>
-          <a:fontRef idx="minor">
-            <a:schemeClr val="lt1"/>
-          </a:fontRef>
-        </p:style>
-        <p:txBody>
-          <a:bodyPr rtlCol="0" anchor="ctr"/>
-          <a:lstStyle/>
-          <a:p>
-            <a:pPr algn="ctr"/>
-            <a:endParaRPr kumimoji="1" lang="ja-JP" altLang="en-US"/>
-          </a:p>
-        </p:txBody>
-      </p:sp>
-      <p:sp>
-        <p:nvSpPr>
-          <p:cNvPr id="8" name="四角形: 対角を切り取る 7">
-            <a:extLst>
-              <a:ext uri="{FF2B5EF4-FFF2-40B4-BE49-F238E27FC236}">
-                <a16:creationId xmlns:a16="http://schemas.microsoft.com/office/drawing/2014/main" id="{4F431F78-F624-42F4-93E3-DE06A8215993}"/>
-              </a:ext>
-            </a:extLst>
-          </p:cNvPr>
-          <p:cNvSpPr/>
-          <p:nvPr/>
-        </p:nvSpPr>
-        <p:spPr>
-          <a:xfrm rot="2700000">
-            <a:off x="8160059" y="3671085"/>
-            <a:ext cx="2343704" cy="2343704"/>
-          </a:xfrm>
-          <a:prstGeom prst="snip2DiagRect">
-            <a:avLst>
-              <a:gd name="adj1" fmla="val 50000"/>
-              <a:gd name="adj2" fmla="val 15267"/>
-            </a:avLst>
-          </a:prstGeom>
-          <a:gradFill>
-            <a:gsLst>
-              <a:gs pos="0">
-                <a:schemeClr val="accent1">
-                  <a:lumMod val="5000"/>
-                  <a:lumOff val="95000"/>
-                </a:schemeClr>
-              </a:gs>
-              <a:gs pos="40000">
-                <a:schemeClr val="tx1">
-                  <a:lumMod val="95000"/>
-                </a:schemeClr>
-              </a:gs>
-              <a:gs pos="62000">
-                <a:schemeClr val="tx1">
-                  <a:lumMod val="95000"/>
-                </a:schemeClr>
-              </a:gs>
-              <a:gs pos="95000">
-                <a:schemeClr val="tx1">
-                  <a:lumMod val="85000"/>
-                </a:schemeClr>
-              </a:gs>
-            </a:gsLst>
-            <a:lin ang="5400000" scaled="1"/>
-          </a:gradFill>
-          <a:ln>
-            <a:noFill/>
-          </a:ln>
-        </p:spPr>
-        <p:style>
-          <a:lnRef idx="2">
-            <a:schemeClr val="accent1">
-              <a:shade val="50000"/>
-            </a:schemeClr>
-          </a:lnRef>
-          <a:fillRef idx="1">
-            <a:schemeClr val="accent1"/>
-          </a:fillRef>
-          <a:effectRef idx="0">
-            <a:schemeClr val="accent1"/>
-          </a:effectRef>
-          <a:fontRef idx="minor">
-            <a:schemeClr val="lt1"/>
-          </a:fontRef>
-        </p:style>
-        <p:txBody>
-          <a:bodyPr rtlCol="0" anchor="ctr"/>
-          <a:lstStyle/>
-          <a:p>
-            <a:pPr algn="ctr"/>
-            <a:endParaRPr kumimoji="1" lang="ja-JP" altLang="en-US"/>
-          </a:p>
-        </p:txBody>
-      </p:sp>
-    </p:spTree>
-    <p:extLst>
-      <p:ext uri="{BB962C8B-B14F-4D97-AF65-F5344CB8AC3E}">
-        <p14:creationId xmlns:p14="http://schemas.microsoft.com/office/powerpoint/2010/main" val="2930997555"/>
       </p:ext>
     </p:extLst>
   </p:cSld>
@@ -28908,6 +29012,504 @@
 <file path=ppt/slides/slide40.xml><?xml version="1.0" encoding="utf-8"?>
 <p:sld xmlns:a="http://schemas.openxmlformats.org/drawingml/2006/main" xmlns:r="http://schemas.openxmlformats.org/officeDocument/2006/relationships" xmlns:p="http://schemas.openxmlformats.org/presentationml/2006/main">
   <p:cSld>
+    <p:spTree>
+      <p:nvGrpSpPr>
+        <p:cNvPr id="1" name=""/>
+        <p:cNvGrpSpPr/>
+        <p:nvPr/>
+      </p:nvGrpSpPr>
+      <p:grpSpPr>
+        <a:xfrm>
+          <a:off x="0" y="0"/>
+          <a:ext cx="0" cy="0"/>
+          <a:chOff x="0" y="0"/>
+          <a:chExt cx="0" cy="0"/>
+        </a:xfrm>
+      </p:grpSpPr>
+      <p:sp>
+        <p:nvSpPr>
+          <p:cNvPr id="2" name="四角形: 対角を切り取る 1">
+            <a:extLst>
+              <a:ext uri="{FF2B5EF4-FFF2-40B4-BE49-F238E27FC236}">
+                <a16:creationId xmlns:a16="http://schemas.microsoft.com/office/drawing/2014/main" id="{D0EC4782-6088-43D1-9027-55BBF7A57C9D}"/>
+              </a:ext>
+            </a:extLst>
+          </p:cNvPr>
+          <p:cNvSpPr/>
+          <p:nvPr/>
+        </p:nvSpPr>
+        <p:spPr>
+          <a:xfrm rot="2700000">
+            <a:off x="887767" y="221942"/>
+            <a:ext cx="2343704" cy="2343704"/>
+          </a:xfrm>
+          <a:prstGeom prst="snip2DiagRect">
+            <a:avLst>
+              <a:gd name="adj1" fmla="val 50000"/>
+              <a:gd name="adj2" fmla="val 0"/>
+            </a:avLst>
+          </a:prstGeom>
+          <a:gradFill>
+            <a:gsLst>
+              <a:gs pos="0">
+                <a:schemeClr val="accent1">
+                  <a:lumMod val="5000"/>
+                  <a:lumOff val="95000"/>
+                </a:schemeClr>
+              </a:gs>
+              <a:gs pos="40000">
+                <a:schemeClr val="tx1">
+                  <a:lumMod val="95000"/>
+                </a:schemeClr>
+              </a:gs>
+              <a:gs pos="62000">
+                <a:schemeClr val="tx1">
+                  <a:lumMod val="95000"/>
+                </a:schemeClr>
+              </a:gs>
+              <a:gs pos="95000">
+                <a:schemeClr val="tx1">
+                  <a:lumMod val="85000"/>
+                </a:schemeClr>
+              </a:gs>
+            </a:gsLst>
+            <a:lin ang="5400000" scaled="1"/>
+          </a:gradFill>
+          <a:ln>
+            <a:noFill/>
+          </a:ln>
+        </p:spPr>
+        <p:style>
+          <a:lnRef idx="2">
+            <a:schemeClr val="accent1">
+              <a:shade val="50000"/>
+            </a:schemeClr>
+          </a:lnRef>
+          <a:fillRef idx="1">
+            <a:schemeClr val="accent1"/>
+          </a:fillRef>
+          <a:effectRef idx="0">
+            <a:schemeClr val="accent1"/>
+          </a:effectRef>
+          <a:fontRef idx="minor">
+            <a:schemeClr val="lt1"/>
+          </a:fontRef>
+        </p:style>
+        <p:txBody>
+          <a:bodyPr rtlCol="0" anchor="ctr"/>
+          <a:lstStyle/>
+          <a:p>
+            <a:pPr algn="ctr"/>
+            <a:endParaRPr kumimoji="1" lang="ja-JP" altLang="en-US"/>
+          </a:p>
+        </p:txBody>
+      </p:sp>
+      <p:sp>
+        <p:nvSpPr>
+          <p:cNvPr id="3" name="四角形: 対角を切り取る 2">
+            <a:extLst>
+              <a:ext uri="{FF2B5EF4-FFF2-40B4-BE49-F238E27FC236}">
+                <a16:creationId xmlns:a16="http://schemas.microsoft.com/office/drawing/2014/main" id="{CA40D7AB-4CDE-46C8-A582-14DF60BDCF80}"/>
+              </a:ext>
+            </a:extLst>
+          </p:cNvPr>
+          <p:cNvSpPr/>
+          <p:nvPr/>
+        </p:nvSpPr>
+        <p:spPr>
+          <a:xfrm>
+            <a:off x="4287915" y="221942"/>
+            <a:ext cx="2343704" cy="2343704"/>
+          </a:xfrm>
+          <a:prstGeom prst="snip2DiagRect">
+            <a:avLst>
+              <a:gd name="adj1" fmla="val 50000"/>
+              <a:gd name="adj2" fmla="val 50000"/>
+            </a:avLst>
+          </a:prstGeom>
+          <a:gradFill>
+            <a:gsLst>
+              <a:gs pos="0">
+                <a:schemeClr val="accent1">
+                  <a:lumMod val="5000"/>
+                  <a:lumOff val="95000"/>
+                </a:schemeClr>
+              </a:gs>
+              <a:gs pos="40000">
+                <a:schemeClr val="tx1">
+                  <a:lumMod val="95000"/>
+                </a:schemeClr>
+              </a:gs>
+              <a:gs pos="62000">
+                <a:schemeClr val="tx1">
+                  <a:lumMod val="95000"/>
+                </a:schemeClr>
+              </a:gs>
+              <a:gs pos="95000">
+                <a:schemeClr val="tx1">
+                  <a:lumMod val="85000"/>
+                </a:schemeClr>
+              </a:gs>
+            </a:gsLst>
+            <a:lin ang="5400000" scaled="1"/>
+          </a:gradFill>
+          <a:ln>
+            <a:noFill/>
+          </a:ln>
+        </p:spPr>
+        <p:style>
+          <a:lnRef idx="2">
+            <a:schemeClr val="accent1">
+              <a:shade val="50000"/>
+            </a:schemeClr>
+          </a:lnRef>
+          <a:fillRef idx="1">
+            <a:schemeClr val="accent1"/>
+          </a:fillRef>
+          <a:effectRef idx="0">
+            <a:schemeClr val="accent1"/>
+          </a:effectRef>
+          <a:fontRef idx="minor">
+            <a:schemeClr val="lt1"/>
+          </a:fontRef>
+        </p:style>
+        <p:txBody>
+          <a:bodyPr rtlCol="0" anchor="ctr"/>
+          <a:lstStyle/>
+          <a:p>
+            <a:pPr algn="ctr"/>
+            <a:endParaRPr kumimoji="1" lang="ja-JP" altLang="en-US"/>
+          </a:p>
+        </p:txBody>
+      </p:sp>
+      <p:sp>
+        <p:nvSpPr>
+          <p:cNvPr id="5" name="四角形: 対角を切り取る 4">
+            <a:extLst>
+              <a:ext uri="{FF2B5EF4-FFF2-40B4-BE49-F238E27FC236}">
+                <a16:creationId xmlns:a16="http://schemas.microsoft.com/office/drawing/2014/main" id="{6DBA6DFB-5D54-46D7-B3C8-C1C6B47E4765}"/>
+              </a:ext>
+            </a:extLst>
+          </p:cNvPr>
+          <p:cNvSpPr/>
+          <p:nvPr/>
+        </p:nvSpPr>
+        <p:spPr>
+          <a:xfrm rot="2700000">
+            <a:off x="8257712" y="356586"/>
+            <a:ext cx="2343704" cy="2343704"/>
+          </a:xfrm>
+          <a:prstGeom prst="snip2DiagRect">
+            <a:avLst>
+              <a:gd name="adj1" fmla="val 35227"/>
+              <a:gd name="adj2" fmla="val 20455"/>
+            </a:avLst>
+          </a:prstGeom>
+          <a:gradFill>
+            <a:gsLst>
+              <a:gs pos="0">
+                <a:schemeClr val="accent1">
+                  <a:lumMod val="5000"/>
+                  <a:lumOff val="95000"/>
+                </a:schemeClr>
+              </a:gs>
+              <a:gs pos="40000">
+                <a:schemeClr val="tx1">
+                  <a:lumMod val="95000"/>
+                </a:schemeClr>
+              </a:gs>
+              <a:gs pos="62000">
+                <a:schemeClr val="tx1">
+                  <a:lumMod val="95000"/>
+                </a:schemeClr>
+              </a:gs>
+              <a:gs pos="95000">
+                <a:schemeClr val="tx1">
+                  <a:lumMod val="85000"/>
+                </a:schemeClr>
+              </a:gs>
+            </a:gsLst>
+            <a:lin ang="5400000" scaled="1"/>
+          </a:gradFill>
+          <a:ln>
+            <a:noFill/>
+          </a:ln>
+        </p:spPr>
+        <p:style>
+          <a:lnRef idx="2">
+            <a:schemeClr val="accent1">
+              <a:shade val="50000"/>
+            </a:schemeClr>
+          </a:lnRef>
+          <a:fillRef idx="1">
+            <a:schemeClr val="accent1"/>
+          </a:fillRef>
+          <a:effectRef idx="0">
+            <a:schemeClr val="accent1"/>
+          </a:effectRef>
+          <a:fontRef idx="minor">
+            <a:schemeClr val="lt1"/>
+          </a:fontRef>
+        </p:style>
+        <p:txBody>
+          <a:bodyPr rtlCol="0" anchor="ctr"/>
+          <a:lstStyle/>
+          <a:p>
+            <a:pPr algn="ctr"/>
+            <a:endParaRPr kumimoji="1" lang="ja-JP" altLang="en-US"/>
+          </a:p>
+        </p:txBody>
+      </p:sp>
+      <p:sp>
+        <p:nvSpPr>
+          <p:cNvPr id="6" name="四角形: 対角を丸める 5">
+            <a:extLst>
+              <a:ext uri="{FF2B5EF4-FFF2-40B4-BE49-F238E27FC236}">
+                <a16:creationId xmlns:a16="http://schemas.microsoft.com/office/drawing/2014/main" id="{4D518B83-1656-4426-87BB-CA9B0BFCDDD9}"/>
+              </a:ext>
+            </a:extLst>
+          </p:cNvPr>
+          <p:cNvSpPr/>
+          <p:nvPr/>
+        </p:nvSpPr>
+        <p:spPr>
+          <a:xfrm>
+            <a:off x="772357" y="3429000"/>
+            <a:ext cx="2441359" cy="2441359"/>
+          </a:xfrm>
+          <a:prstGeom prst="round2DiagRect">
+            <a:avLst>
+              <a:gd name="adj1" fmla="val 40909"/>
+              <a:gd name="adj2" fmla="val 39272"/>
+            </a:avLst>
+          </a:prstGeom>
+          <a:gradFill>
+            <a:gsLst>
+              <a:gs pos="0">
+                <a:schemeClr val="accent1">
+                  <a:lumMod val="5000"/>
+                  <a:lumOff val="95000"/>
+                </a:schemeClr>
+              </a:gs>
+              <a:gs pos="40000">
+                <a:schemeClr val="tx1">
+                  <a:lumMod val="95000"/>
+                </a:schemeClr>
+              </a:gs>
+              <a:gs pos="62000">
+                <a:schemeClr val="tx1">
+                  <a:lumMod val="95000"/>
+                </a:schemeClr>
+              </a:gs>
+              <a:gs pos="95000">
+                <a:schemeClr val="tx1">
+                  <a:lumMod val="85000"/>
+                </a:schemeClr>
+              </a:gs>
+            </a:gsLst>
+            <a:lin ang="5400000" scaled="1"/>
+          </a:gradFill>
+          <a:ln>
+            <a:noFill/>
+          </a:ln>
+        </p:spPr>
+        <p:style>
+          <a:lnRef idx="2">
+            <a:schemeClr val="accent1">
+              <a:shade val="50000"/>
+            </a:schemeClr>
+          </a:lnRef>
+          <a:fillRef idx="1">
+            <a:schemeClr val="accent1"/>
+          </a:fillRef>
+          <a:effectRef idx="0">
+            <a:schemeClr val="accent1"/>
+          </a:effectRef>
+          <a:fontRef idx="minor">
+            <a:schemeClr val="lt1"/>
+          </a:fontRef>
+        </p:style>
+        <p:txBody>
+          <a:bodyPr rtlCol="0" anchor="ctr"/>
+          <a:lstStyle/>
+          <a:p>
+            <a:pPr algn="ctr"/>
+            <a:endParaRPr kumimoji="1" lang="ja-JP" altLang="en-US"/>
+          </a:p>
+        </p:txBody>
+      </p:sp>
+      <p:sp>
+        <p:nvSpPr>
+          <p:cNvPr id="7" name="四角形: 1 つの角を切り取り 1 つの角を丸める 6">
+            <a:extLst>
+              <a:ext uri="{FF2B5EF4-FFF2-40B4-BE49-F238E27FC236}">
+                <a16:creationId xmlns:a16="http://schemas.microsoft.com/office/drawing/2014/main" id="{5C155BC5-22C7-4276-B0C6-32F9D9B08534}"/>
+              </a:ext>
+            </a:extLst>
+          </p:cNvPr>
+          <p:cNvSpPr/>
+          <p:nvPr/>
+        </p:nvSpPr>
+        <p:spPr>
+          <a:xfrm>
+            <a:off x="4225771" y="3526654"/>
+            <a:ext cx="2246050" cy="2246050"/>
+          </a:xfrm>
+          <a:prstGeom prst="snipRoundRect">
+            <a:avLst>
+              <a:gd name="adj1" fmla="val 50000"/>
+              <a:gd name="adj2" fmla="val 50000"/>
+            </a:avLst>
+          </a:prstGeom>
+          <a:gradFill>
+            <a:gsLst>
+              <a:gs pos="0">
+                <a:schemeClr val="accent1">
+                  <a:lumMod val="5000"/>
+                  <a:lumOff val="95000"/>
+                </a:schemeClr>
+              </a:gs>
+              <a:gs pos="40000">
+                <a:schemeClr val="tx1">
+                  <a:lumMod val="95000"/>
+                </a:schemeClr>
+              </a:gs>
+              <a:gs pos="62000">
+                <a:schemeClr val="tx1">
+                  <a:lumMod val="95000"/>
+                </a:schemeClr>
+              </a:gs>
+              <a:gs pos="95000">
+                <a:schemeClr val="tx1">
+                  <a:lumMod val="85000"/>
+                </a:schemeClr>
+              </a:gs>
+            </a:gsLst>
+            <a:lin ang="5400000" scaled="1"/>
+          </a:gradFill>
+          <a:ln>
+            <a:noFill/>
+          </a:ln>
+        </p:spPr>
+        <p:style>
+          <a:lnRef idx="2">
+            <a:schemeClr val="accent1">
+              <a:shade val="50000"/>
+            </a:schemeClr>
+          </a:lnRef>
+          <a:fillRef idx="1">
+            <a:schemeClr val="accent1"/>
+          </a:fillRef>
+          <a:effectRef idx="0">
+            <a:schemeClr val="accent1"/>
+          </a:effectRef>
+          <a:fontRef idx="minor">
+            <a:schemeClr val="lt1"/>
+          </a:fontRef>
+        </p:style>
+        <p:txBody>
+          <a:bodyPr rtlCol="0" anchor="ctr"/>
+          <a:lstStyle/>
+          <a:p>
+            <a:pPr algn="ctr"/>
+            <a:endParaRPr kumimoji="1" lang="ja-JP" altLang="en-US"/>
+          </a:p>
+        </p:txBody>
+      </p:sp>
+      <p:sp>
+        <p:nvSpPr>
+          <p:cNvPr id="8" name="四角形: 対角を切り取る 7">
+            <a:extLst>
+              <a:ext uri="{FF2B5EF4-FFF2-40B4-BE49-F238E27FC236}">
+                <a16:creationId xmlns:a16="http://schemas.microsoft.com/office/drawing/2014/main" id="{4F431F78-F624-42F4-93E3-DE06A8215993}"/>
+              </a:ext>
+            </a:extLst>
+          </p:cNvPr>
+          <p:cNvSpPr/>
+          <p:nvPr/>
+        </p:nvSpPr>
+        <p:spPr>
+          <a:xfrm rot="2700000">
+            <a:off x="8160059" y="3671085"/>
+            <a:ext cx="2343704" cy="2343704"/>
+          </a:xfrm>
+          <a:prstGeom prst="snip2DiagRect">
+            <a:avLst>
+              <a:gd name="adj1" fmla="val 50000"/>
+              <a:gd name="adj2" fmla="val 15267"/>
+            </a:avLst>
+          </a:prstGeom>
+          <a:gradFill>
+            <a:gsLst>
+              <a:gs pos="0">
+                <a:schemeClr val="accent1">
+                  <a:lumMod val="5000"/>
+                  <a:lumOff val="95000"/>
+                </a:schemeClr>
+              </a:gs>
+              <a:gs pos="40000">
+                <a:schemeClr val="tx1">
+                  <a:lumMod val="95000"/>
+                </a:schemeClr>
+              </a:gs>
+              <a:gs pos="62000">
+                <a:schemeClr val="tx1">
+                  <a:lumMod val="95000"/>
+                </a:schemeClr>
+              </a:gs>
+              <a:gs pos="95000">
+                <a:schemeClr val="tx1">
+                  <a:lumMod val="85000"/>
+                </a:schemeClr>
+              </a:gs>
+            </a:gsLst>
+            <a:lin ang="5400000" scaled="1"/>
+          </a:gradFill>
+          <a:ln>
+            <a:noFill/>
+          </a:ln>
+        </p:spPr>
+        <p:style>
+          <a:lnRef idx="2">
+            <a:schemeClr val="accent1">
+              <a:shade val="50000"/>
+            </a:schemeClr>
+          </a:lnRef>
+          <a:fillRef idx="1">
+            <a:schemeClr val="accent1"/>
+          </a:fillRef>
+          <a:effectRef idx="0">
+            <a:schemeClr val="accent1"/>
+          </a:effectRef>
+          <a:fontRef idx="minor">
+            <a:schemeClr val="lt1"/>
+          </a:fontRef>
+        </p:style>
+        <p:txBody>
+          <a:bodyPr rtlCol="0" anchor="ctr"/>
+          <a:lstStyle/>
+          <a:p>
+            <a:pPr algn="ctr"/>
+            <a:endParaRPr kumimoji="1" lang="ja-JP" altLang="en-US"/>
+          </a:p>
+        </p:txBody>
+      </p:sp>
+    </p:spTree>
+    <p:extLst>
+      <p:ext uri="{BB962C8B-B14F-4D97-AF65-F5344CB8AC3E}">
+        <p14:creationId xmlns:p14="http://schemas.microsoft.com/office/powerpoint/2010/main" val="2930997555"/>
+      </p:ext>
+    </p:extLst>
+  </p:cSld>
+  <p:clrMapOvr>
+    <a:masterClrMapping/>
+  </p:clrMapOvr>
+</p:sld>
+</file>
+
+<file path=ppt/slides/slide41.xml><?xml version="1.0" encoding="utf-8"?>
+<p:sld xmlns:a="http://schemas.openxmlformats.org/drawingml/2006/main" xmlns:r="http://schemas.openxmlformats.org/officeDocument/2006/relationships" xmlns:p="http://schemas.openxmlformats.org/presentationml/2006/main">
+  <p:cSld>
     <p:bg>
       <p:bgPr>
         <a:solidFill>
@@ -29464,7 +30066,7 @@
 </p:sld>
 </file>
 
-<file path=ppt/slides/slide41.xml><?xml version="1.0" encoding="utf-8"?>
+<file path=ppt/slides/slide42.xml><?xml version="1.0" encoding="utf-8"?>
 <p:sld xmlns:a="http://schemas.openxmlformats.org/drawingml/2006/main" xmlns:r="http://schemas.openxmlformats.org/officeDocument/2006/relationships" xmlns:p="http://schemas.openxmlformats.org/presentationml/2006/main">
   <p:cSld>
     <p:spTree>
@@ -29592,7 +30194,7 @@
 </p:sld>
 </file>
 
-<file path=ppt/slides/slide42.xml><?xml version="1.0" encoding="utf-8"?>
+<file path=ppt/slides/slide43.xml><?xml version="1.0" encoding="utf-8"?>
 <p:sld xmlns:a="http://schemas.openxmlformats.org/drawingml/2006/main" xmlns:r="http://schemas.openxmlformats.org/officeDocument/2006/relationships" xmlns:p="http://schemas.openxmlformats.org/presentationml/2006/main">
   <p:cSld>
     <p:spTree>
@@ -29836,7 +30438,7 @@
 </p:sld>
 </file>
 
-<file path=ppt/slides/slide43.xml><?xml version="1.0" encoding="utf-8"?>
+<file path=ppt/slides/slide44.xml><?xml version="1.0" encoding="utf-8"?>
 <p:sld xmlns:a="http://schemas.openxmlformats.org/drawingml/2006/main" xmlns:r="http://schemas.openxmlformats.org/officeDocument/2006/relationships" xmlns:p="http://schemas.openxmlformats.org/presentationml/2006/main">
   <p:cSld>
     <p:bg>
@@ -30299,7 +30901,7 @@
 </p:sld>
 </file>
 
-<file path=ppt/slides/slide44.xml><?xml version="1.0" encoding="utf-8"?>
+<file path=ppt/slides/slide45.xml><?xml version="1.0" encoding="utf-8"?>
 <p:sld xmlns:a="http://schemas.openxmlformats.org/drawingml/2006/main" xmlns:r="http://schemas.openxmlformats.org/officeDocument/2006/relationships" xmlns:p="http://schemas.openxmlformats.org/presentationml/2006/main">
   <p:cSld>
     <p:spTree>
@@ -30544,7 +31146,7 @@
 </p:sld>
 </file>
 
-<file path=ppt/slides/slide45.xml><?xml version="1.0" encoding="utf-8"?>
+<file path=ppt/slides/slide46.xml><?xml version="1.0" encoding="utf-8"?>
 <p:sld xmlns:a="http://schemas.openxmlformats.org/drawingml/2006/main" xmlns:r="http://schemas.openxmlformats.org/officeDocument/2006/relationships" xmlns:p="http://schemas.openxmlformats.org/presentationml/2006/main">
   <p:cSld>
     <p:spTree>
@@ -31179,7 +31781,7 @@
 </p:sld>
 </file>
 
-<file path=ppt/slides/slide46.xml><?xml version="1.0" encoding="utf-8"?>
+<file path=ppt/slides/slide47.xml><?xml version="1.0" encoding="utf-8"?>
 <p:sld xmlns:a="http://schemas.openxmlformats.org/drawingml/2006/main" xmlns:r="http://schemas.openxmlformats.org/officeDocument/2006/relationships" xmlns:p="http://schemas.openxmlformats.org/presentationml/2006/main">
   <p:cSld>
     <p:spTree>
@@ -31277,7 +31879,7 @@
 </p:sld>
 </file>
 
-<file path=ppt/slides/slide47.xml><?xml version="1.0" encoding="utf-8"?>
+<file path=ppt/slides/slide48.xml><?xml version="1.0" encoding="utf-8"?>
 <p:sld xmlns:a="http://schemas.openxmlformats.org/drawingml/2006/main" xmlns:r="http://schemas.openxmlformats.org/officeDocument/2006/relationships" xmlns:p="http://schemas.openxmlformats.org/presentationml/2006/main">
   <p:cSld>
     <p:spTree>
@@ -31457,7 +32059,7 @@
 </p:sld>
 </file>
 
-<file path=ppt/slides/slide48.xml><?xml version="1.0" encoding="utf-8"?>
+<file path=ppt/slides/slide49.xml><?xml version="1.0" encoding="utf-8"?>
 <p:sld xmlns:a="http://schemas.openxmlformats.org/drawingml/2006/main" xmlns:r="http://schemas.openxmlformats.org/officeDocument/2006/relationships" xmlns:p="http://schemas.openxmlformats.org/presentationml/2006/main">
   <p:cSld>
     <p:bg>
@@ -31842,7 +32444,308 @@
 </p:sld>
 </file>
 
-<file path=ppt/slides/slide49.xml><?xml version="1.0" encoding="utf-8"?>
+<file path=ppt/slides/slide5.xml><?xml version="1.0" encoding="utf-8"?>
+<p:sld xmlns:a="http://schemas.openxmlformats.org/drawingml/2006/main" xmlns:r="http://schemas.openxmlformats.org/officeDocument/2006/relationships" xmlns:p="http://schemas.openxmlformats.org/presentationml/2006/main">
+  <p:cSld>
+    <p:bg>
+      <p:bgPr>
+        <a:solidFill>
+          <a:schemeClr val="bg1"/>
+        </a:solidFill>
+        <a:effectLst/>
+      </p:bgPr>
+    </p:bg>
+    <p:spTree>
+      <p:nvGrpSpPr>
+        <p:cNvPr id="1" name=""/>
+        <p:cNvGrpSpPr/>
+        <p:nvPr/>
+      </p:nvGrpSpPr>
+      <p:grpSpPr>
+        <a:xfrm>
+          <a:off x="0" y="0"/>
+          <a:ext cx="0" cy="0"/>
+          <a:chOff x="0" y="0"/>
+          <a:chExt cx="0" cy="0"/>
+        </a:xfrm>
+      </p:grpSpPr>
+      <p:sp>
+        <p:nvSpPr>
+          <p:cNvPr id="2" name="正方形/長方形 1">
+            <a:extLst>
+              <a:ext uri="{FF2B5EF4-FFF2-40B4-BE49-F238E27FC236}">
+                <a16:creationId xmlns:a16="http://schemas.microsoft.com/office/drawing/2014/main" id="{4B1C241A-2084-45EF-8123-CD20D19CB66D}"/>
+              </a:ext>
+            </a:extLst>
+          </p:cNvPr>
+          <p:cNvSpPr/>
+          <p:nvPr/>
+        </p:nvSpPr>
+        <p:spPr>
+          <a:xfrm>
+            <a:off x="757561" y="229470"/>
+            <a:ext cx="6096000" cy="646331"/>
+          </a:xfrm>
+          <a:prstGeom prst="rect">
+            <a:avLst/>
+          </a:prstGeom>
+        </p:spPr>
+        <p:txBody>
+          <a:bodyPr>
+            <a:spAutoFit/>
+          </a:bodyPr>
+          <a:lstStyle/>
+          <a:p>
+            <a:br>
+              <a:rPr lang="en-US" altLang="ja-JP" dirty="0">
+                <a:solidFill>
+                  <a:srgbClr val="FF0000"/>
+                </a:solidFill>
+              </a:rPr>
+            </a:br>
+            <a:r>
+              <a:rPr lang="en-US" altLang="ja-JP" dirty="0">
+                <a:solidFill>
+                  <a:srgbClr val="FF0000"/>
+                </a:solidFill>
+                <a:latin typeface="arial" panose="020B0604020202020204" pitchFamily="34" charset="0"/>
+              </a:rPr>
+              <a:t>Arbeit</a:t>
+            </a:r>
+            <a:endParaRPr lang="ja-JP" altLang="en-US" dirty="0">
+              <a:solidFill>
+                <a:srgbClr val="FF0000"/>
+              </a:solidFill>
+            </a:endParaRPr>
+          </a:p>
+        </p:txBody>
+      </p:sp>
+      <p:sp>
+        <p:nvSpPr>
+          <p:cNvPr id="9" name="平行四辺形 8">
+            <a:extLst>
+              <a:ext uri="{FF2B5EF4-FFF2-40B4-BE49-F238E27FC236}">
+                <a16:creationId xmlns:a16="http://schemas.microsoft.com/office/drawing/2014/main" id="{AAB629A7-13D7-4122-BFA3-6A48EE21E4E4}"/>
+              </a:ext>
+            </a:extLst>
+          </p:cNvPr>
+          <p:cNvSpPr/>
+          <p:nvPr/>
+        </p:nvSpPr>
+        <p:spPr>
+          <a:xfrm>
+            <a:off x="2281315" y="2286000"/>
+            <a:ext cx="9910683" cy="2286000"/>
+          </a:xfrm>
+          <a:prstGeom prst="parallelogram">
+            <a:avLst>
+              <a:gd name="adj" fmla="val 99320"/>
+            </a:avLst>
+          </a:prstGeom>
+          <a:solidFill>
+            <a:schemeClr val="lt1"/>
+          </a:solidFill>
+          <a:ln>
+            <a:noFill/>
+          </a:ln>
+        </p:spPr>
+        <p:style>
+          <a:lnRef idx="2">
+            <a:schemeClr val="accent1">
+              <a:shade val="50000"/>
+            </a:schemeClr>
+          </a:lnRef>
+          <a:fillRef idx="1">
+            <a:schemeClr val="accent1"/>
+          </a:fillRef>
+          <a:effectRef idx="0">
+            <a:schemeClr val="accent1"/>
+          </a:effectRef>
+          <a:fontRef idx="minor">
+            <a:schemeClr val="lt1"/>
+          </a:fontRef>
+        </p:style>
+        <p:txBody>
+          <a:bodyPr rtlCol="0" anchor="ctr"/>
+          <a:lstStyle/>
+          <a:p>
+            <a:pPr algn="ctr"/>
+            <a:endParaRPr kumimoji="1" lang="ja-JP" altLang="en-US"/>
+          </a:p>
+        </p:txBody>
+      </p:sp>
+      <p:sp>
+        <p:nvSpPr>
+          <p:cNvPr id="8" name="正方形/長方形 7">
+            <a:extLst>
+              <a:ext uri="{FF2B5EF4-FFF2-40B4-BE49-F238E27FC236}">
+                <a16:creationId xmlns:a16="http://schemas.microsoft.com/office/drawing/2014/main" id="{79DDED25-7D51-4F41-AB7E-3ED58A24629A}"/>
+              </a:ext>
+            </a:extLst>
+          </p:cNvPr>
+          <p:cNvSpPr/>
+          <p:nvPr/>
+        </p:nvSpPr>
+        <p:spPr>
+          <a:xfrm flipH="1">
+            <a:off x="6853560" y="0"/>
+            <a:ext cx="5338438" cy="2286000"/>
+          </a:xfrm>
+          <a:prstGeom prst="rect">
+            <a:avLst/>
+          </a:prstGeom>
+          <a:solidFill>
+            <a:schemeClr val="tx1"/>
+          </a:solidFill>
+          <a:ln>
+            <a:noFill/>
+          </a:ln>
+        </p:spPr>
+        <p:style>
+          <a:lnRef idx="2">
+            <a:schemeClr val="accent1">
+              <a:shade val="50000"/>
+            </a:schemeClr>
+          </a:lnRef>
+          <a:fillRef idx="1">
+            <a:schemeClr val="accent1"/>
+          </a:fillRef>
+          <a:effectRef idx="0">
+            <a:schemeClr val="accent1"/>
+          </a:effectRef>
+          <a:fontRef idx="minor">
+            <a:schemeClr val="lt1"/>
+          </a:fontRef>
+        </p:style>
+        <p:txBody>
+          <a:bodyPr rtlCol="0" anchor="ctr"/>
+          <a:lstStyle/>
+          <a:p>
+            <a:pPr algn="ctr"/>
+            <a:endParaRPr kumimoji="1" lang="ja-JP" altLang="en-US"/>
+          </a:p>
+        </p:txBody>
+      </p:sp>
+      <p:sp>
+        <p:nvSpPr>
+          <p:cNvPr id="7" name="直角三角形 6">
+            <a:extLst>
+              <a:ext uri="{FF2B5EF4-FFF2-40B4-BE49-F238E27FC236}">
+                <a16:creationId xmlns:a16="http://schemas.microsoft.com/office/drawing/2014/main" id="{E21BAC9A-31DC-46CE-8B66-6CA21B4D7BFC}"/>
+              </a:ext>
+            </a:extLst>
+          </p:cNvPr>
+          <p:cNvSpPr/>
+          <p:nvPr/>
+        </p:nvSpPr>
+        <p:spPr>
+          <a:xfrm flipH="1">
+            <a:off x="4548849" y="1"/>
+            <a:ext cx="2304711" cy="2286000"/>
+          </a:xfrm>
+          <a:prstGeom prst="rtTriangle">
+            <a:avLst/>
+          </a:prstGeom>
+          <a:solidFill>
+            <a:schemeClr val="tx1"/>
+          </a:solidFill>
+          <a:ln>
+            <a:noFill/>
+          </a:ln>
+        </p:spPr>
+        <p:style>
+          <a:lnRef idx="2">
+            <a:schemeClr val="accent1">
+              <a:shade val="50000"/>
+            </a:schemeClr>
+          </a:lnRef>
+          <a:fillRef idx="1">
+            <a:schemeClr val="accent1"/>
+          </a:fillRef>
+          <a:effectRef idx="0">
+            <a:schemeClr val="accent1"/>
+          </a:effectRef>
+          <a:fontRef idx="minor">
+            <a:schemeClr val="lt1"/>
+          </a:fontRef>
+        </p:style>
+        <p:txBody>
+          <a:bodyPr rtlCol="0" anchor="ctr"/>
+          <a:lstStyle/>
+          <a:p>
+            <a:pPr algn="ctr"/>
+            <a:endParaRPr kumimoji="1" lang="ja-JP" altLang="en-US"/>
+          </a:p>
+        </p:txBody>
+      </p:sp>
+      <p:sp>
+        <p:nvSpPr>
+          <p:cNvPr id="10" name="平行四辺形 9">
+            <a:extLst>
+              <a:ext uri="{FF2B5EF4-FFF2-40B4-BE49-F238E27FC236}">
+                <a16:creationId xmlns:a16="http://schemas.microsoft.com/office/drawing/2014/main" id="{A03720F5-9ACC-40EF-899B-13D2D5F910DF}"/>
+              </a:ext>
+            </a:extLst>
+          </p:cNvPr>
+          <p:cNvSpPr/>
+          <p:nvPr/>
+        </p:nvSpPr>
+        <p:spPr>
+          <a:xfrm>
+            <a:off x="0" y="4572000"/>
+            <a:ext cx="9910683" cy="2286000"/>
+          </a:xfrm>
+          <a:prstGeom prst="parallelogram">
+            <a:avLst>
+              <a:gd name="adj" fmla="val 99320"/>
+            </a:avLst>
+          </a:prstGeom>
+          <a:solidFill>
+            <a:schemeClr val="lt1"/>
+          </a:solidFill>
+          <a:ln>
+            <a:noFill/>
+          </a:ln>
+        </p:spPr>
+        <p:style>
+          <a:lnRef idx="2">
+            <a:schemeClr val="accent1">
+              <a:shade val="50000"/>
+            </a:schemeClr>
+          </a:lnRef>
+          <a:fillRef idx="1">
+            <a:schemeClr val="accent1"/>
+          </a:fillRef>
+          <a:effectRef idx="0">
+            <a:schemeClr val="accent1"/>
+          </a:effectRef>
+          <a:fontRef idx="minor">
+            <a:schemeClr val="lt1"/>
+          </a:fontRef>
+        </p:style>
+        <p:txBody>
+          <a:bodyPr rtlCol="0" anchor="ctr"/>
+          <a:lstStyle/>
+          <a:p>
+            <a:pPr algn="ctr"/>
+            <a:endParaRPr kumimoji="1" lang="ja-JP" altLang="en-US"/>
+          </a:p>
+        </p:txBody>
+      </p:sp>
+    </p:spTree>
+    <p:extLst>
+      <p:ext uri="{BB962C8B-B14F-4D97-AF65-F5344CB8AC3E}">
+        <p14:creationId xmlns:p14="http://schemas.microsoft.com/office/powerpoint/2010/main" val="1915476024"/>
+      </p:ext>
+    </p:extLst>
+  </p:cSld>
+  <p:clrMapOvr>
+    <a:masterClrMapping/>
+  </p:clrMapOvr>
+</p:sld>
+</file>
+
+<file path=ppt/slides/slide50.xml><?xml version="1.0" encoding="utf-8"?>
 <p:sld xmlns:a="http://schemas.openxmlformats.org/drawingml/2006/main" xmlns:r="http://schemas.openxmlformats.org/officeDocument/2006/relationships" xmlns:p="http://schemas.openxmlformats.org/presentationml/2006/main">
   <p:cSld>
     <p:bg>
@@ -32581,308 +33484,7 @@
 </p:sld>
 </file>
 
-<file path=ppt/slides/slide5.xml><?xml version="1.0" encoding="utf-8"?>
-<p:sld xmlns:a="http://schemas.openxmlformats.org/drawingml/2006/main" xmlns:r="http://schemas.openxmlformats.org/officeDocument/2006/relationships" xmlns:p="http://schemas.openxmlformats.org/presentationml/2006/main">
-  <p:cSld>
-    <p:bg>
-      <p:bgPr>
-        <a:solidFill>
-          <a:schemeClr val="bg1"/>
-        </a:solidFill>
-        <a:effectLst/>
-      </p:bgPr>
-    </p:bg>
-    <p:spTree>
-      <p:nvGrpSpPr>
-        <p:cNvPr id="1" name=""/>
-        <p:cNvGrpSpPr/>
-        <p:nvPr/>
-      </p:nvGrpSpPr>
-      <p:grpSpPr>
-        <a:xfrm>
-          <a:off x="0" y="0"/>
-          <a:ext cx="0" cy="0"/>
-          <a:chOff x="0" y="0"/>
-          <a:chExt cx="0" cy="0"/>
-        </a:xfrm>
-      </p:grpSpPr>
-      <p:sp>
-        <p:nvSpPr>
-          <p:cNvPr id="2" name="正方形/長方形 1">
-            <a:extLst>
-              <a:ext uri="{FF2B5EF4-FFF2-40B4-BE49-F238E27FC236}">
-                <a16:creationId xmlns:a16="http://schemas.microsoft.com/office/drawing/2014/main" id="{4B1C241A-2084-45EF-8123-CD20D19CB66D}"/>
-              </a:ext>
-            </a:extLst>
-          </p:cNvPr>
-          <p:cNvSpPr/>
-          <p:nvPr/>
-        </p:nvSpPr>
-        <p:spPr>
-          <a:xfrm>
-            <a:off x="757561" y="229470"/>
-            <a:ext cx="6096000" cy="646331"/>
-          </a:xfrm>
-          <a:prstGeom prst="rect">
-            <a:avLst/>
-          </a:prstGeom>
-        </p:spPr>
-        <p:txBody>
-          <a:bodyPr>
-            <a:spAutoFit/>
-          </a:bodyPr>
-          <a:lstStyle/>
-          <a:p>
-            <a:br>
-              <a:rPr lang="en-US" altLang="ja-JP" dirty="0">
-                <a:solidFill>
-                  <a:srgbClr val="FF0000"/>
-                </a:solidFill>
-              </a:rPr>
-            </a:br>
-            <a:r>
-              <a:rPr lang="en-US" altLang="ja-JP" dirty="0">
-                <a:solidFill>
-                  <a:srgbClr val="FF0000"/>
-                </a:solidFill>
-                <a:latin typeface="arial" panose="020B0604020202020204" pitchFamily="34" charset="0"/>
-              </a:rPr>
-              <a:t>Arbeit</a:t>
-            </a:r>
-            <a:endParaRPr lang="ja-JP" altLang="en-US" dirty="0">
-              <a:solidFill>
-                <a:srgbClr val="FF0000"/>
-              </a:solidFill>
-            </a:endParaRPr>
-          </a:p>
-        </p:txBody>
-      </p:sp>
-      <p:sp>
-        <p:nvSpPr>
-          <p:cNvPr id="9" name="平行四辺形 8">
-            <a:extLst>
-              <a:ext uri="{FF2B5EF4-FFF2-40B4-BE49-F238E27FC236}">
-                <a16:creationId xmlns:a16="http://schemas.microsoft.com/office/drawing/2014/main" id="{AAB629A7-13D7-4122-BFA3-6A48EE21E4E4}"/>
-              </a:ext>
-            </a:extLst>
-          </p:cNvPr>
-          <p:cNvSpPr/>
-          <p:nvPr/>
-        </p:nvSpPr>
-        <p:spPr>
-          <a:xfrm>
-            <a:off x="2281315" y="2286000"/>
-            <a:ext cx="9910683" cy="2286000"/>
-          </a:xfrm>
-          <a:prstGeom prst="parallelogram">
-            <a:avLst>
-              <a:gd name="adj" fmla="val 99320"/>
-            </a:avLst>
-          </a:prstGeom>
-          <a:solidFill>
-            <a:schemeClr val="lt1"/>
-          </a:solidFill>
-          <a:ln>
-            <a:noFill/>
-          </a:ln>
-        </p:spPr>
-        <p:style>
-          <a:lnRef idx="2">
-            <a:schemeClr val="accent1">
-              <a:shade val="50000"/>
-            </a:schemeClr>
-          </a:lnRef>
-          <a:fillRef idx="1">
-            <a:schemeClr val="accent1"/>
-          </a:fillRef>
-          <a:effectRef idx="0">
-            <a:schemeClr val="accent1"/>
-          </a:effectRef>
-          <a:fontRef idx="minor">
-            <a:schemeClr val="lt1"/>
-          </a:fontRef>
-        </p:style>
-        <p:txBody>
-          <a:bodyPr rtlCol="0" anchor="ctr"/>
-          <a:lstStyle/>
-          <a:p>
-            <a:pPr algn="ctr"/>
-            <a:endParaRPr kumimoji="1" lang="ja-JP" altLang="en-US"/>
-          </a:p>
-        </p:txBody>
-      </p:sp>
-      <p:sp>
-        <p:nvSpPr>
-          <p:cNvPr id="8" name="正方形/長方形 7">
-            <a:extLst>
-              <a:ext uri="{FF2B5EF4-FFF2-40B4-BE49-F238E27FC236}">
-                <a16:creationId xmlns:a16="http://schemas.microsoft.com/office/drawing/2014/main" id="{79DDED25-7D51-4F41-AB7E-3ED58A24629A}"/>
-              </a:ext>
-            </a:extLst>
-          </p:cNvPr>
-          <p:cNvSpPr/>
-          <p:nvPr/>
-        </p:nvSpPr>
-        <p:spPr>
-          <a:xfrm flipH="1">
-            <a:off x="6853560" y="0"/>
-            <a:ext cx="5338438" cy="2286000"/>
-          </a:xfrm>
-          <a:prstGeom prst="rect">
-            <a:avLst/>
-          </a:prstGeom>
-          <a:solidFill>
-            <a:schemeClr val="tx1"/>
-          </a:solidFill>
-          <a:ln>
-            <a:noFill/>
-          </a:ln>
-        </p:spPr>
-        <p:style>
-          <a:lnRef idx="2">
-            <a:schemeClr val="accent1">
-              <a:shade val="50000"/>
-            </a:schemeClr>
-          </a:lnRef>
-          <a:fillRef idx="1">
-            <a:schemeClr val="accent1"/>
-          </a:fillRef>
-          <a:effectRef idx="0">
-            <a:schemeClr val="accent1"/>
-          </a:effectRef>
-          <a:fontRef idx="minor">
-            <a:schemeClr val="lt1"/>
-          </a:fontRef>
-        </p:style>
-        <p:txBody>
-          <a:bodyPr rtlCol="0" anchor="ctr"/>
-          <a:lstStyle/>
-          <a:p>
-            <a:pPr algn="ctr"/>
-            <a:endParaRPr kumimoji="1" lang="ja-JP" altLang="en-US"/>
-          </a:p>
-        </p:txBody>
-      </p:sp>
-      <p:sp>
-        <p:nvSpPr>
-          <p:cNvPr id="7" name="直角三角形 6">
-            <a:extLst>
-              <a:ext uri="{FF2B5EF4-FFF2-40B4-BE49-F238E27FC236}">
-                <a16:creationId xmlns:a16="http://schemas.microsoft.com/office/drawing/2014/main" id="{E21BAC9A-31DC-46CE-8B66-6CA21B4D7BFC}"/>
-              </a:ext>
-            </a:extLst>
-          </p:cNvPr>
-          <p:cNvSpPr/>
-          <p:nvPr/>
-        </p:nvSpPr>
-        <p:spPr>
-          <a:xfrm flipH="1">
-            <a:off x="4548849" y="1"/>
-            <a:ext cx="2304711" cy="2286000"/>
-          </a:xfrm>
-          <a:prstGeom prst="rtTriangle">
-            <a:avLst/>
-          </a:prstGeom>
-          <a:solidFill>
-            <a:schemeClr val="tx1"/>
-          </a:solidFill>
-          <a:ln>
-            <a:noFill/>
-          </a:ln>
-        </p:spPr>
-        <p:style>
-          <a:lnRef idx="2">
-            <a:schemeClr val="accent1">
-              <a:shade val="50000"/>
-            </a:schemeClr>
-          </a:lnRef>
-          <a:fillRef idx="1">
-            <a:schemeClr val="accent1"/>
-          </a:fillRef>
-          <a:effectRef idx="0">
-            <a:schemeClr val="accent1"/>
-          </a:effectRef>
-          <a:fontRef idx="minor">
-            <a:schemeClr val="lt1"/>
-          </a:fontRef>
-        </p:style>
-        <p:txBody>
-          <a:bodyPr rtlCol="0" anchor="ctr"/>
-          <a:lstStyle/>
-          <a:p>
-            <a:pPr algn="ctr"/>
-            <a:endParaRPr kumimoji="1" lang="ja-JP" altLang="en-US"/>
-          </a:p>
-        </p:txBody>
-      </p:sp>
-      <p:sp>
-        <p:nvSpPr>
-          <p:cNvPr id="10" name="平行四辺形 9">
-            <a:extLst>
-              <a:ext uri="{FF2B5EF4-FFF2-40B4-BE49-F238E27FC236}">
-                <a16:creationId xmlns:a16="http://schemas.microsoft.com/office/drawing/2014/main" id="{A03720F5-9ACC-40EF-899B-13D2D5F910DF}"/>
-              </a:ext>
-            </a:extLst>
-          </p:cNvPr>
-          <p:cNvSpPr/>
-          <p:nvPr/>
-        </p:nvSpPr>
-        <p:spPr>
-          <a:xfrm>
-            <a:off x="0" y="4572000"/>
-            <a:ext cx="9910683" cy="2286000"/>
-          </a:xfrm>
-          <a:prstGeom prst="parallelogram">
-            <a:avLst>
-              <a:gd name="adj" fmla="val 99320"/>
-            </a:avLst>
-          </a:prstGeom>
-          <a:solidFill>
-            <a:schemeClr val="lt1"/>
-          </a:solidFill>
-          <a:ln>
-            <a:noFill/>
-          </a:ln>
-        </p:spPr>
-        <p:style>
-          <a:lnRef idx="2">
-            <a:schemeClr val="accent1">
-              <a:shade val="50000"/>
-            </a:schemeClr>
-          </a:lnRef>
-          <a:fillRef idx="1">
-            <a:schemeClr val="accent1"/>
-          </a:fillRef>
-          <a:effectRef idx="0">
-            <a:schemeClr val="accent1"/>
-          </a:effectRef>
-          <a:fontRef idx="minor">
-            <a:schemeClr val="lt1"/>
-          </a:fontRef>
-        </p:style>
-        <p:txBody>
-          <a:bodyPr rtlCol="0" anchor="ctr"/>
-          <a:lstStyle/>
-          <a:p>
-            <a:pPr algn="ctr"/>
-            <a:endParaRPr kumimoji="1" lang="ja-JP" altLang="en-US"/>
-          </a:p>
-        </p:txBody>
-      </p:sp>
-    </p:spTree>
-    <p:extLst>
-      <p:ext uri="{BB962C8B-B14F-4D97-AF65-F5344CB8AC3E}">
-        <p14:creationId xmlns:p14="http://schemas.microsoft.com/office/powerpoint/2010/main" val="1915476024"/>
-      </p:ext>
-    </p:extLst>
-  </p:cSld>
-  <p:clrMapOvr>
-    <a:masterClrMapping/>
-  </p:clrMapOvr>
-</p:sld>
-</file>
-
-<file path=ppt/slides/slide50.xml><?xml version="1.0" encoding="utf-8"?>
+<file path=ppt/slides/slide51.xml><?xml version="1.0" encoding="utf-8"?>
 <p:sld xmlns:a="http://schemas.openxmlformats.org/drawingml/2006/main" xmlns:r="http://schemas.openxmlformats.org/officeDocument/2006/relationships" xmlns:p="http://schemas.openxmlformats.org/presentationml/2006/main">
   <p:cSld>
     <p:bg>
@@ -33374,7 +33976,7 @@
 </p:sld>
 </file>
 
-<file path=ppt/slides/slide51.xml><?xml version="1.0" encoding="utf-8"?>
+<file path=ppt/slides/slide52.xml><?xml version="1.0" encoding="utf-8"?>
 <p:sld xmlns:a="http://schemas.openxmlformats.org/drawingml/2006/main" xmlns:r="http://schemas.openxmlformats.org/officeDocument/2006/relationships" xmlns:p="http://schemas.openxmlformats.org/presentationml/2006/main">
   <p:cSld>
     <p:bg>
@@ -34019,7 +34621,7 @@
 </p:sld>
 </file>
 
-<file path=ppt/slides/slide52.xml><?xml version="1.0" encoding="utf-8"?>
+<file path=ppt/slides/slide53.xml><?xml version="1.0" encoding="utf-8"?>
 <p:sld xmlns:a="http://schemas.openxmlformats.org/drawingml/2006/main" xmlns:r="http://schemas.openxmlformats.org/officeDocument/2006/relationships" xmlns:p="http://schemas.openxmlformats.org/presentationml/2006/main">
   <p:cSld>
     <p:spTree>
@@ -34460,7 +35062,7 @@
 </p:sld>
 </file>
 
-<file path=ppt/slides/slide53.xml><?xml version="1.0" encoding="utf-8"?>
+<file path=ppt/slides/slide54.xml><?xml version="1.0" encoding="utf-8"?>
 <p:sld xmlns:a="http://schemas.openxmlformats.org/drawingml/2006/main" xmlns:r="http://schemas.openxmlformats.org/officeDocument/2006/relationships" xmlns:p="http://schemas.openxmlformats.org/presentationml/2006/main">
   <p:cSld>
     <p:spTree>
@@ -36394,7 +36996,7 @@
 </p:sld>
 </file>
 
-<file path=ppt/slides/slide54.xml><?xml version="1.0" encoding="utf-8"?>
+<file path=ppt/slides/slide55.xml><?xml version="1.0" encoding="utf-8"?>
 <p:sld xmlns:a="http://schemas.openxmlformats.org/drawingml/2006/main" xmlns:r="http://schemas.openxmlformats.org/officeDocument/2006/relationships" xmlns:p="http://schemas.openxmlformats.org/presentationml/2006/main">
   <p:cSld>
     <p:spTree>
@@ -36856,7 +37458,7 @@
 </p:sld>
 </file>
 
-<file path=ppt/slides/slide55.xml><?xml version="1.0" encoding="utf-8"?>
+<file path=ppt/slides/slide56.xml><?xml version="1.0" encoding="utf-8"?>
 <p:sld xmlns:a="http://schemas.openxmlformats.org/drawingml/2006/main" xmlns:r="http://schemas.openxmlformats.org/officeDocument/2006/relationships" xmlns:p="http://schemas.openxmlformats.org/presentationml/2006/main">
   <p:cSld>
     <p:spTree>
@@ -37002,7 +37604,7 @@
 </p:sld>
 </file>
 
-<file path=ppt/slides/slide56.xml><?xml version="1.0" encoding="utf-8"?>
+<file path=ppt/slides/slide57.xml><?xml version="1.0" encoding="utf-8"?>
 <p:sld xmlns:a="http://schemas.openxmlformats.org/drawingml/2006/main" xmlns:r="http://schemas.openxmlformats.org/officeDocument/2006/relationships" xmlns:p="http://schemas.openxmlformats.org/presentationml/2006/main">
   <p:cSld>
     <p:spTree>
@@ -37102,7 +37704,7 @@
 </p:sld>
 </file>
 
-<file path=ppt/slides/slide57.xml><?xml version="1.0" encoding="utf-8"?>
+<file path=ppt/slides/slide58.xml><?xml version="1.0" encoding="utf-8"?>
 <p:sld xmlns:a="http://schemas.openxmlformats.org/drawingml/2006/main" xmlns:r="http://schemas.openxmlformats.org/officeDocument/2006/relationships" xmlns:p="http://schemas.openxmlformats.org/presentationml/2006/main">
   <p:cSld>
     <p:bg>
@@ -37423,7 +38025,7 @@
 </p:sld>
 </file>
 
-<file path=ppt/slides/slide58.xml><?xml version="1.0" encoding="utf-8"?>
+<file path=ppt/slides/slide59.xml><?xml version="1.0" encoding="utf-8"?>
 <p:sld xmlns:a="http://schemas.openxmlformats.org/drawingml/2006/main" xmlns:r="http://schemas.openxmlformats.org/officeDocument/2006/relationships" xmlns:p="http://schemas.openxmlformats.org/presentationml/2006/main">
   <p:cSld>
     <p:spTree>

--- a/resource.pptx
+++ b/resource.pptx
@@ -63,7 +63,8 @@
     <p:sldId id="261" r:id="rId57"/>
     <p:sldId id="259" r:id="rId58"/>
     <p:sldId id="313" r:id="rId59"/>
-    <p:sldId id="294" r:id="rId60"/>
+    <p:sldId id="315" r:id="rId60"/>
+    <p:sldId id="294" r:id="rId61"/>
   </p:sldIdLst>
   <p:sldSz cx="12192000" cy="6858000"/>
   <p:notesSz cx="6858000" cy="9144000"/>
@@ -327,7 +328,7 @@
           <a:p>
             <a:fld id="{F393CF75-DA3A-4376-8130-7D6E005E77C9}" type="datetimeFigureOut">
               <a:rPr kumimoji="1" lang="ja-JP" altLang="en-US" smtClean="0"/>
-              <a:t>2020/1/2</a:t>
+              <a:t>2020/1/12</a:t>
             </a:fld>
             <a:endParaRPr kumimoji="1" lang="ja-JP" altLang="en-US"/>
           </a:p>
@@ -529,7 +530,7 @@
           <a:p>
             <a:fld id="{F393CF75-DA3A-4376-8130-7D6E005E77C9}" type="datetimeFigureOut">
               <a:rPr kumimoji="1" lang="ja-JP" altLang="en-US" smtClean="0"/>
-              <a:t>2020/1/2</a:t>
+              <a:t>2020/1/12</a:t>
             </a:fld>
             <a:endParaRPr kumimoji="1" lang="ja-JP" altLang="en-US"/>
           </a:p>
@@ -741,7 +742,7 @@
           <a:p>
             <a:fld id="{F393CF75-DA3A-4376-8130-7D6E005E77C9}" type="datetimeFigureOut">
               <a:rPr kumimoji="1" lang="ja-JP" altLang="en-US" smtClean="0"/>
-              <a:t>2020/1/2</a:t>
+              <a:t>2020/1/12</a:t>
             </a:fld>
             <a:endParaRPr kumimoji="1" lang="ja-JP" altLang="en-US"/>
           </a:p>
@@ -943,7 +944,7 @@
           <a:p>
             <a:fld id="{F393CF75-DA3A-4376-8130-7D6E005E77C9}" type="datetimeFigureOut">
               <a:rPr kumimoji="1" lang="ja-JP" altLang="en-US" smtClean="0"/>
-              <a:t>2020/1/2</a:t>
+              <a:t>2020/1/12</a:t>
             </a:fld>
             <a:endParaRPr kumimoji="1" lang="ja-JP" altLang="en-US"/>
           </a:p>
@@ -1189,7 +1190,7 @@
           <a:p>
             <a:fld id="{F393CF75-DA3A-4376-8130-7D6E005E77C9}" type="datetimeFigureOut">
               <a:rPr kumimoji="1" lang="ja-JP" altLang="en-US" smtClean="0"/>
-              <a:t>2020/1/2</a:t>
+              <a:t>2020/1/12</a:t>
             </a:fld>
             <a:endParaRPr kumimoji="1" lang="ja-JP" altLang="en-US"/>
           </a:p>
@@ -1485,7 +1486,7 @@
           <a:p>
             <a:fld id="{F393CF75-DA3A-4376-8130-7D6E005E77C9}" type="datetimeFigureOut">
               <a:rPr kumimoji="1" lang="ja-JP" altLang="en-US" smtClean="0"/>
-              <a:t>2020/1/2</a:t>
+              <a:t>2020/1/12</a:t>
             </a:fld>
             <a:endParaRPr kumimoji="1" lang="ja-JP" altLang="en-US"/>
           </a:p>
@@ -1916,7 +1917,7 @@
           <a:p>
             <a:fld id="{F393CF75-DA3A-4376-8130-7D6E005E77C9}" type="datetimeFigureOut">
               <a:rPr kumimoji="1" lang="ja-JP" altLang="en-US" smtClean="0"/>
-              <a:t>2020/1/2</a:t>
+              <a:t>2020/1/12</a:t>
             </a:fld>
             <a:endParaRPr kumimoji="1" lang="ja-JP" altLang="en-US"/>
           </a:p>
@@ -2034,7 +2035,7 @@
           <a:p>
             <a:fld id="{F393CF75-DA3A-4376-8130-7D6E005E77C9}" type="datetimeFigureOut">
               <a:rPr kumimoji="1" lang="ja-JP" altLang="en-US" smtClean="0"/>
-              <a:t>2020/1/2</a:t>
+              <a:t>2020/1/12</a:t>
             </a:fld>
             <a:endParaRPr kumimoji="1" lang="ja-JP" altLang="en-US"/>
           </a:p>
@@ -2129,7 +2130,7 @@
           <a:p>
             <a:fld id="{F393CF75-DA3A-4376-8130-7D6E005E77C9}" type="datetimeFigureOut">
               <a:rPr kumimoji="1" lang="ja-JP" altLang="en-US" smtClean="0"/>
-              <a:t>2020/1/2</a:t>
+              <a:t>2020/1/12</a:t>
             </a:fld>
             <a:endParaRPr kumimoji="1" lang="ja-JP" altLang="en-US"/>
           </a:p>
@@ -2438,7 +2439,7 @@
           <a:p>
             <a:fld id="{F393CF75-DA3A-4376-8130-7D6E005E77C9}" type="datetimeFigureOut">
               <a:rPr kumimoji="1" lang="ja-JP" altLang="en-US" smtClean="0"/>
-              <a:t>2020/1/2</a:t>
+              <a:t>2020/1/12</a:t>
             </a:fld>
             <a:endParaRPr kumimoji="1" lang="ja-JP" altLang="en-US"/>
           </a:p>
@@ -2695,7 +2696,7 @@
           <a:p>
             <a:fld id="{F393CF75-DA3A-4376-8130-7D6E005E77C9}" type="datetimeFigureOut">
               <a:rPr kumimoji="1" lang="ja-JP" altLang="en-US" smtClean="0"/>
-              <a:t>2020/1/2</a:t>
+              <a:t>2020/1/12</a:t>
             </a:fld>
             <a:endParaRPr kumimoji="1" lang="ja-JP" altLang="en-US"/>
           </a:p>
@@ -2940,7 +2941,7 @@
           <a:p>
             <a:fld id="{F393CF75-DA3A-4376-8130-7D6E005E77C9}" type="datetimeFigureOut">
               <a:rPr kumimoji="1" lang="ja-JP" altLang="en-US" smtClean="0"/>
-              <a:t>2020/1/2</a:t>
+              <a:t>2020/1/12</a:t>
             </a:fld>
             <a:endParaRPr kumimoji="1" lang="ja-JP" altLang="en-US"/>
           </a:p>
@@ -38028,6 +38029,17 @@
 <file path=ppt/slides/slide59.xml><?xml version="1.0" encoding="utf-8"?>
 <p:sld xmlns:a="http://schemas.openxmlformats.org/drawingml/2006/main" xmlns:r="http://schemas.openxmlformats.org/officeDocument/2006/relationships" xmlns:p="http://schemas.openxmlformats.org/presentationml/2006/main">
   <p:cSld>
+    <p:bg>
+      <p:bgPr>
+        <a:solidFill>
+          <a:schemeClr val="bg1">
+            <a:lumMod val="75000"/>
+            <a:lumOff val="25000"/>
+          </a:schemeClr>
+        </a:solidFill>
+        <a:effectLst/>
+      </p:bgPr>
+    </p:bg>
     <p:spTree>
       <p:nvGrpSpPr>
         <p:cNvPr id="1" name=""/>
@@ -38042,31 +38054,63 @@
           <a:chExt cx="0" cy="0"/>
         </a:xfrm>
       </p:grpSpPr>
-      <p:sp>
-        <p:nvSpPr>
-          <p:cNvPr id="13" name="正方形/長方形 12">
-            <a:extLst>
-              <a:ext uri="{FF2B5EF4-FFF2-40B4-BE49-F238E27FC236}">
-                <a16:creationId xmlns:a16="http://schemas.microsoft.com/office/drawing/2014/main" id="{4BFCD2B7-DB0C-4748-BB24-B58A851FD838}"/>
-              </a:ext>
-            </a:extLst>
-          </p:cNvPr>
-          <p:cNvSpPr/>
-          <p:nvPr/>
-        </p:nvSpPr>
-        <p:spPr>
-          <a:xfrm>
-            <a:off x="2658319" y="0"/>
-            <a:ext cx="6875362" cy="6875362"/>
+      <p:pic>
+        <p:nvPicPr>
+          <p:cNvPr id="10" name="図 9">
+            <a:extLst>
+              <a:ext uri="{FF2B5EF4-FFF2-40B4-BE49-F238E27FC236}">
+                <a16:creationId xmlns:a16="http://schemas.microsoft.com/office/drawing/2014/main" id="{2AD6AA1B-6EB7-4E60-A910-226B262DCA5E}"/>
+              </a:ext>
+            </a:extLst>
+          </p:cNvPr>
+          <p:cNvPicPr>
+            <a:picLocks noChangeAspect="1"/>
+          </p:cNvPicPr>
+          <p:nvPr/>
+        </p:nvPicPr>
+        <p:blipFill>
+          <a:blip r:embed="rId2">
+            <a:extLst>
+              <a:ext uri="{28A0092B-C50C-407E-A947-70E740481C1C}">
+                <a14:useLocalDpi xmlns:a14="http://schemas.microsoft.com/office/drawing/2010/main" val="0"/>
+              </a:ext>
+            </a:extLst>
+          </a:blip>
+          <a:stretch>
+            <a:fillRect/>
+          </a:stretch>
+        </p:blipFill>
+        <p:spPr>
+          <a:xfrm rot="5400000">
+            <a:off x="5842993" y="2647760"/>
+            <a:ext cx="506012" cy="4925995"/>
           </a:xfrm>
           <a:prstGeom prst="rect">
             <a:avLst/>
           </a:prstGeom>
-          <a:solidFill>
-            <a:schemeClr val="tx1">
-              <a:lumMod val="85000"/>
-            </a:schemeClr>
-          </a:solidFill>
+        </p:spPr>
+      </p:pic>
+      <p:sp>
+        <p:nvSpPr>
+          <p:cNvPr id="11" name="正方形/長方形 10">
+            <a:extLst>
+              <a:ext uri="{FF2B5EF4-FFF2-40B4-BE49-F238E27FC236}">
+                <a16:creationId xmlns:a16="http://schemas.microsoft.com/office/drawing/2014/main" id="{2B8E0A7F-2AAE-43A0-99E2-10E970DA881E}"/>
+              </a:ext>
+            </a:extLst>
+          </p:cNvPr>
+          <p:cNvSpPr/>
+          <p:nvPr/>
+        </p:nvSpPr>
+        <p:spPr>
+          <a:xfrm>
+            <a:off x="3075974" y="2276699"/>
+            <a:ext cx="5976000" cy="1800000"/>
+          </a:xfrm>
+          <a:prstGeom prst="rect">
+            <a:avLst/>
+          </a:prstGeom>
+          <a:noFill/>
           <a:ln>
             <a:noFill/>
           </a:ln>
@@ -38096,10 +38140,126 @@
           </a:p>
         </p:txBody>
       </p:sp>
+      <p:sp>
+        <p:nvSpPr>
+          <p:cNvPr id="12" name="正方形/長方形 11">
+            <a:extLst>
+              <a:ext uri="{FF2B5EF4-FFF2-40B4-BE49-F238E27FC236}">
+                <a16:creationId xmlns:a16="http://schemas.microsoft.com/office/drawing/2014/main" id="{A11F1E3C-5AB0-4B2F-B2D2-338FBE627A86}"/>
+              </a:ext>
+            </a:extLst>
+          </p:cNvPr>
+          <p:cNvSpPr/>
+          <p:nvPr/>
+        </p:nvSpPr>
+        <p:spPr>
+          <a:xfrm>
+            <a:off x="3215999" y="5548424"/>
+            <a:ext cx="5695950" cy="1562100"/>
+          </a:xfrm>
+          <a:prstGeom prst="rect">
+            <a:avLst/>
+          </a:prstGeom>
+          <a:noFill/>
+          <a:ln w="127000">
+            <a:solidFill>
+              <a:schemeClr val="tx1"/>
+            </a:solidFill>
+          </a:ln>
+        </p:spPr>
+        <p:style>
+          <a:lnRef idx="2">
+            <a:schemeClr val="accent1">
+              <a:shade val="50000"/>
+            </a:schemeClr>
+          </a:lnRef>
+          <a:fillRef idx="1">
+            <a:schemeClr val="accent1"/>
+          </a:fillRef>
+          <a:effectRef idx="0">
+            <a:schemeClr val="accent1"/>
+          </a:effectRef>
+          <a:fontRef idx="minor">
+            <a:schemeClr val="lt1"/>
+          </a:fontRef>
+        </p:style>
+        <p:txBody>
+          <a:bodyPr rtlCol="0" anchor="ctr"/>
+          <a:lstStyle/>
+          <a:p>
+            <a:pPr algn="ctr"/>
+            <a:endParaRPr kumimoji="1" lang="ja-JP" altLang="en-US">
+              <a:solidFill>
+                <a:schemeClr val="tx1">
+                  <a:lumMod val="65000"/>
+                </a:schemeClr>
+              </a:solidFill>
+            </a:endParaRPr>
+          </a:p>
+        </p:txBody>
+      </p:sp>
+      <p:sp>
+        <p:nvSpPr>
+          <p:cNvPr id="4" name="正方形/長方形 3">
+            <a:extLst>
+              <a:ext uri="{FF2B5EF4-FFF2-40B4-BE49-F238E27FC236}">
+                <a16:creationId xmlns:a16="http://schemas.microsoft.com/office/drawing/2014/main" id="{7445DE8D-3998-487F-9C8D-2B78C94A1C3A}"/>
+              </a:ext>
+            </a:extLst>
+          </p:cNvPr>
+          <p:cNvSpPr/>
+          <p:nvPr/>
+        </p:nvSpPr>
+        <p:spPr>
+          <a:xfrm>
+            <a:off x="3215999" y="2395649"/>
+            <a:ext cx="5695950" cy="1562100"/>
+          </a:xfrm>
+          <a:prstGeom prst="rect">
+            <a:avLst/>
+          </a:prstGeom>
+          <a:solidFill>
+            <a:schemeClr val="tx1"/>
+          </a:solidFill>
+          <a:ln w="127000">
+            <a:noFill/>
+          </a:ln>
+        </p:spPr>
+        <p:style>
+          <a:lnRef idx="2">
+            <a:schemeClr val="accent1">
+              <a:shade val="50000"/>
+            </a:schemeClr>
+          </a:lnRef>
+          <a:fillRef idx="1">
+            <a:schemeClr val="accent1"/>
+          </a:fillRef>
+          <a:effectRef idx="0">
+            <a:schemeClr val="accent1"/>
+          </a:effectRef>
+          <a:fontRef idx="minor">
+            <a:schemeClr val="lt1"/>
+          </a:fontRef>
+        </p:style>
+        <p:txBody>
+          <a:bodyPr rtlCol="0" anchor="ctr"/>
+          <a:lstStyle/>
+          <a:p>
+            <a:pPr algn="ctr"/>
+            <a:endParaRPr kumimoji="1" lang="ja-JP" altLang="en-US">
+              <a:solidFill>
+                <a:schemeClr val="tx1">
+                  <a:lumMod val="65000"/>
+                </a:schemeClr>
+              </a:solidFill>
+            </a:endParaRPr>
+          </a:p>
+        </p:txBody>
+      </p:sp>
     </p:spTree>
     <p:extLst>
       <p:ext uri="{BB962C8B-B14F-4D97-AF65-F5344CB8AC3E}">
-        <p14:creationId xmlns:p14="http://schemas.microsoft.com/office/powerpoint/2010/main" val="201829534"/>
+        <p14:creationId xmlns:p14="http://schemas.microsoft.com/office/powerpoint/2010/main" val="2617255436"/>
       </p:ext>
     </p:extLst>
   </p:cSld>
@@ -38551,6 +38711,90 @@
     <p:extLst>
       <p:ext uri="{BB962C8B-B14F-4D97-AF65-F5344CB8AC3E}">
         <p14:creationId xmlns:p14="http://schemas.microsoft.com/office/powerpoint/2010/main" val="1413062600"/>
+      </p:ext>
+    </p:extLst>
+  </p:cSld>
+  <p:clrMapOvr>
+    <a:masterClrMapping/>
+  </p:clrMapOvr>
+</p:sld>
+</file>
+
+<file path=ppt/slides/slide60.xml><?xml version="1.0" encoding="utf-8"?>
+<p:sld xmlns:a="http://schemas.openxmlformats.org/drawingml/2006/main" xmlns:r="http://schemas.openxmlformats.org/officeDocument/2006/relationships" xmlns:p="http://schemas.openxmlformats.org/presentationml/2006/main">
+  <p:cSld>
+    <p:spTree>
+      <p:nvGrpSpPr>
+        <p:cNvPr id="1" name=""/>
+        <p:cNvGrpSpPr/>
+        <p:nvPr/>
+      </p:nvGrpSpPr>
+      <p:grpSpPr>
+        <a:xfrm>
+          <a:off x="0" y="0"/>
+          <a:ext cx="0" cy="0"/>
+          <a:chOff x="0" y="0"/>
+          <a:chExt cx="0" cy="0"/>
+        </a:xfrm>
+      </p:grpSpPr>
+      <p:sp>
+        <p:nvSpPr>
+          <p:cNvPr id="13" name="正方形/長方形 12">
+            <a:extLst>
+              <a:ext uri="{FF2B5EF4-FFF2-40B4-BE49-F238E27FC236}">
+                <a16:creationId xmlns:a16="http://schemas.microsoft.com/office/drawing/2014/main" id="{4BFCD2B7-DB0C-4748-BB24-B58A851FD838}"/>
+              </a:ext>
+            </a:extLst>
+          </p:cNvPr>
+          <p:cNvSpPr/>
+          <p:nvPr/>
+        </p:nvSpPr>
+        <p:spPr>
+          <a:xfrm>
+            <a:off x="2658319" y="0"/>
+            <a:ext cx="6875362" cy="6875362"/>
+          </a:xfrm>
+          <a:prstGeom prst="rect">
+            <a:avLst/>
+          </a:prstGeom>
+          <a:solidFill>
+            <a:schemeClr val="tx1">
+              <a:lumMod val="85000"/>
+            </a:schemeClr>
+          </a:solidFill>
+          <a:ln>
+            <a:noFill/>
+          </a:ln>
+        </p:spPr>
+        <p:style>
+          <a:lnRef idx="2">
+            <a:schemeClr val="accent1">
+              <a:shade val="50000"/>
+            </a:schemeClr>
+          </a:lnRef>
+          <a:fillRef idx="1">
+            <a:schemeClr val="accent1"/>
+          </a:fillRef>
+          <a:effectRef idx="0">
+            <a:schemeClr val="accent1"/>
+          </a:effectRef>
+          <a:fontRef idx="minor">
+            <a:schemeClr val="lt1"/>
+          </a:fontRef>
+        </p:style>
+        <p:txBody>
+          <a:bodyPr rtlCol="0" anchor="ctr"/>
+          <a:lstStyle/>
+          <a:p>
+            <a:pPr algn="ctr"/>
+            <a:endParaRPr kumimoji="1" lang="ja-JP" altLang="en-US"/>
+          </a:p>
+        </p:txBody>
+      </p:sp>
+    </p:spTree>
+    <p:extLst>
+      <p:ext uri="{BB962C8B-B14F-4D97-AF65-F5344CB8AC3E}">
+        <p14:creationId xmlns:p14="http://schemas.microsoft.com/office/powerpoint/2010/main" val="201829534"/>
       </p:ext>
     </p:extLst>
   </p:cSld>
